--- a/figures.pptx
+++ b/figures.pptx
@@ -5,7 +5,7 @@
     <p:sldMasterId id="2147483648" r:id="rId1"/>
   </p:sldMasterIdLst>
   <p:notesMasterIdLst>
-    <p:notesMasterId r:id="rId19"/>
+    <p:notesMasterId r:id="rId20"/>
   </p:notesMasterIdLst>
   <p:sldIdLst>
     <p:sldId id="311" r:id="rId2"/>
@@ -17,14 +17,15 @@
     <p:sldId id="333" r:id="rId8"/>
     <p:sldId id="334" r:id="rId9"/>
     <p:sldId id="338" r:id="rId10"/>
-    <p:sldId id="339" r:id="rId11"/>
-    <p:sldId id="315" r:id="rId12"/>
+    <p:sldId id="315" r:id="rId11"/>
+    <p:sldId id="339" r:id="rId12"/>
     <p:sldId id="340" r:id="rId13"/>
     <p:sldId id="343" r:id="rId14"/>
     <p:sldId id="344" r:id="rId15"/>
     <p:sldId id="320" r:id="rId16"/>
     <p:sldId id="337" r:id="rId17"/>
     <p:sldId id="336" r:id="rId18"/>
+    <p:sldId id="345" r:id="rId19"/>
   </p:sldIdLst>
   <p:sldSz cx="9144000" cy="5143500" type="screen16x9"/>
   <p:notesSz cx="6858000" cy="9144000"/>
@@ -2803,7 +2804,7 @@
                 <a:cs typeface="Corbel"/>
                 <a:sym typeface="Corbel"/>
               </a:rPr>
-              <a:t>10</a:t>
+              <a:t>11</a:t>
             </a:fld>
             <a:endParaRPr lang="uk-UA" sz="1200" b="0" i="0" u="none" strike="noStrike" cap="none">
               <a:solidFill>
@@ -6970,6 +6971,2076 @@
       </p:grpSpPr>
       <p:sp>
         <p:nvSpPr>
+          <p:cNvPr id="68" name="Google Shape;85;p15">
+            <a:extLst>
+              <a:ext uri="{FF2B5EF4-FFF2-40B4-BE49-F238E27FC236}">
+                <a16:creationId xmlns:a16="http://schemas.microsoft.com/office/drawing/2014/main" id="{ED79DC67-3736-7A4D-9654-398ABB97BBBA}"/>
+              </a:ext>
+            </a:extLst>
+          </p:cNvPr>
+          <p:cNvSpPr/>
+          <p:nvPr/>
+        </p:nvSpPr>
+        <p:spPr>
+          <a:xfrm>
+            <a:off x="1227790" y="1918809"/>
+            <a:ext cx="1088261" cy="1666550"/>
+          </a:xfrm>
+          <a:prstGeom prst="roundRect">
+            <a:avLst>
+              <a:gd name="adj" fmla="val 16667"/>
+            </a:avLst>
+          </a:prstGeom>
+          <a:solidFill>
+            <a:schemeClr val="tx1">
+              <a:lumMod val="20000"/>
+              <a:lumOff val="80000"/>
+            </a:schemeClr>
+          </a:solidFill>
+          <a:ln>
+            <a:solidFill>
+              <a:srgbClr val="6A99D0"/>
+            </a:solidFill>
+          </a:ln>
+          <a:effectLst>
+            <a:outerShdw blurRad="50800" dist="38100" dir="2700000" algn="tl" rotWithShape="0">
+              <a:prstClr val="black">
+                <a:alpha val="40000"/>
+              </a:prstClr>
+            </a:outerShdw>
+          </a:effectLst>
+        </p:spPr>
+        <p:txBody>
+          <a:bodyPr spcFirstLastPara="1" wrap="square" lIns="121900" tIns="121900" rIns="121900" bIns="121900" anchor="t" anchorCtr="0">
+            <a:noAutofit/>
+          </a:bodyPr>
+          <a:lstStyle/>
+          <a:p>
+            <a:pPr algn="ctr"/>
+            <a:r>
+              <a:rPr lang="en-US" sz="1200" dirty="0">
+                <a:solidFill>
+                  <a:schemeClr val="tx1">
+                    <a:lumMod val="50000"/>
+                  </a:schemeClr>
+                </a:solidFill>
+                <a:latin typeface="Calibri" panose="020F0502020204030204" pitchFamily="34" charset="0"/>
+                <a:cs typeface="Calibri" panose="020F0502020204030204" pitchFamily="34" charset="0"/>
+              </a:rPr>
+              <a:t>Integration</a:t>
+            </a:r>
+          </a:p>
+          <a:p>
+            <a:pPr algn="ctr"/>
+            <a:r>
+              <a:rPr lang="en-US" sz="1200" dirty="0">
+                <a:solidFill>
+                  <a:schemeClr val="tx1">
+                    <a:lumMod val="50000"/>
+                  </a:schemeClr>
+                </a:solidFill>
+                <a:latin typeface="Calibri" panose="020F0502020204030204" pitchFamily="34" charset="0"/>
+                <a:cs typeface="Calibri" panose="020F0502020204030204" pitchFamily="34" charset="0"/>
+              </a:rPr>
+              <a:t>Gate</a:t>
+            </a:r>
+            <a:endParaRPr sz="1200" dirty="0">
+              <a:solidFill>
+                <a:schemeClr val="tx1">
+                  <a:lumMod val="50000"/>
+                </a:schemeClr>
+              </a:solidFill>
+              <a:latin typeface="Calibri" panose="020F0502020204030204" pitchFamily="34" charset="0"/>
+              <a:cs typeface="Calibri" panose="020F0502020204030204" pitchFamily="34" charset="0"/>
+            </a:endParaRPr>
+          </a:p>
+          <a:p>
+            <a:pPr algn="ctr"/>
+            <a:endParaRPr sz="1100" dirty="0">
+              <a:solidFill>
+                <a:srgbClr val="000000"/>
+              </a:solidFill>
+              <a:latin typeface="Calibri" panose="020F0502020204030204" pitchFamily="34" charset="0"/>
+              <a:cs typeface="Calibri" panose="020F0502020204030204" pitchFamily="34" charset="0"/>
+            </a:endParaRPr>
+          </a:p>
+          <a:p>
+            <a:pPr algn="ctr"/>
+            <a:endParaRPr sz="1100" dirty="0">
+              <a:solidFill>
+                <a:srgbClr val="000000"/>
+              </a:solidFill>
+              <a:latin typeface="Calibri" panose="020F0502020204030204" pitchFamily="34" charset="0"/>
+              <a:cs typeface="Calibri" panose="020F0502020204030204" pitchFamily="34" charset="0"/>
+            </a:endParaRPr>
+          </a:p>
+        </p:txBody>
+      </p:sp>
+      <p:sp>
+        <p:nvSpPr>
+          <p:cNvPr id="38" name="Google Shape;273;p25"/>
+          <p:cNvSpPr/>
+          <p:nvPr/>
+        </p:nvSpPr>
+        <p:spPr>
+          <a:xfrm>
+            <a:off x="7861840" y="2444330"/>
+            <a:ext cx="1144142" cy="616032"/>
+          </a:xfrm>
+          <a:prstGeom prst="roundRect">
+            <a:avLst>
+              <a:gd name="adj" fmla="val 16667"/>
+            </a:avLst>
+          </a:prstGeom>
+          <a:solidFill>
+            <a:schemeClr val="accent1">
+              <a:lumMod val="20000"/>
+              <a:lumOff val="80000"/>
+            </a:schemeClr>
+          </a:solidFill>
+          <a:ln w="9525" cap="flat" cmpd="sng">
+            <a:solidFill>
+              <a:schemeClr val="bg2">
+                <a:lumMod val="20000"/>
+                <a:lumOff val="80000"/>
+              </a:schemeClr>
+            </a:solidFill>
+            <a:prstDash val="solid"/>
+            <a:round/>
+            <a:headEnd type="none" w="sm" len="sm"/>
+            <a:tailEnd type="none" w="sm" len="sm"/>
+          </a:ln>
+          <a:effectLst>
+            <a:outerShdw blurRad="50800" dist="38100" dir="2700000" algn="tl" rotWithShape="0">
+              <a:prstClr val="black">
+                <a:alpha val="40000"/>
+              </a:prstClr>
+            </a:outerShdw>
+          </a:effectLst>
+        </p:spPr>
+        <p:txBody>
+          <a:bodyPr spcFirstLastPara="1" wrap="square" lIns="121900" tIns="121900" rIns="121900" bIns="121900" anchor="ctr" anchorCtr="0">
+            <a:noAutofit/>
+          </a:bodyPr>
+          <a:lstStyle/>
+          <a:p>
+            <a:pPr algn="ctr"/>
+            <a:r>
+              <a:rPr lang="en" sz="1200" dirty="0">
+                <a:solidFill>
+                  <a:srgbClr val="000000"/>
+                </a:solidFill>
+                <a:latin typeface="Calibri" panose="020F0502020204030204" pitchFamily="34" charset="0"/>
+                <a:cs typeface="Calibri" panose="020F0502020204030204" pitchFamily="34" charset="0"/>
+              </a:rPr>
+              <a:t>Production</a:t>
+            </a:r>
+            <a:r>
+              <a:rPr lang="en-US" sz="1200" dirty="0">
+                <a:solidFill>
+                  <a:srgbClr val="000000"/>
+                </a:solidFill>
+                <a:latin typeface="Calibri" panose="020F0502020204030204" pitchFamily="34" charset="0"/>
+                <a:cs typeface="Calibri" panose="020F0502020204030204" pitchFamily="34" charset="0"/>
+              </a:rPr>
+              <a:t> PODs</a:t>
+            </a:r>
+            <a:endParaRPr sz="1200" dirty="0">
+              <a:solidFill>
+                <a:srgbClr val="000000"/>
+              </a:solidFill>
+              <a:latin typeface="Calibri" panose="020F0502020204030204" pitchFamily="34" charset="0"/>
+              <a:cs typeface="Calibri" panose="020F0502020204030204" pitchFamily="34" charset="0"/>
+            </a:endParaRPr>
+          </a:p>
+        </p:txBody>
+      </p:sp>
+      <p:sp>
+        <p:nvSpPr>
+          <p:cNvPr id="40" name="Google Shape;275;p25"/>
+          <p:cNvSpPr/>
+          <p:nvPr/>
+        </p:nvSpPr>
+        <p:spPr>
+          <a:xfrm>
+            <a:off x="5172065" y="2526426"/>
+            <a:ext cx="939271" cy="472653"/>
+          </a:xfrm>
+          <a:prstGeom prst="roundRect">
+            <a:avLst>
+              <a:gd name="adj" fmla="val 16667"/>
+            </a:avLst>
+          </a:prstGeom>
+          <a:solidFill>
+            <a:schemeClr val="tx1">
+              <a:lumMod val="20000"/>
+              <a:lumOff val="80000"/>
+            </a:schemeClr>
+          </a:solidFill>
+          <a:ln w="9525" cap="flat" cmpd="sng">
+            <a:solidFill>
+              <a:srgbClr val="6A99D0"/>
+            </a:solidFill>
+            <a:prstDash val="solid"/>
+            <a:round/>
+            <a:headEnd type="none" w="sm" len="sm"/>
+            <a:tailEnd type="none" w="sm" len="sm"/>
+          </a:ln>
+          <a:effectLst>
+            <a:outerShdw blurRad="50800" dist="38100" dir="2700000" algn="tl" rotWithShape="0">
+              <a:prstClr val="black">
+                <a:alpha val="40000"/>
+              </a:prstClr>
+            </a:outerShdw>
+          </a:effectLst>
+        </p:spPr>
+        <p:txBody>
+          <a:bodyPr spcFirstLastPara="1" wrap="square" lIns="121900" tIns="121900" rIns="121900" bIns="121900" anchor="ctr" anchorCtr="0">
+            <a:noAutofit/>
+          </a:bodyPr>
+          <a:lstStyle/>
+          <a:p>
+            <a:pPr algn="ctr"/>
+            <a:r>
+              <a:rPr lang="en-US" sz="1200" dirty="0">
+                <a:solidFill>
+                  <a:schemeClr val="tx1">
+                    <a:lumMod val="50000"/>
+                  </a:schemeClr>
+                </a:solidFill>
+                <a:latin typeface="Calibri" panose="020F0502020204030204" pitchFamily="34" charset="0"/>
+                <a:cs typeface="Calibri" panose="020F0502020204030204" pitchFamily="34" charset="0"/>
+              </a:rPr>
+              <a:t>Construct</a:t>
+            </a:r>
+          </a:p>
+          <a:p>
+            <a:pPr algn="ctr"/>
+            <a:r>
+              <a:rPr lang="en-US" sz="1200" dirty="0">
+                <a:solidFill>
+                  <a:schemeClr val="tx1">
+                    <a:lumMod val="50000"/>
+                  </a:schemeClr>
+                </a:solidFill>
+                <a:latin typeface="Calibri" panose="020F0502020204030204" pitchFamily="34" charset="0"/>
+                <a:cs typeface="Calibri" panose="020F0502020204030204" pitchFamily="34" charset="0"/>
+              </a:rPr>
+              <a:t>Plan</a:t>
+            </a:r>
+            <a:endParaRPr sz="1200" dirty="0">
+              <a:solidFill>
+                <a:schemeClr val="tx1">
+                  <a:lumMod val="50000"/>
+                </a:schemeClr>
+              </a:solidFill>
+              <a:latin typeface="Calibri" panose="020F0502020204030204" pitchFamily="34" charset="0"/>
+              <a:cs typeface="Calibri" panose="020F0502020204030204" pitchFamily="34" charset="0"/>
+            </a:endParaRPr>
+          </a:p>
+        </p:txBody>
+      </p:sp>
+      <p:sp>
+        <p:nvSpPr>
+          <p:cNvPr id="42" name="Google Shape;277;p25"/>
+          <p:cNvSpPr/>
+          <p:nvPr/>
+        </p:nvSpPr>
+        <p:spPr>
+          <a:xfrm>
+            <a:off x="6433650" y="2517100"/>
+            <a:ext cx="1007470" cy="472653"/>
+          </a:xfrm>
+          <a:prstGeom prst="roundRect">
+            <a:avLst>
+              <a:gd name="adj" fmla="val 16667"/>
+            </a:avLst>
+          </a:prstGeom>
+          <a:solidFill>
+            <a:schemeClr val="tx1">
+              <a:lumMod val="20000"/>
+              <a:lumOff val="80000"/>
+            </a:schemeClr>
+          </a:solidFill>
+          <a:ln w="9525" cap="flat" cmpd="sng">
+            <a:solidFill>
+              <a:srgbClr val="6A99D0"/>
+            </a:solidFill>
+            <a:prstDash val="solid"/>
+            <a:round/>
+            <a:headEnd type="none" w="sm" len="sm"/>
+            <a:tailEnd type="none" w="sm" len="sm"/>
+          </a:ln>
+          <a:effectLst>
+            <a:outerShdw blurRad="50800" dist="38100" dir="2700000" algn="tl" rotWithShape="0">
+              <a:prstClr val="black">
+                <a:alpha val="40000"/>
+              </a:prstClr>
+            </a:outerShdw>
+          </a:effectLst>
+        </p:spPr>
+        <p:txBody>
+          <a:bodyPr spcFirstLastPara="1" wrap="square" lIns="121900" tIns="121900" rIns="121900" bIns="121900" anchor="ctr" anchorCtr="0">
+            <a:noAutofit/>
+          </a:bodyPr>
+          <a:lstStyle/>
+          <a:p>
+            <a:pPr algn="ctr"/>
+            <a:r>
+              <a:rPr lang="en-US" sz="1200" dirty="0">
+                <a:solidFill>
+                  <a:schemeClr val="tx1">
+                    <a:lumMod val="50000"/>
+                  </a:schemeClr>
+                </a:solidFill>
+                <a:latin typeface="Calibri" panose="020F0502020204030204" pitchFamily="34" charset="0"/>
+                <a:cs typeface="Calibri" panose="020F0502020204030204" pitchFamily="34" charset="0"/>
+              </a:rPr>
+              <a:t>Execute</a:t>
+            </a:r>
+          </a:p>
+          <a:p>
+            <a:pPr algn="ctr"/>
+            <a:r>
+              <a:rPr lang="en-US" sz="1200" dirty="0">
+                <a:solidFill>
+                  <a:schemeClr val="tx1">
+                    <a:lumMod val="50000"/>
+                  </a:schemeClr>
+                </a:solidFill>
+                <a:latin typeface="Calibri" panose="020F0502020204030204" pitchFamily="34" charset="0"/>
+                <a:cs typeface="Calibri" panose="020F0502020204030204" pitchFamily="34" charset="0"/>
+              </a:rPr>
+              <a:t>Plan</a:t>
+            </a:r>
+            <a:endParaRPr sz="1200" dirty="0">
+              <a:solidFill>
+                <a:schemeClr val="tx1">
+                  <a:lumMod val="50000"/>
+                </a:schemeClr>
+              </a:solidFill>
+              <a:latin typeface="Calibri" panose="020F0502020204030204" pitchFamily="34" charset="0"/>
+              <a:cs typeface="Calibri" panose="020F0502020204030204" pitchFamily="34" charset="0"/>
+            </a:endParaRPr>
+          </a:p>
+        </p:txBody>
+      </p:sp>
+      <p:cxnSp>
+        <p:nvCxnSpPr>
+          <p:cNvPr id="43" name="Google Shape;278;p25"/>
+          <p:cNvCxnSpPr>
+            <a:cxnSpLocks/>
+            <a:stCxn id="40" idx="3"/>
+            <a:endCxn id="42" idx="1"/>
+          </p:cNvCxnSpPr>
+          <p:nvPr/>
+        </p:nvCxnSpPr>
+        <p:spPr>
+          <a:xfrm flipV="1">
+            <a:off x="6111336" y="2753427"/>
+            <a:ext cx="322314" cy="9326"/>
+          </a:xfrm>
+          <a:prstGeom prst="straightConnector1">
+            <a:avLst/>
+          </a:prstGeom>
+          <a:noFill/>
+          <a:ln w="12700" cap="flat" cmpd="sng">
+            <a:solidFill>
+              <a:srgbClr val="6A99D0"/>
+            </a:solidFill>
+            <a:prstDash val="solid"/>
+            <a:round/>
+            <a:headEnd type="none" w="med" len="med"/>
+            <a:tailEnd type="triangle" w="med" len="med"/>
+          </a:ln>
+        </p:spPr>
+      </p:cxnSp>
+      <p:sp>
+        <p:nvSpPr>
+          <p:cNvPr id="44" name="Google Shape;279;p25"/>
+          <p:cNvSpPr/>
+          <p:nvPr/>
+        </p:nvSpPr>
+        <p:spPr>
+          <a:xfrm>
+            <a:off x="7849139" y="1636134"/>
+            <a:ext cx="1156843" cy="621549"/>
+          </a:xfrm>
+          <a:prstGeom prst="roundRect">
+            <a:avLst>
+              <a:gd name="adj" fmla="val 16667"/>
+            </a:avLst>
+          </a:prstGeom>
+          <a:solidFill>
+            <a:schemeClr val="accent3">
+              <a:lumMod val="20000"/>
+              <a:lumOff val="80000"/>
+            </a:schemeClr>
+          </a:solidFill>
+          <a:ln w="9525" cap="flat" cmpd="sng">
+            <a:solidFill>
+              <a:schemeClr val="accent3">
+                <a:lumMod val="20000"/>
+                <a:lumOff val="80000"/>
+              </a:schemeClr>
+            </a:solidFill>
+            <a:prstDash val="solid"/>
+            <a:round/>
+            <a:headEnd type="none" w="sm" len="sm"/>
+            <a:tailEnd type="none" w="sm" len="sm"/>
+          </a:ln>
+          <a:effectLst>
+            <a:outerShdw blurRad="50800" dist="38100" dir="2700000" algn="tl" rotWithShape="0">
+              <a:prstClr val="black">
+                <a:alpha val="40000"/>
+              </a:prstClr>
+            </a:outerShdw>
+          </a:effectLst>
+        </p:spPr>
+        <p:txBody>
+          <a:bodyPr spcFirstLastPara="1" wrap="square" lIns="121900" tIns="121900" rIns="121900" bIns="121900" anchor="t" anchorCtr="0">
+            <a:noAutofit/>
+          </a:bodyPr>
+          <a:lstStyle/>
+          <a:p>
+            <a:pPr algn="ctr"/>
+            <a:endParaRPr lang="en-US" sz="1200" dirty="0">
+              <a:solidFill>
+                <a:srgbClr val="000000"/>
+              </a:solidFill>
+              <a:latin typeface="Calibri" panose="020F0502020204030204" pitchFamily="34" charset="0"/>
+              <a:cs typeface="Calibri" panose="020F0502020204030204" pitchFamily="34" charset="0"/>
+            </a:endParaRPr>
+          </a:p>
+        </p:txBody>
+      </p:sp>
+      <p:sp>
+        <p:nvSpPr>
+          <p:cNvPr id="51" name="Google Shape;287;p25"/>
+          <p:cNvSpPr/>
+          <p:nvPr/>
+        </p:nvSpPr>
+        <p:spPr>
+          <a:xfrm>
+            <a:off x="7861840" y="3237174"/>
+            <a:ext cx="1144142" cy="616031"/>
+          </a:xfrm>
+          <a:prstGeom prst="roundRect">
+            <a:avLst>
+              <a:gd name="adj" fmla="val 16667"/>
+            </a:avLst>
+          </a:prstGeom>
+          <a:solidFill>
+            <a:schemeClr val="accent4">
+              <a:lumMod val="20000"/>
+              <a:lumOff val="80000"/>
+            </a:schemeClr>
+          </a:solidFill>
+          <a:ln w="9525" cap="flat" cmpd="sng">
+            <a:solidFill>
+              <a:schemeClr val="accent4">
+                <a:lumMod val="20000"/>
+                <a:lumOff val="80000"/>
+              </a:schemeClr>
+            </a:solidFill>
+            <a:prstDash val="solid"/>
+            <a:round/>
+            <a:headEnd type="none" w="sm" len="sm"/>
+            <a:tailEnd type="none" w="sm" len="sm"/>
+          </a:ln>
+          <a:effectLst>
+            <a:outerShdw blurRad="50800" dist="38100" dir="2700000" algn="tl" rotWithShape="0">
+              <a:prstClr val="black">
+                <a:alpha val="40000"/>
+              </a:prstClr>
+            </a:outerShdw>
+          </a:effectLst>
+        </p:spPr>
+        <p:txBody>
+          <a:bodyPr spcFirstLastPara="1" wrap="square" lIns="121900" tIns="121900" rIns="121900" bIns="121900" anchor="ctr" anchorCtr="0">
+            <a:noAutofit/>
+          </a:bodyPr>
+          <a:lstStyle/>
+          <a:p>
+            <a:pPr algn="ctr"/>
+            <a:r>
+              <a:rPr lang="en" sz="1200" dirty="0">
+                <a:solidFill>
+                  <a:srgbClr val="000000"/>
+                </a:solidFill>
+                <a:latin typeface="Calibri" panose="020F0502020204030204" pitchFamily="34" charset="0"/>
+                <a:cs typeface="Calibri" panose="020F0502020204030204" pitchFamily="34" charset="0"/>
+              </a:rPr>
+              <a:t>...</a:t>
+            </a:r>
+            <a:endParaRPr sz="1200" dirty="0">
+              <a:solidFill>
+                <a:srgbClr val="000000"/>
+              </a:solidFill>
+              <a:latin typeface="Calibri" panose="020F0502020204030204" pitchFamily="34" charset="0"/>
+              <a:cs typeface="Calibri" panose="020F0502020204030204" pitchFamily="34" charset="0"/>
+            </a:endParaRPr>
+          </a:p>
+        </p:txBody>
+      </p:sp>
+      <p:sp>
+        <p:nvSpPr>
+          <p:cNvPr id="53" name="Google Shape;282;p25"/>
+          <p:cNvSpPr/>
+          <p:nvPr/>
+        </p:nvSpPr>
+        <p:spPr>
+          <a:xfrm>
+            <a:off x="2690848" y="2517099"/>
+            <a:ext cx="1007470" cy="472654"/>
+          </a:xfrm>
+          <a:prstGeom prst="roundRect">
+            <a:avLst>
+              <a:gd name="adj" fmla="val 16667"/>
+            </a:avLst>
+          </a:prstGeom>
+          <a:solidFill>
+            <a:schemeClr val="tx1">
+              <a:lumMod val="20000"/>
+              <a:lumOff val="80000"/>
+            </a:schemeClr>
+          </a:solidFill>
+          <a:ln w="9525" cap="flat" cmpd="sng">
+            <a:solidFill>
+              <a:srgbClr val="6A99D0"/>
+            </a:solidFill>
+            <a:prstDash val="solid"/>
+            <a:round/>
+            <a:headEnd type="none" w="sm" len="sm"/>
+            <a:tailEnd type="none" w="sm" len="sm"/>
+          </a:ln>
+          <a:effectLst>
+            <a:outerShdw blurRad="50800" dist="38100" dir="2700000" algn="tl" rotWithShape="0">
+              <a:prstClr val="black">
+                <a:alpha val="40000"/>
+              </a:prstClr>
+            </a:outerShdw>
+          </a:effectLst>
+        </p:spPr>
+        <p:txBody>
+          <a:bodyPr spcFirstLastPara="1" wrap="square" lIns="121900" tIns="121900" rIns="121900" bIns="121900" anchor="ctr" anchorCtr="0">
+            <a:noAutofit/>
+          </a:bodyPr>
+          <a:lstStyle/>
+          <a:p>
+            <a:pPr algn="ctr"/>
+            <a:r>
+              <a:rPr lang="en-US" sz="1200" dirty="0">
+                <a:latin typeface="Calibri" panose="020F0502020204030204" pitchFamily="34" charset="0"/>
+                <a:cs typeface="Calibri" panose="020F0502020204030204" pitchFamily="34" charset="0"/>
+              </a:rPr>
+              <a:t>Build</a:t>
+            </a:r>
+          </a:p>
+        </p:txBody>
+      </p:sp>
+      <p:cxnSp>
+        <p:nvCxnSpPr>
+          <p:cNvPr id="54" name="Google Shape;289;p25"/>
+          <p:cNvCxnSpPr>
+            <a:cxnSpLocks/>
+            <a:stCxn id="68" idx="3"/>
+            <a:endCxn id="53" idx="1"/>
+          </p:cNvCxnSpPr>
+          <p:nvPr/>
+        </p:nvCxnSpPr>
+        <p:spPr>
+          <a:xfrm>
+            <a:off x="2316051" y="2752084"/>
+            <a:ext cx="374797" cy="1342"/>
+          </a:xfrm>
+          <a:prstGeom prst="straightConnector1">
+            <a:avLst/>
+          </a:prstGeom>
+          <a:noFill/>
+          <a:ln w="9525" cap="flat" cmpd="sng">
+            <a:solidFill>
+              <a:srgbClr val="6A99D0"/>
+            </a:solidFill>
+            <a:prstDash val="solid"/>
+            <a:round/>
+            <a:headEnd type="none" w="med" len="med"/>
+            <a:tailEnd type="triangle" w="med" len="med"/>
+          </a:ln>
+        </p:spPr>
+      </p:cxnSp>
+      <p:sp>
+        <p:nvSpPr>
+          <p:cNvPr id="60" name="Google Shape;71;p15">
+            <a:extLst>
+              <a:ext uri="{FF2B5EF4-FFF2-40B4-BE49-F238E27FC236}">
+                <a16:creationId xmlns:a16="http://schemas.microsoft.com/office/drawing/2014/main" id="{9FDA1233-E120-2E43-A053-07307A79FD13}"/>
+              </a:ext>
+            </a:extLst>
+          </p:cNvPr>
+          <p:cNvSpPr/>
+          <p:nvPr/>
+        </p:nvSpPr>
+        <p:spPr>
+          <a:xfrm>
+            <a:off x="1358043" y="2499086"/>
+            <a:ext cx="787067" cy="246289"/>
+          </a:xfrm>
+          <a:prstGeom prst="roundRect">
+            <a:avLst>
+              <a:gd name="adj" fmla="val 16667"/>
+            </a:avLst>
+          </a:prstGeom>
+          <a:solidFill>
+            <a:srgbClr val="6A99D0"/>
+          </a:solidFill>
+          <a:ln w="12700" cap="flat" cmpd="sng">
+            <a:solidFill>
+              <a:srgbClr val="6A99D0"/>
+            </a:solidFill>
+            <a:prstDash val="solid"/>
+            <a:round/>
+            <a:headEnd type="none" w="sm" len="sm"/>
+            <a:tailEnd type="none" w="sm" len="sm"/>
+          </a:ln>
+        </p:spPr>
+        <p:txBody>
+          <a:bodyPr spcFirstLastPara="1" wrap="square" lIns="121900" tIns="121900" rIns="121900" bIns="121900" anchor="ctr" anchorCtr="0">
+            <a:noAutofit/>
+          </a:bodyPr>
+          <a:lstStyle/>
+          <a:p>
+            <a:pPr algn="ctr"/>
+            <a:r>
+              <a:rPr lang="en" sz="1200" dirty="0">
+                <a:solidFill>
+                  <a:schemeClr val="bg1"/>
+                </a:solidFill>
+                <a:latin typeface="Calibri" panose="020F0502020204030204" pitchFamily="34" charset="0"/>
+                <a:cs typeface="Calibri" panose="020F0502020204030204" pitchFamily="34" charset="0"/>
+              </a:rPr>
+              <a:t>Testing</a:t>
+            </a:r>
+            <a:endParaRPr sz="1200" dirty="0">
+              <a:solidFill>
+                <a:schemeClr val="bg1"/>
+              </a:solidFill>
+              <a:latin typeface="Calibri" panose="020F0502020204030204" pitchFamily="34" charset="0"/>
+              <a:cs typeface="Calibri" panose="020F0502020204030204" pitchFamily="34" charset="0"/>
+            </a:endParaRPr>
+          </a:p>
+        </p:txBody>
+      </p:sp>
+      <p:sp>
+        <p:nvSpPr>
+          <p:cNvPr id="61" name="Google Shape;98;p15">
+            <a:extLst>
+              <a:ext uri="{FF2B5EF4-FFF2-40B4-BE49-F238E27FC236}">
+                <a16:creationId xmlns:a16="http://schemas.microsoft.com/office/drawing/2014/main" id="{9F7467BF-401F-A542-B602-5CC960E541DF}"/>
+              </a:ext>
+            </a:extLst>
+          </p:cNvPr>
+          <p:cNvSpPr/>
+          <p:nvPr/>
+        </p:nvSpPr>
+        <p:spPr>
+          <a:xfrm>
+            <a:off x="1356377" y="3203264"/>
+            <a:ext cx="787067" cy="244927"/>
+          </a:xfrm>
+          <a:prstGeom prst="roundRect">
+            <a:avLst>
+              <a:gd name="adj" fmla="val 16667"/>
+            </a:avLst>
+          </a:prstGeom>
+          <a:solidFill>
+            <a:schemeClr val="bg1"/>
+          </a:solidFill>
+          <a:ln w="12700" cap="flat" cmpd="sng">
+            <a:solidFill>
+              <a:schemeClr val="accent1"/>
+            </a:solidFill>
+            <a:prstDash val="solid"/>
+            <a:round/>
+            <a:headEnd type="none" w="sm" len="sm"/>
+            <a:tailEnd type="none" w="sm" len="sm"/>
+          </a:ln>
+        </p:spPr>
+        <p:txBody>
+          <a:bodyPr spcFirstLastPara="1" wrap="square" lIns="121900" tIns="121900" rIns="121900" bIns="121900" anchor="ctr" anchorCtr="0">
+            <a:noAutofit/>
+          </a:bodyPr>
+          <a:lstStyle/>
+          <a:p>
+            <a:pPr algn="ctr">
+              <a:lnSpc>
+                <a:spcPct val="80000"/>
+              </a:lnSpc>
+            </a:pPr>
+            <a:r>
+              <a:rPr lang="en-US" sz="1200" dirty="0">
+                <a:latin typeface="Calibri" panose="020F0502020204030204" pitchFamily="34" charset="0"/>
+                <a:cs typeface="Calibri" panose="020F0502020204030204" pitchFamily="34" charset="0"/>
+              </a:rPr>
+              <a:t>Review</a:t>
+            </a:r>
+          </a:p>
+        </p:txBody>
+      </p:sp>
+      <p:cxnSp>
+        <p:nvCxnSpPr>
+          <p:cNvPr id="63" name="Google Shape;72;p15">
+            <a:extLst>
+              <a:ext uri="{FF2B5EF4-FFF2-40B4-BE49-F238E27FC236}">
+                <a16:creationId xmlns:a16="http://schemas.microsoft.com/office/drawing/2014/main" id="{278F6A84-5E94-2947-A679-F6ED30FA7FEF}"/>
+              </a:ext>
+            </a:extLst>
+          </p:cNvPr>
+          <p:cNvCxnSpPr>
+            <a:cxnSpLocks/>
+            <a:stCxn id="68" idx="2"/>
+            <a:endCxn id="55" idx="3"/>
+          </p:cNvCxnSpPr>
+          <p:nvPr/>
+        </p:nvCxnSpPr>
+        <p:spPr>
+          <a:xfrm rot="5400000" flipH="1">
+            <a:off x="919246" y="2732685"/>
+            <a:ext cx="458311" cy="1247038"/>
+          </a:xfrm>
+          <a:prstGeom prst="bentConnector3">
+            <a:avLst>
+              <a:gd name="adj1" fmla="val -49879"/>
+            </a:avLst>
+          </a:prstGeom>
+          <a:noFill/>
+          <a:ln w="12700" cap="flat" cmpd="sng">
+            <a:solidFill>
+              <a:srgbClr val="6A99D0"/>
+            </a:solidFill>
+            <a:prstDash val="sysDot"/>
+            <a:round/>
+            <a:headEnd type="none" w="med" len="med"/>
+            <a:tailEnd type="triangle" w="med" len="med"/>
+          </a:ln>
+        </p:spPr>
+      </p:cxnSp>
+      <p:cxnSp>
+        <p:nvCxnSpPr>
+          <p:cNvPr id="4" name="Elbow Connector 3"/>
+          <p:cNvCxnSpPr>
+            <a:cxnSpLocks/>
+            <a:stCxn id="65" idx="1"/>
+            <a:endCxn id="55" idx="1"/>
+          </p:cNvCxnSpPr>
+          <p:nvPr/>
+        </p:nvCxnSpPr>
+        <p:spPr>
+          <a:xfrm rot="10800000" flipV="1">
+            <a:off x="524884" y="1323190"/>
+            <a:ext cx="702907" cy="1048455"/>
+          </a:xfrm>
+          <a:prstGeom prst="bentConnector2">
+            <a:avLst/>
+          </a:prstGeom>
+          <a:ln w="12700">
+            <a:solidFill>
+              <a:srgbClr val="6A99D0"/>
+            </a:solidFill>
+            <a:prstDash val="sysDot"/>
+            <a:tailEnd type="triangle"/>
+          </a:ln>
+        </p:spPr>
+        <p:style>
+          <a:lnRef idx="1">
+            <a:schemeClr val="accent1"/>
+          </a:lnRef>
+          <a:fillRef idx="0">
+            <a:schemeClr val="accent1"/>
+          </a:fillRef>
+          <a:effectRef idx="0">
+            <a:schemeClr val="accent1"/>
+          </a:effectRef>
+          <a:fontRef idx="minor">
+            <a:schemeClr val="tx1"/>
+          </a:fontRef>
+        </p:style>
+      </p:cxnSp>
+      <p:cxnSp>
+        <p:nvCxnSpPr>
+          <p:cNvPr id="90" name="Straight Arrow Connector 89"/>
+          <p:cNvCxnSpPr>
+            <a:cxnSpLocks/>
+          </p:cNvCxnSpPr>
+          <p:nvPr/>
+        </p:nvCxnSpPr>
+        <p:spPr>
+          <a:xfrm flipV="1">
+            <a:off x="4420104" y="4417663"/>
+            <a:ext cx="4585878" cy="22336"/>
+          </a:xfrm>
+          <a:prstGeom prst="straightConnector1">
+            <a:avLst/>
+          </a:prstGeom>
+          <a:ln>
+            <a:solidFill>
+              <a:srgbClr val="6A99D0"/>
+            </a:solidFill>
+            <a:headEnd type="triangle"/>
+            <a:tailEnd type="triangle"/>
+          </a:ln>
+        </p:spPr>
+        <p:style>
+          <a:lnRef idx="1">
+            <a:schemeClr val="accent1"/>
+          </a:lnRef>
+          <a:fillRef idx="0">
+            <a:schemeClr val="accent1"/>
+          </a:fillRef>
+          <a:effectRef idx="0">
+            <a:schemeClr val="accent1"/>
+          </a:effectRef>
+          <a:fontRef idx="minor">
+            <a:schemeClr val="tx1"/>
+          </a:fontRef>
+        </p:style>
+      </p:cxnSp>
+      <p:sp>
+        <p:nvSpPr>
+          <p:cNvPr id="91" name="TextBox 90"/>
+          <p:cNvSpPr txBox="1"/>
+          <p:nvPr/>
+        </p:nvSpPr>
+        <p:spPr>
+          <a:xfrm>
+            <a:off x="5748522" y="4156548"/>
+            <a:ext cx="1962396" cy="307777"/>
+          </a:xfrm>
+          <a:prstGeom prst="rect">
+            <a:avLst/>
+          </a:prstGeom>
+          <a:noFill/>
+        </p:spPr>
+        <p:txBody>
+          <a:bodyPr wrap="none" rtlCol="0">
+            <a:spAutoFit/>
+          </a:bodyPr>
+          <a:lstStyle/>
+          <a:p>
+            <a:pPr algn="ctr"/>
+            <a:r>
+              <a:rPr lang="en-US" dirty="0">
+                <a:latin typeface="Calibri" panose="020F0502020204030204" pitchFamily="34" charset="0"/>
+                <a:cs typeface="Calibri" panose="020F0502020204030204" pitchFamily="34" charset="0"/>
+              </a:rPr>
+              <a:t>Continuous Deployment</a:t>
+            </a:r>
+          </a:p>
+        </p:txBody>
+      </p:sp>
+      <p:cxnSp>
+        <p:nvCxnSpPr>
+          <p:cNvPr id="93" name="Straight Arrow Connector 92"/>
+          <p:cNvCxnSpPr>
+            <a:cxnSpLocks/>
+          </p:cNvCxnSpPr>
+          <p:nvPr/>
+        </p:nvCxnSpPr>
+        <p:spPr>
+          <a:xfrm>
+            <a:off x="104602" y="4434911"/>
+            <a:ext cx="4297030" cy="4296"/>
+          </a:xfrm>
+          <a:prstGeom prst="straightConnector1">
+            <a:avLst/>
+          </a:prstGeom>
+          <a:ln>
+            <a:solidFill>
+              <a:srgbClr val="6A99D0"/>
+            </a:solidFill>
+            <a:headEnd type="triangle"/>
+            <a:tailEnd type="triangle"/>
+          </a:ln>
+        </p:spPr>
+        <p:style>
+          <a:lnRef idx="1">
+            <a:schemeClr val="accent1"/>
+          </a:lnRef>
+          <a:fillRef idx="0">
+            <a:schemeClr val="accent1"/>
+          </a:fillRef>
+          <a:effectRef idx="0">
+            <a:schemeClr val="accent1"/>
+          </a:effectRef>
+          <a:fontRef idx="minor">
+            <a:schemeClr val="tx1"/>
+          </a:fontRef>
+        </p:style>
+      </p:cxnSp>
+      <p:sp>
+        <p:nvSpPr>
+          <p:cNvPr id="94" name="TextBox 93"/>
+          <p:cNvSpPr txBox="1"/>
+          <p:nvPr/>
+        </p:nvSpPr>
+        <p:spPr>
+          <a:xfrm>
+            <a:off x="1326370" y="4148812"/>
+            <a:ext cx="1877437" cy="307777"/>
+          </a:xfrm>
+          <a:prstGeom prst="rect">
+            <a:avLst/>
+          </a:prstGeom>
+          <a:noFill/>
+        </p:spPr>
+        <p:txBody>
+          <a:bodyPr wrap="none" rtlCol="0">
+            <a:spAutoFit/>
+          </a:bodyPr>
+          <a:lstStyle/>
+          <a:p>
+            <a:pPr algn="ctr"/>
+            <a:r>
+              <a:rPr lang="en-US" dirty="0">
+                <a:latin typeface="Calibri" panose="020F0502020204030204" pitchFamily="34" charset="0"/>
+                <a:cs typeface="Calibri" panose="020F0502020204030204" pitchFamily="34" charset="0"/>
+              </a:rPr>
+              <a:t>Continuous Integration</a:t>
+            </a:r>
+          </a:p>
+        </p:txBody>
+      </p:sp>
+      <p:sp>
+        <p:nvSpPr>
+          <p:cNvPr id="65" name="Google Shape;85;p15">
+            <a:extLst>
+              <a:ext uri="{FF2B5EF4-FFF2-40B4-BE49-F238E27FC236}">
+                <a16:creationId xmlns:a16="http://schemas.microsoft.com/office/drawing/2014/main" id="{923E7BD5-40E6-7346-9B5E-7D5A0B2C8470}"/>
+              </a:ext>
+            </a:extLst>
+          </p:cNvPr>
+          <p:cNvSpPr/>
+          <p:nvPr/>
+        </p:nvSpPr>
+        <p:spPr>
+          <a:xfrm>
+            <a:off x="1227790" y="914400"/>
+            <a:ext cx="1088261" cy="817581"/>
+          </a:xfrm>
+          <a:prstGeom prst="roundRect">
+            <a:avLst>
+              <a:gd name="adj" fmla="val 16667"/>
+            </a:avLst>
+          </a:prstGeom>
+          <a:solidFill>
+            <a:schemeClr val="bg1">
+              <a:lumMod val="95000"/>
+            </a:schemeClr>
+          </a:solidFill>
+          <a:ln>
+            <a:solidFill>
+              <a:srgbClr val="6A99D0"/>
+            </a:solidFill>
+          </a:ln>
+          <a:effectLst>
+            <a:outerShdw blurRad="50800" dist="38100" dir="2700000" algn="tl" rotWithShape="0">
+              <a:prstClr val="black">
+                <a:alpha val="40000"/>
+              </a:prstClr>
+            </a:outerShdw>
+          </a:effectLst>
+        </p:spPr>
+        <p:txBody>
+          <a:bodyPr spcFirstLastPara="1" wrap="square" lIns="121900" tIns="121900" rIns="121900" bIns="121900" anchor="t" anchorCtr="0">
+            <a:noAutofit/>
+          </a:bodyPr>
+          <a:lstStyle/>
+          <a:p>
+            <a:pPr algn="ctr"/>
+            <a:r>
+              <a:rPr lang="en" sz="1200" dirty="0">
+                <a:solidFill>
+                  <a:schemeClr val="tx1">
+                    <a:lumMod val="50000"/>
+                  </a:schemeClr>
+                </a:solidFill>
+                <a:latin typeface="Calibri" panose="020F0502020204030204" pitchFamily="34" charset="0"/>
+                <a:cs typeface="Calibri" panose="020F0502020204030204" pitchFamily="34" charset="0"/>
+              </a:rPr>
+              <a:t>QA </a:t>
+            </a:r>
+            <a:r>
+              <a:rPr lang="en-US" sz="1200" dirty="0">
+                <a:solidFill>
+                  <a:schemeClr val="tx1">
+                    <a:lumMod val="50000"/>
+                  </a:schemeClr>
+                </a:solidFill>
+                <a:latin typeface="Calibri" panose="020F0502020204030204" pitchFamily="34" charset="0"/>
+                <a:cs typeface="Calibri" panose="020F0502020204030204" pitchFamily="34" charset="0"/>
+              </a:rPr>
+              <a:t>PODs</a:t>
+            </a:r>
+            <a:endParaRPr sz="1200" dirty="0">
+              <a:solidFill>
+                <a:schemeClr val="tx1">
+                  <a:lumMod val="50000"/>
+                </a:schemeClr>
+              </a:solidFill>
+              <a:latin typeface="Calibri" panose="020F0502020204030204" pitchFamily="34" charset="0"/>
+              <a:cs typeface="Calibri" panose="020F0502020204030204" pitchFamily="34" charset="0"/>
+            </a:endParaRPr>
+          </a:p>
+        </p:txBody>
+      </p:sp>
+      <p:sp>
+        <p:nvSpPr>
+          <p:cNvPr id="55" name="Google Shape;259;p25">
+            <a:extLst>
+              <a:ext uri="{FF2B5EF4-FFF2-40B4-BE49-F238E27FC236}">
+                <a16:creationId xmlns:a16="http://schemas.microsoft.com/office/drawing/2014/main" id="{456DA109-3285-FC48-B75A-889AD62B785E}"/>
+              </a:ext>
+            </a:extLst>
+          </p:cNvPr>
+          <p:cNvSpPr/>
+          <p:nvPr/>
+        </p:nvSpPr>
+        <p:spPr>
+          <a:xfrm>
+            <a:off x="109136" y="2371646"/>
+            <a:ext cx="831494" cy="755402"/>
+          </a:xfrm>
+          <a:prstGeom prst="can">
+            <a:avLst>
+              <a:gd name="adj" fmla="val 25000"/>
+            </a:avLst>
+          </a:prstGeom>
+          <a:solidFill>
+            <a:schemeClr val="bg1">
+              <a:lumMod val="65000"/>
+            </a:schemeClr>
+          </a:solidFill>
+          <a:ln w="9525" cap="flat" cmpd="sng">
+            <a:solidFill>
+              <a:srgbClr val="6A99D0"/>
+            </a:solidFill>
+            <a:prstDash val="solid"/>
+            <a:round/>
+            <a:headEnd type="none" w="sm" len="sm"/>
+            <a:tailEnd type="none" w="sm" len="sm"/>
+          </a:ln>
+          <a:effectLst>
+            <a:outerShdw blurRad="50800" dist="38100" dir="2700000" algn="tl" rotWithShape="0">
+              <a:prstClr val="black">
+                <a:alpha val="40000"/>
+              </a:prstClr>
+            </a:outerShdw>
+          </a:effectLst>
+        </p:spPr>
+        <p:txBody>
+          <a:bodyPr spcFirstLastPara="1" wrap="square" lIns="121900" tIns="121900" rIns="121900" bIns="121900" anchor="ctr" anchorCtr="0">
+            <a:noAutofit/>
+          </a:bodyPr>
+          <a:lstStyle/>
+          <a:p>
+            <a:pPr algn="ctr">
+              <a:lnSpc>
+                <a:spcPct val="90000"/>
+              </a:lnSpc>
+            </a:pPr>
+            <a:r>
+              <a:rPr lang="en-US" sz="1200" dirty="0">
+                <a:solidFill>
+                  <a:schemeClr val="bg1"/>
+                </a:solidFill>
+                <a:latin typeface="Calibri" panose="020F0502020204030204" pitchFamily="34" charset="0"/>
+                <a:cs typeface="Calibri" panose="020F0502020204030204" pitchFamily="34" charset="0"/>
+              </a:rPr>
+              <a:t>Code</a:t>
+            </a:r>
+            <a:endParaRPr sz="1200" dirty="0">
+              <a:solidFill>
+                <a:schemeClr val="bg1"/>
+              </a:solidFill>
+              <a:latin typeface="Calibri" panose="020F0502020204030204" pitchFamily="34" charset="0"/>
+              <a:cs typeface="Calibri" panose="020F0502020204030204" pitchFamily="34" charset="0"/>
+            </a:endParaRPr>
+          </a:p>
+          <a:p>
+            <a:pPr algn="ctr">
+              <a:lnSpc>
+                <a:spcPct val="90000"/>
+              </a:lnSpc>
+            </a:pPr>
+            <a:r>
+              <a:rPr lang="en" sz="1200" dirty="0">
+                <a:solidFill>
+                  <a:schemeClr val="bg1"/>
+                </a:solidFill>
+                <a:latin typeface="Calibri" panose="020F0502020204030204" pitchFamily="34" charset="0"/>
+                <a:cs typeface="Calibri" panose="020F0502020204030204" pitchFamily="34" charset="0"/>
+              </a:rPr>
+              <a:t>Repo</a:t>
+            </a:r>
+            <a:endParaRPr sz="1200" dirty="0">
+              <a:solidFill>
+                <a:schemeClr val="bg1"/>
+              </a:solidFill>
+              <a:latin typeface="Calibri" panose="020F0502020204030204" pitchFamily="34" charset="0"/>
+              <a:cs typeface="Calibri" panose="020F0502020204030204" pitchFamily="34" charset="0"/>
+            </a:endParaRPr>
+          </a:p>
+        </p:txBody>
+      </p:sp>
+      <p:sp>
+        <p:nvSpPr>
+          <p:cNvPr id="62" name="Google Shape;259;p25">
+            <a:extLst>
+              <a:ext uri="{FF2B5EF4-FFF2-40B4-BE49-F238E27FC236}">
+                <a16:creationId xmlns:a16="http://schemas.microsoft.com/office/drawing/2014/main" id="{F0DC8D35-A28F-6C42-AE38-78DFF67E9AF2}"/>
+              </a:ext>
+            </a:extLst>
+          </p:cNvPr>
+          <p:cNvSpPr/>
+          <p:nvPr/>
+        </p:nvSpPr>
+        <p:spPr>
+          <a:xfrm>
+            <a:off x="4004359" y="1765524"/>
+            <a:ext cx="831494" cy="755402"/>
+          </a:xfrm>
+          <a:prstGeom prst="can">
+            <a:avLst>
+              <a:gd name="adj" fmla="val 25000"/>
+            </a:avLst>
+          </a:prstGeom>
+          <a:solidFill>
+            <a:schemeClr val="bg1">
+              <a:lumMod val="65000"/>
+            </a:schemeClr>
+          </a:solidFill>
+          <a:ln w="9525" cap="flat" cmpd="sng">
+            <a:solidFill>
+              <a:srgbClr val="6A99D0"/>
+            </a:solidFill>
+            <a:prstDash val="solid"/>
+            <a:round/>
+            <a:headEnd type="none" w="sm" len="sm"/>
+            <a:tailEnd type="none" w="sm" len="sm"/>
+          </a:ln>
+          <a:effectLst>
+            <a:outerShdw blurRad="50800" dist="38100" dir="2700000" algn="tl" rotWithShape="0">
+              <a:prstClr val="black">
+                <a:alpha val="40000"/>
+              </a:prstClr>
+            </a:outerShdw>
+          </a:effectLst>
+        </p:spPr>
+        <p:txBody>
+          <a:bodyPr spcFirstLastPara="1" wrap="square" lIns="121900" tIns="121900" rIns="121900" bIns="121900" anchor="ctr" anchorCtr="0">
+            <a:noAutofit/>
+          </a:bodyPr>
+          <a:lstStyle/>
+          <a:p>
+            <a:pPr algn="ctr">
+              <a:lnSpc>
+                <a:spcPct val="90000"/>
+              </a:lnSpc>
+            </a:pPr>
+            <a:r>
+              <a:rPr lang="en-US" sz="1200" dirty="0">
+                <a:solidFill>
+                  <a:schemeClr val="bg1"/>
+                </a:solidFill>
+                <a:latin typeface="Calibri" panose="020F0502020204030204" pitchFamily="34" charset="0"/>
+                <a:cs typeface="Calibri" panose="020F0502020204030204" pitchFamily="34" charset="0"/>
+              </a:rPr>
+              <a:t>Image</a:t>
+            </a:r>
+            <a:endParaRPr sz="1200" dirty="0">
+              <a:solidFill>
+                <a:schemeClr val="bg1"/>
+              </a:solidFill>
+              <a:latin typeface="Calibri" panose="020F0502020204030204" pitchFamily="34" charset="0"/>
+              <a:cs typeface="Calibri" panose="020F0502020204030204" pitchFamily="34" charset="0"/>
+            </a:endParaRPr>
+          </a:p>
+          <a:p>
+            <a:pPr algn="ctr">
+              <a:lnSpc>
+                <a:spcPct val="90000"/>
+              </a:lnSpc>
+            </a:pPr>
+            <a:r>
+              <a:rPr lang="en" sz="1200" dirty="0">
+                <a:solidFill>
+                  <a:schemeClr val="bg1"/>
+                </a:solidFill>
+                <a:latin typeface="Calibri" panose="020F0502020204030204" pitchFamily="34" charset="0"/>
+                <a:cs typeface="Calibri" panose="020F0502020204030204" pitchFamily="34" charset="0"/>
+              </a:rPr>
+              <a:t>Repo</a:t>
+            </a:r>
+            <a:endParaRPr sz="1200" dirty="0">
+              <a:solidFill>
+                <a:schemeClr val="bg1"/>
+              </a:solidFill>
+              <a:latin typeface="Calibri" panose="020F0502020204030204" pitchFamily="34" charset="0"/>
+              <a:cs typeface="Calibri" panose="020F0502020204030204" pitchFamily="34" charset="0"/>
+            </a:endParaRPr>
+          </a:p>
+        </p:txBody>
+      </p:sp>
+      <p:sp>
+        <p:nvSpPr>
+          <p:cNvPr id="64" name="Google Shape;259;p25">
+            <a:extLst>
+              <a:ext uri="{FF2B5EF4-FFF2-40B4-BE49-F238E27FC236}">
+                <a16:creationId xmlns:a16="http://schemas.microsoft.com/office/drawing/2014/main" id="{C6781031-0806-1D44-BA20-D20F0F5B97FD}"/>
+              </a:ext>
+            </a:extLst>
+          </p:cNvPr>
+          <p:cNvSpPr/>
+          <p:nvPr/>
+        </p:nvSpPr>
+        <p:spPr>
+          <a:xfrm>
+            <a:off x="4008809" y="2984228"/>
+            <a:ext cx="831494" cy="755402"/>
+          </a:xfrm>
+          <a:prstGeom prst="can">
+            <a:avLst>
+              <a:gd name="adj" fmla="val 25000"/>
+            </a:avLst>
+          </a:prstGeom>
+          <a:solidFill>
+            <a:schemeClr val="bg1">
+              <a:lumMod val="65000"/>
+            </a:schemeClr>
+          </a:solidFill>
+          <a:ln w="9525" cap="flat" cmpd="sng">
+            <a:solidFill>
+              <a:srgbClr val="6A99D0"/>
+            </a:solidFill>
+            <a:prstDash val="solid"/>
+            <a:round/>
+            <a:headEnd type="none" w="sm" len="sm"/>
+            <a:tailEnd type="none" w="sm" len="sm"/>
+          </a:ln>
+          <a:effectLst>
+            <a:outerShdw blurRad="50800" dist="38100" dir="2700000" algn="tl" rotWithShape="0">
+              <a:prstClr val="black">
+                <a:alpha val="40000"/>
+              </a:prstClr>
+            </a:outerShdw>
+          </a:effectLst>
+        </p:spPr>
+        <p:txBody>
+          <a:bodyPr spcFirstLastPara="1" wrap="square" lIns="121900" tIns="121900" rIns="121900" bIns="121900" anchor="ctr" anchorCtr="0">
+            <a:noAutofit/>
+          </a:bodyPr>
+          <a:lstStyle/>
+          <a:p>
+            <a:pPr algn="ctr">
+              <a:lnSpc>
+                <a:spcPct val="90000"/>
+              </a:lnSpc>
+            </a:pPr>
+            <a:r>
+              <a:rPr lang="en-US" sz="1200" dirty="0">
+                <a:solidFill>
+                  <a:schemeClr val="bg1"/>
+                </a:solidFill>
+                <a:latin typeface="Calibri" panose="020F0502020204030204" pitchFamily="34" charset="0"/>
+                <a:cs typeface="Calibri" panose="020F0502020204030204" pitchFamily="34" charset="0"/>
+              </a:rPr>
+              <a:t>Config</a:t>
+            </a:r>
+            <a:endParaRPr sz="1200" dirty="0">
+              <a:solidFill>
+                <a:schemeClr val="bg1"/>
+              </a:solidFill>
+              <a:latin typeface="Calibri" panose="020F0502020204030204" pitchFamily="34" charset="0"/>
+              <a:cs typeface="Calibri" panose="020F0502020204030204" pitchFamily="34" charset="0"/>
+            </a:endParaRPr>
+          </a:p>
+          <a:p>
+            <a:pPr algn="ctr">
+              <a:lnSpc>
+                <a:spcPct val="90000"/>
+              </a:lnSpc>
+            </a:pPr>
+            <a:r>
+              <a:rPr lang="en" sz="1200" dirty="0">
+                <a:solidFill>
+                  <a:schemeClr val="bg1"/>
+                </a:solidFill>
+                <a:latin typeface="Calibri" panose="020F0502020204030204" pitchFamily="34" charset="0"/>
+                <a:cs typeface="Calibri" panose="020F0502020204030204" pitchFamily="34" charset="0"/>
+              </a:rPr>
+              <a:t>Repo</a:t>
+            </a:r>
+            <a:endParaRPr sz="1200" dirty="0">
+              <a:solidFill>
+                <a:schemeClr val="bg1"/>
+              </a:solidFill>
+              <a:latin typeface="Calibri" panose="020F0502020204030204" pitchFamily="34" charset="0"/>
+              <a:cs typeface="Calibri" panose="020F0502020204030204" pitchFamily="34" charset="0"/>
+            </a:endParaRPr>
+          </a:p>
+        </p:txBody>
+      </p:sp>
+      <p:cxnSp>
+        <p:nvCxnSpPr>
+          <p:cNvPr id="26" name="Straight Arrow Connector 25">
+            <a:extLst>
+              <a:ext uri="{FF2B5EF4-FFF2-40B4-BE49-F238E27FC236}">
+                <a16:creationId xmlns:a16="http://schemas.microsoft.com/office/drawing/2014/main" id="{2A1AA444-2639-DF45-B6DB-B97471717EDB}"/>
+              </a:ext>
+            </a:extLst>
+          </p:cNvPr>
+          <p:cNvCxnSpPr>
+            <a:cxnSpLocks/>
+            <a:stCxn id="55" idx="4"/>
+            <a:endCxn id="68" idx="1"/>
+          </p:cNvCxnSpPr>
+          <p:nvPr/>
+        </p:nvCxnSpPr>
+        <p:spPr>
+          <a:xfrm>
+            <a:off x="940630" y="2749347"/>
+            <a:ext cx="287160" cy="2737"/>
+          </a:xfrm>
+          <a:prstGeom prst="straightConnector1">
+            <a:avLst/>
+          </a:prstGeom>
+          <a:ln>
+            <a:solidFill>
+              <a:srgbClr val="6A99D0"/>
+            </a:solidFill>
+            <a:tailEnd type="triangle"/>
+          </a:ln>
+        </p:spPr>
+        <p:style>
+          <a:lnRef idx="1">
+            <a:schemeClr val="accent1"/>
+          </a:lnRef>
+          <a:fillRef idx="0">
+            <a:schemeClr val="accent1"/>
+          </a:fillRef>
+          <a:effectRef idx="0">
+            <a:schemeClr val="accent1"/>
+          </a:effectRef>
+          <a:fontRef idx="minor">
+            <a:schemeClr val="tx1"/>
+          </a:fontRef>
+        </p:style>
+      </p:cxnSp>
+      <p:cxnSp>
+        <p:nvCxnSpPr>
+          <p:cNvPr id="99" name="Elbow Connector 98">
+            <a:extLst>
+              <a:ext uri="{FF2B5EF4-FFF2-40B4-BE49-F238E27FC236}">
+                <a16:creationId xmlns:a16="http://schemas.microsoft.com/office/drawing/2014/main" id="{E49BE0AF-8361-8147-8A4C-6717882B20A9}"/>
+              </a:ext>
+            </a:extLst>
+          </p:cNvPr>
+          <p:cNvCxnSpPr>
+            <a:stCxn id="53" idx="3"/>
+            <a:endCxn id="62" idx="2"/>
+          </p:cNvCxnSpPr>
+          <p:nvPr/>
+        </p:nvCxnSpPr>
+        <p:spPr>
+          <a:xfrm flipV="1">
+            <a:off x="3698318" y="2143225"/>
+            <a:ext cx="306041" cy="610201"/>
+          </a:xfrm>
+          <a:prstGeom prst="bentConnector3">
+            <a:avLst/>
+          </a:prstGeom>
+          <a:ln>
+            <a:solidFill>
+              <a:srgbClr val="6A99D0"/>
+            </a:solidFill>
+            <a:tailEnd type="triangle"/>
+          </a:ln>
+        </p:spPr>
+        <p:style>
+          <a:lnRef idx="1">
+            <a:schemeClr val="accent1"/>
+          </a:lnRef>
+          <a:fillRef idx="0">
+            <a:schemeClr val="accent1"/>
+          </a:fillRef>
+          <a:effectRef idx="0">
+            <a:schemeClr val="accent1"/>
+          </a:effectRef>
+          <a:fontRef idx="minor">
+            <a:schemeClr val="tx1"/>
+          </a:fontRef>
+        </p:style>
+      </p:cxnSp>
+      <p:cxnSp>
+        <p:nvCxnSpPr>
+          <p:cNvPr id="101" name="Elbow Connector 100">
+            <a:extLst>
+              <a:ext uri="{FF2B5EF4-FFF2-40B4-BE49-F238E27FC236}">
+                <a16:creationId xmlns:a16="http://schemas.microsoft.com/office/drawing/2014/main" id="{D45ACFD6-4DE1-6946-8075-68B5B7592A61}"/>
+              </a:ext>
+            </a:extLst>
+          </p:cNvPr>
+          <p:cNvCxnSpPr>
+            <a:stCxn id="53" idx="3"/>
+            <a:endCxn id="64" idx="2"/>
+          </p:cNvCxnSpPr>
+          <p:nvPr/>
+        </p:nvCxnSpPr>
+        <p:spPr>
+          <a:xfrm>
+            <a:off x="3698318" y="2753426"/>
+            <a:ext cx="310491" cy="608503"/>
+          </a:xfrm>
+          <a:prstGeom prst="bentConnector3">
+            <a:avLst/>
+          </a:prstGeom>
+          <a:ln>
+            <a:solidFill>
+              <a:srgbClr val="6A99D0"/>
+            </a:solidFill>
+            <a:tailEnd type="triangle"/>
+          </a:ln>
+        </p:spPr>
+        <p:style>
+          <a:lnRef idx="1">
+            <a:schemeClr val="accent1"/>
+          </a:lnRef>
+          <a:fillRef idx="0">
+            <a:schemeClr val="accent1"/>
+          </a:fillRef>
+          <a:effectRef idx="0">
+            <a:schemeClr val="accent1"/>
+          </a:effectRef>
+          <a:fontRef idx="minor">
+            <a:schemeClr val="tx1"/>
+          </a:fontRef>
+        </p:style>
+      </p:cxnSp>
+      <p:cxnSp>
+        <p:nvCxnSpPr>
+          <p:cNvPr id="109" name="Elbow Connector 108">
+            <a:extLst>
+              <a:ext uri="{FF2B5EF4-FFF2-40B4-BE49-F238E27FC236}">
+                <a16:creationId xmlns:a16="http://schemas.microsoft.com/office/drawing/2014/main" id="{05717707-12D2-9E41-A6C6-AC9FF55E789C}"/>
+              </a:ext>
+            </a:extLst>
+          </p:cNvPr>
+          <p:cNvCxnSpPr>
+            <a:cxnSpLocks/>
+            <a:stCxn id="62" idx="3"/>
+          </p:cNvCxnSpPr>
+          <p:nvPr/>
+        </p:nvCxnSpPr>
+        <p:spPr>
+          <a:xfrm rot="16200000" flipH="1">
+            <a:off x="4712116" y="2228915"/>
+            <a:ext cx="167938" cy="751959"/>
+          </a:xfrm>
+          <a:prstGeom prst="bentConnector2">
+            <a:avLst/>
+          </a:prstGeom>
+          <a:ln>
+            <a:solidFill>
+              <a:srgbClr val="6A99D0"/>
+            </a:solidFill>
+            <a:tailEnd type="triangle"/>
+          </a:ln>
+        </p:spPr>
+        <p:style>
+          <a:lnRef idx="1">
+            <a:schemeClr val="accent1"/>
+          </a:lnRef>
+          <a:fillRef idx="0">
+            <a:schemeClr val="accent1"/>
+          </a:fillRef>
+          <a:effectRef idx="0">
+            <a:schemeClr val="accent1"/>
+          </a:effectRef>
+          <a:fontRef idx="minor">
+            <a:schemeClr val="tx1"/>
+          </a:fontRef>
+        </p:style>
+      </p:cxnSp>
+      <p:cxnSp>
+        <p:nvCxnSpPr>
+          <p:cNvPr id="111" name="Elbow Connector 110">
+            <a:extLst>
+              <a:ext uri="{FF2B5EF4-FFF2-40B4-BE49-F238E27FC236}">
+                <a16:creationId xmlns:a16="http://schemas.microsoft.com/office/drawing/2014/main" id="{8306D21F-63DA-F44B-BDE9-EF4ADFC2E625}"/>
+              </a:ext>
+            </a:extLst>
+          </p:cNvPr>
+          <p:cNvCxnSpPr>
+            <a:cxnSpLocks/>
+            <a:stCxn id="64" idx="1"/>
+          </p:cNvCxnSpPr>
+          <p:nvPr/>
+        </p:nvCxnSpPr>
+        <p:spPr>
+          <a:xfrm rot="5400000" flipH="1" flipV="1">
+            <a:off x="4723587" y="2540201"/>
+            <a:ext cx="144997" cy="743058"/>
+          </a:xfrm>
+          <a:prstGeom prst="bentConnector2">
+            <a:avLst/>
+          </a:prstGeom>
+          <a:ln>
+            <a:solidFill>
+              <a:srgbClr val="6A99D0"/>
+            </a:solidFill>
+            <a:tailEnd type="triangle"/>
+          </a:ln>
+        </p:spPr>
+        <p:style>
+          <a:lnRef idx="1">
+            <a:schemeClr val="accent1"/>
+          </a:lnRef>
+          <a:fillRef idx="0">
+            <a:schemeClr val="accent1"/>
+          </a:fillRef>
+          <a:effectRef idx="0">
+            <a:schemeClr val="accent1"/>
+          </a:effectRef>
+          <a:fontRef idx="minor">
+            <a:schemeClr val="tx1"/>
+          </a:fontRef>
+        </p:style>
+      </p:cxnSp>
+      <p:sp>
+        <p:nvSpPr>
+          <p:cNvPr id="112" name="TextBox 111">
+            <a:extLst>
+              <a:ext uri="{FF2B5EF4-FFF2-40B4-BE49-F238E27FC236}">
+                <a16:creationId xmlns:a16="http://schemas.microsoft.com/office/drawing/2014/main" id="{9B6266F9-8731-254A-98DF-536AC893C521}"/>
+              </a:ext>
+            </a:extLst>
+          </p:cNvPr>
+          <p:cNvSpPr txBox="1"/>
+          <p:nvPr/>
+        </p:nvSpPr>
+        <p:spPr>
+          <a:xfrm>
+            <a:off x="3222506" y="3976658"/>
+            <a:ext cx="2395207" cy="276999"/>
+          </a:xfrm>
+          <a:prstGeom prst="rect">
+            <a:avLst/>
+          </a:prstGeom>
+          <a:noFill/>
+        </p:spPr>
+        <p:txBody>
+          <a:bodyPr wrap="none" rtlCol="0">
+            <a:spAutoFit/>
+          </a:bodyPr>
+          <a:lstStyle/>
+          <a:p>
+            <a:pPr algn="ctr"/>
+            <a:r>
+              <a:rPr lang="en-US" sz="1200" i="1" dirty="0">
+                <a:latin typeface="Calibri" panose="020F0502020204030204" pitchFamily="34" charset="0"/>
+                <a:cs typeface="Calibri" panose="020F0502020204030204" pitchFamily="34" charset="0"/>
+              </a:rPr>
+              <a:t>Populated by Resource Provisioning</a:t>
+            </a:r>
+          </a:p>
+        </p:txBody>
+      </p:sp>
+      <p:cxnSp>
+        <p:nvCxnSpPr>
+          <p:cNvPr id="114" name="Straight Arrow Connector 113">
+            <a:extLst>
+              <a:ext uri="{FF2B5EF4-FFF2-40B4-BE49-F238E27FC236}">
+                <a16:creationId xmlns:a16="http://schemas.microsoft.com/office/drawing/2014/main" id="{988D3BA3-1D71-6741-B240-6C89E4195D10}"/>
+              </a:ext>
+            </a:extLst>
+          </p:cNvPr>
+          <p:cNvCxnSpPr>
+            <a:cxnSpLocks/>
+            <a:stCxn id="112" idx="0"/>
+            <a:endCxn id="64" idx="3"/>
+          </p:cNvCxnSpPr>
+          <p:nvPr/>
+        </p:nvCxnSpPr>
+        <p:spPr>
+          <a:xfrm flipV="1">
+            <a:off x="4420110" y="3739630"/>
+            <a:ext cx="4446" cy="237028"/>
+          </a:xfrm>
+          <a:prstGeom prst="straightConnector1">
+            <a:avLst/>
+          </a:prstGeom>
+          <a:ln>
+            <a:solidFill>
+              <a:srgbClr val="6A99D0"/>
+            </a:solidFill>
+            <a:tailEnd type="triangle"/>
+          </a:ln>
+        </p:spPr>
+        <p:style>
+          <a:lnRef idx="1">
+            <a:schemeClr val="accent1"/>
+          </a:lnRef>
+          <a:fillRef idx="0">
+            <a:schemeClr val="accent1"/>
+          </a:fillRef>
+          <a:effectRef idx="0">
+            <a:schemeClr val="accent1"/>
+          </a:effectRef>
+          <a:fontRef idx="minor">
+            <a:schemeClr val="tx1"/>
+          </a:fontRef>
+        </p:style>
+      </p:cxnSp>
+      <p:cxnSp>
+        <p:nvCxnSpPr>
+          <p:cNvPr id="129" name="Elbow Connector 128">
+            <a:extLst>
+              <a:ext uri="{FF2B5EF4-FFF2-40B4-BE49-F238E27FC236}">
+                <a16:creationId xmlns:a16="http://schemas.microsoft.com/office/drawing/2014/main" id="{2B6EAE6F-68E2-E345-A159-6E86E9695E49}"/>
+              </a:ext>
+            </a:extLst>
+          </p:cNvPr>
+          <p:cNvCxnSpPr>
+            <a:cxnSpLocks/>
+          </p:cNvCxnSpPr>
+          <p:nvPr/>
+        </p:nvCxnSpPr>
+        <p:spPr>
+          <a:xfrm flipV="1">
+            <a:off x="7441120" y="1929657"/>
+            <a:ext cx="408019" cy="728884"/>
+          </a:xfrm>
+          <a:prstGeom prst="bentConnector3">
+            <a:avLst>
+              <a:gd name="adj1" fmla="val 50000"/>
+            </a:avLst>
+          </a:prstGeom>
+          <a:ln>
+            <a:solidFill>
+              <a:srgbClr val="6A99D0"/>
+            </a:solidFill>
+            <a:tailEnd type="triangle"/>
+          </a:ln>
+        </p:spPr>
+        <p:style>
+          <a:lnRef idx="1">
+            <a:schemeClr val="accent1"/>
+          </a:lnRef>
+          <a:fillRef idx="0">
+            <a:schemeClr val="accent1"/>
+          </a:fillRef>
+          <a:effectRef idx="0">
+            <a:schemeClr val="accent1"/>
+          </a:effectRef>
+          <a:fontRef idx="minor">
+            <a:schemeClr val="tx1"/>
+          </a:fontRef>
+        </p:style>
+      </p:cxnSp>
+      <p:cxnSp>
+        <p:nvCxnSpPr>
+          <p:cNvPr id="134" name="Elbow Connector 133">
+            <a:extLst>
+              <a:ext uri="{FF2B5EF4-FFF2-40B4-BE49-F238E27FC236}">
+                <a16:creationId xmlns:a16="http://schemas.microsoft.com/office/drawing/2014/main" id="{6A6713BF-A9EF-9344-81FA-8DC6D63FFC3D}"/>
+              </a:ext>
+            </a:extLst>
+          </p:cNvPr>
+          <p:cNvCxnSpPr>
+            <a:cxnSpLocks/>
+          </p:cNvCxnSpPr>
+          <p:nvPr/>
+        </p:nvCxnSpPr>
+        <p:spPr>
+          <a:xfrm>
+            <a:off x="7441120" y="2848313"/>
+            <a:ext cx="420720" cy="696877"/>
+          </a:xfrm>
+          <a:prstGeom prst="bentConnector3">
+            <a:avLst>
+              <a:gd name="adj1" fmla="val 50000"/>
+            </a:avLst>
+          </a:prstGeom>
+          <a:ln>
+            <a:solidFill>
+              <a:srgbClr val="6A99D0"/>
+            </a:solidFill>
+            <a:tailEnd type="triangle"/>
+          </a:ln>
+        </p:spPr>
+        <p:style>
+          <a:lnRef idx="1">
+            <a:schemeClr val="accent1"/>
+          </a:lnRef>
+          <a:fillRef idx="0">
+            <a:schemeClr val="accent1"/>
+          </a:fillRef>
+          <a:effectRef idx="0">
+            <a:schemeClr val="accent1"/>
+          </a:effectRef>
+          <a:fontRef idx="minor">
+            <a:schemeClr val="tx1"/>
+          </a:fontRef>
+        </p:style>
+      </p:cxnSp>
+      <p:cxnSp>
+        <p:nvCxnSpPr>
+          <p:cNvPr id="136" name="Straight Arrow Connector 135">
+            <a:extLst>
+              <a:ext uri="{FF2B5EF4-FFF2-40B4-BE49-F238E27FC236}">
+                <a16:creationId xmlns:a16="http://schemas.microsoft.com/office/drawing/2014/main" id="{2F683DCC-69AB-BF44-8594-F67201C673D4}"/>
+              </a:ext>
+            </a:extLst>
+          </p:cNvPr>
+          <p:cNvCxnSpPr>
+            <a:cxnSpLocks/>
+            <a:stCxn id="42" idx="3"/>
+            <a:endCxn id="38" idx="1"/>
+          </p:cNvCxnSpPr>
+          <p:nvPr/>
+        </p:nvCxnSpPr>
+        <p:spPr>
+          <a:xfrm flipV="1">
+            <a:off x="7441120" y="2752346"/>
+            <a:ext cx="420720" cy="1081"/>
+          </a:xfrm>
+          <a:prstGeom prst="straightConnector1">
+            <a:avLst/>
+          </a:prstGeom>
+          <a:ln>
+            <a:solidFill>
+              <a:srgbClr val="6A99D0"/>
+            </a:solidFill>
+            <a:tailEnd type="triangle"/>
+          </a:ln>
+        </p:spPr>
+        <p:style>
+          <a:lnRef idx="1">
+            <a:schemeClr val="accent1"/>
+          </a:lnRef>
+          <a:fillRef idx="0">
+            <a:schemeClr val="accent1"/>
+          </a:fillRef>
+          <a:effectRef idx="0">
+            <a:schemeClr val="accent1"/>
+          </a:effectRef>
+          <a:fontRef idx="minor">
+            <a:schemeClr val="tx1"/>
+          </a:fontRef>
+        </p:style>
+      </p:cxnSp>
+      <p:cxnSp>
+        <p:nvCxnSpPr>
+          <p:cNvPr id="150" name="Elbow Connector 149">
+            <a:extLst>
+              <a:ext uri="{FF2B5EF4-FFF2-40B4-BE49-F238E27FC236}">
+                <a16:creationId xmlns:a16="http://schemas.microsoft.com/office/drawing/2014/main" id="{9AD4D4E0-4679-DC45-94D6-57CC6911843F}"/>
+              </a:ext>
+            </a:extLst>
+          </p:cNvPr>
+          <p:cNvCxnSpPr>
+            <a:cxnSpLocks/>
+            <a:stCxn id="62" idx="1"/>
+            <a:endCxn id="65" idx="3"/>
+          </p:cNvCxnSpPr>
+          <p:nvPr/>
+        </p:nvCxnSpPr>
+        <p:spPr>
+          <a:xfrm rot="16200000" flipV="1">
+            <a:off x="3146913" y="492330"/>
+            <a:ext cx="442333" cy="2104055"/>
+          </a:xfrm>
+          <a:prstGeom prst="bentConnector2">
+            <a:avLst/>
+          </a:prstGeom>
+          <a:ln>
+            <a:tailEnd type="triangle"/>
+          </a:ln>
+        </p:spPr>
+        <p:style>
+          <a:lnRef idx="1">
+            <a:schemeClr val="accent1"/>
+          </a:lnRef>
+          <a:fillRef idx="0">
+            <a:schemeClr val="accent1"/>
+          </a:fillRef>
+          <a:effectRef idx="0">
+            <a:schemeClr val="accent1"/>
+          </a:effectRef>
+          <a:fontRef idx="minor">
+            <a:schemeClr val="tx1"/>
+          </a:fontRef>
+        </p:style>
+      </p:cxnSp>
+      <p:sp>
+        <p:nvSpPr>
+          <p:cNvPr id="151" name="Google Shape;71;p15">
+            <a:extLst>
+              <a:ext uri="{FF2B5EF4-FFF2-40B4-BE49-F238E27FC236}">
+                <a16:creationId xmlns:a16="http://schemas.microsoft.com/office/drawing/2014/main" id="{F363AE1B-F508-A04B-BE73-A217B1BAA54E}"/>
+              </a:ext>
+            </a:extLst>
+          </p:cNvPr>
+          <p:cNvSpPr/>
+          <p:nvPr/>
+        </p:nvSpPr>
+        <p:spPr>
+          <a:xfrm>
+            <a:off x="1375157" y="1371423"/>
+            <a:ext cx="787067" cy="245221"/>
+          </a:xfrm>
+          <a:prstGeom prst="roundRect">
+            <a:avLst>
+              <a:gd name="adj" fmla="val 16667"/>
+            </a:avLst>
+          </a:prstGeom>
+          <a:solidFill>
+            <a:srgbClr val="6A99D0"/>
+          </a:solidFill>
+          <a:ln w="12700" cap="flat" cmpd="sng">
+            <a:solidFill>
+              <a:srgbClr val="6A99D0"/>
+            </a:solidFill>
+            <a:prstDash val="solid"/>
+            <a:round/>
+            <a:headEnd type="none" w="sm" len="sm"/>
+            <a:tailEnd type="none" w="sm" len="sm"/>
+          </a:ln>
+        </p:spPr>
+        <p:txBody>
+          <a:bodyPr spcFirstLastPara="1" wrap="square" lIns="121900" tIns="121900" rIns="121900" bIns="121900" anchor="ctr" anchorCtr="0">
+            <a:noAutofit/>
+          </a:bodyPr>
+          <a:lstStyle/>
+          <a:p>
+            <a:pPr algn="ctr"/>
+            <a:r>
+              <a:rPr lang="en" sz="1200" dirty="0">
+                <a:solidFill>
+                  <a:schemeClr val="bg1"/>
+                </a:solidFill>
+                <a:latin typeface="Calibri" panose="020F0502020204030204" pitchFamily="34" charset="0"/>
+                <a:cs typeface="Calibri" panose="020F0502020204030204" pitchFamily="34" charset="0"/>
+              </a:rPr>
+              <a:t>Testing</a:t>
+            </a:r>
+            <a:endParaRPr sz="1200" dirty="0">
+              <a:solidFill>
+                <a:schemeClr val="bg1"/>
+              </a:solidFill>
+              <a:latin typeface="Calibri" panose="020F0502020204030204" pitchFamily="34" charset="0"/>
+              <a:cs typeface="Calibri" panose="020F0502020204030204" pitchFamily="34" charset="0"/>
+            </a:endParaRPr>
+          </a:p>
+        </p:txBody>
+      </p:sp>
+      <p:sp>
+        <p:nvSpPr>
+          <p:cNvPr id="2" name="Rounded Rectangle 1">
+            <a:extLst>
+              <a:ext uri="{FF2B5EF4-FFF2-40B4-BE49-F238E27FC236}">
+                <a16:creationId xmlns:a16="http://schemas.microsoft.com/office/drawing/2014/main" id="{5707020B-3618-DE45-9474-A369E9D58AA3}"/>
+              </a:ext>
+            </a:extLst>
+          </p:cNvPr>
+          <p:cNvSpPr/>
+          <p:nvPr/>
+        </p:nvSpPr>
+        <p:spPr>
+          <a:xfrm>
+            <a:off x="1356377" y="2857050"/>
+            <a:ext cx="787067" cy="246995"/>
+          </a:xfrm>
+          <a:prstGeom prst="roundRect">
+            <a:avLst/>
+          </a:prstGeom>
+          <a:ln w="12700">
+            <a:solidFill>
+              <a:schemeClr val="accent1"/>
+            </a:solidFill>
+          </a:ln>
+        </p:spPr>
+        <p:style>
+          <a:lnRef idx="2">
+            <a:schemeClr val="accent1"/>
+          </a:lnRef>
+          <a:fillRef idx="1">
+            <a:schemeClr val="lt1"/>
+          </a:fillRef>
+          <a:effectRef idx="0">
+            <a:schemeClr val="accent1"/>
+          </a:effectRef>
+          <a:fontRef idx="minor">
+            <a:schemeClr val="dk1"/>
+          </a:fontRef>
+        </p:style>
+        <p:txBody>
+          <a:bodyPr rtlCol="0" anchor="ctr"/>
+          <a:lstStyle/>
+          <a:p>
+            <a:pPr algn="ctr"/>
+            <a:r>
+              <a:rPr lang="en-US" sz="1200" dirty="0">
+                <a:solidFill>
+                  <a:srgbClr val="000000"/>
+                </a:solidFill>
+                <a:latin typeface="Calibri" panose="020F0502020204030204" pitchFamily="34" charset="0"/>
+                <a:cs typeface="Calibri" panose="020F0502020204030204" pitchFamily="34" charset="0"/>
+              </a:rPr>
+              <a:t>Checks</a:t>
+            </a:r>
+          </a:p>
+        </p:txBody>
+      </p:sp>
+      <p:sp>
+        <p:nvSpPr>
+          <p:cNvPr id="41" name="Google Shape;71;p15">
+            <a:extLst>
+              <a:ext uri="{FF2B5EF4-FFF2-40B4-BE49-F238E27FC236}">
+                <a16:creationId xmlns:a16="http://schemas.microsoft.com/office/drawing/2014/main" id="{D114B5A4-D35F-F248-87D9-63A056E4FD8A}"/>
+              </a:ext>
+            </a:extLst>
+          </p:cNvPr>
+          <p:cNvSpPr/>
+          <p:nvPr/>
+        </p:nvSpPr>
+        <p:spPr>
+          <a:xfrm>
+            <a:off x="8040377" y="1963971"/>
+            <a:ext cx="787067" cy="246289"/>
+          </a:xfrm>
+          <a:prstGeom prst="roundRect">
+            <a:avLst>
+              <a:gd name="adj" fmla="val 16667"/>
+            </a:avLst>
+          </a:prstGeom>
+          <a:solidFill>
+            <a:srgbClr val="6A99D0"/>
+          </a:solidFill>
+          <a:ln w="12700" cap="flat" cmpd="sng">
+            <a:solidFill>
+              <a:srgbClr val="6A99D0"/>
+            </a:solidFill>
+            <a:prstDash val="solid"/>
+            <a:round/>
+            <a:headEnd type="none" w="sm" len="sm"/>
+            <a:tailEnd type="none" w="sm" len="sm"/>
+          </a:ln>
+        </p:spPr>
+        <p:txBody>
+          <a:bodyPr spcFirstLastPara="1" wrap="square" lIns="121900" tIns="121900" rIns="121900" bIns="121900" anchor="ctr" anchorCtr="0">
+            <a:noAutofit/>
+          </a:bodyPr>
+          <a:lstStyle/>
+          <a:p>
+            <a:pPr algn="ctr"/>
+            <a:r>
+              <a:rPr lang="en" sz="1200" dirty="0">
+                <a:solidFill>
+                  <a:schemeClr val="bg1"/>
+                </a:solidFill>
+                <a:latin typeface="Calibri" panose="020F0502020204030204" pitchFamily="34" charset="0"/>
+                <a:cs typeface="Calibri" panose="020F0502020204030204" pitchFamily="34" charset="0"/>
+              </a:rPr>
+              <a:t>Testing</a:t>
+            </a:r>
+            <a:endParaRPr sz="1200" dirty="0">
+              <a:solidFill>
+                <a:schemeClr val="bg1"/>
+              </a:solidFill>
+              <a:latin typeface="Calibri" panose="020F0502020204030204" pitchFamily="34" charset="0"/>
+              <a:cs typeface="Calibri" panose="020F0502020204030204" pitchFamily="34" charset="0"/>
+            </a:endParaRPr>
+          </a:p>
+        </p:txBody>
+      </p:sp>
+      <p:sp>
+        <p:nvSpPr>
+          <p:cNvPr id="22" name="TextBox 21">
+            <a:extLst>
+              <a:ext uri="{FF2B5EF4-FFF2-40B4-BE49-F238E27FC236}">
+                <a16:creationId xmlns:a16="http://schemas.microsoft.com/office/drawing/2014/main" id="{F0B39979-2551-1C4D-9578-C1940531F06D}"/>
+              </a:ext>
+            </a:extLst>
+          </p:cNvPr>
+          <p:cNvSpPr txBox="1"/>
+          <p:nvPr/>
+        </p:nvSpPr>
+        <p:spPr>
+          <a:xfrm>
+            <a:off x="7916041" y="1659024"/>
+            <a:ext cx="1023037" cy="307777"/>
+          </a:xfrm>
+          <a:prstGeom prst="rect">
+            <a:avLst/>
+          </a:prstGeom>
+          <a:noFill/>
+        </p:spPr>
+        <p:txBody>
+          <a:bodyPr wrap="none" rtlCol="0">
+            <a:spAutoFit/>
+          </a:bodyPr>
+          <a:lstStyle/>
+          <a:p>
+            <a:r>
+              <a:rPr lang="en-US" sz="1200" dirty="0">
+                <a:latin typeface="Calibri" panose="020F0502020204030204" pitchFamily="34" charset="0"/>
+                <a:cs typeface="Calibri" panose="020F0502020204030204" pitchFamily="34" charset="0"/>
+              </a:rPr>
+              <a:t>Staging POD</a:t>
+            </a:r>
+            <a:r>
+              <a:rPr lang="en-US" dirty="0">
+                <a:latin typeface="Calibri" panose="020F0502020204030204" pitchFamily="34" charset="0"/>
+                <a:cs typeface="Calibri" panose="020F0502020204030204" pitchFamily="34" charset="0"/>
+              </a:rPr>
+              <a:t>s</a:t>
+            </a:r>
+          </a:p>
+        </p:txBody>
+      </p:sp>
+    </p:spTree>
+    <p:extLst>
+      <p:ext uri="{BB962C8B-B14F-4D97-AF65-F5344CB8AC3E}">
+        <p14:creationId xmlns:p14="http://schemas.microsoft.com/office/powerpoint/2010/main" val="593061274"/>
+      </p:ext>
+    </p:extLst>
+  </p:cSld>
+  <p:clrMapOvr>
+    <a:masterClrMapping/>
+  </p:clrMapOvr>
+</p:sld>
+</file>
+
+<file path=ppt/slides/slide11.xml><?xml version="1.0" encoding="utf-8"?>
+<p:sld xmlns:a="http://schemas.openxmlformats.org/drawingml/2006/main" xmlns:r="http://schemas.openxmlformats.org/officeDocument/2006/relationships" xmlns:p="http://schemas.openxmlformats.org/presentationml/2006/main">
+  <p:cSld>
+    <p:spTree>
+      <p:nvGrpSpPr>
+        <p:cNvPr id="1" name=""/>
+        <p:cNvGrpSpPr/>
+        <p:nvPr/>
+      </p:nvGrpSpPr>
+      <p:grpSpPr>
+        <a:xfrm>
+          <a:off x="0" y="0"/>
+          <a:ext cx="0" cy="0"/>
+          <a:chOff x="0" y="0"/>
+          <a:chExt cx="0" cy="0"/>
+        </a:xfrm>
+      </p:grpSpPr>
+      <p:sp>
+        <p:nvSpPr>
           <p:cNvPr id="18" name="Rounded Rectangle 17">
             <a:extLst>
               <a:ext uri="{FF2B5EF4-FFF2-40B4-BE49-F238E27FC236}">
@@ -8805,2076 +10876,6 @@
     <p:extLst>
       <p:ext uri="{BB962C8B-B14F-4D97-AF65-F5344CB8AC3E}">
         <p14:creationId xmlns:p14="http://schemas.microsoft.com/office/powerpoint/2010/main" val="2632577768"/>
-      </p:ext>
-    </p:extLst>
-  </p:cSld>
-  <p:clrMapOvr>
-    <a:masterClrMapping/>
-  </p:clrMapOvr>
-</p:sld>
-</file>
-
-<file path=ppt/slides/slide11.xml><?xml version="1.0" encoding="utf-8"?>
-<p:sld xmlns:a="http://schemas.openxmlformats.org/drawingml/2006/main" xmlns:r="http://schemas.openxmlformats.org/officeDocument/2006/relationships" xmlns:p="http://schemas.openxmlformats.org/presentationml/2006/main">
-  <p:cSld>
-    <p:spTree>
-      <p:nvGrpSpPr>
-        <p:cNvPr id="1" name=""/>
-        <p:cNvGrpSpPr/>
-        <p:nvPr/>
-      </p:nvGrpSpPr>
-      <p:grpSpPr>
-        <a:xfrm>
-          <a:off x="0" y="0"/>
-          <a:ext cx="0" cy="0"/>
-          <a:chOff x="0" y="0"/>
-          <a:chExt cx="0" cy="0"/>
-        </a:xfrm>
-      </p:grpSpPr>
-      <p:sp>
-        <p:nvSpPr>
-          <p:cNvPr id="68" name="Google Shape;85;p15">
-            <a:extLst>
-              <a:ext uri="{FF2B5EF4-FFF2-40B4-BE49-F238E27FC236}">
-                <a16:creationId xmlns:a16="http://schemas.microsoft.com/office/drawing/2014/main" id="{ED79DC67-3736-7A4D-9654-398ABB97BBBA}"/>
-              </a:ext>
-            </a:extLst>
-          </p:cNvPr>
-          <p:cNvSpPr/>
-          <p:nvPr/>
-        </p:nvSpPr>
-        <p:spPr>
-          <a:xfrm>
-            <a:off x="1227790" y="1918809"/>
-            <a:ext cx="1088261" cy="1666550"/>
-          </a:xfrm>
-          <a:prstGeom prst="roundRect">
-            <a:avLst>
-              <a:gd name="adj" fmla="val 16667"/>
-            </a:avLst>
-          </a:prstGeom>
-          <a:solidFill>
-            <a:schemeClr val="tx1">
-              <a:lumMod val="20000"/>
-              <a:lumOff val="80000"/>
-            </a:schemeClr>
-          </a:solidFill>
-          <a:ln>
-            <a:solidFill>
-              <a:srgbClr val="6A99D0"/>
-            </a:solidFill>
-          </a:ln>
-          <a:effectLst>
-            <a:outerShdw blurRad="50800" dist="38100" dir="2700000" algn="tl" rotWithShape="0">
-              <a:prstClr val="black">
-                <a:alpha val="40000"/>
-              </a:prstClr>
-            </a:outerShdw>
-          </a:effectLst>
-        </p:spPr>
-        <p:txBody>
-          <a:bodyPr spcFirstLastPara="1" wrap="square" lIns="121900" tIns="121900" rIns="121900" bIns="121900" anchor="t" anchorCtr="0">
-            <a:noAutofit/>
-          </a:bodyPr>
-          <a:lstStyle/>
-          <a:p>
-            <a:pPr algn="ctr"/>
-            <a:r>
-              <a:rPr lang="en-US" sz="1200" dirty="0">
-                <a:solidFill>
-                  <a:schemeClr val="tx1">
-                    <a:lumMod val="50000"/>
-                  </a:schemeClr>
-                </a:solidFill>
-                <a:latin typeface="Calibri" panose="020F0502020204030204" pitchFamily="34" charset="0"/>
-                <a:cs typeface="Calibri" panose="020F0502020204030204" pitchFamily="34" charset="0"/>
-              </a:rPr>
-              <a:t>Integration</a:t>
-            </a:r>
-          </a:p>
-          <a:p>
-            <a:pPr algn="ctr"/>
-            <a:r>
-              <a:rPr lang="en-US" sz="1200" dirty="0">
-                <a:solidFill>
-                  <a:schemeClr val="tx1">
-                    <a:lumMod val="50000"/>
-                  </a:schemeClr>
-                </a:solidFill>
-                <a:latin typeface="Calibri" panose="020F0502020204030204" pitchFamily="34" charset="0"/>
-                <a:cs typeface="Calibri" panose="020F0502020204030204" pitchFamily="34" charset="0"/>
-              </a:rPr>
-              <a:t>Gate</a:t>
-            </a:r>
-            <a:endParaRPr sz="1200" dirty="0">
-              <a:solidFill>
-                <a:schemeClr val="tx1">
-                  <a:lumMod val="50000"/>
-                </a:schemeClr>
-              </a:solidFill>
-              <a:latin typeface="Calibri" panose="020F0502020204030204" pitchFamily="34" charset="0"/>
-              <a:cs typeface="Calibri" panose="020F0502020204030204" pitchFamily="34" charset="0"/>
-            </a:endParaRPr>
-          </a:p>
-          <a:p>
-            <a:pPr algn="ctr"/>
-            <a:endParaRPr sz="1100" dirty="0">
-              <a:solidFill>
-                <a:srgbClr val="000000"/>
-              </a:solidFill>
-              <a:latin typeface="Calibri" panose="020F0502020204030204" pitchFamily="34" charset="0"/>
-              <a:cs typeface="Calibri" panose="020F0502020204030204" pitchFamily="34" charset="0"/>
-            </a:endParaRPr>
-          </a:p>
-          <a:p>
-            <a:pPr algn="ctr"/>
-            <a:endParaRPr sz="1100" dirty="0">
-              <a:solidFill>
-                <a:srgbClr val="000000"/>
-              </a:solidFill>
-              <a:latin typeface="Calibri" panose="020F0502020204030204" pitchFamily="34" charset="0"/>
-              <a:cs typeface="Calibri" panose="020F0502020204030204" pitchFamily="34" charset="0"/>
-            </a:endParaRPr>
-          </a:p>
-        </p:txBody>
-      </p:sp>
-      <p:sp>
-        <p:nvSpPr>
-          <p:cNvPr id="38" name="Google Shape;273;p25"/>
-          <p:cNvSpPr/>
-          <p:nvPr/>
-        </p:nvSpPr>
-        <p:spPr>
-          <a:xfrm>
-            <a:off x="7861840" y="2444330"/>
-            <a:ext cx="1144142" cy="616032"/>
-          </a:xfrm>
-          <a:prstGeom prst="roundRect">
-            <a:avLst>
-              <a:gd name="adj" fmla="val 16667"/>
-            </a:avLst>
-          </a:prstGeom>
-          <a:solidFill>
-            <a:schemeClr val="accent1">
-              <a:lumMod val="20000"/>
-              <a:lumOff val="80000"/>
-            </a:schemeClr>
-          </a:solidFill>
-          <a:ln w="9525" cap="flat" cmpd="sng">
-            <a:solidFill>
-              <a:schemeClr val="bg2">
-                <a:lumMod val="20000"/>
-                <a:lumOff val="80000"/>
-              </a:schemeClr>
-            </a:solidFill>
-            <a:prstDash val="solid"/>
-            <a:round/>
-            <a:headEnd type="none" w="sm" len="sm"/>
-            <a:tailEnd type="none" w="sm" len="sm"/>
-          </a:ln>
-          <a:effectLst>
-            <a:outerShdw blurRad="50800" dist="38100" dir="2700000" algn="tl" rotWithShape="0">
-              <a:prstClr val="black">
-                <a:alpha val="40000"/>
-              </a:prstClr>
-            </a:outerShdw>
-          </a:effectLst>
-        </p:spPr>
-        <p:txBody>
-          <a:bodyPr spcFirstLastPara="1" wrap="square" lIns="121900" tIns="121900" rIns="121900" bIns="121900" anchor="ctr" anchorCtr="0">
-            <a:noAutofit/>
-          </a:bodyPr>
-          <a:lstStyle/>
-          <a:p>
-            <a:pPr algn="ctr"/>
-            <a:r>
-              <a:rPr lang="en" sz="1200" dirty="0">
-                <a:solidFill>
-                  <a:srgbClr val="000000"/>
-                </a:solidFill>
-                <a:latin typeface="Calibri" panose="020F0502020204030204" pitchFamily="34" charset="0"/>
-                <a:cs typeface="Calibri" panose="020F0502020204030204" pitchFamily="34" charset="0"/>
-              </a:rPr>
-              <a:t>Production</a:t>
-            </a:r>
-            <a:r>
-              <a:rPr lang="en-US" sz="1200" dirty="0">
-                <a:solidFill>
-                  <a:srgbClr val="000000"/>
-                </a:solidFill>
-                <a:latin typeface="Calibri" panose="020F0502020204030204" pitchFamily="34" charset="0"/>
-                <a:cs typeface="Calibri" panose="020F0502020204030204" pitchFamily="34" charset="0"/>
-              </a:rPr>
-              <a:t> PODs</a:t>
-            </a:r>
-            <a:endParaRPr sz="1200" dirty="0">
-              <a:solidFill>
-                <a:srgbClr val="000000"/>
-              </a:solidFill>
-              <a:latin typeface="Calibri" panose="020F0502020204030204" pitchFamily="34" charset="0"/>
-              <a:cs typeface="Calibri" panose="020F0502020204030204" pitchFamily="34" charset="0"/>
-            </a:endParaRPr>
-          </a:p>
-        </p:txBody>
-      </p:sp>
-      <p:sp>
-        <p:nvSpPr>
-          <p:cNvPr id="40" name="Google Shape;275;p25"/>
-          <p:cNvSpPr/>
-          <p:nvPr/>
-        </p:nvSpPr>
-        <p:spPr>
-          <a:xfrm>
-            <a:off x="5172065" y="2526426"/>
-            <a:ext cx="939271" cy="472653"/>
-          </a:xfrm>
-          <a:prstGeom prst="roundRect">
-            <a:avLst>
-              <a:gd name="adj" fmla="val 16667"/>
-            </a:avLst>
-          </a:prstGeom>
-          <a:solidFill>
-            <a:schemeClr val="tx1">
-              <a:lumMod val="20000"/>
-              <a:lumOff val="80000"/>
-            </a:schemeClr>
-          </a:solidFill>
-          <a:ln w="9525" cap="flat" cmpd="sng">
-            <a:solidFill>
-              <a:srgbClr val="6A99D0"/>
-            </a:solidFill>
-            <a:prstDash val="solid"/>
-            <a:round/>
-            <a:headEnd type="none" w="sm" len="sm"/>
-            <a:tailEnd type="none" w="sm" len="sm"/>
-          </a:ln>
-          <a:effectLst>
-            <a:outerShdw blurRad="50800" dist="38100" dir="2700000" algn="tl" rotWithShape="0">
-              <a:prstClr val="black">
-                <a:alpha val="40000"/>
-              </a:prstClr>
-            </a:outerShdw>
-          </a:effectLst>
-        </p:spPr>
-        <p:txBody>
-          <a:bodyPr spcFirstLastPara="1" wrap="square" lIns="121900" tIns="121900" rIns="121900" bIns="121900" anchor="ctr" anchorCtr="0">
-            <a:noAutofit/>
-          </a:bodyPr>
-          <a:lstStyle/>
-          <a:p>
-            <a:pPr algn="ctr"/>
-            <a:r>
-              <a:rPr lang="en-US" sz="1200" dirty="0">
-                <a:solidFill>
-                  <a:schemeClr val="tx1">
-                    <a:lumMod val="50000"/>
-                  </a:schemeClr>
-                </a:solidFill>
-                <a:latin typeface="Calibri" panose="020F0502020204030204" pitchFamily="34" charset="0"/>
-                <a:cs typeface="Calibri" panose="020F0502020204030204" pitchFamily="34" charset="0"/>
-              </a:rPr>
-              <a:t>Construct</a:t>
-            </a:r>
-          </a:p>
-          <a:p>
-            <a:pPr algn="ctr"/>
-            <a:r>
-              <a:rPr lang="en-US" sz="1200" dirty="0">
-                <a:solidFill>
-                  <a:schemeClr val="tx1">
-                    <a:lumMod val="50000"/>
-                  </a:schemeClr>
-                </a:solidFill>
-                <a:latin typeface="Calibri" panose="020F0502020204030204" pitchFamily="34" charset="0"/>
-                <a:cs typeface="Calibri" panose="020F0502020204030204" pitchFamily="34" charset="0"/>
-              </a:rPr>
-              <a:t>Plan</a:t>
-            </a:r>
-            <a:endParaRPr sz="1200" dirty="0">
-              <a:solidFill>
-                <a:schemeClr val="tx1">
-                  <a:lumMod val="50000"/>
-                </a:schemeClr>
-              </a:solidFill>
-              <a:latin typeface="Calibri" panose="020F0502020204030204" pitchFamily="34" charset="0"/>
-              <a:cs typeface="Calibri" panose="020F0502020204030204" pitchFamily="34" charset="0"/>
-            </a:endParaRPr>
-          </a:p>
-        </p:txBody>
-      </p:sp>
-      <p:sp>
-        <p:nvSpPr>
-          <p:cNvPr id="42" name="Google Shape;277;p25"/>
-          <p:cNvSpPr/>
-          <p:nvPr/>
-        </p:nvSpPr>
-        <p:spPr>
-          <a:xfrm>
-            <a:off x="6433650" y="2517100"/>
-            <a:ext cx="1007470" cy="472653"/>
-          </a:xfrm>
-          <a:prstGeom prst="roundRect">
-            <a:avLst>
-              <a:gd name="adj" fmla="val 16667"/>
-            </a:avLst>
-          </a:prstGeom>
-          <a:solidFill>
-            <a:schemeClr val="tx1">
-              <a:lumMod val="20000"/>
-              <a:lumOff val="80000"/>
-            </a:schemeClr>
-          </a:solidFill>
-          <a:ln w="9525" cap="flat" cmpd="sng">
-            <a:solidFill>
-              <a:srgbClr val="6A99D0"/>
-            </a:solidFill>
-            <a:prstDash val="solid"/>
-            <a:round/>
-            <a:headEnd type="none" w="sm" len="sm"/>
-            <a:tailEnd type="none" w="sm" len="sm"/>
-          </a:ln>
-          <a:effectLst>
-            <a:outerShdw blurRad="50800" dist="38100" dir="2700000" algn="tl" rotWithShape="0">
-              <a:prstClr val="black">
-                <a:alpha val="40000"/>
-              </a:prstClr>
-            </a:outerShdw>
-          </a:effectLst>
-        </p:spPr>
-        <p:txBody>
-          <a:bodyPr spcFirstLastPara="1" wrap="square" lIns="121900" tIns="121900" rIns="121900" bIns="121900" anchor="ctr" anchorCtr="0">
-            <a:noAutofit/>
-          </a:bodyPr>
-          <a:lstStyle/>
-          <a:p>
-            <a:pPr algn="ctr"/>
-            <a:r>
-              <a:rPr lang="en-US" sz="1200" dirty="0">
-                <a:solidFill>
-                  <a:schemeClr val="tx1">
-                    <a:lumMod val="50000"/>
-                  </a:schemeClr>
-                </a:solidFill>
-                <a:latin typeface="Calibri" panose="020F0502020204030204" pitchFamily="34" charset="0"/>
-                <a:cs typeface="Calibri" panose="020F0502020204030204" pitchFamily="34" charset="0"/>
-              </a:rPr>
-              <a:t>Execute</a:t>
-            </a:r>
-          </a:p>
-          <a:p>
-            <a:pPr algn="ctr"/>
-            <a:r>
-              <a:rPr lang="en-US" sz="1200" dirty="0">
-                <a:solidFill>
-                  <a:schemeClr val="tx1">
-                    <a:lumMod val="50000"/>
-                  </a:schemeClr>
-                </a:solidFill>
-                <a:latin typeface="Calibri" panose="020F0502020204030204" pitchFamily="34" charset="0"/>
-                <a:cs typeface="Calibri" panose="020F0502020204030204" pitchFamily="34" charset="0"/>
-              </a:rPr>
-              <a:t>Plan</a:t>
-            </a:r>
-            <a:endParaRPr sz="1200" dirty="0">
-              <a:solidFill>
-                <a:schemeClr val="tx1">
-                  <a:lumMod val="50000"/>
-                </a:schemeClr>
-              </a:solidFill>
-              <a:latin typeface="Calibri" panose="020F0502020204030204" pitchFamily="34" charset="0"/>
-              <a:cs typeface="Calibri" panose="020F0502020204030204" pitchFamily="34" charset="0"/>
-            </a:endParaRPr>
-          </a:p>
-        </p:txBody>
-      </p:sp>
-      <p:cxnSp>
-        <p:nvCxnSpPr>
-          <p:cNvPr id="43" name="Google Shape;278;p25"/>
-          <p:cNvCxnSpPr>
-            <a:cxnSpLocks/>
-            <a:stCxn id="40" idx="3"/>
-            <a:endCxn id="42" idx="1"/>
-          </p:cNvCxnSpPr>
-          <p:nvPr/>
-        </p:nvCxnSpPr>
-        <p:spPr>
-          <a:xfrm flipV="1">
-            <a:off x="6111336" y="2753427"/>
-            <a:ext cx="322314" cy="9326"/>
-          </a:xfrm>
-          <a:prstGeom prst="straightConnector1">
-            <a:avLst/>
-          </a:prstGeom>
-          <a:noFill/>
-          <a:ln w="12700" cap="flat" cmpd="sng">
-            <a:solidFill>
-              <a:srgbClr val="6A99D0"/>
-            </a:solidFill>
-            <a:prstDash val="solid"/>
-            <a:round/>
-            <a:headEnd type="none" w="med" len="med"/>
-            <a:tailEnd type="triangle" w="med" len="med"/>
-          </a:ln>
-        </p:spPr>
-      </p:cxnSp>
-      <p:sp>
-        <p:nvSpPr>
-          <p:cNvPr id="44" name="Google Shape;279;p25"/>
-          <p:cNvSpPr/>
-          <p:nvPr/>
-        </p:nvSpPr>
-        <p:spPr>
-          <a:xfrm>
-            <a:off x="7849139" y="1636134"/>
-            <a:ext cx="1156843" cy="621549"/>
-          </a:xfrm>
-          <a:prstGeom prst="roundRect">
-            <a:avLst>
-              <a:gd name="adj" fmla="val 16667"/>
-            </a:avLst>
-          </a:prstGeom>
-          <a:solidFill>
-            <a:schemeClr val="accent3">
-              <a:lumMod val="20000"/>
-              <a:lumOff val="80000"/>
-            </a:schemeClr>
-          </a:solidFill>
-          <a:ln w="9525" cap="flat" cmpd="sng">
-            <a:solidFill>
-              <a:schemeClr val="accent3">
-                <a:lumMod val="20000"/>
-                <a:lumOff val="80000"/>
-              </a:schemeClr>
-            </a:solidFill>
-            <a:prstDash val="solid"/>
-            <a:round/>
-            <a:headEnd type="none" w="sm" len="sm"/>
-            <a:tailEnd type="none" w="sm" len="sm"/>
-          </a:ln>
-          <a:effectLst>
-            <a:outerShdw blurRad="50800" dist="38100" dir="2700000" algn="tl" rotWithShape="0">
-              <a:prstClr val="black">
-                <a:alpha val="40000"/>
-              </a:prstClr>
-            </a:outerShdw>
-          </a:effectLst>
-        </p:spPr>
-        <p:txBody>
-          <a:bodyPr spcFirstLastPara="1" wrap="square" lIns="121900" tIns="121900" rIns="121900" bIns="121900" anchor="t" anchorCtr="0">
-            <a:noAutofit/>
-          </a:bodyPr>
-          <a:lstStyle/>
-          <a:p>
-            <a:pPr algn="ctr"/>
-            <a:endParaRPr lang="en-US" sz="1200" dirty="0">
-              <a:solidFill>
-                <a:srgbClr val="000000"/>
-              </a:solidFill>
-              <a:latin typeface="Calibri" panose="020F0502020204030204" pitchFamily="34" charset="0"/>
-              <a:cs typeface="Calibri" panose="020F0502020204030204" pitchFamily="34" charset="0"/>
-            </a:endParaRPr>
-          </a:p>
-        </p:txBody>
-      </p:sp>
-      <p:sp>
-        <p:nvSpPr>
-          <p:cNvPr id="51" name="Google Shape;287;p25"/>
-          <p:cNvSpPr/>
-          <p:nvPr/>
-        </p:nvSpPr>
-        <p:spPr>
-          <a:xfrm>
-            <a:off x="7861840" y="3237174"/>
-            <a:ext cx="1144142" cy="616031"/>
-          </a:xfrm>
-          <a:prstGeom prst="roundRect">
-            <a:avLst>
-              <a:gd name="adj" fmla="val 16667"/>
-            </a:avLst>
-          </a:prstGeom>
-          <a:solidFill>
-            <a:schemeClr val="accent4">
-              <a:lumMod val="20000"/>
-              <a:lumOff val="80000"/>
-            </a:schemeClr>
-          </a:solidFill>
-          <a:ln w="9525" cap="flat" cmpd="sng">
-            <a:solidFill>
-              <a:schemeClr val="accent4">
-                <a:lumMod val="20000"/>
-                <a:lumOff val="80000"/>
-              </a:schemeClr>
-            </a:solidFill>
-            <a:prstDash val="solid"/>
-            <a:round/>
-            <a:headEnd type="none" w="sm" len="sm"/>
-            <a:tailEnd type="none" w="sm" len="sm"/>
-          </a:ln>
-          <a:effectLst>
-            <a:outerShdw blurRad="50800" dist="38100" dir="2700000" algn="tl" rotWithShape="0">
-              <a:prstClr val="black">
-                <a:alpha val="40000"/>
-              </a:prstClr>
-            </a:outerShdw>
-          </a:effectLst>
-        </p:spPr>
-        <p:txBody>
-          <a:bodyPr spcFirstLastPara="1" wrap="square" lIns="121900" tIns="121900" rIns="121900" bIns="121900" anchor="ctr" anchorCtr="0">
-            <a:noAutofit/>
-          </a:bodyPr>
-          <a:lstStyle/>
-          <a:p>
-            <a:pPr algn="ctr"/>
-            <a:r>
-              <a:rPr lang="en" sz="1200" dirty="0">
-                <a:solidFill>
-                  <a:srgbClr val="000000"/>
-                </a:solidFill>
-                <a:latin typeface="Calibri" panose="020F0502020204030204" pitchFamily="34" charset="0"/>
-                <a:cs typeface="Calibri" panose="020F0502020204030204" pitchFamily="34" charset="0"/>
-              </a:rPr>
-              <a:t>...</a:t>
-            </a:r>
-            <a:endParaRPr sz="1200" dirty="0">
-              <a:solidFill>
-                <a:srgbClr val="000000"/>
-              </a:solidFill>
-              <a:latin typeface="Calibri" panose="020F0502020204030204" pitchFamily="34" charset="0"/>
-              <a:cs typeface="Calibri" panose="020F0502020204030204" pitchFamily="34" charset="0"/>
-            </a:endParaRPr>
-          </a:p>
-        </p:txBody>
-      </p:sp>
-      <p:sp>
-        <p:nvSpPr>
-          <p:cNvPr id="53" name="Google Shape;282;p25"/>
-          <p:cNvSpPr/>
-          <p:nvPr/>
-        </p:nvSpPr>
-        <p:spPr>
-          <a:xfrm>
-            <a:off x="2690848" y="2517099"/>
-            <a:ext cx="1007470" cy="472654"/>
-          </a:xfrm>
-          <a:prstGeom prst="roundRect">
-            <a:avLst>
-              <a:gd name="adj" fmla="val 16667"/>
-            </a:avLst>
-          </a:prstGeom>
-          <a:solidFill>
-            <a:schemeClr val="tx1">
-              <a:lumMod val="20000"/>
-              <a:lumOff val="80000"/>
-            </a:schemeClr>
-          </a:solidFill>
-          <a:ln w="9525" cap="flat" cmpd="sng">
-            <a:solidFill>
-              <a:srgbClr val="6A99D0"/>
-            </a:solidFill>
-            <a:prstDash val="solid"/>
-            <a:round/>
-            <a:headEnd type="none" w="sm" len="sm"/>
-            <a:tailEnd type="none" w="sm" len="sm"/>
-          </a:ln>
-          <a:effectLst>
-            <a:outerShdw blurRad="50800" dist="38100" dir="2700000" algn="tl" rotWithShape="0">
-              <a:prstClr val="black">
-                <a:alpha val="40000"/>
-              </a:prstClr>
-            </a:outerShdw>
-          </a:effectLst>
-        </p:spPr>
-        <p:txBody>
-          <a:bodyPr spcFirstLastPara="1" wrap="square" lIns="121900" tIns="121900" rIns="121900" bIns="121900" anchor="ctr" anchorCtr="0">
-            <a:noAutofit/>
-          </a:bodyPr>
-          <a:lstStyle/>
-          <a:p>
-            <a:pPr algn="ctr"/>
-            <a:r>
-              <a:rPr lang="en-US" sz="1200" dirty="0">
-                <a:latin typeface="Calibri" panose="020F0502020204030204" pitchFamily="34" charset="0"/>
-                <a:cs typeface="Calibri" panose="020F0502020204030204" pitchFamily="34" charset="0"/>
-              </a:rPr>
-              <a:t>Build</a:t>
-            </a:r>
-          </a:p>
-        </p:txBody>
-      </p:sp>
-      <p:cxnSp>
-        <p:nvCxnSpPr>
-          <p:cNvPr id="54" name="Google Shape;289;p25"/>
-          <p:cNvCxnSpPr>
-            <a:cxnSpLocks/>
-            <a:stCxn id="68" idx="3"/>
-            <a:endCxn id="53" idx="1"/>
-          </p:cNvCxnSpPr>
-          <p:nvPr/>
-        </p:nvCxnSpPr>
-        <p:spPr>
-          <a:xfrm>
-            <a:off x="2316051" y="2752084"/>
-            <a:ext cx="374797" cy="1342"/>
-          </a:xfrm>
-          <a:prstGeom prst="straightConnector1">
-            <a:avLst/>
-          </a:prstGeom>
-          <a:noFill/>
-          <a:ln w="9525" cap="flat" cmpd="sng">
-            <a:solidFill>
-              <a:srgbClr val="6A99D0"/>
-            </a:solidFill>
-            <a:prstDash val="solid"/>
-            <a:round/>
-            <a:headEnd type="none" w="med" len="med"/>
-            <a:tailEnd type="triangle" w="med" len="med"/>
-          </a:ln>
-        </p:spPr>
-      </p:cxnSp>
-      <p:sp>
-        <p:nvSpPr>
-          <p:cNvPr id="60" name="Google Shape;71;p15">
-            <a:extLst>
-              <a:ext uri="{FF2B5EF4-FFF2-40B4-BE49-F238E27FC236}">
-                <a16:creationId xmlns:a16="http://schemas.microsoft.com/office/drawing/2014/main" id="{9FDA1233-E120-2E43-A053-07307A79FD13}"/>
-              </a:ext>
-            </a:extLst>
-          </p:cNvPr>
-          <p:cNvSpPr/>
-          <p:nvPr/>
-        </p:nvSpPr>
-        <p:spPr>
-          <a:xfrm>
-            <a:off x="1358043" y="2499086"/>
-            <a:ext cx="787067" cy="246289"/>
-          </a:xfrm>
-          <a:prstGeom prst="roundRect">
-            <a:avLst>
-              <a:gd name="adj" fmla="val 16667"/>
-            </a:avLst>
-          </a:prstGeom>
-          <a:solidFill>
-            <a:srgbClr val="6A99D0"/>
-          </a:solidFill>
-          <a:ln w="12700" cap="flat" cmpd="sng">
-            <a:solidFill>
-              <a:srgbClr val="6A99D0"/>
-            </a:solidFill>
-            <a:prstDash val="solid"/>
-            <a:round/>
-            <a:headEnd type="none" w="sm" len="sm"/>
-            <a:tailEnd type="none" w="sm" len="sm"/>
-          </a:ln>
-        </p:spPr>
-        <p:txBody>
-          <a:bodyPr spcFirstLastPara="1" wrap="square" lIns="121900" tIns="121900" rIns="121900" bIns="121900" anchor="ctr" anchorCtr="0">
-            <a:noAutofit/>
-          </a:bodyPr>
-          <a:lstStyle/>
-          <a:p>
-            <a:pPr algn="ctr"/>
-            <a:r>
-              <a:rPr lang="en" sz="1200" dirty="0">
-                <a:solidFill>
-                  <a:schemeClr val="bg1"/>
-                </a:solidFill>
-                <a:latin typeface="Calibri" panose="020F0502020204030204" pitchFamily="34" charset="0"/>
-                <a:cs typeface="Calibri" panose="020F0502020204030204" pitchFamily="34" charset="0"/>
-              </a:rPr>
-              <a:t>Testing</a:t>
-            </a:r>
-            <a:endParaRPr sz="1200" dirty="0">
-              <a:solidFill>
-                <a:schemeClr val="bg1"/>
-              </a:solidFill>
-              <a:latin typeface="Calibri" panose="020F0502020204030204" pitchFamily="34" charset="0"/>
-              <a:cs typeface="Calibri" panose="020F0502020204030204" pitchFamily="34" charset="0"/>
-            </a:endParaRPr>
-          </a:p>
-        </p:txBody>
-      </p:sp>
-      <p:sp>
-        <p:nvSpPr>
-          <p:cNvPr id="61" name="Google Shape;98;p15">
-            <a:extLst>
-              <a:ext uri="{FF2B5EF4-FFF2-40B4-BE49-F238E27FC236}">
-                <a16:creationId xmlns:a16="http://schemas.microsoft.com/office/drawing/2014/main" id="{9F7467BF-401F-A542-B602-5CC960E541DF}"/>
-              </a:ext>
-            </a:extLst>
-          </p:cNvPr>
-          <p:cNvSpPr/>
-          <p:nvPr/>
-        </p:nvSpPr>
-        <p:spPr>
-          <a:xfrm>
-            <a:off x="1356377" y="3203264"/>
-            <a:ext cx="787067" cy="244927"/>
-          </a:xfrm>
-          <a:prstGeom prst="roundRect">
-            <a:avLst>
-              <a:gd name="adj" fmla="val 16667"/>
-            </a:avLst>
-          </a:prstGeom>
-          <a:solidFill>
-            <a:schemeClr val="bg1"/>
-          </a:solidFill>
-          <a:ln w="12700" cap="flat" cmpd="sng">
-            <a:solidFill>
-              <a:schemeClr val="accent1"/>
-            </a:solidFill>
-            <a:prstDash val="solid"/>
-            <a:round/>
-            <a:headEnd type="none" w="sm" len="sm"/>
-            <a:tailEnd type="none" w="sm" len="sm"/>
-          </a:ln>
-        </p:spPr>
-        <p:txBody>
-          <a:bodyPr spcFirstLastPara="1" wrap="square" lIns="121900" tIns="121900" rIns="121900" bIns="121900" anchor="ctr" anchorCtr="0">
-            <a:noAutofit/>
-          </a:bodyPr>
-          <a:lstStyle/>
-          <a:p>
-            <a:pPr algn="ctr">
-              <a:lnSpc>
-                <a:spcPct val="80000"/>
-              </a:lnSpc>
-            </a:pPr>
-            <a:r>
-              <a:rPr lang="en-US" sz="1200" dirty="0">
-                <a:latin typeface="Calibri" panose="020F0502020204030204" pitchFamily="34" charset="0"/>
-                <a:cs typeface="Calibri" panose="020F0502020204030204" pitchFamily="34" charset="0"/>
-              </a:rPr>
-              <a:t>Review</a:t>
-            </a:r>
-          </a:p>
-        </p:txBody>
-      </p:sp>
-      <p:cxnSp>
-        <p:nvCxnSpPr>
-          <p:cNvPr id="63" name="Google Shape;72;p15">
-            <a:extLst>
-              <a:ext uri="{FF2B5EF4-FFF2-40B4-BE49-F238E27FC236}">
-                <a16:creationId xmlns:a16="http://schemas.microsoft.com/office/drawing/2014/main" id="{278F6A84-5E94-2947-A679-F6ED30FA7FEF}"/>
-              </a:ext>
-            </a:extLst>
-          </p:cNvPr>
-          <p:cNvCxnSpPr>
-            <a:cxnSpLocks/>
-            <a:stCxn id="68" idx="2"/>
-            <a:endCxn id="55" idx="3"/>
-          </p:cNvCxnSpPr>
-          <p:nvPr/>
-        </p:nvCxnSpPr>
-        <p:spPr>
-          <a:xfrm rot="5400000" flipH="1">
-            <a:off x="919246" y="2732685"/>
-            <a:ext cx="458311" cy="1247038"/>
-          </a:xfrm>
-          <a:prstGeom prst="bentConnector3">
-            <a:avLst>
-              <a:gd name="adj1" fmla="val -49879"/>
-            </a:avLst>
-          </a:prstGeom>
-          <a:noFill/>
-          <a:ln w="12700" cap="flat" cmpd="sng">
-            <a:solidFill>
-              <a:srgbClr val="6A99D0"/>
-            </a:solidFill>
-            <a:prstDash val="sysDot"/>
-            <a:round/>
-            <a:headEnd type="none" w="med" len="med"/>
-            <a:tailEnd type="triangle" w="med" len="med"/>
-          </a:ln>
-        </p:spPr>
-      </p:cxnSp>
-      <p:cxnSp>
-        <p:nvCxnSpPr>
-          <p:cNvPr id="4" name="Elbow Connector 3"/>
-          <p:cNvCxnSpPr>
-            <a:cxnSpLocks/>
-            <a:stCxn id="65" idx="1"/>
-            <a:endCxn id="55" idx="1"/>
-          </p:cNvCxnSpPr>
-          <p:nvPr/>
-        </p:nvCxnSpPr>
-        <p:spPr>
-          <a:xfrm rot="10800000" flipV="1">
-            <a:off x="524884" y="1323190"/>
-            <a:ext cx="702907" cy="1048455"/>
-          </a:xfrm>
-          <a:prstGeom prst="bentConnector2">
-            <a:avLst/>
-          </a:prstGeom>
-          <a:ln w="12700">
-            <a:solidFill>
-              <a:srgbClr val="6A99D0"/>
-            </a:solidFill>
-            <a:prstDash val="sysDot"/>
-            <a:tailEnd type="triangle"/>
-          </a:ln>
-        </p:spPr>
-        <p:style>
-          <a:lnRef idx="1">
-            <a:schemeClr val="accent1"/>
-          </a:lnRef>
-          <a:fillRef idx="0">
-            <a:schemeClr val="accent1"/>
-          </a:fillRef>
-          <a:effectRef idx="0">
-            <a:schemeClr val="accent1"/>
-          </a:effectRef>
-          <a:fontRef idx="minor">
-            <a:schemeClr val="tx1"/>
-          </a:fontRef>
-        </p:style>
-      </p:cxnSp>
-      <p:cxnSp>
-        <p:nvCxnSpPr>
-          <p:cNvPr id="90" name="Straight Arrow Connector 89"/>
-          <p:cNvCxnSpPr>
-            <a:cxnSpLocks/>
-          </p:cNvCxnSpPr>
-          <p:nvPr/>
-        </p:nvCxnSpPr>
-        <p:spPr>
-          <a:xfrm flipV="1">
-            <a:off x="4420104" y="4417663"/>
-            <a:ext cx="4585878" cy="22336"/>
-          </a:xfrm>
-          <a:prstGeom prst="straightConnector1">
-            <a:avLst/>
-          </a:prstGeom>
-          <a:ln>
-            <a:solidFill>
-              <a:srgbClr val="6A99D0"/>
-            </a:solidFill>
-            <a:headEnd type="triangle"/>
-            <a:tailEnd type="triangle"/>
-          </a:ln>
-        </p:spPr>
-        <p:style>
-          <a:lnRef idx="1">
-            <a:schemeClr val="accent1"/>
-          </a:lnRef>
-          <a:fillRef idx="0">
-            <a:schemeClr val="accent1"/>
-          </a:fillRef>
-          <a:effectRef idx="0">
-            <a:schemeClr val="accent1"/>
-          </a:effectRef>
-          <a:fontRef idx="minor">
-            <a:schemeClr val="tx1"/>
-          </a:fontRef>
-        </p:style>
-      </p:cxnSp>
-      <p:sp>
-        <p:nvSpPr>
-          <p:cNvPr id="91" name="TextBox 90"/>
-          <p:cNvSpPr txBox="1"/>
-          <p:nvPr/>
-        </p:nvSpPr>
-        <p:spPr>
-          <a:xfrm>
-            <a:off x="5748522" y="4156548"/>
-            <a:ext cx="1962396" cy="307777"/>
-          </a:xfrm>
-          <a:prstGeom prst="rect">
-            <a:avLst/>
-          </a:prstGeom>
-          <a:noFill/>
-        </p:spPr>
-        <p:txBody>
-          <a:bodyPr wrap="none" rtlCol="0">
-            <a:spAutoFit/>
-          </a:bodyPr>
-          <a:lstStyle/>
-          <a:p>
-            <a:pPr algn="ctr"/>
-            <a:r>
-              <a:rPr lang="en-US" dirty="0">
-                <a:latin typeface="Calibri" panose="020F0502020204030204" pitchFamily="34" charset="0"/>
-                <a:cs typeface="Calibri" panose="020F0502020204030204" pitchFamily="34" charset="0"/>
-              </a:rPr>
-              <a:t>Continuous Deployment</a:t>
-            </a:r>
-          </a:p>
-        </p:txBody>
-      </p:sp>
-      <p:cxnSp>
-        <p:nvCxnSpPr>
-          <p:cNvPr id="93" name="Straight Arrow Connector 92"/>
-          <p:cNvCxnSpPr>
-            <a:cxnSpLocks/>
-          </p:cNvCxnSpPr>
-          <p:nvPr/>
-        </p:nvCxnSpPr>
-        <p:spPr>
-          <a:xfrm>
-            <a:off x="104602" y="4434911"/>
-            <a:ext cx="4297030" cy="4296"/>
-          </a:xfrm>
-          <a:prstGeom prst="straightConnector1">
-            <a:avLst/>
-          </a:prstGeom>
-          <a:ln>
-            <a:solidFill>
-              <a:srgbClr val="6A99D0"/>
-            </a:solidFill>
-            <a:headEnd type="triangle"/>
-            <a:tailEnd type="triangle"/>
-          </a:ln>
-        </p:spPr>
-        <p:style>
-          <a:lnRef idx="1">
-            <a:schemeClr val="accent1"/>
-          </a:lnRef>
-          <a:fillRef idx="0">
-            <a:schemeClr val="accent1"/>
-          </a:fillRef>
-          <a:effectRef idx="0">
-            <a:schemeClr val="accent1"/>
-          </a:effectRef>
-          <a:fontRef idx="minor">
-            <a:schemeClr val="tx1"/>
-          </a:fontRef>
-        </p:style>
-      </p:cxnSp>
-      <p:sp>
-        <p:nvSpPr>
-          <p:cNvPr id="94" name="TextBox 93"/>
-          <p:cNvSpPr txBox="1"/>
-          <p:nvPr/>
-        </p:nvSpPr>
-        <p:spPr>
-          <a:xfrm>
-            <a:off x="1326370" y="4148812"/>
-            <a:ext cx="1877437" cy="307777"/>
-          </a:xfrm>
-          <a:prstGeom prst="rect">
-            <a:avLst/>
-          </a:prstGeom>
-          <a:noFill/>
-        </p:spPr>
-        <p:txBody>
-          <a:bodyPr wrap="none" rtlCol="0">
-            <a:spAutoFit/>
-          </a:bodyPr>
-          <a:lstStyle/>
-          <a:p>
-            <a:pPr algn="ctr"/>
-            <a:r>
-              <a:rPr lang="en-US" dirty="0">
-                <a:latin typeface="Calibri" panose="020F0502020204030204" pitchFamily="34" charset="0"/>
-                <a:cs typeface="Calibri" panose="020F0502020204030204" pitchFamily="34" charset="0"/>
-              </a:rPr>
-              <a:t>Continuous Integration</a:t>
-            </a:r>
-          </a:p>
-        </p:txBody>
-      </p:sp>
-      <p:sp>
-        <p:nvSpPr>
-          <p:cNvPr id="65" name="Google Shape;85;p15">
-            <a:extLst>
-              <a:ext uri="{FF2B5EF4-FFF2-40B4-BE49-F238E27FC236}">
-                <a16:creationId xmlns:a16="http://schemas.microsoft.com/office/drawing/2014/main" id="{923E7BD5-40E6-7346-9B5E-7D5A0B2C8470}"/>
-              </a:ext>
-            </a:extLst>
-          </p:cNvPr>
-          <p:cNvSpPr/>
-          <p:nvPr/>
-        </p:nvSpPr>
-        <p:spPr>
-          <a:xfrm>
-            <a:off x="1227790" y="914400"/>
-            <a:ext cx="1088261" cy="817581"/>
-          </a:xfrm>
-          <a:prstGeom prst="roundRect">
-            <a:avLst>
-              <a:gd name="adj" fmla="val 16667"/>
-            </a:avLst>
-          </a:prstGeom>
-          <a:solidFill>
-            <a:schemeClr val="bg1">
-              <a:lumMod val="95000"/>
-            </a:schemeClr>
-          </a:solidFill>
-          <a:ln>
-            <a:solidFill>
-              <a:srgbClr val="6A99D0"/>
-            </a:solidFill>
-          </a:ln>
-          <a:effectLst>
-            <a:outerShdw blurRad="50800" dist="38100" dir="2700000" algn="tl" rotWithShape="0">
-              <a:prstClr val="black">
-                <a:alpha val="40000"/>
-              </a:prstClr>
-            </a:outerShdw>
-          </a:effectLst>
-        </p:spPr>
-        <p:txBody>
-          <a:bodyPr spcFirstLastPara="1" wrap="square" lIns="121900" tIns="121900" rIns="121900" bIns="121900" anchor="t" anchorCtr="0">
-            <a:noAutofit/>
-          </a:bodyPr>
-          <a:lstStyle/>
-          <a:p>
-            <a:pPr algn="ctr"/>
-            <a:r>
-              <a:rPr lang="en" sz="1200" dirty="0">
-                <a:solidFill>
-                  <a:schemeClr val="tx1">
-                    <a:lumMod val="50000"/>
-                  </a:schemeClr>
-                </a:solidFill>
-                <a:latin typeface="Calibri" panose="020F0502020204030204" pitchFamily="34" charset="0"/>
-                <a:cs typeface="Calibri" panose="020F0502020204030204" pitchFamily="34" charset="0"/>
-              </a:rPr>
-              <a:t>QA </a:t>
-            </a:r>
-            <a:r>
-              <a:rPr lang="en-US" sz="1200" dirty="0">
-                <a:solidFill>
-                  <a:schemeClr val="tx1">
-                    <a:lumMod val="50000"/>
-                  </a:schemeClr>
-                </a:solidFill>
-                <a:latin typeface="Calibri" panose="020F0502020204030204" pitchFamily="34" charset="0"/>
-                <a:cs typeface="Calibri" panose="020F0502020204030204" pitchFamily="34" charset="0"/>
-              </a:rPr>
-              <a:t>PODs</a:t>
-            </a:r>
-            <a:endParaRPr sz="1200" dirty="0">
-              <a:solidFill>
-                <a:schemeClr val="tx1">
-                  <a:lumMod val="50000"/>
-                </a:schemeClr>
-              </a:solidFill>
-              <a:latin typeface="Calibri" panose="020F0502020204030204" pitchFamily="34" charset="0"/>
-              <a:cs typeface="Calibri" panose="020F0502020204030204" pitchFamily="34" charset="0"/>
-            </a:endParaRPr>
-          </a:p>
-        </p:txBody>
-      </p:sp>
-      <p:sp>
-        <p:nvSpPr>
-          <p:cNvPr id="55" name="Google Shape;259;p25">
-            <a:extLst>
-              <a:ext uri="{FF2B5EF4-FFF2-40B4-BE49-F238E27FC236}">
-                <a16:creationId xmlns:a16="http://schemas.microsoft.com/office/drawing/2014/main" id="{456DA109-3285-FC48-B75A-889AD62B785E}"/>
-              </a:ext>
-            </a:extLst>
-          </p:cNvPr>
-          <p:cNvSpPr/>
-          <p:nvPr/>
-        </p:nvSpPr>
-        <p:spPr>
-          <a:xfrm>
-            <a:off x="109136" y="2371646"/>
-            <a:ext cx="831494" cy="755402"/>
-          </a:xfrm>
-          <a:prstGeom prst="can">
-            <a:avLst>
-              <a:gd name="adj" fmla="val 25000"/>
-            </a:avLst>
-          </a:prstGeom>
-          <a:solidFill>
-            <a:schemeClr val="bg1">
-              <a:lumMod val="65000"/>
-            </a:schemeClr>
-          </a:solidFill>
-          <a:ln w="9525" cap="flat" cmpd="sng">
-            <a:solidFill>
-              <a:srgbClr val="6A99D0"/>
-            </a:solidFill>
-            <a:prstDash val="solid"/>
-            <a:round/>
-            <a:headEnd type="none" w="sm" len="sm"/>
-            <a:tailEnd type="none" w="sm" len="sm"/>
-          </a:ln>
-          <a:effectLst>
-            <a:outerShdw blurRad="50800" dist="38100" dir="2700000" algn="tl" rotWithShape="0">
-              <a:prstClr val="black">
-                <a:alpha val="40000"/>
-              </a:prstClr>
-            </a:outerShdw>
-          </a:effectLst>
-        </p:spPr>
-        <p:txBody>
-          <a:bodyPr spcFirstLastPara="1" wrap="square" lIns="121900" tIns="121900" rIns="121900" bIns="121900" anchor="ctr" anchorCtr="0">
-            <a:noAutofit/>
-          </a:bodyPr>
-          <a:lstStyle/>
-          <a:p>
-            <a:pPr algn="ctr">
-              <a:lnSpc>
-                <a:spcPct val="90000"/>
-              </a:lnSpc>
-            </a:pPr>
-            <a:r>
-              <a:rPr lang="en-US" sz="1200" dirty="0">
-                <a:solidFill>
-                  <a:schemeClr val="bg1"/>
-                </a:solidFill>
-                <a:latin typeface="Calibri" panose="020F0502020204030204" pitchFamily="34" charset="0"/>
-                <a:cs typeface="Calibri" panose="020F0502020204030204" pitchFamily="34" charset="0"/>
-              </a:rPr>
-              <a:t>Code</a:t>
-            </a:r>
-            <a:endParaRPr sz="1200" dirty="0">
-              <a:solidFill>
-                <a:schemeClr val="bg1"/>
-              </a:solidFill>
-              <a:latin typeface="Calibri" panose="020F0502020204030204" pitchFamily="34" charset="0"/>
-              <a:cs typeface="Calibri" panose="020F0502020204030204" pitchFamily="34" charset="0"/>
-            </a:endParaRPr>
-          </a:p>
-          <a:p>
-            <a:pPr algn="ctr">
-              <a:lnSpc>
-                <a:spcPct val="90000"/>
-              </a:lnSpc>
-            </a:pPr>
-            <a:r>
-              <a:rPr lang="en" sz="1200" dirty="0">
-                <a:solidFill>
-                  <a:schemeClr val="bg1"/>
-                </a:solidFill>
-                <a:latin typeface="Calibri" panose="020F0502020204030204" pitchFamily="34" charset="0"/>
-                <a:cs typeface="Calibri" panose="020F0502020204030204" pitchFamily="34" charset="0"/>
-              </a:rPr>
-              <a:t>Repo</a:t>
-            </a:r>
-            <a:endParaRPr sz="1200" dirty="0">
-              <a:solidFill>
-                <a:schemeClr val="bg1"/>
-              </a:solidFill>
-              <a:latin typeface="Calibri" panose="020F0502020204030204" pitchFamily="34" charset="0"/>
-              <a:cs typeface="Calibri" panose="020F0502020204030204" pitchFamily="34" charset="0"/>
-            </a:endParaRPr>
-          </a:p>
-        </p:txBody>
-      </p:sp>
-      <p:sp>
-        <p:nvSpPr>
-          <p:cNvPr id="62" name="Google Shape;259;p25">
-            <a:extLst>
-              <a:ext uri="{FF2B5EF4-FFF2-40B4-BE49-F238E27FC236}">
-                <a16:creationId xmlns:a16="http://schemas.microsoft.com/office/drawing/2014/main" id="{F0DC8D35-A28F-6C42-AE38-78DFF67E9AF2}"/>
-              </a:ext>
-            </a:extLst>
-          </p:cNvPr>
-          <p:cNvSpPr/>
-          <p:nvPr/>
-        </p:nvSpPr>
-        <p:spPr>
-          <a:xfrm>
-            <a:off x="4004359" y="1765524"/>
-            <a:ext cx="831494" cy="755402"/>
-          </a:xfrm>
-          <a:prstGeom prst="can">
-            <a:avLst>
-              <a:gd name="adj" fmla="val 25000"/>
-            </a:avLst>
-          </a:prstGeom>
-          <a:solidFill>
-            <a:schemeClr val="bg1">
-              <a:lumMod val="65000"/>
-            </a:schemeClr>
-          </a:solidFill>
-          <a:ln w="9525" cap="flat" cmpd="sng">
-            <a:solidFill>
-              <a:srgbClr val="6A99D0"/>
-            </a:solidFill>
-            <a:prstDash val="solid"/>
-            <a:round/>
-            <a:headEnd type="none" w="sm" len="sm"/>
-            <a:tailEnd type="none" w="sm" len="sm"/>
-          </a:ln>
-          <a:effectLst>
-            <a:outerShdw blurRad="50800" dist="38100" dir="2700000" algn="tl" rotWithShape="0">
-              <a:prstClr val="black">
-                <a:alpha val="40000"/>
-              </a:prstClr>
-            </a:outerShdw>
-          </a:effectLst>
-        </p:spPr>
-        <p:txBody>
-          <a:bodyPr spcFirstLastPara="1" wrap="square" lIns="121900" tIns="121900" rIns="121900" bIns="121900" anchor="ctr" anchorCtr="0">
-            <a:noAutofit/>
-          </a:bodyPr>
-          <a:lstStyle/>
-          <a:p>
-            <a:pPr algn="ctr">
-              <a:lnSpc>
-                <a:spcPct val="90000"/>
-              </a:lnSpc>
-            </a:pPr>
-            <a:r>
-              <a:rPr lang="en-US" sz="1200" dirty="0">
-                <a:solidFill>
-                  <a:schemeClr val="bg1"/>
-                </a:solidFill>
-                <a:latin typeface="Calibri" panose="020F0502020204030204" pitchFamily="34" charset="0"/>
-                <a:cs typeface="Calibri" panose="020F0502020204030204" pitchFamily="34" charset="0"/>
-              </a:rPr>
-              <a:t>Image</a:t>
-            </a:r>
-            <a:endParaRPr sz="1200" dirty="0">
-              <a:solidFill>
-                <a:schemeClr val="bg1"/>
-              </a:solidFill>
-              <a:latin typeface="Calibri" panose="020F0502020204030204" pitchFamily="34" charset="0"/>
-              <a:cs typeface="Calibri" panose="020F0502020204030204" pitchFamily="34" charset="0"/>
-            </a:endParaRPr>
-          </a:p>
-          <a:p>
-            <a:pPr algn="ctr">
-              <a:lnSpc>
-                <a:spcPct val="90000"/>
-              </a:lnSpc>
-            </a:pPr>
-            <a:r>
-              <a:rPr lang="en" sz="1200" dirty="0">
-                <a:solidFill>
-                  <a:schemeClr val="bg1"/>
-                </a:solidFill>
-                <a:latin typeface="Calibri" panose="020F0502020204030204" pitchFamily="34" charset="0"/>
-                <a:cs typeface="Calibri" panose="020F0502020204030204" pitchFamily="34" charset="0"/>
-              </a:rPr>
-              <a:t>Repo</a:t>
-            </a:r>
-            <a:endParaRPr sz="1200" dirty="0">
-              <a:solidFill>
-                <a:schemeClr val="bg1"/>
-              </a:solidFill>
-              <a:latin typeface="Calibri" panose="020F0502020204030204" pitchFamily="34" charset="0"/>
-              <a:cs typeface="Calibri" panose="020F0502020204030204" pitchFamily="34" charset="0"/>
-            </a:endParaRPr>
-          </a:p>
-        </p:txBody>
-      </p:sp>
-      <p:sp>
-        <p:nvSpPr>
-          <p:cNvPr id="64" name="Google Shape;259;p25">
-            <a:extLst>
-              <a:ext uri="{FF2B5EF4-FFF2-40B4-BE49-F238E27FC236}">
-                <a16:creationId xmlns:a16="http://schemas.microsoft.com/office/drawing/2014/main" id="{C6781031-0806-1D44-BA20-D20F0F5B97FD}"/>
-              </a:ext>
-            </a:extLst>
-          </p:cNvPr>
-          <p:cNvSpPr/>
-          <p:nvPr/>
-        </p:nvSpPr>
-        <p:spPr>
-          <a:xfrm>
-            <a:off x="4008809" y="2984228"/>
-            <a:ext cx="831494" cy="755402"/>
-          </a:xfrm>
-          <a:prstGeom prst="can">
-            <a:avLst>
-              <a:gd name="adj" fmla="val 25000"/>
-            </a:avLst>
-          </a:prstGeom>
-          <a:solidFill>
-            <a:schemeClr val="bg1">
-              <a:lumMod val="65000"/>
-            </a:schemeClr>
-          </a:solidFill>
-          <a:ln w="9525" cap="flat" cmpd="sng">
-            <a:solidFill>
-              <a:srgbClr val="6A99D0"/>
-            </a:solidFill>
-            <a:prstDash val="solid"/>
-            <a:round/>
-            <a:headEnd type="none" w="sm" len="sm"/>
-            <a:tailEnd type="none" w="sm" len="sm"/>
-          </a:ln>
-          <a:effectLst>
-            <a:outerShdw blurRad="50800" dist="38100" dir="2700000" algn="tl" rotWithShape="0">
-              <a:prstClr val="black">
-                <a:alpha val="40000"/>
-              </a:prstClr>
-            </a:outerShdw>
-          </a:effectLst>
-        </p:spPr>
-        <p:txBody>
-          <a:bodyPr spcFirstLastPara="1" wrap="square" lIns="121900" tIns="121900" rIns="121900" bIns="121900" anchor="ctr" anchorCtr="0">
-            <a:noAutofit/>
-          </a:bodyPr>
-          <a:lstStyle/>
-          <a:p>
-            <a:pPr algn="ctr">
-              <a:lnSpc>
-                <a:spcPct val="90000"/>
-              </a:lnSpc>
-            </a:pPr>
-            <a:r>
-              <a:rPr lang="en-US" sz="1200" dirty="0">
-                <a:solidFill>
-                  <a:schemeClr val="bg1"/>
-                </a:solidFill>
-                <a:latin typeface="Calibri" panose="020F0502020204030204" pitchFamily="34" charset="0"/>
-                <a:cs typeface="Calibri" panose="020F0502020204030204" pitchFamily="34" charset="0"/>
-              </a:rPr>
-              <a:t>Config</a:t>
-            </a:r>
-            <a:endParaRPr sz="1200" dirty="0">
-              <a:solidFill>
-                <a:schemeClr val="bg1"/>
-              </a:solidFill>
-              <a:latin typeface="Calibri" panose="020F0502020204030204" pitchFamily="34" charset="0"/>
-              <a:cs typeface="Calibri" panose="020F0502020204030204" pitchFamily="34" charset="0"/>
-            </a:endParaRPr>
-          </a:p>
-          <a:p>
-            <a:pPr algn="ctr">
-              <a:lnSpc>
-                <a:spcPct val="90000"/>
-              </a:lnSpc>
-            </a:pPr>
-            <a:r>
-              <a:rPr lang="en" sz="1200" dirty="0">
-                <a:solidFill>
-                  <a:schemeClr val="bg1"/>
-                </a:solidFill>
-                <a:latin typeface="Calibri" panose="020F0502020204030204" pitchFamily="34" charset="0"/>
-                <a:cs typeface="Calibri" panose="020F0502020204030204" pitchFamily="34" charset="0"/>
-              </a:rPr>
-              <a:t>Repo</a:t>
-            </a:r>
-            <a:endParaRPr sz="1200" dirty="0">
-              <a:solidFill>
-                <a:schemeClr val="bg1"/>
-              </a:solidFill>
-              <a:latin typeface="Calibri" panose="020F0502020204030204" pitchFamily="34" charset="0"/>
-              <a:cs typeface="Calibri" panose="020F0502020204030204" pitchFamily="34" charset="0"/>
-            </a:endParaRPr>
-          </a:p>
-        </p:txBody>
-      </p:sp>
-      <p:cxnSp>
-        <p:nvCxnSpPr>
-          <p:cNvPr id="26" name="Straight Arrow Connector 25">
-            <a:extLst>
-              <a:ext uri="{FF2B5EF4-FFF2-40B4-BE49-F238E27FC236}">
-                <a16:creationId xmlns:a16="http://schemas.microsoft.com/office/drawing/2014/main" id="{2A1AA444-2639-DF45-B6DB-B97471717EDB}"/>
-              </a:ext>
-            </a:extLst>
-          </p:cNvPr>
-          <p:cNvCxnSpPr>
-            <a:cxnSpLocks/>
-            <a:stCxn id="55" idx="4"/>
-            <a:endCxn id="68" idx="1"/>
-          </p:cNvCxnSpPr>
-          <p:nvPr/>
-        </p:nvCxnSpPr>
-        <p:spPr>
-          <a:xfrm>
-            <a:off x="940630" y="2749347"/>
-            <a:ext cx="287160" cy="2737"/>
-          </a:xfrm>
-          <a:prstGeom prst="straightConnector1">
-            <a:avLst/>
-          </a:prstGeom>
-          <a:ln>
-            <a:solidFill>
-              <a:srgbClr val="6A99D0"/>
-            </a:solidFill>
-            <a:tailEnd type="triangle"/>
-          </a:ln>
-        </p:spPr>
-        <p:style>
-          <a:lnRef idx="1">
-            <a:schemeClr val="accent1"/>
-          </a:lnRef>
-          <a:fillRef idx="0">
-            <a:schemeClr val="accent1"/>
-          </a:fillRef>
-          <a:effectRef idx="0">
-            <a:schemeClr val="accent1"/>
-          </a:effectRef>
-          <a:fontRef idx="minor">
-            <a:schemeClr val="tx1"/>
-          </a:fontRef>
-        </p:style>
-      </p:cxnSp>
-      <p:cxnSp>
-        <p:nvCxnSpPr>
-          <p:cNvPr id="99" name="Elbow Connector 98">
-            <a:extLst>
-              <a:ext uri="{FF2B5EF4-FFF2-40B4-BE49-F238E27FC236}">
-                <a16:creationId xmlns:a16="http://schemas.microsoft.com/office/drawing/2014/main" id="{E49BE0AF-8361-8147-8A4C-6717882B20A9}"/>
-              </a:ext>
-            </a:extLst>
-          </p:cNvPr>
-          <p:cNvCxnSpPr>
-            <a:stCxn id="53" idx="3"/>
-            <a:endCxn id="62" idx="2"/>
-          </p:cNvCxnSpPr>
-          <p:nvPr/>
-        </p:nvCxnSpPr>
-        <p:spPr>
-          <a:xfrm flipV="1">
-            <a:off x="3698318" y="2143225"/>
-            <a:ext cx="306041" cy="610201"/>
-          </a:xfrm>
-          <a:prstGeom prst="bentConnector3">
-            <a:avLst/>
-          </a:prstGeom>
-          <a:ln>
-            <a:solidFill>
-              <a:srgbClr val="6A99D0"/>
-            </a:solidFill>
-            <a:tailEnd type="triangle"/>
-          </a:ln>
-        </p:spPr>
-        <p:style>
-          <a:lnRef idx="1">
-            <a:schemeClr val="accent1"/>
-          </a:lnRef>
-          <a:fillRef idx="0">
-            <a:schemeClr val="accent1"/>
-          </a:fillRef>
-          <a:effectRef idx="0">
-            <a:schemeClr val="accent1"/>
-          </a:effectRef>
-          <a:fontRef idx="minor">
-            <a:schemeClr val="tx1"/>
-          </a:fontRef>
-        </p:style>
-      </p:cxnSp>
-      <p:cxnSp>
-        <p:nvCxnSpPr>
-          <p:cNvPr id="101" name="Elbow Connector 100">
-            <a:extLst>
-              <a:ext uri="{FF2B5EF4-FFF2-40B4-BE49-F238E27FC236}">
-                <a16:creationId xmlns:a16="http://schemas.microsoft.com/office/drawing/2014/main" id="{D45ACFD6-4DE1-6946-8075-68B5B7592A61}"/>
-              </a:ext>
-            </a:extLst>
-          </p:cNvPr>
-          <p:cNvCxnSpPr>
-            <a:stCxn id="53" idx="3"/>
-            <a:endCxn id="64" idx="2"/>
-          </p:cNvCxnSpPr>
-          <p:nvPr/>
-        </p:nvCxnSpPr>
-        <p:spPr>
-          <a:xfrm>
-            <a:off x="3698318" y="2753426"/>
-            <a:ext cx="310491" cy="608503"/>
-          </a:xfrm>
-          <a:prstGeom prst="bentConnector3">
-            <a:avLst/>
-          </a:prstGeom>
-          <a:ln>
-            <a:solidFill>
-              <a:srgbClr val="6A99D0"/>
-            </a:solidFill>
-            <a:tailEnd type="triangle"/>
-          </a:ln>
-        </p:spPr>
-        <p:style>
-          <a:lnRef idx="1">
-            <a:schemeClr val="accent1"/>
-          </a:lnRef>
-          <a:fillRef idx="0">
-            <a:schemeClr val="accent1"/>
-          </a:fillRef>
-          <a:effectRef idx="0">
-            <a:schemeClr val="accent1"/>
-          </a:effectRef>
-          <a:fontRef idx="minor">
-            <a:schemeClr val="tx1"/>
-          </a:fontRef>
-        </p:style>
-      </p:cxnSp>
-      <p:cxnSp>
-        <p:nvCxnSpPr>
-          <p:cNvPr id="109" name="Elbow Connector 108">
-            <a:extLst>
-              <a:ext uri="{FF2B5EF4-FFF2-40B4-BE49-F238E27FC236}">
-                <a16:creationId xmlns:a16="http://schemas.microsoft.com/office/drawing/2014/main" id="{05717707-12D2-9E41-A6C6-AC9FF55E789C}"/>
-              </a:ext>
-            </a:extLst>
-          </p:cNvPr>
-          <p:cNvCxnSpPr>
-            <a:cxnSpLocks/>
-            <a:stCxn id="62" idx="3"/>
-          </p:cNvCxnSpPr>
-          <p:nvPr/>
-        </p:nvCxnSpPr>
-        <p:spPr>
-          <a:xfrm rot="16200000" flipH="1">
-            <a:off x="4712116" y="2228915"/>
-            <a:ext cx="167938" cy="751959"/>
-          </a:xfrm>
-          <a:prstGeom prst="bentConnector2">
-            <a:avLst/>
-          </a:prstGeom>
-          <a:ln>
-            <a:solidFill>
-              <a:srgbClr val="6A99D0"/>
-            </a:solidFill>
-            <a:tailEnd type="triangle"/>
-          </a:ln>
-        </p:spPr>
-        <p:style>
-          <a:lnRef idx="1">
-            <a:schemeClr val="accent1"/>
-          </a:lnRef>
-          <a:fillRef idx="0">
-            <a:schemeClr val="accent1"/>
-          </a:fillRef>
-          <a:effectRef idx="0">
-            <a:schemeClr val="accent1"/>
-          </a:effectRef>
-          <a:fontRef idx="minor">
-            <a:schemeClr val="tx1"/>
-          </a:fontRef>
-        </p:style>
-      </p:cxnSp>
-      <p:cxnSp>
-        <p:nvCxnSpPr>
-          <p:cNvPr id="111" name="Elbow Connector 110">
-            <a:extLst>
-              <a:ext uri="{FF2B5EF4-FFF2-40B4-BE49-F238E27FC236}">
-                <a16:creationId xmlns:a16="http://schemas.microsoft.com/office/drawing/2014/main" id="{8306D21F-63DA-F44B-BDE9-EF4ADFC2E625}"/>
-              </a:ext>
-            </a:extLst>
-          </p:cNvPr>
-          <p:cNvCxnSpPr>
-            <a:cxnSpLocks/>
-            <a:stCxn id="64" idx="1"/>
-          </p:cNvCxnSpPr>
-          <p:nvPr/>
-        </p:nvCxnSpPr>
-        <p:spPr>
-          <a:xfrm rot="5400000" flipH="1" flipV="1">
-            <a:off x="4723587" y="2540201"/>
-            <a:ext cx="144997" cy="743058"/>
-          </a:xfrm>
-          <a:prstGeom prst="bentConnector2">
-            <a:avLst/>
-          </a:prstGeom>
-          <a:ln>
-            <a:solidFill>
-              <a:srgbClr val="6A99D0"/>
-            </a:solidFill>
-            <a:tailEnd type="triangle"/>
-          </a:ln>
-        </p:spPr>
-        <p:style>
-          <a:lnRef idx="1">
-            <a:schemeClr val="accent1"/>
-          </a:lnRef>
-          <a:fillRef idx="0">
-            <a:schemeClr val="accent1"/>
-          </a:fillRef>
-          <a:effectRef idx="0">
-            <a:schemeClr val="accent1"/>
-          </a:effectRef>
-          <a:fontRef idx="minor">
-            <a:schemeClr val="tx1"/>
-          </a:fontRef>
-        </p:style>
-      </p:cxnSp>
-      <p:sp>
-        <p:nvSpPr>
-          <p:cNvPr id="112" name="TextBox 111">
-            <a:extLst>
-              <a:ext uri="{FF2B5EF4-FFF2-40B4-BE49-F238E27FC236}">
-                <a16:creationId xmlns:a16="http://schemas.microsoft.com/office/drawing/2014/main" id="{9B6266F9-8731-254A-98DF-536AC893C521}"/>
-              </a:ext>
-            </a:extLst>
-          </p:cNvPr>
-          <p:cNvSpPr txBox="1"/>
-          <p:nvPr/>
-        </p:nvSpPr>
-        <p:spPr>
-          <a:xfrm>
-            <a:off x="3222506" y="3976658"/>
-            <a:ext cx="2395207" cy="276999"/>
-          </a:xfrm>
-          <a:prstGeom prst="rect">
-            <a:avLst/>
-          </a:prstGeom>
-          <a:noFill/>
-        </p:spPr>
-        <p:txBody>
-          <a:bodyPr wrap="none" rtlCol="0">
-            <a:spAutoFit/>
-          </a:bodyPr>
-          <a:lstStyle/>
-          <a:p>
-            <a:pPr algn="ctr"/>
-            <a:r>
-              <a:rPr lang="en-US" sz="1200" i="1" dirty="0">
-                <a:latin typeface="Calibri" panose="020F0502020204030204" pitchFamily="34" charset="0"/>
-                <a:cs typeface="Calibri" panose="020F0502020204030204" pitchFamily="34" charset="0"/>
-              </a:rPr>
-              <a:t>Populated by Resource Provisioning</a:t>
-            </a:r>
-          </a:p>
-        </p:txBody>
-      </p:sp>
-      <p:cxnSp>
-        <p:nvCxnSpPr>
-          <p:cNvPr id="114" name="Straight Arrow Connector 113">
-            <a:extLst>
-              <a:ext uri="{FF2B5EF4-FFF2-40B4-BE49-F238E27FC236}">
-                <a16:creationId xmlns:a16="http://schemas.microsoft.com/office/drawing/2014/main" id="{988D3BA3-1D71-6741-B240-6C89E4195D10}"/>
-              </a:ext>
-            </a:extLst>
-          </p:cNvPr>
-          <p:cNvCxnSpPr>
-            <a:cxnSpLocks/>
-            <a:stCxn id="112" idx="0"/>
-            <a:endCxn id="64" idx="3"/>
-          </p:cNvCxnSpPr>
-          <p:nvPr/>
-        </p:nvCxnSpPr>
-        <p:spPr>
-          <a:xfrm flipV="1">
-            <a:off x="4420110" y="3739630"/>
-            <a:ext cx="4446" cy="237028"/>
-          </a:xfrm>
-          <a:prstGeom prst="straightConnector1">
-            <a:avLst/>
-          </a:prstGeom>
-          <a:ln>
-            <a:solidFill>
-              <a:srgbClr val="6A99D0"/>
-            </a:solidFill>
-            <a:tailEnd type="triangle"/>
-          </a:ln>
-        </p:spPr>
-        <p:style>
-          <a:lnRef idx="1">
-            <a:schemeClr val="accent1"/>
-          </a:lnRef>
-          <a:fillRef idx="0">
-            <a:schemeClr val="accent1"/>
-          </a:fillRef>
-          <a:effectRef idx="0">
-            <a:schemeClr val="accent1"/>
-          </a:effectRef>
-          <a:fontRef idx="minor">
-            <a:schemeClr val="tx1"/>
-          </a:fontRef>
-        </p:style>
-      </p:cxnSp>
-      <p:cxnSp>
-        <p:nvCxnSpPr>
-          <p:cNvPr id="129" name="Elbow Connector 128">
-            <a:extLst>
-              <a:ext uri="{FF2B5EF4-FFF2-40B4-BE49-F238E27FC236}">
-                <a16:creationId xmlns:a16="http://schemas.microsoft.com/office/drawing/2014/main" id="{2B6EAE6F-68E2-E345-A159-6E86E9695E49}"/>
-              </a:ext>
-            </a:extLst>
-          </p:cNvPr>
-          <p:cNvCxnSpPr>
-            <a:cxnSpLocks/>
-          </p:cNvCxnSpPr>
-          <p:nvPr/>
-        </p:nvCxnSpPr>
-        <p:spPr>
-          <a:xfrm flipV="1">
-            <a:off x="7441120" y="1929657"/>
-            <a:ext cx="408019" cy="728884"/>
-          </a:xfrm>
-          <a:prstGeom prst="bentConnector3">
-            <a:avLst>
-              <a:gd name="adj1" fmla="val 50000"/>
-            </a:avLst>
-          </a:prstGeom>
-          <a:ln>
-            <a:solidFill>
-              <a:srgbClr val="6A99D0"/>
-            </a:solidFill>
-            <a:tailEnd type="triangle"/>
-          </a:ln>
-        </p:spPr>
-        <p:style>
-          <a:lnRef idx="1">
-            <a:schemeClr val="accent1"/>
-          </a:lnRef>
-          <a:fillRef idx="0">
-            <a:schemeClr val="accent1"/>
-          </a:fillRef>
-          <a:effectRef idx="0">
-            <a:schemeClr val="accent1"/>
-          </a:effectRef>
-          <a:fontRef idx="minor">
-            <a:schemeClr val="tx1"/>
-          </a:fontRef>
-        </p:style>
-      </p:cxnSp>
-      <p:cxnSp>
-        <p:nvCxnSpPr>
-          <p:cNvPr id="134" name="Elbow Connector 133">
-            <a:extLst>
-              <a:ext uri="{FF2B5EF4-FFF2-40B4-BE49-F238E27FC236}">
-                <a16:creationId xmlns:a16="http://schemas.microsoft.com/office/drawing/2014/main" id="{6A6713BF-A9EF-9344-81FA-8DC6D63FFC3D}"/>
-              </a:ext>
-            </a:extLst>
-          </p:cNvPr>
-          <p:cNvCxnSpPr>
-            <a:cxnSpLocks/>
-          </p:cNvCxnSpPr>
-          <p:nvPr/>
-        </p:nvCxnSpPr>
-        <p:spPr>
-          <a:xfrm>
-            <a:off x="7441120" y="2848313"/>
-            <a:ext cx="420720" cy="696877"/>
-          </a:xfrm>
-          <a:prstGeom prst="bentConnector3">
-            <a:avLst>
-              <a:gd name="adj1" fmla="val 50000"/>
-            </a:avLst>
-          </a:prstGeom>
-          <a:ln>
-            <a:solidFill>
-              <a:srgbClr val="6A99D0"/>
-            </a:solidFill>
-            <a:tailEnd type="triangle"/>
-          </a:ln>
-        </p:spPr>
-        <p:style>
-          <a:lnRef idx="1">
-            <a:schemeClr val="accent1"/>
-          </a:lnRef>
-          <a:fillRef idx="0">
-            <a:schemeClr val="accent1"/>
-          </a:fillRef>
-          <a:effectRef idx="0">
-            <a:schemeClr val="accent1"/>
-          </a:effectRef>
-          <a:fontRef idx="minor">
-            <a:schemeClr val="tx1"/>
-          </a:fontRef>
-        </p:style>
-      </p:cxnSp>
-      <p:cxnSp>
-        <p:nvCxnSpPr>
-          <p:cNvPr id="136" name="Straight Arrow Connector 135">
-            <a:extLst>
-              <a:ext uri="{FF2B5EF4-FFF2-40B4-BE49-F238E27FC236}">
-                <a16:creationId xmlns:a16="http://schemas.microsoft.com/office/drawing/2014/main" id="{2F683DCC-69AB-BF44-8594-F67201C673D4}"/>
-              </a:ext>
-            </a:extLst>
-          </p:cNvPr>
-          <p:cNvCxnSpPr>
-            <a:cxnSpLocks/>
-            <a:stCxn id="42" idx="3"/>
-            <a:endCxn id="38" idx="1"/>
-          </p:cNvCxnSpPr>
-          <p:nvPr/>
-        </p:nvCxnSpPr>
-        <p:spPr>
-          <a:xfrm flipV="1">
-            <a:off x="7441120" y="2752346"/>
-            <a:ext cx="420720" cy="1081"/>
-          </a:xfrm>
-          <a:prstGeom prst="straightConnector1">
-            <a:avLst/>
-          </a:prstGeom>
-          <a:ln>
-            <a:solidFill>
-              <a:srgbClr val="6A99D0"/>
-            </a:solidFill>
-            <a:tailEnd type="triangle"/>
-          </a:ln>
-        </p:spPr>
-        <p:style>
-          <a:lnRef idx="1">
-            <a:schemeClr val="accent1"/>
-          </a:lnRef>
-          <a:fillRef idx="0">
-            <a:schemeClr val="accent1"/>
-          </a:fillRef>
-          <a:effectRef idx="0">
-            <a:schemeClr val="accent1"/>
-          </a:effectRef>
-          <a:fontRef idx="minor">
-            <a:schemeClr val="tx1"/>
-          </a:fontRef>
-        </p:style>
-      </p:cxnSp>
-      <p:cxnSp>
-        <p:nvCxnSpPr>
-          <p:cNvPr id="150" name="Elbow Connector 149">
-            <a:extLst>
-              <a:ext uri="{FF2B5EF4-FFF2-40B4-BE49-F238E27FC236}">
-                <a16:creationId xmlns:a16="http://schemas.microsoft.com/office/drawing/2014/main" id="{9AD4D4E0-4679-DC45-94D6-57CC6911843F}"/>
-              </a:ext>
-            </a:extLst>
-          </p:cNvPr>
-          <p:cNvCxnSpPr>
-            <a:cxnSpLocks/>
-            <a:stCxn id="62" idx="1"/>
-            <a:endCxn id="65" idx="3"/>
-          </p:cNvCxnSpPr>
-          <p:nvPr/>
-        </p:nvCxnSpPr>
-        <p:spPr>
-          <a:xfrm rot="16200000" flipV="1">
-            <a:off x="3146913" y="492330"/>
-            <a:ext cx="442333" cy="2104055"/>
-          </a:xfrm>
-          <a:prstGeom prst="bentConnector2">
-            <a:avLst/>
-          </a:prstGeom>
-          <a:ln>
-            <a:tailEnd type="triangle"/>
-          </a:ln>
-        </p:spPr>
-        <p:style>
-          <a:lnRef idx="1">
-            <a:schemeClr val="accent1"/>
-          </a:lnRef>
-          <a:fillRef idx="0">
-            <a:schemeClr val="accent1"/>
-          </a:fillRef>
-          <a:effectRef idx="0">
-            <a:schemeClr val="accent1"/>
-          </a:effectRef>
-          <a:fontRef idx="minor">
-            <a:schemeClr val="tx1"/>
-          </a:fontRef>
-        </p:style>
-      </p:cxnSp>
-      <p:sp>
-        <p:nvSpPr>
-          <p:cNvPr id="151" name="Google Shape;71;p15">
-            <a:extLst>
-              <a:ext uri="{FF2B5EF4-FFF2-40B4-BE49-F238E27FC236}">
-                <a16:creationId xmlns:a16="http://schemas.microsoft.com/office/drawing/2014/main" id="{F363AE1B-F508-A04B-BE73-A217B1BAA54E}"/>
-              </a:ext>
-            </a:extLst>
-          </p:cNvPr>
-          <p:cNvSpPr/>
-          <p:nvPr/>
-        </p:nvSpPr>
-        <p:spPr>
-          <a:xfrm>
-            <a:off x="1375157" y="1371423"/>
-            <a:ext cx="787067" cy="245221"/>
-          </a:xfrm>
-          <a:prstGeom prst="roundRect">
-            <a:avLst>
-              <a:gd name="adj" fmla="val 16667"/>
-            </a:avLst>
-          </a:prstGeom>
-          <a:solidFill>
-            <a:srgbClr val="6A99D0"/>
-          </a:solidFill>
-          <a:ln w="12700" cap="flat" cmpd="sng">
-            <a:solidFill>
-              <a:srgbClr val="6A99D0"/>
-            </a:solidFill>
-            <a:prstDash val="solid"/>
-            <a:round/>
-            <a:headEnd type="none" w="sm" len="sm"/>
-            <a:tailEnd type="none" w="sm" len="sm"/>
-          </a:ln>
-        </p:spPr>
-        <p:txBody>
-          <a:bodyPr spcFirstLastPara="1" wrap="square" lIns="121900" tIns="121900" rIns="121900" bIns="121900" anchor="ctr" anchorCtr="0">
-            <a:noAutofit/>
-          </a:bodyPr>
-          <a:lstStyle/>
-          <a:p>
-            <a:pPr algn="ctr"/>
-            <a:r>
-              <a:rPr lang="en" sz="1200" dirty="0">
-                <a:solidFill>
-                  <a:schemeClr val="bg1"/>
-                </a:solidFill>
-                <a:latin typeface="Calibri" panose="020F0502020204030204" pitchFamily="34" charset="0"/>
-                <a:cs typeface="Calibri" panose="020F0502020204030204" pitchFamily="34" charset="0"/>
-              </a:rPr>
-              <a:t>Testing</a:t>
-            </a:r>
-            <a:endParaRPr sz="1200" dirty="0">
-              <a:solidFill>
-                <a:schemeClr val="bg1"/>
-              </a:solidFill>
-              <a:latin typeface="Calibri" panose="020F0502020204030204" pitchFamily="34" charset="0"/>
-              <a:cs typeface="Calibri" panose="020F0502020204030204" pitchFamily="34" charset="0"/>
-            </a:endParaRPr>
-          </a:p>
-        </p:txBody>
-      </p:sp>
-      <p:sp>
-        <p:nvSpPr>
-          <p:cNvPr id="2" name="Rounded Rectangle 1">
-            <a:extLst>
-              <a:ext uri="{FF2B5EF4-FFF2-40B4-BE49-F238E27FC236}">
-                <a16:creationId xmlns:a16="http://schemas.microsoft.com/office/drawing/2014/main" id="{5707020B-3618-DE45-9474-A369E9D58AA3}"/>
-              </a:ext>
-            </a:extLst>
-          </p:cNvPr>
-          <p:cNvSpPr/>
-          <p:nvPr/>
-        </p:nvSpPr>
-        <p:spPr>
-          <a:xfrm>
-            <a:off x="1356377" y="2857050"/>
-            <a:ext cx="787067" cy="246995"/>
-          </a:xfrm>
-          <a:prstGeom prst="roundRect">
-            <a:avLst/>
-          </a:prstGeom>
-          <a:ln w="12700">
-            <a:solidFill>
-              <a:schemeClr val="accent1"/>
-            </a:solidFill>
-          </a:ln>
-        </p:spPr>
-        <p:style>
-          <a:lnRef idx="2">
-            <a:schemeClr val="accent1"/>
-          </a:lnRef>
-          <a:fillRef idx="1">
-            <a:schemeClr val="lt1"/>
-          </a:fillRef>
-          <a:effectRef idx="0">
-            <a:schemeClr val="accent1"/>
-          </a:effectRef>
-          <a:fontRef idx="minor">
-            <a:schemeClr val="dk1"/>
-          </a:fontRef>
-        </p:style>
-        <p:txBody>
-          <a:bodyPr rtlCol="0" anchor="ctr"/>
-          <a:lstStyle/>
-          <a:p>
-            <a:pPr algn="ctr"/>
-            <a:r>
-              <a:rPr lang="en-US" sz="1200" dirty="0">
-                <a:solidFill>
-                  <a:srgbClr val="000000"/>
-                </a:solidFill>
-                <a:latin typeface="Calibri" panose="020F0502020204030204" pitchFamily="34" charset="0"/>
-                <a:cs typeface="Calibri" panose="020F0502020204030204" pitchFamily="34" charset="0"/>
-              </a:rPr>
-              <a:t>Checks</a:t>
-            </a:r>
-          </a:p>
-        </p:txBody>
-      </p:sp>
-      <p:sp>
-        <p:nvSpPr>
-          <p:cNvPr id="41" name="Google Shape;71;p15">
-            <a:extLst>
-              <a:ext uri="{FF2B5EF4-FFF2-40B4-BE49-F238E27FC236}">
-                <a16:creationId xmlns:a16="http://schemas.microsoft.com/office/drawing/2014/main" id="{D114B5A4-D35F-F248-87D9-63A056E4FD8A}"/>
-              </a:ext>
-            </a:extLst>
-          </p:cNvPr>
-          <p:cNvSpPr/>
-          <p:nvPr/>
-        </p:nvSpPr>
-        <p:spPr>
-          <a:xfrm>
-            <a:off x="8040377" y="1963971"/>
-            <a:ext cx="787067" cy="246289"/>
-          </a:xfrm>
-          <a:prstGeom prst="roundRect">
-            <a:avLst>
-              <a:gd name="adj" fmla="val 16667"/>
-            </a:avLst>
-          </a:prstGeom>
-          <a:solidFill>
-            <a:srgbClr val="6A99D0"/>
-          </a:solidFill>
-          <a:ln w="12700" cap="flat" cmpd="sng">
-            <a:solidFill>
-              <a:srgbClr val="6A99D0"/>
-            </a:solidFill>
-            <a:prstDash val="solid"/>
-            <a:round/>
-            <a:headEnd type="none" w="sm" len="sm"/>
-            <a:tailEnd type="none" w="sm" len="sm"/>
-          </a:ln>
-        </p:spPr>
-        <p:txBody>
-          <a:bodyPr spcFirstLastPara="1" wrap="square" lIns="121900" tIns="121900" rIns="121900" bIns="121900" anchor="ctr" anchorCtr="0">
-            <a:noAutofit/>
-          </a:bodyPr>
-          <a:lstStyle/>
-          <a:p>
-            <a:pPr algn="ctr"/>
-            <a:r>
-              <a:rPr lang="en" sz="1200" dirty="0">
-                <a:solidFill>
-                  <a:schemeClr val="bg1"/>
-                </a:solidFill>
-                <a:latin typeface="Calibri" panose="020F0502020204030204" pitchFamily="34" charset="0"/>
-                <a:cs typeface="Calibri" panose="020F0502020204030204" pitchFamily="34" charset="0"/>
-              </a:rPr>
-              <a:t>Testing</a:t>
-            </a:r>
-            <a:endParaRPr sz="1200" dirty="0">
-              <a:solidFill>
-                <a:schemeClr val="bg1"/>
-              </a:solidFill>
-              <a:latin typeface="Calibri" panose="020F0502020204030204" pitchFamily="34" charset="0"/>
-              <a:cs typeface="Calibri" panose="020F0502020204030204" pitchFamily="34" charset="0"/>
-            </a:endParaRPr>
-          </a:p>
-        </p:txBody>
-      </p:sp>
-      <p:sp>
-        <p:nvSpPr>
-          <p:cNvPr id="22" name="TextBox 21">
-            <a:extLst>
-              <a:ext uri="{FF2B5EF4-FFF2-40B4-BE49-F238E27FC236}">
-                <a16:creationId xmlns:a16="http://schemas.microsoft.com/office/drawing/2014/main" id="{F0B39979-2551-1C4D-9578-C1940531F06D}"/>
-              </a:ext>
-            </a:extLst>
-          </p:cNvPr>
-          <p:cNvSpPr txBox="1"/>
-          <p:nvPr/>
-        </p:nvSpPr>
-        <p:spPr>
-          <a:xfrm>
-            <a:off x="7916041" y="1659024"/>
-            <a:ext cx="1023037" cy="307777"/>
-          </a:xfrm>
-          <a:prstGeom prst="rect">
-            <a:avLst/>
-          </a:prstGeom>
-          <a:noFill/>
-        </p:spPr>
-        <p:txBody>
-          <a:bodyPr wrap="none" rtlCol="0">
-            <a:spAutoFit/>
-          </a:bodyPr>
-          <a:lstStyle/>
-          <a:p>
-            <a:r>
-              <a:rPr lang="en-US" sz="1200" dirty="0">
-                <a:latin typeface="Calibri" panose="020F0502020204030204" pitchFamily="34" charset="0"/>
-                <a:cs typeface="Calibri" panose="020F0502020204030204" pitchFamily="34" charset="0"/>
-              </a:rPr>
-              <a:t>Staging POD</a:t>
-            </a:r>
-            <a:r>
-              <a:rPr lang="en-US" dirty="0">
-                <a:latin typeface="Calibri" panose="020F0502020204030204" pitchFamily="34" charset="0"/>
-                <a:cs typeface="Calibri" panose="020F0502020204030204" pitchFamily="34" charset="0"/>
-              </a:rPr>
-              <a:t>s</a:t>
-            </a:r>
-          </a:p>
-        </p:txBody>
-      </p:sp>
-    </p:spTree>
-    <p:extLst>
-      <p:ext uri="{BB962C8B-B14F-4D97-AF65-F5344CB8AC3E}">
-        <p14:creationId xmlns:p14="http://schemas.microsoft.com/office/powerpoint/2010/main" val="593061274"/>
       </p:ext>
     </p:extLst>
   </p:cSld>
@@ -18539,6 +18540,83 @@
     <p:extLst>
       <p:ext uri="{BB962C8B-B14F-4D97-AF65-F5344CB8AC3E}">
         <p14:creationId xmlns:p14="http://schemas.microsoft.com/office/powerpoint/2010/main" val="3323980396"/>
+      </p:ext>
+    </p:extLst>
+  </p:cSld>
+  <p:clrMapOvr>
+    <a:masterClrMapping/>
+  </p:clrMapOvr>
+</p:sld>
+</file>
+
+<file path=ppt/slides/slide18.xml><?xml version="1.0" encoding="utf-8"?>
+<p:sld xmlns:a="http://schemas.openxmlformats.org/drawingml/2006/main" xmlns:r="http://schemas.openxmlformats.org/officeDocument/2006/relationships" xmlns:p="http://schemas.openxmlformats.org/presentationml/2006/main">
+  <p:cSld>
+    <p:spTree>
+      <p:nvGrpSpPr>
+        <p:cNvPr id="1" name=""/>
+        <p:cNvGrpSpPr/>
+        <p:nvPr/>
+      </p:nvGrpSpPr>
+      <p:grpSpPr>
+        <a:xfrm>
+          <a:off x="0" y="0"/>
+          <a:ext cx="0" cy="0"/>
+          <a:chOff x="0" y="0"/>
+          <a:chExt cx="0" cy="0"/>
+        </a:xfrm>
+      </p:grpSpPr>
+      <p:pic>
+        <p:nvPicPr>
+          <p:cNvPr id="1026" name="Picture 2">
+            <a:extLst>
+              <a:ext uri="{FF2B5EF4-FFF2-40B4-BE49-F238E27FC236}">
+                <a16:creationId xmlns:a16="http://schemas.microsoft.com/office/drawing/2014/main" id="{EA656C8B-7898-8749-BBD8-F89B7E9022C4}"/>
+              </a:ext>
+            </a:extLst>
+          </p:cNvPr>
+          <p:cNvPicPr>
+            <a:picLocks noChangeAspect="1" noChangeArrowheads="1"/>
+          </p:cNvPicPr>
+          <p:nvPr/>
+        </p:nvPicPr>
+        <p:blipFill>
+          <a:blip r:embed="rId2">
+            <a:extLst>
+              <a:ext uri="{28A0092B-C50C-407E-A947-70E740481C1C}">
+                <a14:useLocalDpi xmlns:a14="http://schemas.microsoft.com/office/drawing/2010/main" val="0"/>
+              </a:ext>
+            </a:extLst>
+          </a:blip>
+          <a:srcRect/>
+          <a:stretch>
+            <a:fillRect/>
+          </a:stretch>
+        </p:blipFill>
+        <p:spPr bwMode="auto">
+          <a:xfrm>
+            <a:off x="0" y="-8966"/>
+            <a:ext cx="9144000" cy="5152466"/>
+          </a:xfrm>
+          <a:prstGeom prst="rect">
+            <a:avLst/>
+          </a:prstGeom>
+          <a:noFill/>
+          <a:extLst>
+            <a:ext uri="{909E8E84-426E-40DD-AFC4-6F175D3DCCD1}">
+              <a14:hiddenFill xmlns:a14="http://schemas.microsoft.com/office/drawing/2010/main">
+                <a:solidFill>
+                  <a:srgbClr val="FFFFFF"/>
+                </a:solidFill>
+              </a14:hiddenFill>
+            </a:ext>
+          </a:extLst>
+        </p:spPr>
+      </p:pic>
+    </p:spTree>
+    <p:extLst>
+      <p:ext uri="{BB962C8B-B14F-4D97-AF65-F5344CB8AC3E}">
+        <p14:creationId xmlns:p14="http://schemas.microsoft.com/office/powerpoint/2010/main" val="203120643"/>
       </p:ext>
     </p:extLst>
   </p:cSld>

--- a/figures.pptx
+++ b/figures.pptx
@@ -5,7 +5,7 @@
     <p:sldMasterId id="2147483648" r:id="rId1"/>
   </p:sldMasterIdLst>
   <p:notesMasterIdLst>
-    <p:notesMasterId r:id="rId20"/>
+    <p:notesMasterId r:id="rId21"/>
   </p:notesMasterIdLst>
   <p:sldIdLst>
     <p:sldId id="311" r:id="rId2"/>
@@ -26,6 +26,7 @@
     <p:sldId id="337" r:id="rId17"/>
     <p:sldId id="336" r:id="rId18"/>
     <p:sldId id="345" r:id="rId19"/>
+    <p:sldId id="346" r:id="rId20"/>
   </p:sldIdLst>
   <p:sldSz cx="9144000" cy="5143500" type="screen16x9"/>
   <p:notesSz cx="6858000" cy="9144000"/>
@@ -314,7 +315,7 @@
       </p15:sldGuideLst>
     </p:ext>
     <p:ext uri="http://customooxmlschemas.google.com/">
-      <go:slidesCustomData xmlns="" xmlns:mc="http://schemas.openxmlformats.org/markup-compatibility/2006" xmlns:mv="urn:schemas-microsoft-com:mac:vml" xmlns:c="http://schemas.openxmlformats.org/drawingml/2006/chart" xmlns:dgm="http://schemas.openxmlformats.org/drawingml/2006/diagram" xmlns:o="urn:schemas-microsoft-com:office:office" xmlns:v="urn:schemas-microsoft-com:vml" xmlns:pvml="urn:schemas-microsoft-com:office:powerpoint" xmlns:com="http://schemas.openxmlformats.org/drawingml/2006/compatibility" xmlns:p14="http://schemas.microsoft.com/office/powerpoint/2010/main" xmlns:p15="http://schemas.microsoft.com/office/powerpoint/2012/main" xmlns:go="http://customooxmlschemas.google.com/" r:id="rId29" roundtripDataSignature="AMtx7mjYSJr9dBhpBi3R8tFsPF3I3gzuVA=="/>
+      <go:slidesCustomData xmlns:go="http://customooxmlschemas.google.com/" xmlns:p15="http://schemas.microsoft.com/office/powerpoint/2012/main" xmlns:p14="http://schemas.microsoft.com/office/powerpoint/2010/main" xmlns:com="http://schemas.openxmlformats.org/drawingml/2006/compatibility" xmlns:pvml="urn:schemas-microsoft-com:office:powerpoint" xmlns:v="urn:schemas-microsoft-com:vml" xmlns:o="urn:schemas-microsoft-com:office:office" xmlns:dgm="http://schemas.openxmlformats.org/drawingml/2006/diagram" xmlns:c="http://schemas.openxmlformats.org/drawingml/2006/chart" xmlns:mv="urn:schemas-microsoft-com:mac:vml" xmlns:mc="http://schemas.openxmlformats.org/markup-compatibility/2006" xmlns="" r:id="rId29" roundtripDataSignature="AMtx7mjYSJr9dBhpBi3R8tFsPF3I3gzuVA=="/>
     </p:ext>
   </p:extLst>
 </p:presentation>
@@ -3072,7 +3073,7 @@
           <a:p>
             <a:fld id="{BF4F8DC3-0006-B147-AA6D-FF436E850004}" type="datetimeFigureOut">
               <a:rPr lang="en-US" smtClean="0"/>
-              <a:t>6/9/21</a:t>
+              <a:t>7/8/21</a:t>
             </a:fld>
             <a:endParaRPr lang="en-US"/>
           </a:p>
@@ -18617,6 +18618,464 @@
     <p:extLst>
       <p:ext uri="{BB962C8B-B14F-4D97-AF65-F5344CB8AC3E}">
         <p14:creationId xmlns:p14="http://schemas.microsoft.com/office/powerpoint/2010/main" val="203120643"/>
+      </p:ext>
+    </p:extLst>
+  </p:cSld>
+  <p:clrMapOvr>
+    <a:masterClrMapping/>
+  </p:clrMapOvr>
+</p:sld>
+</file>
+
+<file path=ppt/slides/slide19.xml><?xml version="1.0" encoding="utf-8"?>
+<p:sld xmlns:a="http://schemas.openxmlformats.org/drawingml/2006/main" xmlns:r="http://schemas.openxmlformats.org/officeDocument/2006/relationships" xmlns:p="http://schemas.openxmlformats.org/presentationml/2006/main">
+  <p:cSld>
+    <p:spTree>
+      <p:nvGrpSpPr>
+        <p:cNvPr id="1" name=""/>
+        <p:cNvGrpSpPr/>
+        <p:nvPr/>
+      </p:nvGrpSpPr>
+      <p:grpSpPr>
+        <a:xfrm>
+          <a:off x="0" y="0"/>
+          <a:ext cx="0" cy="0"/>
+          <a:chOff x="0" y="0"/>
+          <a:chExt cx="0" cy="0"/>
+        </a:xfrm>
+      </p:grpSpPr>
+      <p:grpSp>
+        <p:nvGrpSpPr>
+          <p:cNvPr id="2" name="Group 1">
+            <a:extLst>
+              <a:ext uri="{FF2B5EF4-FFF2-40B4-BE49-F238E27FC236}">
+                <a16:creationId xmlns:a16="http://schemas.microsoft.com/office/drawing/2014/main" id="{4BFA9B6A-70A2-F142-8FDA-2928641450EA}"/>
+              </a:ext>
+            </a:extLst>
+          </p:cNvPr>
+          <p:cNvGrpSpPr/>
+          <p:nvPr/>
+        </p:nvGrpSpPr>
+        <p:grpSpPr>
+          <a:xfrm>
+            <a:off x="4717819" y="2251153"/>
+            <a:ext cx="2718615" cy="1711816"/>
+            <a:chOff x="4680288" y="2251153"/>
+            <a:chExt cx="2718615" cy="1711816"/>
+          </a:xfrm>
+        </p:grpSpPr>
+        <p:sp>
+          <p:nvSpPr>
+            <p:cNvPr id="33" name="Cloud 32">
+              <a:extLst>
+                <a:ext uri="{FF2B5EF4-FFF2-40B4-BE49-F238E27FC236}">
+                  <a16:creationId xmlns:a16="http://schemas.microsoft.com/office/drawing/2014/main" id="{C10B5BDE-F069-2145-AE9C-5EA48F3338B2}"/>
+                </a:ext>
+              </a:extLst>
+            </p:cNvPr>
+            <p:cNvSpPr/>
+            <p:nvPr/>
+          </p:nvSpPr>
+          <p:spPr>
+            <a:xfrm>
+              <a:off x="4680288" y="3084872"/>
+              <a:ext cx="2718615" cy="878097"/>
+            </a:xfrm>
+            <a:prstGeom prst="cloud">
+              <a:avLst/>
+            </a:prstGeom>
+            <a:solidFill>
+              <a:schemeClr val="bg1">
+                <a:lumMod val="65000"/>
+              </a:schemeClr>
+            </a:solidFill>
+            <a:ln w="9525">
+              <a:solidFill>
+                <a:srgbClr val="6A99D0"/>
+              </a:solidFill>
+            </a:ln>
+          </p:spPr>
+          <p:style>
+            <a:lnRef idx="2">
+              <a:schemeClr val="accent1">
+                <a:shade val="50000"/>
+              </a:schemeClr>
+            </a:lnRef>
+            <a:fillRef idx="1">
+              <a:schemeClr val="accent1"/>
+            </a:fillRef>
+            <a:effectRef idx="0">
+              <a:schemeClr val="accent1"/>
+            </a:effectRef>
+            <a:fontRef idx="minor">
+              <a:schemeClr val="lt1"/>
+            </a:fontRef>
+          </p:style>
+          <p:txBody>
+            <a:bodyPr rtlCol="0" anchor="ctr"/>
+            <a:lstStyle/>
+            <a:p>
+              <a:pPr algn="ctr"/>
+              <a:r>
+                <a:rPr lang="en-US" sz="1600" dirty="0">
+                  <a:latin typeface="Calibri" charset="0"/>
+                  <a:ea typeface="Calibri" charset="0"/>
+                  <a:cs typeface="Calibri" charset="0"/>
+                </a:rPr>
+                <a:t>Physical Hardware</a:t>
+              </a:r>
+            </a:p>
+          </p:txBody>
+        </p:sp>
+        <p:sp>
+          <p:nvSpPr>
+            <p:cNvPr id="50" name="Rounded Rectangle 49">
+              <a:extLst>
+                <a:ext uri="{FF2B5EF4-FFF2-40B4-BE49-F238E27FC236}">
+                  <a16:creationId xmlns:a16="http://schemas.microsoft.com/office/drawing/2014/main" id="{015D97FF-D9A0-C84E-AC71-99EF576A8DA2}"/>
+                </a:ext>
+              </a:extLst>
+            </p:cNvPr>
+            <p:cNvSpPr/>
+            <p:nvPr/>
+          </p:nvSpPr>
+          <p:spPr>
+            <a:xfrm>
+              <a:off x="4680288" y="2251153"/>
+              <a:ext cx="2718614" cy="1004048"/>
+            </a:xfrm>
+            <a:prstGeom prst="roundRect">
+              <a:avLst>
+                <a:gd name="adj" fmla="val 11093"/>
+              </a:avLst>
+            </a:prstGeom>
+            <a:solidFill>
+              <a:schemeClr val="accent1">
+                <a:lumMod val="20000"/>
+                <a:lumOff val="80000"/>
+              </a:schemeClr>
+            </a:solidFill>
+            <a:ln>
+              <a:noFill/>
+            </a:ln>
+          </p:spPr>
+          <p:style>
+            <a:lnRef idx="1">
+              <a:schemeClr val="accent1"/>
+            </a:lnRef>
+            <a:fillRef idx="2">
+              <a:schemeClr val="accent1"/>
+            </a:fillRef>
+            <a:effectRef idx="1">
+              <a:schemeClr val="accent1"/>
+            </a:effectRef>
+            <a:fontRef idx="minor">
+              <a:schemeClr val="dk1"/>
+            </a:fontRef>
+          </p:style>
+          <p:txBody>
+            <a:bodyPr rtlCol="0" anchor="ctr"/>
+            <a:lstStyle/>
+            <a:p>
+              <a:pPr algn="ctr"/>
+              <a:r>
+                <a:rPr lang="en-US" dirty="0"/>
+                <a:t>Logical Structure + Inventory</a:t>
+              </a:r>
+            </a:p>
+            <a:p>
+              <a:pPr algn="ctr"/>
+              <a:r>
+                <a:rPr lang="en-US" dirty="0"/>
+                <a:t>(</a:t>
+              </a:r>
+              <a:r>
+                <a:rPr lang="en-US" dirty="0" err="1"/>
+                <a:t>NetBox</a:t>
+              </a:r>
+              <a:r>
+                <a:rPr lang="en-US" dirty="0"/>
+                <a:t>)</a:t>
+              </a:r>
+            </a:p>
+          </p:txBody>
+        </p:sp>
+      </p:grpSp>
+      <p:sp>
+        <p:nvSpPr>
+          <p:cNvPr id="31" name="Cloud 30">
+            <a:extLst>
+              <a:ext uri="{FF2B5EF4-FFF2-40B4-BE49-F238E27FC236}">
+                <a16:creationId xmlns:a16="http://schemas.microsoft.com/office/drawing/2014/main" id="{CD750ABA-FAED-574D-A0E2-C6E24061CEE0}"/>
+              </a:ext>
+            </a:extLst>
+          </p:cNvPr>
+          <p:cNvSpPr/>
+          <p:nvPr/>
+        </p:nvSpPr>
+        <p:spPr>
+          <a:xfrm>
+            <a:off x="1511087" y="2248953"/>
+            <a:ext cx="2718615" cy="1651261"/>
+          </a:xfrm>
+          <a:prstGeom prst="cloud">
+            <a:avLst/>
+          </a:prstGeom>
+          <a:solidFill>
+            <a:schemeClr val="bg1">
+              <a:lumMod val="65000"/>
+            </a:schemeClr>
+          </a:solidFill>
+          <a:ln w="9525">
+            <a:solidFill>
+              <a:srgbClr val="6A99D0"/>
+            </a:solidFill>
+          </a:ln>
+        </p:spPr>
+        <p:style>
+          <a:lnRef idx="2">
+            <a:schemeClr val="accent1">
+              <a:shade val="50000"/>
+            </a:schemeClr>
+          </a:lnRef>
+          <a:fillRef idx="1">
+            <a:schemeClr val="accent1"/>
+          </a:fillRef>
+          <a:effectRef idx="0">
+            <a:schemeClr val="accent1"/>
+          </a:effectRef>
+          <a:fontRef idx="minor">
+            <a:schemeClr val="lt1"/>
+          </a:fontRef>
+        </p:style>
+        <p:txBody>
+          <a:bodyPr rtlCol="0" anchor="ctr"/>
+          <a:lstStyle/>
+          <a:p>
+            <a:pPr algn="ctr"/>
+            <a:r>
+              <a:rPr lang="en-US" sz="1600" dirty="0">
+                <a:latin typeface="Calibri" charset="0"/>
+                <a:ea typeface="Calibri" charset="0"/>
+                <a:cs typeface="Calibri" charset="0"/>
+              </a:rPr>
+              <a:t>Commercial Cloud</a:t>
+            </a:r>
+          </a:p>
+        </p:txBody>
+      </p:sp>
+      <p:sp>
+        <p:nvSpPr>
+          <p:cNvPr id="5" name="Rounded Rectangle 4"/>
+          <p:cNvSpPr/>
+          <p:nvPr/>
+        </p:nvSpPr>
+        <p:spPr>
+          <a:xfrm>
+            <a:off x="1511087" y="2251153"/>
+            <a:ext cx="2718614" cy="196212"/>
+          </a:xfrm>
+          <a:prstGeom prst="roundRect">
+            <a:avLst/>
+          </a:prstGeom>
+          <a:ln w="28575">
+            <a:noFill/>
+          </a:ln>
+        </p:spPr>
+        <p:style>
+          <a:lnRef idx="3">
+            <a:schemeClr val="lt1"/>
+          </a:lnRef>
+          <a:fillRef idx="1">
+            <a:schemeClr val="accent1"/>
+          </a:fillRef>
+          <a:effectRef idx="1">
+            <a:schemeClr val="accent1"/>
+          </a:effectRef>
+          <a:fontRef idx="minor">
+            <a:schemeClr val="lt1"/>
+          </a:fontRef>
+        </p:style>
+        <p:txBody>
+          <a:bodyPr rtlCol="0" anchor="ctr"/>
+          <a:lstStyle/>
+          <a:p>
+            <a:pPr algn="ctr"/>
+            <a:r>
+              <a:rPr lang="en-US" sz="1200" dirty="0">
+                <a:solidFill>
+                  <a:schemeClr val="bg1"/>
+                </a:solidFill>
+                <a:latin typeface="Calibri" panose="020F0502020204030204" pitchFamily="34" charset="0"/>
+                <a:cs typeface="Calibri" panose="020F0502020204030204" pitchFamily="34" charset="0"/>
+              </a:rPr>
+              <a:t>Provisioning API</a:t>
+            </a:r>
+          </a:p>
+        </p:txBody>
+      </p:sp>
+      <p:cxnSp>
+        <p:nvCxnSpPr>
+          <p:cNvPr id="13" name="Straight Arrow Connector 12">
+            <a:extLst>
+              <a:ext uri="{FF2B5EF4-FFF2-40B4-BE49-F238E27FC236}">
+                <a16:creationId xmlns:a16="http://schemas.microsoft.com/office/drawing/2014/main" id="{0301FB1A-6744-084E-B647-C60C4457EF11}"/>
+              </a:ext>
+            </a:extLst>
+          </p:cNvPr>
+          <p:cNvCxnSpPr>
+            <a:cxnSpLocks/>
+            <a:endCxn id="5" idx="0"/>
+          </p:cNvCxnSpPr>
+          <p:nvPr/>
+        </p:nvCxnSpPr>
+        <p:spPr>
+          <a:xfrm>
+            <a:off x="2870394" y="1202401"/>
+            <a:ext cx="0" cy="1048752"/>
+          </a:xfrm>
+          <a:prstGeom prst="straightConnector1">
+            <a:avLst/>
+          </a:prstGeom>
+          <a:ln w="19050">
+            <a:solidFill>
+              <a:srgbClr val="6A99D0"/>
+            </a:solidFill>
+            <a:tailEnd type="triangle"/>
+          </a:ln>
+        </p:spPr>
+        <p:style>
+          <a:lnRef idx="1">
+            <a:schemeClr val="accent1"/>
+          </a:lnRef>
+          <a:fillRef idx="0">
+            <a:schemeClr val="accent1"/>
+          </a:fillRef>
+          <a:effectRef idx="0">
+            <a:schemeClr val="accent1"/>
+          </a:effectRef>
+          <a:fontRef idx="minor">
+            <a:schemeClr val="tx1"/>
+          </a:fontRef>
+        </p:style>
+      </p:cxnSp>
+      <p:cxnSp>
+        <p:nvCxnSpPr>
+          <p:cNvPr id="42" name="Straight Arrow Connector 41">
+            <a:extLst>
+              <a:ext uri="{FF2B5EF4-FFF2-40B4-BE49-F238E27FC236}">
+                <a16:creationId xmlns:a16="http://schemas.microsoft.com/office/drawing/2014/main" id="{B438BCBE-981E-7443-97E2-25C98FC32473}"/>
+              </a:ext>
+            </a:extLst>
+          </p:cNvPr>
+          <p:cNvCxnSpPr>
+            <a:cxnSpLocks/>
+            <a:endCxn id="50" idx="0"/>
+          </p:cNvCxnSpPr>
+          <p:nvPr/>
+        </p:nvCxnSpPr>
+        <p:spPr>
+          <a:xfrm>
+            <a:off x="6077126" y="1202401"/>
+            <a:ext cx="0" cy="1048752"/>
+          </a:xfrm>
+          <a:prstGeom prst="straightConnector1">
+            <a:avLst/>
+          </a:prstGeom>
+          <a:ln w="19050">
+            <a:solidFill>
+              <a:srgbClr val="6A99D0"/>
+            </a:solidFill>
+            <a:prstDash val="sysDot"/>
+            <a:tailEnd type="triangle"/>
+          </a:ln>
+        </p:spPr>
+        <p:style>
+          <a:lnRef idx="1">
+            <a:schemeClr val="accent1"/>
+          </a:lnRef>
+          <a:fillRef idx="0">
+            <a:schemeClr val="accent1"/>
+          </a:fillRef>
+          <a:effectRef idx="0">
+            <a:schemeClr val="accent1"/>
+          </a:effectRef>
+          <a:fontRef idx="minor">
+            <a:schemeClr val="tx1"/>
+          </a:fontRef>
+        </p:style>
+      </p:cxnSp>
+      <p:sp>
+        <p:nvSpPr>
+          <p:cNvPr id="3" name="Rounded Rectangle 2"/>
+          <p:cNvSpPr/>
+          <p:nvPr/>
+        </p:nvSpPr>
+        <p:spPr>
+          <a:xfrm>
+            <a:off x="1511086" y="1045613"/>
+            <a:ext cx="5925347" cy="878097"/>
+          </a:xfrm>
+          <a:prstGeom prst="roundRect">
+            <a:avLst>
+              <a:gd name="adj" fmla="val 11093"/>
+            </a:avLst>
+          </a:prstGeom>
+          <a:solidFill>
+            <a:schemeClr val="accent1">
+              <a:lumMod val="20000"/>
+              <a:lumOff val="80000"/>
+            </a:schemeClr>
+          </a:solidFill>
+          <a:ln>
+            <a:solidFill>
+              <a:srgbClr val="C2D6EC"/>
+            </a:solidFill>
+          </a:ln>
+        </p:spPr>
+        <p:style>
+          <a:lnRef idx="1">
+            <a:schemeClr val="accent1"/>
+          </a:lnRef>
+          <a:fillRef idx="2">
+            <a:schemeClr val="accent1"/>
+          </a:fillRef>
+          <a:effectRef idx="1">
+            <a:schemeClr val="accent1"/>
+          </a:effectRef>
+          <a:fontRef idx="minor">
+            <a:schemeClr val="dk1"/>
+          </a:fontRef>
+        </p:style>
+        <p:txBody>
+          <a:bodyPr rtlCol="0" anchor="ctr"/>
+          <a:lstStyle/>
+          <a:p>
+            <a:pPr algn="ctr"/>
+            <a:r>
+              <a:rPr lang="en-US" sz="1600" dirty="0">
+                <a:latin typeface="Calibri" panose="020F0502020204030204" pitchFamily="34" charset="0"/>
+                <a:cs typeface="Calibri" panose="020F0502020204030204" pitchFamily="34" charset="0"/>
+              </a:rPr>
+              <a:t>Infrastructure-as-Code</a:t>
+            </a:r>
+          </a:p>
+          <a:p>
+            <a:pPr algn="ctr"/>
+            <a:r>
+              <a:rPr lang="en-US" sz="1600" dirty="0">
+                <a:latin typeface="Calibri" panose="020F0502020204030204" pitchFamily="34" charset="0"/>
+                <a:cs typeface="Calibri" panose="020F0502020204030204" pitchFamily="34" charset="0"/>
+              </a:rPr>
+              <a:t>(Terraform)</a:t>
+            </a:r>
+          </a:p>
+        </p:txBody>
+      </p:sp>
+    </p:spTree>
+    <p:extLst>
+      <p:ext uri="{BB962C8B-B14F-4D97-AF65-F5344CB8AC3E}">
+        <p14:creationId xmlns:p14="http://schemas.microsoft.com/office/powerpoint/2010/main" val="4247649808"/>
       </p:ext>
     </p:extLst>
   </p:cSld>

--- a/figures.pptx
+++ b/figures.pptx
@@ -5,7 +5,7 @@
     <p:sldMasterId id="2147483648" r:id="rId1"/>
   </p:sldMasterIdLst>
   <p:notesMasterIdLst>
-    <p:notesMasterId r:id="rId21"/>
+    <p:notesMasterId r:id="rId22"/>
   </p:notesMasterIdLst>
   <p:sldIdLst>
     <p:sldId id="311" r:id="rId2"/>
@@ -27,6 +27,7 @@
     <p:sldId id="336" r:id="rId18"/>
     <p:sldId id="345" r:id="rId19"/>
     <p:sldId id="346" r:id="rId20"/>
+    <p:sldId id="347" r:id="rId21"/>
   </p:sldIdLst>
   <p:sldSz cx="9144000" cy="5143500" type="screen16x9"/>
   <p:notesSz cx="6858000" cy="9144000"/>
@@ -18780,7 +18781,7 @@
               <a:pPr algn="ctr"/>
               <a:r>
                 <a:rPr lang="en-US" dirty="0"/>
-                <a:t>Logical Structure + Inventory</a:t>
+                <a:t>Logical Structure</a:t>
               </a:r>
             </a:p>
             <a:p>
@@ -22643,6 +22644,1074 @@
     <p:extLst>
       <p:ext uri="{BB962C8B-B14F-4D97-AF65-F5344CB8AC3E}">
         <p14:creationId xmlns:p14="http://schemas.microsoft.com/office/powerpoint/2010/main" val="226417657"/>
+      </p:ext>
+    </p:extLst>
+  </p:cSld>
+  <p:clrMapOvr>
+    <a:masterClrMapping/>
+  </p:clrMapOvr>
+</p:sld>
+</file>
+
+<file path=ppt/slides/slide20.xml><?xml version="1.0" encoding="utf-8"?>
+<p:sld xmlns:a="http://schemas.openxmlformats.org/drawingml/2006/main" xmlns:r="http://schemas.openxmlformats.org/officeDocument/2006/relationships" xmlns:p="http://schemas.openxmlformats.org/presentationml/2006/main">
+  <p:cSld>
+    <p:spTree>
+      <p:nvGrpSpPr>
+        <p:cNvPr id="1" name=""/>
+        <p:cNvGrpSpPr/>
+        <p:nvPr/>
+      </p:nvGrpSpPr>
+      <p:grpSpPr>
+        <a:xfrm>
+          <a:off x="0" y="0"/>
+          <a:ext cx="0" cy="0"/>
+          <a:chOff x="0" y="0"/>
+          <a:chExt cx="0" cy="0"/>
+        </a:xfrm>
+      </p:grpSpPr>
+      <p:sp>
+        <p:nvSpPr>
+          <p:cNvPr id="10" name="Google Shape;259;p25">
+            <a:extLst>
+              <a:ext uri="{FF2B5EF4-FFF2-40B4-BE49-F238E27FC236}">
+                <a16:creationId xmlns:a16="http://schemas.microsoft.com/office/drawing/2014/main" id="{01E32B21-1E0F-4742-BE17-55A36EEED575}"/>
+              </a:ext>
+            </a:extLst>
+          </p:cNvPr>
+          <p:cNvSpPr/>
+          <p:nvPr/>
+        </p:nvSpPr>
+        <p:spPr>
+          <a:xfrm>
+            <a:off x="1353235" y="847082"/>
+            <a:ext cx="831494" cy="755402"/>
+          </a:xfrm>
+          <a:prstGeom prst="can">
+            <a:avLst>
+              <a:gd name="adj" fmla="val 25000"/>
+            </a:avLst>
+          </a:prstGeom>
+          <a:solidFill>
+            <a:schemeClr val="bg1">
+              <a:lumMod val="65000"/>
+            </a:schemeClr>
+          </a:solidFill>
+          <a:ln w="9525" cap="flat" cmpd="sng">
+            <a:solidFill>
+              <a:srgbClr val="6A99D0"/>
+            </a:solidFill>
+            <a:prstDash val="solid"/>
+            <a:round/>
+            <a:headEnd type="none" w="sm" len="sm"/>
+            <a:tailEnd type="none" w="sm" len="sm"/>
+          </a:ln>
+          <a:effectLst>
+            <a:outerShdw blurRad="50800" dist="38100" dir="2700000" algn="tl" rotWithShape="0">
+              <a:prstClr val="black">
+                <a:alpha val="40000"/>
+              </a:prstClr>
+            </a:outerShdw>
+          </a:effectLst>
+        </p:spPr>
+        <p:txBody>
+          <a:bodyPr spcFirstLastPara="1" wrap="square" lIns="121900" tIns="121900" rIns="121900" bIns="121900" anchor="ctr" anchorCtr="0">
+            <a:noAutofit/>
+          </a:bodyPr>
+          <a:lstStyle/>
+          <a:p>
+            <a:pPr algn="ctr">
+              <a:lnSpc>
+                <a:spcPct val="90000"/>
+              </a:lnSpc>
+            </a:pPr>
+            <a:r>
+              <a:rPr lang="en-US" dirty="0" err="1">
+                <a:solidFill>
+                  <a:schemeClr val="bg1"/>
+                </a:solidFill>
+                <a:latin typeface="Calibri" panose="020F0502020204030204" pitchFamily="34" charset="0"/>
+                <a:cs typeface="Calibri" panose="020F0502020204030204" pitchFamily="34" charset="0"/>
+              </a:rPr>
+              <a:t>NetBox</a:t>
+            </a:r>
+            <a:endParaRPr dirty="0">
+              <a:solidFill>
+                <a:schemeClr val="bg1"/>
+              </a:solidFill>
+              <a:latin typeface="Calibri" panose="020F0502020204030204" pitchFamily="34" charset="0"/>
+              <a:cs typeface="Calibri" panose="020F0502020204030204" pitchFamily="34" charset="0"/>
+            </a:endParaRPr>
+          </a:p>
+        </p:txBody>
+      </p:sp>
+      <p:sp>
+        <p:nvSpPr>
+          <p:cNvPr id="12" name="Google Shape;85;p15">
+            <a:extLst>
+              <a:ext uri="{FF2B5EF4-FFF2-40B4-BE49-F238E27FC236}">
+                <a16:creationId xmlns:a16="http://schemas.microsoft.com/office/drawing/2014/main" id="{A466BB67-9992-3540-89D2-CC87E555570D}"/>
+              </a:ext>
+            </a:extLst>
+          </p:cNvPr>
+          <p:cNvSpPr/>
+          <p:nvPr/>
+        </p:nvSpPr>
+        <p:spPr>
+          <a:xfrm>
+            <a:off x="3071527" y="949945"/>
+            <a:ext cx="1332937" cy="561731"/>
+          </a:xfrm>
+          <a:prstGeom prst="roundRect">
+            <a:avLst>
+              <a:gd name="adj" fmla="val 16667"/>
+            </a:avLst>
+          </a:prstGeom>
+          <a:solidFill>
+            <a:srgbClr val="C2D6EC"/>
+          </a:solidFill>
+          <a:ln>
+            <a:solidFill>
+              <a:srgbClr val="C2D6EC"/>
+            </a:solidFill>
+          </a:ln>
+          <a:effectLst>
+            <a:outerShdw blurRad="50800" dist="38100" dir="2700000" algn="tl" rotWithShape="0">
+              <a:prstClr val="black">
+                <a:alpha val="40000"/>
+              </a:prstClr>
+            </a:outerShdw>
+          </a:effectLst>
+        </p:spPr>
+        <p:txBody>
+          <a:bodyPr spcFirstLastPara="1" wrap="square" lIns="121900" tIns="121900" rIns="121900" bIns="121900" anchor="t" anchorCtr="0">
+            <a:noAutofit/>
+          </a:bodyPr>
+          <a:lstStyle/>
+          <a:p>
+            <a:pPr algn="ctr"/>
+            <a:r>
+              <a:rPr lang="en-US" dirty="0" err="1">
+                <a:solidFill>
+                  <a:srgbClr val="000000"/>
+                </a:solidFill>
+                <a:latin typeface="Calibri" panose="020F0502020204030204" pitchFamily="34" charset="0"/>
+                <a:cs typeface="Calibri" panose="020F0502020204030204" pitchFamily="34" charset="0"/>
+              </a:rPr>
+              <a:t>edgeconfig.py</a:t>
+            </a:r>
+            <a:endParaRPr dirty="0">
+              <a:solidFill>
+                <a:srgbClr val="000000"/>
+              </a:solidFill>
+              <a:latin typeface="Calibri" panose="020F0502020204030204" pitchFamily="34" charset="0"/>
+              <a:cs typeface="Calibri" panose="020F0502020204030204" pitchFamily="34" charset="0"/>
+            </a:endParaRPr>
+          </a:p>
+        </p:txBody>
+      </p:sp>
+      <p:cxnSp>
+        <p:nvCxnSpPr>
+          <p:cNvPr id="14" name="Straight Arrow Connector 13">
+            <a:extLst>
+              <a:ext uri="{FF2B5EF4-FFF2-40B4-BE49-F238E27FC236}">
+                <a16:creationId xmlns:a16="http://schemas.microsoft.com/office/drawing/2014/main" id="{ECC5E116-4752-6C4D-8733-065BE0679275}"/>
+              </a:ext>
+            </a:extLst>
+          </p:cNvPr>
+          <p:cNvCxnSpPr>
+            <a:cxnSpLocks/>
+            <a:stCxn id="10" idx="4"/>
+            <a:endCxn id="12" idx="1"/>
+          </p:cNvCxnSpPr>
+          <p:nvPr/>
+        </p:nvCxnSpPr>
+        <p:spPr>
+          <a:xfrm>
+            <a:off x="2184729" y="1224783"/>
+            <a:ext cx="886798" cy="6028"/>
+          </a:xfrm>
+          <a:prstGeom prst="straightConnector1">
+            <a:avLst/>
+          </a:prstGeom>
+          <a:ln w="12700">
+            <a:tailEnd type="triangle"/>
+          </a:ln>
+        </p:spPr>
+        <p:style>
+          <a:lnRef idx="1">
+            <a:schemeClr val="accent1"/>
+          </a:lnRef>
+          <a:fillRef idx="0">
+            <a:schemeClr val="accent1"/>
+          </a:fillRef>
+          <a:effectRef idx="0">
+            <a:schemeClr val="accent1"/>
+          </a:effectRef>
+          <a:fontRef idx="minor">
+            <a:schemeClr val="tx1"/>
+          </a:fontRef>
+        </p:style>
+      </p:cxnSp>
+      <p:sp>
+        <p:nvSpPr>
+          <p:cNvPr id="15" name="Snip Single Corner Rectangle 14">
+            <a:extLst>
+              <a:ext uri="{FF2B5EF4-FFF2-40B4-BE49-F238E27FC236}">
+                <a16:creationId xmlns:a16="http://schemas.microsoft.com/office/drawing/2014/main" id="{69CF54C0-104C-C248-826B-D765C1669EED}"/>
+              </a:ext>
+            </a:extLst>
+          </p:cNvPr>
+          <p:cNvSpPr/>
+          <p:nvPr/>
+        </p:nvSpPr>
+        <p:spPr>
+          <a:xfrm>
+            <a:off x="3319741" y="2017057"/>
+            <a:ext cx="842683" cy="720137"/>
+          </a:xfrm>
+          <a:prstGeom prst="snip1Rect">
+            <a:avLst/>
+          </a:prstGeom>
+          <a:solidFill>
+            <a:schemeClr val="bg1">
+              <a:lumMod val="65000"/>
+            </a:schemeClr>
+          </a:solidFill>
+          <a:ln>
+            <a:solidFill>
+              <a:srgbClr val="6A99D0"/>
+            </a:solidFill>
+          </a:ln>
+        </p:spPr>
+        <p:style>
+          <a:lnRef idx="2">
+            <a:schemeClr val="accent1">
+              <a:shade val="50000"/>
+            </a:schemeClr>
+          </a:lnRef>
+          <a:fillRef idx="1">
+            <a:schemeClr val="accent1"/>
+          </a:fillRef>
+          <a:effectRef idx="0">
+            <a:schemeClr val="accent1"/>
+          </a:effectRef>
+          <a:fontRef idx="minor">
+            <a:schemeClr val="lt1"/>
+          </a:fontRef>
+        </p:style>
+        <p:txBody>
+          <a:bodyPr rtlCol="0" anchor="ctr"/>
+          <a:lstStyle/>
+          <a:p>
+            <a:pPr algn="ctr"/>
+            <a:r>
+              <a:rPr lang="en-US" dirty="0"/>
+              <a:t>YAML</a:t>
+            </a:r>
+          </a:p>
+        </p:txBody>
+      </p:sp>
+      <p:sp>
+        <p:nvSpPr>
+          <p:cNvPr id="21" name="Google Shape;85;p15">
+            <a:extLst>
+              <a:ext uri="{FF2B5EF4-FFF2-40B4-BE49-F238E27FC236}">
+                <a16:creationId xmlns:a16="http://schemas.microsoft.com/office/drawing/2014/main" id="{0896F094-5843-9948-AD8C-13F52222D39B}"/>
+              </a:ext>
+            </a:extLst>
+          </p:cNvPr>
+          <p:cNvSpPr/>
+          <p:nvPr/>
+        </p:nvSpPr>
+        <p:spPr>
+          <a:xfrm>
+            <a:off x="5303743" y="2094469"/>
+            <a:ext cx="1336651" cy="561731"/>
+          </a:xfrm>
+          <a:prstGeom prst="roundRect">
+            <a:avLst>
+              <a:gd name="adj" fmla="val 16667"/>
+            </a:avLst>
+          </a:prstGeom>
+          <a:solidFill>
+            <a:srgbClr val="C2D6EC"/>
+          </a:solidFill>
+          <a:ln>
+            <a:solidFill>
+              <a:srgbClr val="C2D6EC"/>
+            </a:solidFill>
+          </a:ln>
+          <a:effectLst>
+            <a:outerShdw blurRad="50800" dist="38100" dir="2700000" algn="tl" rotWithShape="0">
+              <a:prstClr val="black">
+                <a:alpha val="40000"/>
+              </a:prstClr>
+            </a:outerShdw>
+          </a:effectLst>
+        </p:spPr>
+        <p:txBody>
+          <a:bodyPr spcFirstLastPara="1" wrap="square" lIns="121900" tIns="121900" rIns="121900" bIns="121900" anchor="ctr" anchorCtr="0">
+            <a:noAutofit/>
+          </a:bodyPr>
+          <a:lstStyle/>
+          <a:p>
+            <a:pPr algn="ctr"/>
+            <a:r>
+              <a:rPr lang="en-US" dirty="0">
+                <a:solidFill>
+                  <a:srgbClr val="000000"/>
+                </a:solidFill>
+                <a:latin typeface="Calibri" panose="020F0502020204030204" pitchFamily="34" charset="0"/>
+                <a:cs typeface="Calibri" panose="020F0502020204030204" pitchFamily="34" charset="0"/>
+              </a:rPr>
+              <a:t>Ansible Roles &amp; Playbooks</a:t>
+            </a:r>
+            <a:endParaRPr dirty="0">
+              <a:solidFill>
+                <a:srgbClr val="000000"/>
+              </a:solidFill>
+              <a:latin typeface="Calibri" panose="020F0502020204030204" pitchFamily="34" charset="0"/>
+              <a:cs typeface="Calibri" panose="020F0502020204030204" pitchFamily="34" charset="0"/>
+            </a:endParaRPr>
+          </a:p>
+        </p:txBody>
+      </p:sp>
+      <p:cxnSp>
+        <p:nvCxnSpPr>
+          <p:cNvPr id="18" name="Straight Arrow Connector 17">
+            <a:extLst>
+              <a:ext uri="{FF2B5EF4-FFF2-40B4-BE49-F238E27FC236}">
+                <a16:creationId xmlns:a16="http://schemas.microsoft.com/office/drawing/2014/main" id="{0A31E2F9-B0F2-194B-AD53-B14687B8AF7B}"/>
+              </a:ext>
+            </a:extLst>
+          </p:cNvPr>
+          <p:cNvCxnSpPr>
+            <a:cxnSpLocks/>
+            <a:stCxn id="12" idx="2"/>
+            <a:endCxn id="15" idx="3"/>
+          </p:cNvCxnSpPr>
+          <p:nvPr/>
+        </p:nvCxnSpPr>
+        <p:spPr>
+          <a:xfrm>
+            <a:off x="3737996" y="1511676"/>
+            <a:ext cx="3087" cy="505381"/>
+          </a:xfrm>
+          <a:prstGeom prst="straightConnector1">
+            <a:avLst/>
+          </a:prstGeom>
+          <a:ln w="12700">
+            <a:tailEnd type="triangle"/>
+          </a:ln>
+        </p:spPr>
+        <p:style>
+          <a:lnRef idx="1">
+            <a:schemeClr val="accent1"/>
+          </a:lnRef>
+          <a:fillRef idx="0">
+            <a:schemeClr val="accent1"/>
+          </a:fillRef>
+          <a:effectRef idx="0">
+            <a:schemeClr val="accent1"/>
+          </a:effectRef>
+          <a:fontRef idx="minor">
+            <a:schemeClr val="tx1"/>
+          </a:fontRef>
+        </p:style>
+      </p:cxnSp>
+      <p:cxnSp>
+        <p:nvCxnSpPr>
+          <p:cNvPr id="20" name="Straight Arrow Connector 19">
+            <a:extLst>
+              <a:ext uri="{FF2B5EF4-FFF2-40B4-BE49-F238E27FC236}">
+                <a16:creationId xmlns:a16="http://schemas.microsoft.com/office/drawing/2014/main" id="{0F2FFD05-088E-294A-A818-1FA697E240B5}"/>
+              </a:ext>
+            </a:extLst>
+          </p:cNvPr>
+          <p:cNvCxnSpPr>
+            <a:cxnSpLocks/>
+            <a:stCxn id="15" idx="0"/>
+            <a:endCxn id="21" idx="1"/>
+          </p:cNvCxnSpPr>
+          <p:nvPr/>
+        </p:nvCxnSpPr>
+        <p:spPr>
+          <a:xfrm flipV="1">
+            <a:off x="4162424" y="2375335"/>
+            <a:ext cx="1141319" cy="1791"/>
+          </a:xfrm>
+          <a:prstGeom prst="straightConnector1">
+            <a:avLst/>
+          </a:prstGeom>
+          <a:ln>
+            <a:tailEnd type="triangle"/>
+          </a:ln>
+        </p:spPr>
+        <p:style>
+          <a:lnRef idx="1">
+            <a:schemeClr val="accent1"/>
+          </a:lnRef>
+          <a:fillRef idx="0">
+            <a:schemeClr val="accent1"/>
+          </a:fillRef>
+          <a:effectRef idx="0">
+            <a:schemeClr val="accent1"/>
+          </a:effectRef>
+          <a:fontRef idx="minor">
+            <a:schemeClr val="tx1"/>
+          </a:fontRef>
+        </p:style>
+      </p:cxnSp>
+      <p:sp>
+        <p:nvSpPr>
+          <p:cNvPr id="27" name="Snip Single Corner Rectangle 26">
+            <a:extLst>
+              <a:ext uri="{FF2B5EF4-FFF2-40B4-BE49-F238E27FC236}">
+                <a16:creationId xmlns:a16="http://schemas.microsoft.com/office/drawing/2014/main" id="{B38ACCD3-CA68-4F49-9041-78E57639BCC6}"/>
+              </a:ext>
+            </a:extLst>
+          </p:cNvPr>
+          <p:cNvSpPr/>
+          <p:nvPr/>
+        </p:nvSpPr>
+        <p:spPr>
+          <a:xfrm>
+            <a:off x="3400421" y="2097738"/>
+            <a:ext cx="842683" cy="720138"/>
+          </a:xfrm>
+          <a:prstGeom prst="snip1Rect">
+            <a:avLst/>
+          </a:prstGeom>
+          <a:solidFill>
+            <a:schemeClr val="bg1">
+              <a:lumMod val="65000"/>
+            </a:schemeClr>
+          </a:solidFill>
+          <a:ln>
+            <a:solidFill>
+              <a:srgbClr val="6A99D0"/>
+            </a:solidFill>
+          </a:ln>
+        </p:spPr>
+        <p:style>
+          <a:lnRef idx="2">
+            <a:schemeClr val="accent1">
+              <a:shade val="50000"/>
+            </a:schemeClr>
+          </a:lnRef>
+          <a:fillRef idx="1">
+            <a:schemeClr val="accent1"/>
+          </a:fillRef>
+          <a:effectRef idx="0">
+            <a:schemeClr val="accent1"/>
+          </a:effectRef>
+          <a:fontRef idx="minor">
+            <a:schemeClr val="lt1"/>
+          </a:fontRef>
+        </p:style>
+        <p:txBody>
+          <a:bodyPr rtlCol="0" anchor="ctr"/>
+          <a:lstStyle/>
+          <a:p>
+            <a:pPr algn="ctr"/>
+            <a:r>
+              <a:rPr lang="en-US" dirty="0"/>
+              <a:t>YAML</a:t>
+            </a:r>
+          </a:p>
+        </p:txBody>
+      </p:sp>
+      <p:sp>
+        <p:nvSpPr>
+          <p:cNvPr id="28" name="Snip Single Corner Rectangle 27">
+            <a:extLst>
+              <a:ext uri="{FF2B5EF4-FFF2-40B4-BE49-F238E27FC236}">
+                <a16:creationId xmlns:a16="http://schemas.microsoft.com/office/drawing/2014/main" id="{8B23EFAD-A929-9548-98CE-EF728D21452A}"/>
+              </a:ext>
+            </a:extLst>
+          </p:cNvPr>
+          <p:cNvSpPr/>
+          <p:nvPr/>
+        </p:nvSpPr>
+        <p:spPr>
+          <a:xfrm>
+            <a:off x="3481101" y="2178417"/>
+            <a:ext cx="842683" cy="729101"/>
+          </a:xfrm>
+          <a:prstGeom prst="snip1Rect">
+            <a:avLst/>
+          </a:prstGeom>
+          <a:solidFill>
+            <a:schemeClr val="bg1">
+              <a:lumMod val="65000"/>
+            </a:schemeClr>
+          </a:solidFill>
+          <a:ln>
+            <a:solidFill>
+              <a:srgbClr val="6A99D0"/>
+            </a:solidFill>
+          </a:ln>
+        </p:spPr>
+        <p:style>
+          <a:lnRef idx="2">
+            <a:schemeClr val="accent1">
+              <a:shade val="50000"/>
+            </a:schemeClr>
+          </a:lnRef>
+          <a:fillRef idx="1">
+            <a:schemeClr val="accent1"/>
+          </a:fillRef>
+          <a:effectRef idx="0">
+            <a:schemeClr val="accent1"/>
+          </a:effectRef>
+          <a:fontRef idx="minor">
+            <a:schemeClr val="lt1"/>
+          </a:fontRef>
+        </p:style>
+        <p:txBody>
+          <a:bodyPr rtlCol="0" anchor="ctr"/>
+          <a:lstStyle/>
+          <a:p>
+            <a:pPr algn="ctr"/>
+            <a:r>
+              <a:rPr lang="en-US" dirty="0"/>
+              <a:t>YAML</a:t>
+            </a:r>
+          </a:p>
+        </p:txBody>
+      </p:sp>
+      <p:sp>
+        <p:nvSpPr>
+          <p:cNvPr id="29" name="Snip Single Corner Rectangle 28">
+            <a:extLst>
+              <a:ext uri="{FF2B5EF4-FFF2-40B4-BE49-F238E27FC236}">
+                <a16:creationId xmlns:a16="http://schemas.microsoft.com/office/drawing/2014/main" id="{72A33099-6D44-E248-9892-8DEE0F5F6C1B}"/>
+              </a:ext>
+            </a:extLst>
+          </p:cNvPr>
+          <p:cNvSpPr/>
+          <p:nvPr/>
+        </p:nvSpPr>
+        <p:spPr>
+          <a:xfrm>
+            <a:off x="3567680" y="2268062"/>
+            <a:ext cx="842683" cy="729101"/>
+          </a:xfrm>
+          <a:prstGeom prst="snip1Rect">
+            <a:avLst/>
+          </a:prstGeom>
+          <a:solidFill>
+            <a:schemeClr val="bg1">
+              <a:lumMod val="65000"/>
+            </a:schemeClr>
+          </a:solidFill>
+          <a:ln>
+            <a:solidFill>
+              <a:srgbClr val="6A99D0"/>
+            </a:solidFill>
+          </a:ln>
+        </p:spPr>
+        <p:style>
+          <a:lnRef idx="2">
+            <a:schemeClr val="accent1">
+              <a:shade val="50000"/>
+            </a:schemeClr>
+          </a:lnRef>
+          <a:fillRef idx="1">
+            <a:schemeClr val="accent1"/>
+          </a:fillRef>
+          <a:effectRef idx="0">
+            <a:schemeClr val="accent1"/>
+          </a:effectRef>
+          <a:fontRef idx="minor">
+            <a:schemeClr val="lt1"/>
+          </a:fontRef>
+        </p:style>
+        <p:txBody>
+          <a:bodyPr rtlCol="0" anchor="ctr"/>
+          <a:lstStyle/>
+          <a:p>
+            <a:pPr algn="ctr"/>
+            <a:r>
+              <a:rPr lang="en-US" dirty="0">
+                <a:latin typeface="Calibri" panose="020F0502020204030204" pitchFamily="34" charset="0"/>
+                <a:cs typeface="Calibri" panose="020F0502020204030204" pitchFamily="34" charset="0"/>
+              </a:rPr>
+              <a:t>YAML</a:t>
+            </a:r>
+          </a:p>
+        </p:txBody>
+      </p:sp>
+      <p:sp>
+        <p:nvSpPr>
+          <p:cNvPr id="22" name="Rounded Rectangle 21">
+            <a:extLst>
+              <a:ext uri="{FF2B5EF4-FFF2-40B4-BE49-F238E27FC236}">
+                <a16:creationId xmlns:a16="http://schemas.microsoft.com/office/drawing/2014/main" id="{D77BFF92-C09B-E447-8D07-550CF87DF366}"/>
+              </a:ext>
+            </a:extLst>
+          </p:cNvPr>
+          <p:cNvSpPr/>
+          <p:nvPr/>
+        </p:nvSpPr>
+        <p:spPr>
+          <a:xfrm>
+            <a:off x="4252059" y="3451412"/>
+            <a:ext cx="1011469" cy="762000"/>
+          </a:xfrm>
+          <a:prstGeom prst="roundRect">
+            <a:avLst/>
+          </a:prstGeom>
+          <a:solidFill>
+            <a:schemeClr val="bg1"/>
+          </a:solidFill>
+          <a:ln>
+            <a:solidFill>
+              <a:schemeClr val="bg1">
+                <a:lumMod val="50000"/>
+              </a:schemeClr>
+            </a:solidFill>
+          </a:ln>
+        </p:spPr>
+        <p:style>
+          <a:lnRef idx="2">
+            <a:schemeClr val="accent1">
+              <a:shade val="50000"/>
+            </a:schemeClr>
+          </a:lnRef>
+          <a:fillRef idx="1">
+            <a:schemeClr val="accent1"/>
+          </a:fillRef>
+          <a:effectRef idx="0">
+            <a:schemeClr val="accent1"/>
+          </a:effectRef>
+          <a:fontRef idx="minor">
+            <a:schemeClr val="lt1"/>
+          </a:fontRef>
+        </p:style>
+        <p:txBody>
+          <a:bodyPr rtlCol="0" anchor="ctr"/>
+          <a:lstStyle/>
+          <a:p>
+            <a:pPr algn="ctr"/>
+            <a:r>
+              <a:rPr lang="en-US" dirty="0">
+                <a:solidFill>
+                  <a:srgbClr val="000000"/>
+                </a:solidFill>
+                <a:latin typeface="Calibri" panose="020F0502020204030204" pitchFamily="34" charset="0"/>
+                <a:cs typeface="Calibri" panose="020F0502020204030204" pitchFamily="34" charset="0"/>
+              </a:rPr>
+              <a:t>Mgmt</a:t>
+            </a:r>
+          </a:p>
+          <a:p>
+            <a:pPr algn="ctr"/>
+            <a:r>
+              <a:rPr lang="en-US" dirty="0">
+                <a:solidFill>
+                  <a:srgbClr val="000000"/>
+                </a:solidFill>
+                <a:latin typeface="Calibri" panose="020F0502020204030204" pitchFamily="34" charset="0"/>
+                <a:cs typeface="Calibri" panose="020F0502020204030204" pitchFamily="34" charset="0"/>
+              </a:rPr>
+              <a:t>Server</a:t>
+            </a:r>
+          </a:p>
+        </p:txBody>
+      </p:sp>
+      <p:sp>
+        <p:nvSpPr>
+          <p:cNvPr id="32" name="Rounded Rectangle 31">
+            <a:extLst>
+              <a:ext uri="{FF2B5EF4-FFF2-40B4-BE49-F238E27FC236}">
+                <a16:creationId xmlns:a16="http://schemas.microsoft.com/office/drawing/2014/main" id="{31BF1FFE-A6E9-414F-9027-95907A285E6F}"/>
+              </a:ext>
+            </a:extLst>
+          </p:cNvPr>
+          <p:cNvSpPr/>
+          <p:nvPr/>
+        </p:nvSpPr>
+        <p:spPr>
+          <a:xfrm>
+            <a:off x="5476520" y="3451412"/>
+            <a:ext cx="1011469" cy="762000"/>
+          </a:xfrm>
+          <a:prstGeom prst="roundRect">
+            <a:avLst/>
+          </a:prstGeom>
+          <a:solidFill>
+            <a:schemeClr val="bg1"/>
+          </a:solidFill>
+          <a:ln>
+            <a:solidFill>
+              <a:schemeClr val="bg1">
+                <a:lumMod val="50000"/>
+              </a:schemeClr>
+            </a:solidFill>
+          </a:ln>
+        </p:spPr>
+        <p:style>
+          <a:lnRef idx="2">
+            <a:schemeClr val="accent1">
+              <a:shade val="50000"/>
+            </a:schemeClr>
+          </a:lnRef>
+          <a:fillRef idx="1">
+            <a:schemeClr val="accent1"/>
+          </a:fillRef>
+          <a:effectRef idx="0">
+            <a:schemeClr val="accent1"/>
+          </a:effectRef>
+          <a:fontRef idx="minor">
+            <a:schemeClr val="lt1"/>
+          </a:fontRef>
+        </p:style>
+        <p:txBody>
+          <a:bodyPr rtlCol="0" anchor="ctr"/>
+          <a:lstStyle/>
+          <a:p>
+            <a:pPr algn="ctr"/>
+            <a:r>
+              <a:rPr lang="en-US" dirty="0">
+                <a:solidFill>
+                  <a:srgbClr val="000000"/>
+                </a:solidFill>
+                <a:latin typeface="Calibri" panose="020F0502020204030204" pitchFamily="34" charset="0"/>
+                <a:cs typeface="Calibri" panose="020F0502020204030204" pitchFamily="34" charset="0"/>
+              </a:rPr>
+              <a:t>Compute</a:t>
+            </a:r>
+          </a:p>
+          <a:p>
+            <a:pPr algn="ctr"/>
+            <a:r>
+              <a:rPr lang="en-US" dirty="0">
+                <a:solidFill>
+                  <a:srgbClr val="000000"/>
+                </a:solidFill>
+                <a:latin typeface="Calibri" panose="020F0502020204030204" pitchFamily="34" charset="0"/>
+                <a:cs typeface="Calibri" panose="020F0502020204030204" pitchFamily="34" charset="0"/>
+              </a:rPr>
+              <a:t>Servers</a:t>
+            </a:r>
+          </a:p>
+        </p:txBody>
+      </p:sp>
+      <p:sp>
+        <p:nvSpPr>
+          <p:cNvPr id="34" name="Rounded Rectangle 33">
+            <a:extLst>
+              <a:ext uri="{FF2B5EF4-FFF2-40B4-BE49-F238E27FC236}">
+                <a16:creationId xmlns:a16="http://schemas.microsoft.com/office/drawing/2014/main" id="{7DCB630E-D2C8-174B-B80D-64A4D74C81E4}"/>
+              </a:ext>
+            </a:extLst>
+          </p:cNvPr>
+          <p:cNvSpPr/>
+          <p:nvPr/>
+        </p:nvSpPr>
+        <p:spPr>
+          <a:xfrm>
+            <a:off x="6697540" y="3451412"/>
+            <a:ext cx="1011469" cy="762000"/>
+          </a:xfrm>
+          <a:prstGeom prst="roundRect">
+            <a:avLst/>
+          </a:prstGeom>
+          <a:solidFill>
+            <a:schemeClr val="bg1"/>
+          </a:solidFill>
+          <a:ln>
+            <a:solidFill>
+              <a:schemeClr val="bg1">
+                <a:lumMod val="50000"/>
+              </a:schemeClr>
+            </a:solidFill>
+          </a:ln>
+        </p:spPr>
+        <p:style>
+          <a:lnRef idx="2">
+            <a:schemeClr val="accent1">
+              <a:shade val="50000"/>
+            </a:schemeClr>
+          </a:lnRef>
+          <a:fillRef idx="1">
+            <a:schemeClr val="accent1"/>
+          </a:fillRef>
+          <a:effectRef idx="0">
+            <a:schemeClr val="accent1"/>
+          </a:effectRef>
+          <a:fontRef idx="minor">
+            <a:schemeClr val="lt1"/>
+          </a:fontRef>
+        </p:style>
+        <p:txBody>
+          <a:bodyPr rtlCol="0" anchor="ctr"/>
+          <a:lstStyle/>
+          <a:p>
+            <a:pPr algn="ctr"/>
+            <a:r>
+              <a:rPr lang="en-US" dirty="0">
+                <a:solidFill>
+                  <a:srgbClr val="000000"/>
+                </a:solidFill>
+                <a:latin typeface="Calibri" panose="020F0502020204030204" pitchFamily="34" charset="0"/>
+                <a:cs typeface="Calibri" panose="020F0502020204030204" pitchFamily="34" charset="0"/>
+              </a:rPr>
+              <a:t>Fabric</a:t>
+            </a:r>
+          </a:p>
+          <a:p>
+            <a:pPr algn="ctr"/>
+            <a:r>
+              <a:rPr lang="en-US" dirty="0">
+                <a:solidFill>
+                  <a:srgbClr val="000000"/>
+                </a:solidFill>
+                <a:latin typeface="Calibri" panose="020F0502020204030204" pitchFamily="34" charset="0"/>
+                <a:cs typeface="Calibri" panose="020F0502020204030204" pitchFamily="34" charset="0"/>
+              </a:rPr>
+              <a:t>Switches</a:t>
+            </a:r>
+          </a:p>
+        </p:txBody>
+      </p:sp>
+      <p:cxnSp>
+        <p:nvCxnSpPr>
+          <p:cNvPr id="24" name="Straight Arrow Connector 23">
+            <a:extLst>
+              <a:ext uri="{FF2B5EF4-FFF2-40B4-BE49-F238E27FC236}">
+                <a16:creationId xmlns:a16="http://schemas.microsoft.com/office/drawing/2014/main" id="{7C677033-2A28-F74B-9398-E29BE6F80C3A}"/>
+              </a:ext>
+            </a:extLst>
+          </p:cNvPr>
+          <p:cNvCxnSpPr>
+            <a:cxnSpLocks/>
+            <a:stCxn id="21" idx="2"/>
+            <a:endCxn id="22" idx="0"/>
+          </p:cNvCxnSpPr>
+          <p:nvPr/>
+        </p:nvCxnSpPr>
+        <p:spPr>
+          <a:xfrm flipH="1">
+            <a:off x="4757794" y="2656200"/>
+            <a:ext cx="1214275" cy="795212"/>
+          </a:xfrm>
+          <a:prstGeom prst="straightConnector1">
+            <a:avLst/>
+          </a:prstGeom>
+          <a:ln w="12700">
+            <a:tailEnd type="triangle"/>
+          </a:ln>
+        </p:spPr>
+        <p:style>
+          <a:lnRef idx="1">
+            <a:schemeClr val="accent1"/>
+          </a:lnRef>
+          <a:fillRef idx="0">
+            <a:schemeClr val="accent1"/>
+          </a:fillRef>
+          <a:effectRef idx="0">
+            <a:schemeClr val="accent1"/>
+          </a:effectRef>
+          <a:fontRef idx="minor">
+            <a:schemeClr val="tx1"/>
+          </a:fontRef>
+        </p:style>
+      </p:cxnSp>
+      <p:cxnSp>
+        <p:nvCxnSpPr>
+          <p:cNvPr id="26" name="Straight Arrow Connector 25">
+            <a:extLst>
+              <a:ext uri="{FF2B5EF4-FFF2-40B4-BE49-F238E27FC236}">
+                <a16:creationId xmlns:a16="http://schemas.microsoft.com/office/drawing/2014/main" id="{E15F5E3C-CF1D-3B40-AE94-8EFA1F3303B0}"/>
+              </a:ext>
+            </a:extLst>
+          </p:cNvPr>
+          <p:cNvCxnSpPr>
+            <a:cxnSpLocks/>
+            <a:stCxn id="21" idx="2"/>
+            <a:endCxn id="32" idx="0"/>
+          </p:cNvCxnSpPr>
+          <p:nvPr/>
+        </p:nvCxnSpPr>
+        <p:spPr>
+          <a:xfrm>
+            <a:off x="5972069" y="2656200"/>
+            <a:ext cx="10186" cy="795212"/>
+          </a:xfrm>
+          <a:prstGeom prst="straightConnector1">
+            <a:avLst/>
+          </a:prstGeom>
+          <a:ln w="12700">
+            <a:tailEnd type="triangle"/>
+          </a:ln>
+        </p:spPr>
+        <p:style>
+          <a:lnRef idx="1">
+            <a:schemeClr val="accent1"/>
+          </a:lnRef>
+          <a:fillRef idx="0">
+            <a:schemeClr val="accent1"/>
+          </a:fillRef>
+          <a:effectRef idx="0">
+            <a:schemeClr val="accent1"/>
+          </a:effectRef>
+          <a:fontRef idx="minor">
+            <a:schemeClr val="tx1"/>
+          </a:fontRef>
+        </p:style>
+      </p:cxnSp>
+      <p:cxnSp>
+        <p:nvCxnSpPr>
+          <p:cNvPr id="35" name="Straight Arrow Connector 34">
+            <a:extLst>
+              <a:ext uri="{FF2B5EF4-FFF2-40B4-BE49-F238E27FC236}">
+                <a16:creationId xmlns:a16="http://schemas.microsoft.com/office/drawing/2014/main" id="{D08B1146-F75C-D940-B21C-9BE2DF458910}"/>
+              </a:ext>
+            </a:extLst>
+          </p:cNvPr>
+          <p:cNvCxnSpPr>
+            <a:cxnSpLocks/>
+            <a:stCxn id="21" idx="2"/>
+            <a:endCxn id="34" idx="0"/>
+          </p:cNvCxnSpPr>
+          <p:nvPr/>
+        </p:nvCxnSpPr>
+        <p:spPr>
+          <a:xfrm>
+            <a:off x="5972069" y="2656200"/>
+            <a:ext cx="1231206" cy="795212"/>
+          </a:xfrm>
+          <a:prstGeom prst="straightConnector1">
+            <a:avLst/>
+          </a:prstGeom>
+          <a:ln w="12700">
+            <a:tailEnd type="triangle"/>
+          </a:ln>
+        </p:spPr>
+        <p:style>
+          <a:lnRef idx="1">
+            <a:schemeClr val="accent1"/>
+          </a:lnRef>
+          <a:fillRef idx="0">
+            <a:schemeClr val="accent1"/>
+          </a:fillRef>
+          <a:effectRef idx="0">
+            <a:schemeClr val="accent1"/>
+          </a:effectRef>
+          <a:fontRef idx="minor">
+            <a:schemeClr val="tx1"/>
+          </a:fontRef>
+        </p:style>
+      </p:cxnSp>
+      <p:sp>
+        <p:nvSpPr>
+          <p:cNvPr id="63" name="TextBox 62">
+            <a:extLst>
+              <a:ext uri="{FF2B5EF4-FFF2-40B4-BE49-F238E27FC236}">
+                <a16:creationId xmlns:a16="http://schemas.microsoft.com/office/drawing/2014/main" id="{C2B1DED0-E744-A242-8301-A358BCC1F09C}"/>
+              </a:ext>
+            </a:extLst>
+          </p:cNvPr>
+          <p:cNvSpPr txBox="1"/>
+          <p:nvPr/>
+        </p:nvSpPr>
+        <p:spPr>
+          <a:xfrm>
+            <a:off x="7363837" y="2766378"/>
+            <a:ext cx="1170513" cy="523220"/>
+          </a:xfrm>
+          <a:prstGeom prst="rect">
+            <a:avLst/>
+          </a:prstGeom>
+          <a:noFill/>
+        </p:spPr>
+        <p:txBody>
+          <a:bodyPr wrap="none" rtlCol="0">
+            <a:spAutoFit/>
+          </a:bodyPr>
+          <a:lstStyle/>
+          <a:p>
+            <a:r>
+              <a:rPr lang="en-US" i="1" dirty="0">
+                <a:latin typeface="Calibri" panose="020F0502020204030204" pitchFamily="34" charset="0"/>
+                <a:cs typeface="Calibri" panose="020F0502020204030204" pitchFamily="34" charset="0"/>
+              </a:rPr>
+              <a:t>Configure OS </a:t>
+            </a:r>
+          </a:p>
+          <a:p>
+            <a:r>
+              <a:rPr lang="en-US" i="1" dirty="0">
+                <a:latin typeface="Calibri" panose="020F0502020204030204" pitchFamily="34" charset="0"/>
+                <a:cs typeface="Calibri" panose="020F0502020204030204" pitchFamily="34" charset="0"/>
+              </a:rPr>
+              <a:t>via </a:t>
+            </a:r>
+            <a:r>
+              <a:rPr lang="en-US" i="1" dirty="0" err="1">
+                <a:latin typeface="Calibri" panose="020F0502020204030204" pitchFamily="34" charset="0"/>
+                <a:cs typeface="Calibri" panose="020F0502020204030204" pitchFamily="34" charset="0"/>
+              </a:rPr>
+              <a:t>Netplan</a:t>
+            </a:r>
+            <a:endParaRPr lang="en-US" i="1" dirty="0">
+              <a:latin typeface="Calibri" panose="020F0502020204030204" pitchFamily="34" charset="0"/>
+              <a:cs typeface="Calibri" panose="020F0502020204030204" pitchFamily="34" charset="0"/>
+            </a:endParaRPr>
+          </a:p>
+        </p:txBody>
+      </p:sp>
+      <p:sp>
+        <p:nvSpPr>
+          <p:cNvPr id="1025" name="Right Brace 1024">
+            <a:extLst>
+              <a:ext uri="{FF2B5EF4-FFF2-40B4-BE49-F238E27FC236}">
+                <a16:creationId xmlns:a16="http://schemas.microsoft.com/office/drawing/2014/main" id="{3D83FE9D-C025-7A40-8B4A-920A4E4C82BB}"/>
+              </a:ext>
+            </a:extLst>
+          </p:cNvPr>
+          <p:cNvSpPr/>
+          <p:nvPr/>
+        </p:nvSpPr>
+        <p:spPr>
+          <a:xfrm>
+            <a:off x="7308720" y="2653896"/>
+            <a:ext cx="97655" cy="762000"/>
+          </a:xfrm>
+          <a:prstGeom prst="rightBrace">
+            <a:avLst/>
+          </a:prstGeom>
+        </p:spPr>
+        <p:style>
+          <a:lnRef idx="1">
+            <a:schemeClr val="dk1"/>
+          </a:lnRef>
+          <a:fillRef idx="0">
+            <a:schemeClr val="dk1"/>
+          </a:fillRef>
+          <a:effectRef idx="0">
+            <a:schemeClr val="dk1"/>
+          </a:effectRef>
+          <a:fontRef idx="minor">
+            <a:schemeClr val="tx1"/>
+          </a:fontRef>
+        </p:style>
+        <p:txBody>
+          <a:bodyPr rtlCol="0" anchor="ctr"/>
+          <a:lstStyle/>
+          <a:p>
+            <a:pPr algn="ctr"/>
+            <a:endParaRPr lang="en-US"/>
+          </a:p>
+        </p:txBody>
+      </p:sp>
+    </p:spTree>
+    <p:extLst>
+      <p:ext uri="{BB962C8B-B14F-4D97-AF65-F5344CB8AC3E}">
+        <p14:creationId xmlns:p14="http://schemas.microsoft.com/office/powerpoint/2010/main" val="595650994"/>
       </p:ext>
     </p:extLst>
   </p:cSld>

--- a/figures.pptx
+++ b/figures.pptx
@@ -22926,8 +22926,8 @@
         </p:nvSpPr>
         <p:spPr>
           <a:xfrm>
-            <a:off x="5303743" y="2094469"/>
-            <a:ext cx="1336651" cy="561731"/>
+            <a:off x="5313929" y="1925778"/>
+            <a:ext cx="1336651" cy="902694"/>
           </a:xfrm>
           <a:prstGeom prst="roundRect">
             <a:avLst>
@@ -22966,6 +22966,30 @@
                 <a:cs typeface="Calibri" panose="020F0502020204030204" pitchFamily="34" charset="0"/>
               </a:rPr>
               <a:t>Ansible Roles &amp; Playbooks</a:t>
+            </a:r>
+          </a:p>
+          <a:p>
+            <a:pPr algn="ctr"/>
+            <a:r>
+              <a:rPr lang="en-US" dirty="0">
+                <a:latin typeface="Calibri" panose="020F0502020204030204" pitchFamily="34" charset="0"/>
+                <a:cs typeface="Calibri" panose="020F0502020204030204" pitchFamily="34" charset="0"/>
+              </a:rPr>
+              <a:t>(e.g. </a:t>
+            </a:r>
+            <a:r>
+              <a:rPr lang="en-US" dirty="0" err="1">
+                <a:latin typeface="Calibri" panose="020F0502020204030204" pitchFamily="34" charset="0"/>
+                <a:cs typeface="Calibri" panose="020F0502020204030204" pitchFamily="34" charset="0"/>
+              </a:rPr>
+              <a:t>Netplan</a:t>
+            </a:r>
+            <a:r>
+              <a:rPr lang="en-US" dirty="0">
+                <a:latin typeface="Calibri" panose="020F0502020204030204" pitchFamily="34" charset="0"/>
+                <a:cs typeface="Calibri" panose="020F0502020204030204" pitchFamily="34" charset="0"/>
+              </a:rPr>
+              <a:t>)</a:t>
             </a:r>
             <a:endParaRPr dirty="0">
               <a:solidFill>
@@ -23038,8 +23062,8 @@
         </p:nvCxnSpPr>
         <p:spPr>
           <a:xfrm flipV="1">
-            <a:off x="4162424" y="2375335"/>
-            <a:ext cx="1141319" cy="1791"/>
+            <a:off x="4162424" y="2377125"/>
+            <a:ext cx="1151505" cy="1"/>
           </a:xfrm>
           <a:prstGeom prst="straightConnector1">
             <a:avLst/>
@@ -23495,8 +23519,8 @@
         </p:nvCxnSpPr>
         <p:spPr>
           <a:xfrm flipH="1">
-            <a:off x="4757794" y="2656200"/>
-            <a:ext cx="1214275" cy="795212"/>
+            <a:off x="4757794" y="2828472"/>
+            <a:ext cx="1224461" cy="622940"/>
           </a:xfrm>
           <a:prstGeom prst="straightConnector1">
             <a:avLst/>
@@ -23538,8 +23562,8 @@
         </p:nvCxnSpPr>
         <p:spPr>
           <a:xfrm>
-            <a:off x="5972069" y="2656200"/>
-            <a:ext cx="10186" cy="795212"/>
+            <a:off x="5982255" y="2828472"/>
+            <a:ext cx="0" cy="622940"/>
           </a:xfrm>
           <a:prstGeom prst="straightConnector1">
             <a:avLst/>
@@ -23581,8 +23605,8 @@
         </p:nvCxnSpPr>
         <p:spPr>
           <a:xfrm>
-            <a:off x="5972069" y="2656200"/>
-            <a:ext cx="1231206" cy="795212"/>
+            <a:off x="5982255" y="2828472"/>
+            <a:ext cx="1221020" cy="622940"/>
           </a:xfrm>
           <a:prstGeom prst="straightConnector1">
             <a:avLst/>
@@ -23606,108 +23630,6 @@
           </a:fontRef>
         </p:style>
       </p:cxnSp>
-      <p:sp>
-        <p:nvSpPr>
-          <p:cNvPr id="63" name="TextBox 62">
-            <a:extLst>
-              <a:ext uri="{FF2B5EF4-FFF2-40B4-BE49-F238E27FC236}">
-                <a16:creationId xmlns:a16="http://schemas.microsoft.com/office/drawing/2014/main" id="{C2B1DED0-E744-A242-8301-A358BCC1F09C}"/>
-              </a:ext>
-            </a:extLst>
-          </p:cNvPr>
-          <p:cNvSpPr txBox="1"/>
-          <p:nvPr/>
-        </p:nvSpPr>
-        <p:spPr>
-          <a:xfrm>
-            <a:off x="7363837" y="2766378"/>
-            <a:ext cx="1170513" cy="523220"/>
-          </a:xfrm>
-          <a:prstGeom prst="rect">
-            <a:avLst/>
-          </a:prstGeom>
-          <a:noFill/>
-        </p:spPr>
-        <p:txBody>
-          <a:bodyPr wrap="none" rtlCol="0">
-            <a:spAutoFit/>
-          </a:bodyPr>
-          <a:lstStyle/>
-          <a:p>
-            <a:r>
-              <a:rPr lang="en-US" i="1" dirty="0">
-                <a:latin typeface="Calibri" panose="020F0502020204030204" pitchFamily="34" charset="0"/>
-                <a:cs typeface="Calibri" panose="020F0502020204030204" pitchFamily="34" charset="0"/>
-              </a:rPr>
-              <a:t>Configure OS </a:t>
-            </a:r>
-          </a:p>
-          <a:p>
-            <a:r>
-              <a:rPr lang="en-US" i="1" dirty="0">
-                <a:latin typeface="Calibri" panose="020F0502020204030204" pitchFamily="34" charset="0"/>
-                <a:cs typeface="Calibri" panose="020F0502020204030204" pitchFamily="34" charset="0"/>
-              </a:rPr>
-              <a:t>via </a:t>
-            </a:r>
-            <a:r>
-              <a:rPr lang="en-US" i="1" dirty="0" err="1">
-                <a:latin typeface="Calibri" panose="020F0502020204030204" pitchFamily="34" charset="0"/>
-                <a:cs typeface="Calibri" panose="020F0502020204030204" pitchFamily="34" charset="0"/>
-              </a:rPr>
-              <a:t>Netplan</a:t>
-            </a:r>
-            <a:endParaRPr lang="en-US" i="1" dirty="0">
-              <a:latin typeface="Calibri" panose="020F0502020204030204" pitchFamily="34" charset="0"/>
-              <a:cs typeface="Calibri" panose="020F0502020204030204" pitchFamily="34" charset="0"/>
-            </a:endParaRPr>
-          </a:p>
-        </p:txBody>
-      </p:sp>
-      <p:sp>
-        <p:nvSpPr>
-          <p:cNvPr id="1025" name="Right Brace 1024">
-            <a:extLst>
-              <a:ext uri="{FF2B5EF4-FFF2-40B4-BE49-F238E27FC236}">
-                <a16:creationId xmlns:a16="http://schemas.microsoft.com/office/drawing/2014/main" id="{3D83FE9D-C025-7A40-8B4A-920A4E4C82BB}"/>
-              </a:ext>
-            </a:extLst>
-          </p:cNvPr>
-          <p:cNvSpPr/>
-          <p:nvPr/>
-        </p:nvSpPr>
-        <p:spPr>
-          <a:xfrm>
-            <a:off x="7308720" y="2653896"/>
-            <a:ext cx="97655" cy="762000"/>
-          </a:xfrm>
-          <a:prstGeom prst="rightBrace">
-            <a:avLst/>
-          </a:prstGeom>
-        </p:spPr>
-        <p:style>
-          <a:lnRef idx="1">
-            <a:schemeClr val="dk1"/>
-          </a:lnRef>
-          <a:fillRef idx="0">
-            <a:schemeClr val="dk1"/>
-          </a:fillRef>
-          <a:effectRef idx="0">
-            <a:schemeClr val="dk1"/>
-          </a:effectRef>
-          <a:fontRef idx="minor">
-            <a:schemeClr val="tx1"/>
-          </a:fontRef>
-        </p:style>
-        <p:txBody>
-          <a:bodyPr rtlCol="0" anchor="ctr"/>
-          <a:lstStyle/>
-          <a:p>
-            <a:pPr algn="ctr"/>
-            <a:endParaRPr lang="en-US"/>
-          </a:p>
-        </p:txBody>
-      </p:sp>
     </p:spTree>
     <p:extLst>
       <p:ext uri="{BB962C8B-B14F-4D97-AF65-F5344CB8AC3E}">

--- a/figures.pptx
+++ b/figures.pptx
@@ -5,7 +5,7 @@
     <p:sldMasterId id="2147483648" r:id="rId1"/>
   </p:sldMasterIdLst>
   <p:notesMasterIdLst>
-    <p:notesMasterId r:id="rId22"/>
+    <p:notesMasterId r:id="rId23"/>
   </p:notesMasterIdLst>
   <p:sldIdLst>
     <p:sldId id="311" r:id="rId2"/>
@@ -28,6 +28,7 @@
     <p:sldId id="345" r:id="rId19"/>
     <p:sldId id="346" r:id="rId20"/>
     <p:sldId id="347" r:id="rId21"/>
+    <p:sldId id="348" r:id="rId22"/>
   </p:sldIdLst>
   <p:sldSz cx="9144000" cy="5143500" type="screen16x9"/>
   <p:notesSz cx="6858000" cy="9144000"/>
@@ -316,7 +317,7 @@
       </p15:sldGuideLst>
     </p:ext>
     <p:ext uri="http://customooxmlschemas.google.com/">
-      <go:slidesCustomData xmlns:go="http://customooxmlschemas.google.com/" xmlns:p15="http://schemas.microsoft.com/office/powerpoint/2012/main" xmlns:p14="http://schemas.microsoft.com/office/powerpoint/2010/main" xmlns:com="http://schemas.openxmlformats.org/drawingml/2006/compatibility" xmlns:pvml="urn:schemas-microsoft-com:office:powerpoint" xmlns:v="urn:schemas-microsoft-com:vml" xmlns:o="urn:schemas-microsoft-com:office:office" xmlns:dgm="http://schemas.openxmlformats.org/drawingml/2006/diagram" xmlns:c="http://schemas.openxmlformats.org/drawingml/2006/chart" xmlns:mv="urn:schemas-microsoft-com:mac:vml" xmlns:mc="http://schemas.openxmlformats.org/markup-compatibility/2006" xmlns="" r:id="rId29" roundtripDataSignature="AMtx7mjYSJr9dBhpBi3R8tFsPF3I3gzuVA=="/>
+      <go:slidesCustomData xmlns="" xmlns:mc="http://schemas.openxmlformats.org/markup-compatibility/2006" xmlns:mv="urn:schemas-microsoft-com:mac:vml" xmlns:c="http://schemas.openxmlformats.org/drawingml/2006/chart" xmlns:dgm="http://schemas.openxmlformats.org/drawingml/2006/diagram" xmlns:o="urn:schemas-microsoft-com:office:office" xmlns:v="urn:schemas-microsoft-com:vml" xmlns:pvml="urn:schemas-microsoft-com:office:powerpoint" xmlns:com="http://schemas.openxmlformats.org/drawingml/2006/compatibility" xmlns:p14="http://schemas.microsoft.com/office/powerpoint/2010/main" xmlns:p15="http://schemas.microsoft.com/office/powerpoint/2012/main" xmlns:go="http://customooxmlschemas.google.com/" r:id="rId29" roundtripDataSignature="AMtx7mjYSJr9dBhpBi3R8tFsPF3I3gzuVA=="/>
     </p:ext>
   </p:extLst>
 </p:presentation>
@@ -3074,7 +3075,7 @@
           <a:p>
             <a:fld id="{BF4F8DC3-0006-B147-AA6D-FF436E850004}" type="datetimeFigureOut">
               <a:rPr lang="en-US" smtClean="0"/>
-              <a:t>7/8/21</a:t>
+              <a:t>8/27/21</a:t>
             </a:fld>
             <a:endParaRPr lang="en-US"/>
           </a:p>
@@ -23634,6 +23635,616 @@
     <p:extLst>
       <p:ext uri="{BB962C8B-B14F-4D97-AF65-F5344CB8AC3E}">
         <p14:creationId xmlns:p14="http://schemas.microsoft.com/office/powerpoint/2010/main" val="595650994"/>
+      </p:ext>
+    </p:extLst>
+  </p:cSld>
+  <p:clrMapOvr>
+    <a:masterClrMapping/>
+  </p:clrMapOvr>
+</p:sld>
+</file>
+
+<file path=ppt/slides/slide21.xml><?xml version="1.0" encoding="utf-8"?>
+<p:sld xmlns:a="http://schemas.openxmlformats.org/drawingml/2006/main" xmlns:r="http://schemas.openxmlformats.org/officeDocument/2006/relationships" xmlns:p="http://schemas.openxmlformats.org/presentationml/2006/main">
+  <p:cSld>
+    <p:spTree>
+      <p:nvGrpSpPr>
+        <p:cNvPr id="1" name=""/>
+        <p:cNvGrpSpPr/>
+        <p:nvPr/>
+      </p:nvGrpSpPr>
+      <p:grpSpPr>
+        <a:xfrm>
+          <a:off x="0" y="0"/>
+          <a:ext cx="0" cy="0"/>
+          <a:chOff x="0" y="0"/>
+          <a:chExt cx="0" cy="0"/>
+        </a:xfrm>
+      </p:grpSpPr>
+      <p:sp>
+        <p:nvSpPr>
+          <p:cNvPr id="33" name="Cloud 32">
+            <a:extLst>
+              <a:ext uri="{FF2B5EF4-FFF2-40B4-BE49-F238E27FC236}">
+                <a16:creationId xmlns:a16="http://schemas.microsoft.com/office/drawing/2014/main" id="{C10B5BDE-F069-2145-AE9C-5EA48F3338B2}"/>
+              </a:ext>
+            </a:extLst>
+          </p:cNvPr>
+          <p:cNvSpPr/>
+          <p:nvPr/>
+        </p:nvSpPr>
+        <p:spPr>
+          <a:xfrm>
+            <a:off x="4717820" y="3219791"/>
+            <a:ext cx="1359306" cy="743178"/>
+          </a:xfrm>
+          <a:prstGeom prst="cloud">
+            <a:avLst/>
+          </a:prstGeom>
+          <a:solidFill>
+            <a:schemeClr val="bg1">
+              <a:lumMod val="65000"/>
+            </a:schemeClr>
+          </a:solidFill>
+          <a:ln w="9525">
+            <a:solidFill>
+              <a:srgbClr val="6A99D0"/>
+            </a:solidFill>
+          </a:ln>
+        </p:spPr>
+        <p:style>
+          <a:lnRef idx="2">
+            <a:schemeClr val="accent1">
+              <a:shade val="50000"/>
+            </a:schemeClr>
+          </a:lnRef>
+          <a:fillRef idx="1">
+            <a:schemeClr val="accent1"/>
+          </a:fillRef>
+          <a:effectRef idx="0">
+            <a:schemeClr val="accent1"/>
+          </a:effectRef>
+          <a:fontRef idx="minor">
+            <a:schemeClr val="lt1"/>
+          </a:fontRef>
+        </p:style>
+        <p:txBody>
+          <a:bodyPr rtlCol="0" anchor="ctr"/>
+          <a:lstStyle/>
+          <a:p>
+            <a:pPr algn="ctr"/>
+            <a:r>
+              <a:rPr lang="en-US" sz="1600" dirty="0">
+                <a:latin typeface="Calibri" charset="0"/>
+                <a:ea typeface="Calibri" charset="0"/>
+                <a:cs typeface="Calibri" charset="0"/>
+              </a:rPr>
+              <a:t>Physical Cluster</a:t>
+            </a:r>
+          </a:p>
+        </p:txBody>
+      </p:sp>
+      <p:sp>
+        <p:nvSpPr>
+          <p:cNvPr id="31" name="Cloud 30">
+            <a:extLst>
+              <a:ext uri="{FF2B5EF4-FFF2-40B4-BE49-F238E27FC236}">
+                <a16:creationId xmlns:a16="http://schemas.microsoft.com/office/drawing/2014/main" id="{CD750ABA-FAED-574D-A0E2-C6E24061CEE0}"/>
+              </a:ext>
+            </a:extLst>
+          </p:cNvPr>
+          <p:cNvSpPr/>
+          <p:nvPr/>
+        </p:nvSpPr>
+        <p:spPr>
+          <a:xfrm>
+            <a:off x="1511087" y="2248953"/>
+            <a:ext cx="2718615" cy="1651261"/>
+          </a:xfrm>
+          <a:prstGeom prst="cloud">
+            <a:avLst/>
+          </a:prstGeom>
+          <a:solidFill>
+            <a:schemeClr val="bg1">
+              <a:lumMod val="65000"/>
+            </a:schemeClr>
+          </a:solidFill>
+          <a:ln w="9525">
+            <a:solidFill>
+              <a:srgbClr val="6A99D0"/>
+            </a:solidFill>
+          </a:ln>
+        </p:spPr>
+        <p:style>
+          <a:lnRef idx="2">
+            <a:schemeClr val="accent1">
+              <a:shade val="50000"/>
+            </a:schemeClr>
+          </a:lnRef>
+          <a:fillRef idx="1">
+            <a:schemeClr val="accent1"/>
+          </a:fillRef>
+          <a:effectRef idx="0">
+            <a:schemeClr val="accent1"/>
+          </a:effectRef>
+          <a:fontRef idx="minor">
+            <a:schemeClr val="lt1"/>
+          </a:fontRef>
+        </p:style>
+        <p:txBody>
+          <a:bodyPr rtlCol="0" anchor="ctr"/>
+          <a:lstStyle/>
+          <a:p>
+            <a:pPr algn="ctr"/>
+            <a:r>
+              <a:rPr lang="en-US" sz="1600" dirty="0">
+                <a:latin typeface="Calibri" charset="0"/>
+                <a:ea typeface="Calibri" charset="0"/>
+                <a:cs typeface="Calibri" charset="0"/>
+              </a:rPr>
+              <a:t>Commercial Cloud</a:t>
+            </a:r>
+          </a:p>
+        </p:txBody>
+      </p:sp>
+      <p:sp>
+        <p:nvSpPr>
+          <p:cNvPr id="5" name="Rounded Rectangle 4"/>
+          <p:cNvSpPr/>
+          <p:nvPr/>
+        </p:nvSpPr>
+        <p:spPr>
+          <a:xfrm>
+            <a:off x="1511087" y="2251153"/>
+            <a:ext cx="2718614" cy="196212"/>
+          </a:xfrm>
+          <a:prstGeom prst="roundRect">
+            <a:avLst/>
+          </a:prstGeom>
+          <a:ln w="28575">
+            <a:noFill/>
+          </a:ln>
+        </p:spPr>
+        <p:style>
+          <a:lnRef idx="3">
+            <a:schemeClr val="lt1"/>
+          </a:lnRef>
+          <a:fillRef idx="1">
+            <a:schemeClr val="accent1"/>
+          </a:fillRef>
+          <a:effectRef idx="1">
+            <a:schemeClr val="accent1"/>
+          </a:effectRef>
+          <a:fontRef idx="minor">
+            <a:schemeClr val="lt1"/>
+          </a:fontRef>
+        </p:style>
+        <p:txBody>
+          <a:bodyPr rtlCol="0" anchor="ctr"/>
+          <a:lstStyle/>
+          <a:p>
+            <a:pPr algn="ctr"/>
+            <a:r>
+              <a:rPr lang="en-US" sz="1200" dirty="0">
+                <a:solidFill>
+                  <a:schemeClr val="bg1"/>
+                </a:solidFill>
+                <a:latin typeface="Calibri" panose="020F0502020204030204" pitchFamily="34" charset="0"/>
+                <a:cs typeface="Calibri" panose="020F0502020204030204" pitchFamily="34" charset="0"/>
+              </a:rPr>
+              <a:t>Provisioning API</a:t>
+            </a:r>
+          </a:p>
+        </p:txBody>
+      </p:sp>
+      <p:cxnSp>
+        <p:nvCxnSpPr>
+          <p:cNvPr id="13" name="Straight Arrow Connector 12">
+            <a:extLst>
+              <a:ext uri="{FF2B5EF4-FFF2-40B4-BE49-F238E27FC236}">
+                <a16:creationId xmlns:a16="http://schemas.microsoft.com/office/drawing/2014/main" id="{0301FB1A-6744-084E-B647-C60C4457EF11}"/>
+              </a:ext>
+            </a:extLst>
+          </p:cNvPr>
+          <p:cNvCxnSpPr>
+            <a:cxnSpLocks/>
+            <a:endCxn id="5" idx="0"/>
+          </p:cNvCxnSpPr>
+          <p:nvPr/>
+        </p:nvCxnSpPr>
+        <p:spPr>
+          <a:xfrm>
+            <a:off x="2870394" y="1202401"/>
+            <a:ext cx="0" cy="1048752"/>
+          </a:xfrm>
+          <a:prstGeom prst="straightConnector1">
+            <a:avLst/>
+          </a:prstGeom>
+          <a:ln w="19050">
+            <a:solidFill>
+              <a:srgbClr val="6A99D0"/>
+            </a:solidFill>
+            <a:tailEnd type="triangle"/>
+          </a:ln>
+        </p:spPr>
+        <p:style>
+          <a:lnRef idx="1">
+            <a:schemeClr val="accent1"/>
+          </a:lnRef>
+          <a:fillRef idx="0">
+            <a:schemeClr val="accent1"/>
+          </a:fillRef>
+          <a:effectRef idx="0">
+            <a:schemeClr val="accent1"/>
+          </a:effectRef>
+          <a:fontRef idx="minor">
+            <a:schemeClr val="tx1"/>
+          </a:fontRef>
+        </p:style>
+      </p:cxnSp>
+      <p:cxnSp>
+        <p:nvCxnSpPr>
+          <p:cNvPr id="42" name="Straight Arrow Connector 41">
+            <a:extLst>
+              <a:ext uri="{FF2B5EF4-FFF2-40B4-BE49-F238E27FC236}">
+                <a16:creationId xmlns:a16="http://schemas.microsoft.com/office/drawing/2014/main" id="{B438BCBE-981E-7443-97E2-25C98FC32473}"/>
+              </a:ext>
+            </a:extLst>
+          </p:cNvPr>
+          <p:cNvCxnSpPr>
+            <a:cxnSpLocks/>
+          </p:cNvCxnSpPr>
+          <p:nvPr/>
+        </p:nvCxnSpPr>
+        <p:spPr>
+          <a:xfrm>
+            <a:off x="6077126" y="1202401"/>
+            <a:ext cx="0" cy="1048752"/>
+          </a:xfrm>
+          <a:prstGeom prst="straightConnector1">
+            <a:avLst/>
+          </a:prstGeom>
+          <a:ln w="19050">
+            <a:solidFill>
+              <a:srgbClr val="6A99D0"/>
+            </a:solidFill>
+            <a:prstDash val="solid"/>
+            <a:tailEnd type="triangle"/>
+          </a:ln>
+        </p:spPr>
+        <p:style>
+          <a:lnRef idx="1">
+            <a:schemeClr val="accent1"/>
+          </a:lnRef>
+          <a:fillRef idx="0">
+            <a:schemeClr val="accent1"/>
+          </a:fillRef>
+          <a:effectRef idx="0">
+            <a:schemeClr val="accent1"/>
+          </a:effectRef>
+          <a:fontRef idx="minor">
+            <a:schemeClr val="tx1"/>
+          </a:fontRef>
+        </p:style>
+      </p:cxnSp>
+      <p:sp>
+        <p:nvSpPr>
+          <p:cNvPr id="3" name="Rounded Rectangle 2"/>
+          <p:cNvSpPr/>
+          <p:nvPr/>
+        </p:nvSpPr>
+        <p:spPr>
+          <a:xfrm>
+            <a:off x="1511086" y="1045613"/>
+            <a:ext cx="5925347" cy="878097"/>
+          </a:xfrm>
+          <a:prstGeom prst="roundRect">
+            <a:avLst>
+              <a:gd name="adj" fmla="val 11093"/>
+            </a:avLst>
+          </a:prstGeom>
+          <a:solidFill>
+            <a:schemeClr val="accent1">
+              <a:lumMod val="20000"/>
+              <a:lumOff val="80000"/>
+            </a:schemeClr>
+          </a:solidFill>
+          <a:ln>
+            <a:solidFill>
+              <a:srgbClr val="C2D6EC"/>
+            </a:solidFill>
+          </a:ln>
+        </p:spPr>
+        <p:style>
+          <a:lnRef idx="1">
+            <a:schemeClr val="accent1"/>
+          </a:lnRef>
+          <a:fillRef idx="2">
+            <a:schemeClr val="accent1"/>
+          </a:fillRef>
+          <a:effectRef idx="1">
+            <a:schemeClr val="accent1"/>
+          </a:effectRef>
+          <a:fontRef idx="minor">
+            <a:schemeClr val="dk1"/>
+          </a:fontRef>
+        </p:style>
+        <p:txBody>
+          <a:bodyPr rtlCol="0" anchor="ctr"/>
+          <a:lstStyle/>
+          <a:p>
+            <a:pPr algn="ctr"/>
+            <a:r>
+              <a:rPr lang="en-US" sz="1600" dirty="0">
+                <a:latin typeface="Calibri" panose="020F0502020204030204" pitchFamily="34" charset="0"/>
+                <a:cs typeface="Calibri" panose="020F0502020204030204" pitchFamily="34" charset="0"/>
+              </a:rPr>
+              <a:t>Infrastructure-as-Code</a:t>
+            </a:r>
+          </a:p>
+          <a:p>
+            <a:pPr algn="ctr"/>
+            <a:r>
+              <a:rPr lang="en-US" sz="1600" dirty="0">
+                <a:latin typeface="Calibri" panose="020F0502020204030204" pitchFamily="34" charset="0"/>
+                <a:cs typeface="Calibri" panose="020F0502020204030204" pitchFamily="34" charset="0"/>
+              </a:rPr>
+              <a:t>(Terraform)</a:t>
+            </a:r>
+          </a:p>
+        </p:txBody>
+      </p:sp>
+      <p:sp>
+        <p:nvSpPr>
+          <p:cNvPr id="10" name="Cloud 9">
+            <a:extLst>
+              <a:ext uri="{FF2B5EF4-FFF2-40B4-BE49-F238E27FC236}">
+                <a16:creationId xmlns:a16="http://schemas.microsoft.com/office/drawing/2014/main" id="{0196CB82-9D30-3D41-BE31-1CFF0C29B4FA}"/>
+              </a:ext>
+            </a:extLst>
+          </p:cNvPr>
+          <p:cNvSpPr/>
+          <p:nvPr/>
+        </p:nvSpPr>
+        <p:spPr>
+          <a:xfrm>
+            <a:off x="6456971" y="3219791"/>
+            <a:ext cx="1359306" cy="680423"/>
+          </a:xfrm>
+          <a:prstGeom prst="cloud">
+            <a:avLst/>
+          </a:prstGeom>
+          <a:solidFill>
+            <a:schemeClr val="bg1">
+              <a:lumMod val="65000"/>
+            </a:schemeClr>
+          </a:solidFill>
+          <a:ln w="9525">
+            <a:solidFill>
+              <a:srgbClr val="6A99D0"/>
+            </a:solidFill>
+          </a:ln>
+        </p:spPr>
+        <p:style>
+          <a:lnRef idx="2">
+            <a:schemeClr val="accent1">
+              <a:shade val="50000"/>
+            </a:schemeClr>
+          </a:lnRef>
+          <a:fillRef idx="1">
+            <a:schemeClr val="accent1"/>
+          </a:fillRef>
+          <a:effectRef idx="0">
+            <a:schemeClr val="accent1"/>
+          </a:effectRef>
+          <a:fontRef idx="minor">
+            <a:schemeClr val="lt1"/>
+          </a:fontRef>
+        </p:style>
+        <p:txBody>
+          <a:bodyPr rtlCol="0" anchor="ctr"/>
+          <a:lstStyle/>
+          <a:p>
+            <a:pPr algn="ctr"/>
+            <a:r>
+              <a:rPr lang="en-US" sz="1600" dirty="0">
+                <a:latin typeface="Calibri" charset="0"/>
+                <a:ea typeface="Calibri" charset="0"/>
+                <a:cs typeface="Calibri" charset="0"/>
+              </a:rPr>
+              <a:t>Physical Cluster</a:t>
+            </a:r>
+          </a:p>
+        </p:txBody>
+      </p:sp>
+      <p:sp>
+        <p:nvSpPr>
+          <p:cNvPr id="4" name="TextBox 3">
+            <a:extLst>
+              <a:ext uri="{FF2B5EF4-FFF2-40B4-BE49-F238E27FC236}">
+                <a16:creationId xmlns:a16="http://schemas.microsoft.com/office/drawing/2014/main" id="{2BC8A701-37EE-004E-9828-51F6E489F362}"/>
+              </a:ext>
+            </a:extLst>
+          </p:cNvPr>
+          <p:cNvSpPr txBox="1"/>
+          <p:nvPr/>
+        </p:nvSpPr>
+        <p:spPr>
+          <a:xfrm>
+            <a:off x="6092769" y="3370031"/>
+            <a:ext cx="364202" cy="307777"/>
+          </a:xfrm>
+          <a:prstGeom prst="rect">
+            <a:avLst/>
+          </a:prstGeom>
+          <a:noFill/>
+        </p:spPr>
+        <p:txBody>
+          <a:bodyPr wrap="none" rtlCol="0">
+            <a:spAutoFit/>
+          </a:bodyPr>
+          <a:lstStyle/>
+          <a:p>
+            <a:r>
+              <a:rPr lang="en-US" dirty="0"/>
+              <a:t>…</a:t>
+            </a:r>
+          </a:p>
+        </p:txBody>
+      </p:sp>
+      <p:sp>
+        <p:nvSpPr>
+          <p:cNvPr id="12" name="Rounded Rectangle 11">
+            <a:extLst>
+              <a:ext uri="{FF2B5EF4-FFF2-40B4-BE49-F238E27FC236}">
+                <a16:creationId xmlns:a16="http://schemas.microsoft.com/office/drawing/2014/main" id="{88B46C13-816E-A043-BC52-11246630F961}"/>
+              </a:ext>
+            </a:extLst>
+          </p:cNvPr>
+          <p:cNvSpPr/>
+          <p:nvPr/>
+        </p:nvSpPr>
+        <p:spPr>
+          <a:xfrm>
+            <a:off x="4783592" y="2261819"/>
+            <a:ext cx="2718614" cy="196212"/>
+          </a:xfrm>
+          <a:prstGeom prst="roundRect">
+            <a:avLst/>
+          </a:prstGeom>
+          <a:ln w="28575">
+            <a:noFill/>
+          </a:ln>
+        </p:spPr>
+        <p:style>
+          <a:lnRef idx="3">
+            <a:schemeClr val="lt1"/>
+          </a:lnRef>
+          <a:fillRef idx="1">
+            <a:schemeClr val="accent1"/>
+          </a:fillRef>
+          <a:effectRef idx="1">
+            <a:schemeClr val="accent1"/>
+          </a:effectRef>
+          <a:fontRef idx="minor">
+            <a:schemeClr val="lt1"/>
+          </a:fontRef>
+        </p:style>
+        <p:txBody>
+          <a:bodyPr rtlCol="0" anchor="ctr"/>
+          <a:lstStyle/>
+          <a:p>
+            <a:pPr algn="ctr"/>
+            <a:r>
+              <a:rPr lang="en-US" sz="1200">
+                <a:solidFill>
+                  <a:schemeClr val="bg1"/>
+                </a:solidFill>
+                <a:latin typeface="Calibri" panose="020F0502020204030204" pitchFamily="34" charset="0"/>
+                <a:cs typeface="Calibri" panose="020F0502020204030204" pitchFamily="34" charset="0"/>
+              </a:rPr>
+              <a:t>Rancher API</a:t>
+            </a:r>
+            <a:endParaRPr lang="en-US" sz="1200" dirty="0">
+              <a:solidFill>
+                <a:schemeClr val="bg1"/>
+              </a:solidFill>
+              <a:latin typeface="Calibri" panose="020F0502020204030204" pitchFamily="34" charset="0"/>
+              <a:cs typeface="Calibri" panose="020F0502020204030204" pitchFamily="34" charset="0"/>
+            </a:endParaRPr>
+          </a:p>
+        </p:txBody>
+      </p:sp>
+      <p:cxnSp>
+        <p:nvCxnSpPr>
+          <p:cNvPr id="7" name="Straight Arrow Connector 6">
+            <a:extLst>
+              <a:ext uri="{FF2B5EF4-FFF2-40B4-BE49-F238E27FC236}">
+                <a16:creationId xmlns:a16="http://schemas.microsoft.com/office/drawing/2014/main" id="{2F40721E-DFE6-F147-8A24-FA0A70BB758A}"/>
+              </a:ext>
+            </a:extLst>
+          </p:cNvPr>
+          <p:cNvCxnSpPr>
+            <a:cxnSpLocks/>
+            <a:stCxn id="12" idx="2"/>
+            <a:endCxn id="33" idx="3"/>
+          </p:cNvCxnSpPr>
+          <p:nvPr/>
+        </p:nvCxnSpPr>
+        <p:spPr>
+          <a:xfrm flipH="1">
+            <a:off x="5397473" y="2458031"/>
+            <a:ext cx="745426" cy="804252"/>
+          </a:xfrm>
+          <a:prstGeom prst="straightConnector1">
+            <a:avLst/>
+          </a:prstGeom>
+          <a:ln>
+            <a:tailEnd type="triangle"/>
+          </a:ln>
+        </p:spPr>
+        <p:style>
+          <a:lnRef idx="1">
+            <a:schemeClr val="accent1"/>
+          </a:lnRef>
+          <a:fillRef idx="0">
+            <a:schemeClr val="accent1"/>
+          </a:fillRef>
+          <a:effectRef idx="0">
+            <a:schemeClr val="accent1"/>
+          </a:effectRef>
+          <a:fontRef idx="minor">
+            <a:schemeClr val="tx1"/>
+          </a:fontRef>
+        </p:style>
+      </p:cxnSp>
+      <p:cxnSp>
+        <p:nvCxnSpPr>
+          <p:cNvPr id="15" name="Straight Arrow Connector 14">
+            <a:extLst>
+              <a:ext uri="{FF2B5EF4-FFF2-40B4-BE49-F238E27FC236}">
+                <a16:creationId xmlns:a16="http://schemas.microsoft.com/office/drawing/2014/main" id="{BF55FA72-A818-3840-9AD4-1FD6E3BDBD46}"/>
+              </a:ext>
+            </a:extLst>
+          </p:cNvPr>
+          <p:cNvCxnSpPr>
+            <a:cxnSpLocks/>
+            <a:stCxn id="12" idx="2"/>
+            <a:endCxn id="10" idx="3"/>
+          </p:cNvCxnSpPr>
+          <p:nvPr/>
+        </p:nvCxnSpPr>
+        <p:spPr>
+          <a:xfrm>
+            <a:off x="6142899" y="2458031"/>
+            <a:ext cx="993725" cy="800664"/>
+          </a:xfrm>
+          <a:prstGeom prst="straightConnector1">
+            <a:avLst/>
+          </a:prstGeom>
+          <a:ln>
+            <a:tailEnd type="triangle"/>
+          </a:ln>
+        </p:spPr>
+        <p:style>
+          <a:lnRef idx="1">
+            <a:schemeClr val="accent1"/>
+          </a:lnRef>
+          <a:fillRef idx="0">
+            <a:schemeClr val="accent1"/>
+          </a:fillRef>
+          <a:effectRef idx="0">
+            <a:schemeClr val="accent1"/>
+          </a:effectRef>
+          <a:fontRef idx="minor">
+            <a:schemeClr val="tx1"/>
+          </a:fontRef>
+        </p:style>
+      </p:cxnSp>
+    </p:spTree>
+    <p:extLst>
+      <p:ext uri="{BB962C8B-B14F-4D97-AF65-F5344CB8AC3E}">
+        <p14:creationId xmlns:p14="http://schemas.microsoft.com/office/powerpoint/2010/main" val="1937973647"/>
       </p:ext>
     </p:extLst>
   </p:cSld>

--- a/figures.pptx
+++ b/figures.pptx
@@ -18874,8 +18874,8 @@
         </p:nvSpPr>
         <p:spPr>
           <a:xfrm>
-            <a:off x="1511087" y="2251153"/>
-            <a:ext cx="2718614" cy="196212"/>
+            <a:off x="1511087" y="2251152"/>
+            <a:ext cx="2718614" cy="320597"/>
           </a:xfrm>
           <a:prstGeom prst="roundRect">
             <a:avLst/>
@@ -18934,7 +18934,7 @@
         <p:spPr>
           <a:xfrm>
             <a:off x="2870394" y="1202401"/>
-            <a:ext cx="0" cy="1048752"/>
+            <a:ext cx="0" cy="1048751"/>
           </a:xfrm>
           <a:prstGeom prst="straightConnector1">
             <a:avLst/>
@@ -19015,8 +19015,8 @@
         </p:nvSpPr>
         <p:spPr>
           <a:xfrm>
-            <a:off x="1511086" y="1045613"/>
-            <a:ext cx="5925347" cy="878097"/>
+            <a:off x="1511086" y="1180531"/>
+            <a:ext cx="5925347" cy="743179"/>
           </a:xfrm>
           <a:prstGeom prst="roundRect">
             <a:avLst>
@@ -23675,8 +23675,8 @@
         </p:nvSpPr>
         <p:spPr>
           <a:xfrm>
-            <a:off x="4717820" y="3219791"/>
-            <a:ext cx="1359306" cy="743178"/>
+            <a:off x="4984189" y="3190418"/>
+            <a:ext cx="1285299" cy="743178"/>
           </a:xfrm>
           <a:prstGeom prst="cloud">
             <a:avLst/>
@@ -23714,7 +23714,7 @@
           <a:p>
             <a:pPr algn="ctr"/>
             <a:r>
-              <a:rPr lang="en-US" sz="1600" dirty="0">
+              <a:rPr lang="en-US" dirty="0">
                 <a:latin typeface="Calibri" charset="0"/>
                 <a:ea typeface="Calibri" charset="0"/>
                 <a:cs typeface="Calibri" charset="0"/>
@@ -23795,8 +23795,8 @@
         </p:nvSpPr>
         <p:spPr>
           <a:xfrm>
-            <a:off x="1511087" y="2251153"/>
-            <a:ext cx="2718614" cy="196212"/>
+            <a:off x="1511087" y="2251152"/>
+            <a:ext cx="2718614" cy="320597"/>
           </a:xfrm>
           <a:prstGeom prst="roundRect">
             <a:avLst/>
@@ -23832,7 +23832,7 @@
                 <a:latin typeface="Calibri" panose="020F0502020204030204" pitchFamily="34" charset="0"/>
                 <a:cs typeface="Calibri" panose="020F0502020204030204" pitchFamily="34" charset="0"/>
               </a:rPr>
-              <a:t>Provisioning API</a:t>
+              <a:t>Provisioning API (GCP)</a:t>
             </a:r>
           </a:p>
         </p:txBody>
@@ -23855,7 +23855,7 @@
         <p:spPr>
           <a:xfrm>
             <a:off x="2870394" y="1202401"/>
-            <a:ext cx="0" cy="1048752"/>
+            <a:ext cx="0" cy="1048751"/>
           </a:xfrm>
           <a:prstGeom prst="straightConnector1">
             <a:avLst/>
@@ -23893,13 +23893,14 @@
           </p:cNvPr>
           <p:cNvCxnSpPr>
             <a:cxnSpLocks/>
+            <a:endCxn id="12" idx="0"/>
           </p:cNvCxnSpPr>
           <p:nvPr/>
         </p:nvCxnSpPr>
         <p:spPr>
           <a:xfrm>
-            <a:off x="6077126" y="1202401"/>
-            <a:ext cx="0" cy="1048752"/>
+            <a:off x="6390892" y="1202401"/>
+            <a:ext cx="7279" cy="1046552"/>
           </a:xfrm>
           <a:prstGeom prst="straightConnector1">
             <a:avLst/>
@@ -23935,8 +23936,8 @@
         </p:nvSpPr>
         <p:spPr>
           <a:xfrm>
-            <a:off x="1511086" y="1045613"/>
-            <a:ext cx="5925347" cy="878097"/>
+            <a:off x="1511086" y="1174611"/>
+            <a:ext cx="6305185" cy="749099"/>
           </a:xfrm>
           <a:prstGeom prst="roundRect">
             <a:avLst>
@@ -24008,8 +24009,8 @@
         </p:nvSpPr>
         <p:spPr>
           <a:xfrm>
-            <a:off x="6456971" y="3219791"/>
-            <a:ext cx="1359306" cy="680423"/>
+            <a:off x="6456964" y="3221796"/>
+            <a:ext cx="1285299" cy="680423"/>
           </a:xfrm>
           <a:prstGeom prst="cloud">
             <a:avLst/>
@@ -24047,7 +24048,7 @@
           <a:p>
             <a:pPr algn="ctr"/>
             <a:r>
-              <a:rPr lang="en-US" sz="1600" dirty="0">
+              <a:rPr lang="en-US" dirty="0">
                 <a:latin typeface="Calibri" charset="0"/>
                 <a:ea typeface="Calibri" charset="0"/>
                 <a:cs typeface="Calibri" charset="0"/>
@@ -24071,8 +24072,8 @@
         </p:nvSpPr>
         <p:spPr>
           <a:xfrm>
-            <a:off x="6092769" y="3370031"/>
-            <a:ext cx="364202" cy="307777"/>
+            <a:off x="6199599" y="3423508"/>
+            <a:ext cx="338554" cy="276999"/>
           </a:xfrm>
           <a:prstGeom prst="rect">
             <a:avLst/>
@@ -24086,7 +24087,7 @@
           <a:lstStyle/>
           <a:p>
             <a:r>
-              <a:rPr lang="en-US" dirty="0"/>
+              <a:rPr lang="en-US" sz="1200" dirty="0"/>
               <a:t>…</a:t>
             </a:r>
           </a:p>
@@ -24106,8 +24107,8 @@
         </p:nvSpPr>
         <p:spPr>
           <a:xfrm>
-            <a:off x="4783592" y="2261819"/>
-            <a:ext cx="2718614" cy="196212"/>
+            <a:off x="4980071" y="2248953"/>
+            <a:ext cx="2836199" cy="322796"/>
           </a:xfrm>
           <a:prstGeom prst="roundRect">
             <a:avLst/>
@@ -24136,22 +24137,15 @@
           <a:p>
             <a:pPr algn="ctr"/>
             <a:r>
-              <a:rPr lang="en-US" sz="1200">
+              <a:rPr lang="en-US" sz="1200" dirty="0">
                 <a:solidFill>
                   <a:schemeClr val="bg1"/>
                 </a:solidFill>
                 <a:latin typeface="Calibri" panose="020F0502020204030204" pitchFamily="34" charset="0"/>
                 <a:cs typeface="Calibri" panose="020F0502020204030204" pitchFamily="34" charset="0"/>
               </a:rPr>
-              <a:t>Rancher API</a:t>
+              <a:t>Provisioning API (Rancher)</a:t>
             </a:r>
-            <a:endParaRPr lang="en-US" sz="1200" dirty="0">
-              <a:solidFill>
-                <a:schemeClr val="bg1"/>
-              </a:solidFill>
-              <a:latin typeface="Calibri" panose="020F0502020204030204" pitchFamily="34" charset="0"/>
-              <a:cs typeface="Calibri" panose="020F0502020204030204" pitchFamily="34" charset="0"/>
-            </a:endParaRPr>
           </a:p>
         </p:txBody>
       </p:sp>
@@ -24173,8 +24167,8 @@
         </p:nvCxnSpPr>
         <p:spPr>
           <a:xfrm flipH="1">
-            <a:off x="5397473" y="2458031"/>
-            <a:ext cx="745426" cy="804252"/>
+            <a:off x="5626839" y="2571749"/>
+            <a:ext cx="771332" cy="661161"/>
           </a:xfrm>
           <a:prstGeom prst="straightConnector1">
             <a:avLst/>
@@ -24216,8 +24210,8 @@
         </p:nvCxnSpPr>
         <p:spPr>
           <a:xfrm>
-            <a:off x="6142899" y="2458031"/>
-            <a:ext cx="993725" cy="800664"/>
+            <a:off x="6398171" y="2571749"/>
+            <a:ext cx="701443" cy="688951"/>
           </a:xfrm>
           <a:prstGeom prst="straightConnector1">
             <a:avLst/>

--- a/figures.pptx
+++ b/figures.pptx
@@ -5,7 +5,7 @@
     <p:sldMasterId id="2147483648" r:id="rId1"/>
   </p:sldMasterIdLst>
   <p:notesMasterIdLst>
-    <p:notesMasterId r:id="rId23"/>
+    <p:notesMasterId r:id="rId24"/>
   </p:notesMasterIdLst>
   <p:sldIdLst>
     <p:sldId id="311" r:id="rId2"/>
@@ -29,6 +29,7 @@
     <p:sldId id="346" r:id="rId20"/>
     <p:sldId id="347" r:id="rId21"/>
     <p:sldId id="348" r:id="rId22"/>
+    <p:sldId id="349" r:id="rId23"/>
   </p:sldIdLst>
   <p:sldSz cx="9144000" cy="5143500" type="screen16x9"/>
   <p:notesSz cx="6858000" cy="9144000"/>
@@ -317,7 +318,7 @@
       </p15:sldGuideLst>
     </p:ext>
     <p:ext uri="http://customooxmlschemas.google.com/">
-      <go:slidesCustomData xmlns="" xmlns:mc="http://schemas.openxmlformats.org/markup-compatibility/2006" xmlns:mv="urn:schemas-microsoft-com:mac:vml" xmlns:c="http://schemas.openxmlformats.org/drawingml/2006/chart" xmlns:dgm="http://schemas.openxmlformats.org/drawingml/2006/diagram" xmlns:o="urn:schemas-microsoft-com:office:office" xmlns:v="urn:schemas-microsoft-com:vml" xmlns:pvml="urn:schemas-microsoft-com:office:powerpoint" xmlns:com="http://schemas.openxmlformats.org/drawingml/2006/compatibility" xmlns:p14="http://schemas.microsoft.com/office/powerpoint/2010/main" xmlns:p15="http://schemas.microsoft.com/office/powerpoint/2012/main" xmlns:go="http://customooxmlschemas.google.com/" r:id="rId29" roundtripDataSignature="AMtx7mjYSJr9dBhpBi3R8tFsPF3I3gzuVA=="/>
+      <go:slidesCustomData xmlns:go="http://customooxmlschemas.google.com/" xmlns:p15="http://schemas.microsoft.com/office/powerpoint/2012/main" xmlns:p14="http://schemas.microsoft.com/office/powerpoint/2010/main" xmlns:com="http://schemas.openxmlformats.org/drawingml/2006/compatibility" xmlns:pvml="urn:schemas-microsoft-com:office:powerpoint" xmlns:v="urn:schemas-microsoft-com:vml" xmlns:o="urn:schemas-microsoft-com:office:office" xmlns:dgm="http://schemas.openxmlformats.org/drawingml/2006/diagram" xmlns:c="http://schemas.openxmlformats.org/drawingml/2006/chart" xmlns:mv="urn:schemas-microsoft-com:mac:vml" xmlns:mc="http://schemas.openxmlformats.org/markup-compatibility/2006" xmlns="" r:id="rId29" roundtripDataSignature="AMtx7mjYSJr9dBhpBi3R8tFsPF3I3gzuVA=="/>
     </p:ext>
   </p:extLst>
 </p:presentation>
@@ -3075,7 +3076,7 @@
           <a:p>
             <a:fld id="{BF4F8DC3-0006-B147-AA6D-FF436E850004}" type="datetimeFigureOut">
               <a:rPr lang="en-US" smtClean="0"/>
-              <a:t>8/27/21</a:t>
+              <a:t>9/10/21</a:t>
             </a:fld>
             <a:endParaRPr lang="en-US"/>
           </a:p>
@@ -24239,6 +24240,782 @@
     <p:extLst>
       <p:ext uri="{BB962C8B-B14F-4D97-AF65-F5344CB8AC3E}">
         <p14:creationId xmlns:p14="http://schemas.microsoft.com/office/powerpoint/2010/main" val="1937973647"/>
+      </p:ext>
+    </p:extLst>
+  </p:cSld>
+  <p:clrMapOvr>
+    <a:masterClrMapping/>
+  </p:clrMapOvr>
+</p:sld>
+</file>
+
+<file path=ppt/slides/slide22.xml><?xml version="1.0" encoding="utf-8"?>
+<p:sld xmlns:a="http://schemas.openxmlformats.org/drawingml/2006/main" xmlns:r="http://schemas.openxmlformats.org/officeDocument/2006/relationships" xmlns:p="http://schemas.openxmlformats.org/presentationml/2006/main">
+  <p:cSld>
+    <p:spTree>
+      <p:nvGrpSpPr>
+        <p:cNvPr id="1" name=""/>
+        <p:cNvGrpSpPr/>
+        <p:nvPr/>
+      </p:nvGrpSpPr>
+      <p:grpSpPr>
+        <a:xfrm>
+          <a:off x="0" y="0"/>
+          <a:ext cx="0" cy="0"/>
+          <a:chOff x="0" y="0"/>
+          <a:chExt cx="0" cy="0"/>
+        </a:xfrm>
+      </p:grpSpPr>
+      <p:sp>
+        <p:nvSpPr>
+          <p:cNvPr id="33" name="Cloud 32">
+            <a:extLst>
+              <a:ext uri="{FF2B5EF4-FFF2-40B4-BE49-F238E27FC236}">
+                <a16:creationId xmlns:a16="http://schemas.microsoft.com/office/drawing/2014/main" id="{C10B5BDE-F069-2145-AE9C-5EA48F3338B2}"/>
+              </a:ext>
+            </a:extLst>
+          </p:cNvPr>
+          <p:cNvSpPr/>
+          <p:nvPr/>
+        </p:nvSpPr>
+        <p:spPr>
+          <a:xfrm>
+            <a:off x="4984189" y="3216302"/>
+            <a:ext cx="1285299" cy="743178"/>
+          </a:xfrm>
+          <a:prstGeom prst="cloud">
+            <a:avLst/>
+          </a:prstGeom>
+          <a:solidFill>
+            <a:schemeClr val="bg1">
+              <a:lumMod val="65000"/>
+            </a:schemeClr>
+          </a:solidFill>
+          <a:ln w="9525">
+            <a:solidFill>
+              <a:srgbClr val="6A99D0"/>
+            </a:solidFill>
+          </a:ln>
+        </p:spPr>
+        <p:style>
+          <a:lnRef idx="2">
+            <a:schemeClr val="accent1">
+              <a:shade val="50000"/>
+            </a:schemeClr>
+          </a:lnRef>
+          <a:fillRef idx="1">
+            <a:schemeClr val="accent1"/>
+          </a:fillRef>
+          <a:effectRef idx="0">
+            <a:schemeClr val="accent1"/>
+          </a:effectRef>
+          <a:fontRef idx="minor">
+            <a:schemeClr val="lt1"/>
+          </a:fontRef>
+        </p:style>
+        <p:txBody>
+          <a:bodyPr rtlCol="0" anchor="ctr"/>
+          <a:lstStyle/>
+          <a:p>
+            <a:pPr algn="ctr"/>
+            <a:r>
+              <a:rPr lang="en-US" dirty="0">
+                <a:latin typeface="Calibri" charset="0"/>
+                <a:ea typeface="Calibri" charset="0"/>
+                <a:cs typeface="Calibri" charset="0"/>
+              </a:rPr>
+              <a:t>Physical Cluster</a:t>
+            </a:r>
+          </a:p>
+        </p:txBody>
+      </p:sp>
+      <p:sp>
+        <p:nvSpPr>
+          <p:cNvPr id="31" name="Cloud 30">
+            <a:extLst>
+              <a:ext uri="{FF2B5EF4-FFF2-40B4-BE49-F238E27FC236}">
+                <a16:creationId xmlns:a16="http://schemas.microsoft.com/office/drawing/2014/main" id="{CD750ABA-FAED-574D-A0E2-C6E24061CEE0}"/>
+              </a:ext>
+            </a:extLst>
+          </p:cNvPr>
+          <p:cNvSpPr/>
+          <p:nvPr/>
+        </p:nvSpPr>
+        <p:spPr>
+          <a:xfrm>
+            <a:off x="1511087" y="2248953"/>
+            <a:ext cx="2718615" cy="1651261"/>
+          </a:xfrm>
+          <a:prstGeom prst="cloud">
+            <a:avLst/>
+          </a:prstGeom>
+          <a:solidFill>
+            <a:schemeClr val="bg1">
+              <a:lumMod val="65000"/>
+            </a:schemeClr>
+          </a:solidFill>
+          <a:ln w="9525">
+            <a:solidFill>
+              <a:srgbClr val="6A99D0"/>
+            </a:solidFill>
+          </a:ln>
+        </p:spPr>
+        <p:style>
+          <a:lnRef idx="2">
+            <a:schemeClr val="accent1">
+              <a:shade val="50000"/>
+            </a:schemeClr>
+          </a:lnRef>
+          <a:fillRef idx="1">
+            <a:schemeClr val="accent1"/>
+          </a:fillRef>
+          <a:effectRef idx="0">
+            <a:schemeClr val="accent1"/>
+          </a:effectRef>
+          <a:fontRef idx="minor">
+            <a:schemeClr val="lt1"/>
+          </a:fontRef>
+        </p:style>
+        <p:txBody>
+          <a:bodyPr rtlCol="0" anchor="ctr"/>
+          <a:lstStyle/>
+          <a:p>
+            <a:pPr algn="ctr"/>
+            <a:r>
+              <a:rPr lang="en-US" sz="1600" dirty="0">
+                <a:latin typeface="Calibri" charset="0"/>
+                <a:ea typeface="Calibri" charset="0"/>
+                <a:cs typeface="Calibri" charset="0"/>
+              </a:rPr>
+              <a:t>Commercial Cloud</a:t>
+            </a:r>
+          </a:p>
+        </p:txBody>
+      </p:sp>
+      <p:sp>
+        <p:nvSpPr>
+          <p:cNvPr id="5" name="Rounded Rectangle 4"/>
+          <p:cNvSpPr/>
+          <p:nvPr/>
+        </p:nvSpPr>
+        <p:spPr>
+          <a:xfrm>
+            <a:off x="1511087" y="2251152"/>
+            <a:ext cx="2718614" cy="320597"/>
+          </a:xfrm>
+          <a:prstGeom prst="roundRect">
+            <a:avLst/>
+          </a:prstGeom>
+          <a:ln w="28575">
+            <a:noFill/>
+          </a:ln>
+        </p:spPr>
+        <p:style>
+          <a:lnRef idx="3">
+            <a:schemeClr val="lt1"/>
+          </a:lnRef>
+          <a:fillRef idx="1">
+            <a:schemeClr val="accent1"/>
+          </a:fillRef>
+          <a:effectRef idx="1">
+            <a:schemeClr val="accent1"/>
+          </a:effectRef>
+          <a:fontRef idx="minor">
+            <a:schemeClr val="lt1"/>
+          </a:fontRef>
+        </p:style>
+        <p:txBody>
+          <a:bodyPr rtlCol="0" anchor="ctr"/>
+          <a:lstStyle/>
+          <a:p>
+            <a:pPr algn="ctr"/>
+            <a:r>
+              <a:rPr lang="en-US" sz="1200" dirty="0">
+                <a:solidFill>
+                  <a:schemeClr val="bg1"/>
+                </a:solidFill>
+                <a:latin typeface="Calibri" panose="020F0502020204030204" pitchFamily="34" charset="0"/>
+                <a:cs typeface="Calibri" panose="020F0502020204030204" pitchFamily="34" charset="0"/>
+              </a:rPr>
+              <a:t>Provisioning API (GCP)</a:t>
+            </a:r>
+          </a:p>
+        </p:txBody>
+      </p:sp>
+      <p:cxnSp>
+        <p:nvCxnSpPr>
+          <p:cNvPr id="13" name="Straight Arrow Connector 12">
+            <a:extLst>
+              <a:ext uri="{FF2B5EF4-FFF2-40B4-BE49-F238E27FC236}">
+                <a16:creationId xmlns:a16="http://schemas.microsoft.com/office/drawing/2014/main" id="{0301FB1A-6744-084E-B647-C60C4457EF11}"/>
+              </a:ext>
+            </a:extLst>
+          </p:cNvPr>
+          <p:cNvCxnSpPr>
+            <a:cxnSpLocks/>
+            <a:stCxn id="3" idx="2"/>
+            <a:endCxn id="5" idx="0"/>
+          </p:cNvCxnSpPr>
+          <p:nvPr/>
+        </p:nvCxnSpPr>
+        <p:spPr>
+          <a:xfrm>
+            <a:off x="2870394" y="1342398"/>
+            <a:ext cx="0" cy="908754"/>
+          </a:xfrm>
+          <a:prstGeom prst="straightConnector1">
+            <a:avLst/>
+          </a:prstGeom>
+          <a:ln w="19050">
+            <a:solidFill>
+              <a:srgbClr val="6A99D0"/>
+            </a:solidFill>
+            <a:tailEnd type="triangle"/>
+          </a:ln>
+        </p:spPr>
+        <p:style>
+          <a:lnRef idx="1">
+            <a:schemeClr val="accent1"/>
+          </a:lnRef>
+          <a:fillRef idx="0">
+            <a:schemeClr val="accent1"/>
+          </a:fillRef>
+          <a:effectRef idx="0">
+            <a:schemeClr val="accent1"/>
+          </a:effectRef>
+          <a:fontRef idx="minor">
+            <a:schemeClr val="tx1"/>
+          </a:fontRef>
+        </p:style>
+      </p:cxnSp>
+      <p:cxnSp>
+        <p:nvCxnSpPr>
+          <p:cNvPr id="42" name="Straight Arrow Connector 41">
+            <a:extLst>
+              <a:ext uri="{FF2B5EF4-FFF2-40B4-BE49-F238E27FC236}">
+                <a16:creationId xmlns:a16="http://schemas.microsoft.com/office/drawing/2014/main" id="{B438BCBE-981E-7443-97E2-25C98FC32473}"/>
+              </a:ext>
+            </a:extLst>
+          </p:cNvPr>
+          <p:cNvCxnSpPr>
+            <a:cxnSpLocks/>
+            <a:stCxn id="14" idx="2"/>
+            <a:endCxn id="12" idx="0"/>
+          </p:cNvCxnSpPr>
+          <p:nvPr/>
+        </p:nvCxnSpPr>
+        <p:spPr>
+          <a:xfrm>
+            <a:off x="6339378" y="1351128"/>
+            <a:ext cx="1" cy="897825"/>
+          </a:xfrm>
+          <a:prstGeom prst="straightConnector1">
+            <a:avLst/>
+          </a:prstGeom>
+          <a:ln w="19050">
+            <a:solidFill>
+              <a:srgbClr val="6A99D0"/>
+            </a:solidFill>
+            <a:prstDash val="solid"/>
+            <a:tailEnd type="triangle"/>
+          </a:ln>
+        </p:spPr>
+        <p:style>
+          <a:lnRef idx="1">
+            <a:schemeClr val="accent1"/>
+          </a:lnRef>
+          <a:fillRef idx="0">
+            <a:schemeClr val="accent1"/>
+          </a:fillRef>
+          <a:effectRef idx="0">
+            <a:schemeClr val="accent1"/>
+          </a:effectRef>
+          <a:fontRef idx="minor">
+            <a:schemeClr val="tx1"/>
+          </a:fontRef>
+        </p:style>
+      </p:cxnSp>
+      <p:sp>
+        <p:nvSpPr>
+          <p:cNvPr id="3" name="Rounded Rectangle 2"/>
+          <p:cNvSpPr/>
+          <p:nvPr/>
+        </p:nvSpPr>
+        <p:spPr>
+          <a:xfrm>
+            <a:off x="1511086" y="593299"/>
+            <a:ext cx="2718615" cy="749099"/>
+          </a:xfrm>
+          <a:prstGeom prst="roundRect">
+            <a:avLst>
+              <a:gd name="adj" fmla="val 11093"/>
+            </a:avLst>
+          </a:prstGeom>
+          <a:solidFill>
+            <a:schemeClr val="accent1">
+              <a:lumMod val="20000"/>
+              <a:lumOff val="80000"/>
+            </a:schemeClr>
+          </a:solidFill>
+          <a:ln>
+            <a:solidFill>
+              <a:srgbClr val="C2D6EC"/>
+            </a:solidFill>
+          </a:ln>
+        </p:spPr>
+        <p:style>
+          <a:lnRef idx="1">
+            <a:schemeClr val="accent1"/>
+          </a:lnRef>
+          <a:fillRef idx="2">
+            <a:schemeClr val="accent1"/>
+          </a:fillRef>
+          <a:effectRef idx="1">
+            <a:schemeClr val="accent1"/>
+          </a:effectRef>
+          <a:fontRef idx="minor">
+            <a:schemeClr val="dk1"/>
+          </a:fontRef>
+        </p:style>
+        <p:txBody>
+          <a:bodyPr rtlCol="0" anchor="ctr"/>
+          <a:lstStyle/>
+          <a:p>
+            <a:pPr algn="ctr"/>
+            <a:r>
+              <a:rPr lang="en-US" sz="1600" dirty="0">
+                <a:latin typeface="Calibri" panose="020F0502020204030204" pitchFamily="34" charset="0"/>
+                <a:cs typeface="Calibri" panose="020F0502020204030204" pitchFamily="34" charset="0"/>
+              </a:rPr>
+              <a:t>Infrastructure-as-Code</a:t>
+            </a:r>
+          </a:p>
+          <a:p>
+            <a:pPr algn="ctr"/>
+            <a:r>
+              <a:rPr lang="en-US" sz="1600" dirty="0">
+                <a:latin typeface="Calibri" panose="020F0502020204030204" pitchFamily="34" charset="0"/>
+                <a:cs typeface="Calibri" panose="020F0502020204030204" pitchFamily="34" charset="0"/>
+              </a:rPr>
+              <a:t>(Terraform)</a:t>
+            </a:r>
+          </a:p>
+        </p:txBody>
+      </p:sp>
+      <p:sp>
+        <p:nvSpPr>
+          <p:cNvPr id="10" name="Cloud 9">
+            <a:extLst>
+              <a:ext uri="{FF2B5EF4-FFF2-40B4-BE49-F238E27FC236}">
+                <a16:creationId xmlns:a16="http://schemas.microsoft.com/office/drawing/2014/main" id="{0196CB82-9D30-3D41-BE31-1CFF0C29B4FA}"/>
+              </a:ext>
+            </a:extLst>
+          </p:cNvPr>
+          <p:cNvSpPr/>
+          <p:nvPr/>
+        </p:nvSpPr>
+        <p:spPr>
+          <a:xfrm>
+            <a:off x="6413387" y="3216302"/>
+            <a:ext cx="1285299" cy="680423"/>
+          </a:xfrm>
+          <a:prstGeom prst="cloud">
+            <a:avLst/>
+          </a:prstGeom>
+          <a:solidFill>
+            <a:schemeClr val="bg1">
+              <a:lumMod val="65000"/>
+            </a:schemeClr>
+          </a:solidFill>
+          <a:ln w="9525">
+            <a:solidFill>
+              <a:srgbClr val="6A99D0"/>
+            </a:solidFill>
+          </a:ln>
+        </p:spPr>
+        <p:style>
+          <a:lnRef idx="2">
+            <a:schemeClr val="accent1">
+              <a:shade val="50000"/>
+            </a:schemeClr>
+          </a:lnRef>
+          <a:fillRef idx="1">
+            <a:schemeClr val="accent1"/>
+          </a:fillRef>
+          <a:effectRef idx="0">
+            <a:schemeClr val="accent1"/>
+          </a:effectRef>
+          <a:fontRef idx="minor">
+            <a:schemeClr val="lt1"/>
+          </a:fontRef>
+        </p:style>
+        <p:txBody>
+          <a:bodyPr rtlCol="0" anchor="ctr"/>
+          <a:lstStyle/>
+          <a:p>
+            <a:pPr algn="ctr"/>
+            <a:r>
+              <a:rPr lang="en-US" dirty="0">
+                <a:latin typeface="Calibri" charset="0"/>
+                <a:ea typeface="Calibri" charset="0"/>
+                <a:cs typeface="Calibri" charset="0"/>
+              </a:rPr>
+              <a:t>Physical Cluster</a:t>
+            </a:r>
+          </a:p>
+        </p:txBody>
+      </p:sp>
+      <p:sp>
+        <p:nvSpPr>
+          <p:cNvPr id="4" name="TextBox 3">
+            <a:extLst>
+              <a:ext uri="{FF2B5EF4-FFF2-40B4-BE49-F238E27FC236}">
+                <a16:creationId xmlns:a16="http://schemas.microsoft.com/office/drawing/2014/main" id="{2BC8A701-37EE-004E-9828-51F6E489F362}"/>
+              </a:ext>
+            </a:extLst>
+          </p:cNvPr>
+          <p:cNvSpPr txBox="1"/>
+          <p:nvPr/>
+        </p:nvSpPr>
+        <p:spPr>
+          <a:xfrm>
+            <a:off x="6172161" y="3556513"/>
+            <a:ext cx="338554" cy="276999"/>
+          </a:xfrm>
+          <a:prstGeom prst="rect">
+            <a:avLst/>
+          </a:prstGeom>
+          <a:noFill/>
+        </p:spPr>
+        <p:txBody>
+          <a:bodyPr wrap="none" rtlCol="0">
+            <a:spAutoFit/>
+          </a:bodyPr>
+          <a:lstStyle/>
+          <a:p>
+            <a:r>
+              <a:rPr lang="en-US" sz="1200" dirty="0"/>
+              <a:t>…</a:t>
+            </a:r>
+          </a:p>
+        </p:txBody>
+      </p:sp>
+      <p:sp>
+        <p:nvSpPr>
+          <p:cNvPr id="12" name="Rounded Rectangle 11">
+            <a:extLst>
+              <a:ext uri="{FF2B5EF4-FFF2-40B4-BE49-F238E27FC236}">
+                <a16:creationId xmlns:a16="http://schemas.microsoft.com/office/drawing/2014/main" id="{88B46C13-816E-A043-BC52-11246630F961}"/>
+              </a:ext>
+            </a:extLst>
+          </p:cNvPr>
+          <p:cNvSpPr/>
+          <p:nvPr/>
+        </p:nvSpPr>
+        <p:spPr>
+          <a:xfrm>
+            <a:off x="4980071" y="2248953"/>
+            <a:ext cx="2718615" cy="322796"/>
+          </a:xfrm>
+          <a:prstGeom prst="roundRect">
+            <a:avLst/>
+          </a:prstGeom>
+          <a:ln w="28575">
+            <a:noFill/>
+          </a:ln>
+        </p:spPr>
+        <p:style>
+          <a:lnRef idx="3">
+            <a:schemeClr val="lt1"/>
+          </a:lnRef>
+          <a:fillRef idx="1">
+            <a:schemeClr val="accent1"/>
+          </a:fillRef>
+          <a:effectRef idx="1">
+            <a:schemeClr val="accent1"/>
+          </a:effectRef>
+          <a:fontRef idx="minor">
+            <a:schemeClr val="lt1"/>
+          </a:fontRef>
+        </p:style>
+        <p:txBody>
+          <a:bodyPr rtlCol="0" anchor="ctr"/>
+          <a:lstStyle/>
+          <a:p>
+            <a:pPr algn="ctr"/>
+            <a:r>
+              <a:rPr lang="en-US" sz="1200" dirty="0">
+                <a:solidFill>
+                  <a:schemeClr val="bg1"/>
+                </a:solidFill>
+                <a:latin typeface="Calibri" panose="020F0502020204030204" pitchFamily="34" charset="0"/>
+                <a:cs typeface="Calibri" panose="020F0502020204030204" pitchFamily="34" charset="0"/>
+              </a:rPr>
+              <a:t>Provisioning API (Rancher)</a:t>
+            </a:r>
+          </a:p>
+        </p:txBody>
+      </p:sp>
+      <p:cxnSp>
+        <p:nvCxnSpPr>
+          <p:cNvPr id="7" name="Straight Arrow Connector 6">
+            <a:extLst>
+              <a:ext uri="{FF2B5EF4-FFF2-40B4-BE49-F238E27FC236}">
+                <a16:creationId xmlns:a16="http://schemas.microsoft.com/office/drawing/2014/main" id="{2F40721E-DFE6-F147-8A24-FA0A70BB758A}"/>
+              </a:ext>
+            </a:extLst>
+          </p:cNvPr>
+          <p:cNvCxnSpPr>
+            <a:cxnSpLocks/>
+            <a:stCxn id="12" idx="2"/>
+            <a:endCxn id="33" idx="3"/>
+          </p:cNvCxnSpPr>
+          <p:nvPr/>
+        </p:nvCxnSpPr>
+        <p:spPr>
+          <a:xfrm flipH="1">
+            <a:off x="5626839" y="2571749"/>
+            <a:ext cx="712540" cy="687045"/>
+          </a:xfrm>
+          <a:prstGeom prst="straightConnector1">
+            <a:avLst/>
+          </a:prstGeom>
+          <a:ln>
+            <a:tailEnd type="triangle"/>
+          </a:ln>
+        </p:spPr>
+        <p:style>
+          <a:lnRef idx="1">
+            <a:schemeClr val="accent1"/>
+          </a:lnRef>
+          <a:fillRef idx="0">
+            <a:schemeClr val="accent1"/>
+          </a:fillRef>
+          <a:effectRef idx="0">
+            <a:schemeClr val="accent1"/>
+          </a:effectRef>
+          <a:fontRef idx="minor">
+            <a:schemeClr val="tx1"/>
+          </a:fontRef>
+        </p:style>
+      </p:cxnSp>
+      <p:cxnSp>
+        <p:nvCxnSpPr>
+          <p:cNvPr id="15" name="Straight Arrow Connector 14">
+            <a:extLst>
+              <a:ext uri="{FF2B5EF4-FFF2-40B4-BE49-F238E27FC236}">
+                <a16:creationId xmlns:a16="http://schemas.microsoft.com/office/drawing/2014/main" id="{BF55FA72-A818-3840-9AD4-1FD6E3BDBD46}"/>
+              </a:ext>
+            </a:extLst>
+          </p:cNvPr>
+          <p:cNvCxnSpPr>
+            <a:cxnSpLocks/>
+            <a:stCxn id="12" idx="2"/>
+            <a:endCxn id="10" idx="3"/>
+          </p:cNvCxnSpPr>
+          <p:nvPr/>
+        </p:nvCxnSpPr>
+        <p:spPr>
+          <a:xfrm>
+            <a:off x="6339379" y="2571749"/>
+            <a:ext cx="716658" cy="683457"/>
+          </a:xfrm>
+          <a:prstGeom prst="straightConnector1">
+            <a:avLst/>
+          </a:prstGeom>
+          <a:ln>
+            <a:tailEnd type="triangle"/>
+          </a:ln>
+        </p:spPr>
+        <p:style>
+          <a:lnRef idx="1">
+            <a:schemeClr val="accent1"/>
+          </a:lnRef>
+          <a:fillRef idx="0">
+            <a:schemeClr val="accent1"/>
+          </a:fillRef>
+          <a:effectRef idx="0">
+            <a:schemeClr val="accent1"/>
+          </a:effectRef>
+          <a:fontRef idx="minor">
+            <a:schemeClr val="tx1"/>
+          </a:fontRef>
+        </p:style>
+      </p:cxnSp>
+      <p:sp>
+        <p:nvSpPr>
+          <p:cNvPr id="14" name="Rounded Rectangle 13">
+            <a:extLst>
+              <a:ext uri="{FF2B5EF4-FFF2-40B4-BE49-F238E27FC236}">
+                <a16:creationId xmlns:a16="http://schemas.microsoft.com/office/drawing/2014/main" id="{B1313726-35AE-B447-8655-E690FF97C67E}"/>
+              </a:ext>
+            </a:extLst>
+          </p:cNvPr>
+          <p:cNvSpPr/>
+          <p:nvPr/>
+        </p:nvSpPr>
+        <p:spPr>
+          <a:xfrm>
+            <a:off x="4980070" y="602029"/>
+            <a:ext cx="2718615" cy="749099"/>
+          </a:xfrm>
+          <a:prstGeom prst="roundRect">
+            <a:avLst>
+              <a:gd name="adj" fmla="val 11093"/>
+            </a:avLst>
+          </a:prstGeom>
+          <a:solidFill>
+            <a:schemeClr val="accent1">
+              <a:lumMod val="20000"/>
+              <a:lumOff val="80000"/>
+            </a:schemeClr>
+          </a:solidFill>
+          <a:ln>
+            <a:solidFill>
+              <a:srgbClr val="C2D6EC"/>
+            </a:solidFill>
+          </a:ln>
+        </p:spPr>
+        <p:style>
+          <a:lnRef idx="1">
+            <a:schemeClr val="accent1"/>
+          </a:lnRef>
+          <a:fillRef idx="2">
+            <a:schemeClr val="accent1"/>
+          </a:fillRef>
+          <a:effectRef idx="1">
+            <a:schemeClr val="accent1"/>
+          </a:effectRef>
+          <a:fontRef idx="minor">
+            <a:schemeClr val="dk1"/>
+          </a:fontRef>
+        </p:style>
+        <p:txBody>
+          <a:bodyPr rtlCol="0" anchor="ctr"/>
+          <a:lstStyle/>
+          <a:p>
+            <a:pPr algn="ctr"/>
+            <a:r>
+              <a:rPr lang="en-US" sz="1600">
+                <a:latin typeface="Calibri" panose="020F0502020204030204" pitchFamily="34" charset="0"/>
+                <a:cs typeface="Calibri" panose="020F0502020204030204" pitchFamily="34" charset="0"/>
+              </a:rPr>
+              <a:t>Configuration-as-Code</a:t>
+            </a:r>
+            <a:endParaRPr lang="en-US" sz="1600" dirty="0">
+              <a:latin typeface="Calibri" panose="020F0502020204030204" pitchFamily="34" charset="0"/>
+              <a:cs typeface="Calibri" panose="020F0502020204030204" pitchFamily="34" charset="0"/>
+            </a:endParaRPr>
+          </a:p>
+          <a:p>
+            <a:pPr algn="ctr"/>
+            <a:r>
+              <a:rPr lang="en-US" sz="1600" dirty="0">
+                <a:latin typeface="Calibri" panose="020F0502020204030204" pitchFamily="34" charset="0"/>
+                <a:cs typeface="Calibri" panose="020F0502020204030204" pitchFamily="34" charset="0"/>
+              </a:rPr>
+              <a:t>(Fleet)</a:t>
+            </a:r>
+          </a:p>
+        </p:txBody>
+      </p:sp>
+      <p:cxnSp>
+        <p:nvCxnSpPr>
+          <p:cNvPr id="21" name="Straight Arrow Connector 20">
+            <a:extLst>
+              <a:ext uri="{FF2B5EF4-FFF2-40B4-BE49-F238E27FC236}">
+                <a16:creationId xmlns:a16="http://schemas.microsoft.com/office/drawing/2014/main" id="{D562A118-6593-794E-A54C-FA618FF6047C}"/>
+              </a:ext>
+            </a:extLst>
+          </p:cNvPr>
+          <p:cNvCxnSpPr>
+            <a:cxnSpLocks/>
+            <a:stCxn id="14" idx="2"/>
+            <a:endCxn id="5" idx="0"/>
+          </p:cNvCxnSpPr>
+          <p:nvPr/>
+        </p:nvCxnSpPr>
+        <p:spPr>
+          <a:xfrm flipH="1">
+            <a:off x="2870394" y="1351128"/>
+            <a:ext cx="3468984" cy="900024"/>
+          </a:xfrm>
+          <a:prstGeom prst="straightConnector1">
+            <a:avLst/>
+          </a:prstGeom>
+          <a:ln w="19050">
+            <a:solidFill>
+              <a:srgbClr val="6A99D0"/>
+            </a:solidFill>
+            <a:prstDash val="solid"/>
+            <a:tailEnd type="triangle"/>
+          </a:ln>
+        </p:spPr>
+        <p:style>
+          <a:lnRef idx="1">
+            <a:schemeClr val="accent1"/>
+          </a:lnRef>
+          <a:fillRef idx="0">
+            <a:schemeClr val="accent1"/>
+          </a:fillRef>
+          <a:effectRef idx="0">
+            <a:schemeClr val="accent1"/>
+          </a:effectRef>
+          <a:fontRef idx="minor">
+            <a:schemeClr val="tx1"/>
+          </a:fontRef>
+        </p:style>
+      </p:cxnSp>
+      <p:cxnSp>
+        <p:nvCxnSpPr>
+          <p:cNvPr id="24" name="Straight Arrow Connector 23">
+            <a:extLst>
+              <a:ext uri="{FF2B5EF4-FFF2-40B4-BE49-F238E27FC236}">
+                <a16:creationId xmlns:a16="http://schemas.microsoft.com/office/drawing/2014/main" id="{6130D76F-925D-234F-AE0F-581EF0D2CDEA}"/>
+              </a:ext>
+            </a:extLst>
+          </p:cNvPr>
+          <p:cNvCxnSpPr>
+            <a:cxnSpLocks/>
+            <a:stCxn id="3" idx="2"/>
+            <a:endCxn id="12" idx="0"/>
+          </p:cNvCxnSpPr>
+          <p:nvPr/>
+        </p:nvCxnSpPr>
+        <p:spPr>
+          <a:xfrm>
+            <a:off x="2870394" y="1342398"/>
+            <a:ext cx="3468985" cy="906555"/>
+          </a:xfrm>
+          <a:prstGeom prst="straightConnector1">
+            <a:avLst/>
+          </a:prstGeom>
+          <a:ln w="19050">
+            <a:solidFill>
+              <a:srgbClr val="6A99D0"/>
+            </a:solidFill>
+            <a:tailEnd type="triangle"/>
+          </a:ln>
+        </p:spPr>
+        <p:style>
+          <a:lnRef idx="1">
+            <a:schemeClr val="accent1"/>
+          </a:lnRef>
+          <a:fillRef idx="0">
+            <a:schemeClr val="accent1"/>
+          </a:fillRef>
+          <a:effectRef idx="0">
+            <a:schemeClr val="accent1"/>
+          </a:effectRef>
+          <a:fontRef idx="minor">
+            <a:schemeClr val="tx1"/>
+          </a:fontRef>
+        </p:style>
+      </p:cxnSp>
+    </p:spTree>
+    <p:extLst>
+      <p:ext uri="{BB962C8B-B14F-4D97-AF65-F5344CB8AC3E}">
+        <p14:creationId xmlns:p14="http://schemas.microsoft.com/office/powerpoint/2010/main" val="957257128"/>
       </p:ext>
     </p:extLst>
   </p:cSld>

--- a/figures.pptx
+++ b/figures.pptx
@@ -24896,16 +24896,12 @@
           <a:p>
             <a:pPr algn="ctr"/>
             <a:r>
-              <a:rPr lang="en-US" sz="1600">
+              <a:rPr lang="en-US" sz="1600" dirty="0">
                 <a:latin typeface="Calibri" panose="020F0502020204030204" pitchFamily="34" charset="0"/>
                 <a:cs typeface="Calibri" panose="020F0502020204030204" pitchFamily="34" charset="0"/>
               </a:rPr>
               <a:t>Configuration-as-Code</a:t>
             </a:r>
-            <a:endParaRPr lang="en-US" sz="1600" dirty="0">
-              <a:latin typeface="Calibri" panose="020F0502020204030204" pitchFamily="34" charset="0"/>
-              <a:cs typeface="Calibri" panose="020F0502020204030204" pitchFamily="34" charset="0"/>
-            </a:endParaRPr>
           </a:p>
           <a:p>
             <a:pPr algn="ctr"/>
@@ -35915,7 +35911,7 @@
           <a:prstGeom prst="bentConnector5">
             <a:avLst>
               <a:gd name="adj1" fmla="val -4125"/>
-              <a:gd name="adj2" fmla="val 3011724"/>
+              <a:gd name="adj2" fmla="val 3999961"/>
               <a:gd name="adj3" fmla="val 104125"/>
             </a:avLst>
           </a:prstGeom>

--- a/figures.pptx
+++ b/figures.pptx
@@ -22686,8 +22686,8 @@
         </p:nvSpPr>
         <p:spPr>
           <a:xfrm>
-            <a:off x="1353235" y="847082"/>
-            <a:ext cx="831494" cy="755402"/>
+            <a:off x="1344705" y="847082"/>
+            <a:ext cx="840023" cy="755402"/>
           </a:xfrm>
           <a:prstGeom prst="can">
             <a:avLst>
@@ -22724,11 +22724,55 @@
           <a:p>
             <a:pPr algn="ctr">
               <a:lnSpc>
-                <a:spcPct val="90000"/>
+                <a:spcPct val="80000"/>
               </a:lnSpc>
             </a:pPr>
             <a:r>
-              <a:rPr lang="en-US" dirty="0" err="1">
+              <a:rPr lang="en-US" sz="1200" dirty="0">
+                <a:solidFill>
+                  <a:schemeClr val="bg1"/>
+                </a:solidFill>
+                <a:latin typeface="Calibri" panose="020F0502020204030204" pitchFamily="34" charset="0"/>
+                <a:cs typeface="Calibri" panose="020F0502020204030204" pitchFamily="34" charset="0"/>
+              </a:rPr>
+              <a:t>Inventory</a:t>
+            </a:r>
+          </a:p>
+          <a:p>
+            <a:pPr algn="ctr">
+              <a:lnSpc>
+                <a:spcPct val="80000"/>
+              </a:lnSpc>
+            </a:pPr>
+            <a:r>
+              <a:rPr lang="en-US" sz="1200" dirty="0">
+                <a:solidFill>
+                  <a:schemeClr val="bg1"/>
+                </a:solidFill>
+                <a:latin typeface="Calibri" panose="020F0502020204030204" pitchFamily="34" charset="0"/>
+                <a:cs typeface="Calibri" panose="020F0502020204030204" pitchFamily="34" charset="0"/>
+              </a:rPr>
+              <a:t>Repo</a:t>
+            </a:r>
+          </a:p>
+          <a:p>
+            <a:pPr algn="ctr">
+              <a:lnSpc>
+                <a:spcPct val="80000"/>
+              </a:lnSpc>
+            </a:pPr>
+            <a:r>
+              <a:rPr lang="en-US" sz="1200" dirty="0">
+                <a:solidFill>
+                  <a:schemeClr val="bg1"/>
+                </a:solidFill>
+                <a:latin typeface="Calibri" panose="020F0502020204030204" pitchFamily="34" charset="0"/>
+                <a:cs typeface="Calibri" panose="020F0502020204030204" pitchFamily="34" charset="0"/>
+              </a:rPr>
+              <a:t>(</a:t>
+            </a:r>
+            <a:r>
+              <a:rPr lang="en-US" sz="1200" dirty="0" err="1">
                 <a:solidFill>
                   <a:schemeClr val="bg1"/>
                 </a:solidFill>
@@ -22737,7 +22781,17 @@
               </a:rPr>
               <a:t>NetBox</a:t>
             </a:r>
-            <a:endParaRPr dirty="0">
+            <a:r>
+              <a:rPr lang="en-US" sz="1200" dirty="0">
+                <a:solidFill>
+                  <a:schemeClr val="bg1"/>
+                </a:solidFill>
+                <a:latin typeface="Calibri" panose="020F0502020204030204" pitchFamily="34" charset="0"/>
+                <a:cs typeface="Calibri" panose="020F0502020204030204" pitchFamily="34" charset="0"/>
+              </a:rPr>
+              <a:t>)</a:t>
+            </a:r>
+            <a:endParaRPr sz="1200" dirty="0">
               <a:solidFill>
                 <a:schemeClr val="bg1"/>
               </a:solidFill>
@@ -22830,8 +22884,8 @@
         </p:nvCxnSpPr>
         <p:spPr>
           <a:xfrm>
-            <a:off x="2184729" y="1224783"/>
-            <a:ext cx="886798" cy="6028"/>
+            <a:off x="2184728" y="1224783"/>
+            <a:ext cx="886799" cy="6028"/>
           </a:xfrm>
           <a:prstGeom prst="straightConnector1">
             <a:avLst/>

--- a/figures.pptx
+++ b/figures.pptx
@@ -318,7 +318,7 @@
       </p15:sldGuideLst>
     </p:ext>
     <p:ext uri="http://customooxmlschemas.google.com/">
-      <go:slidesCustomData xmlns:go="http://customooxmlschemas.google.com/" xmlns:p15="http://schemas.microsoft.com/office/powerpoint/2012/main" xmlns:p14="http://schemas.microsoft.com/office/powerpoint/2010/main" xmlns:com="http://schemas.openxmlformats.org/drawingml/2006/compatibility" xmlns:pvml="urn:schemas-microsoft-com:office:powerpoint" xmlns:v="urn:schemas-microsoft-com:vml" xmlns:o="urn:schemas-microsoft-com:office:office" xmlns:dgm="http://schemas.openxmlformats.org/drawingml/2006/diagram" xmlns:c="http://schemas.openxmlformats.org/drawingml/2006/chart" xmlns:mv="urn:schemas-microsoft-com:mac:vml" xmlns:mc="http://schemas.openxmlformats.org/markup-compatibility/2006" xmlns="" r:id="rId29" roundtripDataSignature="AMtx7mjYSJr9dBhpBi3R8tFsPF3I3gzuVA=="/>
+      <go:slidesCustomData xmlns="" xmlns:mc="http://schemas.openxmlformats.org/markup-compatibility/2006" xmlns:mv="urn:schemas-microsoft-com:mac:vml" xmlns:c="http://schemas.openxmlformats.org/drawingml/2006/chart" xmlns:dgm="http://schemas.openxmlformats.org/drawingml/2006/diagram" xmlns:o="urn:schemas-microsoft-com:office:office" xmlns:v="urn:schemas-microsoft-com:vml" xmlns:pvml="urn:schemas-microsoft-com:office:powerpoint" xmlns:com="http://schemas.openxmlformats.org/drawingml/2006/compatibility" xmlns:p14="http://schemas.microsoft.com/office/powerpoint/2010/main" xmlns:p15="http://schemas.microsoft.com/office/powerpoint/2012/main" xmlns:go="http://customooxmlschemas.google.com/" r:id="rId29" roundtripDataSignature="AMtx7mjYSJr9dBhpBi3R8tFsPF3I3gzuVA=="/>
     </p:ext>
   </p:extLst>
 </p:presentation>
@@ -3076,7 +3076,7 @@
           <a:p>
             <a:fld id="{BF4F8DC3-0006-B147-AA6D-FF436E850004}" type="datetimeFigureOut">
               <a:rPr lang="en-US" smtClean="0"/>
-              <a:t>9/10/21</a:t>
+              <a:t>10/12/21</a:t>
             </a:fld>
             <a:endParaRPr lang="en-US"/>
           </a:p>
@@ -14441,7 +14441,7 @@
                     <a:schemeClr val="bg1"/>
                   </a:solidFill>
                 </a:rPr>
-                <a:t>Control API with RBAC</a:t>
+                <a:t>Runtime Control API with RBAC</a:t>
               </a:r>
             </a:p>
           </p:txBody>
@@ -14585,10 +14585,9 @@
           <a:p>
             <a:pPr algn="ctr"/>
             <a:r>
-              <a:rPr lang="en-US" dirty="0" err="1"/>
-              <a:t>onos-config</a:t>
+              <a:rPr lang="en-US" dirty="0"/>
+              <a:t>x-config</a:t>
             </a:r>
-            <a:endParaRPr lang="en-US" dirty="0"/>
           </a:p>
           <a:p>
             <a:pPr algn="ctr"/>
@@ -16410,7 +16409,7 @@
                     <a:schemeClr val="bg1"/>
                   </a:solidFill>
                 </a:rPr>
-                <a:t>Control API with RBAC</a:t>
+                <a:t>Runtime Control API with RBAC</a:t>
               </a:r>
             </a:p>
           </p:txBody>
@@ -17365,20 +17364,12 @@
           <a:p>
             <a:pPr algn="ctr"/>
             <a:r>
-              <a:rPr lang="en-US" dirty="0" err="1">
-                <a:solidFill>
-                  <a:schemeClr val="bg1"/>
-                </a:solidFill>
-              </a:rPr>
-              <a:t>Aether</a:t>
-            </a:r>
-            <a:r>
               <a:rPr lang="en-US" dirty="0">
                 <a:solidFill>
                   <a:schemeClr val="bg1"/>
                 </a:solidFill>
               </a:rPr>
-              <a:t> API with RBAC</a:t>
+              <a:t>Runtime Control API with RBAC</a:t>
             </a:r>
           </a:p>
         </p:txBody>
@@ -17758,9 +17749,7 @@
           </a:solidFill>
           <a:ln w="12700" cap="flat" cmpd="sng" algn="ctr">
             <a:solidFill>
-              <a:schemeClr val="bg1">
-                <a:lumMod val="65000"/>
-              </a:schemeClr>
+              <a:srgbClr val="0070C0"/>
             </a:solidFill>
             <a:prstDash val="solid"/>
             <a:miter lim="800000"/>
@@ -17793,8 +17782,36 @@
                 <a:cs typeface="Calibri" charset="0"/>
                 <a:sym typeface="Arial"/>
               </a:rPr>
-              <a:t>…</a:t>
+              <a:t>Lifecycle</a:t>
             </a:r>
+          </a:p>
+          <a:p>
+            <a:pPr algn="ctr" defTabSz="914354">
+              <a:lnSpc>
+                <a:spcPct val="80000"/>
+              </a:lnSpc>
+              <a:defRPr/>
+            </a:pPr>
+            <a:r>
+              <a:rPr lang="en-US" sz="1200" dirty="0">
+                <a:solidFill>
+                  <a:schemeClr val="bg2"/>
+                </a:solidFill>
+                <a:latin typeface="Calibri" charset="0"/>
+                <a:ea typeface="Calibri" charset="0"/>
+                <a:cs typeface="Calibri" charset="0"/>
+              </a:rPr>
+              <a:t>Mgmt</a:t>
+            </a:r>
+            <a:endParaRPr lang="en-US" sz="1200" kern="0" dirty="0">
+              <a:solidFill>
+                <a:schemeClr val="bg2"/>
+              </a:solidFill>
+              <a:latin typeface="Calibri" charset="0"/>
+              <a:ea typeface="Calibri" charset="0"/>
+              <a:cs typeface="Calibri" charset="0"/>
+              <a:sym typeface="Arial"/>
+            </a:endParaRPr>
           </a:p>
         </p:txBody>
       </p:sp>

--- a/figures.pptx
+++ b/figures.pptx
@@ -5,7 +5,7 @@
     <p:sldMasterId id="2147483648" r:id="rId1"/>
   </p:sldMasterIdLst>
   <p:notesMasterIdLst>
-    <p:notesMasterId r:id="rId24"/>
+    <p:notesMasterId r:id="rId25"/>
   </p:notesMasterIdLst>
   <p:sldIdLst>
     <p:sldId id="311" r:id="rId2"/>
@@ -30,6 +30,7 @@
     <p:sldId id="347" r:id="rId21"/>
     <p:sldId id="348" r:id="rId22"/>
     <p:sldId id="349" r:id="rId23"/>
+    <p:sldId id="350" r:id="rId24"/>
   </p:sldIdLst>
   <p:sldSz cx="9144000" cy="5143500" type="screen16x9"/>
   <p:notesSz cx="6858000" cy="9144000"/>
@@ -25083,6 +25084,655 @@
     <p:extLst>
       <p:ext uri="{BB962C8B-B14F-4D97-AF65-F5344CB8AC3E}">
         <p14:creationId xmlns:p14="http://schemas.microsoft.com/office/powerpoint/2010/main" val="957257128"/>
+      </p:ext>
+    </p:extLst>
+  </p:cSld>
+  <p:clrMapOvr>
+    <a:masterClrMapping/>
+  </p:clrMapOvr>
+</p:sld>
+</file>
+
+<file path=ppt/slides/slide23.xml><?xml version="1.0" encoding="utf-8"?>
+<p:sld xmlns:a="http://schemas.openxmlformats.org/drawingml/2006/main" xmlns:r="http://schemas.openxmlformats.org/officeDocument/2006/relationships" xmlns:p="http://schemas.openxmlformats.org/presentationml/2006/main">
+  <p:cSld>
+    <p:spTree>
+      <p:nvGrpSpPr>
+        <p:cNvPr id="1" name=""/>
+        <p:cNvGrpSpPr/>
+        <p:nvPr/>
+      </p:nvGrpSpPr>
+      <p:grpSpPr>
+        <a:xfrm>
+          <a:off x="0" y="0"/>
+          <a:ext cx="0" cy="0"/>
+          <a:chOff x="0" y="0"/>
+          <a:chExt cx="0" cy="0"/>
+        </a:xfrm>
+      </p:grpSpPr>
+      <p:sp>
+        <p:nvSpPr>
+          <p:cNvPr id="3" name="Google Shape;605;p62">
+            <a:extLst>
+              <a:ext uri="{FF2B5EF4-FFF2-40B4-BE49-F238E27FC236}">
+                <a16:creationId xmlns:a16="http://schemas.microsoft.com/office/drawing/2014/main" id="{536EE0CB-DCFD-8049-9D20-ED314C94C18A}"/>
+              </a:ext>
+            </a:extLst>
+          </p:cNvPr>
+          <p:cNvSpPr/>
+          <p:nvPr/>
+        </p:nvSpPr>
+        <p:spPr>
+          <a:xfrm>
+            <a:off x="1918447" y="1034075"/>
+            <a:ext cx="1132141" cy="794100"/>
+          </a:xfrm>
+          <a:prstGeom prst="roundRect">
+            <a:avLst>
+              <a:gd name="adj" fmla="val 16667"/>
+            </a:avLst>
+          </a:prstGeom>
+          <a:solidFill>
+            <a:srgbClr val="D9D9D9"/>
+          </a:solidFill>
+          <a:ln>
+            <a:noFill/>
+          </a:ln>
+        </p:spPr>
+        <p:txBody>
+          <a:bodyPr spcFirstLastPara="1" wrap="square" lIns="91425" tIns="91425" rIns="91425" bIns="91425" anchor="b" anchorCtr="0">
+            <a:noAutofit/>
+          </a:bodyPr>
+          <a:lstStyle/>
+          <a:p>
+            <a:pPr marL="0" lvl="0" indent="0" algn="l" rtl="0">
+              <a:spcBef>
+                <a:spcPts val="0"/>
+              </a:spcBef>
+              <a:spcAft>
+                <a:spcPts val="0"/>
+              </a:spcAft>
+              <a:buNone/>
+            </a:pPr>
+            <a:r>
+              <a:rPr lang="en" sz="1200" dirty="0">
+                <a:latin typeface="Open Sans"/>
+                <a:ea typeface="Open Sans"/>
+                <a:cs typeface="Open Sans"/>
+                <a:sym typeface="Open Sans"/>
+              </a:rPr>
+              <a:t>Worker</a:t>
+            </a:r>
+          </a:p>
+          <a:p>
+            <a:pPr marL="0" lvl="0" indent="0" algn="l" rtl="0">
+              <a:spcBef>
+                <a:spcPts val="0"/>
+              </a:spcBef>
+              <a:spcAft>
+                <a:spcPts val="0"/>
+              </a:spcAft>
+              <a:buNone/>
+            </a:pPr>
+            <a:r>
+              <a:rPr lang="en" sz="1200" dirty="0">
+                <a:latin typeface="Open Sans"/>
+                <a:ea typeface="Open Sans"/>
+                <a:cs typeface="Open Sans"/>
+                <a:sym typeface="Open Sans"/>
+              </a:rPr>
+              <a:t>(SD-Fabric)</a:t>
+            </a:r>
+            <a:endParaRPr sz="1200" dirty="0">
+              <a:latin typeface="Open Sans"/>
+              <a:ea typeface="Open Sans"/>
+              <a:cs typeface="Open Sans"/>
+              <a:sym typeface="Open Sans"/>
+            </a:endParaRPr>
+          </a:p>
+        </p:txBody>
+      </p:sp>
+      <p:pic>
+        <p:nvPicPr>
+          <p:cNvPr id="4" name="Google Shape;606;p62">
+            <a:extLst>
+              <a:ext uri="{FF2B5EF4-FFF2-40B4-BE49-F238E27FC236}">
+                <a16:creationId xmlns:a16="http://schemas.microsoft.com/office/drawing/2014/main" id="{CE50D64E-8823-D34F-B931-BEDDBE804B81}"/>
+              </a:ext>
+            </a:extLst>
+          </p:cNvPr>
+          <p:cNvPicPr preferRelativeResize="0"/>
+          <p:nvPr/>
+        </p:nvPicPr>
+        <p:blipFill>
+          <a:blip r:embed="rId2">
+            <a:alphaModFix/>
+          </a:blip>
+          <a:stretch>
+            <a:fillRect/>
+          </a:stretch>
+        </p:blipFill>
+        <p:spPr>
+          <a:xfrm>
+            <a:off x="2758563" y="858100"/>
+            <a:ext cx="621400" cy="452825"/>
+          </a:xfrm>
+          <a:prstGeom prst="rect">
+            <a:avLst/>
+          </a:prstGeom>
+          <a:noFill/>
+          <a:ln>
+            <a:noFill/>
+          </a:ln>
+        </p:spPr>
+      </p:pic>
+      <p:sp>
+        <p:nvSpPr>
+          <p:cNvPr id="5" name="Google Shape;607;p62">
+            <a:extLst>
+              <a:ext uri="{FF2B5EF4-FFF2-40B4-BE49-F238E27FC236}">
+                <a16:creationId xmlns:a16="http://schemas.microsoft.com/office/drawing/2014/main" id="{B41A6CDE-F804-7240-A211-73FA0826DCB1}"/>
+              </a:ext>
+            </a:extLst>
+          </p:cNvPr>
+          <p:cNvSpPr/>
+          <p:nvPr/>
+        </p:nvSpPr>
+        <p:spPr>
+          <a:xfrm>
+            <a:off x="1918447" y="2126300"/>
+            <a:ext cx="1132141" cy="794100"/>
+          </a:xfrm>
+          <a:prstGeom prst="roundRect">
+            <a:avLst>
+              <a:gd name="adj" fmla="val 16667"/>
+            </a:avLst>
+          </a:prstGeom>
+          <a:solidFill>
+            <a:srgbClr val="D9D9D9"/>
+          </a:solidFill>
+          <a:ln>
+            <a:noFill/>
+          </a:ln>
+        </p:spPr>
+        <p:txBody>
+          <a:bodyPr spcFirstLastPara="1" wrap="square" lIns="91425" tIns="91425" rIns="91425" bIns="91425" anchor="b" anchorCtr="0">
+            <a:noAutofit/>
+          </a:bodyPr>
+          <a:lstStyle/>
+          <a:p>
+            <a:pPr marL="0" lvl="0" indent="0" algn="l" rtl="0">
+              <a:spcBef>
+                <a:spcPts val="0"/>
+              </a:spcBef>
+              <a:spcAft>
+                <a:spcPts val="0"/>
+              </a:spcAft>
+              <a:buNone/>
+            </a:pPr>
+            <a:r>
+              <a:rPr lang="en" sz="1200" dirty="0">
+                <a:latin typeface="Open Sans"/>
+                <a:ea typeface="Open Sans"/>
+                <a:cs typeface="Open Sans"/>
+                <a:sym typeface="Open Sans"/>
+              </a:rPr>
+              <a:t>Worker</a:t>
+            </a:r>
+          </a:p>
+          <a:p>
+            <a:pPr marL="0" lvl="0" indent="0" algn="l" rtl="0">
+              <a:spcBef>
+                <a:spcPts val="0"/>
+              </a:spcBef>
+              <a:spcAft>
+                <a:spcPts val="0"/>
+              </a:spcAft>
+              <a:buNone/>
+            </a:pPr>
+            <a:r>
+              <a:rPr lang="en" sz="1200" dirty="0">
+                <a:latin typeface="Open Sans"/>
+                <a:ea typeface="Open Sans"/>
+                <a:cs typeface="Open Sans"/>
+                <a:sym typeface="Open Sans"/>
+              </a:rPr>
+              <a:t>(SD-RAN)</a:t>
+            </a:r>
+            <a:endParaRPr sz="1200" dirty="0">
+              <a:latin typeface="Open Sans"/>
+              <a:ea typeface="Open Sans"/>
+              <a:cs typeface="Open Sans"/>
+              <a:sym typeface="Open Sans"/>
+            </a:endParaRPr>
+          </a:p>
+        </p:txBody>
+      </p:sp>
+      <p:pic>
+        <p:nvPicPr>
+          <p:cNvPr id="6" name="Google Shape;608;p62">
+            <a:extLst>
+              <a:ext uri="{FF2B5EF4-FFF2-40B4-BE49-F238E27FC236}">
+                <a16:creationId xmlns:a16="http://schemas.microsoft.com/office/drawing/2014/main" id="{23F75398-455A-F848-A0FC-ABCF143EE29C}"/>
+              </a:ext>
+            </a:extLst>
+          </p:cNvPr>
+          <p:cNvPicPr preferRelativeResize="0"/>
+          <p:nvPr/>
+        </p:nvPicPr>
+        <p:blipFill>
+          <a:blip r:embed="rId2">
+            <a:alphaModFix/>
+          </a:blip>
+          <a:stretch>
+            <a:fillRect/>
+          </a:stretch>
+        </p:blipFill>
+        <p:spPr>
+          <a:xfrm>
+            <a:off x="2758563" y="1950325"/>
+            <a:ext cx="621400" cy="452825"/>
+          </a:xfrm>
+          <a:prstGeom prst="rect">
+            <a:avLst/>
+          </a:prstGeom>
+          <a:noFill/>
+          <a:ln>
+            <a:noFill/>
+          </a:ln>
+        </p:spPr>
+      </p:pic>
+      <p:sp>
+        <p:nvSpPr>
+          <p:cNvPr id="7" name="Google Shape;609;p62">
+            <a:extLst>
+              <a:ext uri="{FF2B5EF4-FFF2-40B4-BE49-F238E27FC236}">
+                <a16:creationId xmlns:a16="http://schemas.microsoft.com/office/drawing/2014/main" id="{B7A9B65D-7639-3C48-B15F-8B64606E005B}"/>
+              </a:ext>
+            </a:extLst>
+          </p:cNvPr>
+          <p:cNvSpPr/>
+          <p:nvPr/>
+        </p:nvSpPr>
+        <p:spPr>
+          <a:xfrm>
+            <a:off x="1918447" y="3218525"/>
+            <a:ext cx="1132141" cy="794100"/>
+          </a:xfrm>
+          <a:prstGeom prst="roundRect">
+            <a:avLst>
+              <a:gd name="adj" fmla="val 16667"/>
+            </a:avLst>
+          </a:prstGeom>
+          <a:solidFill>
+            <a:srgbClr val="D9D9D9"/>
+          </a:solidFill>
+          <a:ln>
+            <a:noFill/>
+          </a:ln>
+        </p:spPr>
+        <p:txBody>
+          <a:bodyPr spcFirstLastPara="1" wrap="square" lIns="91425" tIns="91425" rIns="91425" bIns="91425" anchor="b" anchorCtr="0">
+            <a:noAutofit/>
+          </a:bodyPr>
+          <a:lstStyle/>
+          <a:p>
+            <a:pPr marL="0" lvl="0" indent="0" algn="l" rtl="0">
+              <a:spcBef>
+                <a:spcPts val="0"/>
+              </a:spcBef>
+              <a:spcAft>
+                <a:spcPts val="0"/>
+              </a:spcAft>
+              <a:buNone/>
+            </a:pPr>
+            <a:r>
+              <a:rPr lang="en" sz="1200" dirty="0">
+                <a:latin typeface="Open Sans"/>
+                <a:ea typeface="Open Sans"/>
+                <a:cs typeface="Open Sans"/>
+                <a:sym typeface="Open Sans"/>
+              </a:rPr>
+              <a:t>Worker</a:t>
+            </a:r>
+          </a:p>
+          <a:p>
+            <a:pPr marL="0" lvl="0" indent="0" algn="l" rtl="0">
+              <a:spcBef>
+                <a:spcPts val="0"/>
+              </a:spcBef>
+              <a:spcAft>
+                <a:spcPts val="0"/>
+              </a:spcAft>
+              <a:buNone/>
+            </a:pPr>
+            <a:r>
+              <a:rPr lang="en" sz="1200" dirty="0">
+                <a:latin typeface="Open Sans"/>
+                <a:ea typeface="Open Sans"/>
+                <a:cs typeface="Open Sans"/>
+                <a:sym typeface="Open Sans"/>
+              </a:rPr>
+              <a:t>(SD-Core)</a:t>
+            </a:r>
+            <a:endParaRPr sz="1200" dirty="0">
+              <a:latin typeface="Open Sans"/>
+              <a:ea typeface="Open Sans"/>
+              <a:cs typeface="Open Sans"/>
+              <a:sym typeface="Open Sans"/>
+            </a:endParaRPr>
+          </a:p>
+        </p:txBody>
+      </p:sp>
+      <p:pic>
+        <p:nvPicPr>
+          <p:cNvPr id="8" name="Google Shape;610;p62">
+            <a:extLst>
+              <a:ext uri="{FF2B5EF4-FFF2-40B4-BE49-F238E27FC236}">
+                <a16:creationId xmlns:a16="http://schemas.microsoft.com/office/drawing/2014/main" id="{990982DC-5EAE-0D4D-8AE4-DB21241BA221}"/>
+              </a:ext>
+            </a:extLst>
+          </p:cNvPr>
+          <p:cNvPicPr preferRelativeResize="0"/>
+          <p:nvPr/>
+        </p:nvPicPr>
+        <p:blipFill>
+          <a:blip r:embed="rId2">
+            <a:alphaModFix/>
+          </a:blip>
+          <a:stretch>
+            <a:fillRect/>
+          </a:stretch>
+        </p:blipFill>
+        <p:spPr>
+          <a:xfrm>
+            <a:off x="2758563" y="3042550"/>
+            <a:ext cx="621400" cy="452825"/>
+          </a:xfrm>
+          <a:prstGeom prst="rect">
+            <a:avLst/>
+          </a:prstGeom>
+          <a:noFill/>
+          <a:ln>
+            <a:noFill/>
+          </a:ln>
+        </p:spPr>
+      </p:pic>
+      <p:pic>
+        <p:nvPicPr>
+          <p:cNvPr id="9" name="Google Shape;611;p62">
+            <a:extLst>
+              <a:ext uri="{FF2B5EF4-FFF2-40B4-BE49-F238E27FC236}">
+                <a16:creationId xmlns:a16="http://schemas.microsoft.com/office/drawing/2014/main" id="{521C4825-0E9D-B74F-986C-9EA370FC7FF6}"/>
+              </a:ext>
+            </a:extLst>
+          </p:cNvPr>
+          <p:cNvPicPr preferRelativeResize="0"/>
+          <p:nvPr/>
+        </p:nvPicPr>
+        <p:blipFill>
+          <a:blip r:embed="rId3">
+            <a:alphaModFix/>
+          </a:blip>
+          <a:stretch>
+            <a:fillRect/>
+          </a:stretch>
+        </p:blipFill>
+        <p:spPr>
+          <a:xfrm>
+            <a:off x="3911213" y="2126297"/>
+            <a:ext cx="794100" cy="794100"/>
+          </a:xfrm>
+          <a:prstGeom prst="rect">
+            <a:avLst/>
+          </a:prstGeom>
+          <a:noFill/>
+          <a:ln>
+            <a:noFill/>
+          </a:ln>
+        </p:spPr>
+      </p:pic>
+      <p:pic>
+        <p:nvPicPr>
+          <p:cNvPr id="10" name="Google Shape;612;p62">
+            <a:extLst>
+              <a:ext uri="{FF2B5EF4-FFF2-40B4-BE49-F238E27FC236}">
+                <a16:creationId xmlns:a16="http://schemas.microsoft.com/office/drawing/2014/main" id="{A1E2890A-C21A-5C4C-B02C-6199E5DB0C9D}"/>
+              </a:ext>
+            </a:extLst>
+          </p:cNvPr>
+          <p:cNvPicPr preferRelativeResize="0"/>
+          <p:nvPr/>
+        </p:nvPicPr>
+        <p:blipFill>
+          <a:blip r:embed="rId4">
+            <a:alphaModFix/>
+          </a:blip>
+          <a:stretch>
+            <a:fillRect/>
+          </a:stretch>
+        </p:blipFill>
+        <p:spPr>
+          <a:xfrm>
+            <a:off x="4821575" y="2139188"/>
+            <a:ext cx="1476302" cy="768323"/>
+          </a:xfrm>
+          <a:prstGeom prst="rect">
+            <a:avLst/>
+          </a:prstGeom>
+          <a:noFill/>
+          <a:ln>
+            <a:noFill/>
+          </a:ln>
+        </p:spPr>
+      </p:pic>
+      <p:pic>
+        <p:nvPicPr>
+          <p:cNvPr id="11" name="Google Shape;613;p62">
+            <a:extLst>
+              <a:ext uri="{FF2B5EF4-FFF2-40B4-BE49-F238E27FC236}">
+                <a16:creationId xmlns:a16="http://schemas.microsoft.com/office/drawing/2014/main" id="{CCC1E209-D307-B144-A3BD-01AD2E3D596D}"/>
+              </a:ext>
+            </a:extLst>
+          </p:cNvPr>
+          <p:cNvPicPr preferRelativeResize="0"/>
+          <p:nvPr/>
+        </p:nvPicPr>
+        <p:blipFill>
+          <a:blip r:embed="rId5">
+            <a:alphaModFix/>
+          </a:blip>
+          <a:stretch>
+            <a:fillRect/>
+          </a:stretch>
+        </p:blipFill>
+        <p:spPr>
+          <a:xfrm>
+            <a:off x="6370413" y="2160087"/>
+            <a:ext cx="794098" cy="726524"/>
+          </a:xfrm>
+          <a:prstGeom prst="rect">
+            <a:avLst/>
+          </a:prstGeom>
+          <a:noFill/>
+          <a:ln>
+            <a:noFill/>
+          </a:ln>
+        </p:spPr>
+      </p:pic>
+      <p:cxnSp>
+        <p:nvCxnSpPr>
+          <p:cNvPr id="12" name="Google Shape;614;p62">
+            <a:extLst>
+              <a:ext uri="{FF2B5EF4-FFF2-40B4-BE49-F238E27FC236}">
+                <a16:creationId xmlns:a16="http://schemas.microsoft.com/office/drawing/2014/main" id="{95C76043-290B-BC4F-9A7F-5165D5717B40}"/>
+              </a:ext>
+            </a:extLst>
+          </p:cNvPr>
+          <p:cNvCxnSpPr>
+            <a:stCxn id="4" idx="3"/>
+          </p:cNvCxnSpPr>
+          <p:nvPr/>
+        </p:nvCxnSpPr>
+        <p:spPr>
+          <a:xfrm>
+            <a:off x="3379963" y="1084512"/>
+            <a:ext cx="508500" cy="1129800"/>
+          </a:xfrm>
+          <a:prstGeom prst="straightConnector1">
+            <a:avLst/>
+          </a:prstGeom>
+          <a:noFill/>
+          <a:ln w="19050" cap="flat" cmpd="sng">
+            <a:solidFill>
+              <a:srgbClr val="666666"/>
+            </a:solidFill>
+            <a:prstDash val="solid"/>
+            <a:round/>
+            <a:headEnd type="none" w="med" len="med"/>
+            <a:tailEnd type="stealth" w="med" len="med"/>
+          </a:ln>
+        </p:spPr>
+      </p:cxnSp>
+      <p:cxnSp>
+        <p:nvCxnSpPr>
+          <p:cNvPr id="13" name="Google Shape;615;p62">
+            <a:extLst>
+              <a:ext uri="{FF2B5EF4-FFF2-40B4-BE49-F238E27FC236}">
+                <a16:creationId xmlns:a16="http://schemas.microsoft.com/office/drawing/2014/main" id="{471B413F-F32F-BA4C-80C7-C135F57C0438}"/>
+              </a:ext>
+            </a:extLst>
+          </p:cNvPr>
+          <p:cNvCxnSpPr>
+            <a:stCxn id="6" idx="3"/>
+            <a:endCxn id="9" idx="1"/>
+          </p:cNvCxnSpPr>
+          <p:nvPr/>
+        </p:nvCxnSpPr>
+        <p:spPr>
+          <a:xfrm>
+            <a:off x="3379963" y="2176737"/>
+            <a:ext cx="531300" cy="346500"/>
+          </a:xfrm>
+          <a:prstGeom prst="straightConnector1">
+            <a:avLst/>
+          </a:prstGeom>
+          <a:noFill/>
+          <a:ln w="19050" cap="flat" cmpd="sng">
+            <a:solidFill>
+              <a:srgbClr val="666666"/>
+            </a:solidFill>
+            <a:prstDash val="solid"/>
+            <a:round/>
+            <a:headEnd type="none" w="med" len="med"/>
+            <a:tailEnd type="stealth" w="med" len="med"/>
+          </a:ln>
+        </p:spPr>
+      </p:cxnSp>
+      <p:cxnSp>
+        <p:nvCxnSpPr>
+          <p:cNvPr id="14" name="Google Shape;616;p62">
+            <a:extLst>
+              <a:ext uri="{FF2B5EF4-FFF2-40B4-BE49-F238E27FC236}">
+                <a16:creationId xmlns:a16="http://schemas.microsoft.com/office/drawing/2014/main" id="{71725605-5B89-964D-BE98-28DCF11C4720}"/>
+              </a:ext>
+            </a:extLst>
+          </p:cNvPr>
+          <p:cNvCxnSpPr>
+            <a:stCxn id="8" idx="3"/>
+          </p:cNvCxnSpPr>
+          <p:nvPr/>
+        </p:nvCxnSpPr>
+        <p:spPr>
+          <a:xfrm rot="10800000" flipH="1">
+            <a:off x="3379963" y="2760762"/>
+            <a:ext cx="537600" cy="508200"/>
+          </a:xfrm>
+          <a:prstGeom prst="straightConnector1">
+            <a:avLst/>
+          </a:prstGeom>
+          <a:noFill/>
+          <a:ln w="19050" cap="flat" cmpd="sng">
+            <a:solidFill>
+              <a:srgbClr val="666666"/>
+            </a:solidFill>
+            <a:prstDash val="solid"/>
+            <a:round/>
+            <a:headEnd type="none" w="med" len="med"/>
+            <a:tailEnd type="stealth" w="med" len="med"/>
+          </a:ln>
+        </p:spPr>
+      </p:cxnSp>
+      <p:cxnSp>
+        <p:nvCxnSpPr>
+          <p:cNvPr id="15" name="Google Shape;617;p62">
+            <a:extLst>
+              <a:ext uri="{FF2B5EF4-FFF2-40B4-BE49-F238E27FC236}">
+                <a16:creationId xmlns:a16="http://schemas.microsoft.com/office/drawing/2014/main" id="{78B78BB1-071C-F84F-BD75-676175AD6225}"/>
+              </a:ext>
+            </a:extLst>
+          </p:cNvPr>
+          <p:cNvCxnSpPr>
+            <a:stCxn id="9" idx="3"/>
+          </p:cNvCxnSpPr>
+          <p:nvPr/>
+        </p:nvCxnSpPr>
+        <p:spPr>
+          <a:xfrm>
+            <a:off x="4705313" y="2523347"/>
+            <a:ext cx="312300" cy="0"/>
+          </a:xfrm>
+          <a:prstGeom prst="straightConnector1">
+            <a:avLst/>
+          </a:prstGeom>
+          <a:noFill/>
+          <a:ln w="19050" cap="flat" cmpd="sng">
+            <a:solidFill>
+              <a:srgbClr val="666666"/>
+            </a:solidFill>
+            <a:prstDash val="solid"/>
+            <a:round/>
+            <a:headEnd type="none" w="med" len="med"/>
+            <a:tailEnd type="stealth" w="med" len="med"/>
+          </a:ln>
+        </p:spPr>
+      </p:cxnSp>
+      <p:cxnSp>
+        <p:nvCxnSpPr>
+          <p:cNvPr id="16" name="Google Shape;618;p62">
+            <a:extLst>
+              <a:ext uri="{FF2B5EF4-FFF2-40B4-BE49-F238E27FC236}">
+                <a16:creationId xmlns:a16="http://schemas.microsoft.com/office/drawing/2014/main" id="{41DD5904-F770-0344-816F-126B18F94EE8}"/>
+              </a:ext>
+            </a:extLst>
+          </p:cNvPr>
+          <p:cNvCxnSpPr/>
+          <p:nvPr/>
+        </p:nvCxnSpPr>
+        <p:spPr>
+          <a:xfrm>
+            <a:off x="6110788" y="2523347"/>
+            <a:ext cx="312300" cy="0"/>
+          </a:xfrm>
+          <a:prstGeom prst="straightConnector1">
+            <a:avLst/>
+          </a:prstGeom>
+          <a:noFill/>
+          <a:ln w="19050" cap="flat" cmpd="sng">
+            <a:solidFill>
+              <a:srgbClr val="666666"/>
+            </a:solidFill>
+            <a:prstDash val="solid"/>
+            <a:round/>
+            <a:headEnd type="none" w="med" len="med"/>
+            <a:tailEnd type="stealth" w="med" len="med"/>
+          </a:ln>
+        </p:spPr>
+      </p:cxnSp>
+    </p:spTree>
+    <p:extLst>
+      <p:ext uri="{BB962C8B-B14F-4D97-AF65-F5344CB8AC3E}">
+        <p14:creationId xmlns:p14="http://schemas.microsoft.com/office/powerpoint/2010/main" val="3882687863"/>
       </p:ext>
     </p:extLst>
   </p:cSld>

--- a/figures.pptx
+++ b/figures.pptx
@@ -18799,6 +18799,10 @@
             <a:lstStyle/>
             <a:p>
               <a:pPr algn="ctr"/>
+              <a:endParaRPr lang="en-US" dirty="0"/>
+            </a:p>
+            <a:p>
+              <a:pPr algn="ctr"/>
               <a:r>
                 <a:rPr lang="en-US" dirty="0"/>
                 <a:t>Logical Structure</a:t>
@@ -19007,7 +19011,7 @@
             <a:solidFill>
               <a:srgbClr val="6A99D0"/>
             </a:solidFill>
-            <a:prstDash val="sysDot"/>
+            <a:prstDash val="solid"/>
             <a:tailEnd type="triangle"/>
           </a:ln>
         </p:spPr>
@@ -19089,6 +19093,65 @@
                 <a:cs typeface="Calibri" panose="020F0502020204030204" pitchFamily="34" charset="0"/>
               </a:rPr>
               <a:t>(Terraform)</a:t>
+            </a:r>
+          </a:p>
+        </p:txBody>
+      </p:sp>
+      <p:sp>
+        <p:nvSpPr>
+          <p:cNvPr id="10" name="Rounded Rectangle 9">
+            <a:extLst>
+              <a:ext uri="{FF2B5EF4-FFF2-40B4-BE49-F238E27FC236}">
+                <a16:creationId xmlns:a16="http://schemas.microsoft.com/office/drawing/2014/main" id="{1A708482-8C10-A942-B6E4-851F611D8E21}"/>
+              </a:ext>
+            </a:extLst>
+          </p:cNvPr>
+          <p:cNvSpPr/>
+          <p:nvPr/>
+        </p:nvSpPr>
+        <p:spPr>
+          <a:xfrm>
+            <a:off x="4717819" y="2255093"/>
+            <a:ext cx="2718614" cy="320597"/>
+          </a:xfrm>
+          <a:prstGeom prst="roundRect">
+            <a:avLst/>
+          </a:prstGeom>
+          <a:ln w="19050">
+            <a:solidFill>
+              <a:schemeClr val="bg1"/>
+            </a:solidFill>
+            <a:prstDash val="sysDash"/>
+          </a:ln>
+        </p:spPr>
+        <p:style>
+          <a:lnRef idx="3">
+            <a:schemeClr val="lt1"/>
+          </a:lnRef>
+          <a:fillRef idx="1">
+            <a:schemeClr val="accent1"/>
+          </a:fillRef>
+          <a:effectRef idx="1">
+            <a:schemeClr val="accent1"/>
+          </a:effectRef>
+          <a:fontRef idx="minor">
+            <a:schemeClr val="lt1"/>
+          </a:fontRef>
+        </p:style>
+        <p:txBody>
+          <a:bodyPr rtlCol="0" anchor="ctr"/>
+          <a:lstStyle/>
+          <a:p>
+            <a:pPr algn="ctr"/>
+            <a:r>
+              <a:rPr lang="en-US" sz="1200" dirty="0">
+                <a:solidFill>
+                  <a:schemeClr val="bg1"/>
+                </a:solidFill>
+                <a:latin typeface="Calibri" panose="020F0502020204030204" pitchFamily="34" charset="0"/>
+                <a:cs typeface="Calibri" panose="020F0502020204030204" pitchFamily="34" charset="0"/>
+              </a:rPr>
+              <a:t>Provisioning API</a:t>
             </a:r>
           </a:p>
         </p:txBody>

--- a/figures.pptx
+++ b/figures.pptx
@@ -25173,12 +25173,290 @@
           <a:chExt cx="0" cy="0"/>
         </a:xfrm>
       </p:grpSpPr>
+      <p:pic>
+        <p:nvPicPr>
+          <p:cNvPr id="9" name="Google Shape;611;p62">
+            <a:extLst>
+              <a:ext uri="{FF2B5EF4-FFF2-40B4-BE49-F238E27FC236}">
+                <a16:creationId xmlns:a16="http://schemas.microsoft.com/office/drawing/2014/main" id="{521C4825-0E9D-B74F-986C-9EA370FC7FF6}"/>
+              </a:ext>
+            </a:extLst>
+          </p:cNvPr>
+          <p:cNvPicPr preferRelativeResize="0"/>
+          <p:nvPr/>
+        </p:nvPicPr>
+        <p:blipFill>
+          <a:blip r:embed="rId2">
+            <a:alphaModFix/>
+          </a:blip>
+          <a:stretch>
+            <a:fillRect/>
+          </a:stretch>
+        </p:blipFill>
+        <p:spPr>
+          <a:xfrm>
+            <a:off x="3911213" y="2126297"/>
+            <a:ext cx="794100" cy="794100"/>
+          </a:xfrm>
+          <a:prstGeom prst="rect">
+            <a:avLst/>
+          </a:prstGeom>
+          <a:noFill/>
+          <a:ln>
+            <a:noFill/>
+          </a:ln>
+        </p:spPr>
+      </p:pic>
+      <p:pic>
+        <p:nvPicPr>
+          <p:cNvPr id="10" name="Google Shape;612;p62">
+            <a:extLst>
+              <a:ext uri="{FF2B5EF4-FFF2-40B4-BE49-F238E27FC236}">
+                <a16:creationId xmlns:a16="http://schemas.microsoft.com/office/drawing/2014/main" id="{A1E2890A-C21A-5C4C-B02C-6199E5DB0C9D}"/>
+              </a:ext>
+            </a:extLst>
+          </p:cNvPr>
+          <p:cNvPicPr preferRelativeResize="0"/>
+          <p:nvPr/>
+        </p:nvPicPr>
+        <p:blipFill>
+          <a:blip r:embed="rId3">
+            <a:alphaModFix/>
+          </a:blip>
+          <a:stretch>
+            <a:fillRect/>
+          </a:stretch>
+        </p:blipFill>
+        <p:spPr>
+          <a:xfrm>
+            <a:off x="4821575" y="2139186"/>
+            <a:ext cx="1476302" cy="768323"/>
+          </a:xfrm>
+          <a:prstGeom prst="rect">
+            <a:avLst/>
+          </a:prstGeom>
+          <a:noFill/>
+          <a:ln>
+            <a:noFill/>
+          </a:ln>
+        </p:spPr>
+      </p:pic>
+      <p:pic>
+        <p:nvPicPr>
+          <p:cNvPr id="11" name="Google Shape;613;p62">
+            <a:extLst>
+              <a:ext uri="{FF2B5EF4-FFF2-40B4-BE49-F238E27FC236}">
+                <a16:creationId xmlns:a16="http://schemas.microsoft.com/office/drawing/2014/main" id="{CCC1E209-D307-B144-A3BD-01AD2E3D596D}"/>
+              </a:ext>
+            </a:extLst>
+          </p:cNvPr>
+          <p:cNvPicPr preferRelativeResize="0"/>
+          <p:nvPr/>
+        </p:nvPicPr>
+        <p:blipFill>
+          <a:blip r:embed="rId4">
+            <a:alphaModFix/>
+          </a:blip>
+          <a:stretch>
+            <a:fillRect/>
+          </a:stretch>
+        </p:blipFill>
+        <p:spPr>
+          <a:xfrm>
+            <a:off x="6370413" y="2160085"/>
+            <a:ext cx="794098" cy="726524"/>
+          </a:xfrm>
+          <a:prstGeom prst="rect">
+            <a:avLst/>
+          </a:prstGeom>
+          <a:noFill/>
+          <a:ln>
+            <a:noFill/>
+          </a:ln>
+        </p:spPr>
+      </p:pic>
+      <p:cxnSp>
+        <p:nvCxnSpPr>
+          <p:cNvPr id="12" name="Google Shape;614;p62">
+            <a:extLst>
+              <a:ext uri="{FF2B5EF4-FFF2-40B4-BE49-F238E27FC236}">
+                <a16:creationId xmlns:a16="http://schemas.microsoft.com/office/drawing/2014/main" id="{95C76043-290B-BC4F-9A7F-5165D5717B40}"/>
+              </a:ext>
+            </a:extLst>
+          </p:cNvPr>
+          <p:cNvCxnSpPr>
+            <a:cxnSpLocks/>
+            <a:stCxn id="4" idx="3"/>
+            <a:endCxn id="9" idx="1"/>
+          </p:cNvCxnSpPr>
+          <p:nvPr/>
+        </p:nvCxnSpPr>
+        <p:spPr>
+          <a:xfrm>
+            <a:off x="3293612" y="1522218"/>
+            <a:ext cx="617601" cy="1001129"/>
+          </a:xfrm>
+          <a:prstGeom prst="straightConnector1">
+            <a:avLst/>
+          </a:prstGeom>
+          <a:noFill/>
+          <a:ln w="19050" cap="flat" cmpd="sng">
+            <a:solidFill>
+              <a:srgbClr val="666666"/>
+            </a:solidFill>
+            <a:prstDash val="solid"/>
+            <a:round/>
+            <a:headEnd type="none" w="med" len="med"/>
+            <a:tailEnd type="stealth" w="med" len="med"/>
+          </a:ln>
+        </p:spPr>
+      </p:cxnSp>
+      <p:cxnSp>
+        <p:nvCxnSpPr>
+          <p:cNvPr id="13" name="Google Shape;615;p62">
+            <a:extLst>
+              <a:ext uri="{FF2B5EF4-FFF2-40B4-BE49-F238E27FC236}">
+                <a16:creationId xmlns:a16="http://schemas.microsoft.com/office/drawing/2014/main" id="{471B413F-F32F-BA4C-80C7-C135F57C0438}"/>
+              </a:ext>
+            </a:extLst>
+          </p:cNvPr>
+          <p:cNvCxnSpPr>
+            <a:cxnSpLocks/>
+            <a:stCxn id="6" idx="3"/>
+            <a:endCxn id="9" idx="1"/>
+          </p:cNvCxnSpPr>
+          <p:nvPr/>
+        </p:nvCxnSpPr>
+        <p:spPr>
+          <a:xfrm flipV="1">
+            <a:off x="3293612" y="2523347"/>
+            <a:ext cx="617601" cy="17417"/>
+          </a:xfrm>
+          <a:prstGeom prst="straightConnector1">
+            <a:avLst/>
+          </a:prstGeom>
+          <a:noFill/>
+          <a:ln w="19050" cap="flat" cmpd="sng">
+            <a:solidFill>
+              <a:srgbClr val="666666"/>
+            </a:solidFill>
+            <a:prstDash val="solid"/>
+            <a:round/>
+            <a:headEnd type="none" w="med" len="med"/>
+            <a:tailEnd type="stealth" w="med" len="med"/>
+          </a:ln>
+        </p:spPr>
+      </p:cxnSp>
+      <p:cxnSp>
+        <p:nvCxnSpPr>
+          <p:cNvPr id="14" name="Google Shape;616;p62">
+            <a:extLst>
+              <a:ext uri="{FF2B5EF4-FFF2-40B4-BE49-F238E27FC236}">
+                <a16:creationId xmlns:a16="http://schemas.microsoft.com/office/drawing/2014/main" id="{71725605-5B89-964D-BE98-28DCF11C4720}"/>
+              </a:ext>
+            </a:extLst>
+          </p:cNvPr>
+          <p:cNvCxnSpPr>
+            <a:cxnSpLocks/>
+            <a:stCxn id="8" idx="3"/>
+            <a:endCxn id="9" idx="1"/>
+          </p:cNvCxnSpPr>
+          <p:nvPr/>
+        </p:nvCxnSpPr>
+        <p:spPr>
+          <a:xfrm flipV="1">
+            <a:off x="3293612" y="2523347"/>
+            <a:ext cx="617601" cy="1075853"/>
+          </a:xfrm>
+          <a:prstGeom prst="straightConnector1">
+            <a:avLst/>
+          </a:prstGeom>
+          <a:noFill/>
+          <a:ln w="19050" cap="flat" cmpd="sng">
+            <a:solidFill>
+              <a:srgbClr val="666666"/>
+            </a:solidFill>
+            <a:prstDash val="solid"/>
+            <a:round/>
+            <a:headEnd type="none" w="med" len="med"/>
+            <a:tailEnd type="stealth" w="med" len="med"/>
+          </a:ln>
+        </p:spPr>
+      </p:cxnSp>
+      <p:cxnSp>
+        <p:nvCxnSpPr>
+          <p:cNvPr id="15" name="Google Shape;617;p62">
+            <a:extLst>
+              <a:ext uri="{FF2B5EF4-FFF2-40B4-BE49-F238E27FC236}">
+                <a16:creationId xmlns:a16="http://schemas.microsoft.com/office/drawing/2014/main" id="{78B78BB1-071C-F84F-BD75-676175AD6225}"/>
+              </a:ext>
+            </a:extLst>
+          </p:cNvPr>
+          <p:cNvCxnSpPr>
+            <a:cxnSpLocks/>
+          </p:cNvCxnSpPr>
+          <p:nvPr/>
+        </p:nvCxnSpPr>
+        <p:spPr>
+          <a:xfrm>
+            <a:off x="4705313" y="2523347"/>
+            <a:ext cx="320108" cy="0"/>
+          </a:xfrm>
+          <a:prstGeom prst="straightConnector1">
+            <a:avLst/>
+          </a:prstGeom>
+          <a:noFill/>
+          <a:ln w="19050" cap="flat" cmpd="sng">
+            <a:solidFill>
+              <a:srgbClr val="666666"/>
+            </a:solidFill>
+            <a:prstDash val="solid"/>
+            <a:round/>
+            <a:headEnd type="none" w="med" len="med"/>
+            <a:tailEnd type="stealth" w="med" len="med"/>
+          </a:ln>
+        </p:spPr>
+      </p:cxnSp>
+      <p:cxnSp>
+        <p:nvCxnSpPr>
+          <p:cNvPr id="16" name="Google Shape;618;p62">
+            <a:extLst>
+              <a:ext uri="{FF2B5EF4-FFF2-40B4-BE49-F238E27FC236}">
+                <a16:creationId xmlns:a16="http://schemas.microsoft.com/office/drawing/2014/main" id="{41DD5904-F770-0344-816F-126B18F94EE8}"/>
+              </a:ext>
+            </a:extLst>
+          </p:cNvPr>
+          <p:cNvCxnSpPr>
+            <a:cxnSpLocks/>
+          </p:cNvCxnSpPr>
+          <p:nvPr/>
+        </p:nvCxnSpPr>
+        <p:spPr>
+          <a:xfrm>
+            <a:off x="6110788" y="2523347"/>
+            <a:ext cx="312300" cy="0"/>
+          </a:xfrm>
+          <a:prstGeom prst="straightConnector1">
+            <a:avLst/>
+          </a:prstGeom>
+          <a:noFill/>
+          <a:ln w="19050" cap="flat" cmpd="sng">
+            <a:solidFill>
+              <a:srgbClr val="666666"/>
+            </a:solidFill>
+            <a:prstDash val="solid"/>
+            <a:round/>
+            <a:headEnd type="none" w="med" len="med"/>
+            <a:tailEnd type="stealth" w="med" len="med"/>
+          </a:ln>
+        </p:spPr>
+      </p:cxnSp>
       <p:sp>
         <p:nvSpPr>
-          <p:cNvPr id="3" name="Google Shape;605;p62">
+          <p:cNvPr id="19" name="Rounded Rectangle 18">
             <a:extLst>
               <a:ext uri="{FF2B5EF4-FFF2-40B4-BE49-F238E27FC236}">
-                <a16:creationId xmlns:a16="http://schemas.microsoft.com/office/drawing/2014/main" id="{536EE0CB-DCFD-8049-9D20-ED314C94C18A}"/>
+                <a16:creationId xmlns:a16="http://schemas.microsoft.com/office/drawing/2014/main" id="{1A0640F1-3F65-3E43-9392-12950FCA5264}"/>
               </a:ext>
             </a:extLst>
           </p:cNvPr>
@@ -25187,71 +25465,215 @@
         </p:nvSpPr>
         <p:spPr>
           <a:xfrm>
-            <a:off x="1918447" y="1034075"/>
-            <a:ext cx="1132141" cy="794100"/>
+            <a:off x="1913917" y="2235397"/>
+            <a:ext cx="934795" cy="651214"/>
           </a:xfrm>
           <a:prstGeom prst="roundRect">
-            <a:avLst>
-              <a:gd name="adj" fmla="val 16667"/>
-            </a:avLst>
-          </a:prstGeom>
-          <a:solidFill>
-            <a:srgbClr val="D9D9D9"/>
-          </a:solidFill>
+            <a:avLst/>
+          </a:prstGeom>
+          <a:ln/>
+        </p:spPr>
+        <p:style>
+          <a:lnRef idx="1">
+            <a:schemeClr val="accent2"/>
+          </a:lnRef>
+          <a:fillRef idx="3">
+            <a:schemeClr val="accent2"/>
+          </a:fillRef>
+          <a:effectRef idx="2">
+            <a:schemeClr val="accent2"/>
+          </a:effectRef>
+          <a:fontRef idx="minor">
+            <a:schemeClr val="lt1"/>
+          </a:fontRef>
+        </p:style>
+        <p:txBody>
+          <a:bodyPr rtlCol="0" anchor="ctr"/>
+          <a:lstStyle/>
+          <a:p>
+            <a:pPr algn="ctr" defTabSz="514355">
+              <a:defRPr/>
+            </a:pPr>
+            <a:r>
+              <a:rPr lang="en-US" sz="1200" dirty="0">
+                <a:solidFill>
+                  <a:schemeClr val="tx1">
+                    <a:lumMod val="50000"/>
+                  </a:schemeClr>
+                </a:solidFill>
+                <a:latin typeface="Calibri" charset="0"/>
+                <a:ea typeface="Calibri" charset="0"/>
+                <a:cs typeface="Calibri" charset="0"/>
+              </a:rPr>
+              <a:t>SD-RAN</a:t>
+            </a:r>
+          </a:p>
+        </p:txBody>
+      </p:sp>
+      <p:pic>
+        <p:nvPicPr>
+          <p:cNvPr id="6" name="Google Shape;608;p62">
+            <a:extLst>
+              <a:ext uri="{FF2B5EF4-FFF2-40B4-BE49-F238E27FC236}">
+                <a16:creationId xmlns:a16="http://schemas.microsoft.com/office/drawing/2014/main" id="{23F75398-455A-F848-A0FC-ABCF143EE29C}"/>
+              </a:ext>
+            </a:extLst>
+          </p:cNvPr>
+          <p:cNvPicPr preferRelativeResize="0"/>
+          <p:nvPr/>
+        </p:nvPicPr>
+        <p:blipFill>
+          <a:blip r:embed="rId5">
+            <a:alphaModFix/>
+          </a:blip>
+          <a:stretch>
+            <a:fillRect/>
+          </a:stretch>
+        </p:blipFill>
+        <p:spPr>
+          <a:xfrm>
+            <a:off x="2672212" y="2314351"/>
+            <a:ext cx="621400" cy="452825"/>
+          </a:xfrm>
+          <a:prstGeom prst="rect">
+            <a:avLst/>
+          </a:prstGeom>
+          <a:noFill/>
           <a:ln>
             <a:noFill/>
           </a:ln>
         </p:spPr>
+      </p:pic>
+      <p:sp>
+        <p:nvSpPr>
+          <p:cNvPr id="21" name="Rounded Rectangle 20">
+            <a:extLst>
+              <a:ext uri="{FF2B5EF4-FFF2-40B4-BE49-F238E27FC236}">
+                <a16:creationId xmlns:a16="http://schemas.microsoft.com/office/drawing/2014/main" id="{06C215D6-6684-3F45-BB71-F58FCD63FB1A}"/>
+              </a:ext>
+            </a:extLst>
+          </p:cNvPr>
+          <p:cNvSpPr/>
+          <p:nvPr/>
+        </p:nvSpPr>
+        <p:spPr>
+          <a:xfrm>
+            <a:off x="1913916" y="1174849"/>
+            <a:ext cx="934796" cy="653326"/>
+          </a:xfrm>
+          <a:prstGeom prst="roundRect">
+            <a:avLst>
+              <a:gd name="adj" fmla="val 22527"/>
+            </a:avLst>
+          </a:prstGeom>
+          <a:solidFill>
+            <a:schemeClr val="accent6">
+              <a:lumMod val="40000"/>
+              <a:lumOff val="60000"/>
+            </a:schemeClr>
+          </a:solidFill>
+          <a:ln w="12700" cap="flat" cmpd="sng" algn="ctr">
+            <a:solidFill>
+              <a:srgbClr val="F99149"/>
+            </a:solidFill>
+            <a:prstDash val="solid"/>
+            <a:miter lim="800000"/>
+          </a:ln>
+          <a:effectLst>
+            <a:outerShdw blurRad="50800" dist="38100" dir="2700000" algn="tl" rotWithShape="0">
+              <a:prstClr val="black">
+                <a:alpha val="40000"/>
+              </a:prstClr>
+            </a:outerShdw>
+          </a:effectLst>
+        </p:spPr>
         <p:txBody>
-          <a:bodyPr spcFirstLastPara="1" wrap="square" lIns="91425" tIns="91425" rIns="91425" bIns="91425" anchor="b" anchorCtr="0">
-            <a:noAutofit/>
-          </a:bodyPr>
+          <a:bodyPr rtlCol="0" anchor="ctr"/>
           <a:lstStyle/>
           <a:p>
-            <a:pPr marL="0" lvl="0" indent="0" algn="l" rtl="0">
-              <a:spcBef>
-                <a:spcPts val="0"/>
-              </a:spcBef>
-              <a:spcAft>
-                <a:spcPts val="0"/>
-              </a:spcAft>
-              <a:buNone/>
+            <a:pPr algn="ctr" defTabSz="914354">
+              <a:lnSpc>
+                <a:spcPct val="80000"/>
+              </a:lnSpc>
+              <a:defRPr/>
             </a:pPr>
             <a:r>
-              <a:rPr lang="en" sz="1200" dirty="0">
-                <a:latin typeface="Open Sans"/>
-                <a:ea typeface="Open Sans"/>
-                <a:cs typeface="Open Sans"/>
-                <a:sym typeface="Open Sans"/>
+              <a:rPr lang="en-US" sz="1200" kern="0" dirty="0">
+                <a:solidFill>
+                  <a:schemeClr val="bg2"/>
+                </a:solidFill>
+                <a:latin typeface="Calibri" charset="0"/>
+                <a:ea typeface="Calibri" charset="0"/>
+                <a:cs typeface="Calibri" charset="0"/>
+                <a:sym typeface="Arial"/>
               </a:rPr>
-              <a:t>Worker</a:t>
+              <a:t>SD-Fabric</a:t>
             </a:r>
           </a:p>
+        </p:txBody>
+      </p:sp>
+      <p:sp>
+        <p:nvSpPr>
+          <p:cNvPr id="22" name="Rounded Rectangle 21">
+            <a:extLst>
+              <a:ext uri="{FF2B5EF4-FFF2-40B4-BE49-F238E27FC236}">
+                <a16:creationId xmlns:a16="http://schemas.microsoft.com/office/drawing/2014/main" id="{F58DBAF7-60E1-8F4A-B3DC-6A01B7B77C90}"/>
+              </a:ext>
+            </a:extLst>
+          </p:cNvPr>
+          <p:cNvSpPr/>
+          <p:nvPr/>
+        </p:nvSpPr>
+        <p:spPr>
+          <a:xfrm>
+            <a:off x="1913916" y="3293833"/>
+            <a:ext cx="934795" cy="653326"/>
+          </a:xfrm>
+          <a:prstGeom prst="roundRect">
+            <a:avLst>
+              <a:gd name="adj" fmla="val 22527"/>
+            </a:avLst>
+          </a:prstGeom>
+          <a:solidFill>
+            <a:srgbClr val="37B8F2"/>
+          </a:solidFill>
+          <a:ln w="12700" cap="flat" cmpd="sng" algn="ctr">
+            <a:solidFill>
+              <a:srgbClr val="0070C0"/>
+            </a:solidFill>
+            <a:prstDash val="solid"/>
+            <a:miter lim="800000"/>
+          </a:ln>
+          <a:effectLst>
+            <a:outerShdw blurRad="50800" dist="38100" dir="2700000" algn="tl" rotWithShape="0">
+              <a:prstClr val="black">
+                <a:alpha val="40000"/>
+              </a:prstClr>
+            </a:outerShdw>
+          </a:effectLst>
+        </p:spPr>
+        <p:txBody>
+          <a:bodyPr rtlCol="0" anchor="ctr"/>
+          <a:lstStyle/>
           <a:p>
-            <a:pPr marL="0" lvl="0" indent="0" algn="l" rtl="0">
-              <a:spcBef>
-                <a:spcPts val="0"/>
-              </a:spcBef>
-              <a:spcAft>
-                <a:spcPts val="0"/>
-              </a:spcAft>
-              <a:buNone/>
+            <a:pPr algn="ctr" defTabSz="914354">
+              <a:lnSpc>
+                <a:spcPct val="80000"/>
+              </a:lnSpc>
+              <a:defRPr/>
             </a:pPr>
             <a:r>
-              <a:rPr lang="en" sz="1200" dirty="0">
-                <a:latin typeface="Open Sans"/>
-                <a:ea typeface="Open Sans"/>
-                <a:cs typeface="Open Sans"/>
-                <a:sym typeface="Open Sans"/>
+              <a:rPr lang="en-US" sz="1200" kern="0" dirty="0">
+                <a:solidFill>
+                  <a:schemeClr val="bg2"/>
+                </a:solidFill>
+                <a:latin typeface="Calibri" charset="0"/>
+                <a:ea typeface="Calibri" charset="0"/>
+                <a:cs typeface="Calibri" charset="0"/>
+                <a:sym typeface="Arial"/>
               </a:rPr>
-              <a:t>(SD-Fabric)</a:t>
+              <a:t>SD-Core</a:t>
             </a:r>
-            <a:endParaRPr sz="1200" dirty="0">
-              <a:latin typeface="Open Sans"/>
-              <a:ea typeface="Open Sans"/>
-              <a:cs typeface="Open Sans"/>
-              <a:sym typeface="Open Sans"/>
-            </a:endParaRPr>
           </a:p>
         </p:txBody>
       </p:sp>
@@ -25268,7 +25690,7 @@
           <p:nvPr/>
         </p:nvPicPr>
         <p:blipFill>
-          <a:blip r:embed="rId2">
+          <a:blip r:embed="rId5">
             <a:alphaModFix/>
           </a:blip>
           <a:stretch>
@@ -25277,7 +25699,7 @@
         </p:blipFill>
         <p:spPr>
           <a:xfrm>
-            <a:off x="2758563" y="858100"/>
+            <a:off x="2672212" y="1295805"/>
             <a:ext cx="621400" cy="452825"/>
           </a:xfrm>
           <a:prstGeom prst="rect">
@@ -25289,204 +25711,6 @@
           </a:ln>
         </p:spPr>
       </p:pic>
-      <p:sp>
-        <p:nvSpPr>
-          <p:cNvPr id="5" name="Google Shape;607;p62">
-            <a:extLst>
-              <a:ext uri="{FF2B5EF4-FFF2-40B4-BE49-F238E27FC236}">
-                <a16:creationId xmlns:a16="http://schemas.microsoft.com/office/drawing/2014/main" id="{B41A6CDE-F804-7240-A211-73FA0826DCB1}"/>
-              </a:ext>
-            </a:extLst>
-          </p:cNvPr>
-          <p:cNvSpPr/>
-          <p:nvPr/>
-        </p:nvSpPr>
-        <p:spPr>
-          <a:xfrm>
-            <a:off x="1918447" y="2126300"/>
-            <a:ext cx="1132141" cy="794100"/>
-          </a:xfrm>
-          <a:prstGeom prst="roundRect">
-            <a:avLst>
-              <a:gd name="adj" fmla="val 16667"/>
-            </a:avLst>
-          </a:prstGeom>
-          <a:solidFill>
-            <a:srgbClr val="D9D9D9"/>
-          </a:solidFill>
-          <a:ln>
-            <a:noFill/>
-          </a:ln>
-        </p:spPr>
-        <p:txBody>
-          <a:bodyPr spcFirstLastPara="1" wrap="square" lIns="91425" tIns="91425" rIns="91425" bIns="91425" anchor="b" anchorCtr="0">
-            <a:noAutofit/>
-          </a:bodyPr>
-          <a:lstStyle/>
-          <a:p>
-            <a:pPr marL="0" lvl="0" indent="0" algn="l" rtl="0">
-              <a:spcBef>
-                <a:spcPts val="0"/>
-              </a:spcBef>
-              <a:spcAft>
-                <a:spcPts val="0"/>
-              </a:spcAft>
-              <a:buNone/>
-            </a:pPr>
-            <a:r>
-              <a:rPr lang="en" sz="1200" dirty="0">
-                <a:latin typeface="Open Sans"/>
-                <a:ea typeface="Open Sans"/>
-                <a:cs typeface="Open Sans"/>
-                <a:sym typeface="Open Sans"/>
-              </a:rPr>
-              <a:t>Worker</a:t>
-            </a:r>
-          </a:p>
-          <a:p>
-            <a:pPr marL="0" lvl="0" indent="0" algn="l" rtl="0">
-              <a:spcBef>
-                <a:spcPts val="0"/>
-              </a:spcBef>
-              <a:spcAft>
-                <a:spcPts val="0"/>
-              </a:spcAft>
-              <a:buNone/>
-            </a:pPr>
-            <a:r>
-              <a:rPr lang="en" sz="1200" dirty="0">
-                <a:latin typeface="Open Sans"/>
-                <a:ea typeface="Open Sans"/>
-                <a:cs typeface="Open Sans"/>
-                <a:sym typeface="Open Sans"/>
-              </a:rPr>
-              <a:t>(SD-RAN)</a:t>
-            </a:r>
-            <a:endParaRPr sz="1200" dirty="0">
-              <a:latin typeface="Open Sans"/>
-              <a:ea typeface="Open Sans"/>
-              <a:cs typeface="Open Sans"/>
-              <a:sym typeface="Open Sans"/>
-            </a:endParaRPr>
-          </a:p>
-        </p:txBody>
-      </p:sp>
-      <p:pic>
-        <p:nvPicPr>
-          <p:cNvPr id="6" name="Google Shape;608;p62">
-            <a:extLst>
-              <a:ext uri="{FF2B5EF4-FFF2-40B4-BE49-F238E27FC236}">
-                <a16:creationId xmlns:a16="http://schemas.microsoft.com/office/drawing/2014/main" id="{23F75398-455A-F848-A0FC-ABCF143EE29C}"/>
-              </a:ext>
-            </a:extLst>
-          </p:cNvPr>
-          <p:cNvPicPr preferRelativeResize="0"/>
-          <p:nvPr/>
-        </p:nvPicPr>
-        <p:blipFill>
-          <a:blip r:embed="rId2">
-            <a:alphaModFix/>
-          </a:blip>
-          <a:stretch>
-            <a:fillRect/>
-          </a:stretch>
-        </p:blipFill>
-        <p:spPr>
-          <a:xfrm>
-            <a:off x="2758563" y="1950325"/>
-            <a:ext cx="621400" cy="452825"/>
-          </a:xfrm>
-          <a:prstGeom prst="rect">
-            <a:avLst/>
-          </a:prstGeom>
-          <a:noFill/>
-          <a:ln>
-            <a:noFill/>
-          </a:ln>
-        </p:spPr>
-      </p:pic>
-      <p:sp>
-        <p:nvSpPr>
-          <p:cNvPr id="7" name="Google Shape;609;p62">
-            <a:extLst>
-              <a:ext uri="{FF2B5EF4-FFF2-40B4-BE49-F238E27FC236}">
-                <a16:creationId xmlns:a16="http://schemas.microsoft.com/office/drawing/2014/main" id="{B7A9B65D-7639-3C48-B15F-8B64606E005B}"/>
-              </a:ext>
-            </a:extLst>
-          </p:cNvPr>
-          <p:cNvSpPr/>
-          <p:nvPr/>
-        </p:nvSpPr>
-        <p:spPr>
-          <a:xfrm>
-            <a:off x="1918447" y="3218525"/>
-            <a:ext cx="1132141" cy="794100"/>
-          </a:xfrm>
-          <a:prstGeom prst="roundRect">
-            <a:avLst>
-              <a:gd name="adj" fmla="val 16667"/>
-            </a:avLst>
-          </a:prstGeom>
-          <a:solidFill>
-            <a:srgbClr val="D9D9D9"/>
-          </a:solidFill>
-          <a:ln>
-            <a:noFill/>
-          </a:ln>
-        </p:spPr>
-        <p:txBody>
-          <a:bodyPr spcFirstLastPara="1" wrap="square" lIns="91425" tIns="91425" rIns="91425" bIns="91425" anchor="b" anchorCtr="0">
-            <a:noAutofit/>
-          </a:bodyPr>
-          <a:lstStyle/>
-          <a:p>
-            <a:pPr marL="0" lvl="0" indent="0" algn="l" rtl="0">
-              <a:spcBef>
-                <a:spcPts val="0"/>
-              </a:spcBef>
-              <a:spcAft>
-                <a:spcPts val="0"/>
-              </a:spcAft>
-              <a:buNone/>
-            </a:pPr>
-            <a:r>
-              <a:rPr lang="en" sz="1200" dirty="0">
-                <a:latin typeface="Open Sans"/>
-                <a:ea typeface="Open Sans"/>
-                <a:cs typeface="Open Sans"/>
-                <a:sym typeface="Open Sans"/>
-              </a:rPr>
-              <a:t>Worker</a:t>
-            </a:r>
-          </a:p>
-          <a:p>
-            <a:pPr marL="0" lvl="0" indent="0" algn="l" rtl="0">
-              <a:spcBef>
-                <a:spcPts val="0"/>
-              </a:spcBef>
-              <a:spcAft>
-                <a:spcPts val="0"/>
-              </a:spcAft>
-              <a:buNone/>
-            </a:pPr>
-            <a:r>
-              <a:rPr lang="en" sz="1200" dirty="0">
-                <a:latin typeface="Open Sans"/>
-                <a:ea typeface="Open Sans"/>
-                <a:cs typeface="Open Sans"/>
-                <a:sym typeface="Open Sans"/>
-              </a:rPr>
-              <a:t>(SD-Core)</a:t>
-            </a:r>
-            <a:endParaRPr sz="1200" dirty="0">
-              <a:latin typeface="Open Sans"/>
-              <a:ea typeface="Open Sans"/>
-              <a:cs typeface="Open Sans"/>
-              <a:sym typeface="Open Sans"/>
-            </a:endParaRPr>
-          </a:p>
-        </p:txBody>
-      </p:sp>
       <p:pic>
         <p:nvPicPr>
           <p:cNvPr id="8" name="Google Shape;610;p62">
@@ -25500,108 +25724,6 @@
           <p:nvPr/>
         </p:nvPicPr>
         <p:blipFill>
-          <a:blip r:embed="rId2">
-            <a:alphaModFix/>
-          </a:blip>
-          <a:stretch>
-            <a:fillRect/>
-          </a:stretch>
-        </p:blipFill>
-        <p:spPr>
-          <a:xfrm>
-            <a:off x="2758563" y="3042550"/>
-            <a:ext cx="621400" cy="452825"/>
-          </a:xfrm>
-          <a:prstGeom prst="rect">
-            <a:avLst/>
-          </a:prstGeom>
-          <a:noFill/>
-          <a:ln>
-            <a:noFill/>
-          </a:ln>
-        </p:spPr>
-      </p:pic>
-      <p:pic>
-        <p:nvPicPr>
-          <p:cNvPr id="9" name="Google Shape;611;p62">
-            <a:extLst>
-              <a:ext uri="{FF2B5EF4-FFF2-40B4-BE49-F238E27FC236}">
-                <a16:creationId xmlns:a16="http://schemas.microsoft.com/office/drawing/2014/main" id="{521C4825-0E9D-B74F-986C-9EA370FC7FF6}"/>
-              </a:ext>
-            </a:extLst>
-          </p:cNvPr>
-          <p:cNvPicPr preferRelativeResize="0"/>
-          <p:nvPr/>
-        </p:nvPicPr>
-        <p:blipFill>
-          <a:blip r:embed="rId3">
-            <a:alphaModFix/>
-          </a:blip>
-          <a:stretch>
-            <a:fillRect/>
-          </a:stretch>
-        </p:blipFill>
-        <p:spPr>
-          <a:xfrm>
-            <a:off x="3911213" y="2126297"/>
-            <a:ext cx="794100" cy="794100"/>
-          </a:xfrm>
-          <a:prstGeom prst="rect">
-            <a:avLst/>
-          </a:prstGeom>
-          <a:noFill/>
-          <a:ln>
-            <a:noFill/>
-          </a:ln>
-        </p:spPr>
-      </p:pic>
-      <p:pic>
-        <p:nvPicPr>
-          <p:cNvPr id="10" name="Google Shape;612;p62">
-            <a:extLst>
-              <a:ext uri="{FF2B5EF4-FFF2-40B4-BE49-F238E27FC236}">
-                <a16:creationId xmlns:a16="http://schemas.microsoft.com/office/drawing/2014/main" id="{A1E2890A-C21A-5C4C-B02C-6199E5DB0C9D}"/>
-              </a:ext>
-            </a:extLst>
-          </p:cNvPr>
-          <p:cNvPicPr preferRelativeResize="0"/>
-          <p:nvPr/>
-        </p:nvPicPr>
-        <p:blipFill>
-          <a:blip r:embed="rId4">
-            <a:alphaModFix/>
-          </a:blip>
-          <a:stretch>
-            <a:fillRect/>
-          </a:stretch>
-        </p:blipFill>
-        <p:spPr>
-          <a:xfrm>
-            <a:off x="4821575" y="2139188"/>
-            <a:ext cx="1476302" cy="768323"/>
-          </a:xfrm>
-          <a:prstGeom prst="rect">
-            <a:avLst/>
-          </a:prstGeom>
-          <a:noFill/>
-          <a:ln>
-            <a:noFill/>
-          </a:ln>
-        </p:spPr>
-      </p:pic>
-      <p:pic>
-        <p:nvPicPr>
-          <p:cNvPr id="11" name="Google Shape;613;p62">
-            <a:extLst>
-              <a:ext uri="{FF2B5EF4-FFF2-40B4-BE49-F238E27FC236}">
-                <a16:creationId xmlns:a16="http://schemas.microsoft.com/office/drawing/2014/main" id="{CCC1E209-D307-B144-A3BD-01AD2E3D596D}"/>
-              </a:ext>
-            </a:extLst>
-          </p:cNvPr>
-          <p:cNvPicPr preferRelativeResize="0"/>
-          <p:nvPr/>
-        </p:nvPicPr>
-        <p:blipFill>
           <a:blip r:embed="rId5">
             <a:alphaModFix/>
           </a:blip>
@@ -25611,8 +25733,8 @@
         </p:blipFill>
         <p:spPr>
           <a:xfrm>
-            <a:off x="6370413" y="2160087"/>
-            <a:ext cx="794098" cy="726524"/>
+            <a:off x="2672212" y="3372787"/>
+            <a:ext cx="621400" cy="452825"/>
           </a:xfrm>
           <a:prstGeom prst="rect">
             <a:avLst/>
@@ -25623,175 +25745,6 @@
           </a:ln>
         </p:spPr>
       </p:pic>
-      <p:cxnSp>
-        <p:nvCxnSpPr>
-          <p:cNvPr id="12" name="Google Shape;614;p62">
-            <a:extLst>
-              <a:ext uri="{FF2B5EF4-FFF2-40B4-BE49-F238E27FC236}">
-                <a16:creationId xmlns:a16="http://schemas.microsoft.com/office/drawing/2014/main" id="{95C76043-290B-BC4F-9A7F-5165D5717B40}"/>
-              </a:ext>
-            </a:extLst>
-          </p:cNvPr>
-          <p:cNvCxnSpPr>
-            <a:stCxn id="4" idx="3"/>
-          </p:cNvCxnSpPr>
-          <p:nvPr/>
-        </p:nvCxnSpPr>
-        <p:spPr>
-          <a:xfrm>
-            <a:off x="3379963" y="1084512"/>
-            <a:ext cx="508500" cy="1129800"/>
-          </a:xfrm>
-          <a:prstGeom prst="straightConnector1">
-            <a:avLst/>
-          </a:prstGeom>
-          <a:noFill/>
-          <a:ln w="19050" cap="flat" cmpd="sng">
-            <a:solidFill>
-              <a:srgbClr val="666666"/>
-            </a:solidFill>
-            <a:prstDash val="solid"/>
-            <a:round/>
-            <a:headEnd type="none" w="med" len="med"/>
-            <a:tailEnd type="stealth" w="med" len="med"/>
-          </a:ln>
-        </p:spPr>
-      </p:cxnSp>
-      <p:cxnSp>
-        <p:nvCxnSpPr>
-          <p:cNvPr id="13" name="Google Shape;615;p62">
-            <a:extLst>
-              <a:ext uri="{FF2B5EF4-FFF2-40B4-BE49-F238E27FC236}">
-                <a16:creationId xmlns:a16="http://schemas.microsoft.com/office/drawing/2014/main" id="{471B413F-F32F-BA4C-80C7-C135F57C0438}"/>
-              </a:ext>
-            </a:extLst>
-          </p:cNvPr>
-          <p:cNvCxnSpPr>
-            <a:stCxn id="6" idx="3"/>
-            <a:endCxn id="9" idx="1"/>
-          </p:cNvCxnSpPr>
-          <p:nvPr/>
-        </p:nvCxnSpPr>
-        <p:spPr>
-          <a:xfrm>
-            <a:off x="3379963" y="2176737"/>
-            <a:ext cx="531300" cy="346500"/>
-          </a:xfrm>
-          <a:prstGeom prst="straightConnector1">
-            <a:avLst/>
-          </a:prstGeom>
-          <a:noFill/>
-          <a:ln w="19050" cap="flat" cmpd="sng">
-            <a:solidFill>
-              <a:srgbClr val="666666"/>
-            </a:solidFill>
-            <a:prstDash val="solid"/>
-            <a:round/>
-            <a:headEnd type="none" w="med" len="med"/>
-            <a:tailEnd type="stealth" w="med" len="med"/>
-          </a:ln>
-        </p:spPr>
-      </p:cxnSp>
-      <p:cxnSp>
-        <p:nvCxnSpPr>
-          <p:cNvPr id="14" name="Google Shape;616;p62">
-            <a:extLst>
-              <a:ext uri="{FF2B5EF4-FFF2-40B4-BE49-F238E27FC236}">
-                <a16:creationId xmlns:a16="http://schemas.microsoft.com/office/drawing/2014/main" id="{71725605-5B89-964D-BE98-28DCF11C4720}"/>
-              </a:ext>
-            </a:extLst>
-          </p:cNvPr>
-          <p:cNvCxnSpPr>
-            <a:stCxn id="8" idx="3"/>
-          </p:cNvCxnSpPr>
-          <p:nvPr/>
-        </p:nvCxnSpPr>
-        <p:spPr>
-          <a:xfrm rot="10800000" flipH="1">
-            <a:off x="3379963" y="2760762"/>
-            <a:ext cx="537600" cy="508200"/>
-          </a:xfrm>
-          <a:prstGeom prst="straightConnector1">
-            <a:avLst/>
-          </a:prstGeom>
-          <a:noFill/>
-          <a:ln w="19050" cap="flat" cmpd="sng">
-            <a:solidFill>
-              <a:srgbClr val="666666"/>
-            </a:solidFill>
-            <a:prstDash val="solid"/>
-            <a:round/>
-            <a:headEnd type="none" w="med" len="med"/>
-            <a:tailEnd type="stealth" w="med" len="med"/>
-          </a:ln>
-        </p:spPr>
-      </p:cxnSp>
-      <p:cxnSp>
-        <p:nvCxnSpPr>
-          <p:cNvPr id="15" name="Google Shape;617;p62">
-            <a:extLst>
-              <a:ext uri="{FF2B5EF4-FFF2-40B4-BE49-F238E27FC236}">
-                <a16:creationId xmlns:a16="http://schemas.microsoft.com/office/drawing/2014/main" id="{78B78BB1-071C-F84F-BD75-676175AD6225}"/>
-              </a:ext>
-            </a:extLst>
-          </p:cNvPr>
-          <p:cNvCxnSpPr>
-            <a:stCxn id="9" idx="3"/>
-          </p:cNvCxnSpPr>
-          <p:nvPr/>
-        </p:nvCxnSpPr>
-        <p:spPr>
-          <a:xfrm>
-            <a:off x="4705313" y="2523347"/>
-            <a:ext cx="312300" cy="0"/>
-          </a:xfrm>
-          <a:prstGeom prst="straightConnector1">
-            <a:avLst/>
-          </a:prstGeom>
-          <a:noFill/>
-          <a:ln w="19050" cap="flat" cmpd="sng">
-            <a:solidFill>
-              <a:srgbClr val="666666"/>
-            </a:solidFill>
-            <a:prstDash val="solid"/>
-            <a:round/>
-            <a:headEnd type="none" w="med" len="med"/>
-            <a:tailEnd type="stealth" w="med" len="med"/>
-          </a:ln>
-        </p:spPr>
-      </p:cxnSp>
-      <p:cxnSp>
-        <p:nvCxnSpPr>
-          <p:cNvPr id="16" name="Google Shape;618;p62">
-            <a:extLst>
-              <a:ext uri="{FF2B5EF4-FFF2-40B4-BE49-F238E27FC236}">
-                <a16:creationId xmlns:a16="http://schemas.microsoft.com/office/drawing/2014/main" id="{41DD5904-F770-0344-816F-126B18F94EE8}"/>
-              </a:ext>
-            </a:extLst>
-          </p:cNvPr>
-          <p:cNvCxnSpPr/>
-          <p:nvPr/>
-        </p:nvCxnSpPr>
-        <p:spPr>
-          <a:xfrm>
-            <a:off x="6110788" y="2523347"/>
-            <a:ext cx="312300" cy="0"/>
-          </a:xfrm>
-          <a:prstGeom prst="straightConnector1">
-            <a:avLst/>
-          </a:prstGeom>
-          <a:noFill/>
-          <a:ln w="19050" cap="flat" cmpd="sng">
-            <a:solidFill>
-              <a:srgbClr val="666666"/>
-            </a:solidFill>
-            <a:prstDash val="solid"/>
-            <a:round/>
-            <a:headEnd type="none" w="med" len="med"/>
-            <a:tailEnd type="stealth" w="med" len="med"/>
-          </a:ln>
-        </p:spPr>
-      </p:cxnSp>
     </p:spTree>
     <p:extLst>
       <p:ext uri="{BB962C8B-B14F-4D97-AF65-F5344CB8AC3E}">

--- a/figures.pptx
+++ b/figures.pptx
@@ -319,7 +319,7 @@
       </p15:sldGuideLst>
     </p:ext>
     <p:ext uri="http://customooxmlschemas.google.com/">
-      <go:slidesCustomData xmlns="" xmlns:mc="http://schemas.openxmlformats.org/markup-compatibility/2006" xmlns:mv="urn:schemas-microsoft-com:mac:vml" xmlns:c="http://schemas.openxmlformats.org/drawingml/2006/chart" xmlns:dgm="http://schemas.openxmlformats.org/drawingml/2006/diagram" xmlns:o="urn:schemas-microsoft-com:office:office" xmlns:v="urn:schemas-microsoft-com:vml" xmlns:pvml="urn:schemas-microsoft-com:office:powerpoint" xmlns:com="http://schemas.openxmlformats.org/drawingml/2006/compatibility" xmlns:p14="http://schemas.microsoft.com/office/powerpoint/2010/main" xmlns:p15="http://schemas.microsoft.com/office/powerpoint/2012/main" xmlns:go="http://customooxmlschemas.google.com/" r:id="rId29" roundtripDataSignature="AMtx7mjYSJr9dBhpBi3R8tFsPF3I3gzuVA=="/>
+      <go:slidesCustomData xmlns:go="http://customooxmlschemas.google.com/" xmlns:p15="http://schemas.microsoft.com/office/powerpoint/2012/main" xmlns:p14="http://schemas.microsoft.com/office/powerpoint/2010/main" xmlns:com="http://schemas.openxmlformats.org/drawingml/2006/compatibility" xmlns:pvml="urn:schemas-microsoft-com:office:powerpoint" xmlns:v="urn:schemas-microsoft-com:vml" xmlns:o="urn:schemas-microsoft-com:office:office" xmlns:dgm="http://schemas.openxmlformats.org/drawingml/2006/diagram" xmlns:c="http://schemas.openxmlformats.org/drawingml/2006/chart" xmlns:mv="urn:schemas-microsoft-com:mac:vml" xmlns:mc="http://schemas.openxmlformats.org/markup-compatibility/2006" xmlns="" r:id="rId29" roundtripDataSignature="AMtx7mjYSJr9dBhpBi3R8tFsPF3I3gzuVA=="/>
     </p:ext>
   </p:extLst>
 </p:presentation>
@@ -3077,7 +3077,7 @@
           <a:p>
             <a:fld id="{BF4F8DC3-0006-B147-AA6D-FF436E850004}" type="datetimeFigureOut">
               <a:rPr lang="en-US" smtClean="0"/>
-              <a:t>10/12/21</a:t>
+              <a:t>1/31/22</a:t>
             </a:fld>
             <a:endParaRPr lang="en-US"/>
           </a:p>
@@ -7148,7 +7148,24 @@
                 <a:latin typeface="Calibri" panose="020F0502020204030204" pitchFamily="34" charset="0"/>
                 <a:cs typeface="Calibri" panose="020F0502020204030204" pitchFamily="34" charset="0"/>
               </a:rPr>
-              <a:t> PODs</a:t>
+              <a:t> </a:t>
+            </a:r>
+            <a:r>
+              <a:rPr lang="en-US" sz="1200" dirty="0">
+                <a:latin typeface="Calibri" panose="020F0502020204030204" pitchFamily="34" charset="0"/>
+                <a:cs typeface="Calibri" panose="020F0502020204030204" pitchFamily="34" charset="0"/>
+              </a:rPr>
+              <a:t>Cluster</a:t>
+            </a:r>
+            <a:r>
+              <a:rPr lang="en-US" sz="1200" dirty="0">
+                <a:solidFill>
+                  <a:srgbClr val="000000"/>
+                </a:solidFill>
+                <a:latin typeface="Calibri" panose="020F0502020204030204" pitchFamily="34" charset="0"/>
+                <a:cs typeface="Calibri" panose="020F0502020204030204" pitchFamily="34" charset="0"/>
+              </a:rPr>
+              <a:t>s</a:t>
             </a:r>
             <a:endParaRPr sz="1200" dirty="0">
               <a:solidFill>
@@ -7984,7 +8001,7 @@
                 <a:latin typeface="Calibri" panose="020F0502020204030204" pitchFamily="34" charset="0"/>
                 <a:cs typeface="Calibri" panose="020F0502020204030204" pitchFamily="34" charset="0"/>
               </a:rPr>
-              <a:t>PODs</a:t>
+              <a:t>Cluster</a:t>
             </a:r>
             <a:endParaRPr sz="1200" dirty="0">
               <a:solidFill>
@@ -8983,8 +9000,8 @@
         </p:nvSpPr>
         <p:spPr>
           <a:xfrm>
-            <a:off x="7916041" y="1659024"/>
-            <a:ext cx="1023037" cy="307777"/>
+            <a:off x="7871216" y="1650059"/>
+            <a:ext cx="1114408" cy="276999"/>
           </a:xfrm>
           <a:prstGeom prst="rect">
             <a:avLst/>
@@ -9002,14 +9019,7 @@
                 <a:latin typeface="Calibri" panose="020F0502020204030204" pitchFamily="34" charset="0"/>
                 <a:cs typeface="Calibri" panose="020F0502020204030204" pitchFamily="34" charset="0"/>
               </a:rPr>
-              <a:t>Staging POD</a:t>
-            </a:r>
-            <a:r>
-              <a:rPr lang="en-US" dirty="0">
-                <a:latin typeface="Calibri" panose="020F0502020204030204" pitchFamily="34" charset="0"/>
-                <a:cs typeface="Calibri" panose="020F0502020204030204" pitchFamily="34" charset="0"/>
-              </a:rPr>
-              <a:t>s</a:t>
+              <a:t>Staging Cluster</a:t>
             </a:r>
           </a:p>
         </p:txBody>

--- a/figures.pptx
+++ b/figures.pptx
@@ -5,7 +5,7 @@
     <p:sldMasterId id="2147483648" r:id="rId1"/>
   </p:sldMasterIdLst>
   <p:notesMasterIdLst>
-    <p:notesMasterId r:id="rId25"/>
+    <p:notesMasterId r:id="rId26"/>
   </p:notesMasterIdLst>
   <p:sldIdLst>
     <p:sldId id="311" r:id="rId2"/>
@@ -31,6 +31,7 @@
     <p:sldId id="348" r:id="rId22"/>
     <p:sldId id="349" r:id="rId23"/>
     <p:sldId id="350" r:id="rId24"/>
+    <p:sldId id="351" r:id="rId25"/>
   </p:sldIdLst>
   <p:sldSz cx="9144000" cy="5143500" type="screen16x9"/>
   <p:notesSz cx="6858000" cy="9144000"/>
@@ -319,7 +320,7 @@
       </p15:sldGuideLst>
     </p:ext>
     <p:ext uri="http://customooxmlschemas.google.com/">
-      <go:slidesCustomData xmlns:go="http://customooxmlschemas.google.com/" xmlns:p15="http://schemas.microsoft.com/office/powerpoint/2012/main" xmlns:p14="http://schemas.microsoft.com/office/powerpoint/2010/main" xmlns:com="http://schemas.openxmlformats.org/drawingml/2006/compatibility" xmlns:pvml="urn:schemas-microsoft-com:office:powerpoint" xmlns:v="urn:schemas-microsoft-com:vml" xmlns:o="urn:schemas-microsoft-com:office:office" xmlns:dgm="http://schemas.openxmlformats.org/drawingml/2006/diagram" xmlns:c="http://schemas.openxmlformats.org/drawingml/2006/chart" xmlns:mv="urn:schemas-microsoft-com:mac:vml" xmlns:mc="http://schemas.openxmlformats.org/markup-compatibility/2006" xmlns="" r:id="rId29" roundtripDataSignature="AMtx7mjYSJr9dBhpBi3R8tFsPF3I3gzuVA=="/>
+      <go:slidesCustomData xmlns="" xmlns:mc="http://schemas.openxmlformats.org/markup-compatibility/2006" xmlns:mv="urn:schemas-microsoft-com:mac:vml" xmlns:c="http://schemas.openxmlformats.org/drawingml/2006/chart" xmlns:dgm="http://schemas.openxmlformats.org/drawingml/2006/diagram" xmlns:o="urn:schemas-microsoft-com:office:office" xmlns:v="urn:schemas-microsoft-com:vml" xmlns:pvml="urn:schemas-microsoft-com:office:powerpoint" xmlns:com="http://schemas.openxmlformats.org/drawingml/2006/compatibility" xmlns:p14="http://schemas.microsoft.com/office/powerpoint/2010/main" xmlns:p15="http://schemas.microsoft.com/office/powerpoint/2012/main" xmlns:go="http://customooxmlschemas.google.com/" r:id="rId29" roundtripDataSignature="AMtx7mjYSJr9dBhpBi3R8tFsPF3I3gzuVA=="/>
     </p:ext>
   </p:extLst>
 </p:presentation>
@@ -3077,7 +3078,7 @@
           <a:p>
             <a:fld id="{BF4F8DC3-0006-B147-AA6D-FF436E850004}" type="datetimeFigureOut">
               <a:rPr lang="en-US" smtClean="0"/>
-              <a:t>1/31/22</a:t>
+              <a:t>2/3/22</a:t>
             </a:fld>
             <a:endParaRPr lang="en-US"/>
           </a:p>
@@ -25759,6 +25760,915 @@
     <p:extLst>
       <p:ext uri="{BB962C8B-B14F-4D97-AF65-F5344CB8AC3E}">
         <p14:creationId xmlns:p14="http://schemas.microsoft.com/office/powerpoint/2010/main" val="3882687863"/>
+      </p:ext>
+    </p:extLst>
+  </p:cSld>
+  <p:clrMapOvr>
+    <a:masterClrMapping/>
+  </p:clrMapOvr>
+</p:sld>
+</file>
+
+<file path=ppt/slides/slide24.xml><?xml version="1.0" encoding="utf-8"?>
+<p:sld xmlns:a="http://schemas.openxmlformats.org/drawingml/2006/main" xmlns:r="http://schemas.openxmlformats.org/officeDocument/2006/relationships" xmlns:p="http://schemas.openxmlformats.org/presentationml/2006/main">
+  <p:cSld>
+    <p:spTree>
+      <p:nvGrpSpPr>
+        <p:cNvPr id="1" name=""/>
+        <p:cNvGrpSpPr/>
+        <p:nvPr/>
+      </p:nvGrpSpPr>
+      <p:grpSpPr>
+        <a:xfrm>
+          <a:off x="0" y="0"/>
+          <a:ext cx="0" cy="0"/>
+          <a:chOff x="0" y="0"/>
+          <a:chExt cx="0" cy="0"/>
+        </a:xfrm>
+      </p:grpSpPr>
+      <p:cxnSp>
+        <p:nvCxnSpPr>
+          <p:cNvPr id="4" name="Straight Arrow Connector 3">
+            <a:extLst>
+              <a:ext uri="{FF2B5EF4-FFF2-40B4-BE49-F238E27FC236}">
+                <a16:creationId xmlns:a16="http://schemas.microsoft.com/office/drawing/2014/main" id="{05F8333B-4656-CE4E-8388-7E274465DDF3}"/>
+              </a:ext>
+            </a:extLst>
+          </p:cNvPr>
+          <p:cNvCxnSpPr/>
+          <p:nvPr/>
+        </p:nvCxnSpPr>
+        <p:spPr>
+          <a:xfrm>
+            <a:off x="806824" y="3944471"/>
+            <a:ext cx="7315200" cy="0"/>
+          </a:xfrm>
+          <a:prstGeom prst="straightConnector1">
+            <a:avLst/>
+          </a:prstGeom>
+          <a:ln w="28575">
+            <a:solidFill>
+              <a:srgbClr val="000000"/>
+            </a:solidFill>
+            <a:tailEnd type="triangle"/>
+          </a:ln>
+        </p:spPr>
+        <p:style>
+          <a:lnRef idx="1">
+            <a:schemeClr val="accent1"/>
+          </a:lnRef>
+          <a:fillRef idx="0">
+            <a:schemeClr val="accent1"/>
+          </a:fillRef>
+          <a:effectRef idx="0">
+            <a:schemeClr val="accent1"/>
+          </a:effectRef>
+          <a:fontRef idx="minor">
+            <a:schemeClr val="tx1"/>
+          </a:fontRef>
+        </p:style>
+      </p:cxnSp>
+      <p:sp>
+        <p:nvSpPr>
+          <p:cNvPr id="5" name="TextBox 4">
+            <a:extLst>
+              <a:ext uri="{FF2B5EF4-FFF2-40B4-BE49-F238E27FC236}">
+                <a16:creationId xmlns:a16="http://schemas.microsoft.com/office/drawing/2014/main" id="{42E67F77-E83B-6747-82E7-086DF8E00EEB}"/>
+              </a:ext>
+            </a:extLst>
+          </p:cNvPr>
+          <p:cNvSpPr txBox="1"/>
+          <p:nvPr/>
+        </p:nvSpPr>
+        <p:spPr>
+          <a:xfrm>
+            <a:off x="7575079" y="3944471"/>
+            <a:ext cx="546945" cy="307777"/>
+          </a:xfrm>
+          <a:prstGeom prst="rect">
+            <a:avLst/>
+          </a:prstGeom>
+          <a:noFill/>
+        </p:spPr>
+        <p:txBody>
+          <a:bodyPr wrap="none" rtlCol="0">
+            <a:spAutoFit/>
+          </a:bodyPr>
+          <a:lstStyle/>
+          <a:p>
+            <a:r>
+              <a:rPr lang="en-US" dirty="0">
+                <a:latin typeface="Calibri" panose="020F0502020204030204" pitchFamily="34" charset="0"/>
+                <a:cs typeface="Calibri" panose="020F0502020204030204" pitchFamily="34" charset="0"/>
+              </a:rPr>
+              <a:t>Time</a:t>
+            </a:r>
+          </a:p>
+        </p:txBody>
+      </p:sp>
+      <p:cxnSp>
+        <p:nvCxnSpPr>
+          <p:cNvPr id="7" name="Straight Connector 6">
+            <a:extLst>
+              <a:ext uri="{FF2B5EF4-FFF2-40B4-BE49-F238E27FC236}">
+                <a16:creationId xmlns:a16="http://schemas.microsoft.com/office/drawing/2014/main" id="{B9737BD1-1D51-D24E-BFAF-CE476BFA42C2}"/>
+              </a:ext>
+            </a:extLst>
+          </p:cNvPr>
+          <p:cNvCxnSpPr>
+            <a:cxnSpLocks/>
+          </p:cNvCxnSpPr>
+          <p:nvPr/>
+        </p:nvCxnSpPr>
+        <p:spPr>
+          <a:xfrm flipV="1">
+            <a:off x="2913529" y="1219198"/>
+            <a:ext cx="0" cy="2961330"/>
+          </a:xfrm>
+          <a:prstGeom prst="line">
+            <a:avLst/>
+          </a:prstGeom>
+          <a:ln w="12700">
+            <a:prstDash val="sysDot"/>
+          </a:ln>
+        </p:spPr>
+        <p:style>
+          <a:lnRef idx="1">
+            <a:schemeClr val="accent1"/>
+          </a:lnRef>
+          <a:fillRef idx="0">
+            <a:schemeClr val="accent1"/>
+          </a:fillRef>
+          <a:effectRef idx="0">
+            <a:schemeClr val="accent1"/>
+          </a:effectRef>
+          <a:fontRef idx="minor">
+            <a:schemeClr val="tx1"/>
+          </a:fontRef>
+        </p:style>
+      </p:cxnSp>
+      <p:cxnSp>
+        <p:nvCxnSpPr>
+          <p:cNvPr id="10" name="Straight Connector 9">
+            <a:extLst>
+              <a:ext uri="{FF2B5EF4-FFF2-40B4-BE49-F238E27FC236}">
+                <a16:creationId xmlns:a16="http://schemas.microsoft.com/office/drawing/2014/main" id="{7F05185B-9AFC-8641-9724-BFBA1EDED9F2}"/>
+              </a:ext>
+            </a:extLst>
+          </p:cNvPr>
+          <p:cNvCxnSpPr>
+            <a:cxnSpLocks/>
+          </p:cNvCxnSpPr>
+          <p:nvPr/>
+        </p:nvCxnSpPr>
+        <p:spPr>
+          <a:xfrm flipV="1">
+            <a:off x="5602941" y="1228163"/>
+            <a:ext cx="0" cy="2961330"/>
+          </a:xfrm>
+          <a:prstGeom prst="line">
+            <a:avLst/>
+          </a:prstGeom>
+          <a:ln w="12700">
+            <a:prstDash val="sysDot"/>
+          </a:ln>
+        </p:spPr>
+        <p:style>
+          <a:lnRef idx="1">
+            <a:schemeClr val="accent1"/>
+          </a:lnRef>
+          <a:fillRef idx="0">
+            <a:schemeClr val="accent1"/>
+          </a:fillRef>
+          <a:effectRef idx="0">
+            <a:schemeClr val="accent1"/>
+          </a:effectRef>
+          <a:fontRef idx="minor">
+            <a:schemeClr val="tx1"/>
+          </a:fontRef>
+        </p:style>
+      </p:cxnSp>
+      <p:sp>
+        <p:nvSpPr>
+          <p:cNvPr id="11" name="TextBox 10">
+            <a:extLst>
+              <a:ext uri="{FF2B5EF4-FFF2-40B4-BE49-F238E27FC236}">
+                <a16:creationId xmlns:a16="http://schemas.microsoft.com/office/drawing/2014/main" id="{AFA6A218-089C-8C4B-9EAF-88466013E033}"/>
+              </a:ext>
+            </a:extLst>
+          </p:cNvPr>
+          <p:cNvSpPr txBox="1"/>
+          <p:nvPr/>
+        </p:nvSpPr>
+        <p:spPr>
+          <a:xfrm>
+            <a:off x="1129553" y="1102656"/>
+            <a:ext cx="1175322" cy="307777"/>
+          </a:xfrm>
+          <a:prstGeom prst="rect">
+            <a:avLst/>
+          </a:prstGeom>
+          <a:noFill/>
+        </p:spPr>
+        <p:txBody>
+          <a:bodyPr wrap="none" rtlCol="0">
+            <a:spAutoFit/>
+          </a:bodyPr>
+          <a:lstStyle/>
+          <a:p>
+            <a:pPr algn="ctr"/>
+            <a:r>
+              <a:rPr lang="en-US" dirty="0">
+                <a:latin typeface="Calibri" panose="020F0502020204030204" pitchFamily="34" charset="0"/>
+                <a:cs typeface="Calibri" panose="020F0502020204030204" pitchFamily="34" charset="0"/>
+              </a:rPr>
+              <a:t>Development</a:t>
+            </a:r>
+          </a:p>
+        </p:txBody>
+      </p:sp>
+      <p:sp>
+        <p:nvSpPr>
+          <p:cNvPr id="12" name="TextBox 11">
+            <a:extLst>
+              <a:ext uri="{FF2B5EF4-FFF2-40B4-BE49-F238E27FC236}">
+                <a16:creationId xmlns:a16="http://schemas.microsoft.com/office/drawing/2014/main" id="{CAAA2EDF-3142-5D49-AF1B-48F5415BA8A8}"/>
+              </a:ext>
+            </a:extLst>
+          </p:cNvPr>
+          <p:cNvSpPr txBox="1"/>
+          <p:nvPr/>
+        </p:nvSpPr>
+        <p:spPr>
+          <a:xfrm>
+            <a:off x="3572793" y="1091570"/>
+            <a:ext cx="1370889" cy="307777"/>
+          </a:xfrm>
+          <a:prstGeom prst="rect">
+            <a:avLst/>
+          </a:prstGeom>
+          <a:noFill/>
+        </p:spPr>
+        <p:txBody>
+          <a:bodyPr wrap="none" rtlCol="0">
+            <a:spAutoFit/>
+          </a:bodyPr>
+          <a:lstStyle/>
+          <a:p>
+            <a:pPr algn="ctr"/>
+            <a:r>
+              <a:rPr lang="en-US" dirty="0">
+                <a:latin typeface="Calibri" panose="020F0502020204030204" pitchFamily="34" charset="0"/>
+                <a:cs typeface="Calibri" panose="020F0502020204030204" pitchFamily="34" charset="0"/>
+              </a:rPr>
+              <a:t>Integrate &amp; Test</a:t>
+            </a:r>
+          </a:p>
+        </p:txBody>
+      </p:sp>
+      <p:sp>
+        <p:nvSpPr>
+          <p:cNvPr id="13" name="TextBox 12">
+            <a:extLst>
+              <a:ext uri="{FF2B5EF4-FFF2-40B4-BE49-F238E27FC236}">
+                <a16:creationId xmlns:a16="http://schemas.microsoft.com/office/drawing/2014/main" id="{0EE2BDEA-3FB1-E24A-9F18-BAD3C64E884B}"/>
+              </a:ext>
+            </a:extLst>
+          </p:cNvPr>
+          <p:cNvSpPr txBox="1"/>
+          <p:nvPr/>
+        </p:nvSpPr>
+        <p:spPr>
+          <a:xfrm>
+            <a:off x="6285658" y="1102654"/>
+            <a:ext cx="1494320" cy="307777"/>
+          </a:xfrm>
+          <a:prstGeom prst="rect">
+            <a:avLst/>
+          </a:prstGeom>
+          <a:noFill/>
+        </p:spPr>
+        <p:txBody>
+          <a:bodyPr wrap="none" rtlCol="0">
+            <a:spAutoFit/>
+          </a:bodyPr>
+          <a:lstStyle/>
+          <a:p>
+            <a:pPr algn="ctr"/>
+            <a:r>
+              <a:rPr lang="en-US" dirty="0">
+                <a:latin typeface="Calibri" panose="020F0502020204030204" pitchFamily="34" charset="0"/>
+                <a:cs typeface="Calibri" panose="020F0502020204030204" pitchFamily="34" charset="0"/>
+              </a:rPr>
+              <a:t>Run in Production</a:t>
+            </a:r>
+          </a:p>
+        </p:txBody>
+      </p:sp>
+      <p:sp>
+        <p:nvSpPr>
+          <p:cNvPr id="15" name="Google Shape;71;p15">
+            <a:extLst>
+              <a:ext uri="{FF2B5EF4-FFF2-40B4-BE49-F238E27FC236}">
+                <a16:creationId xmlns:a16="http://schemas.microsoft.com/office/drawing/2014/main" id="{1E7A5818-8BB9-E546-99D0-0D8621B24958}"/>
+              </a:ext>
+            </a:extLst>
+          </p:cNvPr>
+          <p:cNvSpPr/>
+          <p:nvPr/>
+        </p:nvSpPr>
+        <p:spPr>
+          <a:xfrm rot="16200000">
+            <a:off x="184900" y="2543350"/>
+            <a:ext cx="2349690" cy="245221"/>
+          </a:xfrm>
+          <a:prstGeom prst="roundRect">
+            <a:avLst>
+              <a:gd name="adj" fmla="val 16667"/>
+            </a:avLst>
+          </a:prstGeom>
+          <a:solidFill>
+            <a:srgbClr val="6A99D0"/>
+          </a:solidFill>
+          <a:ln w="12700" cap="flat" cmpd="sng">
+            <a:solidFill>
+              <a:srgbClr val="6A99D0"/>
+            </a:solidFill>
+            <a:prstDash val="solid"/>
+            <a:round/>
+            <a:headEnd type="none" w="sm" len="sm"/>
+            <a:tailEnd type="none" w="sm" len="sm"/>
+          </a:ln>
+        </p:spPr>
+        <p:txBody>
+          <a:bodyPr spcFirstLastPara="1" wrap="square" lIns="121900" tIns="121900" rIns="121900" bIns="121900" anchor="ctr" anchorCtr="0">
+            <a:noAutofit/>
+          </a:bodyPr>
+          <a:lstStyle/>
+          <a:p>
+            <a:pPr algn="ctr"/>
+            <a:r>
+              <a:rPr lang="en" sz="1200" dirty="0">
+                <a:solidFill>
+                  <a:schemeClr val="bg1"/>
+                </a:solidFill>
+                <a:latin typeface="Calibri" panose="020F0502020204030204" pitchFamily="34" charset="0"/>
+                <a:cs typeface="Calibri" panose="020F0502020204030204" pitchFamily="34" charset="0"/>
+              </a:rPr>
+              <a:t>Unit &amp; Smoke Tests</a:t>
+            </a:r>
+            <a:endParaRPr sz="1200" dirty="0">
+              <a:solidFill>
+                <a:schemeClr val="bg1"/>
+              </a:solidFill>
+              <a:latin typeface="Calibri" panose="020F0502020204030204" pitchFamily="34" charset="0"/>
+              <a:cs typeface="Calibri" panose="020F0502020204030204" pitchFamily="34" charset="0"/>
+            </a:endParaRPr>
+          </a:p>
+        </p:txBody>
+      </p:sp>
+      <p:sp>
+        <p:nvSpPr>
+          <p:cNvPr id="16" name="Google Shape;71;p15">
+            <a:extLst>
+              <a:ext uri="{FF2B5EF4-FFF2-40B4-BE49-F238E27FC236}">
+                <a16:creationId xmlns:a16="http://schemas.microsoft.com/office/drawing/2014/main" id="{EDF14194-71D8-5E41-8CEB-211E3952663C}"/>
+              </a:ext>
+            </a:extLst>
+          </p:cNvPr>
+          <p:cNvSpPr/>
+          <p:nvPr/>
+        </p:nvSpPr>
+        <p:spPr>
+          <a:xfrm rot="16200000">
+            <a:off x="890875" y="2543349"/>
+            <a:ext cx="2349689" cy="245221"/>
+          </a:xfrm>
+          <a:prstGeom prst="roundRect">
+            <a:avLst>
+              <a:gd name="adj" fmla="val 16667"/>
+            </a:avLst>
+          </a:prstGeom>
+          <a:solidFill>
+            <a:srgbClr val="6A99D0"/>
+          </a:solidFill>
+          <a:ln w="12700" cap="flat" cmpd="sng">
+            <a:solidFill>
+              <a:srgbClr val="6A99D0"/>
+            </a:solidFill>
+            <a:prstDash val="solid"/>
+            <a:round/>
+            <a:headEnd type="none" w="sm" len="sm"/>
+            <a:tailEnd type="none" w="sm" len="sm"/>
+          </a:ln>
+        </p:spPr>
+        <p:txBody>
+          <a:bodyPr spcFirstLastPara="1" wrap="square" lIns="121900" tIns="121900" rIns="121900" bIns="121900" anchor="ctr" anchorCtr="0">
+            <a:noAutofit/>
+          </a:bodyPr>
+          <a:lstStyle/>
+          <a:p>
+            <a:pPr algn="ctr"/>
+            <a:r>
+              <a:rPr lang="en" sz="1200" dirty="0">
+                <a:solidFill>
+                  <a:schemeClr val="bg1"/>
+                </a:solidFill>
+                <a:latin typeface="Calibri" panose="020F0502020204030204" pitchFamily="34" charset="0"/>
+                <a:cs typeface="Calibri" panose="020F0502020204030204" pitchFamily="34" charset="0"/>
+              </a:rPr>
+              <a:t>Code Review</a:t>
+            </a:r>
+            <a:endParaRPr sz="1200" dirty="0">
+              <a:solidFill>
+                <a:schemeClr val="bg1"/>
+              </a:solidFill>
+              <a:latin typeface="Calibri" panose="020F0502020204030204" pitchFamily="34" charset="0"/>
+              <a:cs typeface="Calibri" panose="020F0502020204030204" pitchFamily="34" charset="0"/>
+            </a:endParaRPr>
+          </a:p>
+        </p:txBody>
+      </p:sp>
+      <p:sp>
+        <p:nvSpPr>
+          <p:cNvPr id="17" name="Google Shape;71;p15">
+            <a:extLst>
+              <a:ext uri="{FF2B5EF4-FFF2-40B4-BE49-F238E27FC236}">
+                <a16:creationId xmlns:a16="http://schemas.microsoft.com/office/drawing/2014/main" id="{0F5B1EF1-4638-EB47-90E6-A5B1CBF8298F}"/>
+              </a:ext>
+            </a:extLst>
+          </p:cNvPr>
+          <p:cNvSpPr/>
+          <p:nvPr/>
+        </p:nvSpPr>
+        <p:spPr>
+          <a:xfrm rot="16200000">
+            <a:off x="2628135" y="2543348"/>
+            <a:ext cx="2349690" cy="245221"/>
+          </a:xfrm>
+          <a:prstGeom prst="roundRect">
+            <a:avLst>
+              <a:gd name="adj" fmla="val 16667"/>
+            </a:avLst>
+          </a:prstGeom>
+          <a:solidFill>
+            <a:srgbClr val="6A99D0"/>
+          </a:solidFill>
+          <a:ln w="12700" cap="flat" cmpd="sng">
+            <a:solidFill>
+              <a:srgbClr val="6A99D0"/>
+            </a:solidFill>
+            <a:prstDash val="solid"/>
+            <a:round/>
+            <a:headEnd type="none" w="sm" len="sm"/>
+            <a:tailEnd type="none" w="sm" len="sm"/>
+          </a:ln>
+        </p:spPr>
+        <p:txBody>
+          <a:bodyPr spcFirstLastPara="1" wrap="square" lIns="121900" tIns="121900" rIns="121900" bIns="121900" anchor="ctr" anchorCtr="0">
+            <a:noAutofit/>
+          </a:bodyPr>
+          <a:lstStyle/>
+          <a:p>
+            <a:pPr algn="ctr"/>
+            <a:r>
+              <a:rPr lang="en" sz="1200" dirty="0">
+                <a:solidFill>
+                  <a:schemeClr val="bg1"/>
+                </a:solidFill>
+                <a:latin typeface="Calibri" panose="020F0502020204030204" pitchFamily="34" charset="0"/>
+                <a:cs typeface="Calibri" panose="020F0502020204030204" pitchFamily="34" charset="0"/>
+              </a:rPr>
+              <a:t>Integration &amp; Performance Tests</a:t>
+            </a:r>
+            <a:endParaRPr sz="1200" dirty="0">
+              <a:solidFill>
+                <a:schemeClr val="bg1"/>
+              </a:solidFill>
+              <a:latin typeface="Calibri" panose="020F0502020204030204" pitchFamily="34" charset="0"/>
+              <a:cs typeface="Calibri" panose="020F0502020204030204" pitchFamily="34" charset="0"/>
+            </a:endParaRPr>
+          </a:p>
+        </p:txBody>
+      </p:sp>
+      <p:sp>
+        <p:nvSpPr>
+          <p:cNvPr id="18" name="Google Shape;71;p15">
+            <a:extLst>
+              <a:ext uri="{FF2B5EF4-FFF2-40B4-BE49-F238E27FC236}">
+                <a16:creationId xmlns:a16="http://schemas.microsoft.com/office/drawing/2014/main" id="{EF171BFD-27B7-4D43-B071-654689374BF6}"/>
+              </a:ext>
+            </a:extLst>
+          </p:cNvPr>
+          <p:cNvSpPr/>
+          <p:nvPr/>
+        </p:nvSpPr>
+        <p:spPr>
+          <a:xfrm rot="16200000">
+            <a:off x="3520717" y="2543347"/>
+            <a:ext cx="2349690" cy="245221"/>
+          </a:xfrm>
+          <a:prstGeom prst="roundRect">
+            <a:avLst>
+              <a:gd name="adj" fmla="val 16667"/>
+            </a:avLst>
+          </a:prstGeom>
+          <a:solidFill>
+            <a:srgbClr val="6A99D0"/>
+          </a:solidFill>
+          <a:ln w="12700" cap="flat" cmpd="sng">
+            <a:solidFill>
+              <a:srgbClr val="6A99D0"/>
+            </a:solidFill>
+            <a:prstDash val="solid"/>
+            <a:round/>
+            <a:headEnd type="none" w="sm" len="sm"/>
+            <a:tailEnd type="none" w="sm" len="sm"/>
+          </a:ln>
+        </p:spPr>
+        <p:txBody>
+          <a:bodyPr spcFirstLastPara="1" wrap="square" lIns="121900" tIns="121900" rIns="121900" bIns="121900" anchor="ctr" anchorCtr="0">
+            <a:noAutofit/>
+          </a:bodyPr>
+          <a:lstStyle/>
+          <a:p>
+            <a:pPr algn="ctr"/>
+            <a:r>
+              <a:rPr lang="en" sz="1200" dirty="0">
+                <a:solidFill>
+                  <a:schemeClr val="bg1"/>
+                </a:solidFill>
+                <a:latin typeface="Calibri" panose="020F0502020204030204" pitchFamily="34" charset="0"/>
+                <a:cs typeface="Calibri" panose="020F0502020204030204" pitchFamily="34" charset="0"/>
+              </a:rPr>
+              <a:t>Soak (Canary) Tests</a:t>
+            </a:r>
+            <a:endParaRPr sz="1200" dirty="0">
+              <a:solidFill>
+                <a:schemeClr val="bg1"/>
+              </a:solidFill>
+              <a:latin typeface="Calibri" panose="020F0502020204030204" pitchFamily="34" charset="0"/>
+              <a:cs typeface="Calibri" panose="020F0502020204030204" pitchFamily="34" charset="0"/>
+            </a:endParaRPr>
+          </a:p>
+        </p:txBody>
+      </p:sp>
+      <p:sp>
+        <p:nvSpPr>
+          <p:cNvPr id="19" name="Google Shape;71;p15">
+            <a:extLst>
+              <a:ext uri="{FF2B5EF4-FFF2-40B4-BE49-F238E27FC236}">
+                <a16:creationId xmlns:a16="http://schemas.microsoft.com/office/drawing/2014/main" id="{55F828D4-FBC8-084F-B26A-29FCC98CF5C3}"/>
+              </a:ext>
+            </a:extLst>
+          </p:cNvPr>
+          <p:cNvSpPr/>
+          <p:nvPr/>
+        </p:nvSpPr>
+        <p:spPr>
+          <a:xfrm rot="16200000">
+            <a:off x="5359111" y="2554432"/>
+            <a:ext cx="2349690" cy="245221"/>
+          </a:xfrm>
+          <a:prstGeom prst="roundRect">
+            <a:avLst>
+              <a:gd name="adj" fmla="val 16667"/>
+            </a:avLst>
+          </a:prstGeom>
+          <a:solidFill>
+            <a:srgbClr val="6A99D0"/>
+          </a:solidFill>
+          <a:ln w="12700" cap="flat" cmpd="sng">
+            <a:solidFill>
+              <a:srgbClr val="6A99D0"/>
+            </a:solidFill>
+            <a:prstDash val="solid"/>
+            <a:round/>
+            <a:headEnd type="none" w="sm" len="sm"/>
+            <a:tailEnd type="none" w="sm" len="sm"/>
+          </a:ln>
+        </p:spPr>
+        <p:txBody>
+          <a:bodyPr spcFirstLastPara="1" wrap="square" lIns="121900" tIns="121900" rIns="121900" bIns="121900" anchor="ctr" anchorCtr="0">
+            <a:noAutofit/>
+          </a:bodyPr>
+          <a:lstStyle/>
+          <a:p>
+            <a:pPr algn="ctr"/>
+            <a:r>
+              <a:rPr lang="en" sz="1200" dirty="0">
+                <a:solidFill>
+                  <a:schemeClr val="bg1"/>
+                </a:solidFill>
+                <a:latin typeface="Calibri" panose="020F0502020204030204" pitchFamily="34" charset="0"/>
+                <a:cs typeface="Calibri" panose="020F0502020204030204" pitchFamily="34" charset="0"/>
+              </a:rPr>
+              <a:t>Monitoring &amp; Logging</a:t>
+            </a:r>
+            <a:endParaRPr sz="1200" dirty="0">
+              <a:solidFill>
+                <a:schemeClr val="bg1"/>
+              </a:solidFill>
+              <a:latin typeface="Calibri" panose="020F0502020204030204" pitchFamily="34" charset="0"/>
+              <a:cs typeface="Calibri" panose="020F0502020204030204" pitchFamily="34" charset="0"/>
+            </a:endParaRPr>
+          </a:p>
+        </p:txBody>
+      </p:sp>
+      <p:sp>
+        <p:nvSpPr>
+          <p:cNvPr id="20" name="Google Shape;71;p15">
+            <a:extLst>
+              <a:ext uri="{FF2B5EF4-FFF2-40B4-BE49-F238E27FC236}">
+                <a16:creationId xmlns:a16="http://schemas.microsoft.com/office/drawing/2014/main" id="{BBC8236C-F80F-CC4C-A6A9-5EC3D11D0E8F}"/>
+              </a:ext>
+            </a:extLst>
+          </p:cNvPr>
+          <p:cNvSpPr/>
+          <p:nvPr/>
+        </p:nvSpPr>
+        <p:spPr>
+          <a:xfrm rot="16200000">
+            <a:off x="6357013" y="2554432"/>
+            <a:ext cx="2349690" cy="245221"/>
+          </a:xfrm>
+          <a:prstGeom prst="roundRect">
+            <a:avLst>
+              <a:gd name="adj" fmla="val 16667"/>
+            </a:avLst>
+          </a:prstGeom>
+          <a:solidFill>
+            <a:srgbClr val="6A99D0"/>
+          </a:solidFill>
+          <a:ln w="12700" cap="flat" cmpd="sng">
+            <a:solidFill>
+              <a:srgbClr val="6A99D0"/>
+            </a:solidFill>
+            <a:prstDash val="solid"/>
+            <a:round/>
+            <a:headEnd type="none" w="sm" len="sm"/>
+            <a:tailEnd type="none" w="sm" len="sm"/>
+          </a:ln>
+        </p:spPr>
+        <p:txBody>
+          <a:bodyPr spcFirstLastPara="1" wrap="square" lIns="121900" tIns="121900" rIns="121900" bIns="121900" anchor="ctr" anchorCtr="0">
+            <a:noAutofit/>
+          </a:bodyPr>
+          <a:lstStyle/>
+          <a:p>
+            <a:pPr algn="ctr"/>
+            <a:r>
+              <a:rPr lang="en" sz="1200" dirty="0">
+                <a:solidFill>
+                  <a:schemeClr val="bg1"/>
+                </a:solidFill>
+                <a:latin typeface="Calibri" panose="020F0502020204030204" pitchFamily="34" charset="0"/>
+                <a:cs typeface="Calibri" panose="020F0502020204030204" pitchFamily="34" charset="0"/>
+              </a:rPr>
+              <a:t>End-to-End Tests</a:t>
+            </a:r>
+            <a:endParaRPr sz="1200" dirty="0">
+              <a:solidFill>
+                <a:schemeClr val="bg1"/>
+              </a:solidFill>
+              <a:latin typeface="Calibri" panose="020F0502020204030204" pitchFamily="34" charset="0"/>
+              <a:cs typeface="Calibri" panose="020F0502020204030204" pitchFamily="34" charset="0"/>
+            </a:endParaRPr>
+          </a:p>
+        </p:txBody>
+      </p:sp>
+      <p:grpSp>
+        <p:nvGrpSpPr>
+          <p:cNvPr id="23" name="Group 22">
+            <a:extLst>
+              <a:ext uri="{FF2B5EF4-FFF2-40B4-BE49-F238E27FC236}">
+                <a16:creationId xmlns:a16="http://schemas.microsoft.com/office/drawing/2014/main" id="{79FC39CB-6D6A-A441-91A3-5A1D46BBC190}"/>
+              </a:ext>
+            </a:extLst>
+          </p:cNvPr>
+          <p:cNvGrpSpPr/>
+          <p:nvPr/>
+        </p:nvGrpSpPr>
+        <p:grpSpPr>
+          <a:xfrm>
+            <a:off x="2603483" y="2458281"/>
+            <a:ext cx="665567" cy="415352"/>
+            <a:chOff x="2678052" y="4518213"/>
+            <a:chExt cx="665567" cy="415352"/>
+          </a:xfrm>
+        </p:grpSpPr>
+        <p:sp>
+          <p:nvSpPr>
+            <p:cNvPr id="21" name="Right Arrow 20">
+              <a:extLst>
+                <a:ext uri="{FF2B5EF4-FFF2-40B4-BE49-F238E27FC236}">
+                  <a16:creationId xmlns:a16="http://schemas.microsoft.com/office/drawing/2014/main" id="{984B75B2-AD06-F444-A041-812283178C54}"/>
+                </a:ext>
+              </a:extLst>
+            </p:cNvPr>
+            <p:cNvSpPr/>
+            <p:nvPr/>
+          </p:nvSpPr>
+          <p:spPr>
+            <a:xfrm>
+              <a:off x="2813611" y="4518213"/>
+              <a:ext cx="394446" cy="152400"/>
+            </a:xfrm>
+            <a:prstGeom prst="rightArrow">
+              <a:avLst/>
+            </a:prstGeom>
+            <a:solidFill>
+              <a:schemeClr val="tx1"/>
+            </a:solidFill>
+            <a:ln>
+              <a:solidFill>
+                <a:schemeClr val="tx1"/>
+              </a:solidFill>
+            </a:ln>
+          </p:spPr>
+          <p:style>
+            <a:lnRef idx="2">
+              <a:schemeClr val="accent1">
+                <a:shade val="50000"/>
+              </a:schemeClr>
+            </a:lnRef>
+            <a:fillRef idx="1">
+              <a:schemeClr val="accent1"/>
+            </a:fillRef>
+            <a:effectRef idx="0">
+              <a:schemeClr val="accent1"/>
+            </a:effectRef>
+            <a:fontRef idx="minor">
+              <a:schemeClr val="lt1"/>
+            </a:fontRef>
+          </p:style>
+          <p:txBody>
+            <a:bodyPr rtlCol="0" anchor="ctr"/>
+            <a:lstStyle/>
+            <a:p>
+              <a:pPr algn="ctr"/>
+              <a:endParaRPr lang="en-US" dirty="0"/>
+            </a:p>
+          </p:txBody>
+        </p:sp>
+        <p:sp>
+          <p:nvSpPr>
+            <p:cNvPr id="22" name="TextBox 21">
+              <a:extLst>
+                <a:ext uri="{FF2B5EF4-FFF2-40B4-BE49-F238E27FC236}">
+                  <a16:creationId xmlns:a16="http://schemas.microsoft.com/office/drawing/2014/main" id="{CD6417BA-544F-4349-9D22-C0142683FCF0}"/>
+                </a:ext>
+              </a:extLst>
+            </p:cNvPr>
+            <p:cNvSpPr txBox="1"/>
+            <p:nvPr/>
+          </p:nvSpPr>
+          <p:spPr>
+            <a:xfrm>
+              <a:off x="2678052" y="4625788"/>
+              <a:ext cx="665567" cy="307777"/>
+            </a:xfrm>
+            <a:prstGeom prst="rect">
+              <a:avLst/>
+            </a:prstGeom>
+            <a:noFill/>
+          </p:spPr>
+          <p:txBody>
+            <a:bodyPr wrap="none" rtlCol="0">
+              <a:spAutoFit/>
+            </a:bodyPr>
+            <a:lstStyle/>
+            <a:p>
+              <a:pPr algn="ctr"/>
+              <a:r>
+                <a:rPr lang="en-US" dirty="0">
+                  <a:latin typeface="Calibri" panose="020F0502020204030204" pitchFamily="34" charset="0"/>
+                  <a:cs typeface="Calibri" panose="020F0502020204030204" pitchFamily="34" charset="0"/>
+                </a:rPr>
+                <a:t>Merge</a:t>
+              </a:r>
+            </a:p>
+          </p:txBody>
+        </p:sp>
+      </p:grpSp>
+      <p:grpSp>
+        <p:nvGrpSpPr>
+          <p:cNvPr id="24" name="Group 23">
+            <a:extLst>
+              <a:ext uri="{FF2B5EF4-FFF2-40B4-BE49-F238E27FC236}">
+                <a16:creationId xmlns:a16="http://schemas.microsoft.com/office/drawing/2014/main" id="{8982A7DA-E9C0-C64C-AA80-CCE157FC4089}"/>
+              </a:ext>
+            </a:extLst>
+          </p:cNvPr>
+          <p:cNvGrpSpPr/>
+          <p:nvPr/>
+        </p:nvGrpSpPr>
+        <p:grpSpPr>
+          <a:xfrm>
+            <a:off x="5249756" y="2458281"/>
+            <a:ext cx="697627" cy="415352"/>
+            <a:chOff x="2662022" y="4518213"/>
+            <a:chExt cx="697627" cy="415352"/>
+          </a:xfrm>
+        </p:grpSpPr>
+        <p:sp>
+          <p:nvSpPr>
+            <p:cNvPr id="25" name="Right Arrow 24">
+              <a:extLst>
+                <a:ext uri="{FF2B5EF4-FFF2-40B4-BE49-F238E27FC236}">
+                  <a16:creationId xmlns:a16="http://schemas.microsoft.com/office/drawing/2014/main" id="{DD4C652E-5333-F64B-99D1-7DC4F18A5520}"/>
+                </a:ext>
+              </a:extLst>
+            </p:cNvPr>
+            <p:cNvSpPr/>
+            <p:nvPr/>
+          </p:nvSpPr>
+          <p:spPr>
+            <a:xfrm>
+              <a:off x="2813611" y="4518213"/>
+              <a:ext cx="394446" cy="152400"/>
+            </a:xfrm>
+            <a:prstGeom prst="rightArrow">
+              <a:avLst/>
+            </a:prstGeom>
+            <a:solidFill>
+              <a:schemeClr val="tx1"/>
+            </a:solidFill>
+            <a:ln>
+              <a:solidFill>
+                <a:schemeClr val="tx1"/>
+              </a:solidFill>
+            </a:ln>
+          </p:spPr>
+          <p:style>
+            <a:lnRef idx="2">
+              <a:schemeClr val="accent1">
+                <a:shade val="50000"/>
+              </a:schemeClr>
+            </a:lnRef>
+            <a:fillRef idx="1">
+              <a:schemeClr val="accent1"/>
+            </a:fillRef>
+            <a:effectRef idx="0">
+              <a:schemeClr val="accent1"/>
+            </a:effectRef>
+            <a:fontRef idx="minor">
+              <a:schemeClr val="lt1"/>
+            </a:fontRef>
+          </p:style>
+          <p:txBody>
+            <a:bodyPr rtlCol="0" anchor="ctr"/>
+            <a:lstStyle/>
+            <a:p>
+              <a:pPr algn="ctr"/>
+              <a:endParaRPr lang="en-US" dirty="0"/>
+            </a:p>
+          </p:txBody>
+        </p:sp>
+        <p:sp>
+          <p:nvSpPr>
+            <p:cNvPr id="26" name="TextBox 25">
+              <a:extLst>
+                <a:ext uri="{FF2B5EF4-FFF2-40B4-BE49-F238E27FC236}">
+                  <a16:creationId xmlns:a16="http://schemas.microsoft.com/office/drawing/2014/main" id="{B91E6674-05F1-AA41-AA72-31B5ED6746E7}"/>
+                </a:ext>
+              </a:extLst>
+            </p:cNvPr>
+            <p:cNvSpPr txBox="1"/>
+            <p:nvPr/>
+          </p:nvSpPr>
+          <p:spPr>
+            <a:xfrm>
+              <a:off x="2662022" y="4625788"/>
+              <a:ext cx="697627" cy="307777"/>
+            </a:xfrm>
+            <a:prstGeom prst="rect">
+              <a:avLst/>
+            </a:prstGeom>
+            <a:noFill/>
+          </p:spPr>
+          <p:txBody>
+            <a:bodyPr wrap="none" rtlCol="0">
+              <a:spAutoFit/>
+            </a:bodyPr>
+            <a:lstStyle/>
+            <a:p>
+              <a:pPr algn="ctr"/>
+              <a:r>
+                <a:rPr lang="en-US" dirty="0">
+                  <a:latin typeface="Calibri" panose="020F0502020204030204" pitchFamily="34" charset="0"/>
+                  <a:cs typeface="Calibri" panose="020F0502020204030204" pitchFamily="34" charset="0"/>
+                </a:rPr>
+                <a:t>Deploy</a:t>
+              </a:r>
+            </a:p>
+          </p:txBody>
+        </p:sp>
+      </p:grpSp>
+    </p:spTree>
+    <p:extLst>
+      <p:ext uri="{BB962C8B-B14F-4D97-AF65-F5344CB8AC3E}">
+        <p14:creationId xmlns:p14="http://schemas.microsoft.com/office/powerpoint/2010/main" val="146375146"/>
       </p:ext>
     </p:extLst>
   </p:cSld>

--- a/figures.pptx
+++ b/figures.pptx
@@ -25795,13 +25795,15 @@
               </a:ext>
             </a:extLst>
           </p:cNvPr>
-          <p:cNvCxnSpPr/>
+          <p:cNvCxnSpPr>
+            <a:cxnSpLocks/>
+          </p:cNvCxnSpPr>
           <p:nvPr/>
         </p:nvCxnSpPr>
         <p:spPr>
           <a:xfrm>
-            <a:off x="806824" y="3944471"/>
-            <a:ext cx="7315200" cy="0"/>
+            <a:off x="986118" y="3944471"/>
+            <a:ext cx="6763819" cy="0"/>
           </a:xfrm>
           <a:prstGeom prst="straightConnector1">
             <a:avLst/>
@@ -25842,7 +25844,7 @@
         </p:nvSpPr>
         <p:spPr>
           <a:xfrm>
-            <a:off x="7575079" y="3944471"/>
+            <a:off x="7252339" y="3944471"/>
             <a:ext cx="546945" cy="307777"/>
           </a:xfrm>
           <a:prstGeom prst="rect">
@@ -26040,7 +26042,7 @@
         </p:nvSpPr>
         <p:spPr>
           <a:xfrm>
-            <a:off x="6285658" y="1102654"/>
+            <a:off x="6196008" y="1102654"/>
             <a:ext cx="1494320" cy="307777"/>
           </a:xfrm>
           <a:prstGeom prst="rect">
@@ -26079,7 +26081,7 @@
         </p:nvSpPr>
         <p:spPr>
           <a:xfrm rot="16200000">
-            <a:off x="184900" y="2543350"/>
+            <a:off x="113926" y="2554431"/>
             <a:ext cx="2349690" cy="245221"/>
           </a:xfrm>
           <a:prstGeom prst="roundRect">
@@ -26108,16 +26110,16 @@
           <a:p>
             <a:pPr algn="ctr"/>
             <a:r>
-              <a:rPr lang="en" sz="1200" dirty="0">
+              <a:rPr lang="en" dirty="0">
                 <a:solidFill>
                   <a:schemeClr val="bg1"/>
                 </a:solidFill>
                 <a:latin typeface="Calibri" panose="020F0502020204030204" pitchFamily="34" charset="0"/>
                 <a:cs typeface="Calibri" panose="020F0502020204030204" pitchFamily="34" charset="0"/>
               </a:rPr>
-              <a:t>Unit &amp; Smoke Tests</a:t>
+              <a:t>Unit Tests</a:t>
             </a:r>
-            <a:endParaRPr sz="1200" dirty="0">
+            <a:endParaRPr dirty="0">
               <a:solidFill>
                 <a:schemeClr val="bg1"/>
               </a:solidFill>
@@ -26141,7 +26143,7 @@
         </p:nvSpPr>
         <p:spPr>
           <a:xfrm rot="16200000">
-            <a:off x="890875" y="2543349"/>
+            <a:off x="997689" y="2543346"/>
             <a:ext cx="2349689" cy="245221"/>
           </a:xfrm>
           <a:prstGeom prst="roundRect">
@@ -26170,7 +26172,7 @@
           <a:p>
             <a:pPr algn="ctr"/>
             <a:r>
-              <a:rPr lang="en" sz="1200" dirty="0">
+              <a:rPr lang="en" dirty="0">
                 <a:solidFill>
                   <a:schemeClr val="bg1"/>
                 </a:solidFill>
@@ -26179,7 +26181,7 @@
               </a:rPr>
               <a:t>Code Review</a:t>
             </a:r>
-            <a:endParaRPr sz="1200" dirty="0">
+            <a:endParaRPr dirty="0">
               <a:solidFill>
                 <a:schemeClr val="bg1"/>
               </a:solidFill>
@@ -26232,16 +26234,16 @@
           <a:p>
             <a:pPr algn="ctr"/>
             <a:r>
-              <a:rPr lang="en" sz="1200" dirty="0">
+              <a:rPr lang="en" dirty="0">
                 <a:solidFill>
                   <a:schemeClr val="bg1"/>
                 </a:solidFill>
                 <a:latin typeface="Calibri" panose="020F0502020204030204" pitchFamily="34" charset="0"/>
                 <a:cs typeface="Calibri" panose="020F0502020204030204" pitchFamily="34" charset="0"/>
               </a:rPr>
-              <a:t>Integration &amp; Performance Tests</a:t>
+              <a:t>Integration Tests</a:t>
             </a:r>
-            <a:endParaRPr sz="1200" dirty="0">
+            <a:endParaRPr dirty="0">
               <a:solidFill>
                 <a:schemeClr val="bg1"/>
               </a:solidFill>
@@ -26294,7 +26296,7 @@
           <a:p>
             <a:pPr algn="ctr"/>
             <a:r>
-              <a:rPr lang="en" sz="1200" dirty="0">
+              <a:rPr lang="en" dirty="0">
                 <a:solidFill>
                   <a:schemeClr val="bg1"/>
                 </a:solidFill>
@@ -26303,7 +26305,7 @@
               </a:rPr>
               <a:t>Soak (Canary) Tests</a:t>
             </a:r>
-            <a:endParaRPr sz="1200" dirty="0">
+            <a:endParaRPr dirty="0">
               <a:solidFill>
                 <a:schemeClr val="bg1"/>
               </a:solidFill>
@@ -26327,7 +26329,7 @@
         </p:nvSpPr>
         <p:spPr>
           <a:xfrm rot="16200000">
-            <a:off x="5359111" y="2554432"/>
+            <a:off x="5448761" y="2554432"/>
             <a:ext cx="2349690" cy="245221"/>
           </a:xfrm>
           <a:prstGeom prst="roundRect">
@@ -26356,7 +26358,7 @@
           <a:p>
             <a:pPr algn="ctr"/>
             <a:r>
-              <a:rPr lang="en" sz="1200" dirty="0">
+              <a:rPr lang="en" dirty="0">
                 <a:solidFill>
                   <a:schemeClr val="bg1"/>
                 </a:solidFill>
@@ -26365,7 +26367,7 @@
               </a:rPr>
               <a:t>Monitoring &amp; Logging</a:t>
             </a:r>
-            <a:endParaRPr sz="1200" dirty="0">
+            <a:endParaRPr dirty="0">
               <a:solidFill>
                 <a:schemeClr val="bg1"/>
               </a:solidFill>
@@ -26389,7 +26391,7 @@
         </p:nvSpPr>
         <p:spPr>
           <a:xfrm rot="16200000">
-            <a:off x="6357013" y="2554432"/>
+            <a:off x="6088063" y="2554432"/>
             <a:ext cx="2349690" cy="245221"/>
           </a:xfrm>
           <a:prstGeom prst="roundRect">
@@ -26418,7 +26420,7 @@
           <a:p>
             <a:pPr algn="ctr"/>
             <a:r>
-              <a:rPr lang="en" sz="1200" dirty="0">
+              <a:rPr lang="en" dirty="0">
                 <a:solidFill>
                   <a:schemeClr val="bg1"/>
                 </a:solidFill>
@@ -26427,7 +26429,7 @@
               </a:rPr>
               <a:t>End-to-End Tests</a:t>
             </a:r>
-            <a:endParaRPr sz="1200" dirty="0">
+            <a:endParaRPr dirty="0">
               <a:solidFill>
                 <a:schemeClr val="bg1"/>
               </a:solidFill>
@@ -26665,6 +26667,130 @@
           </p:txBody>
         </p:sp>
       </p:grpSp>
+      <p:sp>
+        <p:nvSpPr>
+          <p:cNvPr id="28" name="Google Shape;71;p15">
+            <a:extLst>
+              <a:ext uri="{FF2B5EF4-FFF2-40B4-BE49-F238E27FC236}">
+                <a16:creationId xmlns:a16="http://schemas.microsoft.com/office/drawing/2014/main" id="{56C98079-46AD-7D48-9B49-30FFB20CCCC1}"/>
+              </a:ext>
+            </a:extLst>
+          </p:cNvPr>
+          <p:cNvSpPr/>
+          <p:nvPr/>
+        </p:nvSpPr>
+        <p:spPr>
+          <a:xfrm rot="16200000">
+            <a:off x="3077091" y="2543347"/>
+            <a:ext cx="2349690" cy="245221"/>
+          </a:xfrm>
+          <a:prstGeom prst="roundRect">
+            <a:avLst>
+              <a:gd name="adj" fmla="val 16667"/>
+            </a:avLst>
+          </a:prstGeom>
+          <a:solidFill>
+            <a:srgbClr val="6A99D0"/>
+          </a:solidFill>
+          <a:ln w="12700" cap="flat" cmpd="sng">
+            <a:solidFill>
+              <a:srgbClr val="6A99D0"/>
+            </a:solidFill>
+            <a:prstDash val="solid"/>
+            <a:round/>
+            <a:headEnd type="none" w="sm" len="sm"/>
+            <a:tailEnd type="none" w="sm" len="sm"/>
+          </a:ln>
+        </p:spPr>
+        <p:txBody>
+          <a:bodyPr spcFirstLastPara="1" wrap="square" lIns="121900" tIns="121900" rIns="121900" bIns="121900" anchor="ctr" anchorCtr="0">
+            <a:noAutofit/>
+          </a:bodyPr>
+          <a:lstStyle/>
+          <a:p>
+            <a:pPr algn="ctr"/>
+            <a:r>
+              <a:rPr lang="en" dirty="0">
+                <a:solidFill>
+                  <a:schemeClr val="bg1"/>
+                </a:solidFill>
+                <a:latin typeface="Calibri" panose="020F0502020204030204" pitchFamily="34" charset="0"/>
+                <a:cs typeface="Calibri" panose="020F0502020204030204" pitchFamily="34" charset="0"/>
+              </a:rPr>
+              <a:t>Performance Tests</a:t>
+            </a:r>
+            <a:endParaRPr dirty="0">
+              <a:solidFill>
+                <a:schemeClr val="bg1"/>
+              </a:solidFill>
+              <a:latin typeface="Calibri" panose="020F0502020204030204" pitchFamily="34" charset="0"/>
+              <a:cs typeface="Calibri" panose="020F0502020204030204" pitchFamily="34" charset="0"/>
+            </a:endParaRPr>
+          </a:p>
+        </p:txBody>
+      </p:sp>
+      <p:sp>
+        <p:nvSpPr>
+          <p:cNvPr id="30" name="Google Shape;71;p15">
+            <a:extLst>
+              <a:ext uri="{FF2B5EF4-FFF2-40B4-BE49-F238E27FC236}">
+                <a16:creationId xmlns:a16="http://schemas.microsoft.com/office/drawing/2014/main" id="{1ABE9E91-DBD5-8147-8333-8CFD364D289D}"/>
+              </a:ext>
+            </a:extLst>
+          </p:cNvPr>
+          <p:cNvSpPr/>
+          <p:nvPr/>
+        </p:nvSpPr>
+        <p:spPr>
+          <a:xfrm rot="16200000">
+            <a:off x="551996" y="2543347"/>
+            <a:ext cx="2349690" cy="245221"/>
+          </a:xfrm>
+          <a:prstGeom prst="roundRect">
+            <a:avLst>
+              <a:gd name="adj" fmla="val 16667"/>
+            </a:avLst>
+          </a:prstGeom>
+          <a:solidFill>
+            <a:srgbClr val="6A99D0"/>
+          </a:solidFill>
+          <a:ln w="12700" cap="flat" cmpd="sng">
+            <a:solidFill>
+              <a:srgbClr val="6A99D0"/>
+            </a:solidFill>
+            <a:prstDash val="solid"/>
+            <a:round/>
+            <a:headEnd type="none" w="sm" len="sm"/>
+            <a:tailEnd type="none" w="sm" len="sm"/>
+          </a:ln>
+        </p:spPr>
+        <p:txBody>
+          <a:bodyPr spcFirstLastPara="1" wrap="square" lIns="121900" tIns="121900" rIns="121900" bIns="121900" anchor="ctr" anchorCtr="0">
+            <a:noAutofit/>
+          </a:bodyPr>
+          <a:lstStyle/>
+          <a:p>
+            <a:pPr algn="ctr"/>
+            <a:r>
+              <a:rPr lang="en" dirty="0">
+                <a:solidFill>
+                  <a:schemeClr val="bg1"/>
+                </a:solidFill>
+                <a:latin typeface="Calibri" panose="020F0502020204030204" pitchFamily="34" charset="0"/>
+                <a:cs typeface="Calibri" panose="020F0502020204030204" pitchFamily="34" charset="0"/>
+              </a:rPr>
+              <a:t>Smoke Tests</a:t>
+            </a:r>
+            <a:endParaRPr dirty="0">
+              <a:solidFill>
+                <a:schemeClr val="bg1"/>
+              </a:solidFill>
+              <a:latin typeface="Calibri" panose="020F0502020204030204" pitchFamily="34" charset="0"/>
+              <a:cs typeface="Calibri" panose="020F0502020204030204" pitchFamily="34" charset="0"/>
+            </a:endParaRPr>
+          </a:p>
+        </p:txBody>
+      </p:sp>
     </p:spTree>
     <p:extLst>
       <p:ext uri="{BB962C8B-B14F-4D97-AF65-F5344CB8AC3E}">

--- a/figures.pptx
+++ b/figures.pptx
@@ -320,7 +320,7 @@
       </p15:sldGuideLst>
     </p:ext>
     <p:ext uri="http://customooxmlschemas.google.com/">
-      <go:slidesCustomData xmlns="" xmlns:mc="http://schemas.openxmlformats.org/markup-compatibility/2006" xmlns:mv="urn:schemas-microsoft-com:mac:vml" xmlns:c="http://schemas.openxmlformats.org/drawingml/2006/chart" xmlns:dgm="http://schemas.openxmlformats.org/drawingml/2006/diagram" xmlns:o="urn:schemas-microsoft-com:office:office" xmlns:v="urn:schemas-microsoft-com:vml" xmlns:pvml="urn:schemas-microsoft-com:office:powerpoint" xmlns:com="http://schemas.openxmlformats.org/drawingml/2006/compatibility" xmlns:p14="http://schemas.microsoft.com/office/powerpoint/2010/main" xmlns:p15="http://schemas.microsoft.com/office/powerpoint/2012/main" xmlns:go="http://customooxmlschemas.google.com/" r:id="rId29" roundtripDataSignature="AMtx7mjYSJr9dBhpBi3R8tFsPF3I3gzuVA=="/>
+      <go:slidesCustomData xmlns:go="http://customooxmlschemas.google.com/" xmlns:p15="http://schemas.microsoft.com/office/powerpoint/2012/main" xmlns:p14="http://schemas.microsoft.com/office/powerpoint/2010/main" xmlns:com="http://schemas.openxmlformats.org/drawingml/2006/compatibility" xmlns:pvml="urn:schemas-microsoft-com:office:powerpoint" xmlns:v="urn:schemas-microsoft-com:vml" xmlns:o="urn:schemas-microsoft-com:office:office" xmlns:dgm="http://schemas.openxmlformats.org/drawingml/2006/diagram" xmlns:c="http://schemas.openxmlformats.org/drawingml/2006/chart" xmlns:mv="urn:schemas-microsoft-com:mac:vml" xmlns:mc="http://schemas.openxmlformats.org/markup-compatibility/2006" xmlns="" r:id="rId29" roundtripDataSignature="AMtx7mjYSJr9dBhpBi3R8tFsPF3I3gzuVA=="/>
     </p:ext>
   </p:extLst>
 </p:presentation>
@@ -3078,7 +3078,7 @@
           <a:p>
             <a:fld id="{BF4F8DC3-0006-B147-AA6D-FF436E850004}" type="datetimeFigureOut">
               <a:rPr lang="en-US" smtClean="0"/>
-              <a:t>2/3/22</a:t>
+              <a:t>2/7/22</a:t>
             </a:fld>
             <a:endParaRPr lang="en-US"/>
           </a:p>
@@ -25844,8 +25844,8 @@
         </p:nvSpPr>
         <p:spPr>
           <a:xfrm>
-            <a:off x="7252339" y="3944471"/>
-            <a:ext cx="546945" cy="307777"/>
+            <a:off x="6412366" y="3944471"/>
+            <a:ext cx="1386918" cy="307777"/>
           </a:xfrm>
           <a:prstGeom prst="rect">
             <a:avLst/>
@@ -25858,12 +25858,13 @@
           </a:bodyPr>
           <a:lstStyle/>
           <a:p>
+            <a:pPr algn="r"/>
             <a:r>
               <a:rPr lang="en-US" dirty="0">
                 <a:latin typeface="Calibri" panose="020F0502020204030204" pitchFamily="34" charset="0"/>
                 <a:cs typeface="Calibri" panose="020F0502020204030204" pitchFamily="34" charset="0"/>
               </a:rPr>
-              <a:t>Time</a:t>
+              <a:t>Feature Lifetime</a:t>
             </a:r>
           </a:p>
         </p:txBody>
@@ -25964,8 +25965,8 @@
         </p:nvSpPr>
         <p:spPr>
           <a:xfrm>
-            <a:off x="1129553" y="1102656"/>
-            <a:ext cx="1175322" cy="307777"/>
+            <a:off x="1048744" y="1102654"/>
+            <a:ext cx="1354858" cy="307777"/>
           </a:xfrm>
           <a:prstGeom prst="rect">
             <a:avLst/>
@@ -25984,7 +25985,7 @@
                 <a:latin typeface="Calibri" panose="020F0502020204030204" pitchFamily="34" charset="0"/>
                 <a:cs typeface="Calibri" panose="020F0502020204030204" pitchFamily="34" charset="0"/>
               </a:rPr>
-              <a:t>Development</a:t>
+              <a:t>In Development</a:t>
             </a:r>
           </a:p>
         </p:txBody>
@@ -26003,8 +26004,8 @@
         </p:nvSpPr>
         <p:spPr>
           <a:xfrm>
-            <a:off x="3572793" y="1091570"/>
-            <a:ext cx="1370889" cy="307777"/>
+            <a:off x="3317918" y="1091570"/>
+            <a:ext cx="1880643" cy="307777"/>
           </a:xfrm>
           <a:prstGeom prst="rect">
             <a:avLst/>
@@ -26023,7 +26024,7 @@
                 <a:latin typeface="Calibri" panose="020F0502020204030204" pitchFamily="34" charset="0"/>
                 <a:cs typeface="Calibri" panose="020F0502020204030204" pitchFamily="34" charset="0"/>
               </a:rPr>
-              <a:t>Integrate &amp; Test</a:t>
+              <a:t>Integrated &amp; Evaluated</a:t>
             </a:r>
           </a:p>
         </p:txBody>
@@ -26042,8 +26043,8 @@
         </p:nvSpPr>
         <p:spPr>
           <a:xfrm>
-            <a:off x="6196008" y="1102654"/>
-            <a:ext cx="1494320" cy="307777"/>
+            <a:off x="6160742" y="1102654"/>
+            <a:ext cx="1564852" cy="307777"/>
           </a:xfrm>
           <a:prstGeom prst="rect">
             <a:avLst/>
@@ -26058,11 +26059,18 @@
           <a:p>
             <a:pPr algn="ctr"/>
             <a:r>
+              <a:rPr lang="en-US">
+                <a:latin typeface="Calibri" panose="020F0502020204030204" pitchFamily="34" charset="0"/>
+                <a:cs typeface="Calibri" panose="020F0502020204030204" pitchFamily="34" charset="0"/>
+              </a:rPr>
+              <a:t>Runs </a:t>
+            </a:r>
+            <a:r>
               <a:rPr lang="en-US" dirty="0">
                 <a:latin typeface="Calibri" panose="020F0502020204030204" pitchFamily="34" charset="0"/>
                 <a:cs typeface="Calibri" panose="020F0502020204030204" pitchFamily="34" charset="0"/>
               </a:rPr>
-              <a:t>Run in Production</a:t>
+              <a:t>in Production</a:t>
             </a:r>
           </a:p>
         </p:txBody>

--- a/figures.pptx
+++ b/figures.pptx
@@ -320,7 +320,7 @@
       </p15:sldGuideLst>
     </p:ext>
     <p:ext uri="http://customooxmlschemas.google.com/">
-      <go:slidesCustomData xmlns:go="http://customooxmlschemas.google.com/" xmlns:p15="http://schemas.microsoft.com/office/powerpoint/2012/main" xmlns:p14="http://schemas.microsoft.com/office/powerpoint/2010/main" xmlns:com="http://schemas.openxmlformats.org/drawingml/2006/compatibility" xmlns:pvml="urn:schemas-microsoft-com:office:powerpoint" xmlns:v="urn:schemas-microsoft-com:vml" xmlns:o="urn:schemas-microsoft-com:office:office" xmlns:dgm="http://schemas.openxmlformats.org/drawingml/2006/diagram" xmlns:c="http://schemas.openxmlformats.org/drawingml/2006/chart" xmlns:mv="urn:schemas-microsoft-com:mac:vml" xmlns:mc="http://schemas.openxmlformats.org/markup-compatibility/2006" xmlns="" r:id="rId29" roundtripDataSignature="AMtx7mjYSJr9dBhpBi3R8tFsPF3I3gzuVA=="/>
+      <go:slidesCustomData xmlns="" xmlns:mc="http://schemas.openxmlformats.org/markup-compatibility/2006" xmlns:mv="urn:schemas-microsoft-com:mac:vml" xmlns:c="http://schemas.openxmlformats.org/drawingml/2006/chart" xmlns:dgm="http://schemas.openxmlformats.org/drawingml/2006/diagram" xmlns:o="urn:schemas-microsoft-com:office:office" xmlns:v="urn:schemas-microsoft-com:vml" xmlns:pvml="urn:schemas-microsoft-com:office:powerpoint" xmlns:com="http://schemas.openxmlformats.org/drawingml/2006/compatibility" xmlns:p14="http://schemas.microsoft.com/office/powerpoint/2010/main" xmlns:p15="http://schemas.microsoft.com/office/powerpoint/2012/main" xmlns:go="http://customooxmlschemas.google.com/" r:id="rId29" roundtripDataSignature="AMtx7mjYSJr9dBhpBi3R8tFsPF3I3gzuVA=="/>
     </p:ext>
   </p:extLst>
 </p:presentation>
@@ -3078,7 +3078,7 @@
           <a:p>
             <a:fld id="{BF4F8DC3-0006-B147-AA6D-FF436E850004}" type="datetimeFigureOut">
               <a:rPr lang="en-US" smtClean="0"/>
-              <a:t>2/7/22</a:t>
+              <a:t>2/8/22</a:t>
             </a:fld>
             <a:endParaRPr lang="en-US"/>
           </a:p>
@@ -9025,6 +9025,64 @@
           </a:p>
         </p:txBody>
       </p:sp>
+      <p:sp>
+        <p:nvSpPr>
+          <p:cNvPr id="3" name="Diamond 2">
+            <a:extLst>
+              <a:ext uri="{FF2B5EF4-FFF2-40B4-BE49-F238E27FC236}">
+                <a16:creationId xmlns:a16="http://schemas.microsoft.com/office/drawing/2014/main" id="{50BF8671-7B7F-C84A-8840-3D241E2C2CE2}"/>
+              </a:ext>
+            </a:extLst>
+          </p:cNvPr>
+          <p:cNvSpPr/>
+          <p:nvPr/>
+        </p:nvSpPr>
+        <p:spPr>
+          <a:xfrm>
+            <a:off x="4643765" y="2620613"/>
+            <a:ext cx="268941" cy="286870"/>
+          </a:xfrm>
+          <a:prstGeom prst="diamond">
+            <a:avLst/>
+          </a:prstGeom>
+          <a:solidFill>
+            <a:srgbClr val="6A99D0"/>
+          </a:solidFill>
+          <a:ln>
+            <a:noFill/>
+          </a:ln>
+        </p:spPr>
+        <p:style>
+          <a:lnRef idx="2">
+            <a:schemeClr val="accent1">
+              <a:shade val="50000"/>
+            </a:schemeClr>
+          </a:lnRef>
+          <a:fillRef idx="1">
+            <a:schemeClr val="accent1"/>
+          </a:fillRef>
+          <a:effectRef idx="0">
+            <a:schemeClr val="accent1"/>
+          </a:effectRef>
+          <a:fontRef idx="minor">
+            <a:schemeClr val="lt1"/>
+          </a:fontRef>
+        </p:style>
+        <p:txBody>
+          <a:bodyPr rtlCol="0" anchor="ctr"/>
+          <a:lstStyle/>
+          <a:p>
+            <a:pPr algn="ctr"/>
+            <a:r>
+              <a:rPr lang="en-US" dirty="0">
+                <a:latin typeface="Calibri" panose="020F0502020204030204" pitchFamily="34" charset="0"/>
+                <a:cs typeface="Calibri" panose="020F0502020204030204" pitchFamily="34" charset="0"/>
+              </a:rPr>
+              <a:t>?</a:t>
+            </a:r>
+          </a:p>
+        </p:txBody>
+      </p:sp>
     </p:spTree>
     <p:extLst>
       <p:ext uri="{BB962C8B-B14F-4D97-AF65-F5344CB8AC3E}">
@@ -25965,8 +26023,8 @@
         </p:nvSpPr>
         <p:spPr>
           <a:xfrm>
-            <a:off x="1048744" y="1102654"/>
-            <a:ext cx="1354858" cy="307777"/>
+            <a:off x="937337" y="1102654"/>
+            <a:ext cx="1577676" cy="523220"/>
           </a:xfrm>
           <a:prstGeom prst="rect">
             <a:avLst/>
@@ -25978,6 +26036,20 @@
             <a:spAutoFit/>
           </a:bodyPr>
           <a:lstStyle/>
+          <a:p>
+            <a:pPr algn="ctr"/>
+            <a:r>
+              <a:rPr lang="en-US">
+                <a:latin typeface="Calibri" panose="020F0502020204030204" pitchFamily="34" charset="0"/>
+                <a:cs typeface="Calibri" panose="020F0502020204030204" pitchFamily="34" charset="0"/>
+              </a:rPr>
+              <a:t>Individual Features</a:t>
+            </a:r>
+            <a:endParaRPr lang="en-US" dirty="0">
+              <a:latin typeface="Calibri" panose="020F0502020204030204" pitchFamily="34" charset="0"/>
+              <a:cs typeface="Calibri" panose="020F0502020204030204" pitchFamily="34" charset="0"/>
+            </a:endParaRPr>
+          </a:p>
           <a:p>
             <a:pPr algn="ctr"/>
             <a:r>
@@ -26004,8 +26076,8 @@
         </p:nvSpPr>
         <p:spPr>
           <a:xfrm>
-            <a:off x="3317918" y="1091570"/>
-            <a:ext cx="1880643" cy="307777"/>
+            <a:off x="3317920" y="1091570"/>
+            <a:ext cx="1880643" cy="523220"/>
           </a:xfrm>
           <a:prstGeom prst="rect">
             <a:avLst/>
@@ -26017,6 +26089,16 @@
             <a:spAutoFit/>
           </a:bodyPr>
           <a:lstStyle/>
+          <a:p>
+            <a:pPr algn="ctr"/>
+            <a:r>
+              <a:rPr lang="en-US" dirty="0">
+                <a:latin typeface="Calibri" panose="020F0502020204030204" pitchFamily="34" charset="0"/>
+                <a:cs typeface="Calibri" panose="020F0502020204030204" pitchFamily="34" charset="0"/>
+              </a:rPr>
+              <a:t>Set of Features</a:t>
+            </a:r>
+          </a:p>
           <a:p>
             <a:pPr algn="ctr"/>
             <a:r>
@@ -26043,8 +26125,8 @@
         </p:nvSpPr>
         <p:spPr>
           <a:xfrm>
-            <a:off x="6160742" y="1102654"/>
-            <a:ext cx="1564852" cy="307777"/>
+            <a:off x="6196011" y="1102654"/>
+            <a:ext cx="1494320" cy="523220"/>
           </a:xfrm>
           <a:prstGeom prst="rect">
             <a:avLst/>
@@ -26059,18 +26141,21 @@
           <a:p>
             <a:pPr algn="ctr"/>
             <a:r>
-              <a:rPr lang="en-US">
+              <a:rPr lang="en-US" dirty="0">
                 <a:latin typeface="Calibri" panose="020F0502020204030204" pitchFamily="34" charset="0"/>
                 <a:cs typeface="Calibri" panose="020F0502020204030204" pitchFamily="34" charset="0"/>
               </a:rPr>
-              <a:t>Runs </a:t>
+              <a:t>Set of Features</a:t>
             </a:r>
+          </a:p>
+          <a:p>
+            <a:pPr algn="ctr"/>
             <a:r>
               <a:rPr lang="en-US" dirty="0">
                 <a:latin typeface="Calibri" panose="020F0502020204030204" pitchFamily="34" charset="0"/>
                 <a:cs typeface="Calibri" panose="020F0502020204030204" pitchFamily="34" charset="0"/>
               </a:rPr>
-              <a:t>in Production</a:t>
+              <a:t>Run in Production</a:t>
             </a:r>
           </a:p>
         </p:txBody>
@@ -26089,8 +26174,8 @@
         </p:nvSpPr>
         <p:spPr>
           <a:xfrm rot="16200000">
-            <a:off x="113926" y="2554431"/>
-            <a:ext cx="2349690" cy="245221"/>
+            <a:off x="245852" y="2686356"/>
+            <a:ext cx="2085840" cy="245221"/>
           </a:xfrm>
           <a:prstGeom prst="roundRect">
             <a:avLst>
@@ -26151,8 +26236,8 @@
         </p:nvSpPr>
         <p:spPr>
           <a:xfrm rot="16200000">
-            <a:off x="997689" y="2543346"/>
-            <a:ext cx="2349689" cy="245221"/>
+            <a:off x="1129611" y="2675267"/>
+            <a:ext cx="2085845" cy="245221"/>
           </a:xfrm>
           <a:prstGeom prst="roundRect">
             <a:avLst>
@@ -26213,8 +26298,8 @@
         </p:nvSpPr>
         <p:spPr>
           <a:xfrm rot="16200000">
-            <a:off x="2628135" y="2543348"/>
-            <a:ext cx="2349690" cy="245221"/>
+            <a:off x="2765602" y="2680814"/>
+            <a:ext cx="2074758" cy="245221"/>
           </a:xfrm>
           <a:prstGeom prst="roundRect">
             <a:avLst>
@@ -26275,8 +26360,8 @@
         </p:nvSpPr>
         <p:spPr>
           <a:xfrm rot="16200000">
-            <a:off x="3520717" y="2543347"/>
-            <a:ext cx="2349690" cy="245221"/>
+            <a:off x="3652637" y="2675266"/>
+            <a:ext cx="2085851" cy="245221"/>
           </a:xfrm>
           <a:prstGeom prst="roundRect">
             <a:avLst>
@@ -26337,8 +26422,8 @@
         </p:nvSpPr>
         <p:spPr>
           <a:xfrm rot="16200000">
-            <a:off x="5448761" y="2554432"/>
-            <a:ext cx="2349690" cy="245221"/>
+            <a:off x="5580685" y="2686355"/>
+            <a:ext cx="2085843" cy="245221"/>
           </a:xfrm>
           <a:prstGeom prst="roundRect">
             <a:avLst>
@@ -26399,8 +26484,8 @@
         </p:nvSpPr>
         <p:spPr>
           <a:xfrm rot="16200000">
-            <a:off x="6088063" y="2554432"/>
-            <a:ext cx="2349690" cy="245221"/>
+            <a:off x="6214440" y="2680808"/>
+            <a:ext cx="2096937" cy="245221"/>
           </a:xfrm>
           <a:prstGeom prst="roundRect">
             <a:avLst>
@@ -26689,8 +26774,8 @@
         </p:nvSpPr>
         <p:spPr>
           <a:xfrm rot="16200000">
-            <a:off x="3077091" y="2543347"/>
-            <a:ext cx="2349690" cy="245221"/>
+            <a:off x="3209012" y="2675267"/>
+            <a:ext cx="2085849" cy="245221"/>
           </a:xfrm>
           <a:prstGeom prst="roundRect">
             <a:avLst>
@@ -26751,8 +26836,8 @@
         </p:nvSpPr>
         <p:spPr>
           <a:xfrm rot="16200000">
-            <a:off x="551996" y="2543347"/>
-            <a:ext cx="2349690" cy="245221"/>
+            <a:off x="683921" y="2675271"/>
+            <a:ext cx="2085842" cy="245221"/>
           </a:xfrm>
           <a:prstGeom prst="roundRect">
             <a:avLst>

--- a/figures.pptx
+++ b/figures.pptx
@@ -320,7 +320,7 @@
       </p15:sldGuideLst>
     </p:ext>
     <p:ext uri="http://customooxmlschemas.google.com/">
-      <go:slidesCustomData xmlns="" xmlns:mc="http://schemas.openxmlformats.org/markup-compatibility/2006" xmlns:mv="urn:schemas-microsoft-com:mac:vml" xmlns:c="http://schemas.openxmlformats.org/drawingml/2006/chart" xmlns:dgm="http://schemas.openxmlformats.org/drawingml/2006/diagram" xmlns:o="urn:schemas-microsoft-com:office:office" xmlns:v="urn:schemas-microsoft-com:vml" xmlns:pvml="urn:schemas-microsoft-com:office:powerpoint" xmlns:com="http://schemas.openxmlformats.org/drawingml/2006/compatibility" xmlns:p14="http://schemas.microsoft.com/office/powerpoint/2010/main" xmlns:p15="http://schemas.microsoft.com/office/powerpoint/2012/main" xmlns:go="http://customooxmlschemas.google.com/" r:id="rId29" roundtripDataSignature="AMtx7mjYSJr9dBhpBi3R8tFsPF3I3gzuVA=="/>
+      <go:slidesCustomData xmlns:go="http://customooxmlschemas.google.com/" xmlns:p15="http://schemas.microsoft.com/office/powerpoint/2012/main" xmlns:p14="http://schemas.microsoft.com/office/powerpoint/2010/main" xmlns:com="http://schemas.openxmlformats.org/drawingml/2006/compatibility" xmlns:pvml="urn:schemas-microsoft-com:office:powerpoint" xmlns:v="urn:schemas-microsoft-com:vml" xmlns:o="urn:schemas-microsoft-com:office:office" xmlns:dgm="http://schemas.openxmlformats.org/drawingml/2006/diagram" xmlns:c="http://schemas.openxmlformats.org/drawingml/2006/chart" xmlns:mv="urn:schemas-microsoft-com:mac:vml" xmlns:mc="http://schemas.openxmlformats.org/markup-compatibility/2006" xmlns="" r:id="rId29" roundtripDataSignature="AMtx7mjYSJr9dBhpBi3R8tFsPF3I3gzuVA=="/>
     </p:ext>
   </p:extLst>
 </p:presentation>
@@ -3078,7 +3078,7 @@
           <a:p>
             <a:fld id="{BF4F8DC3-0006-B147-AA6D-FF436E850004}" type="datetimeFigureOut">
               <a:rPr lang="en-US" smtClean="0"/>
-              <a:t>2/8/22</a:t>
+              <a:t>2/11/22</a:t>
             </a:fld>
             <a:endParaRPr lang="en-US"/>
           </a:p>
@@ -7186,8 +7186,8 @@
         </p:nvSpPr>
         <p:spPr>
           <a:xfrm>
-            <a:off x="5172065" y="2526426"/>
-            <a:ext cx="939271" cy="472653"/>
+            <a:off x="5002863" y="2517461"/>
+            <a:ext cx="1192323" cy="472653"/>
           </a:xfrm>
           <a:prstGeom prst="roundRect">
             <a:avLst>
@@ -7234,13 +7234,13 @@
                 <a:latin typeface="Calibri" panose="020F0502020204030204" pitchFamily="34" charset="0"/>
                 <a:cs typeface="Calibri" panose="020F0502020204030204" pitchFamily="34" charset="0"/>
               </a:rPr>
-              <a:t>Construct</a:t>
+              <a:t>Construct Plan</a:t>
             </a:r>
           </a:p>
           <a:p>
             <a:pPr algn="ctr"/>
             <a:r>
-              <a:rPr lang="en-US" sz="1200" dirty="0">
+              <a:rPr lang="en-US" sz="1000" i="1" dirty="0">
                 <a:solidFill>
                   <a:schemeClr val="tx1">
                     <a:lumMod val="50000"/>
@@ -7249,9 +7249,9 @@
                 <a:latin typeface="Calibri" panose="020F0502020204030204" pitchFamily="34" charset="0"/>
                 <a:cs typeface="Calibri" panose="020F0502020204030204" pitchFamily="34" charset="0"/>
               </a:rPr>
-              <a:t>Plan</a:t>
+              <a:t>Deployment Gate</a:t>
             </a:r>
-            <a:endParaRPr sz="1200" dirty="0">
+            <a:endParaRPr sz="1000" i="1" dirty="0">
               <a:solidFill>
                 <a:schemeClr val="tx1">
                   <a:lumMod val="50000"/>
@@ -7271,8 +7271,8 @@
         </p:nvSpPr>
         <p:spPr>
           <a:xfrm>
-            <a:off x="6433650" y="2517100"/>
-            <a:ext cx="1007470" cy="472653"/>
+            <a:off x="6533060" y="2517100"/>
+            <a:ext cx="908059" cy="472653"/>
           </a:xfrm>
           <a:prstGeom prst="roundRect">
             <a:avLst>
@@ -7360,8 +7360,8 @@
         </p:nvCxnSpPr>
         <p:spPr>
           <a:xfrm flipV="1">
-            <a:off x="6111336" y="2753427"/>
-            <a:ext cx="322314" cy="9326"/>
+            <a:off x="6195186" y="2753427"/>
+            <a:ext cx="337874" cy="361"/>
           </a:xfrm>
           <a:prstGeom prst="straightConnector1">
             <a:avLst/>
@@ -8466,8 +8466,8 @@
         </p:nvCxnSpPr>
         <p:spPr>
           <a:xfrm rot="16200000" flipH="1">
-            <a:off x="4712116" y="2228915"/>
-            <a:ext cx="167938" cy="751959"/>
+            <a:off x="4644935" y="2296096"/>
+            <a:ext cx="137614" cy="587273"/>
           </a:xfrm>
           <a:prstGeom prst="bentConnector2">
             <a:avLst/>
@@ -8511,8 +8511,8 @@
         </p:nvCxnSpPr>
         <p:spPr>
           <a:xfrm rot="5400000" flipH="1" flipV="1">
-            <a:off x="4723587" y="2540201"/>
-            <a:ext cx="144997" cy="743058"/>
+            <a:off x="4654604" y="2627002"/>
+            <a:ext cx="127178" cy="587274"/>
           </a:xfrm>
           <a:prstGeom prst="bentConnector2">
             <a:avLst/>
@@ -8734,8 +8734,8 @@
         </p:nvCxnSpPr>
         <p:spPr>
           <a:xfrm flipV="1">
-            <a:off x="7441120" y="2752346"/>
-            <a:ext cx="420720" cy="1081"/>
+            <a:off x="7441119" y="2752346"/>
+            <a:ext cx="420721" cy="1081"/>
           </a:xfrm>
           <a:prstGeom prst="straightConnector1">
             <a:avLst/>
@@ -9021,64 +9021,6 @@
                 <a:cs typeface="Calibri" panose="020F0502020204030204" pitchFamily="34" charset="0"/>
               </a:rPr>
               <a:t>Staging Cluster</a:t>
-            </a:r>
-          </a:p>
-        </p:txBody>
-      </p:sp>
-      <p:sp>
-        <p:nvSpPr>
-          <p:cNvPr id="3" name="Diamond 2">
-            <a:extLst>
-              <a:ext uri="{FF2B5EF4-FFF2-40B4-BE49-F238E27FC236}">
-                <a16:creationId xmlns:a16="http://schemas.microsoft.com/office/drawing/2014/main" id="{50BF8671-7B7F-C84A-8840-3D241E2C2CE2}"/>
-              </a:ext>
-            </a:extLst>
-          </p:cNvPr>
-          <p:cNvSpPr/>
-          <p:nvPr/>
-        </p:nvSpPr>
-        <p:spPr>
-          <a:xfrm>
-            <a:off x="4643765" y="2620613"/>
-            <a:ext cx="268941" cy="286870"/>
-          </a:xfrm>
-          <a:prstGeom prst="diamond">
-            <a:avLst/>
-          </a:prstGeom>
-          <a:solidFill>
-            <a:srgbClr val="6A99D0"/>
-          </a:solidFill>
-          <a:ln>
-            <a:noFill/>
-          </a:ln>
-        </p:spPr>
-        <p:style>
-          <a:lnRef idx="2">
-            <a:schemeClr val="accent1">
-              <a:shade val="50000"/>
-            </a:schemeClr>
-          </a:lnRef>
-          <a:fillRef idx="1">
-            <a:schemeClr val="accent1"/>
-          </a:fillRef>
-          <a:effectRef idx="0">
-            <a:schemeClr val="accent1"/>
-          </a:effectRef>
-          <a:fontRef idx="minor">
-            <a:schemeClr val="lt1"/>
-          </a:fontRef>
-        </p:style>
-        <p:txBody>
-          <a:bodyPr rtlCol="0" anchor="ctr"/>
-          <a:lstStyle/>
-          <a:p>
-            <a:pPr algn="ctr"/>
-            <a:r>
-              <a:rPr lang="en-US" dirty="0">
-                <a:latin typeface="Calibri" panose="020F0502020204030204" pitchFamily="34" charset="0"/>
-                <a:cs typeface="Calibri" panose="020F0502020204030204" pitchFamily="34" charset="0"/>
-              </a:rPr>
-              <a:t>?</a:t>
             </a:r>
           </a:p>
         </p:txBody>

--- a/figures.pptx
+++ b/figures.pptx
@@ -5,7 +5,7 @@
     <p:sldMasterId id="2147483648" r:id="rId1"/>
   </p:sldMasterIdLst>
   <p:notesMasterIdLst>
-    <p:notesMasterId r:id="rId26"/>
+    <p:notesMasterId r:id="rId27"/>
   </p:notesMasterIdLst>
   <p:sldIdLst>
     <p:sldId id="311" r:id="rId2"/>
@@ -32,6 +32,7 @@
     <p:sldId id="349" r:id="rId23"/>
     <p:sldId id="350" r:id="rId24"/>
     <p:sldId id="351" r:id="rId25"/>
+    <p:sldId id="352" r:id="rId26"/>
   </p:sldIdLst>
   <p:sldSz cx="9144000" cy="5143500" type="screen16x9"/>
   <p:notesSz cx="6858000" cy="9144000"/>
@@ -320,7 +321,7 @@
       </p15:sldGuideLst>
     </p:ext>
     <p:ext uri="http://customooxmlschemas.google.com/">
-      <go:slidesCustomData xmlns:go="http://customooxmlschemas.google.com/" xmlns:p15="http://schemas.microsoft.com/office/powerpoint/2012/main" xmlns:p14="http://schemas.microsoft.com/office/powerpoint/2010/main" xmlns:com="http://schemas.openxmlformats.org/drawingml/2006/compatibility" xmlns:pvml="urn:schemas-microsoft-com:office:powerpoint" xmlns:v="urn:schemas-microsoft-com:vml" xmlns:o="urn:schemas-microsoft-com:office:office" xmlns:dgm="http://schemas.openxmlformats.org/drawingml/2006/diagram" xmlns:c="http://schemas.openxmlformats.org/drawingml/2006/chart" xmlns:mv="urn:schemas-microsoft-com:mac:vml" xmlns:mc="http://schemas.openxmlformats.org/markup-compatibility/2006" xmlns="" r:id="rId29" roundtripDataSignature="AMtx7mjYSJr9dBhpBi3R8tFsPF3I3gzuVA=="/>
+      <go:slidesCustomData xmlns="" xmlns:mc="http://schemas.openxmlformats.org/markup-compatibility/2006" xmlns:mv="urn:schemas-microsoft-com:mac:vml" xmlns:c="http://schemas.openxmlformats.org/drawingml/2006/chart" xmlns:dgm="http://schemas.openxmlformats.org/drawingml/2006/diagram" xmlns:o="urn:schemas-microsoft-com:office:office" xmlns:v="urn:schemas-microsoft-com:vml" xmlns:pvml="urn:schemas-microsoft-com:office:powerpoint" xmlns:com="http://schemas.openxmlformats.org/drawingml/2006/compatibility" xmlns:p14="http://schemas.microsoft.com/office/powerpoint/2010/main" xmlns:p15="http://schemas.microsoft.com/office/powerpoint/2012/main" xmlns:go="http://customooxmlschemas.google.com/" r:id="rId29" roundtripDataSignature="AMtx7mjYSJr9dBhpBi3R8tFsPF3I3gzuVA=="/>
     </p:ext>
   </p:extLst>
 </p:presentation>
@@ -3078,7 +3079,7 @@
           <a:p>
             <a:fld id="{BF4F8DC3-0006-B147-AA6D-FF436E850004}" type="datetimeFigureOut">
               <a:rPr lang="en-US" smtClean="0"/>
-              <a:t>2/11/22</a:t>
+              <a:t>3/23/22</a:t>
             </a:fld>
             <a:endParaRPr lang="en-US"/>
           </a:p>
@@ -26830,6 +26831,7118 @@
     <p:extLst>
       <p:ext uri="{BB962C8B-B14F-4D97-AF65-F5344CB8AC3E}">
         <p14:creationId xmlns:p14="http://schemas.microsoft.com/office/powerpoint/2010/main" val="146375146"/>
+      </p:ext>
+    </p:extLst>
+  </p:cSld>
+  <p:clrMapOvr>
+    <a:masterClrMapping/>
+  </p:clrMapOvr>
+</p:sld>
+</file>
+
+<file path=ppt/slides/slide25.xml><?xml version="1.0" encoding="utf-8"?>
+<p:sld xmlns:a="http://schemas.openxmlformats.org/drawingml/2006/main" xmlns:r="http://schemas.openxmlformats.org/officeDocument/2006/relationships" xmlns:p="http://schemas.openxmlformats.org/presentationml/2006/main">
+  <p:cSld>
+    <p:spTree>
+      <p:nvGrpSpPr>
+        <p:cNvPr id="1" name=""/>
+        <p:cNvGrpSpPr/>
+        <p:nvPr/>
+      </p:nvGrpSpPr>
+      <p:grpSpPr>
+        <a:xfrm>
+          <a:off x="0" y="0"/>
+          <a:ext cx="0" cy="0"/>
+          <a:chOff x="0" y="0"/>
+          <a:chExt cx="0" cy="0"/>
+        </a:xfrm>
+      </p:grpSpPr>
+      <p:grpSp>
+        <p:nvGrpSpPr>
+          <p:cNvPr id="160" name="Group 159">
+            <a:extLst>
+              <a:ext uri="{FF2B5EF4-FFF2-40B4-BE49-F238E27FC236}">
+                <a16:creationId xmlns:a16="http://schemas.microsoft.com/office/drawing/2014/main" id="{2D4B294A-991E-5D40-A4E8-324B44D2127C}"/>
+              </a:ext>
+            </a:extLst>
+          </p:cNvPr>
+          <p:cNvGrpSpPr/>
+          <p:nvPr/>
+        </p:nvGrpSpPr>
+        <p:grpSpPr>
+          <a:xfrm>
+            <a:off x="2059567" y="2361127"/>
+            <a:ext cx="3207958" cy="2159303"/>
+            <a:chOff x="886120" y="1187776"/>
+            <a:chExt cx="3874416" cy="2733773"/>
+          </a:xfrm>
+        </p:grpSpPr>
+        <p:sp>
+          <p:nvSpPr>
+            <p:cNvPr id="161" name="Rectangle 160">
+              <a:extLst>
+                <a:ext uri="{FF2B5EF4-FFF2-40B4-BE49-F238E27FC236}">
+                  <a16:creationId xmlns:a16="http://schemas.microsoft.com/office/drawing/2014/main" id="{709FB4D9-2F2A-EC43-B5D1-BC88E55FACED}"/>
+                </a:ext>
+              </a:extLst>
+            </p:cNvPr>
+            <p:cNvSpPr/>
+            <p:nvPr/>
+          </p:nvSpPr>
+          <p:spPr>
+            <a:xfrm>
+              <a:off x="886120" y="1187776"/>
+              <a:ext cx="3874416" cy="2733773"/>
+            </a:xfrm>
+            <a:prstGeom prst="rect">
+              <a:avLst/>
+            </a:prstGeom>
+            <a:solidFill>
+              <a:schemeClr val="bg1">
+                <a:lumMod val="95000"/>
+              </a:schemeClr>
+            </a:solidFill>
+            <a:ln>
+              <a:solidFill>
+                <a:schemeClr val="bg1">
+                  <a:lumMod val="50000"/>
+                </a:schemeClr>
+              </a:solidFill>
+            </a:ln>
+          </p:spPr>
+          <p:style>
+            <a:lnRef idx="2">
+              <a:schemeClr val="dk1"/>
+            </a:lnRef>
+            <a:fillRef idx="1">
+              <a:schemeClr val="lt1"/>
+            </a:fillRef>
+            <a:effectRef idx="0">
+              <a:schemeClr val="dk1"/>
+            </a:effectRef>
+            <a:fontRef idx="minor">
+              <a:schemeClr val="dk1"/>
+            </a:fontRef>
+          </p:style>
+          <p:txBody>
+            <a:bodyPr rtlCol="0" anchor="ctr"/>
+            <a:lstStyle/>
+            <a:p>
+              <a:pPr algn="ctr"/>
+              <a:endParaRPr lang="en-US"/>
+            </a:p>
+          </p:txBody>
+        </p:sp>
+        <p:grpSp>
+          <p:nvGrpSpPr>
+            <p:cNvPr id="162" name="Group 161">
+              <a:extLst>
+                <a:ext uri="{FF2B5EF4-FFF2-40B4-BE49-F238E27FC236}">
+                  <a16:creationId xmlns:a16="http://schemas.microsoft.com/office/drawing/2014/main" id="{A306606A-04B1-AE49-88B8-8F09708A2C4F}"/>
+                </a:ext>
+              </a:extLst>
+            </p:cNvPr>
+            <p:cNvGrpSpPr/>
+            <p:nvPr/>
+          </p:nvGrpSpPr>
+          <p:grpSpPr>
+            <a:xfrm>
+              <a:off x="962095" y="1249193"/>
+              <a:ext cx="3733466" cy="2620489"/>
+              <a:chOff x="962095" y="1249193"/>
+              <a:chExt cx="3733466" cy="2620489"/>
+            </a:xfrm>
+          </p:grpSpPr>
+          <p:cxnSp>
+            <p:nvCxnSpPr>
+              <p:cNvPr id="163" name="Straight Connector 162">
+                <a:extLst>
+                  <a:ext uri="{FF2B5EF4-FFF2-40B4-BE49-F238E27FC236}">
+                    <a16:creationId xmlns:a16="http://schemas.microsoft.com/office/drawing/2014/main" id="{2F312A6B-AF39-C64B-AC6A-BECB735CF351}"/>
+                  </a:ext>
+                </a:extLst>
+              </p:cNvPr>
+              <p:cNvCxnSpPr>
+                <a:cxnSpLocks/>
+              </p:cNvCxnSpPr>
+              <p:nvPr/>
+            </p:nvCxnSpPr>
+            <p:spPr>
+              <a:xfrm flipV="1">
+                <a:off x="3107468" y="2189390"/>
+                <a:ext cx="3953" cy="160419"/>
+              </a:xfrm>
+              <a:prstGeom prst="line">
+                <a:avLst/>
+              </a:prstGeom>
+              <a:noFill/>
+              <a:ln w="19050" cap="flat" cmpd="sng" algn="ctr">
+                <a:solidFill>
+                  <a:srgbClr val="000000">
+                    <a:alpha val="50000"/>
+                  </a:srgbClr>
+                </a:solidFill>
+                <a:prstDash val="solid"/>
+              </a:ln>
+              <a:effectLst/>
+            </p:spPr>
+          </p:cxnSp>
+          <p:cxnSp>
+            <p:nvCxnSpPr>
+              <p:cNvPr id="164" name="Straight Connector 163">
+                <a:extLst>
+                  <a:ext uri="{FF2B5EF4-FFF2-40B4-BE49-F238E27FC236}">
+                    <a16:creationId xmlns:a16="http://schemas.microsoft.com/office/drawing/2014/main" id="{581185CF-4DE5-664D-9D75-6445804B64C3}"/>
+                  </a:ext>
+                </a:extLst>
+              </p:cNvPr>
+              <p:cNvCxnSpPr>
+                <a:cxnSpLocks/>
+              </p:cNvCxnSpPr>
+              <p:nvPr/>
+            </p:nvCxnSpPr>
+            <p:spPr>
+              <a:xfrm flipH="1" flipV="1">
+                <a:off x="3116318" y="2948755"/>
+                <a:ext cx="795805" cy="360547"/>
+              </a:xfrm>
+              <a:prstGeom prst="line">
+                <a:avLst/>
+              </a:prstGeom>
+              <a:noFill/>
+              <a:ln w="19050" cap="flat" cmpd="sng" algn="ctr">
+                <a:solidFill>
+                  <a:srgbClr val="000000">
+                    <a:alpha val="50000"/>
+                  </a:srgbClr>
+                </a:solidFill>
+                <a:prstDash val="solid"/>
+              </a:ln>
+              <a:effectLst/>
+            </p:spPr>
+          </p:cxnSp>
+          <p:cxnSp>
+            <p:nvCxnSpPr>
+              <p:cNvPr id="165" name="Straight Connector 164">
+                <a:extLst>
+                  <a:ext uri="{FF2B5EF4-FFF2-40B4-BE49-F238E27FC236}">
+                    <a16:creationId xmlns:a16="http://schemas.microsoft.com/office/drawing/2014/main" id="{0A63FF55-6C4B-2743-B268-75C20FD9B606}"/>
+                  </a:ext>
+                </a:extLst>
+              </p:cNvPr>
+              <p:cNvCxnSpPr>
+                <a:cxnSpLocks/>
+              </p:cNvCxnSpPr>
+              <p:nvPr/>
+            </p:nvCxnSpPr>
+            <p:spPr>
+              <a:xfrm flipH="1" flipV="1">
+                <a:off x="3760065" y="2959637"/>
+                <a:ext cx="141064" cy="321990"/>
+              </a:xfrm>
+              <a:prstGeom prst="line">
+                <a:avLst/>
+              </a:prstGeom>
+              <a:noFill/>
+              <a:ln w="19050" cap="flat" cmpd="sng" algn="ctr">
+                <a:solidFill>
+                  <a:srgbClr val="000000">
+                    <a:alpha val="50000"/>
+                  </a:srgbClr>
+                </a:solidFill>
+                <a:prstDash val="solid"/>
+              </a:ln>
+              <a:effectLst/>
+            </p:spPr>
+          </p:cxnSp>
+          <p:pic>
+            <p:nvPicPr>
+              <p:cNvPr id="166" name="Picture 165">
+                <a:extLst>
+                  <a:ext uri="{FF2B5EF4-FFF2-40B4-BE49-F238E27FC236}">
+                    <a16:creationId xmlns:a16="http://schemas.microsoft.com/office/drawing/2014/main" id="{6A16E6FC-0C03-C04E-A8D7-86862E2B90A6}"/>
+                  </a:ext>
+                </a:extLst>
+              </p:cNvPr>
+              <p:cNvPicPr>
+                <a:picLocks noChangeAspect="1"/>
+              </p:cNvPicPr>
+              <p:nvPr/>
+            </p:nvPicPr>
+            <p:blipFill>
+              <a:blip r:embed="rId2">
+                <a:grayscl/>
+              </a:blip>
+              <a:stretch>
+                <a:fillRect/>
+              </a:stretch>
+            </p:blipFill>
+            <p:spPr>
+              <a:xfrm>
+                <a:off x="2207638" y="1671586"/>
+                <a:ext cx="536741" cy="517805"/>
+              </a:xfrm>
+              <a:prstGeom prst="rect">
+                <a:avLst/>
+              </a:prstGeom>
+              <a:effectLst>
+                <a:outerShdw blurRad="50800" dist="38100" dir="2700000" algn="tl" rotWithShape="0">
+                  <a:prstClr val="black">
+                    <a:alpha val="40000"/>
+                  </a:prstClr>
+                </a:outerShdw>
+              </a:effectLst>
+            </p:spPr>
+          </p:pic>
+          <p:pic>
+            <p:nvPicPr>
+              <p:cNvPr id="167" name="Picture 166">
+                <a:extLst>
+                  <a:ext uri="{FF2B5EF4-FFF2-40B4-BE49-F238E27FC236}">
+                    <a16:creationId xmlns:a16="http://schemas.microsoft.com/office/drawing/2014/main" id="{96070890-3501-9346-B007-75364E4981B0}"/>
+                  </a:ext>
+                </a:extLst>
+              </p:cNvPr>
+              <p:cNvPicPr>
+                <a:picLocks noChangeAspect="1"/>
+              </p:cNvPicPr>
+              <p:nvPr/>
+            </p:nvPicPr>
+            <p:blipFill>
+              <a:blip r:embed="rId2">
+                <a:grayscl/>
+              </a:blip>
+              <a:stretch>
+                <a:fillRect/>
+              </a:stretch>
+            </p:blipFill>
+            <p:spPr>
+              <a:xfrm>
+                <a:off x="2843051" y="1671585"/>
+                <a:ext cx="536741" cy="517804"/>
+              </a:xfrm>
+              <a:prstGeom prst="rect">
+                <a:avLst/>
+              </a:prstGeom>
+              <a:effectLst>
+                <a:outerShdw blurRad="50800" dist="38100" dir="2700000" algn="tl" rotWithShape="0">
+                  <a:prstClr val="black">
+                    <a:alpha val="40000"/>
+                  </a:prstClr>
+                </a:outerShdw>
+              </a:effectLst>
+            </p:spPr>
+          </p:pic>
+          <p:pic>
+            <p:nvPicPr>
+              <p:cNvPr id="168" name="Picture 167">
+                <a:extLst>
+                  <a:ext uri="{FF2B5EF4-FFF2-40B4-BE49-F238E27FC236}">
+                    <a16:creationId xmlns:a16="http://schemas.microsoft.com/office/drawing/2014/main" id="{0ED5BF61-C472-EE47-85D4-A946B0FD2402}"/>
+                  </a:ext>
+                </a:extLst>
+              </p:cNvPr>
+              <p:cNvPicPr>
+                <a:picLocks noChangeAspect="1"/>
+              </p:cNvPicPr>
+              <p:nvPr/>
+            </p:nvPicPr>
+            <p:blipFill>
+              <a:blip r:embed="rId2">
+                <a:grayscl/>
+              </a:blip>
+              <a:stretch>
+                <a:fillRect/>
+              </a:stretch>
+            </p:blipFill>
+            <p:spPr>
+              <a:xfrm>
+                <a:off x="3478462" y="1682670"/>
+                <a:ext cx="536741" cy="517804"/>
+              </a:xfrm>
+              <a:prstGeom prst="rect">
+                <a:avLst/>
+              </a:prstGeom>
+              <a:effectLst>
+                <a:outerShdw blurRad="50800" dist="38100" dir="2700000" algn="tl" rotWithShape="0">
+                  <a:prstClr val="black">
+                    <a:alpha val="40000"/>
+                  </a:prstClr>
+                </a:outerShdw>
+              </a:effectLst>
+            </p:spPr>
+          </p:pic>
+          <p:pic>
+            <p:nvPicPr>
+              <p:cNvPr id="169" name="Picture 168">
+                <a:extLst>
+                  <a:ext uri="{FF2B5EF4-FFF2-40B4-BE49-F238E27FC236}">
+                    <a16:creationId xmlns:a16="http://schemas.microsoft.com/office/drawing/2014/main" id="{23323189-9662-C140-8CD9-74524F977C7D}"/>
+                  </a:ext>
+                </a:extLst>
+              </p:cNvPr>
+              <p:cNvPicPr>
+                <a:picLocks noChangeAspect="1"/>
+              </p:cNvPicPr>
+              <p:nvPr/>
+            </p:nvPicPr>
+            <p:blipFill>
+              <a:blip r:embed="rId2">
+                <a:grayscl/>
+              </a:blip>
+              <a:stretch>
+                <a:fillRect/>
+              </a:stretch>
+            </p:blipFill>
+            <p:spPr>
+              <a:xfrm>
+                <a:off x="4113873" y="1682670"/>
+                <a:ext cx="536741" cy="517804"/>
+              </a:xfrm>
+              <a:prstGeom prst="rect">
+                <a:avLst/>
+              </a:prstGeom>
+              <a:effectLst>
+                <a:outerShdw blurRad="50800" dist="38100" dir="2700000" algn="tl" rotWithShape="0">
+                  <a:prstClr val="black">
+                    <a:alpha val="40000"/>
+                  </a:prstClr>
+                </a:outerShdw>
+              </a:effectLst>
+            </p:spPr>
+          </p:pic>
+          <p:sp>
+            <p:nvSpPr>
+              <p:cNvPr id="170" name="Rounded Rectangle 169">
+                <a:extLst>
+                  <a:ext uri="{FF2B5EF4-FFF2-40B4-BE49-F238E27FC236}">
+                    <a16:creationId xmlns:a16="http://schemas.microsoft.com/office/drawing/2014/main" id="{75518574-BBC3-CC45-9848-8987FEEDBB8E}"/>
+                  </a:ext>
+                </a:extLst>
+              </p:cNvPr>
+              <p:cNvSpPr/>
+              <p:nvPr/>
+            </p:nvSpPr>
+            <p:spPr>
+              <a:xfrm>
+                <a:off x="2942512" y="1250281"/>
+                <a:ext cx="969612" cy="470562"/>
+              </a:xfrm>
+              <a:prstGeom prst="roundRect">
+                <a:avLst/>
+              </a:prstGeom>
+              <a:solidFill>
+                <a:schemeClr val="accent6">
+                  <a:lumMod val="40000"/>
+                  <a:lumOff val="60000"/>
+                </a:schemeClr>
+              </a:solidFill>
+              <a:ln>
+                <a:solidFill>
+                  <a:srgbClr val="F99149"/>
+                </a:solidFill>
+              </a:ln>
+            </p:spPr>
+            <p:style>
+              <a:lnRef idx="2">
+                <a:schemeClr val="accent6">
+                  <a:shade val="50000"/>
+                </a:schemeClr>
+              </a:lnRef>
+              <a:fillRef idx="1">
+                <a:schemeClr val="accent6"/>
+              </a:fillRef>
+              <a:effectRef idx="0">
+                <a:schemeClr val="accent6"/>
+              </a:effectRef>
+              <a:fontRef idx="minor">
+                <a:schemeClr val="lt1"/>
+              </a:fontRef>
+            </p:style>
+            <p:txBody>
+              <a:bodyPr rtlCol="0" anchor="b"/>
+              <a:lstStyle/>
+              <a:p>
+                <a:pPr algn="ctr" defTabSz="514355">
+                  <a:defRPr/>
+                </a:pPr>
+                <a:endParaRPr lang="en-US" sz="1000" dirty="0">
+                  <a:solidFill>
+                    <a:schemeClr val="bg1"/>
+                  </a:solidFill>
+                </a:endParaRPr>
+              </a:p>
+            </p:txBody>
+          </p:sp>
+          <p:grpSp>
+            <p:nvGrpSpPr>
+              <p:cNvPr id="171" name="Group 170">
+                <a:extLst>
+                  <a:ext uri="{FF2B5EF4-FFF2-40B4-BE49-F238E27FC236}">
+                    <a16:creationId xmlns:a16="http://schemas.microsoft.com/office/drawing/2014/main" id="{2525A6D9-520A-9B4C-AB5D-0F1FCABCEDC9}"/>
+                  </a:ext>
+                </a:extLst>
+              </p:cNvPr>
+              <p:cNvGrpSpPr/>
+              <p:nvPr/>
+            </p:nvGrpSpPr>
+            <p:grpSpPr>
+              <a:xfrm>
+                <a:off x="4124713" y="2341101"/>
+                <a:ext cx="487360" cy="596765"/>
+                <a:chOff x="5165387" y="2395529"/>
+                <a:chExt cx="487360" cy="596765"/>
+              </a:xfrm>
+            </p:grpSpPr>
+            <p:pic>
+              <p:nvPicPr>
+                <p:cNvPr id="212" name="Picture 211">
+                  <a:extLst>
+                    <a:ext uri="{FF2B5EF4-FFF2-40B4-BE49-F238E27FC236}">
+                      <a16:creationId xmlns:a16="http://schemas.microsoft.com/office/drawing/2014/main" id="{6C6EEA11-2835-BF40-98CC-5EE138AFD846}"/>
+                    </a:ext>
+                  </a:extLst>
+                </p:cNvPr>
+                <p:cNvPicPr>
+                  <a:picLocks noChangeAspect="1"/>
+                </p:cNvPicPr>
+                <p:nvPr/>
+              </p:nvPicPr>
+              <p:blipFill>
+                <a:blip r:embed="rId3">
+                  <a:grayscl/>
+                </a:blip>
+                <a:stretch>
+                  <a:fillRect/>
+                </a:stretch>
+              </p:blipFill>
+              <p:spPr>
+                <a:xfrm>
+                  <a:off x="5210784" y="2546093"/>
+                  <a:ext cx="441963" cy="446201"/>
+                </a:xfrm>
+                <a:prstGeom prst="rect">
+                  <a:avLst/>
+                </a:prstGeom>
+                <a:effectLst>
+                  <a:outerShdw blurRad="50800" dist="38100" dir="2700000" algn="tl" rotWithShape="0">
+                    <a:prstClr val="black">
+                      <a:alpha val="40000"/>
+                    </a:prstClr>
+                  </a:outerShdw>
+                </a:effectLst>
+              </p:spPr>
+            </p:pic>
+            <p:grpSp>
+              <p:nvGrpSpPr>
+                <p:cNvPr id="213" name="Group 212">
+                  <a:extLst>
+                    <a:ext uri="{FF2B5EF4-FFF2-40B4-BE49-F238E27FC236}">
+                      <a16:creationId xmlns:a16="http://schemas.microsoft.com/office/drawing/2014/main" id="{032B0855-DE4A-1541-BE1C-3BABDB3A805C}"/>
+                    </a:ext>
+                  </a:extLst>
+                </p:cNvPr>
+                <p:cNvGrpSpPr/>
+                <p:nvPr/>
+              </p:nvGrpSpPr>
+              <p:grpSpPr>
+                <a:xfrm>
+                  <a:off x="5165387" y="2395529"/>
+                  <a:ext cx="471813" cy="215444"/>
+                  <a:chOff x="5165387" y="2376073"/>
+                  <a:chExt cx="471813" cy="215444"/>
+                </a:xfrm>
+              </p:grpSpPr>
+              <p:sp>
+                <p:nvSpPr>
+                  <p:cNvPr id="214" name="Rounded Rectangle 213">
+                    <a:extLst>
+                      <a:ext uri="{FF2B5EF4-FFF2-40B4-BE49-F238E27FC236}">
+                        <a16:creationId xmlns:a16="http://schemas.microsoft.com/office/drawing/2014/main" id="{E2F14924-53AD-784C-BA3D-870A331132F9}"/>
+                      </a:ext>
+                    </a:extLst>
+                  </p:cNvPr>
+                  <p:cNvSpPr/>
+                  <p:nvPr/>
+                </p:nvSpPr>
+                <p:spPr>
+                  <a:xfrm>
+                    <a:off x="5213269" y="2412459"/>
+                    <a:ext cx="423931" cy="142672"/>
+                  </a:xfrm>
+                  <a:prstGeom prst="roundRect">
+                    <a:avLst/>
+                  </a:prstGeom>
+                  <a:solidFill>
+                    <a:schemeClr val="accent6">
+                      <a:lumMod val="40000"/>
+                      <a:lumOff val="60000"/>
+                    </a:schemeClr>
+                  </a:solidFill>
+                  <a:ln>
+                    <a:noFill/>
+                  </a:ln>
+                </p:spPr>
+                <p:style>
+                  <a:lnRef idx="1">
+                    <a:schemeClr val="accent6"/>
+                  </a:lnRef>
+                  <a:fillRef idx="3">
+                    <a:schemeClr val="accent6"/>
+                  </a:fillRef>
+                  <a:effectRef idx="2">
+                    <a:schemeClr val="accent6"/>
+                  </a:effectRef>
+                  <a:fontRef idx="minor">
+                    <a:schemeClr val="lt1"/>
+                  </a:fontRef>
+                </p:style>
+                <p:txBody>
+                  <a:bodyPr rtlCol="0" anchor="ctr"/>
+                  <a:lstStyle/>
+                  <a:p>
+                    <a:pPr algn="ctr"/>
+                    <a:endParaRPr lang="en-US" sz="800" dirty="0">
+                      <a:solidFill>
+                        <a:srgbClr val="000000"/>
+                      </a:solidFill>
+                      <a:latin typeface="Calibri" charset="0"/>
+                      <a:ea typeface="Calibri" charset="0"/>
+                      <a:cs typeface="Calibri" charset="0"/>
+                    </a:endParaRPr>
+                  </a:p>
+                </p:txBody>
+              </p:sp>
+              <p:sp>
+                <p:nvSpPr>
+                  <p:cNvPr id="215" name="TextBox 214">
+                    <a:extLst>
+                      <a:ext uri="{FF2B5EF4-FFF2-40B4-BE49-F238E27FC236}">
+                        <a16:creationId xmlns:a16="http://schemas.microsoft.com/office/drawing/2014/main" id="{DE9331D8-83F1-E943-902B-44AD4DF606A4}"/>
+                      </a:ext>
+                    </a:extLst>
+                  </p:cNvPr>
+                  <p:cNvSpPr txBox="1"/>
+                  <p:nvPr/>
+                </p:nvSpPr>
+                <p:spPr>
+                  <a:xfrm>
+                    <a:off x="5165387" y="2376073"/>
+                    <a:ext cx="184731" cy="215444"/>
+                  </a:xfrm>
+                  <a:prstGeom prst="rect">
+                    <a:avLst/>
+                  </a:prstGeom>
+                  <a:noFill/>
+                </p:spPr>
+                <p:txBody>
+                  <a:bodyPr wrap="none" rtlCol="0">
+                    <a:spAutoFit/>
+                  </a:bodyPr>
+                  <a:lstStyle/>
+                  <a:p>
+                    <a:endParaRPr lang="en-US" sz="800" dirty="0">
+                      <a:latin typeface="Calibri" charset="0"/>
+                      <a:ea typeface="Calibri" charset="0"/>
+                      <a:cs typeface="Calibri" charset="0"/>
+                    </a:endParaRPr>
+                  </a:p>
+                </p:txBody>
+              </p:sp>
+            </p:grpSp>
+          </p:grpSp>
+          <p:grpSp>
+            <p:nvGrpSpPr>
+              <p:cNvPr id="172" name="Group 171">
+                <a:extLst>
+                  <a:ext uri="{FF2B5EF4-FFF2-40B4-BE49-F238E27FC236}">
+                    <a16:creationId xmlns:a16="http://schemas.microsoft.com/office/drawing/2014/main" id="{06ED49C3-4932-D944-B579-EBE96E4F05FE}"/>
+                  </a:ext>
+                </a:extLst>
+              </p:cNvPr>
+              <p:cNvGrpSpPr/>
+              <p:nvPr/>
+            </p:nvGrpSpPr>
+            <p:grpSpPr>
+              <a:xfrm>
+                <a:off x="2849938" y="2351987"/>
+                <a:ext cx="487360" cy="596765"/>
+                <a:chOff x="5165387" y="2395529"/>
+                <a:chExt cx="487360" cy="596765"/>
+              </a:xfrm>
+            </p:grpSpPr>
+            <p:pic>
+              <p:nvPicPr>
+                <p:cNvPr id="208" name="Picture 207">
+                  <a:extLst>
+                    <a:ext uri="{FF2B5EF4-FFF2-40B4-BE49-F238E27FC236}">
+                      <a16:creationId xmlns:a16="http://schemas.microsoft.com/office/drawing/2014/main" id="{A505F998-4847-D44B-ADF6-8BB044C839F1}"/>
+                    </a:ext>
+                  </a:extLst>
+                </p:cNvPr>
+                <p:cNvPicPr>
+                  <a:picLocks noChangeAspect="1"/>
+                </p:cNvPicPr>
+                <p:nvPr/>
+              </p:nvPicPr>
+              <p:blipFill>
+                <a:blip r:embed="rId3">
+                  <a:grayscl/>
+                </a:blip>
+                <a:stretch>
+                  <a:fillRect/>
+                </a:stretch>
+              </p:blipFill>
+              <p:spPr>
+                <a:xfrm>
+                  <a:off x="5210784" y="2546093"/>
+                  <a:ext cx="441963" cy="446201"/>
+                </a:xfrm>
+                <a:prstGeom prst="rect">
+                  <a:avLst/>
+                </a:prstGeom>
+                <a:effectLst>
+                  <a:outerShdw blurRad="50800" dist="38100" dir="2700000" algn="tl" rotWithShape="0">
+                    <a:prstClr val="black">
+                      <a:alpha val="40000"/>
+                    </a:prstClr>
+                  </a:outerShdw>
+                </a:effectLst>
+              </p:spPr>
+            </p:pic>
+            <p:grpSp>
+              <p:nvGrpSpPr>
+                <p:cNvPr id="209" name="Group 208">
+                  <a:extLst>
+                    <a:ext uri="{FF2B5EF4-FFF2-40B4-BE49-F238E27FC236}">
+                      <a16:creationId xmlns:a16="http://schemas.microsoft.com/office/drawing/2014/main" id="{A64C80F2-12C2-9041-91FD-0EF3E764DAC9}"/>
+                    </a:ext>
+                  </a:extLst>
+                </p:cNvPr>
+                <p:cNvGrpSpPr/>
+                <p:nvPr/>
+              </p:nvGrpSpPr>
+              <p:grpSpPr>
+                <a:xfrm>
+                  <a:off x="5165387" y="2395529"/>
+                  <a:ext cx="471813" cy="215444"/>
+                  <a:chOff x="5165387" y="2376073"/>
+                  <a:chExt cx="471813" cy="215444"/>
+                </a:xfrm>
+              </p:grpSpPr>
+              <p:sp>
+                <p:nvSpPr>
+                  <p:cNvPr id="210" name="Rounded Rectangle 209">
+                    <a:extLst>
+                      <a:ext uri="{FF2B5EF4-FFF2-40B4-BE49-F238E27FC236}">
+                        <a16:creationId xmlns:a16="http://schemas.microsoft.com/office/drawing/2014/main" id="{359BA8D5-1E36-984F-A70D-F9F5F65CB1DD}"/>
+                      </a:ext>
+                    </a:extLst>
+                  </p:cNvPr>
+                  <p:cNvSpPr/>
+                  <p:nvPr/>
+                </p:nvSpPr>
+                <p:spPr>
+                  <a:xfrm>
+                    <a:off x="5213269" y="2412459"/>
+                    <a:ext cx="423931" cy="142672"/>
+                  </a:xfrm>
+                  <a:prstGeom prst="roundRect">
+                    <a:avLst/>
+                  </a:prstGeom>
+                  <a:solidFill>
+                    <a:schemeClr val="accent6">
+                      <a:lumMod val="40000"/>
+                      <a:lumOff val="60000"/>
+                    </a:schemeClr>
+                  </a:solidFill>
+                  <a:ln>
+                    <a:noFill/>
+                  </a:ln>
+                </p:spPr>
+                <p:style>
+                  <a:lnRef idx="1">
+                    <a:schemeClr val="accent6"/>
+                  </a:lnRef>
+                  <a:fillRef idx="3">
+                    <a:schemeClr val="accent6"/>
+                  </a:fillRef>
+                  <a:effectRef idx="2">
+                    <a:schemeClr val="accent6"/>
+                  </a:effectRef>
+                  <a:fontRef idx="minor">
+                    <a:schemeClr val="lt1"/>
+                  </a:fontRef>
+                </p:style>
+                <p:txBody>
+                  <a:bodyPr rtlCol="0" anchor="ctr"/>
+                  <a:lstStyle/>
+                  <a:p>
+                    <a:pPr algn="ctr"/>
+                    <a:endParaRPr lang="en-US" sz="800" dirty="0">
+                      <a:solidFill>
+                        <a:srgbClr val="000000"/>
+                      </a:solidFill>
+                      <a:latin typeface="Calibri" charset="0"/>
+                      <a:ea typeface="Calibri" charset="0"/>
+                      <a:cs typeface="Calibri" charset="0"/>
+                    </a:endParaRPr>
+                  </a:p>
+                </p:txBody>
+              </p:sp>
+              <p:sp>
+                <p:nvSpPr>
+                  <p:cNvPr id="211" name="TextBox 210">
+                    <a:extLst>
+                      <a:ext uri="{FF2B5EF4-FFF2-40B4-BE49-F238E27FC236}">
+                        <a16:creationId xmlns:a16="http://schemas.microsoft.com/office/drawing/2014/main" id="{6AEE7B4A-D123-6048-BCD5-D93049018B48}"/>
+                      </a:ext>
+                    </a:extLst>
+                  </p:cNvPr>
+                  <p:cNvSpPr txBox="1"/>
+                  <p:nvPr/>
+                </p:nvSpPr>
+                <p:spPr>
+                  <a:xfrm>
+                    <a:off x="5165387" y="2376073"/>
+                    <a:ext cx="184731" cy="215444"/>
+                  </a:xfrm>
+                  <a:prstGeom prst="rect">
+                    <a:avLst/>
+                  </a:prstGeom>
+                  <a:noFill/>
+                </p:spPr>
+                <p:txBody>
+                  <a:bodyPr wrap="none" rtlCol="0">
+                    <a:spAutoFit/>
+                  </a:bodyPr>
+                  <a:lstStyle/>
+                  <a:p>
+                    <a:endParaRPr lang="en-US" sz="800" dirty="0">
+                      <a:latin typeface="Calibri" charset="0"/>
+                      <a:ea typeface="Calibri" charset="0"/>
+                      <a:cs typeface="Calibri" charset="0"/>
+                    </a:endParaRPr>
+                  </a:p>
+                </p:txBody>
+              </p:sp>
+            </p:grpSp>
+          </p:grpSp>
+          <p:grpSp>
+            <p:nvGrpSpPr>
+              <p:cNvPr id="173" name="Group 172">
+                <a:extLst>
+                  <a:ext uri="{FF2B5EF4-FFF2-40B4-BE49-F238E27FC236}">
+                    <a16:creationId xmlns:a16="http://schemas.microsoft.com/office/drawing/2014/main" id="{71C804BF-62FB-CD4F-8986-F5DE9F92B750}"/>
+                  </a:ext>
+                </a:extLst>
+              </p:cNvPr>
+              <p:cNvGrpSpPr/>
+              <p:nvPr/>
+            </p:nvGrpSpPr>
+            <p:grpSpPr>
+              <a:xfrm>
+                <a:off x="2217192" y="2341100"/>
+                <a:ext cx="487360" cy="596765"/>
+                <a:chOff x="5165387" y="2395529"/>
+                <a:chExt cx="487360" cy="596765"/>
+              </a:xfrm>
+            </p:grpSpPr>
+            <p:pic>
+              <p:nvPicPr>
+                <p:cNvPr id="204" name="Picture 203">
+                  <a:extLst>
+                    <a:ext uri="{FF2B5EF4-FFF2-40B4-BE49-F238E27FC236}">
+                      <a16:creationId xmlns:a16="http://schemas.microsoft.com/office/drawing/2014/main" id="{6DB0587D-4E6A-874B-8E23-6C54543ED065}"/>
+                    </a:ext>
+                  </a:extLst>
+                </p:cNvPr>
+                <p:cNvPicPr>
+                  <a:picLocks noChangeAspect="1"/>
+                </p:cNvPicPr>
+                <p:nvPr/>
+              </p:nvPicPr>
+              <p:blipFill>
+                <a:blip r:embed="rId3">
+                  <a:grayscl/>
+                </a:blip>
+                <a:stretch>
+                  <a:fillRect/>
+                </a:stretch>
+              </p:blipFill>
+              <p:spPr>
+                <a:xfrm>
+                  <a:off x="5210784" y="2546093"/>
+                  <a:ext cx="441963" cy="446201"/>
+                </a:xfrm>
+                <a:prstGeom prst="rect">
+                  <a:avLst/>
+                </a:prstGeom>
+                <a:effectLst>
+                  <a:outerShdw blurRad="50800" dist="38100" dir="2700000" algn="tl" rotWithShape="0">
+                    <a:prstClr val="black">
+                      <a:alpha val="40000"/>
+                    </a:prstClr>
+                  </a:outerShdw>
+                </a:effectLst>
+              </p:spPr>
+            </p:pic>
+            <p:grpSp>
+              <p:nvGrpSpPr>
+                <p:cNvPr id="205" name="Group 204">
+                  <a:extLst>
+                    <a:ext uri="{FF2B5EF4-FFF2-40B4-BE49-F238E27FC236}">
+                      <a16:creationId xmlns:a16="http://schemas.microsoft.com/office/drawing/2014/main" id="{BC2D3752-2E72-E645-8990-9D773E71268A}"/>
+                    </a:ext>
+                  </a:extLst>
+                </p:cNvPr>
+                <p:cNvGrpSpPr/>
+                <p:nvPr/>
+              </p:nvGrpSpPr>
+              <p:grpSpPr>
+                <a:xfrm>
+                  <a:off x="5165387" y="2395529"/>
+                  <a:ext cx="471813" cy="215444"/>
+                  <a:chOff x="5165387" y="2376073"/>
+                  <a:chExt cx="471813" cy="215444"/>
+                </a:xfrm>
+              </p:grpSpPr>
+              <p:sp>
+                <p:nvSpPr>
+                  <p:cNvPr id="206" name="Rounded Rectangle 205">
+                    <a:extLst>
+                      <a:ext uri="{FF2B5EF4-FFF2-40B4-BE49-F238E27FC236}">
+                        <a16:creationId xmlns:a16="http://schemas.microsoft.com/office/drawing/2014/main" id="{9EF75E35-2D4E-9E49-9570-BC3BDDA7E9F4}"/>
+                      </a:ext>
+                    </a:extLst>
+                  </p:cNvPr>
+                  <p:cNvSpPr/>
+                  <p:nvPr/>
+                </p:nvSpPr>
+                <p:spPr>
+                  <a:xfrm>
+                    <a:off x="5213269" y="2412459"/>
+                    <a:ext cx="423931" cy="142672"/>
+                  </a:xfrm>
+                  <a:prstGeom prst="roundRect">
+                    <a:avLst/>
+                  </a:prstGeom>
+                  <a:solidFill>
+                    <a:schemeClr val="accent6">
+                      <a:lumMod val="40000"/>
+                      <a:lumOff val="60000"/>
+                    </a:schemeClr>
+                  </a:solidFill>
+                  <a:ln>
+                    <a:noFill/>
+                  </a:ln>
+                </p:spPr>
+                <p:style>
+                  <a:lnRef idx="1">
+                    <a:schemeClr val="accent6"/>
+                  </a:lnRef>
+                  <a:fillRef idx="3">
+                    <a:schemeClr val="accent6"/>
+                  </a:fillRef>
+                  <a:effectRef idx="2">
+                    <a:schemeClr val="accent6"/>
+                  </a:effectRef>
+                  <a:fontRef idx="minor">
+                    <a:schemeClr val="lt1"/>
+                  </a:fontRef>
+                </p:style>
+                <p:txBody>
+                  <a:bodyPr rtlCol="0" anchor="ctr"/>
+                  <a:lstStyle/>
+                  <a:p>
+                    <a:pPr algn="ctr"/>
+                    <a:endParaRPr lang="en-US" sz="800" dirty="0">
+                      <a:solidFill>
+                        <a:srgbClr val="000000"/>
+                      </a:solidFill>
+                      <a:latin typeface="Calibri" charset="0"/>
+                      <a:ea typeface="Calibri" charset="0"/>
+                      <a:cs typeface="Calibri" charset="0"/>
+                    </a:endParaRPr>
+                  </a:p>
+                </p:txBody>
+              </p:sp>
+              <p:sp>
+                <p:nvSpPr>
+                  <p:cNvPr id="207" name="TextBox 206">
+                    <a:extLst>
+                      <a:ext uri="{FF2B5EF4-FFF2-40B4-BE49-F238E27FC236}">
+                        <a16:creationId xmlns:a16="http://schemas.microsoft.com/office/drawing/2014/main" id="{5B72E0A0-1B0A-BC41-9EFC-6A2CAE36029A}"/>
+                      </a:ext>
+                    </a:extLst>
+                  </p:cNvPr>
+                  <p:cNvSpPr txBox="1"/>
+                  <p:nvPr/>
+                </p:nvSpPr>
+                <p:spPr>
+                  <a:xfrm>
+                    <a:off x="5165387" y="2376073"/>
+                    <a:ext cx="184731" cy="215444"/>
+                  </a:xfrm>
+                  <a:prstGeom prst="rect">
+                    <a:avLst/>
+                  </a:prstGeom>
+                  <a:noFill/>
+                </p:spPr>
+                <p:txBody>
+                  <a:bodyPr wrap="none" rtlCol="0">
+                    <a:spAutoFit/>
+                  </a:bodyPr>
+                  <a:lstStyle/>
+                  <a:p>
+                    <a:endParaRPr lang="en-US" sz="800" dirty="0">
+                      <a:latin typeface="Calibri" charset="0"/>
+                      <a:ea typeface="Calibri" charset="0"/>
+                      <a:cs typeface="Calibri" charset="0"/>
+                    </a:endParaRPr>
+                  </a:p>
+                </p:txBody>
+              </p:sp>
+            </p:grpSp>
+          </p:grpSp>
+          <p:grpSp>
+            <p:nvGrpSpPr>
+              <p:cNvPr id="174" name="Group 173">
+                <a:extLst>
+                  <a:ext uri="{FF2B5EF4-FFF2-40B4-BE49-F238E27FC236}">
+                    <a16:creationId xmlns:a16="http://schemas.microsoft.com/office/drawing/2014/main" id="{144BBC5C-4D5B-F544-9438-01D1F315F88C}"/>
+                  </a:ext>
+                </a:extLst>
+              </p:cNvPr>
+              <p:cNvGrpSpPr/>
+              <p:nvPr/>
+            </p:nvGrpSpPr>
+            <p:grpSpPr>
+              <a:xfrm>
+                <a:off x="2534595" y="3270740"/>
+                <a:ext cx="487360" cy="596765"/>
+                <a:chOff x="5165387" y="2395529"/>
+                <a:chExt cx="487360" cy="596765"/>
+              </a:xfrm>
+            </p:grpSpPr>
+            <p:pic>
+              <p:nvPicPr>
+                <p:cNvPr id="200" name="Picture 199">
+                  <a:extLst>
+                    <a:ext uri="{FF2B5EF4-FFF2-40B4-BE49-F238E27FC236}">
+                      <a16:creationId xmlns:a16="http://schemas.microsoft.com/office/drawing/2014/main" id="{73A9996C-D1AE-5E4A-BF61-9D0213166452}"/>
+                    </a:ext>
+                  </a:extLst>
+                </p:cNvPr>
+                <p:cNvPicPr>
+                  <a:picLocks noChangeAspect="1"/>
+                </p:cNvPicPr>
+                <p:nvPr/>
+              </p:nvPicPr>
+              <p:blipFill>
+                <a:blip r:embed="rId3">
+                  <a:grayscl/>
+                </a:blip>
+                <a:stretch>
+                  <a:fillRect/>
+                </a:stretch>
+              </p:blipFill>
+              <p:spPr>
+                <a:xfrm>
+                  <a:off x="5210784" y="2546093"/>
+                  <a:ext cx="441963" cy="446201"/>
+                </a:xfrm>
+                <a:prstGeom prst="rect">
+                  <a:avLst/>
+                </a:prstGeom>
+                <a:effectLst>
+                  <a:outerShdw blurRad="50800" dist="38100" dir="2700000" algn="tl" rotWithShape="0">
+                    <a:prstClr val="black">
+                      <a:alpha val="40000"/>
+                    </a:prstClr>
+                  </a:outerShdw>
+                </a:effectLst>
+              </p:spPr>
+            </p:pic>
+            <p:grpSp>
+              <p:nvGrpSpPr>
+                <p:cNvPr id="201" name="Group 200">
+                  <a:extLst>
+                    <a:ext uri="{FF2B5EF4-FFF2-40B4-BE49-F238E27FC236}">
+                      <a16:creationId xmlns:a16="http://schemas.microsoft.com/office/drawing/2014/main" id="{426ED769-CF9A-5148-9427-266B19FD9128}"/>
+                    </a:ext>
+                  </a:extLst>
+                </p:cNvPr>
+                <p:cNvGrpSpPr/>
+                <p:nvPr/>
+              </p:nvGrpSpPr>
+              <p:grpSpPr>
+                <a:xfrm>
+                  <a:off x="5165387" y="2395529"/>
+                  <a:ext cx="471813" cy="215444"/>
+                  <a:chOff x="5165387" y="2376073"/>
+                  <a:chExt cx="471813" cy="215444"/>
+                </a:xfrm>
+              </p:grpSpPr>
+              <p:sp>
+                <p:nvSpPr>
+                  <p:cNvPr id="202" name="Rounded Rectangle 201">
+                    <a:extLst>
+                      <a:ext uri="{FF2B5EF4-FFF2-40B4-BE49-F238E27FC236}">
+                        <a16:creationId xmlns:a16="http://schemas.microsoft.com/office/drawing/2014/main" id="{861E15D0-0104-0745-8E56-42A9F3D4D6EC}"/>
+                      </a:ext>
+                    </a:extLst>
+                  </p:cNvPr>
+                  <p:cNvSpPr/>
+                  <p:nvPr/>
+                </p:nvSpPr>
+                <p:spPr>
+                  <a:xfrm>
+                    <a:off x="5213269" y="2412459"/>
+                    <a:ext cx="423931" cy="142672"/>
+                  </a:xfrm>
+                  <a:prstGeom prst="roundRect">
+                    <a:avLst/>
+                  </a:prstGeom>
+                  <a:solidFill>
+                    <a:schemeClr val="accent6">
+                      <a:lumMod val="40000"/>
+                      <a:lumOff val="60000"/>
+                    </a:schemeClr>
+                  </a:solidFill>
+                  <a:ln>
+                    <a:noFill/>
+                  </a:ln>
+                </p:spPr>
+                <p:style>
+                  <a:lnRef idx="1">
+                    <a:schemeClr val="accent6"/>
+                  </a:lnRef>
+                  <a:fillRef idx="3">
+                    <a:schemeClr val="accent6"/>
+                  </a:fillRef>
+                  <a:effectRef idx="2">
+                    <a:schemeClr val="accent6"/>
+                  </a:effectRef>
+                  <a:fontRef idx="minor">
+                    <a:schemeClr val="lt1"/>
+                  </a:fontRef>
+                </p:style>
+                <p:txBody>
+                  <a:bodyPr rtlCol="0" anchor="ctr"/>
+                  <a:lstStyle/>
+                  <a:p>
+                    <a:pPr algn="ctr"/>
+                    <a:endParaRPr lang="en-US" sz="800" dirty="0">
+                      <a:solidFill>
+                        <a:srgbClr val="000000"/>
+                      </a:solidFill>
+                      <a:latin typeface="Calibri" charset="0"/>
+                      <a:ea typeface="Calibri" charset="0"/>
+                      <a:cs typeface="Calibri" charset="0"/>
+                    </a:endParaRPr>
+                  </a:p>
+                </p:txBody>
+              </p:sp>
+              <p:sp>
+                <p:nvSpPr>
+                  <p:cNvPr id="203" name="TextBox 202">
+                    <a:extLst>
+                      <a:ext uri="{FF2B5EF4-FFF2-40B4-BE49-F238E27FC236}">
+                        <a16:creationId xmlns:a16="http://schemas.microsoft.com/office/drawing/2014/main" id="{05226A0B-07AA-774A-BAA2-B7348B2AC48D}"/>
+                      </a:ext>
+                    </a:extLst>
+                  </p:cNvPr>
+                  <p:cNvSpPr txBox="1"/>
+                  <p:nvPr/>
+                </p:nvSpPr>
+                <p:spPr>
+                  <a:xfrm>
+                    <a:off x="5165387" y="2376073"/>
+                    <a:ext cx="184731" cy="215444"/>
+                  </a:xfrm>
+                  <a:prstGeom prst="rect">
+                    <a:avLst/>
+                  </a:prstGeom>
+                  <a:noFill/>
+                </p:spPr>
+                <p:txBody>
+                  <a:bodyPr wrap="none" rtlCol="0">
+                    <a:spAutoFit/>
+                  </a:bodyPr>
+                  <a:lstStyle/>
+                  <a:p>
+                    <a:endParaRPr lang="en-US" sz="800" dirty="0">
+                      <a:latin typeface="Calibri" charset="0"/>
+                      <a:ea typeface="Calibri" charset="0"/>
+                      <a:cs typeface="Calibri" charset="0"/>
+                    </a:endParaRPr>
+                  </a:p>
+                </p:txBody>
+              </p:sp>
+            </p:grpSp>
+          </p:grpSp>
+          <p:grpSp>
+            <p:nvGrpSpPr>
+              <p:cNvPr id="175" name="Group 174">
+                <a:extLst>
+                  <a:ext uri="{FF2B5EF4-FFF2-40B4-BE49-F238E27FC236}">
+                    <a16:creationId xmlns:a16="http://schemas.microsoft.com/office/drawing/2014/main" id="{8B1EB151-1BE2-1347-8DEF-6ACE5CF723CA}"/>
+                  </a:ext>
+                </a:extLst>
+              </p:cNvPr>
+              <p:cNvGrpSpPr/>
+              <p:nvPr/>
+            </p:nvGrpSpPr>
+            <p:grpSpPr>
+              <a:xfrm>
+                <a:off x="3652276" y="3272917"/>
+                <a:ext cx="487360" cy="596765"/>
+                <a:chOff x="5165387" y="2395529"/>
+                <a:chExt cx="487360" cy="596765"/>
+              </a:xfrm>
+            </p:grpSpPr>
+            <p:pic>
+              <p:nvPicPr>
+                <p:cNvPr id="196" name="Picture 195">
+                  <a:extLst>
+                    <a:ext uri="{FF2B5EF4-FFF2-40B4-BE49-F238E27FC236}">
+                      <a16:creationId xmlns:a16="http://schemas.microsoft.com/office/drawing/2014/main" id="{03C5E2C4-D741-A54D-8968-EAEB1767F110}"/>
+                    </a:ext>
+                  </a:extLst>
+                </p:cNvPr>
+                <p:cNvPicPr>
+                  <a:picLocks noChangeAspect="1"/>
+                </p:cNvPicPr>
+                <p:nvPr/>
+              </p:nvPicPr>
+              <p:blipFill>
+                <a:blip r:embed="rId3">
+                  <a:grayscl/>
+                </a:blip>
+                <a:stretch>
+                  <a:fillRect/>
+                </a:stretch>
+              </p:blipFill>
+              <p:spPr>
+                <a:xfrm>
+                  <a:off x="5210784" y="2546093"/>
+                  <a:ext cx="441963" cy="446201"/>
+                </a:xfrm>
+                <a:prstGeom prst="rect">
+                  <a:avLst/>
+                </a:prstGeom>
+                <a:effectLst>
+                  <a:outerShdw blurRad="50800" dist="38100" dir="2700000" algn="tl" rotWithShape="0">
+                    <a:prstClr val="black">
+                      <a:alpha val="40000"/>
+                    </a:prstClr>
+                  </a:outerShdw>
+                </a:effectLst>
+              </p:spPr>
+            </p:pic>
+            <p:grpSp>
+              <p:nvGrpSpPr>
+                <p:cNvPr id="197" name="Group 196">
+                  <a:extLst>
+                    <a:ext uri="{FF2B5EF4-FFF2-40B4-BE49-F238E27FC236}">
+                      <a16:creationId xmlns:a16="http://schemas.microsoft.com/office/drawing/2014/main" id="{82847DB7-DE79-1C49-BBF2-42500B28FAB6}"/>
+                    </a:ext>
+                  </a:extLst>
+                </p:cNvPr>
+                <p:cNvGrpSpPr/>
+                <p:nvPr/>
+              </p:nvGrpSpPr>
+              <p:grpSpPr>
+                <a:xfrm>
+                  <a:off x="5165387" y="2395529"/>
+                  <a:ext cx="471813" cy="215444"/>
+                  <a:chOff x="5165387" y="2376073"/>
+                  <a:chExt cx="471813" cy="215444"/>
+                </a:xfrm>
+              </p:grpSpPr>
+              <p:sp>
+                <p:nvSpPr>
+                  <p:cNvPr id="198" name="Rounded Rectangle 197">
+                    <a:extLst>
+                      <a:ext uri="{FF2B5EF4-FFF2-40B4-BE49-F238E27FC236}">
+                        <a16:creationId xmlns:a16="http://schemas.microsoft.com/office/drawing/2014/main" id="{58D28B52-8BC4-4143-887A-538B8204693E}"/>
+                      </a:ext>
+                    </a:extLst>
+                  </p:cNvPr>
+                  <p:cNvSpPr/>
+                  <p:nvPr/>
+                </p:nvSpPr>
+                <p:spPr>
+                  <a:xfrm>
+                    <a:off x="5213269" y="2412459"/>
+                    <a:ext cx="423931" cy="142672"/>
+                  </a:xfrm>
+                  <a:prstGeom prst="roundRect">
+                    <a:avLst/>
+                  </a:prstGeom>
+                  <a:solidFill>
+                    <a:schemeClr val="accent6">
+                      <a:lumMod val="40000"/>
+                      <a:lumOff val="60000"/>
+                    </a:schemeClr>
+                  </a:solidFill>
+                  <a:ln>
+                    <a:noFill/>
+                  </a:ln>
+                </p:spPr>
+                <p:style>
+                  <a:lnRef idx="1">
+                    <a:schemeClr val="accent6"/>
+                  </a:lnRef>
+                  <a:fillRef idx="3">
+                    <a:schemeClr val="accent6"/>
+                  </a:fillRef>
+                  <a:effectRef idx="2">
+                    <a:schemeClr val="accent6"/>
+                  </a:effectRef>
+                  <a:fontRef idx="minor">
+                    <a:schemeClr val="lt1"/>
+                  </a:fontRef>
+                </p:style>
+                <p:txBody>
+                  <a:bodyPr rtlCol="0" anchor="ctr"/>
+                  <a:lstStyle/>
+                  <a:p>
+                    <a:pPr algn="ctr"/>
+                    <a:endParaRPr lang="en-US" sz="800" dirty="0">
+                      <a:solidFill>
+                        <a:srgbClr val="000000"/>
+                      </a:solidFill>
+                      <a:latin typeface="Calibri" charset="0"/>
+                      <a:ea typeface="Calibri" charset="0"/>
+                      <a:cs typeface="Calibri" charset="0"/>
+                    </a:endParaRPr>
+                  </a:p>
+                </p:txBody>
+              </p:sp>
+              <p:sp>
+                <p:nvSpPr>
+                  <p:cNvPr id="199" name="TextBox 198">
+                    <a:extLst>
+                      <a:ext uri="{FF2B5EF4-FFF2-40B4-BE49-F238E27FC236}">
+                        <a16:creationId xmlns:a16="http://schemas.microsoft.com/office/drawing/2014/main" id="{21876A15-D588-2A4F-9E6E-8C341E7863C9}"/>
+                      </a:ext>
+                    </a:extLst>
+                  </p:cNvPr>
+                  <p:cNvSpPr txBox="1"/>
+                  <p:nvPr/>
+                </p:nvSpPr>
+                <p:spPr>
+                  <a:xfrm>
+                    <a:off x="5165387" y="2376073"/>
+                    <a:ext cx="184731" cy="215444"/>
+                  </a:xfrm>
+                  <a:prstGeom prst="rect">
+                    <a:avLst/>
+                  </a:prstGeom>
+                  <a:noFill/>
+                </p:spPr>
+                <p:txBody>
+                  <a:bodyPr wrap="none" rtlCol="0">
+                    <a:spAutoFit/>
+                  </a:bodyPr>
+                  <a:lstStyle/>
+                  <a:p>
+                    <a:endParaRPr lang="en-US" sz="800" dirty="0">
+                      <a:latin typeface="Calibri" charset="0"/>
+                      <a:ea typeface="Calibri" charset="0"/>
+                      <a:cs typeface="Calibri" charset="0"/>
+                    </a:endParaRPr>
+                  </a:p>
+                </p:txBody>
+              </p:sp>
+            </p:grpSp>
+          </p:grpSp>
+          <p:cxnSp>
+            <p:nvCxnSpPr>
+              <p:cNvPr id="176" name="Straight Connector 175">
+                <a:extLst>
+                  <a:ext uri="{FF2B5EF4-FFF2-40B4-BE49-F238E27FC236}">
+                    <a16:creationId xmlns:a16="http://schemas.microsoft.com/office/drawing/2014/main" id="{2BE554D5-E47B-FD45-9682-E6F7BA5E2F72}"/>
+                  </a:ext>
+                </a:extLst>
+              </p:cNvPr>
+              <p:cNvCxnSpPr>
+                <a:cxnSpLocks/>
+              </p:cNvCxnSpPr>
+              <p:nvPr/>
+            </p:nvCxnSpPr>
+            <p:spPr>
+              <a:xfrm flipH="1" flipV="1">
+                <a:off x="2483571" y="2937866"/>
+                <a:ext cx="1428552" cy="343761"/>
+              </a:xfrm>
+              <a:prstGeom prst="line">
+                <a:avLst/>
+              </a:prstGeom>
+              <a:noFill/>
+              <a:ln w="19050" cap="flat" cmpd="sng" algn="ctr">
+                <a:solidFill>
+                  <a:srgbClr val="000000">
+                    <a:alpha val="50000"/>
+                  </a:srgbClr>
+                </a:solidFill>
+                <a:prstDash val="solid"/>
+              </a:ln>
+              <a:effectLst/>
+            </p:spPr>
+          </p:cxnSp>
+          <p:cxnSp>
+            <p:nvCxnSpPr>
+              <p:cNvPr id="177" name="Straight Connector 176">
+                <a:extLst>
+                  <a:ext uri="{FF2B5EF4-FFF2-40B4-BE49-F238E27FC236}">
+                    <a16:creationId xmlns:a16="http://schemas.microsoft.com/office/drawing/2014/main" id="{CC01B4C5-A77A-C448-AFF3-1488E042BE25}"/>
+                  </a:ext>
+                </a:extLst>
+              </p:cNvPr>
+              <p:cNvCxnSpPr>
+                <a:cxnSpLocks/>
+              </p:cNvCxnSpPr>
+              <p:nvPr/>
+            </p:nvCxnSpPr>
+            <p:spPr>
+              <a:xfrm flipV="1">
+                <a:off x="3933707" y="2937866"/>
+                <a:ext cx="457385" cy="345935"/>
+              </a:xfrm>
+              <a:prstGeom prst="line">
+                <a:avLst/>
+              </a:prstGeom>
+              <a:noFill/>
+              <a:ln w="19050" cap="flat" cmpd="sng" algn="ctr">
+                <a:solidFill>
+                  <a:srgbClr val="000000">
+                    <a:alpha val="50000"/>
+                  </a:srgbClr>
+                </a:solidFill>
+                <a:prstDash val="solid"/>
+              </a:ln>
+              <a:effectLst/>
+            </p:spPr>
+          </p:cxnSp>
+          <p:grpSp>
+            <p:nvGrpSpPr>
+              <p:cNvPr id="178" name="Group 177">
+                <a:extLst>
+                  <a:ext uri="{FF2B5EF4-FFF2-40B4-BE49-F238E27FC236}">
+                    <a16:creationId xmlns:a16="http://schemas.microsoft.com/office/drawing/2014/main" id="{2DD8E494-8D39-CD4D-A932-5CBAB7F6C0CD}"/>
+                  </a:ext>
+                </a:extLst>
+              </p:cNvPr>
+              <p:cNvGrpSpPr/>
+              <p:nvPr/>
+            </p:nvGrpSpPr>
+            <p:grpSpPr>
+              <a:xfrm>
+                <a:off x="3493685" y="2362872"/>
+                <a:ext cx="487360" cy="596765"/>
+                <a:chOff x="5165387" y="2395529"/>
+                <a:chExt cx="487360" cy="596765"/>
+              </a:xfrm>
+            </p:grpSpPr>
+            <p:pic>
+              <p:nvPicPr>
+                <p:cNvPr id="192" name="Picture 191">
+                  <a:extLst>
+                    <a:ext uri="{FF2B5EF4-FFF2-40B4-BE49-F238E27FC236}">
+                      <a16:creationId xmlns:a16="http://schemas.microsoft.com/office/drawing/2014/main" id="{17D644BF-B32F-3949-AB12-2D2151EC583A}"/>
+                    </a:ext>
+                  </a:extLst>
+                </p:cNvPr>
+                <p:cNvPicPr>
+                  <a:picLocks noChangeAspect="1"/>
+                </p:cNvPicPr>
+                <p:nvPr/>
+              </p:nvPicPr>
+              <p:blipFill>
+                <a:blip r:embed="rId3">
+                  <a:grayscl/>
+                </a:blip>
+                <a:stretch>
+                  <a:fillRect/>
+                </a:stretch>
+              </p:blipFill>
+              <p:spPr>
+                <a:xfrm>
+                  <a:off x="5210784" y="2546093"/>
+                  <a:ext cx="441963" cy="446201"/>
+                </a:xfrm>
+                <a:prstGeom prst="rect">
+                  <a:avLst/>
+                </a:prstGeom>
+                <a:effectLst>
+                  <a:outerShdw blurRad="50800" dist="38100" dir="2700000" algn="tl" rotWithShape="0">
+                    <a:prstClr val="black">
+                      <a:alpha val="40000"/>
+                    </a:prstClr>
+                  </a:outerShdw>
+                </a:effectLst>
+              </p:spPr>
+            </p:pic>
+            <p:grpSp>
+              <p:nvGrpSpPr>
+                <p:cNvPr id="193" name="Group 192">
+                  <a:extLst>
+                    <a:ext uri="{FF2B5EF4-FFF2-40B4-BE49-F238E27FC236}">
+                      <a16:creationId xmlns:a16="http://schemas.microsoft.com/office/drawing/2014/main" id="{171F4A00-138F-E648-BD98-66ECA50DA373}"/>
+                    </a:ext>
+                  </a:extLst>
+                </p:cNvPr>
+                <p:cNvGrpSpPr/>
+                <p:nvPr/>
+              </p:nvGrpSpPr>
+              <p:grpSpPr>
+                <a:xfrm>
+                  <a:off x="5165387" y="2395529"/>
+                  <a:ext cx="471813" cy="215444"/>
+                  <a:chOff x="5165387" y="2376073"/>
+                  <a:chExt cx="471813" cy="215444"/>
+                </a:xfrm>
+              </p:grpSpPr>
+              <p:sp>
+                <p:nvSpPr>
+                  <p:cNvPr id="194" name="Rounded Rectangle 193">
+                    <a:extLst>
+                      <a:ext uri="{FF2B5EF4-FFF2-40B4-BE49-F238E27FC236}">
+                        <a16:creationId xmlns:a16="http://schemas.microsoft.com/office/drawing/2014/main" id="{8FECB482-CD9A-A548-9EEA-B94BA57971A0}"/>
+                      </a:ext>
+                    </a:extLst>
+                  </p:cNvPr>
+                  <p:cNvSpPr/>
+                  <p:nvPr/>
+                </p:nvSpPr>
+                <p:spPr>
+                  <a:xfrm>
+                    <a:off x="5213269" y="2412459"/>
+                    <a:ext cx="423931" cy="142672"/>
+                  </a:xfrm>
+                  <a:prstGeom prst="roundRect">
+                    <a:avLst/>
+                  </a:prstGeom>
+                  <a:solidFill>
+                    <a:schemeClr val="accent6">
+                      <a:lumMod val="40000"/>
+                      <a:lumOff val="60000"/>
+                    </a:schemeClr>
+                  </a:solidFill>
+                  <a:ln>
+                    <a:noFill/>
+                  </a:ln>
+                </p:spPr>
+                <p:style>
+                  <a:lnRef idx="1">
+                    <a:schemeClr val="accent6"/>
+                  </a:lnRef>
+                  <a:fillRef idx="3">
+                    <a:schemeClr val="accent6"/>
+                  </a:fillRef>
+                  <a:effectRef idx="2">
+                    <a:schemeClr val="accent6"/>
+                  </a:effectRef>
+                  <a:fontRef idx="minor">
+                    <a:schemeClr val="lt1"/>
+                  </a:fontRef>
+                </p:style>
+                <p:txBody>
+                  <a:bodyPr rtlCol="0" anchor="ctr"/>
+                  <a:lstStyle/>
+                  <a:p>
+                    <a:pPr algn="ctr"/>
+                    <a:endParaRPr lang="en-US" sz="800" dirty="0">
+                      <a:solidFill>
+                        <a:srgbClr val="000000"/>
+                      </a:solidFill>
+                      <a:latin typeface="Calibri" charset="0"/>
+                      <a:ea typeface="Calibri" charset="0"/>
+                      <a:cs typeface="Calibri" charset="0"/>
+                    </a:endParaRPr>
+                  </a:p>
+                </p:txBody>
+              </p:sp>
+              <p:sp>
+                <p:nvSpPr>
+                  <p:cNvPr id="195" name="TextBox 194">
+                    <a:extLst>
+                      <a:ext uri="{FF2B5EF4-FFF2-40B4-BE49-F238E27FC236}">
+                        <a16:creationId xmlns:a16="http://schemas.microsoft.com/office/drawing/2014/main" id="{1E34C613-930C-F145-B70D-B5C9021CD154}"/>
+                      </a:ext>
+                    </a:extLst>
+                  </p:cNvPr>
+                  <p:cNvSpPr txBox="1"/>
+                  <p:nvPr/>
+                </p:nvSpPr>
+                <p:spPr>
+                  <a:xfrm>
+                    <a:off x="5165387" y="2376073"/>
+                    <a:ext cx="184731" cy="215444"/>
+                  </a:xfrm>
+                  <a:prstGeom prst="rect">
+                    <a:avLst/>
+                  </a:prstGeom>
+                  <a:noFill/>
+                </p:spPr>
+                <p:txBody>
+                  <a:bodyPr wrap="none" rtlCol="0">
+                    <a:spAutoFit/>
+                  </a:bodyPr>
+                  <a:lstStyle/>
+                  <a:p>
+                    <a:endParaRPr lang="en-US" sz="800" dirty="0">
+                      <a:latin typeface="Calibri" charset="0"/>
+                      <a:ea typeface="Calibri" charset="0"/>
+                      <a:cs typeface="Calibri" charset="0"/>
+                    </a:endParaRPr>
+                  </a:p>
+                </p:txBody>
+              </p:sp>
+            </p:grpSp>
+          </p:grpSp>
+          <p:cxnSp>
+            <p:nvCxnSpPr>
+              <p:cNvPr id="179" name="Straight Connector 178">
+                <a:extLst>
+                  <a:ext uri="{FF2B5EF4-FFF2-40B4-BE49-F238E27FC236}">
+                    <a16:creationId xmlns:a16="http://schemas.microsoft.com/office/drawing/2014/main" id="{E5E5EB9C-7CD6-434B-B607-51D6A5DE1A97}"/>
+                  </a:ext>
+                </a:extLst>
+              </p:cNvPr>
+              <p:cNvCxnSpPr>
+                <a:cxnSpLocks/>
+              </p:cNvCxnSpPr>
+              <p:nvPr/>
+            </p:nvCxnSpPr>
+            <p:spPr>
+              <a:xfrm flipV="1">
+                <a:off x="2794442" y="2937866"/>
+                <a:ext cx="1596651" cy="343761"/>
+              </a:xfrm>
+              <a:prstGeom prst="line">
+                <a:avLst/>
+              </a:prstGeom>
+              <a:noFill/>
+              <a:ln w="19050" cap="flat" cmpd="sng" algn="ctr">
+                <a:solidFill>
+                  <a:srgbClr val="000000">
+                    <a:alpha val="50000"/>
+                  </a:srgbClr>
+                </a:solidFill>
+                <a:prstDash val="solid"/>
+              </a:ln>
+              <a:effectLst/>
+            </p:spPr>
+          </p:cxnSp>
+          <p:cxnSp>
+            <p:nvCxnSpPr>
+              <p:cNvPr id="180" name="Straight Connector 179">
+                <a:extLst>
+                  <a:ext uri="{FF2B5EF4-FFF2-40B4-BE49-F238E27FC236}">
+                    <a16:creationId xmlns:a16="http://schemas.microsoft.com/office/drawing/2014/main" id="{C4306A47-4204-C644-A304-D3D049D46C95}"/>
+                  </a:ext>
+                </a:extLst>
+              </p:cNvPr>
+              <p:cNvCxnSpPr>
+                <a:cxnSpLocks/>
+              </p:cNvCxnSpPr>
+              <p:nvPr/>
+            </p:nvCxnSpPr>
+            <p:spPr>
+              <a:xfrm flipV="1">
+                <a:off x="2849938" y="2959639"/>
+                <a:ext cx="910126" cy="321988"/>
+              </a:xfrm>
+              <a:prstGeom prst="line">
+                <a:avLst/>
+              </a:prstGeom>
+              <a:noFill/>
+              <a:ln w="19050" cap="flat" cmpd="sng" algn="ctr">
+                <a:solidFill>
+                  <a:srgbClr val="000000">
+                    <a:alpha val="50000"/>
+                  </a:srgbClr>
+                </a:solidFill>
+                <a:prstDash val="solid"/>
+              </a:ln>
+              <a:effectLst/>
+            </p:spPr>
+          </p:cxnSp>
+          <p:cxnSp>
+            <p:nvCxnSpPr>
+              <p:cNvPr id="181" name="Straight Connector 180">
+                <a:extLst>
+                  <a:ext uri="{FF2B5EF4-FFF2-40B4-BE49-F238E27FC236}">
+                    <a16:creationId xmlns:a16="http://schemas.microsoft.com/office/drawing/2014/main" id="{0B44D2FE-C88E-5C47-9F93-12D1C04DF68F}"/>
+                  </a:ext>
+                </a:extLst>
+              </p:cNvPr>
+              <p:cNvCxnSpPr>
+                <a:cxnSpLocks/>
+              </p:cNvCxnSpPr>
+              <p:nvPr/>
+            </p:nvCxnSpPr>
+            <p:spPr>
+              <a:xfrm flipV="1">
+                <a:off x="2805315" y="2948753"/>
+                <a:ext cx="311003" cy="332874"/>
+              </a:xfrm>
+              <a:prstGeom prst="line">
+                <a:avLst/>
+              </a:prstGeom>
+              <a:noFill/>
+              <a:ln w="19050" cap="flat" cmpd="sng" algn="ctr">
+                <a:solidFill>
+                  <a:srgbClr val="000000">
+                    <a:alpha val="50000"/>
+                  </a:srgbClr>
+                </a:solidFill>
+                <a:prstDash val="solid"/>
+              </a:ln>
+              <a:effectLst/>
+            </p:spPr>
+          </p:cxnSp>
+          <p:cxnSp>
+            <p:nvCxnSpPr>
+              <p:cNvPr id="182" name="Straight Connector 181">
+                <a:extLst>
+                  <a:ext uri="{FF2B5EF4-FFF2-40B4-BE49-F238E27FC236}">
+                    <a16:creationId xmlns:a16="http://schemas.microsoft.com/office/drawing/2014/main" id="{70853C0A-2BC3-7442-B50C-439718A11D06}"/>
+                  </a:ext>
+                </a:extLst>
+              </p:cNvPr>
+              <p:cNvCxnSpPr>
+                <a:cxnSpLocks/>
+              </p:cNvCxnSpPr>
+              <p:nvPr/>
+            </p:nvCxnSpPr>
+            <p:spPr>
+              <a:xfrm flipH="1" flipV="1">
+                <a:off x="2483572" y="2937866"/>
+                <a:ext cx="310749" cy="356693"/>
+              </a:xfrm>
+              <a:prstGeom prst="line">
+                <a:avLst/>
+              </a:prstGeom>
+              <a:noFill/>
+              <a:ln w="19050" cap="flat" cmpd="sng" algn="ctr">
+                <a:solidFill>
+                  <a:srgbClr val="000000">
+                    <a:alpha val="50000"/>
+                  </a:srgbClr>
+                </a:solidFill>
+                <a:prstDash val="solid"/>
+              </a:ln>
+              <a:effectLst/>
+            </p:spPr>
+          </p:cxnSp>
+          <p:cxnSp>
+            <p:nvCxnSpPr>
+              <p:cNvPr id="183" name="Straight Connector 182">
+                <a:extLst>
+                  <a:ext uri="{FF2B5EF4-FFF2-40B4-BE49-F238E27FC236}">
+                    <a16:creationId xmlns:a16="http://schemas.microsoft.com/office/drawing/2014/main" id="{0CD2E3ED-6E2A-AD47-91DE-020ABCD4D556}"/>
+                  </a:ext>
+                </a:extLst>
+              </p:cNvPr>
+              <p:cNvCxnSpPr>
+                <a:cxnSpLocks/>
+              </p:cNvCxnSpPr>
+              <p:nvPr/>
+            </p:nvCxnSpPr>
+            <p:spPr>
+              <a:xfrm flipV="1">
+                <a:off x="2474564" y="2189390"/>
+                <a:ext cx="1445" cy="166321"/>
+              </a:xfrm>
+              <a:prstGeom prst="line">
+                <a:avLst/>
+              </a:prstGeom>
+              <a:noFill/>
+              <a:ln w="19050" cap="flat" cmpd="sng" algn="ctr">
+                <a:solidFill>
+                  <a:srgbClr val="000000">
+                    <a:alpha val="50000"/>
+                  </a:srgbClr>
+                </a:solidFill>
+                <a:prstDash val="solid"/>
+              </a:ln>
+              <a:effectLst/>
+            </p:spPr>
+          </p:cxnSp>
+          <p:cxnSp>
+            <p:nvCxnSpPr>
+              <p:cNvPr id="184" name="Straight Connector 183">
+                <a:extLst>
+                  <a:ext uri="{FF2B5EF4-FFF2-40B4-BE49-F238E27FC236}">
+                    <a16:creationId xmlns:a16="http://schemas.microsoft.com/office/drawing/2014/main" id="{1EE73B30-5446-0E4B-9019-C3E03383FAA7}"/>
+                  </a:ext>
+                </a:extLst>
+              </p:cNvPr>
+              <p:cNvCxnSpPr>
+                <a:cxnSpLocks/>
+              </p:cNvCxnSpPr>
+              <p:nvPr/>
+            </p:nvCxnSpPr>
+            <p:spPr>
+              <a:xfrm flipH="1" flipV="1">
+                <a:off x="3746832" y="2200474"/>
+                <a:ext cx="2507" cy="175998"/>
+              </a:xfrm>
+              <a:prstGeom prst="line">
+                <a:avLst/>
+              </a:prstGeom>
+              <a:noFill/>
+              <a:ln w="19050" cap="flat" cmpd="sng" algn="ctr">
+                <a:solidFill>
+                  <a:srgbClr val="000000">
+                    <a:alpha val="50000"/>
+                  </a:srgbClr>
+                </a:solidFill>
+                <a:prstDash val="solid"/>
+              </a:ln>
+              <a:effectLst/>
+            </p:spPr>
+          </p:cxnSp>
+          <p:cxnSp>
+            <p:nvCxnSpPr>
+              <p:cNvPr id="185" name="Straight Connector 184">
+                <a:extLst>
+                  <a:ext uri="{FF2B5EF4-FFF2-40B4-BE49-F238E27FC236}">
+                    <a16:creationId xmlns:a16="http://schemas.microsoft.com/office/drawing/2014/main" id="{802A010B-21E4-FE47-8BD3-5AA0ECD14ACC}"/>
+                  </a:ext>
+                </a:extLst>
+              </p:cNvPr>
+              <p:cNvCxnSpPr>
+                <a:cxnSpLocks/>
+              </p:cNvCxnSpPr>
+              <p:nvPr/>
+            </p:nvCxnSpPr>
+            <p:spPr>
+              <a:xfrm flipV="1">
+                <a:off x="4382243" y="2177184"/>
+                <a:ext cx="1" cy="185688"/>
+              </a:xfrm>
+              <a:prstGeom prst="line">
+                <a:avLst/>
+              </a:prstGeom>
+              <a:noFill/>
+              <a:ln w="19050" cap="flat" cmpd="sng" algn="ctr">
+                <a:solidFill>
+                  <a:srgbClr val="000000">
+                    <a:alpha val="50000"/>
+                  </a:srgbClr>
+                </a:solidFill>
+                <a:prstDash val="solid"/>
+              </a:ln>
+              <a:effectLst/>
+            </p:spPr>
+          </p:cxnSp>
+          <p:sp>
+            <p:nvSpPr>
+              <p:cNvPr id="186" name="Rounded Rectangle 185">
+                <a:extLst>
+                  <a:ext uri="{FF2B5EF4-FFF2-40B4-BE49-F238E27FC236}">
+                    <a16:creationId xmlns:a16="http://schemas.microsoft.com/office/drawing/2014/main" id="{4B6BC6D6-65FD-F647-A7B7-632898E342DD}"/>
+                  </a:ext>
+                </a:extLst>
+              </p:cNvPr>
+              <p:cNvSpPr/>
+              <p:nvPr/>
+            </p:nvSpPr>
+            <p:spPr>
+              <a:xfrm>
+                <a:off x="3953698" y="1249193"/>
+                <a:ext cx="741863" cy="470562"/>
+              </a:xfrm>
+              <a:prstGeom prst="roundRect">
+                <a:avLst/>
+              </a:prstGeom>
+              <a:solidFill>
+                <a:srgbClr val="C2D6EC"/>
+              </a:solidFill>
+              <a:ln>
+                <a:solidFill>
+                  <a:srgbClr val="6A99D0"/>
+                </a:solidFill>
+              </a:ln>
+            </p:spPr>
+            <p:style>
+              <a:lnRef idx="2">
+                <a:schemeClr val="accent1">
+                  <a:shade val="50000"/>
+                </a:schemeClr>
+              </a:lnRef>
+              <a:fillRef idx="1">
+                <a:schemeClr val="accent1"/>
+              </a:fillRef>
+              <a:effectRef idx="0">
+                <a:schemeClr val="accent1"/>
+              </a:effectRef>
+              <a:fontRef idx="minor">
+                <a:schemeClr val="lt1"/>
+              </a:fontRef>
+            </p:style>
+            <p:txBody>
+              <a:bodyPr rtlCol="0" anchor="ctr"/>
+              <a:lstStyle/>
+              <a:p>
+                <a:pPr algn="ctr" defTabSz="514355">
+                  <a:defRPr/>
+                </a:pPr>
+                <a:endParaRPr lang="en-US" sz="1000" dirty="0">
+                  <a:solidFill>
+                    <a:schemeClr val="bg1"/>
+                  </a:solidFill>
+                </a:endParaRPr>
+              </a:p>
+            </p:txBody>
+          </p:sp>
+          <p:sp>
+            <p:nvSpPr>
+              <p:cNvPr id="187" name="Rounded Rectangle 186">
+                <a:extLst>
+                  <a:ext uri="{FF2B5EF4-FFF2-40B4-BE49-F238E27FC236}">
+                    <a16:creationId xmlns:a16="http://schemas.microsoft.com/office/drawing/2014/main" id="{754B4369-B06E-2A49-BA43-15BF7E095FA0}"/>
+                  </a:ext>
+                </a:extLst>
+              </p:cNvPr>
+              <p:cNvSpPr/>
+              <p:nvPr/>
+            </p:nvSpPr>
+            <p:spPr>
+              <a:xfrm>
+                <a:off x="2166172" y="1249193"/>
+                <a:ext cx="741863" cy="470562"/>
+              </a:xfrm>
+              <a:prstGeom prst="roundRect">
+                <a:avLst/>
+              </a:prstGeom>
+              <a:solidFill>
+                <a:schemeClr val="accent2">
+                  <a:lumMod val="40000"/>
+                  <a:lumOff val="60000"/>
+                </a:schemeClr>
+              </a:solidFill>
+              <a:ln>
+                <a:solidFill>
+                  <a:srgbClr val="C00000"/>
+                </a:solidFill>
+              </a:ln>
+            </p:spPr>
+            <p:style>
+              <a:lnRef idx="2">
+                <a:schemeClr val="accent2">
+                  <a:shade val="50000"/>
+                </a:schemeClr>
+              </a:lnRef>
+              <a:fillRef idx="1">
+                <a:schemeClr val="accent2"/>
+              </a:fillRef>
+              <a:effectRef idx="0">
+                <a:schemeClr val="accent2"/>
+              </a:effectRef>
+              <a:fontRef idx="minor">
+                <a:schemeClr val="lt1"/>
+              </a:fontRef>
+            </p:style>
+            <p:txBody>
+              <a:bodyPr rtlCol="0" anchor="ctr"/>
+              <a:lstStyle/>
+              <a:p>
+                <a:pPr algn="ctr" defTabSz="514355">
+                  <a:defRPr/>
+                </a:pPr>
+                <a:endParaRPr lang="en-US" sz="1000" dirty="0">
+                  <a:solidFill>
+                    <a:schemeClr val="bg1"/>
+                  </a:solidFill>
+                </a:endParaRPr>
+              </a:p>
+            </p:txBody>
+          </p:sp>
+          <p:pic>
+            <p:nvPicPr>
+              <p:cNvPr id="188" name="Picture 187">
+                <a:extLst>
+                  <a:ext uri="{FF2B5EF4-FFF2-40B4-BE49-F238E27FC236}">
+                    <a16:creationId xmlns:a16="http://schemas.microsoft.com/office/drawing/2014/main" id="{2EED1735-9125-AD4C-9C51-A54184E5D86E}"/>
+                  </a:ext>
+                </a:extLst>
+              </p:cNvPr>
+              <p:cNvPicPr>
+                <a:picLocks noChangeAspect="1"/>
+              </p:cNvPicPr>
+              <p:nvPr/>
+            </p:nvPicPr>
+            <p:blipFill>
+              <a:blip r:embed="rId4">
+                <a:biLevel thresh="75000"/>
+              </a:blip>
+              <a:stretch>
+                <a:fillRect/>
+              </a:stretch>
+            </p:blipFill>
+            <p:spPr>
+              <a:xfrm flipH="1">
+                <a:off x="962095" y="1469022"/>
+                <a:ext cx="159607" cy="796222"/>
+              </a:xfrm>
+              <a:prstGeom prst="rect">
+                <a:avLst/>
+              </a:prstGeom>
+              <a:effectLst>
+                <a:outerShdw blurRad="50800" dist="38100" dir="2700000" algn="tl" rotWithShape="0">
+                  <a:prstClr val="black">
+                    <a:alpha val="40000"/>
+                  </a:prstClr>
+                </a:outerShdw>
+              </a:effectLst>
+            </p:spPr>
+          </p:pic>
+          <p:pic>
+            <p:nvPicPr>
+              <p:cNvPr id="189" name="Picture 188">
+                <a:extLst>
+                  <a:ext uri="{FF2B5EF4-FFF2-40B4-BE49-F238E27FC236}">
+                    <a16:creationId xmlns:a16="http://schemas.microsoft.com/office/drawing/2014/main" id="{6EAA624A-EC73-C149-875A-B59D2D89961E}"/>
+                  </a:ext>
+                </a:extLst>
+              </p:cNvPr>
+              <p:cNvPicPr>
+                <a:picLocks noChangeAspect="1"/>
+              </p:cNvPicPr>
+              <p:nvPr/>
+            </p:nvPicPr>
+            <p:blipFill>
+              <a:blip r:embed="rId4">
+                <a:biLevel thresh="75000"/>
+              </a:blip>
+              <a:stretch>
+                <a:fillRect/>
+              </a:stretch>
+            </p:blipFill>
+            <p:spPr>
+              <a:xfrm flipH="1">
+                <a:off x="962095" y="2937865"/>
+                <a:ext cx="159607" cy="796222"/>
+              </a:xfrm>
+              <a:prstGeom prst="rect">
+                <a:avLst/>
+              </a:prstGeom>
+              <a:effectLst>
+                <a:outerShdw blurRad="50800" dist="38100" dir="2700000" algn="tl" rotWithShape="0">
+                  <a:prstClr val="black">
+                    <a:alpha val="40000"/>
+                  </a:prstClr>
+                </a:outerShdw>
+              </a:effectLst>
+            </p:spPr>
+          </p:pic>
+          <p:cxnSp>
+            <p:nvCxnSpPr>
+              <p:cNvPr id="190" name="Straight Connector 189">
+                <a:extLst>
+                  <a:ext uri="{FF2B5EF4-FFF2-40B4-BE49-F238E27FC236}">
+                    <a16:creationId xmlns:a16="http://schemas.microsoft.com/office/drawing/2014/main" id="{4251C56A-A9FE-1B43-852C-1FBCBEF92150}"/>
+                  </a:ext>
+                </a:extLst>
+              </p:cNvPr>
+              <p:cNvCxnSpPr>
+                <a:cxnSpLocks/>
+              </p:cNvCxnSpPr>
+              <p:nvPr/>
+            </p:nvCxnSpPr>
+            <p:spPr>
+              <a:xfrm flipH="1">
+                <a:off x="1121702" y="2714765"/>
+                <a:ext cx="1140887" cy="621211"/>
+              </a:xfrm>
+              <a:prstGeom prst="line">
+                <a:avLst/>
+              </a:prstGeom>
+              <a:noFill/>
+              <a:ln w="19050" cap="flat" cmpd="sng" algn="ctr">
+                <a:solidFill>
+                  <a:srgbClr val="000000">
+                    <a:alpha val="50000"/>
+                  </a:srgbClr>
+                </a:solidFill>
+                <a:prstDash val="solid"/>
+              </a:ln>
+              <a:effectLst/>
+            </p:spPr>
+          </p:cxnSp>
+          <p:cxnSp>
+            <p:nvCxnSpPr>
+              <p:cNvPr id="191" name="Straight Connector 190">
+                <a:extLst>
+                  <a:ext uri="{FF2B5EF4-FFF2-40B4-BE49-F238E27FC236}">
+                    <a16:creationId xmlns:a16="http://schemas.microsoft.com/office/drawing/2014/main" id="{CC91C65B-1F8B-1A4D-B316-34306AB222AB}"/>
+                  </a:ext>
+                </a:extLst>
+              </p:cNvPr>
+              <p:cNvCxnSpPr>
+                <a:cxnSpLocks/>
+              </p:cNvCxnSpPr>
+              <p:nvPr/>
+            </p:nvCxnSpPr>
+            <p:spPr>
+              <a:xfrm flipH="1" flipV="1">
+                <a:off x="1121702" y="1867133"/>
+                <a:ext cx="1140887" cy="847632"/>
+              </a:xfrm>
+              <a:prstGeom prst="line">
+                <a:avLst/>
+              </a:prstGeom>
+              <a:noFill/>
+              <a:ln w="19050" cap="flat" cmpd="sng" algn="ctr">
+                <a:solidFill>
+                  <a:srgbClr val="000000">
+                    <a:alpha val="50000"/>
+                  </a:srgbClr>
+                </a:solidFill>
+                <a:prstDash val="solid"/>
+              </a:ln>
+              <a:effectLst/>
+            </p:spPr>
+          </p:cxnSp>
+        </p:grpSp>
+      </p:grpSp>
+      <p:grpSp>
+        <p:nvGrpSpPr>
+          <p:cNvPr id="104" name="Group 103">
+            <a:extLst>
+              <a:ext uri="{FF2B5EF4-FFF2-40B4-BE49-F238E27FC236}">
+                <a16:creationId xmlns:a16="http://schemas.microsoft.com/office/drawing/2014/main" id="{62E0BEBA-C673-C647-AD1B-B0FFD00DC787}"/>
+              </a:ext>
+            </a:extLst>
+          </p:cNvPr>
+          <p:cNvGrpSpPr/>
+          <p:nvPr/>
+        </p:nvGrpSpPr>
+        <p:grpSpPr>
+          <a:xfrm>
+            <a:off x="2117281" y="2286552"/>
+            <a:ext cx="3207958" cy="2159303"/>
+            <a:chOff x="886120" y="1187776"/>
+            <a:chExt cx="3874416" cy="2733773"/>
+          </a:xfrm>
+        </p:grpSpPr>
+        <p:sp>
+          <p:nvSpPr>
+            <p:cNvPr id="105" name="Rectangle 104">
+              <a:extLst>
+                <a:ext uri="{FF2B5EF4-FFF2-40B4-BE49-F238E27FC236}">
+                  <a16:creationId xmlns:a16="http://schemas.microsoft.com/office/drawing/2014/main" id="{DB9F9397-9AF9-4348-A306-272CDEE4D496}"/>
+                </a:ext>
+              </a:extLst>
+            </p:cNvPr>
+            <p:cNvSpPr/>
+            <p:nvPr/>
+          </p:nvSpPr>
+          <p:spPr>
+            <a:xfrm>
+              <a:off x="886120" y="1187776"/>
+              <a:ext cx="3874416" cy="2733773"/>
+            </a:xfrm>
+            <a:prstGeom prst="rect">
+              <a:avLst/>
+            </a:prstGeom>
+            <a:solidFill>
+              <a:schemeClr val="bg1">
+                <a:lumMod val="95000"/>
+              </a:schemeClr>
+            </a:solidFill>
+            <a:ln>
+              <a:solidFill>
+                <a:schemeClr val="bg1">
+                  <a:lumMod val="50000"/>
+                </a:schemeClr>
+              </a:solidFill>
+            </a:ln>
+          </p:spPr>
+          <p:style>
+            <a:lnRef idx="2">
+              <a:schemeClr val="dk1"/>
+            </a:lnRef>
+            <a:fillRef idx="1">
+              <a:schemeClr val="lt1"/>
+            </a:fillRef>
+            <a:effectRef idx="0">
+              <a:schemeClr val="dk1"/>
+            </a:effectRef>
+            <a:fontRef idx="minor">
+              <a:schemeClr val="dk1"/>
+            </a:fontRef>
+          </p:style>
+          <p:txBody>
+            <a:bodyPr rtlCol="0" anchor="ctr"/>
+            <a:lstStyle/>
+            <a:p>
+              <a:pPr algn="ctr"/>
+              <a:endParaRPr lang="en-US"/>
+            </a:p>
+          </p:txBody>
+        </p:sp>
+        <p:grpSp>
+          <p:nvGrpSpPr>
+            <p:cNvPr id="106" name="Group 105">
+              <a:extLst>
+                <a:ext uri="{FF2B5EF4-FFF2-40B4-BE49-F238E27FC236}">
+                  <a16:creationId xmlns:a16="http://schemas.microsoft.com/office/drawing/2014/main" id="{2A5BC2FB-0873-DC41-8B49-403CCE9F8841}"/>
+                </a:ext>
+              </a:extLst>
+            </p:cNvPr>
+            <p:cNvGrpSpPr/>
+            <p:nvPr/>
+          </p:nvGrpSpPr>
+          <p:grpSpPr>
+            <a:xfrm>
+              <a:off x="962095" y="1249193"/>
+              <a:ext cx="3733466" cy="2620489"/>
+              <a:chOff x="962095" y="1249193"/>
+              <a:chExt cx="3733466" cy="2620489"/>
+            </a:xfrm>
+          </p:grpSpPr>
+          <p:cxnSp>
+            <p:nvCxnSpPr>
+              <p:cNvPr id="107" name="Straight Connector 106">
+                <a:extLst>
+                  <a:ext uri="{FF2B5EF4-FFF2-40B4-BE49-F238E27FC236}">
+                    <a16:creationId xmlns:a16="http://schemas.microsoft.com/office/drawing/2014/main" id="{91A17060-AAC9-174D-96FF-6D87DEB636E3}"/>
+                  </a:ext>
+                </a:extLst>
+              </p:cNvPr>
+              <p:cNvCxnSpPr>
+                <a:cxnSpLocks/>
+              </p:cNvCxnSpPr>
+              <p:nvPr/>
+            </p:nvCxnSpPr>
+            <p:spPr>
+              <a:xfrm flipV="1">
+                <a:off x="3107468" y="2189390"/>
+                <a:ext cx="3953" cy="160419"/>
+              </a:xfrm>
+              <a:prstGeom prst="line">
+                <a:avLst/>
+              </a:prstGeom>
+              <a:noFill/>
+              <a:ln w="19050" cap="flat" cmpd="sng" algn="ctr">
+                <a:solidFill>
+                  <a:srgbClr val="000000">
+                    <a:alpha val="50000"/>
+                  </a:srgbClr>
+                </a:solidFill>
+                <a:prstDash val="solid"/>
+              </a:ln>
+              <a:effectLst/>
+            </p:spPr>
+          </p:cxnSp>
+          <p:cxnSp>
+            <p:nvCxnSpPr>
+              <p:cNvPr id="108" name="Straight Connector 107">
+                <a:extLst>
+                  <a:ext uri="{FF2B5EF4-FFF2-40B4-BE49-F238E27FC236}">
+                    <a16:creationId xmlns:a16="http://schemas.microsoft.com/office/drawing/2014/main" id="{19A7B732-0C30-8E47-BDC7-293667B2E7D2}"/>
+                  </a:ext>
+                </a:extLst>
+              </p:cNvPr>
+              <p:cNvCxnSpPr>
+                <a:cxnSpLocks/>
+              </p:cNvCxnSpPr>
+              <p:nvPr/>
+            </p:nvCxnSpPr>
+            <p:spPr>
+              <a:xfrm flipH="1" flipV="1">
+                <a:off x="3116318" y="2948755"/>
+                <a:ext cx="795805" cy="360547"/>
+              </a:xfrm>
+              <a:prstGeom prst="line">
+                <a:avLst/>
+              </a:prstGeom>
+              <a:noFill/>
+              <a:ln w="19050" cap="flat" cmpd="sng" algn="ctr">
+                <a:solidFill>
+                  <a:srgbClr val="000000">
+                    <a:alpha val="50000"/>
+                  </a:srgbClr>
+                </a:solidFill>
+                <a:prstDash val="solid"/>
+              </a:ln>
+              <a:effectLst/>
+            </p:spPr>
+          </p:cxnSp>
+          <p:cxnSp>
+            <p:nvCxnSpPr>
+              <p:cNvPr id="109" name="Straight Connector 108">
+                <a:extLst>
+                  <a:ext uri="{FF2B5EF4-FFF2-40B4-BE49-F238E27FC236}">
+                    <a16:creationId xmlns:a16="http://schemas.microsoft.com/office/drawing/2014/main" id="{CD57D810-8628-5744-8C3D-DD77D3978A3D}"/>
+                  </a:ext>
+                </a:extLst>
+              </p:cNvPr>
+              <p:cNvCxnSpPr>
+                <a:cxnSpLocks/>
+              </p:cNvCxnSpPr>
+              <p:nvPr/>
+            </p:nvCxnSpPr>
+            <p:spPr>
+              <a:xfrm flipH="1" flipV="1">
+                <a:off x="3760065" y="2959637"/>
+                <a:ext cx="141064" cy="321990"/>
+              </a:xfrm>
+              <a:prstGeom prst="line">
+                <a:avLst/>
+              </a:prstGeom>
+              <a:noFill/>
+              <a:ln w="19050" cap="flat" cmpd="sng" algn="ctr">
+                <a:solidFill>
+                  <a:srgbClr val="000000">
+                    <a:alpha val="50000"/>
+                  </a:srgbClr>
+                </a:solidFill>
+                <a:prstDash val="solid"/>
+              </a:ln>
+              <a:effectLst/>
+            </p:spPr>
+          </p:cxnSp>
+          <p:pic>
+            <p:nvPicPr>
+              <p:cNvPr id="110" name="Picture 109">
+                <a:extLst>
+                  <a:ext uri="{FF2B5EF4-FFF2-40B4-BE49-F238E27FC236}">
+                    <a16:creationId xmlns:a16="http://schemas.microsoft.com/office/drawing/2014/main" id="{F3E8AAAE-9F1B-6646-A9BA-673AA9EF9EDC}"/>
+                  </a:ext>
+                </a:extLst>
+              </p:cNvPr>
+              <p:cNvPicPr>
+                <a:picLocks noChangeAspect="1"/>
+              </p:cNvPicPr>
+              <p:nvPr/>
+            </p:nvPicPr>
+            <p:blipFill>
+              <a:blip r:embed="rId2">
+                <a:grayscl/>
+              </a:blip>
+              <a:stretch>
+                <a:fillRect/>
+              </a:stretch>
+            </p:blipFill>
+            <p:spPr>
+              <a:xfrm>
+                <a:off x="2207638" y="1671586"/>
+                <a:ext cx="536741" cy="517805"/>
+              </a:xfrm>
+              <a:prstGeom prst="rect">
+                <a:avLst/>
+              </a:prstGeom>
+              <a:effectLst>
+                <a:outerShdw blurRad="50800" dist="38100" dir="2700000" algn="tl" rotWithShape="0">
+                  <a:prstClr val="black">
+                    <a:alpha val="40000"/>
+                  </a:prstClr>
+                </a:outerShdw>
+              </a:effectLst>
+            </p:spPr>
+          </p:pic>
+          <p:pic>
+            <p:nvPicPr>
+              <p:cNvPr id="111" name="Picture 110">
+                <a:extLst>
+                  <a:ext uri="{FF2B5EF4-FFF2-40B4-BE49-F238E27FC236}">
+                    <a16:creationId xmlns:a16="http://schemas.microsoft.com/office/drawing/2014/main" id="{11195E67-E81E-A043-A7DE-657850200A5C}"/>
+                  </a:ext>
+                </a:extLst>
+              </p:cNvPr>
+              <p:cNvPicPr>
+                <a:picLocks noChangeAspect="1"/>
+              </p:cNvPicPr>
+              <p:nvPr/>
+            </p:nvPicPr>
+            <p:blipFill>
+              <a:blip r:embed="rId2">
+                <a:grayscl/>
+              </a:blip>
+              <a:stretch>
+                <a:fillRect/>
+              </a:stretch>
+            </p:blipFill>
+            <p:spPr>
+              <a:xfrm>
+                <a:off x="2843051" y="1671585"/>
+                <a:ext cx="536741" cy="517804"/>
+              </a:xfrm>
+              <a:prstGeom prst="rect">
+                <a:avLst/>
+              </a:prstGeom>
+              <a:effectLst>
+                <a:outerShdw blurRad="50800" dist="38100" dir="2700000" algn="tl" rotWithShape="0">
+                  <a:prstClr val="black">
+                    <a:alpha val="40000"/>
+                  </a:prstClr>
+                </a:outerShdw>
+              </a:effectLst>
+            </p:spPr>
+          </p:pic>
+          <p:pic>
+            <p:nvPicPr>
+              <p:cNvPr id="112" name="Picture 111">
+                <a:extLst>
+                  <a:ext uri="{FF2B5EF4-FFF2-40B4-BE49-F238E27FC236}">
+                    <a16:creationId xmlns:a16="http://schemas.microsoft.com/office/drawing/2014/main" id="{1109D79C-8606-0C40-86B0-78549348E157}"/>
+                  </a:ext>
+                </a:extLst>
+              </p:cNvPr>
+              <p:cNvPicPr>
+                <a:picLocks noChangeAspect="1"/>
+              </p:cNvPicPr>
+              <p:nvPr/>
+            </p:nvPicPr>
+            <p:blipFill>
+              <a:blip r:embed="rId2">
+                <a:grayscl/>
+              </a:blip>
+              <a:stretch>
+                <a:fillRect/>
+              </a:stretch>
+            </p:blipFill>
+            <p:spPr>
+              <a:xfrm>
+                <a:off x="3478462" y="1682670"/>
+                <a:ext cx="536741" cy="517804"/>
+              </a:xfrm>
+              <a:prstGeom prst="rect">
+                <a:avLst/>
+              </a:prstGeom>
+              <a:effectLst>
+                <a:outerShdw blurRad="50800" dist="38100" dir="2700000" algn="tl" rotWithShape="0">
+                  <a:prstClr val="black">
+                    <a:alpha val="40000"/>
+                  </a:prstClr>
+                </a:outerShdw>
+              </a:effectLst>
+            </p:spPr>
+          </p:pic>
+          <p:pic>
+            <p:nvPicPr>
+              <p:cNvPr id="113" name="Picture 112">
+                <a:extLst>
+                  <a:ext uri="{FF2B5EF4-FFF2-40B4-BE49-F238E27FC236}">
+                    <a16:creationId xmlns:a16="http://schemas.microsoft.com/office/drawing/2014/main" id="{72F6D36E-6282-F64E-A402-0ADC6E0F62B2}"/>
+                  </a:ext>
+                </a:extLst>
+              </p:cNvPr>
+              <p:cNvPicPr>
+                <a:picLocks noChangeAspect="1"/>
+              </p:cNvPicPr>
+              <p:nvPr/>
+            </p:nvPicPr>
+            <p:blipFill>
+              <a:blip r:embed="rId2">
+                <a:grayscl/>
+              </a:blip>
+              <a:stretch>
+                <a:fillRect/>
+              </a:stretch>
+            </p:blipFill>
+            <p:spPr>
+              <a:xfrm>
+                <a:off x="4113873" y="1682670"/>
+                <a:ext cx="536741" cy="517804"/>
+              </a:xfrm>
+              <a:prstGeom prst="rect">
+                <a:avLst/>
+              </a:prstGeom>
+              <a:effectLst>
+                <a:outerShdw blurRad="50800" dist="38100" dir="2700000" algn="tl" rotWithShape="0">
+                  <a:prstClr val="black">
+                    <a:alpha val="40000"/>
+                  </a:prstClr>
+                </a:outerShdw>
+              </a:effectLst>
+            </p:spPr>
+          </p:pic>
+          <p:sp>
+            <p:nvSpPr>
+              <p:cNvPr id="114" name="Rounded Rectangle 113">
+                <a:extLst>
+                  <a:ext uri="{FF2B5EF4-FFF2-40B4-BE49-F238E27FC236}">
+                    <a16:creationId xmlns:a16="http://schemas.microsoft.com/office/drawing/2014/main" id="{CCE3C79A-FB9E-C248-8088-11E4D0F11C0A}"/>
+                  </a:ext>
+                </a:extLst>
+              </p:cNvPr>
+              <p:cNvSpPr/>
+              <p:nvPr/>
+            </p:nvSpPr>
+            <p:spPr>
+              <a:xfrm>
+                <a:off x="2942512" y="1250281"/>
+                <a:ext cx="969612" cy="470562"/>
+              </a:xfrm>
+              <a:prstGeom prst="roundRect">
+                <a:avLst/>
+              </a:prstGeom>
+              <a:solidFill>
+                <a:schemeClr val="accent6">
+                  <a:lumMod val="40000"/>
+                  <a:lumOff val="60000"/>
+                </a:schemeClr>
+              </a:solidFill>
+              <a:ln>
+                <a:solidFill>
+                  <a:srgbClr val="F99149"/>
+                </a:solidFill>
+              </a:ln>
+            </p:spPr>
+            <p:style>
+              <a:lnRef idx="2">
+                <a:schemeClr val="accent6">
+                  <a:shade val="50000"/>
+                </a:schemeClr>
+              </a:lnRef>
+              <a:fillRef idx="1">
+                <a:schemeClr val="accent6"/>
+              </a:fillRef>
+              <a:effectRef idx="0">
+                <a:schemeClr val="accent6"/>
+              </a:effectRef>
+              <a:fontRef idx="minor">
+                <a:schemeClr val="lt1"/>
+              </a:fontRef>
+            </p:style>
+            <p:txBody>
+              <a:bodyPr rtlCol="0" anchor="b"/>
+              <a:lstStyle/>
+              <a:p>
+                <a:pPr algn="ctr" defTabSz="514355">
+                  <a:defRPr/>
+                </a:pPr>
+                <a:endParaRPr lang="en-US" sz="1000" dirty="0">
+                  <a:solidFill>
+                    <a:schemeClr val="bg1"/>
+                  </a:solidFill>
+                </a:endParaRPr>
+              </a:p>
+            </p:txBody>
+          </p:sp>
+          <p:grpSp>
+            <p:nvGrpSpPr>
+              <p:cNvPr id="115" name="Group 114">
+                <a:extLst>
+                  <a:ext uri="{FF2B5EF4-FFF2-40B4-BE49-F238E27FC236}">
+                    <a16:creationId xmlns:a16="http://schemas.microsoft.com/office/drawing/2014/main" id="{F4966881-C269-3940-AA99-31DA308E5A8F}"/>
+                  </a:ext>
+                </a:extLst>
+              </p:cNvPr>
+              <p:cNvGrpSpPr/>
+              <p:nvPr/>
+            </p:nvGrpSpPr>
+            <p:grpSpPr>
+              <a:xfrm>
+                <a:off x="4124713" y="2341101"/>
+                <a:ext cx="487360" cy="596765"/>
+                <a:chOff x="5165387" y="2395529"/>
+                <a:chExt cx="487360" cy="596765"/>
+              </a:xfrm>
+            </p:grpSpPr>
+            <p:pic>
+              <p:nvPicPr>
+                <p:cNvPr id="156" name="Picture 155">
+                  <a:extLst>
+                    <a:ext uri="{FF2B5EF4-FFF2-40B4-BE49-F238E27FC236}">
+                      <a16:creationId xmlns:a16="http://schemas.microsoft.com/office/drawing/2014/main" id="{072FB53A-5C02-BF4B-A4CD-F246B873EA8E}"/>
+                    </a:ext>
+                  </a:extLst>
+                </p:cNvPr>
+                <p:cNvPicPr>
+                  <a:picLocks noChangeAspect="1"/>
+                </p:cNvPicPr>
+                <p:nvPr/>
+              </p:nvPicPr>
+              <p:blipFill>
+                <a:blip r:embed="rId3">
+                  <a:grayscl/>
+                </a:blip>
+                <a:stretch>
+                  <a:fillRect/>
+                </a:stretch>
+              </p:blipFill>
+              <p:spPr>
+                <a:xfrm>
+                  <a:off x="5210784" y="2546093"/>
+                  <a:ext cx="441963" cy="446201"/>
+                </a:xfrm>
+                <a:prstGeom prst="rect">
+                  <a:avLst/>
+                </a:prstGeom>
+                <a:effectLst>
+                  <a:outerShdw blurRad="50800" dist="38100" dir="2700000" algn="tl" rotWithShape="0">
+                    <a:prstClr val="black">
+                      <a:alpha val="40000"/>
+                    </a:prstClr>
+                  </a:outerShdw>
+                </a:effectLst>
+              </p:spPr>
+            </p:pic>
+            <p:grpSp>
+              <p:nvGrpSpPr>
+                <p:cNvPr id="157" name="Group 156">
+                  <a:extLst>
+                    <a:ext uri="{FF2B5EF4-FFF2-40B4-BE49-F238E27FC236}">
+                      <a16:creationId xmlns:a16="http://schemas.microsoft.com/office/drawing/2014/main" id="{6962D8E4-D9AC-9D40-8B2F-3F69CF90A921}"/>
+                    </a:ext>
+                  </a:extLst>
+                </p:cNvPr>
+                <p:cNvGrpSpPr/>
+                <p:nvPr/>
+              </p:nvGrpSpPr>
+              <p:grpSpPr>
+                <a:xfrm>
+                  <a:off x="5165387" y="2395529"/>
+                  <a:ext cx="471813" cy="215444"/>
+                  <a:chOff x="5165387" y="2376073"/>
+                  <a:chExt cx="471813" cy="215444"/>
+                </a:xfrm>
+              </p:grpSpPr>
+              <p:sp>
+                <p:nvSpPr>
+                  <p:cNvPr id="158" name="Rounded Rectangle 157">
+                    <a:extLst>
+                      <a:ext uri="{FF2B5EF4-FFF2-40B4-BE49-F238E27FC236}">
+                        <a16:creationId xmlns:a16="http://schemas.microsoft.com/office/drawing/2014/main" id="{B27E181E-40EE-9440-B7DF-6E0C3DAB5240}"/>
+                      </a:ext>
+                    </a:extLst>
+                  </p:cNvPr>
+                  <p:cNvSpPr/>
+                  <p:nvPr/>
+                </p:nvSpPr>
+                <p:spPr>
+                  <a:xfrm>
+                    <a:off x="5213269" y="2412459"/>
+                    <a:ext cx="423931" cy="142672"/>
+                  </a:xfrm>
+                  <a:prstGeom prst="roundRect">
+                    <a:avLst/>
+                  </a:prstGeom>
+                  <a:solidFill>
+                    <a:schemeClr val="accent6">
+                      <a:lumMod val="40000"/>
+                      <a:lumOff val="60000"/>
+                    </a:schemeClr>
+                  </a:solidFill>
+                  <a:ln>
+                    <a:noFill/>
+                  </a:ln>
+                </p:spPr>
+                <p:style>
+                  <a:lnRef idx="1">
+                    <a:schemeClr val="accent6"/>
+                  </a:lnRef>
+                  <a:fillRef idx="3">
+                    <a:schemeClr val="accent6"/>
+                  </a:fillRef>
+                  <a:effectRef idx="2">
+                    <a:schemeClr val="accent6"/>
+                  </a:effectRef>
+                  <a:fontRef idx="minor">
+                    <a:schemeClr val="lt1"/>
+                  </a:fontRef>
+                </p:style>
+                <p:txBody>
+                  <a:bodyPr rtlCol="0" anchor="ctr"/>
+                  <a:lstStyle/>
+                  <a:p>
+                    <a:pPr algn="ctr"/>
+                    <a:endParaRPr lang="en-US" sz="800" dirty="0">
+                      <a:solidFill>
+                        <a:srgbClr val="000000"/>
+                      </a:solidFill>
+                      <a:latin typeface="Calibri" charset="0"/>
+                      <a:ea typeface="Calibri" charset="0"/>
+                      <a:cs typeface="Calibri" charset="0"/>
+                    </a:endParaRPr>
+                  </a:p>
+                </p:txBody>
+              </p:sp>
+              <p:sp>
+                <p:nvSpPr>
+                  <p:cNvPr id="159" name="TextBox 158">
+                    <a:extLst>
+                      <a:ext uri="{FF2B5EF4-FFF2-40B4-BE49-F238E27FC236}">
+                        <a16:creationId xmlns:a16="http://schemas.microsoft.com/office/drawing/2014/main" id="{3225C2BD-E3C5-B54C-9156-8174B74D2228}"/>
+                      </a:ext>
+                    </a:extLst>
+                  </p:cNvPr>
+                  <p:cNvSpPr txBox="1"/>
+                  <p:nvPr/>
+                </p:nvSpPr>
+                <p:spPr>
+                  <a:xfrm>
+                    <a:off x="5165387" y="2376073"/>
+                    <a:ext cx="184731" cy="215444"/>
+                  </a:xfrm>
+                  <a:prstGeom prst="rect">
+                    <a:avLst/>
+                  </a:prstGeom>
+                  <a:noFill/>
+                </p:spPr>
+                <p:txBody>
+                  <a:bodyPr wrap="none" rtlCol="0">
+                    <a:spAutoFit/>
+                  </a:bodyPr>
+                  <a:lstStyle/>
+                  <a:p>
+                    <a:endParaRPr lang="en-US" sz="800" dirty="0">
+                      <a:latin typeface="Calibri" charset="0"/>
+                      <a:ea typeface="Calibri" charset="0"/>
+                      <a:cs typeface="Calibri" charset="0"/>
+                    </a:endParaRPr>
+                  </a:p>
+                </p:txBody>
+              </p:sp>
+            </p:grpSp>
+          </p:grpSp>
+          <p:grpSp>
+            <p:nvGrpSpPr>
+              <p:cNvPr id="116" name="Group 115">
+                <a:extLst>
+                  <a:ext uri="{FF2B5EF4-FFF2-40B4-BE49-F238E27FC236}">
+                    <a16:creationId xmlns:a16="http://schemas.microsoft.com/office/drawing/2014/main" id="{C387B611-5430-904C-A250-9F5457D83F41}"/>
+                  </a:ext>
+                </a:extLst>
+              </p:cNvPr>
+              <p:cNvGrpSpPr/>
+              <p:nvPr/>
+            </p:nvGrpSpPr>
+            <p:grpSpPr>
+              <a:xfrm>
+                <a:off x="2849938" y="2351987"/>
+                <a:ext cx="487360" cy="596765"/>
+                <a:chOff x="5165387" y="2395529"/>
+                <a:chExt cx="487360" cy="596765"/>
+              </a:xfrm>
+            </p:grpSpPr>
+            <p:pic>
+              <p:nvPicPr>
+                <p:cNvPr id="152" name="Picture 151">
+                  <a:extLst>
+                    <a:ext uri="{FF2B5EF4-FFF2-40B4-BE49-F238E27FC236}">
+                      <a16:creationId xmlns:a16="http://schemas.microsoft.com/office/drawing/2014/main" id="{D1A6DF11-F785-E248-9F3E-903E5201508F}"/>
+                    </a:ext>
+                  </a:extLst>
+                </p:cNvPr>
+                <p:cNvPicPr>
+                  <a:picLocks noChangeAspect="1"/>
+                </p:cNvPicPr>
+                <p:nvPr/>
+              </p:nvPicPr>
+              <p:blipFill>
+                <a:blip r:embed="rId3">
+                  <a:grayscl/>
+                </a:blip>
+                <a:stretch>
+                  <a:fillRect/>
+                </a:stretch>
+              </p:blipFill>
+              <p:spPr>
+                <a:xfrm>
+                  <a:off x="5210784" y="2546093"/>
+                  <a:ext cx="441963" cy="446201"/>
+                </a:xfrm>
+                <a:prstGeom prst="rect">
+                  <a:avLst/>
+                </a:prstGeom>
+                <a:effectLst>
+                  <a:outerShdw blurRad="50800" dist="38100" dir="2700000" algn="tl" rotWithShape="0">
+                    <a:prstClr val="black">
+                      <a:alpha val="40000"/>
+                    </a:prstClr>
+                  </a:outerShdw>
+                </a:effectLst>
+              </p:spPr>
+            </p:pic>
+            <p:grpSp>
+              <p:nvGrpSpPr>
+                <p:cNvPr id="153" name="Group 152">
+                  <a:extLst>
+                    <a:ext uri="{FF2B5EF4-FFF2-40B4-BE49-F238E27FC236}">
+                      <a16:creationId xmlns:a16="http://schemas.microsoft.com/office/drawing/2014/main" id="{746FB0B6-704C-8F4E-9AD1-7F9258162880}"/>
+                    </a:ext>
+                  </a:extLst>
+                </p:cNvPr>
+                <p:cNvGrpSpPr/>
+                <p:nvPr/>
+              </p:nvGrpSpPr>
+              <p:grpSpPr>
+                <a:xfrm>
+                  <a:off x="5165387" y="2395529"/>
+                  <a:ext cx="471813" cy="215444"/>
+                  <a:chOff x="5165387" y="2376073"/>
+                  <a:chExt cx="471813" cy="215444"/>
+                </a:xfrm>
+              </p:grpSpPr>
+              <p:sp>
+                <p:nvSpPr>
+                  <p:cNvPr id="154" name="Rounded Rectangle 153">
+                    <a:extLst>
+                      <a:ext uri="{FF2B5EF4-FFF2-40B4-BE49-F238E27FC236}">
+                        <a16:creationId xmlns:a16="http://schemas.microsoft.com/office/drawing/2014/main" id="{058380D4-6541-2340-9654-A9E8D5314982}"/>
+                      </a:ext>
+                    </a:extLst>
+                  </p:cNvPr>
+                  <p:cNvSpPr/>
+                  <p:nvPr/>
+                </p:nvSpPr>
+                <p:spPr>
+                  <a:xfrm>
+                    <a:off x="5213269" y="2412459"/>
+                    <a:ext cx="423931" cy="142672"/>
+                  </a:xfrm>
+                  <a:prstGeom prst="roundRect">
+                    <a:avLst/>
+                  </a:prstGeom>
+                  <a:solidFill>
+                    <a:schemeClr val="accent6">
+                      <a:lumMod val="40000"/>
+                      <a:lumOff val="60000"/>
+                    </a:schemeClr>
+                  </a:solidFill>
+                  <a:ln>
+                    <a:noFill/>
+                  </a:ln>
+                </p:spPr>
+                <p:style>
+                  <a:lnRef idx="1">
+                    <a:schemeClr val="accent6"/>
+                  </a:lnRef>
+                  <a:fillRef idx="3">
+                    <a:schemeClr val="accent6"/>
+                  </a:fillRef>
+                  <a:effectRef idx="2">
+                    <a:schemeClr val="accent6"/>
+                  </a:effectRef>
+                  <a:fontRef idx="minor">
+                    <a:schemeClr val="lt1"/>
+                  </a:fontRef>
+                </p:style>
+                <p:txBody>
+                  <a:bodyPr rtlCol="0" anchor="ctr"/>
+                  <a:lstStyle/>
+                  <a:p>
+                    <a:pPr algn="ctr"/>
+                    <a:endParaRPr lang="en-US" sz="800" dirty="0">
+                      <a:solidFill>
+                        <a:srgbClr val="000000"/>
+                      </a:solidFill>
+                      <a:latin typeface="Calibri" charset="0"/>
+                      <a:ea typeface="Calibri" charset="0"/>
+                      <a:cs typeface="Calibri" charset="0"/>
+                    </a:endParaRPr>
+                  </a:p>
+                </p:txBody>
+              </p:sp>
+              <p:sp>
+                <p:nvSpPr>
+                  <p:cNvPr id="155" name="TextBox 154">
+                    <a:extLst>
+                      <a:ext uri="{FF2B5EF4-FFF2-40B4-BE49-F238E27FC236}">
+                        <a16:creationId xmlns:a16="http://schemas.microsoft.com/office/drawing/2014/main" id="{6F9D7831-CA83-2A49-999A-603EBBC09C2D}"/>
+                      </a:ext>
+                    </a:extLst>
+                  </p:cNvPr>
+                  <p:cNvSpPr txBox="1"/>
+                  <p:nvPr/>
+                </p:nvSpPr>
+                <p:spPr>
+                  <a:xfrm>
+                    <a:off x="5165387" y="2376073"/>
+                    <a:ext cx="184731" cy="215444"/>
+                  </a:xfrm>
+                  <a:prstGeom prst="rect">
+                    <a:avLst/>
+                  </a:prstGeom>
+                  <a:noFill/>
+                </p:spPr>
+                <p:txBody>
+                  <a:bodyPr wrap="none" rtlCol="0">
+                    <a:spAutoFit/>
+                  </a:bodyPr>
+                  <a:lstStyle/>
+                  <a:p>
+                    <a:endParaRPr lang="en-US" sz="800" dirty="0">
+                      <a:latin typeface="Calibri" charset="0"/>
+                      <a:ea typeface="Calibri" charset="0"/>
+                      <a:cs typeface="Calibri" charset="0"/>
+                    </a:endParaRPr>
+                  </a:p>
+                </p:txBody>
+              </p:sp>
+            </p:grpSp>
+          </p:grpSp>
+          <p:grpSp>
+            <p:nvGrpSpPr>
+              <p:cNvPr id="117" name="Group 116">
+                <a:extLst>
+                  <a:ext uri="{FF2B5EF4-FFF2-40B4-BE49-F238E27FC236}">
+                    <a16:creationId xmlns:a16="http://schemas.microsoft.com/office/drawing/2014/main" id="{CB88838B-F5E3-F74D-BF70-B472CA4D6E61}"/>
+                  </a:ext>
+                </a:extLst>
+              </p:cNvPr>
+              <p:cNvGrpSpPr/>
+              <p:nvPr/>
+            </p:nvGrpSpPr>
+            <p:grpSpPr>
+              <a:xfrm>
+                <a:off x="2217192" y="2341100"/>
+                <a:ext cx="487360" cy="596765"/>
+                <a:chOff x="5165387" y="2395529"/>
+                <a:chExt cx="487360" cy="596765"/>
+              </a:xfrm>
+            </p:grpSpPr>
+            <p:pic>
+              <p:nvPicPr>
+                <p:cNvPr id="148" name="Picture 147">
+                  <a:extLst>
+                    <a:ext uri="{FF2B5EF4-FFF2-40B4-BE49-F238E27FC236}">
+                      <a16:creationId xmlns:a16="http://schemas.microsoft.com/office/drawing/2014/main" id="{B6FA59EF-E3D3-FE4F-9508-89D823247D67}"/>
+                    </a:ext>
+                  </a:extLst>
+                </p:cNvPr>
+                <p:cNvPicPr>
+                  <a:picLocks noChangeAspect="1"/>
+                </p:cNvPicPr>
+                <p:nvPr/>
+              </p:nvPicPr>
+              <p:blipFill>
+                <a:blip r:embed="rId3">
+                  <a:grayscl/>
+                </a:blip>
+                <a:stretch>
+                  <a:fillRect/>
+                </a:stretch>
+              </p:blipFill>
+              <p:spPr>
+                <a:xfrm>
+                  <a:off x="5210784" y="2546093"/>
+                  <a:ext cx="441963" cy="446201"/>
+                </a:xfrm>
+                <a:prstGeom prst="rect">
+                  <a:avLst/>
+                </a:prstGeom>
+                <a:effectLst>
+                  <a:outerShdw blurRad="50800" dist="38100" dir="2700000" algn="tl" rotWithShape="0">
+                    <a:prstClr val="black">
+                      <a:alpha val="40000"/>
+                    </a:prstClr>
+                  </a:outerShdw>
+                </a:effectLst>
+              </p:spPr>
+            </p:pic>
+            <p:grpSp>
+              <p:nvGrpSpPr>
+                <p:cNvPr id="149" name="Group 148">
+                  <a:extLst>
+                    <a:ext uri="{FF2B5EF4-FFF2-40B4-BE49-F238E27FC236}">
+                      <a16:creationId xmlns:a16="http://schemas.microsoft.com/office/drawing/2014/main" id="{F88C48AB-65CF-114B-9591-56FE5A92E113}"/>
+                    </a:ext>
+                  </a:extLst>
+                </p:cNvPr>
+                <p:cNvGrpSpPr/>
+                <p:nvPr/>
+              </p:nvGrpSpPr>
+              <p:grpSpPr>
+                <a:xfrm>
+                  <a:off x="5165387" y="2395529"/>
+                  <a:ext cx="471813" cy="215444"/>
+                  <a:chOff x="5165387" y="2376073"/>
+                  <a:chExt cx="471813" cy="215444"/>
+                </a:xfrm>
+              </p:grpSpPr>
+              <p:sp>
+                <p:nvSpPr>
+                  <p:cNvPr id="150" name="Rounded Rectangle 149">
+                    <a:extLst>
+                      <a:ext uri="{FF2B5EF4-FFF2-40B4-BE49-F238E27FC236}">
+                        <a16:creationId xmlns:a16="http://schemas.microsoft.com/office/drawing/2014/main" id="{9D87D736-FFB4-A74C-9744-930511066607}"/>
+                      </a:ext>
+                    </a:extLst>
+                  </p:cNvPr>
+                  <p:cNvSpPr/>
+                  <p:nvPr/>
+                </p:nvSpPr>
+                <p:spPr>
+                  <a:xfrm>
+                    <a:off x="5213269" y="2412459"/>
+                    <a:ext cx="423931" cy="142672"/>
+                  </a:xfrm>
+                  <a:prstGeom prst="roundRect">
+                    <a:avLst/>
+                  </a:prstGeom>
+                  <a:solidFill>
+                    <a:schemeClr val="accent6">
+                      <a:lumMod val="40000"/>
+                      <a:lumOff val="60000"/>
+                    </a:schemeClr>
+                  </a:solidFill>
+                  <a:ln>
+                    <a:noFill/>
+                  </a:ln>
+                </p:spPr>
+                <p:style>
+                  <a:lnRef idx="1">
+                    <a:schemeClr val="accent6"/>
+                  </a:lnRef>
+                  <a:fillRef idx="3">
+                    <a:schemeClr val="accent6"/>
+                  </a:fillRef>
+                  <a:effectRef idx="2">
+                    <a:schemeClr val="accent6"/>
+                  </a:effectRef>
+                  <a:fontRef idx="minor">
+                    <a:schemeClr val="lt1"/>
+                  </a:fontRef>
+                </p:style>
+                <p:txBody>
+                  <a:bodyPr rtlCol="0" anchor="ctr"/>
+                  <a:lstStyle/>
+                  <a:p>
+                    <a:pPr algn="ctr"/>
+                    <a:endParaRPr lang="en-US" sz="800" dirty="0">
+                      <a:solidFill>
+                        <a:srgbClr val="000000"/>
+                      </a:solidFill>
+                      <a:latin typeface="Calibri" charset="0"/>
+                      <a:ea typeface="Calibri" charset="0"/>
+                      <a:cs typeface="Calibri" charset="0"/>
+                    </a:endParaRPr>
+                  </a:p>
+                </p:txBody>
+              </p:sp>
+              <p:sp>
+                <p:nvSpPr>
+                  <p:cNvPr id="151" name="TextBox 150">
+                    <a:extLst>
+                      <a:ext uri="{FF2B5EF4-FFF2-40B4-BE49-F238E27FC236}">
+                        <a16:creationId xmlns:a16="http://schemas.microsoft.com/office/drawing/2014/main" id="{E8C20953-E539-9442-802E-3E2713CAE838}"/>
+                      </a:ext>
+                    </a:extLst>
+                  </p:cNvPr>
+                  <p:cNvSpPr txBox="1"/>
+                  <p:nvPr/>
+                </p:nvSpPr>
+                <p:spPr>
+                  <a:xfrm>
+                    <a:off x="5165387" y="2376073"/>
+                    <a:ext cx="184731" cy="215444"/>
+                  </a:xfrm>
+                  <a:prstGeom prst="rect">
+                    <a:avLst/>
+                  </a:prstGeom>
+                  <a:noFill/>
+                </p:spPr>
+                <p:txBody>
+                  <a:bodyPr wrap="none" rtlCol="0">
+                    <a:spAutoFit/>
+                  </a:bodyPr>
+                  <a:lstStyle/>
+                  <a:p>
+                    <a:endParaRPr lang="en-US" sz="800" dirty="0">
+                      <a:latin typeface="Calibri" charset="0"/>
+                      <a:ea typeface="Calibri" charset="0"/>
+                      <a:cs typeface="Calibri" charset="0"/>
+                    </a:endParaRPr>
+                  </a:p>
+                </p:txBody>
+              </p:sp>
+            </p:grpSp>
+          </p:grpSp>
+          <p:grpSp>
+            <p:nvGrpSpPr>
+              <p:cNvPr id="118" name="Group 117">
+                <a:extLst>
+                  <a:ext uri="{FF2B5EF4-FFF2-40B4-BE49-F238E27FC236}">
+                    <a16:creationId xmlns:a16="http://schemas.microsoft.com/office/drawing/2014/main" id="{06891B6C-0649-144A-89A1-0102B41F3C8E}"/>
+                  </a:ext>
+                </a:extLst>
+              </p:cNvPr>
+              <p:cNvGrpSpPr/>
+              <p:nvPr/>
+            </p:nvGrpSpPr>
+            <p:grpSpPr>
+              <a:xfrm>
+                <a:off x="2534595" y="3270740"/>
+                <a:ext cx="487360" cy="596765"/>
+                <a:chOff x="5165387" y="2395529"/>
+                <a:chExt cx="487360" cy="596765"/>
+              </a:xfrm>
+            </p:grpSpPr>
+            <p:pic>
+              <p:nvPicPr>
+                <p:cNvPr id="144" name="Picture 143">
+                  <a:extLst>
+                    <a:ext uri="{FF2B5EF4-FFF2-40B4-BE49-F238E27FC236}">
+                      <a16:creationId xmlns:a16="http://schemas.microsoft.com/office/drawing/2014/main" id="{E7FBD9E3-8CBE-9548-8B72-40D376E0D1A8}"/>
+                    </a:ext>
+                  </a:extLst>
+                </p:cNvPr>
+                <p:cNvPicPr>
+                  <a:picLocks noChangeAspect="1"/>
+                </p:cNvPicPr>
+                <p:nvPr/>
+              </p:nvPicPr>
+              <p:blipFill>
+                <a:blip r:embed="rId3">
+                  <a:grayscl/>
+                </a:blip>
+                <a:stretch>
+                  <a:fillRect/>
+                </a:stretch>
+              </p:blipFill>
+              <p:spPr>
+                <a:xfrm>
+                  <a:off x="5210784" y="2546093"/>
+                  <a:ext cx="441963" cy="446201"/>
+                </a:xfrm>
+                <a:prstGeom prst="rect">
+                  <a:avLst/>
+                </a:prstGeom>
+                <a:effectLst>
+                  <a:outerShdw blurRad="50800" dist="38100" dir="2700000" algn="tl" rotWithShape="0">
+                    <a:prstClr val="black">
+                      <a:alpha val="40000"/>
+                    </a:prstClr>
+                  </a:outerShdw>
+                </a:effectLst>
+              </p:spPr>
+            </p:pic>
+            <p:grpSp>
+              <p:nvGrpSpPr>
+                <p:cNvPr id="145" name="Group 144">
+                  <a:extLst>
+                    <a:ext uri="{FF2B5EF4-FFF2-40B4-BE49-F238E27FC236}">
+                      <a16:creationId xmlns:a16="http://schemas.microsoft.com/office/drawing/2014/main" id="{735AC02D-C226-3F4F-B7C9-BD89714118BD}"/>
+                    </a:ext>
+                  </a:extLst>
+                </p:cNvPr>
+                <p:cNvGrpSpPr/>
+                <p:nvPr/>
+              </p:nvGrpSpPr>
+              <p:grpSpPr>
+                <a:xfrm>
+                  <a:off x="5165387" y="2395529"/>
+                  <a:ext cx="471813" cy="215444"/>
+                  <a:chOff x="5165387" y="2376073"/>
+                  <a:chExt cx="471813" cy="215444"/>
+                </a:xfrm>
+              </p:grpSpPr>
+              <p:sp>
+                <p:nvSpPr>
+                  <p:cNvPr id="146" name="Rounded Rectangle 145">
+                    <a:extLst>
+                      <a:ext uri="{FF2B5EF4-FFF2-40B4-BE49-F238E27FC236}">
+                        <a16:creationId xmlns:a16="http://schemas.microsoft.com/office/drawing/2014/main" id="{D08DEB77-17FB-9C40-8F1A-5384E373049E}"/>
+                      </a:ext>
+                    </a:extLst>
+                  </p:cNvPr>
+                  <p:cNvSpPr/>
+                  <p:nvPr/>
+                </p:nvSpPr>
+                <p:spPr>
+                  <a:xfrm>
+                    <a:off x="5213269" y="2412459"/>
+                    <a:ext cx="423931" cy="142672"/>
+                  </a:xfrm>
+                  <a:prstGeom prst="roundRect">
+                    <a:avLst/>
+                  </a:prstGeom>
+                  <a:solidFill>
+                    <a:schemeClr val="accent6">
+                      <a:lumMod val="40000"/>
+                      <a:lumOff val="60000"/>
+                    </a:schemeClr>
+                  </a:solidFill>
+                  <a:ln>
+                    <a:noFill/>
+                  </a:ln>
+                </p:spPr>
+                <p:style>
+                  <a:lnRef idx="1">
+                    <a:schemeClr val="accent6"/>
+                  </a:lnRef>
+                  <a:fillRef idx="3">
+                    <a:schemeClr val="accent6"/>
+                  </a:fillRef>
+                  <a:effectRef idx="2">
+                    <a:schemeClr val="accent6"/>
+                  </a:effectRef>
+                  <a:fontRef idx="minor">
+                    <a:schemeClr val="lt1"/>
+                  </a:fontRef>
+                </p:style>
+                <p:txBody>
+                  <a:bodyPr rtlCol="0" anchor="ctr"/>
+                  <a:lstStyle/>
+                  <a:p>
+                    <a:pPr algn="ctr"/>
+                    <a:endParaRPr lang="en-US" sz="800" dirty="0">
+                      <a:solidFill>
+                        <a:srgbClr val="000000"/>
+                      </a:solidFill>
+                      <a:latin typeface="Calibri" charset="0"/>
+                      <a:ea typeface="Calibri" charset="0"/>
+                      <a:cs typeface="Calibri" charset="0"/>
+                    </a:endParaRPr>
+                  </a:p>
+                </p:txBody>
+              </p:sp>
+              <p:sp>
+                <p:nvSpPr>
+                  <p:cNvPr id="147" name="TextBox 146">
+                    <a:extLst>
+                      <a:ext uri="{FF2B5EF4-FFF2-40B4-BE49-F238E27FC236}">
+                        <a16:creationId xmlns:a16="http://schemas.microsoft.com/office/drawing/2014/main" id="{5EA32C2E-7FFD-6244-A1DD-7B0D6D2947ED}"/>
+                      </a:ext>
+                    </a:extLst>
+                  </p:cNvPr>
+                  <p:cNvSpPr txBox="1"/>
+                  <p:nvPr/>
+                </p:nvSpPr>
+                <p:spPr>
+                  <a:xfrm>
+                    <a:off x="5165387" y="2376073"/>
+                    <a:ext cx="184731" cy="215444"/>
+                  </a:xfrm>
+                  <a:prstGeom prst="rect">
+                    <a:avLst/>
+                  </a:prstGeom>
+                  <a:noFill/>
+                </p:spPr>
+                <p:txBody>
+                  <a:bodyPr wrap="none" rtlCol="0">
+                    <a:spAutoFit/>
+                  </a:bodyPr>
+                  <a:lstStyle/>
+                  <a:p>
+                    <a:endParaRPr lang="en-US" sz="800" dirty="0">
+                      <a:latin typeface="Calibri" charset="0"/>
+                      <a:ea typeface="Calibri" charset="0"/>
+                      <a:cs typeface="Calibri" charset="0"/>
+                    </a:endParaRPr>
+                  </a:p>
+                </p:txBody>
+              </p:sp>
+            </p:grpSp>
+          </p:grpSp>
+          <p:grpSp>
+            <p:nvGrpSpPr>
+              <p:cNvPr id="119" name="Group 118">
+                <a:extLst>
+                  <a:ext uri="{FF2B5EF4-FFF2-40B4-BE49-F238E27FC236}">
+                    <a16:creationId xmlns:a16="http://schemas.microsoft.com/office/drawing/2014/main" id="{0C790EC9-CDDE-B64C-B290-F911B1B4F7DA}"/>
+                  </a:ext>
+                </a:extLst>
+              </p:cNvPr>
+              <p:cNvGrpSpPr/>
+              <p:nvPr/>
+            </p:nvGrpSpPr>
+            <p:grpSpPr>
+              <a:xfrm>
+                <a:off x="3652276" y="3272917"/>
+                <a:ext cx="487360" cy="596765"/>
+                <a:chOff x="5165387" y="2395529"/>
+                <a:chExt cx="487360" cy="596765"/>
+              </a:xfrm>
+            </p:grpSpPr>
+            <p:pic>
+              <p:nvPicPr>
+                <p:cNvPr id="140" name="Picture 139">
+                  <a:extLst>
+                    <a:ext uri="{FF2B5EF4-FFF2-40B4-BE49-F238E27FC236}">
+                      <a16:creationId xmlns:a16="http://schemas.microsoft.com/office/drawing/2014/main" id="{D8F3B1C6-19D0-CC4D-A3F4-6FEE7CE2E02A}"/>
+                    </a:ext>
+                  </a:extLst>
+                </p:cNvPr>
+                <p:cNvPicPr>
+                  <a:picLocks noChangeAspect="1"/>
+                </p:cNvPicPr>
+                <p:nvPr/>
+              </p:nvPicPr>
+              <p:blipFill>
+                <a:blip r:embed="rId3">
+                  <a:grayscl/>
+                </a:blip>
+                <a:stretch>
+                  <a:fillRect/>
+                </a:stretch>
+              </p:blipFill>
+              <p:spPr>
+                <a:xfrm>
+                  <a:off x="5210784" y="2546093"/>
+                  <a:ext cx="441963" cy="446201"/>
+                </a:xfrm>
+                <a:prstGeom prst="rect">
+                  <a:avLst/>
+                </a:prstGeom>
+                <a:effectLst>
+                  <a:outerShdw blurRad="50800" dist="38100" dir="2700000" algn="tl" rotWithShape="0">
+                    <a:prstClr val="black">
+                      <a:alpha val="40000"/>
+                    </a:prstClr>
+                  </a:outerShdw>
+                </a:effectLst>
+              </p:spPr>
+            </p:pic>
+            <p:grpSp>
+              <p:nvGrpSpPr>
+                <p:cNvPr id="141" name="Group 140">
+                  <a:extLst>
+                    <a:ext uri="{FF2B5EF4-FFF2-40B4-BE49-F238E27FC236}">
+                      <a16:creationId xmlns:a16="http://schemas.microsoft.com/office/drawing/2014/main" id="{08D9BC41-9923-BF42-8EF1-EE32AC0D3DDB}"/>
+                    </a:ext>
+                  </a:extLst>
+                </p:cNvPr>
+                <p:cNvGrpSpPr/>
+                <p:nvPr/>
+              </p:nvGrpSpPr>
+              <p:grpSpPr>
+                <a:xfrm>
+                  <a:off x="5165387" y="2395529"/>
+                  <a:ext cx="471813" cy="215444"/>
+                  <a:chOff x="5165387" y="2376073"/>
+                  <a:chExt cx="471813" cy="215444"/>
+                </a:xfrm>
+              </p:grpSpPr>
+              <p:sp>
+                <p:nvSpPr>
+                  <p:cNvPr id="142" name="Rounded Rectangle 141">
+                    <a:extLst>
+                      <a:ext uri="{FF2B5EF4-FFF2-40B4-BE49-F238E27FC236}">
+                        <a16:creationId xmlns:a16="http://schemas.microsoft.com/office/drawing/2014/main" id="{2A723209-1CB3-5645-A723-3955362AEAD6}"/>
+                      </a:ext>
+                    </a:extLst>
+                  </p:cNvPr>
+                  <p:cNvSpPr/>
+                  <p:nvPr/>
+                </p:nvSpPr>
+                <p:spPr>
+                  <a:xfrm>
+                    <a:off x="5213269" y="2412459"/>
+                    <a:ext cx="423931" cy="142672"/>
+                  </a:xfrm>
+                  <a:prstGeom prst="roundRect">
+                    <a:avLst/>
+                  </a:prstGeom>
+                  <a:solidFill>
+                    <a:schemeClr val="accent6">
+                      <a:lumMod val="40000"/>
+                      <a:lumOff val="60000"/>
+                    </a:schemeClr>
+                  </a:solidFill>
+                  <a:ln>
+                    <a:noFill/>
+                  </a:ln>
+                </p:spPr>
+                <p:style>
+                  <a:lnRef idx="1">
+                    <a:schemeClr val="accent6"/>
+                  </a:lnRef>
+                  <a:fillRef idx="3">
+                    <a:schemeClr val="accent6"/>
+                  </a:fillRef>
+                  <a:effectRef idx="2">
+                    <a:schemeClr val="accent6"/>
+                  </a:effectRef>
+                  <a:fontRef idx="minor">
+                    <a:schemeClr val="lt1"/>
+                  </a:fontRef>
+                </p:style>
+                <p:txBody>
+                  <a:bodyPr rtlCol="0" anchor="ctr"/>
+                  <a:lstStyle/>
+                  <a:p>
+                    <a:pPr algn="ctr"/>
+                    <a:endParaRPr lang="en-US" sz="800" dirty="0">
+                      <a:solidFill>
+                        <a:srgbClr val="000000"/>
+                      </a:solidFill>
+                      <a:latin typeface="Calibri" charset="0"/>
+                      <a:ea typeface="Calibri" charset="0"/>
+                      <a:cs typeface="Calibri" charset="0"/>
+                    </a:endParaRPr>
+                  </a:p>
+                </p:txBody>
+              </p:sp>
+              <p:sp>
+                <p:nvSpPr>
+                  <p:cNvPr id="143" name="TextBox 142">
+                    <a:extLst>
+                      <a:ext uri="{FF2B5EF4-FFF2-40B4-BE49-F238E27FC236}">
+                        <a16:creationId xmlns:a16="http://schemas.microsoft.com/office/drawing/2014/main" id="{C212CFCD-84A2-1A41-8A84-98B5914D4351}"/>
+                      </a:ext>
+                    </a:extLst>
+                  </p:cNvPr>
+                  <p:cNvSpPr txBox="1"/>
+                  <p:nvPr/>
+                </p:nvSpPr>
+                <p:spPr>
+                  <a:xfrm>
+                    <a:off x="5165387" y="2376073"/>
+                    <a:ext cx="184731" cy="215444"/>
+                  </a:xfrm>
+                  <a:prstGeom prst="rect">
+                    <a:avLst/>
+                  </a:prstGeom>
+                  <a:noFill/>
+                </p:spPr>
+                <p:txBody>
+                  <a:bodyPr wrap="none" rtlCol="0">
+                    <a:spAutoFit/>
+                  </a:bodyPr>
+                  <a:lstStyle/>
+                  <a:p>
+                    <a:endParaRPr lang="en-US" sz="800" dirty="0">
+                      <a:latin typeface="Calibri" charset="0"/>
+                      <a:ea typeface="Calibri" charset="0"/>
+                      <a:cs typeface="Calibri" charset="0"/>
+                    </a:endParaRPr>
+                  </a:p>
+                </p:txBody>
+              </p:sp>
+            </p:grpSp>
+          </p:grpSp>
+          <p:cxnSp>
+            <p:nvCxnSpPr>
+              <p:cNvPr id="120" name="Straight Connector 119">
+                <a:extLst>
+                  <a:ext uri="{FF2B5EF4-FFF2-40B4-BE49-F238E27FC236}">
+                    <a16:creationId xmlns:a16="http://schemas.microsoft.com/office/drawing/2014/main" id="{4C86D4E7-814B-1242-B838-7A60377D8006}"/>
+                  </a:ext>
+                </a:extLst>
+              </p:cNvPr>
+              <p:cNvCxnSpPr>
+                <a:cxnSpLocks/>
+              </p:cNvCxnSpPr>
+              <p:nvPr/>
+            </p:nvCxnSpPr>
+            <p:spPr>
+              <a:xfrm flipH="1" flipV="1">
+                <a:off x="2483571" y="2937866"/>
+                <a:ext cx="1428552" cy="343761"/>
+              </a:xfrm>
+              <a:prstGeom prst="line">
+                <a:avLst/>
+              </a:prstGeom>
+              <a:noFill/>
+              <a:ln w="19050" cap="flat" cmpd="sng" algn="ctr">
+                <a:solidFill>
+                  <a:srgbClr val="000000">
+                    <a:alpha val="50000"/>
+                  </a:srgbClr>
+                </a:solidFill>
+                <a:prstDash val="solid"/>
+              </a:ln>
+              <a:effectLst/>
+            </p:spPr>
+          </p:cxnSp>
+          <p:cxnSp>
+            <p:nvCxnSpPr>
+              <p:cNvPr id="121" name="Straight Connector 120">
+                <a:extLst>
+                  <a:ext uri="{FF2B5EF4-FFF2-40B4-BE49-F238E27FC236}">
+                    <a16:creationId xmlns:a16="http://schemas.microsoft.com/office/drawing/2014/main" id="{B852DB0C-E56D-B041-9B54-D5670D9DE964}"/>
+                  </a:ext>
+                </a:extLst>
+              </p:cNvPr>
+              <p:cNvCxnSpPr>
+                <a:cxnSpLocks/>
+              </p:cNvCxnSpPr>
+              <p:nvPr/>
+            </p:nvCxnSpPr>
+            <p:spPr>
+              <a:xfrm flipV="1">
+                <a:off x="3933707" y="2937866"/>
+                <a:ext cx="457385" cy="345935"/>
+              </a:xfrm>
+              <a:prstGeom prst="line">
+                <a:avLst/>
+              </a:prstGeom>
+              <a:noFill/>
+              <a:ln w="19050" cap="flat" cmpd="sng" algn="ctr">
+                <a:solidFill>
+                  <a:srgbClr val="000000">
+                    <a:alpha val="50000"/>
+                  </a:srgbClr>
+                </a:solidFill>
+                <a:prstDash val="solid"/>
+              </a:ln>
+              <a:effectLst/>
+            </p:spPr>
+          </p:cxnSp>
+          <p:grpSp>
+            <p:nvGrpSpPr>
+              <p:cNvPr id="122" name="Group 121">
+                <a:extLst>
+                  <a:ext uri="{FF2B5EF4-FFF2-40B4-BE49-F238E27FC236}">
+                    <a16:creationId xmlns:a16="http://schemas.microsoft.com/office/drawing/2014/main" id="{B565CDEA-3CD1-0143-8AC6-BCB723A737FF}"/>
+                  </a:ext>
+                </a:extLst>
+              </p:cNvPr>
+              <p:cNvGrpSpPr/>
+              <p:nvPr/>
+            </p:nvGrpSpPr>
+            <p:grpSpPr>
+              <a:xfrm>
+                <a:off x="3493685" y="2362872"/>
+                <a:ext cx="487360" cy="596765"/>
+                <a:chOff x="5165387" y="2395529"/>
+                <a:chExt cx="487360" cy="596765"/>
+              </a:xfrm>
+            </p:grpSpPr>
+            <p:pic>
+              <p:nvPicPr>
+                <p:cNvPr id="136" name="Picture 135">
+                  <a:extLst>
+                    <a:ext uri="{FF2B5EF4-FFF2-40B4-BE49-F238E27FC236}">
+                      <a16:creationId xmlns:a16="http://schemas.microsoft.com/office/drawing/2014/main" id="{BEECF1D8-9EBA-A14B-99E5-61F007E6A0A8}"/>
+                    </a:ext>
+                  </a:extLst>
+                </p:cNvPr>
+                <p:cNvPicPr>
+                  <a:picLocks noChangeAspect="1"/>
+                </p:cNvPicPr>
+                <p:nvPr/>
+              </p:nvPicPr>
+              <p:blipFill>
+                <a:blip r:embed="rId3">
+                  <a:grayscl/>
+                </a:blip>
+                <a:stretch>
+                  <a:fillRect/>
+                </a:stretch>
+              </p:blipFill>
+              <p:spPr>
+                <a:xfrm>
+                  <a:off x="5210784" y="2546093"/>
+                  <a:ext cx="441963" cy="446201"/>
+                </a:xfrm>
+                <a:prstGeom prst="rect">
+                  <a:avLst/>
+                </a:prstGeom>
+                <a:effectLst>
+                  <a:outerShdw blurRad="50800" dist="38100" dir="2700000" algn="tl" rotWithShape="0">
+                    <a:prstClr val="black">
+                      <a:alpha val="40000"/>
+                    </a:prstClr>
+                  </a:outerShdw>
+                </a:effectLst>
+              </p:spPr>
+            </p:pic>
+            <p:grpSp>
+              <p:nvGrpSpPr>
+                <p:cNvPr id="137" name="Group 136">
+                  <a:extLst>
+                    <a:ext uri="{FF2B5EF4-FFF2-40B4-BE49-F238E27FC236}">
+                      <a16:creationId xmlns:a16="http://schemas.microsoft.com/office/drawing/2014/main" id="{F457B0DF-839A-964D-859A-56C6B5F91B1C}"/>
+                    </a:ext>
+                  </a:extLst>
+                </p:cNvPr>
+                <p:cNvGrpSpPr/>
+                <p:nvPr/>
+              </p:nvGrpSpPr>
+              <p:grpSpPr>
+                <a:xfrm>
+                  <a:off x="5165387" y="2395529"/>
+                  <a:ext cx="471813" cy="215444"/>
+                  <a:chOff x="5165387" y="2376073"/>
+                  <a:chExt cx="471813" cy="215444"/>
+                </a:xfrm>
+              </p:grpSpPr>
+              <p:sp>
+                <p:nvSpPr>
+                  <p:cNvPr id="138" name="Rounded Rectangle 137">
+                    <a:extLst>
+                      <a:ext uri="{FF2B5EF4-FFF2-40B4-BE49-F238E27FC236}">
+                        <a16:creationId xmlns:a16="http://schemas.microsoft.com/office/drawing/2014/main" id="{F9CDC9AE-A18F-FB45-8A64-33ABB3B812FD}"/>
+                      </a:ext>
+                    </a:extLst>
+                  </p:cNvPr>
+                  <p:cNvSpPr/>
+                  <p:nvPr/>
+                </p:nvSpPr>
+                <p:spPr>
+                  <a:xfrm>
+                    <a:off x="5213269" y="2412459"/>
+                    <a:ext cx="423931" cy="142672"/>
+                  </a:xfrm>
+                  <a:prstGeom prst="roundRect">
+                    <a:avLst/>
+                  </a:prstGeom>
+                  <a:solidFill>
+                    <a:schemeClr val="accent6">
+                      <a:lumMod val="40000"/>
+                      <a:lumOff val="60000"/>
+                    </a:schemeClr>
+                  </a:solidFill>
+                  <a:ln>
+                    <a:noFill/>
+                  </a:ln>
+                </p:spPr>
+                <p:style>
+                  <a:lnRef idx="1">
+                    <a:schemeClr val="accent6"/>
+                  </a:lnRef>
+                  <a:fillRef idx="3">
+                    <a:schemeClr val="accent6"/>
+                  </a:fillRef>
+                  <a:effectRef idx="2">
+                    <a:schemeClr val="accent6"/>
+                  </a:effectRef>
+                  <a:fontRef idx="minor">
+                    <a:schemeClr val="lt1"/>
+                  </a:fontRef>
+                </p:style>
+                <p:txBody>
+                  <a:bodyPr rtlCol="0" anchor="ctr"/>
+                  <a:lstStyle/>
+                  <a:p>
+                    <a:pPr algn="ctr"/>
+                    <a:endParaRPr lang="en-US" sz="800" dirty="0">
+                      <a:solidFill>
+                        <a:srgbClr val="000000"/>
+                      </a:solidFill>
+                      <a:latin typeface="Calibri" charset="0"/>
+                      <a:ea typeface="Calibri" charset="0"/>
+                      <a:cs typeface="Calibri" charset="0"/>
+                    </a:endParaRPr>
+                  </a:p>
+                </p:txBody>
+              </p:sp>
+              <p:sp>
+                <p:nvSpPr>
+                  <p:cNvPr id="139" name="TextBox 138">
+                    <a:extLst>
+                      <a:ext uri="{FF2B5EF4-FFF2-40B4-BE49-F238E27FC236}">
+                        <a16:creationId xmlns:a16="http://schemas.microsoft.com/office/drawing/2014/main" id="{70B2FD5C-9DB3-E842-8679-61D219123619}"/>
+                      </a:ext>
+                    </a:extLst>
+                  </p:cNvPr>
+                  <p:cNvSpPr txBox="1"/>
+                  <p:nvPr/>
+                </p:nvSpPr>
+                <p:spPr>
+                  <a:xfrm>
+                    <a:off x="5165387" y="2376073"/>
+                    <a:ext cx="184731" cy="215444"/>
+                  </a:xfrm>
+                  <a:prstGeom prst="rect">
+                    <a:avLst/>
+                  </a:prstGeom>
+                  <a:noFill/>
+                </p:spPr>
+                <p:txBody>
+                  <a:bodyPr wrap="none" rtlCol="0">
+                    <a:spAutoFit/>
+                  </a:bodyPr>
+                  <a:lstStyle/>
+                  <a:p>
+                    <a:endParaRPr lang="en-US" sz="800" dirty="0">
+                      <a:latin typeface="Calibri" charset="0"/>
+                      <a:ea typeface="Calibri" charset="0"/>
+                      <a:cs typeface="Calibri" charset="0"/>
+                    </a:endParaRPr>
+                  </a:p>
+                </p:txBody>
+              </p:sp>
+            </p:grpSp>
+          </p:grpSp>
+          <p:cxnSp>
+            <p:nvCxnSpPr>
+              <p:cNvPr id="123" name="Straight Connector 122">
+                <a:extLst>
+                  <a:ext uri="{FF2B5EF4-FFF2-40B4-BE49-F238E27FC236}">
+                    <a16:creationId xmlns:a16="http://schemas.microsoft.com/office/drawing/2014/main" id="{34FBC62C-E17C-D04F-8DCE-E1374950312C}"/>
+                  </a:ext>
+                </a:extLst>
+              </p:cNvPr>
+              <p:cNvCxnSpPr>
+                <a:cxnSpLocks/>
+              </p:cNvCxnSpPr>
+              <p:nvPr/>
+            </p:nvCxnSpPr>
+            <p:spPr>
+              <a:xfrm flipV="1">
+                <a:off x="2794442" y="2937866"/>
+                <a:ext cx="1596651" cy="343761"/>
+              </a:xfrm>
+              <a:prstGeom prst="line">
+                <a:avLst/>
+              </a:prstGeom>
+              <a:noFill/>
+              <a:ln w="19050" cap="flat" cmpd="sng" algn="ctr">
+                <a:solidFill>
+                  <a:srgbClr val="000000">
+                    <a:alpha val="50000"/>
+                  </a:srgbClr>
+                </a:solidFill>
+                <a:prstDash val="solid"/>
+              </a:ln>
+              <a:effectLst/>
+            </p:spPr>
+          </p:cxnSp>
+          <p:cxnSp>
+            <p:nvCxnSpPr>
+              <p:cNvPr id="124" name="Straight Connector 123">
+                <a:extLst>
+                  <a:ext uri="{FF2B5EF4-FFF2-40B4-BE49-F238E27FC236}">
+                    <a16:creationId xmlns:a16="http://schemas.microsoft.com/office/drawing/2014/main" id="{F28AB75F-6037-A74C-87E9-20AD14DD4A45}"/>
+                  </a:ext>
+                </a:extLst>
+              </p:cNvPr>
+              <p:cNvCxnSpPr>
+                <a:cxnSpLocks/>
+              </p:cNvCxnSpPr>
+              <p:nvPr/>
+            </p:nvCxnSpPr>
+            <p:spPr>
+              <a:xfrm flipV="1">
+                <a:off x="2849938" y="2959639"/>
+                <a:ext cx="910126" cy="321988"/>
+              </a:xfrm>
+              <a:prstGeom prst="line">
+                <a:avLst/>
+              </a:prstGeom>
+              <a:noFill/>
+              <a:ln w="19050" cap="flat" cmpd="sng" algn="ctr">
+                <a:solidFill>
+                  <a:srgbClr val="000000">
+                    <a:alpha val="50000"/>
+                  </a:srgbClr>
+                </a:solidFill>
+                <a:prstDash val="solid"/>
+              </a:ln>
+              <a:effectLst/>
+            </p:spPr>
+          </p:cxnSp>
+          <p:cxnSp>
+            <p:nvCxnSpPr>
+              <p:cNvPr id="125" name="Straight Connector 124">
+                <a:extLst>
+                  <a:ext uri="{FF2B5EF4-FFF2-40B4-BE49-F238E27FC236}">
+                    <a16:creationId xmlns:a16="http://schemas.microsoft.com/office/drawing/2014/main" id="{EC4D0365-F475-0B41-9F37-4A23C10AEC0F}"/>
+                  </a:ext>
+                </a:extLst>
+              </p:cNvPr>
+              <p:cNvCxnSpPr>
+                <a:cxnSpLocks/>
+              </p:cNvCxnSpPr>
+              <p:nvPr/>
+            </p:nvCxnSpPr>
+            <p:spPr>
+              <a:xfrm flipV="1">
+                <a:off x="2805315" y="2948753"/>
+                <a:ext cx="311003" cy="332874"/>
+              </a:xfrm>
+              <a:prstGeom prst="line">
+                <a:avLst/>
+              </a:prstGeom>
+              <a:noFill/>
+              <a:ln w="19050" cap="flat" cmpd="sng" algn="ctr">
+                <a:solidFill>
+                  <a:srgbClr val="000000">
+                    <a:alpha val="50000"/>
+                  </a:srgbClr>
+                </a:solidFill>
+                <a:prstDash val="solid"/>
+              </a:ln>
+              <a:effectLst/>
+            </p:spPr>
+          </p:cxnSp>
+          <p:cxnSp>
+            <p:nvCxnSpPr>
+              <p:cNvPr id="126" name="Straight Connector 125">
+                <a:extLst>
+                  <a:ext uri="{FF2B5EF4-FFF2-40B4-BE49-F238E27FC236}">
+                    <a16:creationId xmlns:a16="http://schemas.microsoft.com/office/drawing/2014/main" id="{4E0F0A2B-0C39-E844-866D-7574F5BA5B9C}"/>
+                  </a:ext>
+                </a:extLst>
+              </p:cNvPr>
+              <p:cNvCxnSpPr>
+                <a:cxnSpLocks/>
+              </p:cNvCxnSpPr>
+              <p:nvPr/>
+            </p:nvCxnSpPr>
+            <p:spPr>
+              <a:xfrm flipH="1" flipV="1">
+                <a:off x="2483572" y="2937866"/>
+                <a:ext cx="310749" cy="356693"/>
+              </a:xfrm>
+              <a:prstGeom prst="line">
+                <a:avLst/>
+              </a:prstGeom>
+              <a:noFill/>
+              <a:ln w="19050" cap="flat" cmpd="sng" algn="ctr">
+                <a:solidFill>
+                  <a:srgbClr val="000000">
+                    <a:alpha val="50000"/>
+                  </a:srgbClr>
+                </a:solidFill>
+                <a:prstDash val="solid"/>
+              </a:ln>
+              <a:effectLst/>
+            </p:spPr>
+          </p:cxnSp>
+          <p:cxnSp>
+            <p:nvCxnSpPr>
+              <p:cNvPr id="127" name="Straight Connector 126">
+                <a:extLst>
+                  <a:ext uri="{FF2B5EF4-FFF2-40B4-BE49-F238E27FC236}">
+                    <a16:creationId xmlns:a16="http://schemas.microsoft.com/office/drawing/2014/main" id="{22246CC6-3A14-964A-B5C7-43E5B86612FB}"/>
+                  </a:ext>
+                </a:extLst>
+              </p:cNvPr>
+              <p:cNvCxnSpPr>
+                <a:cxnSpLocks/>
+              </p:cNvCxnSpPr>
+              <p:nvPr/>
+            </p:nvCxnSpPr>
+            <p:spPr>
+              <a:xfrm flipV="1">
+                <a:off x="2474564" y="2189390"/>
+                <a:ext cx="1445" cy="166321"/>
+              </a:xfrm>
+              <a:prstGeom prst="line">
+                <a:avLst/>
+              </a:prstGeom>
+              <a:noFill/>
+              <a:ln w="19050" cap="flat" cmpd="sng" algn="ctr">
+                <a:solidFill>
+                  <a:srgbClr val="000000">
+                    <a:alpha val="50000"/>
+                  </a:srgbClr>
+                </a:solidFill>
+                <a:prstDash val="solid"/>
+              </a:ln>
+              <a:effectLst/>
+            </p:spPr>
+          </p:cxnSp>
+          <p:cxnSp>
+            <p:nvCxnSpPr>
+              <p:cNvPr id="128" name="Straight Connector 127">
+                <a:extLst>
+                  <a:ext uri="{FF2B5EF4-FFF2-40B4-BE49-F238E27FC236}">
+                    <a16:creationId xmlns:a16="http://schemas.microsoft.com/office/drawing/2014/main" id="{FCA82C36-70F0-6940-86AE-956548D7902D}"/>
+                  </a:ext>
+                </a:extLst>
+              </p:cNvPr>
+              <p:cNvCxnSpPr>
+                <a:cxnSpLocks/>
+              </p:cNvCxnSpPr>
+              <p:nvPr/>
+            </p:nvCxnSpPr>
+            <p:spPr>
+              <a:xfrm flipH="1" flipV="1">
+                <a:off x="3746832" y="2200474"/>
+                <a:ext cx="2507" cy="175998"/>
+              </a:xfrm>
+              <a:prstGeom prst="line">
+                <a:avLst/>
+              </a:prstGeom>
+              <a:noFill/>
+              <a:ln w="19050" cap="flat" cmpd="sng" algn="ctr">
+                <a:solidFill>
+                  <a:srgbClr val="000000">
+                    <a:alpha val="50000"/>
+                  </a:srgbClr>
+                </a:solidFill>
+                <a:prstDash val="solid"/>
+              </a:ln>
+              <a:effectLst/>
+            </p:spPr>
+          </p:cxnSp>
+          <p:cxnSp>
+            <p:nvCxnSpPr>
+              <p:cNvPr id="129" name="Straight Connector 128">
+                <a:extLst>
+                  <a:ext uri="{FF2B5EF4-FFF2-40B4-BE49-F238E27FC236}">
+                    <a16:creationId xmlns:a16="http://schemas.microsoft.com/office/drawing/2014/main" id="{EE113F90-2F2B-EF4F-8AF7-49B7957BA042}"/>
+                  </a:ext>
+                </a:extLst>
+              </p:cNvPr>
+              <p:cNvCxnSpPr>
+                <a:cxnSpLocks/>
+              </p:cNvCxnSpPr>
+              <p:nvPr/>
+            </p:nvCxnSpPr>
+            <p:spPr>
+              <a:xfrm flipV="1">
+                <a:off x="4382243" y="2177184"/>
+                <a:ext cx="1" cy="185688"/>
+              </a:xfrm>
+              <a:prstGeom prst="line">
+                <a:avLst/>
+              </a:prstGeom>
+              <a:noFill/>
+              <a:ln w="19050" cap="flat" cmpd="sng" algn="ctr">
+                <a:solidFill>
+                  <a:srgbClr val="000000">
+                    <a:alpha val="50000"/>
+                  </a:srgbClr>
+                </a:solidFill>
+                <a:prstDash val="solid"/>
+              </a:ln>
+              <a:effectLst/>
+            </p:spPr>
+          </p:cxnSp>
+          <p:sp>
+            <p:nvSpPr>
+              <p:cNvPr id="130" name="Rounded Rectangle 129">
+                <a:extLst>
+                  <a:ext uri="{FF2B5EF4-FFF2-40B4-BE49-F238E27FC236}">
+                    <a16:creationId xmlns:a16="http://schemas.microsoft.com/office/drawing/2014/main" id="{79651127-90D1-3540-BF31-4C4EEBB52D7A}"/>
+                  </a:ext>
+                </a:extLst>
+              </p:cNvPr>
+              <p:cNvSpPr/>
+              <p:nvPr/>
+            </p:nvSpPr>
+            <p:spPr>
+              <a:xfrm>
+                <a:off x="3953698" y="1249193"/>
+                <a:ext cx="741863" cy="470562"/>
+              </a:xfrm>
+              <a:prstGeom prst="roundRect">
+                <a:avLst/>
+              </a:prstGeom>
+              <a:solidFill>
+                <a:srgbClr val="C2D6EC"/>
+              </a:solidFill>
+              <a:ln>
+                <a:solidFill>
+                  <a:srgbClr val="6A99D0"/>
+                </a:solidFill>
+              </a:ln>
+            </p:spPr>
+            <p:style>
+              <a:lnRef idx="2">
+                <a:schemeClr val="accent1">
+                  <a:shade val="50000"/>
+                </a:schemeClr>
+              </a:lnRef>
+              <a:fillRef idx="1">
+                <a:schemeClr val="accent1"/>
+              </a:fillRef>
+              <a:effectRef idx="0">
+                <a:schemeClr val="accent1"/>
+              </a:effectRef>
+              <a:fontRef idx="minor">
+                <a:schemeClr val="lt1"/>
+              </a:fontRef>
+            </p:style>
+            <p:txBody>
+              <a:bodyPr rtlCol="0" anchor="ctr"/>
+              <a:lstStyle/>
+              <a:p>
+                <a:pPr algn="ctr" defTabSz="514355">
+                  <a:defRPr/>
+                </a:pPr>
+                <a:endParaRPr lang="en-US" sz="1000" dirty="0">
+                  <a:solidFill>
+                    <a:schemeClr val="bg1"/>
+                  </a:solidFill>
+                </a:endParaRPr>
+              </a:p>
+            </p:txBody>
+          </p:sp>
+          <p:sp>
+            <p:nvSpPr>
+              <p:cNvPr id="131" name="Rounded Rectangle 130">
+                <a:extLst>
+                  <a:ext uri="{FF2B5EF4-FFF2-40B4-BE49-F238E27FC236}">
+                    <a16:creationId xmlns:a16="http://schemas.microsoft.com/office/drawing/2014/main" id="{63E60E09-1712-1144-A035-6115D2CE27DE}"/>
+                  </a:ext>
+                </a:extLst>
+              </p:cNvPr>
+              <p:cNvSpPr/>
+              <p:nvPr/>
+            </p:nvSpPr>
+            <p:spPr>
+              <a:xfrm>
+                <a:off x="2166172" y="1249193"/>
+                <a:ext cx="741863" cy="470562"/>
+              </a:xfrm>
+              <a:prstGeom prst="roundRect">
+                <a:avLst/>
+              </a:prstGeom>
+              <a:solidFill>
+                <a:schemeClr val="accent2">
+                  <a:lumMod val="40000"/>
+                  <a:lumOff val="60000"/>
+                </a:schemeClr>
+              </a:solidFill>
+              <a:ln>
+                <a:solidFill>
+                  <a:srgbClr val="C00000"/>
+                </a:solidFill>
+              </a:ln>
+            </p:spPr>
+            <p:style>
+              <a:lnRef idx="2">
+                <a:schemeClr val="accent2">
+                  <a:shade val="50000"/>
+                </a:schemeClr>
+              </a:lnRef>
+              <a:fillRef idx="1">
+                <a:schemeClr val="accent2"/>
+              </a:fillRef>
+              <a:effectRef idx="0">
+                <a:schemeClr val="accent2"/>
+              </a:effectRef>
+              <a:fontRef idx="minor">
+                <a:schemeClr val="lt1"/>
+              </a:fontRef>
+            </p:style>
+            <p:txBody>
+              <a:bodyPr rtlCol="0" anchor="ctr"/>
+              <a:lstStyle/>
+              <a:p>
+                <a:pPr algn="ctr" defTabSz="514355">
+                  <a:defRPr/>
+                </a:pPr>
+                <a:endParaRPr lang="en-US" sz="1000" dirty="0">
+                  <a:solidFill>
+                    <a:schemeClr val="bg1"/>
+                  </a:solidFill>
+                </a:endParaRPr>
+              </a:p>
+            </p:txBody>
+          </p:sp>
+          <p:pic>
+            <p:nvPicPr>
+              <p:cNvPr id="132" name="Picture 131">
+                <a:extLst>
+                  <a:ext uri="{FF2B5EF4-FFF2-40B4-BE49-F238E27FC236}">
+                    <a16:creationId xmlns:a16="http://schemas.microsoft.com/office/drawing/2014/main" id="{F6E45C0E-9DA3-4E49-99A8-7DD23645C549}"/>
+                  </a:ext>
+                </a:extLst>
+              </p:cNvPr>
+              <p:cNvPicPr>
+                <a:picLocks noChangeAspect="1"/>
+              </p:cNvPicPr>
+              <p:nvPr/>
+            </p:nvPicPr>
+            <p:blipFill>
+              <a:blip r:embed="rId4">
+                <a:biLevel thresh="75000"/>
+              </a:blip>
+              <a:stretch>
+                <a:fillRect/>
+              </a:stretch>
+            </p:blipFill>
+            <p:spPr>
+              <a:xfrm flipH="1">
+                <a:off x="962095" y="1469022"/>
+                <a:ext cx="159607" cy="796222"/>
+              </a:xfrm>
+              <a:prstGeom prst="rect">
+                <a:avLst/>
+              </a:prstGeom>
+              <a:effectLst>
+                <a:outerShdw blurRad="50800" dist="38100" dir="2700000" algn="tl" rotWithShape="0">
+                  <a:prstClr val="black">
+                    <a:alpha val="40000"/>
+                  </a:prstClr>
+                </a:outerShdw>
+              </a:effectLst>
+            </p:spPr>
+          </p:pic>
+          <p:pic>
+            <p:nvPicPr>
+              <p:cNvPr id="133" name="Picture 132">
+                <a:extLst>
+                  <a:ext uri="{FF2B5EF4-FFF2-40B4-BE49-F238E27FC236}">
+                    <a16:creationId xmlns:a16="http://schemas.microsoft.com/office/drawing/2014/main" id="{5C080E05-AA3B-4949-885A-C4DB19DDD44A}"/>
+                  </a:ext>
+                </a:extLst>
+              </p:cNvPr>
+              <p:cNvPicPr>
+                <a:picLocks noChangeAspect="1"/>
+              </p:cNvPicPr>
+              <p:nvPr/>
+            </p:nvPicPr>
+            <p:blipFill>
+              <a:blip r:embed="rId4">
+                <a:biLevel thresh="75000"/>
+              </a:blip>
+              <a:stretch>
+                <a:fillRect/>
+              </a:stretch>
+            </p:blipFill>
+            <p:spPr>
+              <a:xfrm flipH="1">
+                <a:off x="962095" y="2937865"/>
+                <a:ext cx="159607" cy="796222"/>
+              </a:xfrm>
+              <a:prstGeom prst="rect">
+                <a:avLst/>
+              </a:prstGeom>
+              <a:effectLst>
+                <a:outerShdw blurRad="50800" dist="38100" dir="2700000" algn="tl" rotWithShape="0">
+                  <a:prstClr val="black">
+                    <a:alpha val="40000"/>
+                  </a:prstClr>
+                </a:outerShdw>
+              </a:effectLst>
+            </p:spPr>
+          </p:pic>
+          <p:cxnSp>
+            <p:nvCxnSpPr>
+              <p:cNvPr id="134" name="Straight Connector 133">
+                <a:extLst>
+                  <a:ext uri="{FF2B5EF4-FFF2-40B4-BE49-F238E27FC236}">
+                    <a16:creationId xmlns:a16="http://schemas.microsoft.com/office/drawing/2014/main" id="{5319B2F8-3587-1A43-91B0-F85714DB1FA5}"/>
+                  </a:ext>
+                </a:extLst>
+              </p:cNvPr>
+              <p:cNvCxnSpPr>
+                <a:cxnSpLocks/>
+              </p:cNvCxnSpPr>
+              <p:nvPr/>
+            </p:nvCxnSpPr>
+            <p:spPr>
+              <a:xfrm flipH="1">
+                <a:off x="1121702" y="2714765"/>
+                <a:ext cx="1140887" cy="621211"/>
+              </a:xfrm>
+              <a:prstGeom prst="line">
+                <a:avLst/>
+              </a:prstGeom>
+              <a:noFill/>
+              <a:ln w="19050" cap="flat" cmpd="sng" algn="ctr">
+                <a:solidFill>
+                  <a:srgbClr val="000000">
+                    <a:alpha val="50000"/>
+                  </a:srgbClr>
+                </a:solidFill>
+                <a:prstDash val="solid"/>
+              </a:ln>
+              <a:effectLst/>
+            </p:spPr>
+          </p:cxnSp>
+          <p:cxnSp>
+            <p:nvCxnSpPr>
+              <p:cNvPr id="135" name="Straight Connector 134">
+                <a:extLst>
+                  <a:ext uri="{FF2B5EF4-FFF2-40B4-BE49-F238E27FC236}">
+                    <a16:creationId xmlns:a16="http://schemas.microsoft.com/office/drawing/2014/main" id="{CAC647A0-AFBC-784B-A213-2388A85016C3}"/>
+                  </a:ext>
+                </a:extLst>
+              </p:cNvPr>
+              <p:cNvCxnSpPr>
+                <a:cxnSpLocks/>
+              </p:cNvCxnSpPr>
+              <p:nvPr/>
+            </p:nvCxnSpPr>
+            <p:spPr>
+              <a:xfrm flipH="1" flipV="1">
+                <a:off x="1121702" y="1867133"/>
+                <a:ext cx="1140887" cy="847632"/>
+              </a:xfrm>
+              <a:prstGeom prst="line">
+                <a:avLst/>
+              </a:prstGeom>
+              <a:noFill/>
+              <a:ln w="19050" cap="flat" cmpd="sng" algn="ctr">
+                <a:solidFill>
+                  <a:srgbClr val="000000">
+                    <a:alpha val="50000"/>
+                  </a:srgbClr>
+                </a:solidFill>
+                <a:prstDash val="solid"/>
+              </a:ln>
+              <a:effectLst/>
+            </p:spPr>
+          </p:cxnSp>
+        </p:grpSp>
+      </p:grpSp>
+      <p:grpSp>
+        <p:nvGrpSpPr>
+          <p:cNvPr id="3" name="Group 2">
+            <a:extLst>
+              <a:ext uri="{FF2B5EF4-FFF2-40B4-BE49-F238E27FC236}">
+                <a16:creationId xmlns:a16="http://schemas.microsoft.com/office/drawing/2014/main" id="{D0419C66-3319-F74E-8D0F-9FDE1959CAEF}"/>
+              </a:ext>
+            </a:extLst>
+          </p:cNvPr>
+          <p:cNvGrpSpPr/>
+          <p:nvPr/>
+        </p:nvGrpSpPr>
+        <p:grpSpPr>
+          <a:xfrm>
+            <a:off x="2182649" y="2211977"/>
+            <a:ext cx="3207958" cy="2159303"/>
+            <a:chOff x="886120" y="1187776"/>
+            <a:chExt cx="3874416" cy="2733773"/>
+          </a:xfrm>
+        </p:grpSpPr>
+        <p:sp>
+          <p:nvSpPr>
+            <p:cNvPr id="4" name="Rectangle 3">
+              <a:extLst>
+                <a:ext uri="{FF2B5EF4-FFF2-40B4-BE49-F238E27FC236}">
+                  <a16:creationId xmlns:a16="http://schemas.microsoft.com/office/drawing/2014/main" id="{C1FC8722-282A-1B47-875E-F7BFEB056B54}"/>
+                </a:ext>
+              </a:extLst>
+            </p:cNvPr>
+            <p:cNvSpPr/>
+            <p:nvPr/>
+          </p:nvSpPr>
+          <p:spPr>
+            <a:xfrm>
+              <a:off x="886120" y="1187776"/>
+              <a:ext cx="3874416" cy="2733773"/>
+            </a:xfrm>
+            <a:prstGeom prst="rect">
+              <a:avLst/>
+            </a:prstGeom>
+            <a:solidFill>
+              <a:schemeClr val="bg1">
+                <a:lumMod val="95000"/>
+              </a:schemeClr>
+            </a:solidFill>
+            <a:ln>
+              <a:solidFill>
+                <a:schemeClr val="bg1">
+                  <a:lumMod val="50000"/>
+                </a:schemeClr>
+              </a:solidFill>
+            </a:ln>
+          </p:spPr>
+          <p:style>
+            <a:lnRef idx="2">
+              <a:schemeClr val="dk1"/>
+            </a:lnRef>
+            <a:fillRef idx="1">
+              <a:schemeClr val="lt1"/>
+            </a:fillRef>
+            <a:effectRef idx="0">
+              <a:schemeClr val="dk1"/>
+            </a:effectRef>
+            <a:fontRef idx="minor">
+              <a:schemeClr val="dk1"/>
+            </a:fontRef>
+          </p:style>
+          <p:txBody>
+            <a:bodyPr rtlCol="0" anchor="ctr"/>
+            <a:lstStyle/>
+            <a:p>
+              <a:pPr algn="ctr"/>
+              <a:endParaRPr lang="en-US"/>
+            </a:p>
+          </p:txBody>
+        </p:sp>
+        <p:grpSp>
+          <p:nvGrpSpPr>
+            <p:cNvPr id="5" name="Group 4">
+              <a:extLst>
+                <a:ext uri="{FF2B5EF4-FFF2-40B4-BE49-F238E27FC236}">
+                  <a16:creationId xmlns:a16="http://schemas.microsoft.com/office/drawing/2014/main" id="{7DF10513-3C68-A140-832D-38A454F5CCAC}"/>
+                </a:ext>
+              </a:extLst>
+            </p:cNvPr>
+            <p:cNvGrpSpPr/>
+            <p:nvPr/>
+          </p:nvGrpSpPr>
+          <p:grpSpPr>
+            <a:xfrm>
+              <a:off x="962095" y="1249193"/>
+              <a:ext cx="3733466" cy="2620489"/>
+              <a:chOff x="962095" y="1249193"/>
+              <a:chExt cx="3733466" cy="2620489"/>
+            </a:xfrm>
+          </p:grpSpPr>
+          <p:cxnSp>
+            <p:nvCxnSpPr>
+              <p:cNvPr id="6" name="Straight Connector 5">
+                <a:extLst>
+                  <a:ext uri="{FF2B5EF4-FFF2-40B4-BE49-F238E27FC236}">
+                    <a16:creationId xmlns:a16="http://schemas.microsoft.com/office/drawing/2014/main" id="{ED62791E-43CB-D841-A2CA-72190647FFA8}"/>
+                  </a:ext>
+                </a:extLst>
+              </p:cNvPr>
+              <p:cNvCxnSpPr>
+                <a:cxnSpLocks/>
+              </p:cNvCxnSpPr>
+              <p:nvPr/>
+            </p:nvCxnSpPr>
+            <p:spPr>
+              <a:xfrm flipV="1">
+                <a:off x="3107468" y="2189390"/>
+                <a:ext cx="3953" cy="160419"/>
+              </a:xfrm>
+              <a:prstGeom prst="line">
+                <a:avLst/>
+              </a:prstGeom>
+              <a:noFill/>
+              <a:ln w="19050" cap="flat" cmpd="sng" algn="ctr">
+                <a:solidFill>
+                  <a:srgbClr val="000000">
+                    <a:alpha val="50000"/>
+                  </a:srgbClr>
+                </a:solidFill>
+                <a:prstDash val="solid"/>
+              </a:ln>
+              <a:effectLst/>
+            </p:spPr>
+          </p:cxnSp>
+          <p:cxnSp>
+            <p:nvCxnSpPr>
+              <p:cNvPr id="7" name="Straight Connector 6">
+                <a:extLst>
+                  <a:ext uri="{FF2B5EF4-FFF2-40B4-BE49-F238E27FC236}">
+                    <a16:creationId xmlns:a16="http://schemas.microsoft.com/office/drawing/2014/main" id="{0C1B1EA3-F465-844D-8CF7-E3B423E49425}"/>
+                  </a:ext>
+                </a:extLst>
+              </p:cNvPr>
+              <p:cNvCxnSpPr>
+                <a:cxnSpLocks/>
+              </p:cNvCxnSpPr>
+              <p:nvPr/>
+            </p:nvCxnSpPr>
+            <p:spPr>
+              <a:xfrm flipH="1" flipV="1">
+                <a:off x="3116318" y="2948755"/>
+                <a:ext cx="795805" cy="360547"/>
+              </a:xfrm>
+              <a:prstGeom prst="line">
+                <a:avLst/>
+              </a:prstGeom>
+              <a:noFill/>
+              <a:ln w="19050" cap="flat" cmpd="sng" algn="ctr">
+                <a:solidFill>
+                  <a:srgbClr val="000000">
+                    <a:alpha val="50000"/>
+                  </a:srgbClr>
+                </a:solidFill>
+                <a:prstDash val="solid"/>
+              </a:ln>
+              <a:effectLst/>
+            </p:spPr>
+          </p:cxnSp>
+          <p:cxnSp>
+            <p:nvCxnSpPr>
+              <p:cNvPr id="8" name="Straight Connector 7">
+                <a:extLst>
+                  <a:ext uri="{FF2B5EF4-FFF2-40B4-BE49-F238E27FC236}">
+                    <a16:creationId xmlns:a16="http://schemas.microsoft.com/office/drawing/2014/main" id="{1DAE6F98-B5AD-0146-A75B-656B9752D108}"/>
+                  </a:ext>
+                </a:extLst>
+              </p:cNvPr>
+              <p:cNvCxnSpPr>
+                <a:cxnSpLocks/>
+              </p:cNvCxnSpPr>
+              <p:nvPr/>
+            </p:nvCxnSpPr>
+            <p:spPr>
+              <a:xfrm flipH="1" flipV="1">
+                <a:off x="3760065" y="2959637"/>
+                <a:ext cx="141064" cy="321990"/>
+              </a:xfrm>
+              <a:prstGeom prst="line">
+                <a:avLst/>
+              </a:prstGeom>
+              <a:noFill/>
+              <a:ln w="19050" cap="flat" cmpd="sng" algn="ctr">
+                <a:solidFill>
+                  <a:srgbClr val="000000">
+                    <a:alpha val="50000"/>
+                  </a:srgbClr>
+                </a:solidFill>
+                <a:prstDash val="solid"/>
+              </a:ln>
+              <a:effectLst/>
+            </p:spPr>
+          </p:cxnSp>
+          <p:pic>
+            <p:nvPicPr>
+              <p:cNvPr id="9" name="Picture 8">
+                <a:extLst>
+                  <a:ext uri="{FF2B5EF4-FFF2-40B4-BE49-F238E27FC236}">
+                    <a16:creationId xmlns:a16="http://schemas.microsoft.com/office/drawing/2014/main" id="{E8ACAE7E-C529-7B43-9655-09EB062C6D4B}"/>
+                  </a:ext>
+                </a:extLst>
+              </p:cNvPr>
+              <p:cNvPicPr>
+                <a:picLocks noChangeAspect="1"/>
+              </p:cNvPicPr>
+              <p:nvPr/>
+            </p:nvPicPr>
+            <p:blipFill>
+              <a:blip r:embed="rId2">
+                <a:grayscl/>
+              </a:blip>
+              <a:stretch>
+                <a:fillRect/>
+              </a:stretch>
+            </p:blipFill>
+            <p:spPr>
+              <a:xfrm>
+                <a:off x="2207638" y="1671586"/>
+                <a:ext cx="536741" cy="517805"/>
+              </a:xfrm>
+              <a:prstGeom prst="rect">
+                <a:avLst/>
+              </a:prstGeom>
+              <a:effectLst>
+                <a:outerShdw blurRad="50800" dist="38100" dir="2700000" algn="tl" rotWithShape="0">
+                  <a:prstClr val="black">
+                    <a:alpha val="40000"/>
+                  </a:prstClr>
+                </a:outerShdw>
+              </a:effectLst>
+            </p:spPr>
+          </p:pic>
+          <p:pic>
+            <p:nvPicPr>
+              <p:cNvPr id="10" name="Picture 9">
+                <a:extLst>
+                  <a:ext uri="{FF2B5EF4-FFF2-40B4-BE49-F238E27FC236}">
+                    <a16:creationId xmlns:a16="http://schemas.microsoft.com/office/drawing/2014/main" id="{57BDFDF8-4C4F-8445-85F6-D46DA4B71C91}"/>
+                  </a:ext>
+                </a:extLst>
+              </p:cNvPr>
+              <p:cNvPicPr>
+                <a:picLocks noChangeAspect="1"/>
+              </p:cNvPicPr>
+              <p:nvPr/>
+            </p:nvPicPr>
+            <p:blipFill>
+              <a:blip r:embed="rId2">
+                <a:grayscl/>
+              </a:blip>
+              <a:stretch>
+                <a:fillRect/>
+              </a:stretch>
+            </p:blipFill>
+            <p:spPr>
+              <a:xfrm>
+                <a:off x="2843051" y="1671585"/>
+                <a:ext cx="536741" cy="517804"/>
+              </a:xfrm>
+              <a:prstGeom prst="rect">
+                <a:avLst/>
+              </a:prstGeom>
+              <a:effectLst>
+                <a:outerShdw blurRad="50800" dist="38100" dir="2700000" algn="tl" rotWithShape="0">
+                  <a:prstClr val="black">
+                    <a:alpha val="40000"/>
+                  </a:prstClr>
+                </a:outerShdw>
+              </a:effectLst>
+            </p:spPr>
+          </p:pic>
+          <p:pic>
+            <p:nvPicPr>
+              <p:cNvPr id="11" name="Picture 10">
+                <a:extLst>
+                  <a:ext uri="{FF2B5EF4-FFF2-40B4-BE49-F238E27FC236}">
+                    <a16:creationId xmlns:a16="http://schemas.microsoft.com/office/drawing/2014/main" id="{0CBEA3A0-1527-DB42-B545-9732B34D7128}"/>
+                  </a:ext>
+                </a:extLst>
+              </p:cNvPr>
+              <p:cNvPicPr>
+                <a:picLocks noChangeAspect="1"/>
+              </p:cNvPicPr>
+              <p:nvPr/>
+            </p:nvPicPr>
+            <p:blipFill>
+              <a:blip r:embed="rId2">
+                <a:grayscl/>
+              </a:blip>
+              <a:stretch>
+                <a:fillRect/>
+              </a:stretch>
+            </p:blipFill>
+            <p:spPr>
+              <a:xfrm>
+                <a:off x="3478462" y="1682670"/>
+                <a:ext cx="536741" cy="517804"/>
+              </a:xfrm>
+              <a:prstGeom prst="rect">
+                <a:avLst/>
+              </a:prstGeom>
+              <a:effectLst>
+                <a:outerShdw blurRad="50800" dist="38100" dir="2700000" algn="tl" rotWithShape="0">
+                  <a:prstClr val="black">
+                    <a:alpha val="40000"/>
+                  </a:prstClr>
+                </a:outerShdw>
+              </a:effectLst>
+            </p:spPr>
+          </p:pic>
+          <p:pic>
+            <p:nvPicPr>
+              <p:cNvPr id="12" name="Picture 11">
+                <a:extLst>
+                  <a:ext uri="{FF2B5EF4-FFF2-40B4-BE49-F238E27FC236}">
+                    <a16:creationId xmlns:a16="http://schemas.microsoft.com/office/drawing/2014/main" id="{BF821039-E1AA-564B-9ACD-3EE9DF4FC7F0}"/>
+                  </a:ext>
+                </a:extLst>
+              </p:cNvPr>
+              <p:cNvPicPr>
+                <a:picLocks noChangeAspect="1"/>
+              </p:cNvPicPr>
+              <p:nvPr/>
+            </p:nvPicPr>
+            <p:blipFill>
+              <a:blip r:embed="rId2">
+                <a:grayscl/>
+              </a:blip>
+              <a:stretch>
+                <a:fillRect/>
+              </a:stretch>
+            </p:blipFill>
+            <p:spPr>
+              <a:xfrm>
+                <a:off x="4113873" y="1682670"/>
+                <a:ext cx="536741" cy="517804"/>
+              </a:xfrm>
+              <a:prstGeom prst="rect">
+                <a:avLst/>
+              </a:prstGeom>
+              <a:effectLst>
+                <a:outerShdw blurRad="50800" dist="38100" dir="2700000" algn="tl" rotWithShape="0">
+                  <a:prstClr val="black">
+                    <a:alpha val="40000"/>
+                  </a:prstClr>
+                </a:outerShdw>
+              </a:effectLst>
+            </p:spPr>
+          </p:pic>
+          <p:sp>
+            <p:nvSpPr>
+              <p:cNvPr id="13" name="Rounded Rectangle 12">
+                <a:extLst>
+                  <a:ext uri="{FF2B5EF4-FFF2-40B4-BE49-F238E27FC236}">
+                    <a16:creationId xmlns:a16="http://schemas.microsoft.com/office/drawing/2014/main" id="{21F2A6AF-5C77-AD40-941E-D694B387C79E}"/>
+                  </a:ext>
+                </a:extLst>
+              </p:cNvPr>
+              <p:cNvSpPr/>
+              <p:nvPr/>
+            </p:nvSpPr>
+            <p:spPr>
+              <a:xfrm>
+                <a:off x="2942512" y="1250281"/>
+                <a:ext cx="969612" cy="470562"/>
+              </a:xfrm>
+              <a:prstGeom prst="roundRect">
+                <a:avLst/>
+              </a:prstGeom>
+              <a:solidFill>
+                <a:schemeClr val="accent6">
+                  <a:lumMod val="40000"/>
+                  <a:lumOff val="60000"/>
+                </a:schemeClr>
+              </a:solidFill>
+              <a:ln>
+                <a:solidFill>
+                  <a:srgbClr val="F99149"/>
+                </a:solidFill>
+              </a:ln>
+            </p:spPr>
+            <p:style>
+              <a:lnRef idx="2">
+                <a:schemeClr val="accent6">
+                  <a:shade val="50000"/>
+                </a:schemeClr>
+              </a:lnRef>
+              <a:fillRef idx="1">
+                <a:schemeClr val="accent6"/>
+              </a:fillRef>
+              <a:effectRef idx="0">
+                <a:schemeClr val="accent6"/>
+              </a:effectRef>
+              <a:fontRef idx="minor">
+                <a:schemeClr val="lt1"/>
+              </a:fontRef>
+            </p:style>
+            <p:txBody>
+              <a:bodyPr rtlCol="0" anchor="b"/>
+              <a:lstStyle/>
+              <a:p>
+                <a:pPr algn="ctr" defTabSz="514355">
+                  <a:defRPr/>
+                </a:pPr>
+                <a:endParaRPr lang="en-US" sz="1000" dirty="0">
+                  <a:solidFill>
+                    <a:schemeClr val="bg1"/>
+                  </a:solidFill>
+                </a:endParaRPr>
+              </a:p>
+            </p:txBody>
+          </p:sp>
+          <p:grpSp>
+            <p:nvGrpSpPr>
+              <p:cNvPr id="14" name="Group 13">
+                <a:extLst>
+                  <a:ext uri="{FF2B5EF4-FFF2-40B4-BE49-F238E27FC236}">
+                    <a16:creationId xmlns:a16="http://schemas.microsoft.com/office/drawing/2014/main" id="{B558D184-EC20-9F49-A80B-6FE899655D03}"/>
+                  </a:ext>
+                </a:extLst>
+              </p:cNvPr>
+              <p:cNvGrpSpPr/>
+              <p:nvPr/>
+            </p:nvGrpSpPr>
+            <p:grpSpPr>
+              <a:xfrm>
+                <a:off x="4124713" y="2341101"/>
+                <a:ext cx="487360" cy="596765"/>
+                <a:chOff x="5165387" y="2395529"/>
+                <a:chExt cx="487360" cy="596765"/>
+              </a:xfrm>
+            </p:grpSpPr>
+            <p:pic>
+              <p:nvPicPr>
+                <p:cNvPr id="55" name="Picture 54">
+                  <a:extLst>
+                    <a:ext uri="{FF2B5EF4-FFF2-40B4-BE49-F238E27FC236}">
+                      <a16:creationId xmlns:a16="http://schemas.microsoft.com/office/drawing/2014/main" id="{7E0BD6A2-E939-E347-B81A-B454292359DD}"/>
+                    </a:ext>
+                  </a:extLst>
+                </p:cNvPr>
+                <p:cNvPicPr>
+                  <a:picLocks noChangeAspect="1"/>
+                </p:cNvPicPr>
+                <p:nvPr/>
+              </p:nvPicPr>
+              <p:blipFill>
+                <a:blip r:embed="rId3">
+                  <a:grayscl/>
+                </a:blip>
+                <a:stretch>
+                  <a:fillRect/>
+                </a:stretch>
+              </p:blipFill>
+              <p:spPr>
+                <a:xfrm>
+                  <a:off x="5210784" y="2546093"/>
+                  <a:ext cx="441963" cy="446201"/>
+                </a:xfrm>
+                <a:prstGeom prst="rect">
+                  <a:avLst/>
+                </a:prstGeom>
+                <a:effectLst>
+                  <a:outerShdw blurRad="50800" dist="38100" dir="2700000" algn="tl" rotWithShape="0">
+                    <a:prstClr val="black">
+                      <a:alpha val="40000"/>
+                    </a:prstClr>
+                  </a:outerShdw>
+                </a:effectLst>
+              </p:spPr>
+            </p:pic>
+            <p:grpSp>
+              <p:nvGrpSpPr>
+                <p:cNvPr id="56" name="Group 55">
+                  <a:extLst>
+                    <a:ext uri="{FF2B5EF4-FFF2-40B4-BE49-F238E27FC236}">
+                      <a16:creationId xmlns:a16="http://schemas.microsoft.com/office/drawing/2014/main" id="{B9F6CAF0-9A33-2444-B19B-379E7C93A201}"/>
+                    </a:ext>
+                  </a:extLst>
+                </p:cNvPr>
+                <p:cNvGrpSpPr/>
+                <p:nvPr/>
+              </p:nvGrpSpPr>
+              <p:grpSpPr>
+                <a:xfrm>
+                  <a:off x="5165387" y="2395529"/>
+                  <a:ext cx="471813" cy="215444"/>
+                  <a:chOff x="5165387" y="2376073"/>
+                  <a:chExt cx="471813" cy="215444"/>
+                </a:xfrm>
+              </p:grpSpPr>
+              <p:sp>
+                <p:nvSpPr>
+                  <p:cNvPr id="57" name="Rounded Rectangle 56">
+                    <a:extLst>
+                      <a:ext uri="{FF2B5EF4-FFF2-40B4-BE49-F238E27FC236}">
+                        <a16:creationId xmlns:a16="http://schemas.microsoft.com/office/drawing/2014/main" id="{FD8CECED-773C-5E45-8C27-CE15F9F456BB}"/>
+                      </a:ext>
+                    </a:extLst>
+                  </p:cNvPr>
+                  <p:cNvSpPr/>
+                  <p:nvPr/>
+                </p:nvSpPr>
+                <p:spPr>
+                  <a:xfrm>
+                    <a:off x="5213269" y="2412459"/>
+                    <a:ext cx="423931" cy="142672"/>
+                  </a:xfrm>
+                  <a:prstGeom prst="roundRect">
+                    <a:avLst/>
+                  </a:prstGeom>
+                  <a:solidFill>
+                    <a:schemeClr val="accent6">
+                      <a:lumMod val="40000"/>
+                      <a:lumOff val="60000"/>
+                    </a:schemeClr>
+                  </a:solidFill>
+                  <a:ln>
+                    <a:noFill/>
+                  </a:ln>
+                </p:spPr>
+                <p:style>
+                  <a:lnRef idx="1">
+                    <a:schemeClr val="accent6"/>
+                  </a:lnRef>
+                  <a:fillRef idx="3">
+                    <a:schemeClr val="accent6"/>
+                  </a:fillRef>
+                  <a:effectRef idx="2">
+                    <a:schemeClr val="accent6"/>
+                  </a:effectRef>
+                  <a:fontRef idx="minor">
+                    <a:schemeClr val="lt1"/>
+                  </a:fontRef>
+                </p:style>
+                <p:txBody>
+                  <a:bodyPr rtlCol="0" anchor="ctr"/>
+                  <a:lstStyle/>
+                  <a:p>
+                    <a:pPr algn="ctr"/>
+                    <a:endParaRPr lang="en-US" sz="800" dirty="0">
+                      <a:solidFill>
+                        <a:srgbClr val="000000"/>
+                      </a:solidFill>
+                      <a:latin typeface="Calibri" charset="0"/>
+                      <a:ea typeface="Calibri" charset="0"/>
+                      <a:cs typeface="Calibri" charset="0"/>
+                    </a:endParaRPr>
+                  </a:p>
+                </p:txBody>
+              </p:sp>
+              <p:sp>
+                <p:nvSpPr>
+                  <p:cNvPr id="58" name="TextBox 57">
+                    <a:extLst>
+                      <a:ext uri="{FF2B5EF4-FFF2-40B4-BE49-F238E27FC236}">
+                        <a16:creationId xmlns:a16="http://schemas.microsoft.com/office/drawing/2014/main" id="{B93EEE0B-49B9-1444-917D-D716E1010050}"/>
+                      </a:ext>
+                    </a:extLst>
+                  </p:cNvPr>
+                  <p:cNvSpPr txBox="1"/>
+                  <p:nvPr/>
+                </p:nvSpPr>
+                <p:spPr>
+                  <a:xfrm>
+                    <a:off x="5165387" y="2376073"/>
+                    <a:ext cx="184731" cy="215444"/>
+                  </a:xfrm>
+                  <a:prstGeom prst="rect">
+                    <a:avLst/>
+                  </a:prstGeom>
+                  <a:noFill/>
+                </p:spPr>
+                <p:txBody>
+                  <a:bodyPr wrap="none" rtlCol="0">
+                    <a:spAutoFit/>
+                  </a:bodyPr>
+                  <a:lstStyle/>
+                  <a:p>
+                    <a:endParaRPr lang="en-US" sz="800" dirty="0">
+                      <a:latin typeface="Calibri" charset="0"/>
+                      <a:ea typeface="Calibri" charset="0"/>
+                      <a:cs typeface="Calibri" charset="0"/>
+                    </a:endParaRPr>
+                  </a:p>
+                </p:txBody>
+              </p:sp>
+            </p:grpSp>
+          </p:grpSp>
+          <p:grpSp>
+            <p:nvGrpSpPr>
+              <p:cNvPr id="15" name="Group 14">
+                <a:extLst>
+                  <a:ext uri="{FF2B5EF4-FFF2-40B4-BE49-F238E27FC236}">
+                    <a16:creationId xmlns:a16="http://schemas.microsoft.com/office/drawing/2014/main" id="{D931BF37-5F38-9F48-BDF3-23AA506E12D6}"/>
+                  </a:ext>
+                </a:extLst>
+              </p:cNvPr>
+              <p:cNvGrpSpPr/>
+              <p:nvPr/>
+            </p:nvGrpSpPr>
+            <p:grpSpPr>
+              <a:xfrm>
+                <a:off x="2849938" y="2351987"/>
+                <a:ext cx="487360" cy="596765"/>
+                <a:chOff x="5165387" y="2395529"/>
+                <a:chExt cx="487360" cy="596765"/>
+              </a:xfrm>
+            </p:grpSpPr>
+            <p:pic>
+              <p:nvPicPr>
+                <p:cNvPr id="51" name="Picture 50">
+                  <a:extLst>
+                    <a:ext uri="{FF2B5EF4-FFF2-40B4-BE49-F238E27FC236}">
+                      <a16:creationId xmlns:a16="http://schemas.microsoft.com/office/drawing/2014/main" id="{2BCE02A7-77B6-9541-804B-3E2E5D1C076F}"/>
+                    </a:ext>
+                  </a:extLst>
+                </p:cNvPr>
+                <p:cNvPicPr>
+                  <a:picLocks noChangeAspect="1"/>
+                </p:cNvPicPr>
+                <p:nvPr/>
+              </p:nvPicPr>
+              <p:blipFill>
+                <a:blip r:embed="rId3">
+                  <a:grayscl/>
+                </a:blip>
+                <a:stretch>
+                  <a:fillRect/>
+                </a:stretch>
+              </p:blipFill>
+              <p:spPr>
+                <a:xfrm>
+                  <a:off x="5210784" y="2546093"/>
+                  <a:ext cx="441963" cy="446201"/>
+                </a:xfrm>
+                <a:prstGeom prst="rect">
+                  <a:avLst/>
+                </a:prstGeom>
+                <a:effectLst>
+                  <a:outerShdw blurRad="50800" dist="38100" dir="2700000" algn="tl" rotWithShape="0">
+                    <a:prstClr val="black">
+                      <a:alpha val="40000"/>
+                    </a:prstClr>
+                  </a:outerShdw>
+                </a:effectLst>
+              </p:spPr>
+            </p:pic>
+            <p:grpSp>
+              <p:nvGrpSpPr>
+                <p:cNvPr id="52" name="Group 51">
+                  <a:extLst>
+                    <a:ext uri="{FF2B5EF4-FFF2-40B4-BE49-F238E27FC236}">
+                      <a16:creationId xmlns:a16="http://schemas.microsoft.com/office/drawing/2014/main" id="{7536B1E7-3F5C-4C44-BB16-B29BFA0794AE}"/>
+                    </a:ext>
+                  </a:extLst>
+                </p:cNvPr>
+                <p:cNvGrpSpPr/>
+                <p:nvPr/>
+              </p:nvGrpSpPr>
+              <p:grpSpPr>
+                <a:xfrm>
+                  <a:off x="5165387" y="2395529"/>
+                  <a:ext cx="471813" cy="215444"/>
+                  <a:chOff x="5165387" y="2376073"/>
+                  <a:chExt cx="471813" cy="215444"/>
+                </a:xfrm>
+              </p:grpSpPr>
+              <p:sp>
+                <p:nvSpPr>
+                  <p:cNvPr id="53" name="Rounded Rectangle 52">
+                    <a:extLst>
+                      <a:ext uri="{FF2B5EF4-FFF2-40B4-BE49-F238E27FC236}">
+                        <a16:creationId xmlns:a16="http://schemas.microsoft.com/office/drawing/2014/main" id="{95AA28F0-A872-5A44-B497-F457048E5FF2}"/>
+                      </a:ext>
+                    </a:extLst>
+                  </p:cNvPr>
+                  <p:cNvSpPr/>
+                  <p:nvPr/>
+                </p:nvSpPr>
+                <p:spPr>
+                  <a:xfrm>
+                    <a:off x="5213269" y="2412459"/>
+                    <a:ext cx="423931" cy="142672"/>
+                  </a:xfrm>
+                  <a:prstGeom prst="roundRect">
+                    <a:avLst/>
+                  </a:prstGeom>
+                  <a:solidFill>
+                    <a:schemeClr val="accent6">
+                      <a:lumMod val="40000"/>
+                      <a:lumOff val="60000"/>
+                    </a:schemeClr>
+                  </a:solidFill>
+                  <a:ln>
+                    <a:noFill/>
+                  </a:ln>
+                </p:spPr>
+                <p:style>
+                  <a:lnRef idx="1">
+                    <a:schemeClr val="accent6"/>
+                  </a:lnRef>
+                  <a:fillRef idx="3">
+                    <a:schemeClr val="accent6"/>
+                  </a:fillRef>
+                  <a:effectRef idx="2">
+                    <a:schemeClr val="accent6"/>
+                  </a:effectRef>
+                  <a:fontRef idx="minor">
+                    <a:schemeClr val="lt1"/>
+                  </a:fontRef>
+                </p:style>
+                <p:txBody>
+                  <a:bodyPr rtlCol="0" anchor="ctr"/>
+                  <a:lstStyle/>
+                  <a:p>
+                    <a:pPr algn="ctr"/>
+                    <a:endParaRPr lang="en-US" sz="800" dirty="0">
+                      <a:solidFill>
+                        <a:srgbClr val="000000"/>
+                      </a:solidFill>
+                      <a:latin typeface="Calibri" charset="0"/>
+                      <a:ea typeface="Calibri" charset="0"/>
+                      <a:cs typeface="Calibri" charset="0"/>
+                    </a:endParaRPr>
+                  </a:p>
+                </p:txBody>
+              </p:sp>
+              <p:sp>
+                <p:nvSpPr>
+                  <p:cNvPr id="54" name="TextBox 53">
+                    <a:extLst>
+                      <a:ext uri="{FF2B5EF4-FFF2-40B4-BE49-F238E27FC236}">
+                        <a16:creationId xmlns:a16="http://schemas.microsoft.com/office/drawing/2014/main" id="{DFE00A3F-9C2C-F742-B707-E17AE38653B4}"/>
+                      </a:ext>
+                    </a:extLst>
+                  </p:cNvPr>
+                  <p:cNvSpPr txBox="1"/>
+                  <p:nvPr/>
+                </p:nvSpPr>
+                <p:spPr>
+                  <a:xfrm>
+                    <a:off x="5165387" y="2376073"/>
+                    <a:ext cx="184731" cy="215444"/>
+                  </a:xfrm>
+                  <a:prstGeom prst="rect">
+                    <a:avLst/>
+                  </a:prstGeom>
+                  <a:noFill/>
+                </p:spPr>
+                <p:txBody>
+                  <a:bodyPr wrap="none" rtlCol="0">
+                    <a:spAutoFit/>
+                  </a:bodyPr>
+                  <a:lstStyle/>
+                  <a:p>
+                    <a:endParaRPr lang="en-US" sz="800" dirty="0">
+                      <a:latin typeface="Calibri" charset="0"/>
+                      <a:ea typeface="Calibri" charset="0"/>
+                      <a:cs typeface="Calibri" charset="0"/>
+                    </a:endParaRPr>
+                  </a:p>
+                </p:txBody>
+              </p:sp>
+            </p:grpSp>
+          </p:grpSp>
+          <p:grpSp>
+            <p:nvGrpSpPr>
+              <p:cNvPr id="16" name="Group 15">
+                <a:extLst>
+                  <a:ext uri="{FF2B5EF4-FFF2-40B4-BE49-F238E27FC236}">
+                    <a16:creationId xmlns:a16="http://schemas.microsoft.com/office/drawing/2014/main" id="{CA44C826-12B3-0C4E-B7C0-4A9E87F5FF4C}"/>
+                  </a:ext>
+                </a:extLst>
+              </p:cNvPr>
+              <p:cNvGrpSpPr/>
+              <p:nvPr/>
+            </p:nvGrpSpPr>
+            <p:grpSpPr>
+              <a:xfrm>
+                <a:off x="2217192" y="2341100"/>
+                <a:ext cx="487360" cy="596765"/>
+                <a:chOff x="5165387" y="2395529"/>
+                <a:chExt cx="487360" cy="596765"/>
+              </a:xfrm>
+            </p:grpSpPr>
+            <p:pic>
+              <p:nvPicPr>
+                <p:cNvPr id="47" name="Picture 46">
+                  <a:extLst>
+                    <a:ext uri="{FF2B5EF4-FFF2-40B4-BE49-F238E27FC236}">
+                      <a16:creationId xmlns:a16="http://schemas.microsoft.com/office/drawing/2014/main" id="{27BD031C-CE2C-C54C-85BA-49C3174EDC94}"/>
+                    </a:ext>
+                  </a:extLst>
+                </p:cNvPr>
+                <p:cNvPicPr>
+                  <a:picLocks noChangeAspect="1"/>
+                </p:cNvPicPr>
+                <p:nvPr/>
+              </p:nvPicPr>
+              <p:blipFill>
+                <a:blip r:embed="rId3">
+                  <a:grayscl/>
+                </a:blip>
+                <a:stretch>
+                  <a:fillRect/>
+                </a:stretch>
+              </p:blipFill>
+              <p:spPr>
+                <a:xfrm>
+                  <a:off x="5210784" y="2546093"/>
+                  <a:ext cx="441963" cy="446201"/>
+                </a:xfrm>
+                <a:prstGeom prst="rect">
+                  <a:avLst/>
+                </a:prstGeom>
+                <a:effectLst>
+                  <a:outerShdw blurRad="50800" dist="38100" dir="2700000" algn="tl" rotWithShape="0">
+                    <a:prstClr val="black">
+                      <a:alpha val="40000"/>
+                    </a:prstClr>
+                  </a:outerShdw>
+                </a:effectLst>
+              </p:spPr>
+            </p:pic>
+            <p:grpSp>
+              <p:nvGrpSpPr>
+                <p:cNvPr id="48" name="Group 47">
+                  <a:extLst>
+                    <a:ext uri="{FF2B5EF4-FFF2-40B4-BE49-F238E27FC236}">
+                      <a16:creationId xmlns:a16="http://schemas.microsoft.com/office/drawing/2014/main" id="{9F867200-B830-8841-8BBB-AA0F908BF15C}"/>
+                    </a:ext>
+                  </a:extLst>
+                </p:cNvPr>
+                <p:cNvGrpSpPr/>
+                <p:nvPr/>
+              </p:nvGrpSpPr>
+              <p:grpSpPr>
+                <a:xfrm>
+                  <a:off x="5165387" y="2395529"/>
+                  <a:ext cx="471813" cy="215444"/>
+                  <a:chOff x="5165387" y="2376073"/>
+                  <a:chExt cx="471813" cy="215444"/>
+                </a:xfrm>
+              </p:grpSpPr>
+              <p:sp>
+                <p:nvSpPr>
+                  <p:cNvPr id="49" name="Rounded Rectangle 48">
+                    <a:extLst>
+                      <a:ext uri="{FF2B5EF4-FFF2-40B4-BE49-F238E27FC236}">
+                        <a16:creationId xmlns:a16="http://schemas.microsoft.com/office/drawing/2014/main" id="{4D63E864-1095-164E-AE91-32D16256BDD9}"/>
+                      </a:ext>
+                    </a:extLst>
+                  </p:cNvPr>
+                  <p:cNvSpPr/>
+                  <p:nvPr/>
+                </p:nvSpPr>
+                <p:spPr>
+                  <a:xfrm>
+                    <a:off x="5213269" y="2412459"/>
+                    <a:ext cx="423931" cy="142672"/>
+                  </a:xfrm>
+                  <a:prstGeom prst="roundRect">
+                    <a:avLst/>
+                  </a:prstGeom>
+                  <a:solidFill>
+                    <a:schemeClr val="accent6">
+                      <a:lumMod val="40000"/>
+                      <a:lumOff val="60000"/>
+                    </a:schemeClr>
+                  </a:solidFill>
+                  <a:ln>
+                    <a:noFill/>
+                  </a:ln>
+                </p:spPr>
+                <p:style>
+                  <a:lnRef idx="1">
+                    <a:schemeClr val="accent6"/>
+                  </a:lnRef>
+                  <a:fillRef idx="3">
+                    <a:schemeClr val="accent6"/>
+                  </a:fillRef>
+                  <a:effectRef idx="2">
+                    <a:schemeClr val="accent6"/>
+                  </a:effectRef>
+                  <a:fontRef idx="minor">
+                    <a:schemeClr val="lt1"/>
+                  </a:fontRef>
+                </p:style>
+                <p:txBody>
+                  <a:bodyPr rtlCol="0" anchor="ctr"/>
+                  <a:lstStyle/>
+                  <a:p>
+                    <a:pPr algn="ctr"/>
+                    <a:endParaRPr lang="en-US" sz="800" dirty="0">
+                      <a:solidFill>
+                        <a:srgbClr val="000000"/>
+                      </a:solidFill>
+                      <a:latin typeface="Calibri" charset="0"/>
+                      <a:ea typeface="Calibri" charset="0"/>
+                      <a:cs typeface="Calibri" charset="0"/>
+                    </a:endParaRPr>
+                  </a:p>
+                </p:txBody>
+              </p:sp>
+              <p:sp>
+                <p:nvSpPr>
+                  <p:cNvPr id="50" name="TextBox 49">
+                    <a:extLst>
+                      <a:ext uri="{FF2B5EF4-FFF2-40B4-BE49-F238E27FC236}">
+                        <a16:creationId xmlns:a16="http://schemas.microsoft.com/office/drawing/2014/main" id="{74A6BAF9-F870-8F4A-B7BD-1AEA9886110D}"/>
+                      </a:ext>
+                    </a:extLst>
+                  </p:cNvPr>
+                  <p:cNvSpPr txBox="1"/>
+                  <p:nvPr/>
+                </p:nvSpPr>
+                <p:spPr>
+                  <a:xfrm>
+                    <a:off x="5165387" y="2376073"/>
+                    <a:ext cx="184731" cy="215444"/>
+                  </a:xfrm>
+                  <a:prstGeom prst="rect">
+                    <a:avLst/>
+                  </a:prstGeom>
+                  <a:noFill/>
+                </p:spPr>
+                <p:txBody>
+                  <a:bodyPr wrap="none" rtlCol="0">
+                    <a:spAutoFit/>
+                  </a:bodyPr>
+                  <a:lstStyle/>
+                  <a:p>
+                    <a:endParaRPr lang="en-US" sz="800" dirty="0">
+                      <a:latin typeface="Calibri" charset="0"/>
+                      <a:ea typeface="Calibri" charset="0"/>
+                      <a:cs typeface="Calibri" charset="0"/>
+                    </a:endParaRPr>
+                  </a:p>
+                </p:txBody>
+              </p:sp>
+            </p:grpSp>
+          </p:grpSp>
+          <p:grpSp>
+            <p:nvGrpSpPr>
+              <p:cNvPr id="17" name="Group 16">
+                <a:extLst>
+                  <a:ext uri="{FF2B5EF4-FFF2-40B4-BE49-F238E27FC236}">
+                    <a16:creationId xmlns:a16="http://schemas.microsoft.com/office/drawing/2014/main" id="{1603C4A8-90E2-7045-8F80-C0BDC2AEB2E0}"/>
+                  </a:ext>
+                </a:extLst>
+              </p:cNvPr>
+              <p:cNvGrpSpPr/>
+              <p:nvPr/>
+            </p:nvGrpSpPr>
+            <p:grpSpPr>
+              <a:xfrm>
+                <a:off x="2534595" y="3270740"/>
+                <a:ext cx="487360" cy="596765"/>
+                <a:chOff x="5165387" y="2395529"/>
+                <a:chExt cx="487360" cy="596765"/>
+              </a:xfrm>
+            </p:grpSpPr>
+            <p:pic>
+              <p:nvPicPr>
+                <p:cNvPr id="43" name="Picture 42">
+                  <a:extLst>
+                    <a:ext uri="{FF2B5EF4-FFF2-40B4-BE49-F238E27FC236}">
+                      <a16:creationId xmlns:a16="http://schemas.microsoft.com/office/drawing/2014/main" id="{A62470FF-F8B2-AE42-BA4B-CB9F3EC754E9}"/>
+                    </a:ext>
+                  </a:extLst>
+                </p:cNvPr>
+                <p:cNvPicPr>
+                  <a:picLocks noChangeAspect="1"/>
+                </p:cNvPicPr>
+                <p:nvPr/>
+              </p:nvPicPr>
+              <p:blipFill>
+                <a:blip r:embed="rId3">
+                  <a:grayscl/>
+                </a:blip>
+                <a:stretch>
+                  <a:fillRect/>
+                </a:stretch>
+              </p:blipFill>
+              <p:spPr>
+                <a:xfrm>
+                  <a:off x="5210784" y="2546093"/>
+                  <a:ext cx="441963" cy="446201"/>
+                </a:xfrm>
+                <a:prstGeom prst="rect">
+                  <a:avLst/>
+                </a:prstGeom>
+                <a:effectLst>
+                  <a:outerShdw blurRad="50800" dist="38100" dir="2700000" algn="tl" rotWithShape="0">
+                    <a:prstClr val="black">
+                      <a:alpha val="40000"/>
+                    </a:prstClr>
+                  </a:outerShdw>
+                </a:effectLst>
+              </p:spPr>
+            </p:pic>
+            <p:grpSp>
+              <p:nvGrpSpPr>
+                <p:cNvPr id="44" name="Group 43">
+                  <a:extLst>
+                    <a:ext uri="{FF2B5EF4-FFF2-40B4-BE49-F238E27FC236}">
+                      <a16:creationId xmlns:a16="http://schemas.microsoft.com/office/drawing/2014/main" id="{6BB0BAB4-6591-A046-AB02-D6FA3EFEC726}"/>
+                    </a:ext>
+                  </a:extLst>
+                </p:cNvPr>
+                <p:cNvGrpSpPr/>
+                <p:nvPr/>
+              </p:nvGrpSpPr>
+              <p:grpSpPr>
+                <a:xfrm>
+                  <a:off x="5165387" y="2395529"/>
+                  <a:ext cx="471813" cy="215444"/>
+                  <a:chOff x="5165387" y="2376073"/>
+                  <a:chExt cx="471813" cy="215444"/>
+                </a:xfrm>
+              </p:grpSpPr>
+              <p:sp>
+                <p:nvSpPr>
+                  <p:cNvPr id="45" name="Rounded Rectangle 44">
+                    <a:extLst>
+                      <a:ext uri="{FF2B5EF4-FFF2-40B4-BE49-F238E27FC236}">
+                        <a16:creationId xmlns:a16="http://schemas.microsoft.com/office/drawing/2014/main" id="{99585B7C-DABD-9346-B56E-16EE20331E26}"/>
+                      </a:ext>
+                    </a:extLst>
+                  </p:cNvPr>
+                  <p:cNvSpPr/>
+                  <p:nvPr/>
+                </p:nvSpPr>
+                <p:spPr>
+                  <a:xfrm>
+                    <a:off x="5213269" y="2412459"/>
+                    <a:ext cx="423931" cy="142672"/>
+                  </a:xfrm>
+                  <a:prstGeom prst="roundRect">
+                    <a:avLst/>
+                  </a:prstGeom>
+                  <a:solidFill>
+                    <a:schemeClr val="accent6">
+                      <a:lumMod val="40000"/>
+                      <a:lumOff val="60000"/>
+                    </a:schemeClr>
+                  </a:solidFill>
+                  <a:ln>
+                    <a:noFill/>
+                  </a:ln>
+                </p:spPr>
+                <p:style>
+                  <a:lnRef idx="1">
+                    <a:schemeClr val="accent6"/>
+                  </a:lnRef>
+                  <a:fillRef idx="3">
+                    <a:schemeClr val="accent6"/>
+                  </a:fillRef>
+                  <a:effectRef idx="2">
+                    <a:schemeClr val="accent6"/>
+                  </a:effectRef>
+                  <a:fontRef idx="minor">
+                    <a:schemeClr val="lt1"/>
+                  </a:fontRef>
+                </p:style>
+                <p:txBody>
+                  <a:bodyPr rtlCol="0" anchor="ctr"/>
+                  <a:lstStyle/>
+                  <a:p>
+                    <a:pPr algn="ctr"/>
+                    <a:endParaRPr lang="en-US" sz="800" dirty="0">
+                      <a:solidFill>
+                        <a:srgbClr val="000000"/>
+                      </a:solidFill>
+                      <a:latin typeface="Calibri" charset="0"/>
+                      <a:ea typeface="Calibri" charset="0"/>
+                      <a:cs typeface="Calibri" charset="0"/>
+                    </a:endParaRPr>
+                  </a:p>
+                </p:txBody>
+              </p:sp>
+              <p:sp>
+                <p:nvSpPr>
+                  <p:cNvPr id="46" name="TextBox 45">
+                    <a:extLst>
+                      <a:ext uri="{FF2B5EF4-FFF2-40B4-BE49-F238E27FC236}">
+                        <a16:creationId xmlns:a16="http://schemas.microsoft.com/office/drawing/2014/main" id="{3449625B-1059-4942-8552-1DBE84FD82DB}"/>
+                      </a:ext>
+                    </a:extLst>
+                  </p:cNvPr>
+                  <p:cNvSpPr txBox="1"/>
+                  <p:nvPr/>
+                </p:nvSpPr>
+                <p:spPr>
+                  <a:xfrm>
+                    <a:off x="5165387" y="2376073"/>
+                    <a:ext cx="184731" cy="215444"/>
+                  </a:xfrm>
+                  <a:prstGeom prst="rect">
+                    <a:avLst/>
+                  </a:prstGeom>
+                  <a:noFill/>
+                </p:spPr>
+                <p:txBody>
+                  <a:bodyPr wrap="none" rtlCol="0">
+                    <a:spAutoFit/>
+                  </a:bodyPr>
+                  <a:lstStyle/>
+                  <a:p>
+                    <a:endParaRPr lang="en-US" sz="800" dirty="0">
+                      <a:latin typeface="Calibri" charset="0"/>
+                      <a:ea typeface="Calibri" charset="0"/>
+                      <a:cs typeface="Calibri" charset="0"/>
+                    </a:endParaRPr>
+                  </a:p>
+                </p:txBody>
+              </p:sp>
+            </p:grpSp>
+          </p:grpSp>
+          <p:grpSp>
+            <p:nvGrpSpPr>
+              <p:cNvPr id="18" name="Group 17">
+                <a:extLst>
+                  <a:ext uri="{FF2B5EF4-FFF2-40B4-BE49-F238E27FC236}">
+                    <a16:creationId xmlns:a16="http://schemas.microsoft.com/office/drawing/2014/main" id="{B29CE853-8F39-6745-AACC-C34CE0832852}"/>
+                  </a:ext>
+                </a:extLst>
+              </p:cNvPr>
+              <p:cNvGrpSpPr/>
+              <p:nvPr/>
+            </p:nvGrpSpPr>
+            <p:grpSpPr>
+              <a:xfrm>
+                <a:off x="3652276" y="3272917"/>
+                <a:ext cx="487360" cy="596765"/>
+                <a:chOff x="5165387" y="2395529"/>
+                <a:chExt cx="487360" cy="596765"/>
+              </a:xfrm>
+            </p:grpSpPr>
+            <p:pic>
+              <p:nvPicPr>
+                <p:cNvPr id="39" name="Picture 38">
+                  <a:extLst>
+                    <a:ext uri="{FF2B5EF4-FFF2-40B4-BE49-F238E27FC236}">
+                      <a16:creationId xmlns:a16="http://schemas.microsoft.com/office/drawing/2014/main" id="{3A744520-9265-D942-B0ED-D4917B09CB3B}"/>
+                    </a:ext>
+                  </a:extLst>
+                </p:cNvPr>
+                <p:cNvPicPr>
+                  <a:picLocks noChangeAspect="1"/>
+                </p:cNvPicPr>
+                <p:nvPr/>
+              </p:nvPicPr>
+              <p:blipFill>
+                <a:blip r:embed="rId3">
+                  <a:grayscl/>
+                </a:blip>
+                <a:stretch>
+                  <a:fillRect/>
+                </a:stretch>
+              </p:blipFill>
+              <p:spPr>
+                <a:xfrm>
+                  <a:off x="5210784" y="2546093"/>
+                  <a:ext cx="441963" cy="446201"/>
+                </a:xfrm>
+                <a:prstGeom prst="rect">
+                  <a:avLst/>
+                </a:prstGeom>
+                <a:effectLst>
+                  <a:outerShdw blurRad="50800" dist="38100" dir="2700000" algn="tl" rotWithShape="0">
+                    <a:prstClr val="black">
+                      <a:alpha val="40000"/>
+                    </a:prstClr>
+                  </a:outerShdw>
+                </a:effectLst>
+              </p:spPr>
+            </p:pic>
+            <p:grpSp>
+              <p:nvGrpSpPr>
+                <p:cNvPr id="40" name="Group 39">
+                  <a:extLst>
+                    <a:ext uri="{FF2B5EF4-FFF2-40B4-BE49-F238E27FC236}">
+                      <a16:creationId xmlns:a16="http://schemas.microsoft.com/office/drawing/2014/main" id="{4FFFDD2E-84BA-8F42-BD4C-894AEEC7D8B5}"/>
+                    </a:ext>
+                  </a:extLst>
+                </p:cNvPr>
+                <p:cNvGrpSpPr/>
+                <p:nvPr/>
+              </p:nvGrpSpPr>
+              <p:grpSpPr>
+                <a:xfrm>
+                  <a:off x="5165387" y="2395529"/>
+                  <a:ext cx="471813" cy="215444"/>
+                  <a:chOff x="5165387" y="2376073"/>
+                  <a:chExt cx="471813" cy="215444"/>
+                </a:xfrm>
+              </p:grpSpPr>
+              <p:sp>
+                <p:nvSpPr>
+                  <p:cNvPr id="41" name="Rounded Rectangle 40">
+                    <a:extLst>
+                      <a:ext uri="{FF2B5EF4-FFF2-40B4-BE49-F238E27FC236}">
+                        <a16:creationId xmlns:a16="http://schemas.microsoft.com/office/drawing/2014/main" id="{BC08D765-7A85-EC4E-9C53-71AAFF5DEFEC}"/>
+                      </a:ext>
+                    </a:extLst>
+                  </p:cNvPr>
+                  <p:cNvSpPr/>
+                  <p:nvPr/>
+                </p:nvSpPr>
+                <p:spPr>
+                  <a:xfrm>
+                    <a:off x="5213269" y="2412459"/>
+                    <a:ext cx="423931" cy="142672"/>
+                  </a:xfrm>
+                  <a:prstGeom prst="roundRect">
+                    <a:avLst/>
+                  </a:prstGeom>
+                  <a:solidFill>
+                    <a:schemeClr val="accent6">
+                      <a:lumMod val="40000"/>
+                      <a:lumOff val="60000"/>
+                    </a:schemeClr>
+                  </a:solidFill>
+                  <a:ln>
+                    <a:noFill/>
+                  </a:ln>
+                </p:spPr>
+                <p:style>
+                  <a:lnRef idx="1">
+                    <a:schemeClr val="accent6"/>
+                  </a:lnRef>
+                  <a:fillRef idx="3">
+                    <a:schemeClr val="accent6"/>
+                  </a:fillRef>
+                  <a:effectRef idx="2">
+                    <a:schemeClr val="accent6"/>
+                  </a:effectRef>
+                  <a:fontRef idx="minor">
+                    <a:schemeClr val="lt1"/>
+                  </a:fontRef>
+                </p:style>
+                <p:txBody>
+                  <a:bodyPr rtlCol="0" anchor="ctr"/>
+                  <a:lstStyle/>
+                  <a:p>
+                    <a:pPr algn="ctr"/>
+                    <a:endParaRPr lang="en-US" sz="800" dirty="0">
+                      <a:solidFill>
+                        <a:srgbClr val="000000"/>
+                      </a:solidFill>
+                      <a:latin typeface="Calibri" charset="0"/>
+                      <a:ea typeface="Calibri" charset="0"/>
+                      <a:cs typeface="Calibri" charset="0"/>
+                    </a:endParaRPr>
+                  </a:p>
+                </p:txBody>
+              </p:sp>
+              <p:sp>
+                <p:nvSpPr>
+                  <p:cNvPr id="42" name="TextBox 41">
+                    <a:extLst>
+                      <a:ext uri="{FF2B5EF4-FFF2-40B4-BE49-F238E27FC236}">
+                        <a16:creationId xmlns:a16="http://schemas.microsoft.com/office/drawing/2014/main" id="{E553B86C-9885-7047-A015-C9F02DDA28C1}"/>
+                      </a:ext>
+                    </a:extLst>
+                  </p:cNvPr>
+                  <p:cNvSpPr txBox="1"/>
+                  <p:nvPr/>
+                </p:nvSpPr>
+                <p:spPr>
+                  <a:xfrm>
+                    <a:off x="5165387" y="2376073"/>
+                    <a:ext cx="184731" cy="215444"/>
+                  </a:xfrm>
+                  <a:prstGeom prst="rect">
+                    <a:avLst/>
+                  </a:prstGeom>
+                  <a:noFill/>
+                </p:spPr>
+                <p:txBody>
+                  <a:bodyPr wrap="none" rtlCol="0">
+                    <a:spAutoFit/>
+                  </a:bodyPr>
+                  <a:lstStyle/>
+                  <a:p>
+                    <a:endParaRPr lang="en-US" sz="800" dirty="0">
+                      <a:latin typeface="Calibri" charset="0"/>
+                      <a:ea typeface="Calibri" charset="0"/>
+                      <a:cs typeface="Calibri" charset="0"/>
+                    </a:endParaRPr>
+                  </a:p>
+                </p:txBody>
+              </p:sp>
+            </p:grpSp>
+          </p:grpSp>
+          <p:cxnSp>
+            <p:nvCxnSpPr>
+              <p:cNvPr id="19" name="Straight Connector 18">
+                <a:extLst>
+                  <a:ext uri="{FF2B5EF4-FFF2-40B4-BE49-F238E27FC236}">
+                    <a16:creationId xmlns:a16="http://schemas.microsoft.com/office/drawing/2014/main" id="{A7D7E5EB-4C96-7448-88CF-B35323C3E9EB}"/>
+                  </a:ext>
+                </a:extLst>
+              </p:cNvPr>
+              <p:cNvCxnSpPr>
+                <a:cxnSpLocks/>
+              </p:cNvCxnSpPr>
+              <p:nvPr/>
+            </p:nvCxnSpPr>
+            <p:spPr>
+              <a:xfrm flipH="1" flipV="1">
+                <a:off x="2483571" y="2937866"/>
+                <a:ext cx="1428552" cy="343761"/>
+              </a:xfrm>
+              <a:prstGeom prst="line">
+                <a:avLst/>
+              </a:prstGeom>
+              <a:noFill/>
+              <a:ln w="19050" cap="flat" cmpd="sng" algn="ctr">
+                <a:solidFill>
+                  <a:srgbClr val="000000">
+                    <a:alpha val="50000"/>
+                  </a:srgbClr>
+                </a:solidFill>
+                <a:prstDash val="solid"/>
+              </a:ln>
+              <a:effectLst/>
+            </p:spPr>
+          </p:cxnSp>
+          <p:cxnSp>
+            <p:nvCxnSpPr>
+              <p:cNvPr id="20" name="Straight Connector 19">
+                <a:extLst>
+                  <a:ext uri="{FF2B5EF4-FFF2-40B4-BE49-F238E27FC236}">
+                    <a16:creationId xmlns:a16="http://schemas.microsoft.com/office/drawing/2014/main" id="{0EFF1C9F-3737-D84E-B2C5-D6AE5C85789C}"/>
+                  </a:ext>
+                </a:extLst>
+              </p:cNvPr>
+              <p:cNvCxnSpPr>
+                <a:cxnSpLocks/>
+              </p:cNvCxnSpPr>
+              <p:nvPr/>
+            </p:nvCxnSpPr>
+            <p:spPr>
+              <a:xfrm flipV="1">
+                <a:off x="3933707" y="2937866"/>
+                <a:ext cx="457385" cy="345935"/>
+              </a:xfrm>
+              <a:prstGeom prst="line">
+                <a:avLst/>
+              </a:prstGeom>
+              <a:noFill/>
+              <a:ln w="19050" cap="flat" cmpd="sng" algn="ctr">
+                <a:solidFill>
+                  <a:srgbClr val="000000">
+                    <a:alpha val="50000"/>
+                  </a:srgbClr>
+                </a:solidFill>
+                <a:prstDash val="solid"/>
+              </a:ln>
+              <a:effectLst/>
+            </p:spPr>
+          </p:cxnSp>
+          <p:grpSp>
+            <p:nvGrpSpPr>
+              <p:cNvPr id="21" name="Group 20">
+                <a:extLst>
+                  <a:ext uri="{FF2B5EF4-FFF2-40B4-BE49-F238E27FC236}">
+                    <a16:creationId xmlns:a16="http://schemas.microsoft.com/office/drawing/2014/main" id="{900DDD75-4750-714A-A9DC-9788CFDCAF87}"/>
+                  </a:ext>
+                </a:extLst>
+              </p:cNvPr>
+              <p:cNvGrpSpPr/>
+              <p:nvPr/>
+            </p:nvGrpSpPr>
+            <p:grpSpPr>
+              <a:xfrm>
+                <a:off x="3493685" y="2362872"/>
+                <a:ext cx="487360" cy="596765"/>
+                <a:chOff x="5165387" y="2395529"/>
+                <a:chExt cx="487360" cy="596765"/>
+              </a:xfrm>
+            </p:grpSpPr>
+            <p:pic>
+              <p:nvPicPr>
+                <p:cNvPr id="35" name="Picture 34">
+                  <a:extLst>
+                    <a:ext uri="{FF2B5EF4-FFF2-40B4-BE49-F238E27FC236}">
+                      <a16:creationId xmlns:a16="http://schemas.microsoft.com/office/drawing/2014/main" id="{B65983AF-3607-AE46-9137-6F85AE5FB4B3}"/>
+                    </a:ext>
+                  </a:extLst>
+                </p:cNvPr>
+                <p:cNvPicPr>
+                  <a:picLocks noChangeAspect="1"/>
+                </p:cNvPicPr>
+                <p:nvPr/>
+              </p:nvPicPr>
+              <p:blipFill>
+                <a:blip r:embed="rId3">
+                  <a:grayscl/>
+                </a:blip>
+                <a:stretch>
+                  <a:fillRect/>
+                </a:stretch>
+              </p:blipFill>
+              <p:spPr>
+                <a:xfrm>
+                  <a:off x="5210784" y="2546093"/>
+                  <a:ext cx="441963" cy="446201"/>
+                </a:xfrm>
+                <a:prstGeom prst="rect">
+                  <a:avLst/>
+                </a:prstGeom>
+                <a:effectLst>
+                  <a:outerShdw blurRad="50800" dist="38100" dir="2700000" algn="tl" rotWithShape="0">
+                    <a:prstClr val="black">
+                      <a:alpha val="40000"/>
+                    </a:prstClr>
+                  </a:outerShdw>
+                </a:effectLst>
+              </p:spPr>
+            </p:pic>
+            <p:grpSp>
+              <p:nvGrpSpPr>
+                <p:cNvPr id="36" name="Group 35">
+                  <a:extLst>
+                    <a:ext uri="{FF2B5EF4-FFF2-40B4-BE49-F238E27FC236}">
+                      <a16:creationId xmlns:a16="http://schemas.microsoft.com/office/drawing/2014/main" id="{50A89D13-9B00-AB44-BF3F-4F133723291C}"/>
+                    </a:ext>
+                  </a:extLst>
+                </p:cNvPr>
+                <p:cNvGrpSpPr/>
+                <p:nvPr/>
+              </p:nvGrpSpPr>
+              <p:grpSpPr>
+                <a:xfrm>
+                  <a:off x="5165387" y="2395529"/>
+                  <a:ext cx="471813" cy="215444"/>
+                  <a:chOff x="5165387" y="2376073"/>
+                  <a:chExt cx="471813" cy="215444"/>
+                </a:xfrm>
+              </p:grpSpPr>
+              <p:sp>
+                <p:nvSpPr>
+                  <p:cNvPr id="37" name="Rounded Rectangle 36">
+                    <a:extLst>
+                      <a:ext uri="{FF2B5EF4-FFF2-40B4-BE49-F238E27FC236}">
+                        <a16:creationId xmlns:a16="http://schemas.microsoft.com/office/drawing/2014/main" id="{DD7B3936-203D-834C-BB4B-8313918F70A6}"/>
+                      </a:ext>
+                    </a:extLst>
+                  </p:cNvPr>
+                  <p:cNvSpPr/>
+                  <p:nvPr/>
+                </p:nvSpPr>
+                <p:spPr>
+                  <a:xfrm>
+                    <a:off x="5213269" y="2412459"/>
+                    <a:ext cx="423931" cy="142672"/>
+                  </a:xfrm>
+                  <a:prstGeom prst="roundRect">
+                    <a:avLst/>
+                  </a:prstGeom>
+                  <a:solidFill>
+                    <a:schemeClr val="accent6">
+                      <a:lumMod val="40000"/>
+                      <a:lumOff val="60000"/>
+                    </a:schemeClr>
+                  </a:solidFill>
+                  <a:ln>
+                    <a:noFill/>
+                  </a:ln>
+                </p:spPr>
+                <p:style>
+                  <a:lnRef idx="1">
+                    <a:schemeClr val="accent6"/>
+                  </a:lnRef>
+                  <a:fillRef idx="3">
+                    <a:schemeClr val="accent6"/>
+                  </a:fillRef>
+                  <a:effectRef idx="2">
+                    <a:schemeClr val="accent6"/>
+                  </a:effectRef>
+                  <a:fontRef idx="minor">
+                    <a:schemeClr val="lt1"/>
+                  </a:fontRef>
+                </p:style>
+                <p:txBody>
+                  <a:bodyPr rtlCol="0" anchor="ctr"/>
+                  <a:lstStyle/>
+                  <a:p>
+                    <a:pPr algn="ctr"/>
+                    <a:endParaRPr lang="en-US" sz="800" dirty="0">
+                      <a:solidFill>
+                        <a:srgbClr val="000000"/>
+                      </a:solidFill>
+                      <a:latin typeface="Calibri" charset="0"/>
+                      <a:ea typeface="Calibri" charset="0"/>
+                      <a:cs typeface="Calibri" charset="0"/>
+                    </a:endParaRPr>
+                  </a:p>
+                </p:txBody>
+              </p:sp>
+              <p:sp>
+                <p:nvSpPr>
+                  <p:cNvPr id="38" name="TextBox 37">
+                    <a:extLst>
+                      <a:ext uri="{FF2B5EF4-FFF2-40B4-BE49-F238E27FC236}">
+                        <a16:creationId xmlns:a16="http://schemas.microsoft.com/office/drawing/2014/main" id="{C340ED1D-2DF5-5044-BBFD-493376CC63FD}"/>
+                      </a:ext>
+                    </a:extLst>
+                  </p:cNvPr>
+                  <p:cNvSpPr txBox="1"/>
+                  <p:nvPr/>
+                </p:nvSpPr>
+                <p:spPr>
+                  <a:xfrm>
+                    <a:off x="5165387" y="2376073"/>
+                    <a:ext cx="184731" cy="215444"/>
+                  </a:xfrm>
+                  <a:prstGeom prst="rect">
+                    <a:avLst/>
+                  </a:prstGeom>
+                  <a:noFill/>
+                </p:spPr>
+                <p:txBody>
+                  <a:bodyPr wrap="none" rtlCol="0">
+                    <a:spAutoFit/>
+                  </a:bodyPr>
+                  <a:lstStyle/>
+                  <a:p>
+                    <a:endParaRPr lang="en-US" sz="800" dirty="0">
+                      <a:latin typeface="Calibri" charset="0"/>
+                      <a:ea typeface="Calibri" charset="0"/>
+                      <a:cs typeface="Calibri" charset="0"/>
+                    </a:endParaRPr>
+                  </a:p>
+                </p:txBody>
+              </p:sp>
+            </p:grpSp>
+          </p:grpSp>
+          <p:cxnSp>
+            <p:nvCxnSpPr>
+              <p:cNvPr id="22" name="Straight Connector 21">
+                <a:extLst>
+                  <a:ext uri="{FF2B5EF4-FFF2-40B4-BE49-F238E27FC236}">
+                    <a16:creationId xmlns:a16="http://schemas.microsoft.com/office/drawing/2014/main" id="{08CC931E-4384-E849-8F2D-97F540604867}"/>
+                  </a:ext>
+                </a:extLst>
+              </p:cNvPr>
+              <p:cNvCxnSpPr>
+                <a:cxnSpLocks/>
+              </p:cNvCxnSpPr>
+              <p:nvPr/>
+            </p:nvCxnSpPr>
+            <p:spPr>
+              <a:xfrm flipV="1">
+                <a:off x="2794442" y="2937866"/>
+                <a:ext cx="1596651" cy="343761"/>
+              </a:xfrm>
+              <a:prstGeom prst="line">
+                <a:avLst/>
+              </a:prstGeom>
+              <a:noFill/>
+              <a:ln w="19050" cap="flat" cmpd="sng" algn="ctr">
+                <a:solidFill>
+                  <a:srgbClr val="000000">
+                    <a:alpha val="50000"/>
+                  </a:srgbClr>
+                </a:solidFill>
+                <a:prstDash val="solid"/>
+              </a:ln>
+              <a:effectLst/>
+            </p:spPr>
+          </p:cxnSp>
+          <p:cxnSp>
+            <p:nvCxnSpPr>
+              <p:cNvPr id="23" name="Straight Connector 22">
+                <a:extLst>
+                  <a:ext uri="{FF2B5EF4-FFF2-40B4-BE49-F238E27FC236}">
+                    <a16:creationId xmlns:a16="http://schemas.microsoft.com/office/drawing/2014/main" id="{AA1E0911-0F59-F344-8113-29563900D36B}"/>
+                  </a:ext>
+                </a:extLst>
+              </p:cNvPr>
+              <p:cNvCxnSpPr>
+                <a:cxnSpLocks/>
+              </p:cNvCxnSpPr>
+              <p:nvPr/>
+            </p:nvCxnSpPr>
+            <p:spPr>
+              <a:xfrm flipV="1">
+                <a:off x="2849938" y="2959639"/>
+                <a:ext cx="910126" cy="321988"/>
+              </a:xfrm>
+              <a:prstGeom prst="line">
+                <a:avLst/>
+              </a:prstGeom>
+              <a:noFill/>
+              <a:ln w="19050" cap="flat" cmpd="sng" algn="ctr">
+                <a:solidFill>
+                  <a:srgbClr val="000000">
+                    <a:alpha val="50000"/>
+                  </a:srgbClr>
+                </a:solidFill>
+                <a:prstDash val="solid"/>
+              </a:ln>
+              <a:effectLst/>
+            </p:spPr>
+          </p:cxnSp>
+          <p:cxnSp>
+            <p:nvCxnSpPr>
+              <p:cNvPr id="24" name="Straight Connector 23">
+                <a:extLst>
+                  <a:ext uri="{FF2B5EF4-FFF2-40B4-BE49-F238E27FC236}">
+                    <a16:creationId xmlns:a16="http://schemas.microsoft.com/office/drawing/2014/main" id="{EB666445-ED1A-2640-B806-80410EFA33D8}"/>
+                  </a:ext>
+                </a:extLst>
+              </p:cNvPr>
+              <p:cNvCxnSpPr>
+                <a:cxnSpLocks/>
+              </p:cNvCxnSpPr>
+              <p:nvPr/>
+            </p:nvCxnSpPr>
+            <p:spPr>
+              <a:xfrm flipV="1">
+                <a:off x="2805315" y="2948753"/>
+                <a:ext cx="311003" cy="332874"/>
+              </a:xfrm>
+              <a:prstGeom prst="line">
+                <a:avLst/>
+              </a:prstGeom>
+              <a:noFill/>
+              <a:ln w="19050" cap="flat" cmpd="sng" algn="ctr">
+                <a:solidFill>
+                  <a:srgbClr val="000000">
+                    <a:alpha val="50000"/>
+                  </a:srgbClr>
+                </a:solidFill>
+                <a:prstDash val="solid"/>
+              </a:ln>
+              <a:effectLst/>
+            </p:spPr>
+          </p:cxnSp>
+          <p:cxnSp>
+            <p:nvCxnSpPr>
+              <p:cNvPr id="25" name="Straight Connector 24">
+                <a:extLst>
+                  <a:ext uri="{FF2B5EF4-FFF2-40B4-BE49-F238E27FC236}">
+                    <a16:creationId xmlns:a16="http://schemas.microsoft.com/office/drawing/2014/main" id="{C7E92D49-E0DE-534E-ABE4-FE79F1F8B534}"/>
+                  </a:ext>
+                </a:extLst>
+              </p:cNvPr>
+              <p:cNvCxnSpPr>
+                <a:cxnSpLocks/>
+              </p:cNvCxnSpPr>
+              <p:nvPr/>
+            </p:nvCxnSpPr>
+            <p:spPr>
+              <a:xfrm flipH="1" flipV="1">
+                <a:off x="2483572" y="2937866"/>
+                <a:ext cx="310749" cy="356693"/>
+              </a:xfrm>
+              <a:prstGeom prst="line">
+                <a:avLst/>
+              </a:prstGeom>
+              <a:noFill/>
+              <a:ln w="19050" cap="flat" cmpd="sng" algn="ctr">
+                <a:solidFill>
+                  <a:srgbClr val="000000">
+                    <a:alpha val="50000"/>
+                  </a:srgbClr>
+                </a:solidFill>
+                <a:prstDash val="solid"/>
+              </a:ln>
+              <a:effectLst/>
+            </p:spPr>
+          </p:cxnSp>
+          <p:cxnSp>
+            <p:nvCxnSpPr>
+              <p:cNvPr id="26" name="Straight Connector 25">
+                <a:extLst>
+                  <a:ext uri="{FF2B5EF4-FFF2-40B4-BE49-F238E27FC236}">
+                    <a16:creationId xmlns:a16="http://schemas.microsoft.com/office/drawing/2014/main" id="{E0029F60-7741-B743-A603-419CE6C903DC}"/>
+                  </a:ext>
+                </a:extLst>
+              </p:cNvPr>
+              <p:cNvCxnSpPr>
+                <a:cxnSpLocks/>
+              </p:cNvCxnSpPr>
+              <p:nvPr/>
+            </p:nvCxnSpPr>
+            <p:spPr>
+              <a:xfrm flipV="1">
+                <a:off x="2474564" y="2189390"/>
+                <a:ext cx="1445" cy="166321"/>
+              </a:xfrm>
+              <a:prstGeom prst="line">
+                <a:avLst/>
+              </a:prstGeom>
+              <a:noFill/>
+              <a:ln w="19050" cap="flat" cmpd="sng" algn="ctr">
+                <a:solidFill>
+                  <a:srgbClr val="000000">
+                    <a:alpha val="50000"/>
+                  </a:srgbClr>
+                </a:solidFill>
+                <a:prstDash val="solid"/>
+              </a:ln>
+              <a:effectLst/>
+            </p:spPr>
+          </p:cxnSp>
+          <p:cxnSp>
+            <p:nvCxnSpPr>
+              <p:cNvPr id="27" name="Straight Connector 26">
+                <a:extLst>
+                  <a:ext uri="{FF2B5EF4-FFF2-40B4-BE49-F238E27FC236}">
+                    <a16:creationId xmlns:a16="http://schemas.microsoft.com/office/drawing/2014/main" id="{33B9CDF1-0AC0-8D4F-924D-226ED5A97F16}"/>
+                  </a:ext>
+                </a:extLst>
+              </p:cNvPr>
+              <p:cNvCxnSpPr>
+                <a:cxnSpLocks/>
+              </p:cNvCxnSpPr>
+              <p:nvPr/>
+            </p:nvCxnSpPr>
+            <p:spPr>
+              <a:xfrm flipH="1" flipV="1">
+                <a:off x="3746832" y="2200474"/>
+                <a:ext cx="2507" cy="175998"/>
+              </a:xfrm>
+              <a:prstGeom prst="line">
+                <a:avLst/>
+              </a:prstGeom>
+              <a:noFill/>
+              <a:ln w="19050" cap="flat" cmpd="sng" algn="ctr">
+                <a:solidFill>
+                  <a:srgbClr val="000000">
+                    <a:alpha val="50000"/>
+                  </a:srgbClr>
+                </a:solidFill>
+                <a:prstDash val="solid"/>
+              </a:ln>
+              <a:effectLst/>
+            </p:spPr>
+          </p:cxnSp>
+          <p:cxnSp>
+            <p:nvCxnSpPr>
+              <p:cNvPr id="28" name="Straight Connector 27">
+                <a:extLst>
+                  <a:ext uri="{FF2B5EF4-FFF2-40B4-BE49-F238E27FC236}">
+                    <a16:creationId xmlns:a16="http://schemas.microsoft.com/office/drawing/2014/main" id="{06A61C10-2F42-4F49-8B2F-63480E1CBF16}"/>
+                  </a:ext>
+                </a:extLst>
+              </p:cNvPr>
+              <p:cNvCxnSpPr>
+                <a:cxnSpLocks/>
+              </p:cNvCxnSpPr>
+              <p:nvPr/>
+            </p:nvCxnSpPr>
+            <p:spPr>
+              <a:xfrm flipV="1">
+                <a:off x="4382243" y="2177184"/>
+                <a:ext cx="1" cy="185688"/>
+              </a:xfrm>
+              <a:prstGeom prst="line">
+                <a:avLst/>
+              </a:prstGeom>
+              <a:noFill/>
+              <a:ln w="19050" cap="flat" cmpd="sng" algn="ctr">
+                <a:solidFill>
+                  <a:srgbClr val="000000">
+                    <a:alpha val="50000"/>
+                  </a:srgbClr>
+                </a:solidFill>
+                <a:prstDash val="solid"/>
+              </a:ln>
+              <a:effectLst/>
+            </p:spPr>
+          </p:cxnSp>
+          <p:sp>
+            <p:nvSpPr>
+              <p:cNvPr id="29" name="Rounded Rectangle 28">
+                <a:extLst>
+                  <a:ext uri="{FF2B5EF4-FFF2-40B4-BE49-F238E27FC236}">
+                    <a16:creationId xmlns:a16="http://schemas.microsoft.com/office/drawing/2014/main" id="{5852E5E2-4933-AF49-AF82-124809050F72}"/>
+                  </a:ext>
+                </a:extLst>
+              </p:cNvPr>
+              <p:cNvSpPr/>
+              <p:nvPr/>
+            </p:nvSpPr>
+            <p:spPr>
+              <a:xfrm>
+                <a:off x="3953698" y="1249193"/>
+                <a:ext cx="741863" cy="470562"/>
+              </a:xfrm>
+              <a:prstGeom prst="roundRect">
+                <a:avLst/>
+              </a:prstGeom>
+              <a:solidFill>
+                <a:srgbClr val="C2D6EC"/>
+              </a:solidFill>
+              <a:ln>
+                <a:solidFill>
+                  <a:srgbClr val="6A99D0"/>
+                </a:solidFill>
+              </a:ln>
+            </p:spPr>
+            <p:style>
+              <a:lnRef idx="2">
+                <a:schemeClr val="accent1">
+                  <a:shade val="50000"/>
+                </a:schemeClr>
+              </a:lnRef>
+              <a:fillRef idx="1">
+                <a:schemeClr val="accent1"/>
+              </a:fillRef>
+              <a:effectRef idx="0">
+                <a:schemeClr val="accent1"/>
+              </a:effectRef>
+              <a:fontRef idx="minor">
+                <a:schemeClr val="lt1"/>
+              </a:fontRef>
+            </p:style>
+            <p:txBody>
+              <a:bodyPr rtlCol="0" anchor="ctr"/>
+              <a:lstStyle/>
+              <a:p>
+                <a:pPr algn="ctr" defTabSz="514355">
+                  <a:defRPr/>
+                </a:pPr>
+                <a:endParaRPr lang="en-US" sz="1000" dirty="0">
+                  <a:solidFill>
+                    <a:schemeClr val="bg1"/>
+                  </a:solidFill>
+                </a:endParaRPr>
+              </a:p>
+            </p:txBody>
+          </p:sp>
+          <p:sp>
+            <p:nvSpPr>
+              <p:cNvPr id="30" name="Rounded Rectangle 29">
+                <a:extLst>
+                  <a:ext uri="{FF2B5EF4-FFF2-40B4-BE49-F238E27FC236}">
+                    <a16:creationId xmlns:a16="http://schemas.microsoft.com/office/drawing/2014/main" id="{9A19A2C7-895E-B74F-876F-5C5333B43EA6}"/>
+                  </a:ext>
+                </a:extLst>
+              </p:cNvPr>
+              <p:cNvSpPr/>
+              <p:nvPr/>
+            </p:nvSpPr>
+            <p:spPr>
+              <a:xfrm>
+                <a:off x="2166172" y="1249193"/>
+                <a:ext cx="741863" cy="470562"/>
+              </a:xfrm>
+              <a:prstGeom prst="roundRect">
+                <a:avLst/>
+              </a:prstGeom>
+              <a:solidFill>
+                <a:schemeClr val="accent2">
+                  <a:lumMod val="40000"/>
+                  <a:lumOff val="60000"/>
+                </a:schemeClr>
+              </a:solidFill>
+              <a:ln>
+                <a:solidFill>
+                  <a:srgbClr val="C00000"/>
+                </a:solidFill>
+              </a:ln>
+            </p:spPr>
+            <p:style>
+              <a:lnRef idx="2">
+                <a:schemeClr val="accent2">
+                  <a:shade val="50000"/>
+                </a:schemeClr>
+              </a:lnRef>
+              <a:fillRef idx="1">
+                <a:schemeClr val="accent2"/>
+              </a:fillRef>
+              <a:effectRef idx="0">
+                <a:schemeClr val="accent2"/>
+              </a:effectRef>
+              <a:fontRef idx="minor">
+                <a:schemeClr val="lt1"/>
+              </a:fontRef>
+            </p:style>
+            <p:txBody>
+              <a:bodyPr rtlCol="0" anchor="ctr"/>
+              <a:lstStyle/>
+              <a:p>
+                <a:pPr algn="ctr" defTabSz="514355">
+                  <a:defRPr/>
+                </a:pPr>
+                <a:endParaRPr lang="en-US" sz="1000" dirty="0">
+                  <a:solidFill>
+                    <a:schemeClr val="bg1"/>
+                  </a:solidFill>
+                </a:endParaRPr>
+              </a:p>
+            </p:txBody>
+          </p:sp>
+          <p:pic>
+            <p:nvPicPr>
+              <p:cNvPr id="31" name="Picture 30">
+                <a:extLst>
+                  <a:ext uri="{FF2B5EF4-FFF2-40B4-BE49-F238E27FC236}">
+                    <a16:creationId xmlns:a16="http://schemas.microsoft.com/office/drawing/2014/main" id="{0A7521F3-65F7-3048-AA2B-FBEBAC684F47}"/>
+                  </a:ext>
+                </a:extLst>
+              </p:cNvPr>
+              <p:cNvPicPr>
+                <a:picLocks noChangeAspect="1"/>
+              </p:cNvPicPr>
+              <p:nvPr/>
+            </p:nvPicPr>
+            <p:blipFill>
+              <a:blip r:embed="rId4">
+                <a:biLevel thresh="75000"/>
+              </a:blip>
+              <a:stretch>
+                <a:fillRect/>
+              </a:stretch>
+            </p:blipFill>
+            <p:spPr>
+              <a:xfrm flipH="1">
+                <a:off x="962095" y="1469022"/>
+                <a:ext cx="159607" cy="796222"/>
+              </a:xfrm>
+              <a:prstGeom prst="rect">
+                <a:avLst/>
+              </a:prstGeom>
+              <a:effectLst>
+                <a:outerShdw blurRad="50800" dist="38100" dir="2700000" algn="tl" rotWithShape="0">
+                  <a:prstClr val="black">
+                    <a:alpha val="40000"/>
+                  </a:prstClr>
+                </a:outerShdw>
+              </a:effectLst>
+            </p:spPr>
+          </p:pic>
+          <p:pic>
+            <p:nvPicPr>
+              <p:cNvPr id="32" name="Picture 31">
+                <a:extLst>
+                  <a:ext uri="{FF2B5EF4-FFF2-40B4-BE49-F238E27FC236}">
+                    <a16:creationId xmlns:a16="http://schemas.microsoft.com/office/drawing/2014/main" id="{9E537475-1F03-BA4F-9420-92EF14618BFE}"/>
+                  </a:ext>
+                </a:extLst>
+              </p:cNvPr>
+              <p:cNvPicPr>
+                <a:picLocks noChangeAspect="1"/>
+              </p:cNvPicPr>
+              <p:nvPr/>
+            </p:nvPicPr>
+            <p:blipFill>
+              <a:blip r:embed="rId4">
+                <a:biLevel thresh="75000"/>
+              </a:blip>
+              <a:stretch>
+                <a:fillRect/>
+              </a:stretch>
+            </p:blipFill>
+            <p:spPr>
+              <a:xfrm flipH="1">
+                <a:off x="962095" y="2937865"/>
+                <a:ext cx="159607" cy="796222"/>
+              </a:xfrm>
+              <a:prstGeom prst="rect">
+                <a:avLst/>
+              </a:prstGeom>
+              <a:effectLst>
+                <a:outerShdw blurRad="50800" dist="38100" dir="2700000" algn="tl" rotWithShape="0">
+                  <a:prstClr val="black">
+                    <a:alpha val="40000"/>
+                  </a:prstClr>
+                </a:outerShdw>
+              </a:effectLst>
+            </p:spPr>
+          </p:pic>
+          <p:cxnSp>
+            <p:nvCxnSpPr>
+              <p:cNvPr id="33" name="Straight Connector 32">
+                <a:extLst>
+                  <a:ext uri="{FF2B5EF4-FFF2-40B4-BE49-F238E27FC236}">
+                    <a16:creationId xmlns:a16="http://schemas.microsoft.com/office/drawing/2014/main" id="{4C93532F-EC8B-5A40-8F1A-5B66118B5A8D}"/>
+                  </a:ext>
+                </a:extLst>
+              </p:cNvPr>
+              <p:cNvCxnSpPr>
+                <a:cxnSpLocks/>
+              </p:cNvCxnSpPr>
+              <p:nvPr/>
+            </p:nvCxnSpPr>
+            <p:spPr>
+              <a:xfrm flipH="1">
+                <a:off x="1121702" y="2714765"/>
+                <a:ext cx="1140887" cy="621211"/>
+              </a:xfrm>
+              <a:prstGeom prst="line">
+                <a:avLst/>
+              </a:prstGeom>
+              <a:noFill/>
+              <a:ln w="19050" cap="flat" cmpd="sng" algn="ctr">
+                <a:solidFill>
+                  <a:srgbClr val="000000">
+                    <a:alpha val="50000"/>
+                  </a:srgbClr>
+                </a:solidFill>
+                <a:prstDash val="solid"/>
+              </a:ln>
+              <a:effectLst/>
+            </p:spPr>
+          </p:cxnSp>
+          <p:cxnSp>
+            <p:nvCxnSpPr>
+              <p:cNvPr id="34" name="Straight Connector 33">
+                <a:extLst>
+                  <a:ext uri="{FF2B5EF4-FFF2-40B4-BE49-F238E27FC236}">
+                    <a16:creationId xmlns:a16="http://schemas.microsoft.com/office/drawing/2014/main" id="{8EB18423-5907-4B4D-8EE3-D939AD138DC9}"/>
+                  </a:ext>
+                </a:extLst>
+              </p:cNvPr>
+              <p:cNvCxnSpPr>
+                <a:cxnSpLocks/>
+              </p:cNvCxnSpPr>
+              <p:nvPr/>
+            </p:nvCxnSpPr>
+            <p:spPr>
+              <a:xfrm flipH="1" flipV="1">
+                <a:off x="1121702" y="1867133"/>
+                <a:ext cx="1140887" cy="847632"/>
+              </a:xfrm>
+              <a:prstGeom prst="line">
+                <a:avLst/>
+              </a:prstGeom>
+              <a:noFill/>
+              <a:ln w="19050" cap="flat" cmpd="sng" algn="ctr">
+                <a:solidFill>
+                  <a:srgbClr val="000000">
+                    <a:alpha val="50000"/>
+                  </a:srgbClr>
+                </a:solidFill>
+                <a:prstDash val="solid"/>
+              </a:ln>
+              <a:effectLst/>
+            </p:spPr>
+          </p:cxnSp>
+        </p:grpSp>
+      </p:grpSp>
+      <p:sp>
+        <p:nvSpPr>
+          <p:cNvPr id="63" name="Oval 62">
+            <a:extLst>
+              <a:ext uri="{FF2B5EF4-FFF2-40B4-BE49-F238E27FC236}">
+                <a16:creationId xmlns:a16="http://schemas.microsoft.com/office/drawing/2014/main" id="{A6D9DFB9-DA9B-484F-A1EB-C4BB57C615E8}"/>
+              </a:ext>
+            </a:extLst>
+          </p:cNvPr>
+          <p:cNvSpPr/>
+          <p:nvPr/>
+        </p:nvSpPr>
+        <p:spPr>
+          <a:xfrm>
+            <a:off x="2820979" y="546222"/>
+            <a:ext cx="1084318" cy="502279"/>
+          </a:xfrm>
+          <a:prstGeom prst="ellipse">
+            <a:avLst/>
+          </a:prstGeom>
+        </p:spPr>
+        <p:style>
+          <a:lnRef idx="2">
+            <a:schemeClr val="accent1"/>
+          </a:lnRef>
+          <a:fillRef idx="1">
+            <a:schemeClr val="lt1"/>
+          </a:fillRef>
+          <a:effectRef idx="0">
+            <a:schemeClr val="accent1"/>
+          </a:effectRef>
+          <a:fontRef idx="minor">
+            <a:schemeClr val="dk1"/>
+          </a:fontRef>
+        </p:style>
+        <p:txBody>
+          <a:bodyPr rtlCol="0" anchor="ctr"/>
+          <a:lstStyle/>
+          <a:p>
+            <a:pPr algn="ctr"/>
+            <a:r>
+              <a:rPr lang="en-US" dirty="0"/>
+              <a:t>Users</a:t>
+            </a:r>
+          </a:p>
+        </p:txBody>
+      </p:sp>
+      <p:sp>
+        <p:nvSpPr>
+          <p:cNvPr id="64" name="Rounded Rectangle 63">
+            <a:extLst>
+              <a:ext uri="{FF2B5EF4-FFF2-40B4-BE49-F238E27FC236}">
+                <a16:creationId xmlns:a16="http://schemas.microsoft.com/office/drawing/2014/main" id="{E00F3965-662F-C64B-B6E2-55B3C35586C3}"/>
+              </a:ext>
+            </a:extLst>
+          </p:cNvPr>
+          <p:cNvSpPr/>
+          <p:nvPr/>
+        </p:nvSpPr>
+        <p:spPr>
+          <a:xfrm>
+            <a:off x="2182649" y="1299628"/>
+            <a:ext cx="4099786" cy="566057"/>
+          </a:xfrm>
+          <a:prstGeom prst="roundRect">
+            <a:avLst/>
+          </a:prstGeom>
+          <a:solidFill>
+            <a:schemeClr val="bg1">
+              <a:lumMod val="65000"/>
+            </a:schemeClr>
+          </a:solidFill>
+        </p:spPr>
+        <p:style>
+          <a:lnRef idx="2">
+            <a:schemeClr val="accent1">
+              <a:shade val="50000"/>
+            </a:schemeClr>
+          </a:lnRef>
+          <a:fillRef idx="1">
+            <a:schemeClr val="accent1"/>
+          </a:fillRef>
+          <a:effectRef idx="0">
+            <a:schemeClr val="accent1"/>
+          </a:effectRef>
+          <a:fontRef idx="minor">
+            <a:schemeClr val="lt1"/>
+          </a:fontRef>
+        </p:style>
+        <p:txBody>
+          <a:bodyPr rtlCol="0" anchor="ctr"/>
+          <a:lstStyle/>
+          <a:p>
+            <a:pPr algn="ctr"/>
+            <a:r>
+              <a:rPr lang="en-US" sz="1800" dirty="0">
+                <a:latin typeface="Calibri" panose="020F0502020204030204" pitchFamily="34" charset="0"/>
+                <a:cs typeface="Calibri" panose="020F0502020204030204" pitchFamily="34" charset="0"/>
+              </a:rPr>
+              <a:t>Runtime Control</a:t>
+            </a:r>
+          </a:p>
+          <a:p>
+            <a:pPr algn="ctr"/>
+            <a:r>
+              <a:rPr lang="en-US" i="1" dirty="0">
+                <a:latin typeface="Calibri" panose="020F0502020204030204" pitchFamily="34" charset="0"/>
+                <a:cs typeface="Calibri" panose="020F0502020204030204" pitchFamily="34" charset="0"/>
+              </a:rPr>
+              <a:t>[Monitoring &amp; Logging]</a:t>
+            </a:r>
+          </a:p>
+        </p:txBody>
+      </p:sp>
+      <p:sp>
+        <p:nvSpPr>
+          <p:cNvPr id="65" name="Rounded Rectangle 64">
+            <a:extLst>
+              <a:ext uri="{FF2B5EF4-FFF2-40B4-BE49-F238E27FC236}">
+                <a16:creationId xmlns:a16="http://schemas.microsoft.com/office/drawing/2014/main" id="{A5E7EAE0-4D34-464E-B68F-D71FE97DF5CC}"/>
+              </a:ext>
+            </a:extLst>
+          </p:cNvPr>
+          <p:cNvSpPr/>
+          <p:nvPr/>
+        </p:nvSpPr>
+        <p:spPr>
+          <a:xfrm rot="5400000">
+            <a:off x="4920567" y="3008601"/>
+            <a:ext cx="2159304" cy="566057"/>
+          </a:xfrm>
+          <a:prstGeom prst="roundRect">
+            <a:avLst/>
+          </a:prstGeom>
+          <a:solidFill>
+            <a:schemeClr val="bg1">
+              <a:lumMod val="65000"/>
+            </a:schemeClr>
+          </a:solidFill>
+        </p:spPr>
+        <p:style>
+          <a:lnRef idx="2">
+            <a:schemeClr val="accent1">
+              <a:shade val="50000"/>
+            </a:schemeClr>
+          </a:lnRef>
+          <a:fillRef idx="1">
+            <a:schemeClr val="accent1"/>
+          </a:fillRef>
+          <a:effectRef idx="0">
+            <a:schemeClr val="accent1"/>
+          </a:effectRef>
+          <a:fontRef idx="minor">
+            <a:schemeClr val="lt1"/>
+          </a:fontRef>
+        </p:style>
+        <p:txBody>
+          <a:bodyPr rtlCol="0" anchor="ctr"/>
+          <a:lstStyle/>
+          <a:p>
+            <a:pPr algn="ctr"/>
+            <a:r>
+              <a:rPr lang="en-US" sz="1800" dirty="0">
+                <a:latin typeface="Calibri" panose="020F0502020204030204" pitchFamily="34" charset="0"/>
+                <a:cs typeface="Calibri" panose="020F0502020204030204" pitchFamily="34" charset="0"/>
+              </a:rPr>
+              <a:t>Lifecycle Mgmt</a:t>
+            </a:r>
+          </a:p>
+          <a:p>
+            <a:pPr algn="ctr"/>
+            <a:r>
+              <a:rPr lang="en-US" i="1" dirty="0">
+                <a:latin typeface="Calibri" panose="020F0502020204030204" pitchFamily="34" charset="0"/>
+                <a:cs typeface="Calibri" panose="020F0502020204030204" pitchFamily="34" charset="0"/>
+              </a:rPr>
+              <a:t>[Provisioning]</a:t>
+            </a:r>
+          </a:p>
+        </p:txBody>
+      </p:sp>
+      <p:sp>
+        <p:nvSpPr>
+          <p:cNvPr id="67" name="Oval 66">
+            <a:extLst>
+              <a:ext uri="{FF2B5EF4-FFF2-40B4-BE49-F238E27FC236}">
+                <a16:creationId xmlns:a16="http://schemas.microsoft.com/office/drawing/2014/main" id="{8AD56C3C-6264-AB45-A82D-383367C7AAC2}"/>
+              </a:ext>
+            </a:extLst>
+          </p:cNvPr>
+          <p:cNvSpPr/>
+          <p:nvPr/>
+        </p:nvSpPr>
+        <p:spPr>
+          <a:xfrm>
+            <a:off x="4553331" y="546222"/>
+            <a:ext cx="1084318" cy="502279"/>
+          </a:xfrm>
+          <a:prstGeom prst="ellipse">
+            <a:avLst/>
+          </a:prstGeom>
+        </p:spPr>
+        <p:style>
+          <a:lnRef idx="2">
+            <a:schemeClr val="accent1"/>
+          </a:lnRef>
+          <a:fillRef idx="1">
+            <a:schemeClr val="lt1"/>
+          </a:fillRef>
+          <a:effectRef idx="0">
+            <a:schemeClr val="accent1"/>
+          </a:effectRef>
+          <a:fontRef idx="minor">
+            <a:schemeClr val="dk1"/>
+          </a:fontRef>
+        </p:style>
+        <p:txBody>
+          <a:bodyPr rtlCol="0" anchor="ctr"/>
+          <a:lstStyle/>
+          <a:p>
+            <a:pPr algn="ctr"/>
+            <a:r>
+              <a:rPr lang="en-US" dirty="0"/>
+              <a:t>Ops</a:t>
+            </a:r>
+          </a:p>
+        </p:txBody>
+      </p:sp>
+      <p:sp>
+        <p:nvSpPr>
+          <p:cNvPr id="68" name="TextBox 67">
+            <a:extLst>
+              <a:ext uri="{FF2B5EF4-FFF2-40B4-BE49-F238E27FC236}">
+                <a16:creationId xmlns:a16="http://schemas.microsoft.com/office/drawing/2014/main" id="{9069B22D-4925-B740-B05E-D4ED805CDE62}"/>
+              </a:ext>
+            </a:extLst>
+          </p:cNvPr>
+          <p:cNvSpPr txBox="1"/>
+          <p:nvPr/>
+        </p:nvSpPr>
+        <p:spPr>
+          <a:xfrm>
+            <a:off x="4587082" y="740887"/>
+            <a:ext cx="184731" cy="307777"/>
+          </a:xfrm>
+          <a:prstGeom prst="rect">
+            <a:avLst/>
+          </a:prstGeom>
+          <a:noFill/>
+        </p:spPr>
+        <p:txBody>
+          <a:bodyPr wrap="none" rtlCol="0">
+            <a:spAutoFit/>
+          </a:bodyPr>
+          <a:lstStyle/>
+          <a:p>
+            <a:endParaRPr lang="en-US" dirty="0"/>
+          </a:p>
+        </p:txBody>
+      </p:sp>
+      <p:sp>
+        <p:nvSpPr>
+          <p:cNvPr id="69" name="Oval 68">
+            <a:extLst>
+              <a:ext uri="{FF2B5EF4-FFF2-40B4-BE49-F238E27FC236}">
+                <a16:creationId xmlns:a16="http://schemas.microsoft.com/office/drawing/2014/main" id="{27F72854-BE93-B441-BD8E-3AFA24580E86}"/>
+              </a:ext>
+            </a:extLst>
+          </p:cNvPr>
+          <p:cNvSpPr/>
+          <p:nvPr/>
+        </p:nvSpPr>
+        <p:spPr>
+          <a:xfrm>
+            <a:off x="6779523" y="2579096"/>
+            <a:ext cx="1084317" cy="502279"/>
+          </a:xfrm>
+          <a:prstGeom prst="ellipse">
+            <a:avLst/>
+          </a:prstGeom>
+        </p:spPr>
+        <p:style>
+          <a:lnRef idx="2">
+            <a:schemeClr val="accent1"/>
+          </a:lnRef>
+          <a:fillRef idx="1">
+            <a:schemeClr val="lt1"/>
+          </a:fillRef>
+          <a:effectRef idx="0">
+            <a:schemeClr val="accent1"/>
+          </a:effectRef>
+          <a:fontRef idx="minor">
+            <a:schemeClr val="dk1"/>
+          </a:fontRef>
+        </p:style>
+        <p:txBody>
+          <a:bodyPr rtlCol="0" anchor="ctr"/>
+          <a:lstStyle/>
+          <a:p>
+            <a:pPr algn="ctr"/>
+            <a:r>
+              <a:rPr lang="en-US" dirty="0"/>
+              <a:t>Ops</a:t>
+            </a:r>
+          </a:p>
+        </p:txBody>
+      </p:sp>
+      <p:sp>
+        <p:nvSpPr>
+          <p:cNvPr id="70" name="Oval 69">
+            <a:extLst>
+              <a:ext uri="{FF2B5EF4-FFF2-40B4-BE49-F238E27FC236}">
+                <a16:creationId xmlns:a16="http://schemas.microsoft.com/office/drawing/2014/main" id="{4684D9F2-3573-3746-A3EF-69F320F5EFD0}"/>
+              </a:ext>
+            </a:extLst>
+          </p:cNvPr>
+          <p:cNvSpPr/>
+          <p:nvPr/>
+        </p:nvSpPr>
+        <p:spPr>
+          <a:xfrm>
+            <a:off x="6779523" y="3479252"/>
+            <a:ext cx="1084317" cy="502279"/>
+          </a:xfrm>
+          <a:prstGeom prst="ellipse">
+            <a:avLst/>
+          </a:prstGeom>
+        </p:spPr>
+        <p:style>
+          <a:lnRef idx="2">
+            <a:schemeClr val="accent1"/>
+          </a:lnRef>
+          <a:fillRef idx="1">
+            <a:schemeClr val="lt1"/>
+          </a:fillRef>
+          <a:effectRef idx="0">
+            <a:schemeClr val="accent1"/>
+          </a:effectRef>
+          <a:fontRef idx="minor">
+            <a:schemeClr val="dk1"/>
+          </a:fontRef>
+        </p:style>
+        <p:txBody>
+          <a:bodyPr rtlCol="0" anchor="ctr"/>
+          <a:lstStyle/>
+          <a:p>
+            <a:pPr algn="ctr"/>
+            <a:r>
+              <a:rPr lang="en-US" dirty="0"/>
+              <a:t>Dev</a:t>
+            </a:r>
+          </a:p>
+        </p:txBody>
+      </p:sp>
+      <p:cxnSp>
+        <p:nvCxnSpPr>
+          <p:cNvPr id="72" name="Straight Arrow Connector 71">
+            <a:extLst>
+              <a:ext uri="{FF2B5EF4-FFF2-40B4-BE49-F238E27FC236}">
+                <a16:creationId xmlns:a16="http://schemas.microsoft.com/office/drawing/2014/main" id="{AEEB50C5-4FB5-A844-8ADC-399D4A2BB228}"/>
+              </a:ext>
+            </a:extLst>
+          </p:cNvPr>
+          <p:cNvCxnSpPr>
+            <a:cxnSpLocks/>
+            <a:stCxn id="69" idx="2"/>
+          </p:cNvCxnSpPr>
+          <p:nvPr/>
+        </p:nvCxnSpPr>
+        <p:spPr>
+          <a:xfrm flipH="1">
+            <a:off x="6289746" y="2830236"/>
+            <a:ext cx="489777" cy="8273"/>
+          </a:xfrm>
+          <a:prstGeom prst="straightConnector1">
+            <a:avLst/>
+          </a:prstGeom>
+          <a:ln w="19050">
+            <a:tailEnd type="triangle"/>
+          </a:ln>
+        </p:spPr>
+        <p:style>
+          <a:lnRef idx="1">
+            <a:schemeClr val="accent1"/>
+          </a:lnRef>
+          <a:fillRef idx="0">
+            <a:schemeClr val="accent1"/>
+          </a:fillRef>
+          <a:effectRef idx="0">
+            <a:schemeClr val="accent1"/>
+          </a:effectRef>
+          <a:fontRef idx="minor">
+            <a:schemeClr val="tx1"/>
+          </a:fontRef>
+        </p:style>
+      </p:cxnSp>
+      <p:cxnSp>
+        <p:nvCxnSpPr>
+          <p:cNvPr id="74" name="Straight Arrow Connector 73">
+            <a:extLst>
+              <a:ext uri="{FF2B5EF4-FFF2-40B4-BE49-F238E27FC236}">
+                <a16:creationId xmlns:a16="http://schemas.microsoft.com/office/drawing/2014/main" id="{7BA9C1E7-A6B2-A14A-AE7F-4682C8BFD7C4}"/>
+              </a:ext>
+            </a:extLst>
+          </p:cNvPr>
+          <p:cNvCxnSpPr>
+            <a:cxnSpLocks/>
+            <a:stCxn id="70" idx="2"/>
+          </p:cNvCxnSpPr>
+          <p:nvPr/>
+        </p:nvCxnSpPr>
+        <p:spPr>
+          <a:xfrm flipH="1">
+            <a:off x="6289746" y="3730392"/>
+            <a:ext cx="489777" cy="0"/>
+          </a:xfrm>
+          <a:prstGeom prst="straightConnector1">
+            <a:avLst/>
+          </a:prstGeom>
+          <a:ln w="19050">
+            <a:tailEnd type="triangle"/>
+          </a:ln>
+        </p:spPr>
+        <p:style>
+          <a:lnRef idx="1">
+            <a:schemeClr val="accent1"/>
+          </a:lnRef>
+          <a:fillRef idx="0">
+            <a:schemeClr val="accent1"/>
+          </a:fillRef>
+          <a:effectRef idx="0">
+            <a:schemeClr val="accent1"/>
+          </a:effectRef>
+          <a:fontRef idx="minor">
+            <a:schemeClr val="tx1"/>
+          </a:fontRef>
+        </p:style>
+      </p:cxnSp>
+      <p:cxnSp>
+        <p:nvCxnSpPr>
+          <p:cNvPr id="76" name="Straight Arrow Connector 75">
+            <a:extLst>
+              <a:ext uri="{FF2B5EF4-FFF2-40B4-BE49-F238E27FC236}">
+                <a16:creationId xmlns:a16="http://schemas.microsoft.com/office/drawing/2014/main" id="{AD5AC0C8-ACCE-B74E-BC3C-68378FD87321}"/>
+              </a:ext>
+            </a:extLst>
+          </p:cNvPr>
+          <p:cNvCxnSpPr>
+            <a:stCxn id="67" idx="4"/>
+          </p:cNvCxnSpPr>
+          <p:nvPr/>
+        </p:nvCxnSpPr>
+        <p:spPr>
+          <a:xfrm flipH="1">
+            <a:off x="5095219" y="1048501"/>
+            <a:ext cx="271" cy="251127"/>
+          </a:xfrm>
+          <a:prstGeom prst="straightConnector1">
+            <a:avLst/>
+          </a:prstGeom>
+          <a:ln w="19050">
+            <a:headEnd type="triangle"/>
+            <a:tailEnd type="triangle"/>
+          </a:ln>
+        </p:spPr>
+        <p:style>
+          <a:lnRef idx="1">
+            <a:schemeClr val="accent1"/>
+          </a:lnRef>
+          <a:fillRef idx="0">
+            <a:schemeClr val="accent1"/>
+          </a:fillRef>
+          <a:effectRef idx="0">
+            <a:schemeClr val="accent1"/>
+          </a:effectRef>
+          <a:fontRef idx="minor">
+            <a:schemeClr val="tx1"/>
+          </a:fontRef>
+        </p:style>
+      </p:cxnSp>
+      <p:cxnSp>
+        <p:nvCxnSpPr>
+          <p:cNvPr id="77" name="Straight Arrow Connector 76">
+            <a:extLst>
+              <a:ext uri="{FF2B5EF4-FFF2-40B4-BE49-F238E27FC236}">
+                <a16:creationId xmlns:a16="http://schemas.microsoft.com/office/drawing/2014/main" id="{7961634D-300B-E746-B715-7EC236E0490D}"/>
+              </a:ext>
+            </a:extLst>
+          </p:cNvPr>
+          <p:cNvCxnSpPr/>
+          <p:nvPr/>
+        </p:nvCxnSpPr>
+        <p:spPr>
+          <a:xfrm flipH="1">
+            <a:off x="3372531" y="1037184"/>
+            <a:ext cx="271" cy="251127"/>
+          </a:xfrm>
+          <a:prstGeom prst="straightConnector1">
+            <a:avLst/>
+          </a:prstGeom>
+          <a:ln w="19050">
+            <a:headEnd type="triangle"/>
+            <a:tailEnd type="triangle"/>
+          </a:ln>
+        </p:spPr>
+        <p:style>
+          <a:lnRef idx="1">
+            <a:schemeClr val="accent1"/>
+          </a:lnRef>
+          <a:fillRef idx="0">
+            <a:schemeClr val="accent1"/>
+          </a:fillRef>
+          <a:effectRef idx="0">
+            <a:schemeClr val="accent1"/>
+          </a:effectRef>
+          <a:fontRef idx="minor">
+            <a:schemeClr val="tx1"/>
+          </a:fontRef>
+        </p:style>
+      </p:cxnSp>
+      <p:cxnSp>
+        <p:nvCxnSpPr>
+          <p:cNvPr id="80" name="Straight Arrow Connector 79">
+            <a:extLst>
+              <a:ext uri="{FF2B5EF4-FFF2-40B4-BE49-F238E27FC236}">
+                <a16:creationId xmlns:a16="http://schemas.microsoft.com/office/drawing/2014/main" id="{1A9C2260-F547-1947-981D-8FD9C233EDB6}"/>
+              </a:ext>
+            </a:extLst>
+          </p:cNvPr>
+          <p:cNvCxnSpPr>
+            <a:cxnSpLocks/>
+            <a:stCxn id="64" idx="2"/>
+          </p:cNvCxnSpPr>
+          <p:nvPr/>
+        </p:nvCxnSpPr>
+        <p:spPr>
+          <a:xfrm flipH="1">
+            <a:off x="4232541" y="1865685"/>
+            <a:ext cx="1" cy="346292"/>
+          </a:xfrm>
+          <a:prstGeom prst="straightConnector1">
+            <a:avLst/>
+          </a:prstGeom>
+          <a:ln w="38100">
+            <a:headEnd type="triangle"/>
+            <a:tailEnd type="triangle"/>
+          </a:ln>
+        </p:spPr>
+        <p:style>
+          <a:lnRef idx="1">
+            <a:schemeClr val="accent1"/>
+          </a:lnRef>
+          <a:fillRef idx="0">
+            <a:schemeClr val="accent1"/>
+          </a:fillRef>
+          <a:effectRef idx="0">
+            <a:schemeClr val="accent1"/>
+          </a:effectRef>
+          <a:fontRef idx="minor">
+            <a:schemeClr val="tx1"/>
+          </a:fontRef>
+        </p:style>
+      </p:cxnSp>
+      <p:cxnSp>
+        <p:nvCxnSpPr>
+          <p:cNvPr id="82" name="Straight Arrow Connector 81">
+            <a:extLst>
+              <a:ext uri="{FF2B5EF4-FFF2-40B4-BE49-F238E27FC236}">
+                <a16:creationId xmlns:a16="http://schemas.microsoft.com/office/drawing/2014/main" id="{BC812EDD-107E-C746-8AE9-7BE8D35A835E}"/>
+              </a:ext>
+            </a:extLst>
+          </p:cNvPr>
+          <p:cNvCxnSpPr>
+            <a:cxnSpLocks/>
+          </p:cNvCxnSpPr>
+          <p:nvPr/>
+        </p:nvCxnSpPr>
+        <p:spPr>
+          <a:xfrm>
+            <a:off x="5993014" y="1865685"/>
+            <a:ext cx="0" cy="332772"/>
+          </a:xfrm>
+          <a:prstGeom prst="straightConnector1">
+            <a:avLst/>
+          </a:prstGeom>
+          <a:ln w="28575">
+            <a:prstDash val="sysDot"/>
+            <a:headEnd type="triangle"/>
+            <a:tailEnd type="triangle"/>
+          </a:ln>
+        </p:spPr>
+        <p:style>
+          <a:lnRef idx="1">
+            <a:schemeClr val="accent1"/>
+          </a:lnRef>
+          <a:fillRef idx="0">
+            <a:schemeClr val="accent1"/>
+          </a:fillRef>
+          <a:effectRef idx="0">
+            <a:schemeClr val="accent1"/>
+          </a:effectRef>
+          <a:fontRef idx="minor">
+            <a:schemeClr val="tx1"/>
+          </a:fontRef>
+        </p:style>
+      </p:cxnSp>
+      <p:sp>
+        <p:nvSpPr>
+          <p:cNvPr id="83" name="TextBox 82">
+            <a:extLst>
+              <a:ext uri="{FF2B5EF4-FFF2-40B4-BE49-F238E27FC236}">
+                <a16:creationId xmlns:a16="http://schemas.microsoft.com/office/drawing/2014/main" id="{9240F4DA-F464-EE4C-B973-6DF975214F2D}"/>
+              </a:ext>
+            </a:extLst>
+          </p:cNvPr>
+          <p:cNvSpPr txBox="1"/>
+          <p:nvPr/>
+        </p:nvSpPr>
+        <p:spPr>
+          <a:xfrm>
+            <a:off x="3812544" y="984127"/>
+            <a:ext cx="822661" cy="307777"/>
+          </a:xfrm>
+          <a:prstGeom prst="rect">
+            <a:avLst/>
+          </a:prstGeom>
+          <a:noFill/>
+        </p:spPr>
+        <p:txBody>
+          <a:bodyPr wrap="none" rtlCol="0">
+            <a:spAutoFit/>
+          </a:bodyPr>
+          <a:lstStyle/>
+          <a:p>
+            <a:r>
+              <a:rPr lang="en-US" dirty="0">
+                <a:latin typeface="Calibri" panose="020F0502020204030204" pitchFamily="34" charset="0"/>
+                <a:cs typeface="Calibri" panose="020F0502020204030204" pitchFamily="34" charset="0"/>
+              </a:rPr>
+              <a:t>REST API</a:t>
+            </a:r>
+          </a:p>
+        </p:txBody>
+      </p:sp>
+      <p:cxnSp>
+        <p:nvCxnSpPr>
+          <p:cNvPr id="85" name="Straight Arrow Connector 84">
+            <a:extLst>
+              <a:ext uri="{FF2B5EF4-FFF2-40B4-BE49-F238E27FC236}">
+                <a16:creationId xmlns:a16="http://schemas.microsoft.com/office/drawing/2014/main" id="{45FB1C21-D2B7-784F-9AFF-4703B72EEA61}"/>
+              </a:ext>
+            </a:extLst>
+          </p:cNvPr>
+          <p:cNvCxnSpPr>
+            <a:stCxn id="83" idx="3"/>
+          </p:cNvCxnSpPr>
+          <p:nvPr/>
+        </p:nvCxnSpPr>
+        <p:spPr>
+          <a:xfrm>
+            <a:off x="4635205" y="1138016"/>
+            <a:ext cx="383808" cy="45204"/>
+          </a:xfrm>
+          <a:prstGeom prst="straightConnector1">
+            <a:avLst/>
+          </a:prstGeom>
+          <a:ln>
+            <a:solidFill>
+              <a:schemeClr val="tx1">
+                <a:lumMod val="50000"/>
+              </a:schemeClr>
+            </a:solidFill>
+            <a:prstDash val="sysDot"/>
+            <a:tailEnd type="triangle"/>
+          </a:ln>
+        </p:spPr>
+        <p:style>
+          <a:lnRef idx="1">
+            <a:schemeClr val="accent1"/>
+          </a:lnRef>
+          <a:fillRef idx="0">
+            <a:schemeClr val="accent1"/>
+          </a:fillRef>
+          <a:effectRef idx="0">
+            <a:schemeClr val="accent1"/>
+          </a:effectRef>
+          <a:fontRef idx="minor">
+            <a:schemeClr val="tx1"/>
+          </a:fontRef>
+        </p:style>
+      </p:cxnSp>
+      <p:cxnSp>
+        <p:nvCxnSpPr>
+          <p:cNvPr id="87" name="Straight Arrow Connector 86">
+            <a:extLst>
+              <a:ext uri="{FF2B5EF4-FFF2-40B4-BE49-F238E27FC236}">
+                <a16:creationId xmlns:a16="http://schemas.microsoft.com/office/drawing/2014/main" id="{80B98967-B40E-1447-95DB-740F7DB76C71}"/>
+              </a:ext>
+            </a:extLst>
+          </p:cNvPr>
+          <p:cNvCxnSpPr>
+            <a:stCxn id="83" idx="1"/>
+          </p:cNvCxnSpPr>
+          <p:nvPr/>
+        </p:nvCxnSpPr>
+        <p:spPr>
+          <a:xfrm flipH="1">
+            <a:off x="3439615" y="1138016"/>
+            <a:ext cx="372929" cy="44250"/>
+          </a:xfrm>
+          <a:prstGeom prst="straightConnector1">
+            <a:avLst/>
+          </a:prstGeom>
+          <a:ln>
+            <a:solidFill>
+              <a:schemeClr val="tx1">
+                <a:lumMod val="50000"/>
+              </a:schemeClr>
+            </a:solidFill>
+            <a:prstDash val="sysDot"/>
+            <a:tailEnd type="triangle"/>
+          </a:ln>
+        </p:spPr>
+        <p:style>
+          <a:lnRef idx="1">
+            <a:schemeClr val="accent1"/>
+          </a:lnRef>
+          <a:fillRef idx="0">
+            <a:schemeClr val="accent1"/>
+          </a:fillRef>
+          <a:effectRef idx="0">
+            <a:schemeClr val="accent1"/>
+          </a:effectRef>
+          <a:fontRef idx="minor">
+            <a:schemeClr val="tx1"/>
+          </a:fontRef>
+        </p:style>
+      </p:cxnSp>
+      <p:cxnSp>
+        <p:nvCxnSpPr>
+          <p:cNvPr id="89" name="Straight Arrow Connector 88">
+            <a:extLst>
+              <a:ext uri="{FF2B5EF4-FFF2-40B4-BE49-F238E27FC236}">
+                <a16:creationId xmlns:a16="http://schemas.microsoft.com/office/drawing/2014/main" id="{C8149BE4-735C-4640-910A-14A1A543BF2A}"/>
+              </a:ext>
+            </a:extLst>
+          </p:cNvPr>
+          <p:cNvCxnSpPr>
+            <a:stCxn id="65" idx="2"/>
+            <a:endCxn id="4" idx="3"/>
+          </p:cNvCxnSpPr>
+          <p:nvPr/>
+        </p:nvCxnSpPr>
+        <p:spPr>
+          <a:xfrm flipH="1" flipV="1">
+            <a:off x="5390607" y="3291629"/>
+            <a:ext cx="326584" cy="1"/>
+          </a:xfrm>
+          <a:prstGeom prst="straightConnector1">
+            <a:avLst/>
+          </a:prstGeom>
+          <a:ln w="38100">
+            <a:headEnd type="triangle"/>
+            <a:tailEnd type="triangle"/>
+          </a:ln>
+        </p:spPr>
+        <p:style>
+          <a:lnRef idx="1">
+            <a:schemeClr val="accent1"/>
+          </a:lnRef>
+          <a:fillRef idx="0">
+            <a:schemeClr val="accent1"/>
+          </a:fillRef>
+          <a:effectRef idx="0">
+            <a:schemeClr val="accent1"/>
+          </a:effectRef>
+          <a:fontRef idx="minor">
+            <a:schemeClr val="tx1"/>
+          </a:fontRef>
+        </p:style>
+      </p:cxnSp>
+      <p:sp>
+        <p:nvSpPr>
+          <p:cNvPr id="94" name="TextBox 93">
+            <a:extLst>
+              <a:ext uri="{FF2B5EF4-FFF2-40B4-BE49-F238E27FC236}">
+                <a16:creationId xmlns:a16="http://schemas.microsoft.com/office/drawing/2014/main" id="{C61BC7DF-052E-F646-8003-B5FEFFAA844B}"/>
+              </a:ext>
+            </a:extLst>
+          </p:cNvPr>
+          <p:cNvSpPr txBox="1"/>
+          <p:nvPr/>
+        </p:nvSpPr>
+        <p:spPr>
+          <a:xfrm>
+            <a:off x="6282435" y="3164325"/>
+            <a:ext cx="1899879" cy="268920"/>
+          </a:xfrm>
+          <a:prstGeom prst="rect">
+            <a:avLst/>
+          </a:prstGeom>
+          <a:noFill/>
+        </p:spPr>
+        <p:txBody>
+          <a:bodyPr wrap="none" rtlCol="0">
+            <a:spAutoFit/>
+          </a:bodyPr>
+          <a:lstStyle/>
+          <a:p>
+            <a:pPr>
+              <a:lnSpc>
+                <a:spcPct val="80000"/>
+              </a:lnSpc>
+            </a:pPr>
+            <a:r>
+              <a:rPr lang="en-US" dirty="0">
+                <a:latin typeface="Calibri" panose="020F0502020204030204" pitchFamily="34" charset="0"/>
+                <a:cs typeface="Calibri" panose="020F0502020204030204" pitchFamily="34" charset="0"/>
+              </a:rPr>
+              <a:t>Code (Commit to Repo)</a:t>
+            </a:r>
+          </a:p>
+        </p:txBody>
+      </p:sp>
+      <p:cxnSp>
+        <p:nvCxnSpPr>
+          <p:cNvPr id="97" name="Straight Arrow Connector 96">
+            <a:extLst>
+              <a:ext uri="{FF2B5EF4-FFF2-40B4-BE49-F238E27FC236}">
+                <a16:creationId xmlns:a16="http://schemas.microsoft.com/office/drawing/2014/main" id="{8D2C1839-E2A3-0246-B579-E77B808F3AB5}"/>
+              </a:ext>
+            </a:extLst>
+          </p:cNvPr>
+          <p:cNvCxnSpPr>
+            <a:cxnSpLocks/>
+          </p:cNvCxnSpPr>
+          <p:nvPr/>
+        </p:nvCxnSpPr>
+        <p:spPr>
+          <a:xfrm flipH="1" flipV="1">
+            <a:off x="6533590" y="2838509"/>
+            <a:ext cx="76241" cy="330371"/>
+          </a:xfrm>
+          <a:prstGeom prst="straightConnector1">
+            <a:avLst/>
+          </a:prstGeom>
+          <a:ln>
+            <a:solidFill>
+              <a:schemeClr val="tx1"/>
+            </a:solidFill>
+            <a:prstDash val="sysDot"/>
+            <a:tailEnd type="triangle"/>
+          </a:ln>
+        </p:spPr>
+        <p:style>
+          <a:lnRef idx="1">
+            <a:schemeClr val="accent1"/>
+          </a:lnRef>
+          <a:fillRef idx="0">
+            <a:schemeClr val="accent1"/>
+          </a:fillRef>
+          <a:effectRef idx="0">
+            <a:schemeClr val="accent1"/>
+          </a:effectRef>
+          <a:fontRef idx="minor">
+            <a:schemeClr val="tx1"/>
+          </a:fontRef>
+        </p:style>
+      </p:cxnSp>
+      <p:cxnSp>
+        <p:nvCxnSpPr>
+          <p:cNvPr id="99" name="Straight Arrow Connector 98">
+            <a:extLst>
+              <a:ext uri="{FF2B5EF4-FFF2-40B4-BE49-F238E27FC236}">
+                <a16:creationId xmlns:a16="http://schemas.microsoft.com/office/drawing/2014/main" id="{1277ADF8-67F6-764B-8452-A047220C2C30}"/>
+              </a:ext>
+            </a:extLst>
+          </p:cNvPr>
+          <p:cNvCxnSpPr>
+            <a:cxnSpLocks/>
+          </p:cNvCxnSpPr>
+          <p:nvPr/>
+        </p:nvCxnSpPr>
+        <p:spPr>
+          <a:xfrm flipH="1">
+            <a:off x="6533590" y="3391960"/>
+            <a:ext cx="76241" cy="338108"/>
+          </a:xfrm>
+          <a:prstGeom prst="straightConnector1">
+            <a:avLst/>
+          </a:prstGeom>
+          <a:ln>
+            <a:solidFill>
+              <a:schemeClr val="tx1"/>
+            </a:solidFill>
+            <a:prstDash val="sysDot"/>
+            <a:tailEnd type="triangle"/>
+          </a:ln>
+        </p:spPr>
+        <p:style>
+          <a:lnRef idx="1">
+            <a:schemeClr val="accent1"/>
+          </a:lnRef>
+          <a:fillRef idx="0">
+            <a:schemeClr val="accent1"/>
+          </a:fillRef>
+          <a:effectRef idx="0">
+            <a:schemeClr val="accent1"/>
+          </a:effectRef>
+          <a:fontRef idx="minor">
+            <a:schemeClr val="tx1"/>
+          </a:fontRef>
+        </p:style>
+      </p:cxnSp>
+    </p:spTree>
+    <p:extLst>
+      <p:ext uri="{BB962C8B-B14F-4D97-AF65-F5344CB8AC3E}">
+        <p14:creationId xmlns:p14="http://schemas.microsoft.com/office/powerpoint/2010/main" val="1155394717"/>
       </p:ext>
     </p:extLst>
   </p:cSld>

--- a/figures.pptx
+++ b/figures.pptx
@@ -321,7 +321,7 @@
       </p15:sldGuideLst>
     </p:ext>
     <p:ext uri="http://customooxmlschemas.google.com/">
-      <go:slidesCustomData xmlns="" xmlns:mc="http://schemas.openxmlformats.org/markup-compatibility/2006" xmlns:mv="urn:schemas-microsoft-com:mac:vml" xmlns:c="http://schemas.openxmlformats.org/drawingml/2006/chart" xmlns:dgm="http://schemas.openxmlformats.org/drawingml/2006/diagram" xmlns:o="urn:schemas-microsoft-com:office:office" xmlns:v="urn:schemas-microsoft-com:vml" xmlns:pvml="urn:schemas-microsoft-com:office:powerpoint" xmlns:com="http://schemas.openxmlformats.org/drawingml/2006/compatibility" xmlns:p14="http://schemas.microsoft.com/office/powerpoint/2010/main" xmlns:p15="http://schemas.microsoft.com/office/powerpoint/2012/main" xmlns:go="http://customooxmlschemas.google.com/" r:id="rId29" roundtripDataSignature="AMtx7mjYSJr9dBhpBi3R8tFsPF3I3gzuVA=="/>
+      <go:slidesCustomData xmlns:go="http://customooxmlschemas.google.com/" xmlns:p15="http://schemas.microsoft.com/office/powerpoint/2012/main" xmlns:p14="http://schemas.microsoft.com/office/powerpoint/2010/main" xmlns:com="http://schemas.openxmlformats.org/drawingml/2006/compatibility" xmlns:pvml="urn:schemas-microsoft-com:office:powerpoint" xmlns:v="urn:schemas-microsoft-com:vml" xmlns:o="urn:schemas-microsoft-com:office:office" xmlns:dgm="http://schemas.openxmlformats.org/drawingml/2006/diagram" xmlns:c="http://schemas.openxmlformats.org/drawingml/2006/chart" xmlns:mv="urn:schemas-microsoft-com:mac:vml" xmlns:mc="http://schemas.openxmlformats.org/markup-compatibility/2006" xmlns="" r:id="rId29" roundtripDataSignature="AMtx7mjYSJr9dBhpBi3R8tFsPF3I3gzuVA=="/>
     </p:ext>
   </p:extLst>
 </p:presentation>
@@ -3079,7 +3079,7 @@
           <a:p>
             <a:fld id="{BF4F8DC3-0006-B147-AA6D-FF436E850004}" type="datetimeFigureOut">
               <a:rPr lang="en-US" smtClean="0"/>
-              <a:t>3/23/22</a:t>
+              <a:t>5/2/22</a:t>
             </a:fld>
             <a:endParaRPr lang="en-US"/>
           </a:p>
@@ -16942,7 +16942,7 @@
                 <a:cs typeface="Calibri" charset="0"/>
                 <a:sym typeface="Arial"/>
               </a:rPr>
-              <a:t>Logging</a:t>
+              <a:t>Telemetry</a:t>
             </a:r>
           </a:p>
         </p:txBody>
@@ -17230,7 +17230,7 @@
             <a:pPr algn="ctr"/>
             <a:r>
               <a:rPr lang="en-US" dirty="0"/>
-              <a:t>and Logging</a:t>
+              <a:t>and Telemetry</a:t>
             </a:r>
           </a:p>
         </p:txBody>
@@ -33134,8 +33134,19 @@
                 <a:latin typeface="Calibri" panose="020F0502020204030204" pitchFamily="34" charset="0"/>
                 <a:cs typeface="Calibri" panose="020F0502020204030204" pitchFamily="34" charset="0"/>
               </a:rPr>
-              <a:t>[Monitoring &amp; Logging]</a:t>
+              <a:t>[Monitoring </a:t>
             </a:r>
+            <a:r>
+              <a:rPr lang="en-US" i="1">
+                <a:latin typeface="Calibri" panose="020F0502020204030204" pitchFamily="34" charset="0"/>
+                <a:cs typeface="Calibri" panose="020F0502020204030204" pitchFamily="34" charset="0"/>
+              </a:rPr>
+              <a:t>&amp; Telemetry]</a:t>
+            </a:r>
+            <a:endParaRPr lang="en-US" i="1" dirty="0">
+              <a:latin typeface="Calibri" panose="020F0502020204030204" pitchFamily="34" charset="0"/>
+              <a:cs typeface="Calibri" panose="020F0502020204030204" pitchFamily="34" charset="0"/>
+            </a:endParaRPr>
           </a:p>
         </p:txBody>
       </p:sp>
@@ -39955,7 +39966,7 @@
                   <a:ea typeface="Calibri" charset="0"/>
                   <a:cs typeface="Calibri" charset="0"/>
                 </a:rPr>
-                <a:t>&amp; Logging</a:t>
+                <a:t>&amp; Telemetry</a:t>
               </a:r>
             </a:p>
           </p:txBody>

--- a/figures.pptx
+++ b/figures.pptx
@@ -17230,7 +17230,7 @@
             <a:pPr algn="ctr"/>
             <a:r>
               <a:rPr lang="en-US" dirty="0"/>
-              <a:t>and Telemetry</a:t>
+              <a:t>&amp; Telemetry</a:t>
             </a:r>
           </a:p>
         </p:txBody>
@@ -33134,19 +33134,8 @@
                 <a:latin typeface="Calibri" panose="020F0502020204030204" pitchFamily="34" charset="0"/>
                 <a:cs typeface="Calibri" panose="020F0502020204030204" pitchFamily="34" charset="0"/>
               </a:rPr>
-              <a:t>[Monitoring </a:t>
+              <a:t>[Monitoring &amp; Telemetry]</a:t>
             </a:r>
-            <a:r>
-              <a:rPr lang="en-US" i="1">
-                <a:latin typeface="Calibri" panose="020F0502020204030204" pitchFamily="34" charset="0"/>
-                <a:cs typeface="Calibri" panose="020F0502020204030204" pitchFamily="34" charset="0"/>
-              </a:rPr>
-              <a:t>&amp; Telemetry]</a:t>
-            </a:r>
-            <a:endParaRPr lang="en-US" i="1" dirty="0">
-              <a:latin typeface="Calibri" panose="020F0502020204030204" pitchFamily="34" charset="0"/>
-              <a:cs typeface="Calibri" panose="020F0502020204030204" pitchFamily="34" charset="0"/>
-            </a:endParaRPr>
           </a:p>
         </p:txBody>
       </p:sp>

--- a/figures.pptx
+++ b/figures.pptx
@@ -5,7 +5,7 @@
     <p:sldMasterId id="2147483648" r:id="rId1"/>
   </p:sldMasterIdLst>
   <p:notesMasterIdLst>
-    <p:notesMasterId r:id="rId27"/>
+    <p:notesMasterId r:id="rId28"/>
   </p:notesMasterIdLst>
   <p:sldIdLst>
     <p:sldId id="311" r:id="rId2"/>
@@ -33,6 +33,7 @@
     <p:sldId id="350" r:id="rId24"/>
     <p:sldId id="351" r:id="rId25"/>
     <p:sldId id="352" r:id="rId26"/>
+    <p:sldId id="353" r:id="rId27"/>
   </p:sldIdLst>
   <p:sldSz cx="9144000" cy="5143500" type="screen16x9"/>
   <p:notesSz cx="6858000" cy="9144000"/>
@@ -321,7 +322,7 @@
       </p15:sldGuideLst>
     </p:ext>
     <p:ext uri="http://customooxmlschemas.google.com/">
-      <go:slidesCustomData xmlns:go="http://customooxmlschemas.google.com/" xmlns:p15="http://schemas.microsoft.com/office/powerpoint/2012/main" xmlns:p14="http://schemas.microsoft.com/office/powerpoint/2010/main" xmlns:com="http://schemas.openxmlformats.org/drawingml/2006/compatibility" xmlns:pvml="urn:schemas-microsoft-com:office:powerpoint" xmlns:v="urn:schemas-microsoft-com:vml" xmlns:o="urn:schemas-microsoft-com:office:office" xmlns:dgm="http://schemas.openxmlformats.org/drawingml/2006/diagram" xmlns:c="http://schemas.openxmlformats.org/drawingml/2006/chart" xmlns:mv="urn:schemas-microsoft-com:mac:vml" xmlns:mc="http://schemas.openxmlformats.org/markup-compatibility/2006" xmlns="" r:id="rId29" roundtripDataSignature="AMtx7mjYSJr9dBhpBi3R8tFsPF3I3gzuVA=="/>
+      <go:slidesCustomData xmlns="" xmlns:mc="http://schemas.openxmlformats.org/markup-compatibility/2006" xmlns:mv="urn:schemas-microsoft-com:mac:vml" xmlns:c="http://schemas.openxmlformats.org/drawingml/2006/chart" xmlns:dgm="http://schemas.openxmlformats.org/drawingml/2006/diagram" xmlns:o="urn:schemas-microsoft-com:office:office" xmlns:v="urn:schemas-microsoft-com:vml" xmlns:pvml="urn:schemas-microsoft-com:office:powerpoint" xmlns:com="http://schemas.openxmlformats.org/drawingml/2006/compatibility" xmlns:p14="http://schemas.microsoft.com/office/powerpoint/2010/main" xmlns:p15="http://schemas.microsoft.com/office/powerpoint/2012/main" xmlns:go="http://customooxmlschemas.google.com/" r:id="rId29" roundtripDataSignature="AMtx7mjYSJr9dBhpBi3R8tFsPF3I3gzuVA=="/>
     </p:ext>
   </p:extLst>
 </p:presentation>
@@ -1893,6 +1894,123 @@
     <p:extLst>
       <p:ext uri="{BB962C8B-B14F-4D97-AF65-F5344CB8AC3E}">
         <p14:creationId xmlns:p14="http://schemas.microsoft.com/office/powerpoint/2010/main" val="882038388"/>
+      </p:ext>
+    </p:extLst>
+  </p:cSld>
+  <p:clrMapOvr>
+    <a:masterClrMapping/>
+  </p:clrMapOvr>
+</p:notes>
+</file>
+
+<file path=ppt/notesSlides/notesSlide10.xml><?xml version="1.0" encoding="utf-8"?>
+<p:notes xmlns:a="http://schemas.openxmlformats.org/drawingml/2006/main" xmlns:r="http://schemas.openxmlformats.org/officeDocument/2006/relationships" xmlns:p="http://schemas.openxmlformats.org/presentationml/2006/main">
+  <p:cSld>
+    <p:spTree>
+      <p:nvGrpSpPr>
+        <p:cNvPr id="1" name=""/>
+        <p:cNvGrpSpPr/>
+        <p:nvPr/>
+      </p:nvGrpSpPr>
+      <p:grpSpPr>
+        <a:xfrm>
+          <a:off x="0" y="0"/>
+          <a:ext cx="0" cy="0"/>
+          <a:chOff x="0" y="0"/>
+          <a:chExt cx="0" cy="0"/>
+        </a:xfrm>
+      </p:grpSpPr>
+      <p:sp>
+        <p:nvSpPr>
+          <p:cNvPr id="2" name="Slide Image Placeholder 1"/>
+          <p:cNvSpPr>
+            <a:spLocks noGrp="1" noRot="1" noChangeAspect="1"/>
+          </p:cNvSpPr>
+          <p:nvPr>
+            <p:ph type="sldImg"/>
+          </p:nvPr>
+        </p:nvSpPr>
+        <p:spPr/>
+      </p:sp>
+      <p:sp>
+        <p:nvSpPr>
+          <p:cNvPr id="3" name="Notes Placeholder 2"/>
+          <p:cNvSpPr>
+            <a:spLocks noGrp="1"/>
+          </p:cNvSpPr>
+          <p:nvPr>
+            <p:ph type="body" idx="1"/>
+          </p:nvPr>
+        </p:nvSpPr>
+        <p:spPr/>
+        <p:txBody>
+          <a:bodyPr/>
+          <a:lstStyle/>
+          <a:p>
+            <a:endParaRPr lang="en-US" dirty="0"/>
+          </a:p>
+        </p:txBody>
+      </p:sp>
+      <p:sp>
+        <p:nvSpPr>
+          <p:cNvPr id="4" name="Slide Number Placeholder 3"/>
+          <p:cNvSpPr>
+            <a:spLocks noGrp="1"/>
+          </p:cNvSpPr>
+          <p:nvPr>
+            <p:ph type="sldNum" idx="10"/>
+          </p:nvPr>
+        </p:nvSpPr>
+        <p:spPr/>
+        <p:txBody>
+          <a:bodyPr/>
+          <a:lstStyle/>
+          <a:p>
+            <a:pPr marL="0" marR="0" lvl="0" indent="0" algn="r" rtl="0">
+              <a:lnSpc>
+                <a:spcPct val="100000"/>
+              </a:lnSpc>
+              <a:spcBef>
+                <a:spcPts val="0"/>
+              </a:spcBef>
+              <a:spcAft>
+                <a:spcPts val="0"/>
+              </a:spcAft>
+              <a:buClr>
+                <a:srgbClr val="000000"/>
+              </a:buClr>
+              <a:buSzPts val="1200"/>
+              <a:buFont typeface="Arial"/>
+              <a:buNone/>
+            </a:pPr>
+            <a:fld id="{00000000-1234-1234-1234-123412341234}" type="slidenum">
+              <a:rPr lang="uk-UA" sz="1200" b="0" i="0" u="none" strike="noStrike" cap="none" smtClean="0">
+                <a:solidFill>
+                  <a:schemeClr val="dk1"/>
+                </a:solidFill>
+                <a:latin typeface="Corbel"/>
+                <a:ea typeface="Corbel"/>
+                <a:cs typeface="Corbel"/>
+                <a:sym typeface="Corbel"/>
+              </a:rPr>
+              <a:t>26</a:t>
+            </a:fld>
+            <a:endParaRPr lang="uk-UA" sz="1200" b="0" i="0" u="none" strike="noStrike" cap="none">
+              <a:solidFill>
+                <a:schemeClr val="dk1"/>
+              </a:solidFill>
+              <a:latin typeface="Corbel"/>
+              <a:ea typeface="Corbel"/>
+              <a:cs typeface="Corbel"/>
+              <a:sym typeface="Corbel"/>
+            </a:endParaRPr>
+          </a:p>
+        </p:txBody>
+      </p:sp>
+    </p:spTree>
+    <p:extLst>
+      <p:ext uri="{BB962C8B-B14F-4D97-AF65-F5344CB8AC3E}">
+        <p14:creationId xmlns:p14="http://schemas.microsoft.com/office/powerpoint/2010/main" val="4011137366"/>
       </p:ext>
     </p:extLst>
   </p:cSld>
@@ -3079,7 +3197,7 @@
           <a:p>
             <a:fld id="{BF4F8DC3-0006-B147-AA6D-FF436E850004}" type="datetimeFigureOut">
               <a:rPr lang="en-US" smtClean="0"/>
-              <a:t>5/2/22</a:t>
+              <a:t>5/10/22</a:t>
             </a:fld>
             <a:endParaRPr lang="en-US"/>
           </a:p>
@@ -33952,6 +34070,1228 @@
 </p:sld>
 </file>
 
+<file path=ppt/slides/slide26.xml><?xml version="1.0" encoding="utf-8"?>
+<p:sld xmlns:a="http://schemas.openxmlformats.org/drawingml/2006/main" xmlns:r="http://schemas.openxmlformats.org/officeDocument/2006/relationships" xmlns:p="http://schemas.openxmlformats.org/presentationml/2006/main">
+  <p:cSld>
+    <p:spTree>
+      <p:nvGrpSpPr>
+        <p:cNvPr id="1" name=""/>
+        <p:cNvGrpSpPr/>
+        <p:nvPr/>
+      </p:nvGrpSpPr>
+      <p:grpSpPr>
+        <a:xfrm>
+          <a:off x="0" y="0"/>
+          <a:ext cx="0" cy="0"/>
+          <a:chOff x="0" y="0"/>
+          <a:chExt cx="0" cy="0"/>
+        </a:xfrm>
+      </p:grpSpPr>
+      <p:sp>
+        <p:nvSpPr>
+          <p:cNvPr id="2" name="TextBox 1">
+            <a:extLst>
+              <a:ext uri="{FF2B5EF4-FFF2-40B4-BE49-F238E27FC236}">
+                <a16:creationId xmlns:a16="http://schemas.microsoft.com/office/drawing/2014/main" id="{7FEBB01A-7945-AA44-8E31-26DD1AC3DB3F}"/>
+              </a:ext>
+            </a:extLst>
+          </p:cNvPr>
+          <p:cNvSpPr txBox="1"/>
+          <p:nvPr/>
+        </p:nvSpPr>
+        <p:spPr>
+          <a:xfrm>
+            <a:off x="1646263" y="987238"/>
+            <a:ext cx="1119217" cy="400110"/>
+          </a:xfrm>
+          <a:prstGeom prst="rect">
+            <a:avLst/>
+          </a:prstGeom>
+          <a:noFill/>
+        </p:spPr>
+        <p:txBody>
+          <a:bodyPr wrap="none" rtlCol="0">
+            <a:spAutoFit/>
+          </a:bodyPr>
+          <a:lstStyle/>
+          <a:p>
+            <a:pPr algn="ctr"/>
+            <a:r>
+              <a:rPr lang="en-US" sz="2000" i="1" dirty="0">
+                <a:latin typeface="Calibri" panose="020F0502020204030204" pitchFamily="34" charset="0"/>
+                <a:cs typeface="Calibri" panose="020F0502020204030204" pitchFamily="34" charset="0"/>
+              </a:rPr>
+              <a:t>Service A</a:t>
+            </a:r>
+          </a:p>
+        </p:txBody>
+      </p:sp>
+      <p:cxnSp>
+        <p:nvCxnSpPr>
+          <p:cNvPr id="4" name="Straight Connector 3">
+            <a:extLst>
+              <a:ext uri="{FF2B5EF4-FFF2-40B4-BE49-F238E27FC236}">
+                <a16:creationId xmlns:a16="http://schemas.microsoft.com/office/drawing/2014/main" id="{0D4C4C6D-BDB9-F341-B552-90414B51065F}"/>
+              </a:ext>
+            </a:extLst>
+          </p:cNvPr>
+          <p:cNvCxnSpPr/>
+          <p:nvPr/>
+        </p:nvCxnSpPr>
+        <p:spPr>
+          <a:xfrm>
+            <a:off x="1008668" y="1781506"/>
+            <a:ext cx="2394408" cy="0"/>
+          </a:xfrm>
+          <a:prstGeom prst="line">
+            <a:avLst/>
+          </a:prstGeom>
+          <a:ln w="38100">
+            <a:solidFill>
+              <a:srgbClr val="0070C0"/>
+            </a:solidFill>
+            <a:bevel/>
+            <a:headEnd type="diamond" w="med" len="med"/>
+            <a:tailEnd type="diamond" w="med" len="med"/>
+          </a:ln>
+        </p:spPr>
+        <p:style>
+          <a:lnRef idx="1">
+            <a:schemeClr val="accent1"/>
+          </a:lnRef>
+          <a:fillRef idx="0">
+            <a:schemeClr val="accent1"/>
+          </a:fillRef>
+          <a:effectRef idx="0">
+            <a:schemeClr val="accent1"/>
+          </a:effectRef>
+          <a:fontRef idx="minor">
+            <a:schemeClr val="tx1"/>
+          </a:fontRef>
+        </p:style>
+      </p:cxnSp>
+      <p:cxnSp>
+        <p:nvCxnSpPr>
+          <p:cNvPr id="7" name="Straight Connector 6">
+            <a:extLst>
+              <a:ext uri="{FF2B5EF4-FFF2-40B4-BE49-F238E27FC236}">
+                <a16:creationId xmlns:a16="http://schemas.microsoft.com/office/drawing/2014/main" id="{A9B964A0-C40C-284D-858E-3775AF3D0DB5}"/>
+              </a:ext>
+            </a:extLst>
+          </p:cNvPr>
+          <p:cNvCxnSpPr>
+            <a:cxnSpLocks/>
+          </p:cNvCxnSpPr>
+          <p:nvPr/>
+        </p:nvCxnSpPr>
+        <p:spPr>
+          <a:xfrm>
+            <a:off x="1437112" y="2288748"/>
+            <a:ext cx="768759" cy="0"/>
+          </a:xfrm>
+          <a:prstGeom prst="line">
+            <a:avLst/>
+          </a:prstGeom>
+          <a:ln w="38100">
+            <a:solidFill>
+              <a:srgbClr val="0070C0"/>
+            </a:solidFill>
+            <a:bevel/>
+            <a:headEnd type="diamond" w="med" len="med"/>
+            <a:tailEnd type="diamond" w="med" len="med"/>
+          </a:ln>
+        </p:spPr>
+        <p:style>
+          <a:lnRef idx="1">
+            <a:schemeClr val="accent1"/>
+          </a:lnRef>
+          <a:fillRef idx="0">
+            <a:schemeClr val="accent1"/>
+          </a:fillRef>
+          <a:effectRef idx="0">
+            <a:schemeClr val="accent1"/>
+          </a:effectRef>
+          <a:fontRef idx="minor">
+            <a:schemeClr val="tx1"/>
+          </a:fontRef>
+        </p:style>
+      </p:cxnSp>
+      <p:cxnSp>
+        <p:nvCxnSpPr>
+          <p:cNvPr id="9" name="Straight Connector 8">
+            <a:extLst>
+              <a:ext uri="{FF2B5EF4-FFF2-40B4-BE49-F238E27FC236}">
+                <a16:creationId xmlns:a16="http://schemas.microsoft.com/office/drawing/2014/main" id="{20879702-07A7-3342-88C1-30460F2D9887}"/>
+              </a:ext>
+            </a:extLst>
+          </p:cNvPr>
+          <p:cNvCxnSpPr>
+            <a:cxnSpLocks/>
+          </p:cNvCxnSpPr>
+          <p:nvPr/>
+        </p:nvCxnSpPr>
+        <p:spPr>
+          <a:xfrm>
+            <a:off x="1692750" y="2782343"/>
+            <a:ext cx="1026243" cy="0"/>
+          </a:xfrm>
+          <a:prstGeom prst="line">
+            <a:avLst/>
+          </a:prstGeom>
+          <a:ln w="38100">
+            <a:solidFill>
+              <a:srgbClr val="0070C0"/>
+            </a:solidFill>
+            <a:bevel/>
+            <a:headEnd type="diamond" w="med" len="med"/>
+            <a:tailEnd type="diamond" w="med" len="med"/>
+          </a:ln>
+        </p:spPr>
+        <p:style>
+          <a:lnRef idx="1">
+            <a:schemeClr val="accent1"/>
+          </a:lnRef>
+          <a:fillRef idx="0">
+            <a:schemeClr val="accent1"/>
+          </a:fillRef>
+          <a:effectRef idx="0">
+            <a:schemeClr val="accent1"/>
+          </a:effectRef>
+          <a:fontRef idx="minor">
+            <a:schemeClr val="tx1"/>
+          </a:fontRef>
+        </p:style>
+      </p:cxnSp>
+      <p:sp>
+        <p:nvSpPr>
+          <p:cNvPr id="11" name="TextBox 10">
+            <a:extLst>
+              <a:ext uri="{FF2B5EF4-FFF2-40B4-BE49-F238E27FC236}">
+                <a16:creationId xmlns:a16="http://schemas.microsoft.com/office/drawing/2014/main" id="{CB036170-8F5F-314C-AD2E-4B74140A0D41}"/>
+              </a:ext>
+            </a:extLst>
+          </p:cNvPr>
+          <p:cNvSpPr txBox="1"/>
+          <p:nvPr/>
+        </p:nvSpPr>
+        <p:spPr>
+          <a:xfrm>
+            <a:off x="1008668" y="1463424"/>
+            <a:ext cx="1192955" cy="338554"/>
+          </a:xfrm>
+          <a:prstGeom prst="rect">
+            <a:avLst/>
+          </a:prstGeom>
+          <a:noFill/>
+        </p:spPr>
+        <p:txBody>
+          <a:bodyPr wrap="none" rtlCol="0">
+            <a:spAutoFit/>
+          </a:bodyPr>
+          <a:lstStyle/>
+          <a:p>
+            <a:r>
+              <a:rPr lang="en-US" sz="1600" dirty="0">
+                <a:latin typeface="Calibri" panose="020F0502020204030204" pitchFamily="34" charset="0"/>
+                <a:cs typeface="Calibri" panose="020F0502020204030204" pitchFamily="34" charset="0"/>
+              </a:rPr>
+              <a:t>Parent Span</a:t>
+            </a:r>
+          </a:p>
+        </p:txBody>
+      </p:sp>
+      <p:sp>
+        <p:nvSpPr>
+          <p:cNvPr id="12" name="TextBox 11">
+            <a:extLst>
+              <a:ext uri="{FF2B5EF4-FFF2-40B4-BE49-F238E27FC236}">
+                <a16:creationId xmlns:a16="http://schemas.microsoft.com/office/drawing/2014/main" id="{DFDE86D6-15A1-8B45-9A0C-B7C90E60DC8B}"/>
+              </a:ext>
+            </a:extLst>
+          </p:cNvPr>
+          <p:cNvSpPr txBox="1"/>
+          <p:nvPr/>
+        </p:nvSpPr>
+        <p:spPr>
+          <a:xfrm>
+            <a:off x="1437112" y="1971812"/>
+            <a:ext cx="601447" cy="338554"/>
+          </a:xfrm>
+          <a:prstGeom prst="rect">
+            <a:avLst/>
+          </a:prstGeom>
+          <a:noFill/>
+        </p:spPr>
+        <p:txBody>
+          <a:bodyPr wrap="none" rtlCol="0">
+            <a:spAutoFit/>
+          </a:bodyPr>
+          <a:lstStyle/>
+          <a:p>
+            <a:r>
+              <a:rPr lang="en-US" sz="1600" dirty="0">
+                <a:latin typeface="Calibri" panose="020F0502020204030204" pitchFamily="34" charset="0"/>
+                <a:cs typeface="Calibri" panose="020F0502020204030204" pitchFamily="34" charset="0"/>
+              </a:rPr>
+              <a:t>Child</a:t>
+            </a:r>
+          </a:p>
+        </p:txBody>
+      </p:sp>
+      <p:sp>
+        <p:nvSpPr>
+          <p:cNvPr id="13" name="TextBox 12">
+            <a:extLst>
+              <a:ext uri="{FF2B5EF4-FFF2-40B4-BE49-F238E27FC236}">
+                <a16:creationId xmlns:a16="http://schemas.microsoft.com/office/drawing/2014/main" id="{CC2E53B3-44EB-D444-9004-966655FA353C}"/>
+              </a:ext>
+            </a:extLst>
+          </p:cNvPr>
+          <p:cNvSpPr txBox="1"/>
+          <p:nvPr/>
+        </p:nvSpPr>
+        <p:spPr>
+          <a:xfrm>
+            <a:off x="1697793" y="2474217"/>
+            <a:ext cx="601447" cy="338554"/>
+          </a:xfrm>
+          <a:prstGeom prst="rect">
+            <a:avLst/>
+          </a:prstGeom>
+          <a:noFill/>
+        </p:spPr>
+        <p:txBody>
+          <a:bodyPr wrap="none" rtlCol="0">
+            <a:spAutoFit/>
+          </a:bodyPr>
+          <a:lstStyle/>
+          <a:p>
+            <a:r>
+              <a:rPr lang="en-US" sz="1600" dirty="0">
+                <a:latin typeface="Calibri" panose="020F0502020204030204" pitchFamily="34" charset="0"/>
+                <a:cs typeface="Calibri" panose="020F0502020204030204" pitchFamily="34" charset="0"/>
+              </a:rPr>
+              <a:t>Child</a:t>
+            </a:r>
+          </a:p>
+        </p:txBody>
+      </p:sp>
+      <p:cxnSp>
+        <p:nvCxnSpPr>
+          <p:cNvPr id="14" name="Straight Arrow Connector 13">
+            <a:extLst>
+              <a:ext uri="{FF2B5EF4-FFF2-40B4-BE49-F238E27FC236}">
+                <a16:creationId xmlns:a16="http://schemas.microsoft.com/office/drawing/2014/main" id="{E6D272DB-17DB-4742-BA6A-403D7096E1C5}"/>
+              </a:ext>
+            </a:extLst>
+          </p:cNvPr>
+          <p:cNvCxnSpPr/>
+          <p:nvPr/>
+        </p:nvCxnSpPr>
+        <p:spPr>
+          <a:xfrm>
+            <a:off x="1437112" y="1781506"/>
+            <a:ext cx="0" cy="507242"/>
+          </a:xfrm>
+          <a:prstGeom prst="straightConnector1">
+            <a:avLst/>
+          </a:prstGeom>
+          <a:ln w="12700">
+            <a:prstDash val="sysDot"/>
+            <a:headEnd type="none" w="med" len="med"/>
+            <a:tailEnd type="none" w="med" len="med"/>
+          </a:ln>
+        </p:spPr>
+        <p:style>
+          <a:lnRef idx="1">
+            <a:schemeClr val="accent1"/>
+          </a:lnRef>
+          <a:fillRef idx="0">
+            <a:schemeClr val="accent1"/>
+          </a:fillRef>
+          <a:effectRef idx="0">
+            <a:schemeClr val="accent1"/>
+          </a:effectRef>
+          <a:fontRef idx="minor">
+            <a:schemeClr val="tx1"/>
+          </a:fontRef>
+        </p:style>
+      </p:cxnSp>
+      <p:cxnSp>
+        <p:nvCxnSpPr>
+          <p:cNvPr id="16" name="Straight Arrow Connector 15">
+            <a:extLst>
+              <a:ext uri="{FF2B5EF4-FFF2-40B4-BE49-F238E27FC236}">
+                <a16:creationId xmlns:a16="http://schemas.microsoft.com/office/drawing/2014/main" id="{7629602C-8680-2D48-9A81-C18C50E092B0}"/>
+              </a:ext>
+            </a:extLst>
+          </p:cNvPr>
+          <p:cNvCxnSpPr/>
+          <p:nvPr/>
+        </p:nvCxnSpPr>
+        <p:spPr>
+          <a:xfrm>
+            <a:off x="1673559" y="2275101"/>
+            <a:ext cx="0" cy="507242"/>
+          </a:xfrm>
+          <a:prstGeom prst="straightConnector1">
+            <a:avLst/>
+          </a:prstGeom>
+          <a:ln w="12700">
+            <a:prstDash val="sysDot"/>
+            <a:headEnd type="none" w="med" len="med"/>
+            <a:tailEnd type="none" w="med" len="med"/>
+          </a:ln>
+        </p:spPr>
+        <p:style>
+          <a:lnRef idx="1">
+            <a:schemeClr val="accent1"/>
+          </a:lnRef>
+          <a:fillRef idx="0">
+            <a:schemeClr val="accent1"/>
+          </a:fillRef>
+          <a:effectRef idx="0">
+            <a:schemeClr val="accent1"/>
+          </a:effectRef>
+          <a:fontRef idx="minor">
+            <a:schemeClr val="tx1"/>
+          </a:fontRef>
+        </p:style>
+      </p:cxnSp>
+      <p:sp>
+        <p:nvSpPr>
+          <p:cNvPr id="20" name="TextBox 19">
+            <a:extLst>
+              <a:ext uri="{FF2B5EF4-FFF2-40B4-BE49-F238E27FC236}">
+                <a16:creationId xmlns:a16="http://schemas.microsoft.com/office/drawing/2014/main" id="{FB5655DB-407D-7F4E-B56F-0427DC4DEFEA}"/>
+              </a:ext>
+            </a:extLst>
+          </p:cNvPr>
+          <p:cNvSpPr txBox="1"/>
+          <p:nvPr/>
+        </p:nvSpPr>
+        <p:spPr>
+          <a:xfrm>
+            <a:off x="2751832" y="2072293"/>
+            <a:ext cx="476412" cy="338554"/>
+          </a:xfrm>
+          <a:prstGeom prst="rect">
+            <a:avLst/>
+          </a:prstGeom>
+          <a:noFill/>
+        </p:spPr>
+        <p:txBody>
+          <a:bodyPr wrap="none" rtlCol="0">
+            <a:spAutoFit/>
+          </a:bodyPr>
+          <a:lstStyle/>
+          <a:p>
+            <a:r>
+              <a:rPr lang="en-US" sz="1600" dirty="0">
+                <a:latin typeface="Calibri" panose="020F0502020204030204" pitchFamily="34" charset="0"/>
+                <a:cs typeface="Calibri" panose="020F0502020204030204" pitchFamily="34" charset="0"/>
+              </a:rPr>
+              <a:t>Log</a:t>
+            </a:r>
+          </a:p>
+        </p:txBody>
+      </p:sp>
+      <p:cxnSp>
+        <p:nvCxnSpPr>
+          <p:cNvPr id="21" name="Straight Connector 20">
+            <a:extLst>
+              <a:ext uri="{FF2B5EF4-FFF2-40B4-BE49-F238E27FC236}">
+                <a16:creationId xmlns:a16="http://schemas.microsoft.com/office/drawing/2014/main" id="{9D998DD4-BB2A-A649-9CAA-A603064BC42B}"/>
+              </a:ext>
+            </a:extLst>
+          </p:cNvPr>
+          <p:cNvCxnSpPr>
+            <a:cxnSpLocks/>
+            <a:stCxn id="20" idx="0"/>
+          </p:cNvCxnSpPr>
+          <p:nvPr/>
+        </p:nvCxnSpPr>
+        <p:spPr>
+          <a:xfrm flipV="1">
+            <a:off x="2990038" y="1764446"/>
+            <a:ext cx="0" cy="307847"/>
+          </a:xfrm>
+          <a:prstGeom prst="line">
+            <a:avLst/>
+          </a:prstGeom>
+          <a:ln w="28575">
+            <a:solidFill>
+              <a:srgbClr val="000000"/>
+            </a:solidFill>
+          </a:ln>
+        </p:spPr>
+        <p:style>
+          <a:lnRef idx="1">
+            <a:schemeClr val="accent1"/>
+          </a:lnRef>
+          <a:fillRef idx="0">
+            <a:schemeClr val="accent1"/>
+          </a:fillRef>
+          <a:effectRef idx="0">
+            <a:schemeClr val="accent1"/>
+          </a:effectRef>
+          <a:fontRef idx="minor">
+            <a:schemeClr val="tx1"/>
+          </a:fontRef>
+        </p:style>
+      </p:cxnSp>
+      <p:grpSp>
+        <p:nvGrpSpPr>
+          <p:cNvPr id="23" name="Group 22">
+            <a:extLst>
+              <a:ext uri="{FF2B5EF4-FFF2-40B4-BE49-F238E27FC236}">
+                <a16:creationId xmlns:a16="http://schemas.microsoft.com/office/drawing/2014/main" id="{79730B20-E147-114D-8C39-8C69CAE002B1}"/>
+              </a:ext>
+            </a:extLst>
+          </p:cNvPr>
+          <p:cNvGrpSpPr/>
+          <p:nvPr/>
+        </p:nvGrpSpPr>
+        <p:grpSpPr>
+          <a:xfrm>
+            <a:off x="1842018" y="2788543"/>
+            <a:ext cx="476412" cy="646401"/>
+            <a:chOff x="2904232" y="2981374"/>
+            <a:chExt cx="476412" cy="646401"/>
+          </a:xfrm>
+        </p:grpSpPr>
+        <p:sp>
+          <p:nvSpPr>
+            <p:cNvPr id="24" name="TextBox 23">
+              <a:extLst>
+                <a:ext uri="{FF2B5EF4-FFF2-40B4-BE49-F238E27FC236}">
+                  <a16:creationId xmlns:a16="http://schemas.microsoft.com/office/drawing/2014/main" id="{29A367D0-9A5F-BB4D-B6B4-472494AA2397}"/>
+                </a:ext>
+              </a:extLst>
+            </p:cNvPr>
+            <p:cNvSpPr txBox="1"/>
+            <p:nvPr/>
+          </p:nvSpPr>
+          <p:spPr>
+            <a:xfrm>
+              <a:off x="2904232" y="3289221"/>
+              <a:ext cx="476412" cy="338554"/>
+            </a:xfrm>
+            <a:prstGeom prst="rect">
+              <a:avLst/>
+            </a:prstGeom>
+            <a:noFill/>
+          </p:spPr>
+          <p:txBody>
+            <a:bodyPr wrap="none" rtlCol="0">
+              <a:spAutoFit/>
+            </a:bodyPr>
+            <a:lstStyle/>
+            <a:p>
+              <a:r>
+                <a:rPr lang="en-US" sz="1600" dirty="0">
+                  <a:latin typeface="Calibri" panose="020F0502020204030204" pitchFamily="34" charset="0"/>
+                  <a:cs typeface="Calibri" panose="020F0502020204030204" pitchFamily="34" charset="0"/>
+                </a:rPr>
+                <a:t>Log</a:t>
+              </a:r>
+            </a:p>
+          </p:txBody>
+        </p:sp>
+        <p:cxnSp>
+          <p:nvCxnSpPr>
+            <p:cNvPr id="26" name="Straight Connector 25">
+              <a:extLst>
+                <a:ext uri="{FF2B5EF4-FFF2-40B4-BE49-F238E27FC236}">
+                  <a16:creationId xmlns:a16="http://schemas.microsoft.com/office/drawing/2014/main" id="{823C72B0-0820-C543-A7E7-52FCF3AD439D}"/>
+                </a:ext>
+              </a:extLst>
+            </p:cNvPr>
+            <p:cNvCxnSpPr>
+              <a:cxnSpLocks/>
+              <a:stCxn id="24" idx="0"/>
+            </p:cNvCxnSpPr>
+            <p:nvPr/>
+          </p:nvCxnSpPr>
+          <p:spPr>
+            <a:xfrm flipV="1">
+              <a:off x="3142438" y="2981374"/>
+              <a:ext cx="0" cy="307847"/>
+            </a:xfrm>
+            <a:prstGeom prst="line">
+              <a:avLst/>
+            </a:prstGeom>
+            <a:ln w="28575">
+              <a:solidFill>
+                <a:srgbClr val="000000"/>
+              </a:solidFill>
+            </a:ln>
+          </p:spPr>
+          <p:style>
+            <a:lnRef idx="1">
+              <a:schemeClr val="accent1"/>
+            </a:lnRef>
+            <a:fillRef idx="0">
+              <a:schemeClr val="accent1"/>
+            </a:fillRef>
+            <a:effectRef idx="0">
+              <a:schemeClr val="accent1"/>
+            </a:effectRef>
+            <a:fontRef idx="minor">
+              <a:schemeClr val="tx1"/>
+            </a:fontRef>
+          </p:style>
+        </p:cxnSp>
+      </p:grpSp>
+      <p:grpSp>
+        <p:nvGrpSpPr>
+          <p:cNvPr id="27" name="Group 26">
+            <a:extLst>
+              <a:ext uri="{FF2B5EF4-FFF2-40B4-BE49-F238E27FC236}">
+                <a16:creationId xmlns:a16="http://schemas.microsoft.com/office/drawing/2014/main" id="{84810DBE-BB51-AD43-8D02-30CAA6BF807A}"/>
+              </a:ext>
+            </a:extLst>
+          </p:cNvPr>
+          <p:cNvGrpSpPr/>
+          <p:nvPr/>
+        </p:nvGrpSpPr>
+        <p:grpSpPr>
+          <a:xfrm>
+            <a:off x="2254833" y="2788543"/>
+            <a:ext cx="476412" cy="646401"/>
+            <a:chOff x="2904232" y="2981374"/>
+            <a:chExt cx="476412" cy="646401"/>
+          </a:xfrm>
+        </p:grpSpPr>
+        <p:sp>
+          <p:nvSpPr>
+            <p:cNvPr id="28" name="TextBox 27">
+              <a:extLst>
+                <a:ext uri="{FF2B5EF4-FFF2-40B4-BE49-F238E27FC236}">
+                  <a16:creationId xmlns:a16="http://schemas.microsoft.com/office/drawing/2014/main" id="{816ADA38-8A2C-444C-A80E-A2CC14F0FABA}"/>
+                </a:ext>
+              </a:extLst>
+            </p:cNvPr>
+            <p:cNvSpPr txBox="1"/>
+            <p:nvPr/>
+          </p:nvSpPr>
+          <p:spPr>
+            <a:xfrm>
+              <a:off x="2904232" y="3289221"/>
+              <a:ext cx="476412" cy="338554"/>
+            </a:xfrm>
+            <a:prstGeom prst="rect">
+              <a:avLst/>
+            </a:prstGeom>
+            <a:noFill/>
+          </p:spPr>
+          <p:txBody>
+            <a:bodyPr wrap="none" rtlCol="0">
+              <a:spAutoFit/>
+            </a:bodyPr>
+            <a:lstStyle/>
+            <a:p>
+              <a:r>
+                <a:rPr lang="en-US" sz="1600" dirty="0">
+                  <a:latin typeface="Calibri" panose="020F0502020204030204" pitchFamily="34" charset="0"/>
+                  <a:cs typeface="Calibri" panose="020F0502020204030204" pitchFamily="34" charset="0"/>
+                </a:rPr>
+                <a:t>Log</a:t>
+              </a:r>
+            </a:p>
+          </p:txBody>
+        </p:sp>
+        <p:cxnSp>
+          <p:nvCxnSpPr>
+            <p:cNvPr id="29" name="Straight Connector 28">
+              <a:extLst>
+                <a:ext uri="{FF2B5EF4-FFF2-40B4-BE49-F238E27FC236}">
+                  <a16:creationId xmlns:a16="http://schemas.microsoft.com/office/drawing/2014/main" id="{60DB29D6-90FE-8647-9C6A-841A2ED99FDB}"/>
+                </a:ext>
+              </a:extLst>
+            </p:cNvPr>
+            <p:cNvCxnSpPr>
+              <a:cxnSpLocks/>
+              <a:stCxn id="28" idx="0"/>
+            </p:cNvCxnSpPr>
+            <p:nvPr/>
+          </p:nvCxnSpPr>
+          <p:spPr>
+            <a:xfrm flipV="1">
+              <a:off x="3142438" y="2981374"/>
+              <a:ext cx="0" cy="307847"/>
+            </a:xfrm>
+            <a:prstGeom prst="line">
+              <a:avLst/>
+            </a:prstGeom>
+            <a:ln w="28575">
+              <a:solidFill>
+                <a:srgbClr val="000000"/>
+              </a:solidFill>
+            </a:ln>
+          </p:spPr>
+          <p:style>
+            <a:lnRef idx="1">
+              <a:schemeClr val="accent1"/>
+            </a:lnRef>
+            <a:fillRef idx="0">
+              <a:schemeClr val="accent1"/>
+            </a:fillRef>
+            <a:effectRef idx="0">
+              <a:schemeClr val="accent1"/>
+            </a:effectRef>
+            <a:fontRef idx="minor">
+              <a:schemeClr val="tx1"/>
+            </a:fontRef>
+          </p:style>
+        </p:cxnSp>
+      </p:grpSp>
+      <p:sp>
+        <p:nvSpPr>
+          <p:cNvPr id="30" name="TextBox 29">
+            <a:extLst>
+              <a:ext uri="{FF2B5EF4-FFF2-40B4-BE49-F238E27FC236}">
+                <a16:creationId xmlns:a16="http://schemas.microsoft.com/office/drawing/2014/main" id="{0634E63A-20A6-6F44-AC82-571440DD3A0F}"/>
+              </a:ext>
+            </a:extLst>
+          </p:cNvPr>
+          <p:cNvSpPr txBox="1"/>
+          <p:nvPr/>
+        </p:nvSpPr>
+        <p:spPr>
+          <a:xfrm>
+            <a:off x="6234195" y="987238"/>
+            <a:ext cx="1119217" cy="400110"/>
+          </a:xfrm>
+          <a:prstGeom prst="rect">
+            <a:avLst/>
+          </a:prstGeom>
+          <a:noFill/>
+        </p:spPr>
+        <p:txBody>
+          <a:bodyPr wrap="none" rtlCol="0">
+            <a:spAutoFit/>
+          </a:bodyPr>
+          <a:lstStyle/>
+          <a:p>
+            <a:pPr algn="ctr"/>
+            <a:r>
+              <a:rPr lang="en-US" sz="2000" i="1" dirty="0">
+                <a:latin typeface="Calibri" panose="020F0502020204030204" pitchFamily="34" charset="0"/>
+                <a:cs typeface="Calibri" panose="020F0502020204030204" pitchFamily="34" charset="0"/>
+              </a:rPr>
+              <a:t>Service B</a:t>
+            </a:r>
+          </a:p>
+        </p:txBody>
+      </p:sp>
+      <p:cxnSp>
+        <p:nvCxnSpPr>
+          <p:cNvPr id="31" name="Straight Connector 30">
+            <a:extLst>
+              <a:ext uri="{FF2B5EF4-FFF2-40B4-BE49-F238E27FC236}">
+                <a16:creationId xmlns:a16="http://schemas.microsoft.com/office/drawing/2014/main" id="{63BAA2CE-4312-B54F-8050-73DF6EBD1A2B}"/>
+              </a:ext>
+            </a:extLst>
+          </p:cNvPr>
+          <p:cNvCxnSpPr/>
+          <p:nvPr/>
+        </p:nvCxnSpPr>
+        <p:spPr>
+          <a:xfrm>
+            <a:off x="5596600" y="1770130"/>
+            <a:ext cx="2394408" cy="0"/>
+          </a:xfrm>
+          <a:prstGeom prst="line">
+            <a:avLst/>
+          </a:prstGeom>
+          <a:ln w="38100">
+            <a:solidFill>
+              <a:srgbClr val="0070C0"/>
+            </a:solidFill>
+            <a:bevel/>
+            <a:headEnd type="diamond" w="med" len="med"/>
+            <a:tailEnd type="diamond" w="med" len="med"/>
+          </a:ln>
+        </p:spPr>
+        <p:style>
+          <a:lnRef idx="1">
+            <a:schemeClr val="accent1"/>
+          </a:lnRef>
+          <a:fillRef idx="0">
+            <a:schemeClr val="accent1"/>
+          </a:fillRef>
+          <a:effectRef idx="0">
+            <a:schemeClr val="accent1"/>
+          </a:effectRef>
+          <a:fontRef idx="minor">
+            <a:schemeClr val="tx1"/>
+          </a:fontRef>
+        </p:style>
+      </p:cxnSp>
+      <p:sp>
+        <p:nvSpPr>
+          <p:cNvPr id="34" name="TextBox 33">
+            <a:extLst>
+              <a:ext uri="{FF2B5EF4-FFF2-40B4-BE49-F238E27FC236}">
+                <a16:creationId xmlns:a16="http://schemas.microsoft.com/office/drawing/2014/main" id="{0ED24AAF-E159-EE4A-B664-E0F8118F4950}"/>
+              </a:ext>
+            </a:extLst>
+          </p:cNvPr>
+          <p:cNvSpPr txBox="1"/>
+          <p:nvPr/>
+        </p:nvSpPr>
+        <p:spPr>
+          <a:xfrm>
+            <a:off x="5596600" y="1452048"/>
+            <a:ext cx="1055097" cy="338554"/>
+          </a:xfrm>
+          <a:prstGeom prst="rect">
+            <a:avLst/>
+          </a:prstGeom>
+          <a:noFill/>
+        </p:spPr>
+        <p:txBody>
+          <a:bodyPr wrap="none" rtlCol="0">
+            <a:spAutoFit/>
+          </a:bodyPr>
+          <a:lstStyle/>
+          <a:p>
+            <a:r>
+              <a:rPr lang="en-US" sz="1600" dirty="0">
+                <a:latin typeface="Calibri" panose="020F0502020204030204" pitchFamily="34" charset="0"/>
+                <a:cs typeface="Calibri" panose="020F0502020204030204" pitchFamily="34" charset="0"/>
+              </a:rPr>
+              <a:t>Child Span</a:t>
+            </a:r>
+          </a:p>
+        </p:txBody>
+      </p:sp>
+      <p:sp>
+        <p:nvSpPr>
+          <p:cNvPr id="39" name="TextBox 38">
+            <a:extLst>
+              <a:ext uri="{FF2B5EF4-FFF2-40B4-BE49-F238E27FC236}">
+                <a16:creationId xmlns:a16="http://schemas.microsoft.com/office/drawing/2014/main" id="{8849467C-AB02-A74E-BF12-7EA73B27D3EE}"/>
+              </a:ext>
+            </a:extLst>
+          </p:cNvPr>
+          <p:cNvSpPr txBox="1"/>
+          <p:nvPr/>
+        </p:nvSpPr>
+        <p:spPr>
+          <a:xfrm>
+            <a:off x="7339764" y="2060917"/>
+            <a:ext cx="476412" cy="338554"/>
+          </a:xfrm>
+          <a:prstGeom prst="rect">
+            <a:avLst/>
+          </a:prstGeom>
+          <a:noFill/>
+        </p:spPr>
+        <p:txBody>
+          <a:bodyPr wrap="none" rtlCol="0">
+            <a:spAutoFit/>
+          </a:bodyPr>
+          <a:lstStyle/>
+          <a:p>
+            <a:r>
+              <a:rPr lang="en-US" sz="1600" dirty="0">
+                <a:latin typeface="Calibri" panose="020F0502020204030204" pitchFamily="34" charset="0"/>
+                <a:cs typeface="Calibri" panose="020F0502020204030204" pitchFamily="34" charset="0"/>
+              </a:rPr>
+              <a:t>Log</a:t>
+            </a:r>
+          </a:p>
+        </p:txBody>
+      </p:sp>
+      <p:cxnSp>
+        <p:nvCxnSpPr>
+          <p:cNvPr id="40" name="Straight Connector 39">
+            <a:extLst>
+              <a:ext uri="{FF2B5EF4-FFF2-40B4-BE49-F238E27FC236}">
+                <a16:creationId xmlns:a16="http://schemas.microsoft.com/office/drawing/2014/main" id="{284BC0B5-E4E8-BF4D-9F0F-243CDEA74B4C}"/>
+              </a:ext>
+            </a:extLst>
+          </p:cNvPr>
+          <p:cNvCxnSpPr>
+            <a:cxnSpLocks/>
+            <a:stCxn id="39" idx="0"/>
+          </p:cNvCxnSpPr>
+          <p:nvPr/>
+        </p:nvCxnSpPr>
+        <p:spPr>
+          <a:xfrm flipV="1">
+            <a:off x="7577970" y="1753070"/>
+            <a:ext cx="0" cy="307847"/>
+          </a:xfrm>
+          <a:prstGeom prst="line">
+            <a:avLst/>
+          </a:prstGeom>
+          <a:ln w="28575">
+            <a:solidFill>
+              <a:srgbClr val="000000"/>
+            </a:solidFill>
+          </a:ln>
+        </p:spPr>
+        <p:style>
+          <a:lnRef idx="1">
+            <a:schemeClr val="accent1"/>
+          </a:lnRef>
+          <a:fillRef idx="0">
+            <a:schemeClr val="accent1"/>
+          </a:fillRef>
+          <a:effectRef idx="0">
+            <a:schemeClr val="accent1"/>
+          </a:effectRef>
+          <a:fontRef idx="minor">
+            <a:schemeClr val="tx1"/>
+          </a:fontRef>
+        </p:style>
+      </p:cxnSp>
+      <p:grpSp>
+        <p:nvGrpSpPr>
+          <p:cNvPr id="41" name="Group 40">
+            <a:extLst>
+              <a:ext uri="{FF2B5EF4-FFF2-40B4-BE49-F238E27FC236}">
+                <a16:creationId xmlns:a16="http://schemas.microsoft.com/office/drawing/2014/main" id="{F5449AB2-C9D6-4F4D-B9F9-3B18503E6B40}"/>
+              </a:ext>
+            </a:extLst>
+          </p:cNvPr>
+          <p:cNvGrpSpPr/>
+          <p:nvPr/>
+        </p:nvGrpSpPr>
+        <p:grpSpPr>
+          <a:xfrm>
+            <a:off x="6034163" y="1767224"/>
+            <a:ext cx="476412" cy="646401"/>
+            <a:chOff x="2904232" y="2981374"/>
+            <a:chExt cx="476412" cy="646401"/>
+          </a:xfrm>
+        </p:grpSpPr>
+        <p:sp>
+          <p:nvSpPr>
+            <p:cNvPr id="42" name="TextBox 41">
+              <a:extLst>
+                <a:ext uri="{FF2B5EF4-FFF2-40B4-BE49-F238E27FC236}">
+                  <a16:creationId xmlns:a16="http://schemas.microsoft.com/office/drawing/2014/main" id="{D0B2BBDC-DD9D-E84E-BEA1-AF3574C308F2}"/>
+                </a:ext>
+              </a:extLst>
+            </p:cNvPr>
+            <p:cNvSpPr txBox="1"/>
+            <p:nvPr/>
+          </p:nvSpPr>
+          <p:spPr>
+            <a:xfrm>
+              <a:off x="2904232" y="3289221"/>
+              <a:ext cx="476412" cy="338554"/>
+            </a:xfrm>
+            <a:prstGeom prst="rect">
+              <a:avLst/>
+            </a:prstGeom>
+            <a:noFill/>
+          </p:spPr>
+          <p:txBody>
+            <a:bodyPr wrap="none" rtlCol="0">
+              <a:spAutoFit/>
+            </a:bodyPr>
+            <a:lstStyle/>
+            <a:p>
+              <a:r>
+                <a:rPr lang="en-US" sz="1600" dirty="0">
+                  <a:latin typeface="Calibri" panose="020F0502020204030204" pitchFamily="34" charset="0"/>
+                  <a:cs typeface="Calibri" panose="020F0502020204030204" pitchFamily="34" charset="0"/>
+                </a:rPr>
+                <a:t>Log</a:t>
+              </a:r>
+            </a:p>
+          </p:txBody>
+        </p:sp>
+        <p:cxnSp>
+          <p:nvCxnSpPr>
+            <p:cNvPr id="43" name="Straight Connector 42">
+              <a:extLst>
+                <a:ext uri="{FF2B5EF4-FFF2-40B4-BE49-F238E27FC236}">
+                  <a16:creationId xmlns:a16="http://schemas.microsoft.com/office/drawing/2014/main" id="{B5184CCA-9509-D64E-9CB4-6A6110C30C39}"/>
+                </a:ext>
+              </a:extLst>
+            </p:cNvPr>
+            <p:cNvCxnSpPr>
+              <a:cxnSpLocks/>
+              <a:stCxn id="42" idx="0"/>
+            </p:cNvCxnSpPr>
+            <p:nvPr/>
+          </p:nvCxnSpPr>
+          <p:spPr>
+            <a:xfrm flipV="1">
+              <a:off x="3142438" y="2981374"/>
+              <a:ext cx="0" cy="307847"/>
+            </a:xfrm>
+            <a:prstGeom prst="line">
+              <a:avLst/>
+            </a:prstGeom>
+            <a:ln w="28575">
+              <a:solidFill>
+                <a:srgbClr val="000000"/>
+              </a:solidFill>
+            </a:ln>
+          </p:spPr>
+          <p:style>
+            <a:lnRef idx="1">
+              <a:schemeClr val="accent1"/>
+            </a:lnRef>
+            <a:fillRef idx="0">
+              <a:schemeClr val="accent1"/>
+            </a:fillRef>
+            <a:effectRef idx="0">
+              <a:schemeClr val="accent1"/>
+            </a:effectRef>
+            <a:fontRef idx="minor">
+              <a:schemeClr val="tx1"/>
+            </a:fontRef>
+          </p:style>
+        </p:cxnSp>
+      </p:grpSp>
+      <p:grpSp>
+        <p:nvGrpSpPr>
+          <p:cNvPr id="44" name="Group 43">
+            <a:extLst>
+              <a:ext uri="{FF2B5EF4-FFF2-40B4-BE49-F238E27FC236}">
+                <a16:creationId xmlns:a16="http://schemas.microsoft.com/office/drawing/2014/main" id="{BD86A3BB-6947-7844-941B-952C315BE732}"/>
+              </a:ext>
+            </a:extLst>
+          </p:cNvPr>
+          <p:cNvGrpSpPr/>
+          <p:nvPr/>
+        </p:nvGrpSpPr>
+        <p:grpSpPr>
+          <a:xfrm>
+            <a:off x="6842765" y="1767224"/>
+            <a:ext cx="476412" cy="646401"/>
+            <a:chOff x="2904232" y="2981374"/>
+            <a:chExt cx="476412" cy="646401"/>
+          </a:xfrm>
+        </p:grpSpPr>
+        <p:sp>
+          <p:nvSpPr>
+            <p:cNvPr id="45" name="TextBox 44">
+              <a:extLst>
+                <a:ext uri="{FF2B5EF4-FFF2-40B4-BE49-F238E27FC236}">
+                  <a16:creationId xmlns:a16="http://schemas.microsoft.com/office/drawing/2014/main" id="{51C1328A-2149-DF49-835F-54C85119C770}"/>
+                </a:ext>
+              </a:extLst>
+            </p:cNvPr>
+            <p:cNvSpPr txBox="1"/>
+            <p:nvPr/>
+          </p:nvSpPr>
+          <p:spPr>
+            <a:xfrm>
+              <a:off x="2904232" y="3289221"/>
+              <a:ext cx="476412" cy="338554"/>
+            </a:xfrm>
+            <a:prstGeom prst="rect">
+              <a:avLst/>
+            </a:prstGeom>
+            <a:noFill/>
+          </p:spPr>
+          <p:txBody>
+            <a:bodyPr wrap="none" rtlCol="0">
+              <a:spAutoFit/>
+            </a:bodyPr>
+            <a:lstStyle/>
+            <a:p>
+              <a:r>
+                <a:rPr lang="en-US" sz="1600" dirty="0">
+                  <a:latin typeface="Calibri" panose="020F0502020204030204" pitchFamily="34" charset="0"/>
+                  <a:cs typeface="Calibri" panose="020F0502020204030204" pitchFamily="34" charset="0"/>
+                </a:rPr>
+                <a:t>Log</a:t>
+              </a:r>
+            </a:p>
+          </p:txBody>
+        </p:sp>
+        <p:cxnSp>
+          <p:nvCxnSpPr>
+            <p:cNvPr id="46" name="Straight Connector 45">
+              <a:extLst>
+                <a:ext uri="{FF2B5EF4-FFF2-40B4-BE49-F238E27FC236}">
+                  <a16:creationId xmlns:a16="http://schemas.microsoft.com/office/drawing/2014/main" id="{40FE3B55-A46C-5442-AE99-D5C4603B5557}"/>
+                </a:ext>
+              </a:extLst>
+            </p:cNvPr>
+            <p:cNvCxnSpPr>
+              <a:cxnSpLocks/>
+              <a:stCxn id="45" idx="0"/>
+            </p:cNvCxnSpPr>
+            <p:nvPr/>
+          </p:nvCxnSpPr>
+          <p:spPr>
+            <a:xfrm flipV="1">
+              <a:off x="3142438" y="2981374"/>
+              <a:ext cx="0" cy="307847"/>
+            </a:xfrm>
+            <a:prstGeom prst="line">
+              <a:avLst/>
+            </a:prstGeom>
+            <a:ln w="28575">
+              <a:solidFill>
+                <a:srgbClr val="000000"/>
+              </a:solidFill>
+            </a:ln>
+          </p:spPr>
+          <p:style>
+            <a:lnRef idx="1">
+              <a:schemeClr val="accent1"/>
+            </a:lnRef>
+            <a:fillRef idx="0">
+              <a:schemeClr val="accent1"/>
+            </a:fillRef>
+            <a:effectRef idx="0">
+              <a:schemeClr val="accent1"/>
+            </a:effectRef>
+            <a:fontRef idx="minor">
+              <a:schemeClr val="tx1"/>
+            </a:fontRef>
+          </p:style>
+        </p:cxnSp>
+      </p:grpSp>
+      <p:cxnSp>
+        <p:nvCxnSpPr>
+          <p:cNvPr id="47" name="Straight Connector 46">
+            <a:extLst>
+              <a:ext uri="{FF2B5EF4-FFF2-40B4-BE49-F238E27FC236}">
+                <a16:creationId xmlns:a16="http://schemas.microsoft.com/office/drawing/2014/main" id="{F1E49DEF-57CF-1248-ADC3-6CA9B1D707FF}"/>
+              </a:ext>
+            </a:extLst>
+          </p:cNvPr>
+          <p:cNvCxnSpPr>
+            <a:cxnSpLocks/>
+          </p:cNvCxnSpPr>
+          <p:nvPr/>
+        </p:nvCxnSpPr>
+        <p:spPr>
+          <a:xfrm>
+            <a:off x="3487037" y="1773037"/>
+            <a:ext cx="2109563" cy="5881"/>
+          </a:xfrm>
+          <a:prstGeom prst="line">
+            <a:avLst/>
+          </a:prstGeom>
+          <a:ln w="38100">
+            <a:solidFill>
+              <a:srgbClr val="6AB0DE"/>
+            </a:solidFill>
+            <a:prstDash val="dash"/>
+            <a:bevel/>
+            <a:headEnd type="none" w="med" len="med"/>
+            <a:tailEnd type="none" w="med" len="med"/>
+          </a:ln>
+        </p:spPr>
+        <p:style>
+          <a:lnRef idx="1">
+            <a:schemeClr val="accent1"/>
+          </a:lnRef>
+          <a:fillRef idx="0">
+            <a:schemeClr val="accent1"/>
+          </a:fillRef>
+          <a:effectRef idx="0">
+            <a:schemeClr val="accent1"/>
+          </a:effectRef>
+          <a:fontRef idx="minor">
+            <a:schemeClr val="tx1"/>
+          </a:fontRef>
+        </p:style>
+      </p:cxnSp>
+      <p:sp>
+        <p:nvSpPr>
+          <p:cNvPr id="52" name="TextBox 51">
+            <a:extLst>
+              <a:ext uri="{FF2B5EF4-FFF2-40B4-BE49-F238E27FC236}">
+                <a16:creationId xmlns:a16="http://schemas.microsoft.com/office/drawing/2014/main" id="{AD0D85E2-B58E-5646-9A18-8E73CD5A3A2F}"/>
+              </a:ext>
+            </a:extLst>
+          </p:cNvPr>
+          <p:cNvSpPr txBox="1"/>
+          <p:nvPr/>
+        </p:nvSpPr>
+        <p:spPr>
+          <a:xfrm>
+            <a:off x="3812016" y="987238"/>
+            <a:ext cx="1519968" cy="400110"/>
+          </a:xfrm>
+          <a:prstGeom prst="rect">
+            <a:avLst/>
+          </a:prstGeom>
+          <a:noFill/>
+        </p:spPr>
+        <p:txBody>
+          <a:bodyPr wrap="none" rtlCol="0">
+            <a:spAutoFit/>
+          </a:bodyPr>
+          <a:lstStyle/>
+          <a:p>
+            <a:pPr algn="ctr"/>
+            <a:r>
+              <a:rPr lang="en-US" sz="2000" i="1" dirty="0">
+                <a:latin typeface="Calibri" panose="020F0502020204030204" pitchFamily="34" charset="0"/>
+                <a:cs typeface="Calibri" panose="020F0502020204030204" pitchFamily="34" charset="0"/>
+              </a:rPr>
+              <a:t>Network Call</a:t>
+            </a:r>
+          </a:p>
+        </p:txBody>
+      </p:sp>
+      <p:sp>
+        <p:nvSpPr>
+          <p:cNvPr id="53" name="TextBox 52">
+            <a:extLst>
+              <a:ext uri="{FF2B5EF4-FFF2-40B4-BE49-F238E27FC236}">
+                <a16:creationId xmlns:a16="http://schemas.microsoft.com/office/drawing/2014/main" id="{9871B894-9AA5-C645-AD08-78584C300DC5}"/>
+              </a:ext>
+            </a:extLst>
+          </p:cNvPr>
+          <p:cNvSpPr txBox="1"/>
+          <p:nvPr/>
+        </p:nvSpPr>
+        <p:spPr>
+          <a:xfrm>
+            <a:off x="4018669" y="1455460"/>
+            <a:ext cx="1292341" cy="338554"/>
+          </a:xfrm>
+          <a:prstGeom prst="rect">
+            <a:avLst/>
+          </a:prstGeom>
+          <a:noFill/>
+        </p:spPr>
+        <p:txBody>
+          <a:bodyPr wrap="none" rtlCol="0">
+            <a:spAutoFit/>
+          </a:bodyPr>
+          <a:lstStyle/>
+          <a:p>
+            <a:r>
+              <a:rPr lang="en-US" sz="1600" dirty="0">
+                <a:latin typeface="Calibri" panose="020F0502020204030204" pitchFamily="34" charset="0"/>
+                <a:cs typeface="Calibri" panose="020F0502020204030204" pitchFamily="34" charset="0"/>
+              </a:rPr>
+              <a:t>Span Context</a:t>
+            </a:r>
+          </a:p>
+        </p:txBody>
+      </p:sp>
+    </p:spTree>
+    <p:extLst>
+      <p:ext uri="{BB962C8B-B14F-4D97-AF65-F5344CB8AC3E}">
+        <p14:creationId xmlns:p14="http://schemas.microsoft.com/office/powerpoint/2010/main" val="1695597429"/>
+      </p:ext>
+    </p:extLst>
+  </p:cSld>
+  <p:clrMapOvr>
+    <a:masterClrMapping/>
+  </p:clrMapOvr>
+</p:sld>
+</file>
+
 <file path=ppt/slides/slide3.xml><?xml version="1.0" encoding="utf-8"?>
 <p:sld xmlns:a="http://schemas.openxmlformats.org/drawingml/2006/main" xmlns:r="http://schemas.openxmlformats.org/officeDocument/2006/relationships" xmlns:p="http://schemas.openxmlformats.org/presentationml/2006/main">
   <p:cSld>

--- a/figures.pptx
+++ b/figures.pptx
@@ -5,7 +5,7 @@
     <p:sldMasterId id="2147483648" r:id="rId1"/>
   </p:sldMasterIdLst>
   <p:notesMasterIdLst>
-    <p:notesMasterId r:id="rId28"/>
+    <p:notesMasterId r:id="rId29"/>
   </p:notesMasterIdLst>
   <p:sldIdLst>
     <p:sldId id="311" r:id="rId2"/>
@@ -34,6 +34,7 @@
     <p:sldId id="351" r:id="rId25"/>
     <p:sldId id="352" r:id="rId26"/>
     <p:sldId id="353" r:id="rId27"/>
+    <p:sldId id="354" r:id="rId28"/>
   </p:sldIdLst>
   <p:sldSz cx="9144000" cy="5143500" type="screen16x9"/>
   <p:notesSz cx="6858000" cy="9144000"/>
@@ -322,7 +323,7 @@
       </p15:sldGuideLst>
     </p:ext>
     <p:ext uri="http://customooxmlschemas.google.com/">
-      <go:slidesCustomData xmlns="" xmlns:mc="http://schemas.openxmlformats.org/markup-compatibility/2006" xmlns:mv="urn:schemas-microsoft-com:mac:vml" xmlns:c="http://schemas.openxmlformats.org/drawingml/2006/chart" xmlns:dgm="http://schemas.openxmlformats.org/drawingml/2006/diagram" xmlns:o="urn:schemas-microsoft-com:office:office" xmlns:v="urn:schemas-microsoft-com:vml" xmlns:pvml="urn:schemas-microsoft-com:office:powerpoint" xmlns:com="http://schemas.openxmlformats.org/drawingml/2006/compatibility" xmlns:p14="http://schemas.microsoft.com/office/powerpoint/2010/main" xmlns:p15="http://schemas.microsoft.com/office/powerpoint/2012/main" xmlns:go="http://customooxmlschemas.google.com/" r:id="rId29" roundtripDataSignature="AMtx7mjYSJr9dBhpBi3R8tFsPF3I3gzuVA=="/>
+      <go:slidesCustomData xmlns:go="http://customooxmlschemas.google.com/" xmlns:p15="http://schemas.microsoft.com/office/powerpoint/2012/main" xmlns:p14="http://schemas.microsoft.com/office/powerpoint/2010/main" xmlns:com="http://schemas.openxmlformats.org/drawingml/2006/compatibility" xmlns:pvml="urn:schemas-microsoft-com:office:powerpoint" xmlns:v="urn:schemas-microsoft-com:vml" xmlns:o="urn:schemas-microsoft-com:office:office" xmlns:dgm="http://schemas.openxmlformats.org/drawingml/2006/diagram" xmlns:c="http://schemas.openxmlformats.org/drawingml/2006/chart" xmlns:mv="urn:schemas-microsoft-com:mac:vml" xmlns:mc="http://schemas.openxmlformats.org/markup-compatibility/2006" xmlns="" r:id="rId30" roundtripDataSignature="AMtx7mjYSJr9dBhpBi3R8tFsPF3I3gzuVA=="/>
     </p:ext>
   </p:extLst>
 </p:presentation>
@@ -2011,6 +2012,123 @@
     <p:extLst>
       <p:ext uri="{BB962C8B-B14F-4D97-AF65-F5344CB8AC3E}">
         <p14:creationId xmlns:p14="http://schemas.microsoft.com/office/powerpoint/2010/main" val="4011137366"/>
+      </p:ext>
+    </p:extLst>
+  </p:cSld>
+  <p:clrMapOvr>
+    <a:masterClrMapping/>
+  </p:clrMapOvr>
+</p:notes>
+</file>
+
+<file path=ppt/notesSlides/notesSlide11.xml><?xml version="1.0" encoding="utf-8"?>
+<p:notes xmlns:a="http://schemas.openxmlformats.org/drawingml/2006/main" xmlns:r="http://schemas.openxmlformats.org/officeDocument/2006/relationships" xmlns:p="http://schemas.openxmlformats.org/presentationml/2006/main">
+  <p:cSld>
+    <p:spTree>
+      <p:nvGrpSpPr>
+        <p:cNvPr id="1" name=""/>
+        <p:cNvGrpSpPr/>
+        <p:nvPr/>
+      </p:nvGrpSpPr>
+      <p:grpSpPr>
+        <a:xfrm>
+          <a:off x="0" y="0"/>
+          <a:ext cx="0" cy="0"/>
+          <a:chOff x="0" y="0"/>
+          <a:chExt cx="0" cy="0"/>
+        </a:xfrm>
+      </p:grpSpPr>
+      <p:sp>
+        <p:nvSpPr>
+          <p:cNvPr id="2" name="Slide Image Placeholder 1"/>
+          <p:cNvSpPr>
+            <a:spLocks noGrp="1" noRot="1" noChangeAspect="1"/>
+          </p:cNvSpPr>
+          <p:nvPr>
+            <p:ph type="sldImg"/>
+          </p:nvPr>
+        </p:nvSpPr>
+        <p:spPr/>
+      </p:sp>
+      <p:sp>
+        <p:nvSpPr>
+          <p:cNvPr id="3" name="Notes Placeholder 2"/>
+          <p:cNvSpPr>
+            <a:spLocks noGrp="1"/>
+          </p:cNvSpPr>
+          <p:nvPr>
+            <p:ph type="body" idx="1"/>
+          </p:nvPr>
+        </p:nvSpPr>
+        <p:spPr/>
+        <p:txBody>
+          <a:bodyPr/>
+          <a:lstStyle/>
+          <a:p>
+            <a:endParaRPr lang="en-US" dirty="0"/>
+          </a:p>
+        </p:txBody>
+      </p:sp>
+      <p:sp>
+        <p:nvSpPr>
+          <p:cNvPr id="4" name="Slide Number Placeholder 3"/>
+          <p:cNvSpPr>
+            <a:spLocks noGrp="1"/>
+          </p:cNvSpPr>
+          <p:nvPr>
+            <p:ph type="sldNum" idx="10"/>
+          </p:nvPr>
+        </p:nvSpPr>
+        <p:spPr/>
+        <p:txBody>
+          <a:bodyPr/>
+          <a:lstStyle/>
+          <a:p>
+            <a:pPr marL="0" marR="0" lvl="0" indent="0" algn="r" rtl="0">
+              <a:lnSpc>
+                <a:spcPct val="100000"/>
+              </a:lnSpc>
+              <a:spcBef>
+                <a:spcPts val="0"/>
+              </a:spcBef>
+              <a:spcAft>
+                <a:spcPts val="0"/>
+              </a:spcAft>
+              <a:buClr>
+                <a:srgbClr val="000000"/>
+              </a:buClr>
+              <a:buSzPts val="1200"/>
+              <a:buFont typeface="Arial"/>
+              <a:buNone/>
+            </a:pPr>
+            <a:fld id="{00000000-1234-1234-1234-123412341234}" type="slidenum">
+              <a:rPr lang="uk-UA" sz="1200" b="0" i="0" u="none" strike="noStrike" cap="none" smtClean="0">
+                <a:solidFill>
+                  <a:schemeClr val="dk1"/>
+                </a:solidFill>
+                <a:latin typeface="Corbel"/>
+                <a:ea typeface="Corbel"/>
+                <a:cs typeface="Corbel"/>
+                <a:sym typeface="Corbel"/>
+              </a:rPr>
+              <a:t>27</a:t>
+            </a:fld>
+            <a:endParaRPr lang="uk-UA" sz="1200" b="0" i="0" u="none" strike="noStrike" cap="none">
+              <a:solidFill>
+                <a:schemeClr val="dk1"/>
+              </a:solidFill>
+              <a:latin typeface="Corbel"/>
+              <a:ea typeface="Corbel"/>
+              <a:cs typeface="Corbel"/>
+              <a:sym typeface="Corbel"/>
+            </a:endParaRPr>
+          </a:p>
+        </p:txBody>
+      </p:sp>
+    </p:spTree>
+    <p:extLst>
+      <p:ext uri="{BB962C8B-B14F-4D97-AF65-F5344CB8AC3E}">
+        <p14:creationId xmlns:p14="http://schemas.microsoft.com/office/powerpoint/2010/main" val="723397083"/>
       </p:ext>
     </p:extLst>
   </p:cSld>
@@ -3197,7 +3315,7 @@
           <a:p>
             <a:fld id="{BF4F8DC3-0006-B147-AA6D-FF436E850004}" type="datetimeFigureOut">
               <a:rPr lang="en-US" smtClean="0"/>
-              <a:t>5/10/22</a:t>
+              <a:t>5/18/22</a:t>
             </a:fld>
             <a:endParaRPr lang="en-US"/>
           </a:p>
@@ -35292,6 +35410,861 @@
 </p:sld>
 </file>
 
+<file path=ppt/slides/slide27.xml><?xml version="1.0" encoding="utf-8"?>
+<p:sld xmlns:a="http://schemas.openxmlformats.org/drawingml/2006/main" xmlns:r="http://schemas.openxmlformats.org/officeDocument/2006/relationships" xmlns:p="http://schemas.openxmlformats.org/presentationml/2006/main">
+  <p:cSld>
+    <p:spTree>
+      <p:nvGrpSpPr>
+        <p:cNvPr id="1" name=""/>
+        <p:cNvGrpSpPr/>
+        <p:nvPr/>
+      </p:nvGrpSpPr>
+      <p:grpSpPr>
+        <a:xfrm>
+          <a:off x="0" y="0"/>
+          <a:ext cx="0" cy="0"/>
+          <a:chOff x="0" y="0"/>
+          <a:chExt cx="0" cy="0"/>
+        </a:xfrm>
+      </p:grpSpPr>
+      <p:sp>
+        <p:nvSpPr>
+          <p:cNvPr id="38" name="Rectangle 37">
+            <a:extLst>
+              <a:ext uri="{FF2B5EF4-FFF2-40B4-BE49-F238E27FC236}">
+                <a16:creationId xmlns:a16="http://schemas.microsoft.com/office/drawing/2014/main" id="{D6B7D0E1-EE8A-424E-87CC-C0105A0B3F85}"/>
+              </a:ext>
+            </a:extLst>
+          </p:cNvPr>
+          <p:cNvSpPr/>
+          <p:nvPr/>
+        </p:nvSpPr>
+        <p:spPr>
+          <a:xfrm>
+            <a:off x="3208944" y="1172862"/>
+            <a:ext cx="3358498" cy="1065520"/>
+          </a:xfrm>
+          <a:prstGeom prst="rect">
+            <a:avLst/>
+          </a:prstGeom>
+          <a:ln w="28575">
+            <a:solidFill>
+              <a:srgbClr val="6A99D0"/>
+            </a:solidFill>
+          </a:ln>
+        </p:spPr>
+        <p:style>
+          <a:lnRef idx="2">
+            <a:schemeClr val="accent2"/>
+          </a:lnRef>
+          <a:fillRef idx="1">
+            <a:schemeClr val="lt1"/>
+          </a:fillRef>
+          <a:effectRef idx="0">
+            <a:schemeClr val="accent2"/>
+          </a:effectRef>
+          <a:fontRef idx="minor">
+            <a:schemeClr val="dk1"/>
+          </a:fontRef>
+        </p:style>
+        <p:txBody>
+          <a:bodyPr rtlCol="0" anchor="t"/>
+          <a:lstStyle/>
+          <a:p>
+            <a:pPr algn="ctr"/>
+            <a:r>
+              <a:rPr lang="en-US" sz="1600" dirty="0">
+                <a:latin typeface="Calibri" panose="020F0502020204030204" pitchFamily="34" charset="0"/>
+                <a:cs typeface="Calibri" panose="020F0502020204030204" pitchFamily="34" charset="0"/>
+              </a:rPr>
+              <a:t>Service Mesh Controller</a:t>
+            </a:r>
+          </a:p>
+          <a:p>
+            <a:pPr algn="ctr"/>
+            <a:endParaRPr lang="en-US" dirty="0">
+              <a:latin typeface="Calibri" panose="020F0502020204030204" pitchFamily="34" charset="0"/>
+              <a:cs typeface="Calibri" panose="020F0502020204030204" pitchFamily="34" charset="0"/>
+            </a:endParaRPr>
+          </a:p>
+        </p:txBody>
+      </p:sp>
+      <p:sp>
+        <p:nvSpPr>
+          <p:cNvPr id="48" name="Rectangle 47">
+            <a:extLst>
+              <a:ext uri="{FF2B5EF4-FFF2-40B4-BE49-F238E27FC236}">
+                <a16:creationId xmlns:a16="http://schemas.microsoft.com/office/drawing/2014/main" id="{93DA03DB-B0DF-424B-ADBD-147D325A3447}"/>
+              </a:ext>
+            </a:extLst>
+          </p:cNvPr>
+          <p:cNvSpPr/>
+          <p:nvPr/>
+        </p:nvSpPr>
+        <p:spPr>
+          <a:xfrm>
+            <a:off x="3384576" y="1549937"/>
+            <a:ext cx="1418602" cy="551236"/>
+          </a:xfrm>
+          <a:prstGeom prst="rect">
+            <a:avLst/>
+          </a:prstGeom>
+          <a:solidFill>
+            <a:srgbClr val="C2D6EC"/>
+          </a:solidFill>
+          <a:ln>
+            <a:solidFill>
+              <a:srgbClr val="6A99D0"/>
+            </a:solidFill>
+          </a:ln>
+        </p:spPr>
+        <p:style>
+          <a:lnRef idx="1">
+            <a:schemeClr val="accent2"/>
+          </a:lnRef>
+          <a:fillRef idx="2">
+            <a:schemeClr val="accent2"/>
+          </a:fillRef>
+          <a:effectRef idx="1">
+            <a:schemeClr val="accent2"/>
+          </a:effectRef>
+          <a:fontRef idx="minor">
+            <a:schemeClr val="dk1"/>
+          </a:fontRef>
+        </p:style>
+        <p:txBody>
+          <a:bodyPr rtlCol="0" anchor="ctr"/>
+          <a:lstStyle/>
+          <a:p>
+            <a:pPr algn="ctr"/>
+            <a:r>
+              <a:rPr lang="en-US" sz="1600" dirty="0">
+                <a:solidFill>
+                  <a:schemeClr val="tx1"/>
+                </a:solidFill>
+                <a:latin typeface="Calibri" panose="020F0502020204030204" pitchFamily="34" charset="0"/>
+                <a:cs typeface="Calibri" panose="020F0502020204030204" pitchFamily="34" charset="0"/>
+              </a:rPr>
+              <a:t>Security</a:t>
+            </a:r>
+          </a:p>
+          <a:p>
+            <a:pPr algn="ctr"/>
+            <a:r>
+              <a:rPr lang="en-US" sz="1600" dirty="0">
+                <a:solidFill>
+                  <a:schemeClr val="tx1"/>
+                </a:solidFill>
+                <a:latin typeface="Calibri" panose="020F0502020204030204" pitchFamily="34" charset="0"/>
+                <a:cs typeface="Calibri" panose="020F0502020204030204" pitchFamily="34" charset="0"/>
+              </a:rPr>
+              <a:t>Policy</a:t>
+            </a:r>
+          </a:p>
+        </p:txBody>
+      </p:sp>
+      <p:sp>
+        <p:nvSpPr>
+          <p:cNvPr id="49" name="Rectangle 48">
+            <a:extLst>
+              <a:ext uri="{FF2B5EF4-FFF2-40B4-BE49-F238E27FC236}">
+                <a16:creationId xmlns:a16="http://schemas.microsoft.com/office/drawing/2014/main" id="{C2E5ED68-0E4E-8046-A39F-CAF8F856BFCE}"/>
+              </a:ext>
+            </a:extLst>
+          </p:cNvPr>
+          <p:cNvSpPr/>
+          <p:nvPr/>
+        </p:nvSpPr>
+        <p:spPr>
+          <a:xfrm>
+            <a:off x="5064989" y="1549937"/>
+            <a:ext cx="1324598" cy="551236"/>
+          </a:xfrm>
+          <a:prstGeom prst="rect">
+            <a:avLst/>
+          </a:prstGeom>
+          <a:solidFill>
+            <a:srgbClr val="C2D6EC"/>
+          </a:solidFill>
+          <a:ln>
+            <a:solidFill>
+              <a:srgbClr val="6A99D0"/>
+            </a:solidFill>
+          </a:ln>
+        </p:spPr>
+        <p:style>
+          <a:lnRef idx="1">
+            <a:schemeClr val="accent2"/>
+          </a:lnRef>
+          <a:fillRef idx="2">
+            <a:schemeClr val="accent2"/>
+          </a:fillRef>
+          <a:effectRef idx="1">
+            <a:schemeClr val="accent2"/>
+          </a:effectRef>
+          <a:fontRef idx="minor">
+            <a:schemeClr val="dk1"/>
+          </a:fontRef>
+        </p:style>
+        <p:txBody>
+          <a:bodyPr rtlCol="0" anchor="ctr"/>
+          <a:lstStyle/>
+          <a:p>
+            <a:pPr algn="ctr"/>
+            <a:r>
+              <a:rPr lang="en-US" sz="1600" dirty="0">
+                <a:solidFill>
+                  <a:schemeClr val="tx1"/>
+                </a:solidFill>
+                <a:latin typeface="Calibri" panose="020F0502020204030204" pitchFamily="34" charset="0"/>
+                <a:cs typeface="Calibri" panose="020F0502020204030204" pitchFamily="34" charset="0"/>
+              </a:rPr>
+              <a:t>Telemetry</a:t>
+            </a:r>
+          </a:p>
+          <a:p>
+            <a:pPr algn="ctr"/>
+            <a:r>
+              <a:rPr lang="en-US" sz="1600" dirty="0">
+                <a:solidFill>
+                  <a:schemeClr val="tx1"/>
+                </a:solidFill>
+                <a:latin typeface="Calibri" panose="020F0502020204030204" pitchFamily="34" charset="0"/>
+                <a:cs typeface="Calibri" panose="020F0502020204030204" pitchFamily="34" charset="0"/>
+              </a:rPr>
+              <a:t>Collector</a:t>
+            </a:r>
+          </a:p>
+        </p:txBody>
+      </p:sp>
+      <p:sp>
+        <p:nvSpPr>
+          <p:cNvPr id="54" name="Rectangle 53">
+            <a:extLst>
+              <a:ext uri="{FF2B5EF4-FFF2-40B4-BE49-F238E27FC236}">
+                <a16:creationId xmlns:a16="http://schemas.microsoft.com/office/drawing/2014/main" id="{AAFC0F2F-8622-C548-89DD-907403C0AF4D}"/>
+              </a:ext>
+            </a:extLst>
+          </p:cNvPr>
+          <p:cNvSpPr/>
+          <p:nvPr/>
+        </p:nvSpPr>
+        <p:spPr>
+          <a:xfrm>
+            <a:off x="5422306" y="3284796"/>
+            <a:ext cx="1145136" cy="310798"/>
+          </a:xfrm>
+          <a:prstGeom prst="rect">
+            <a:avLst/>
+          </a:prstGeom>
+          <a:solidFill>
+            <a:srgbClr val="6A99D0"/>
+          </a:solidFill>
+        </p:spPr>
+        <p:style>
+          <a:lnRef idx="1">
+            <a:schemeClr val="accent1"/>
+          </a:lnRef>
+          <a:fillRef idx="3">
+            <a:schemeClr val="accent1"/>
+          </a:fillRef>
+          <a:effectRef idx="2">
+            <a:schemeClr val="accent1"/>
+          </a:effectRef>
+          <a:fontRef idx="minor">
+            <a:schemeClr val="lt1"/>
+          </a:fontRef>
+        </p:style>
+        <p:txBody>
+          <a:bodyPr rtlCol="0" anchor="ctr"/>
+          <a:lstStyle/>
+          <a:p>
+            <a:pPr algn="ctr"/>
+            <a:r>
+              <a:rPr lang="en-US" sz="1600" dirty="0">
+                <a:solidFill>
+                  <a:schemeClr val="bg1"/>
+                </a:solidFill>
+                <a:latin typeface="Calibri" panose="020F0502020204030204" pitchFamily="34" charset="0"/>
+                <a:cs typeface="Calibri" panose="020F0502020204030204" pitchFamily="34" charset="0"/>
+              </a:rPr>
+              <a:t>Sidecar</a:t>
+            </a:r>
+          </a:p>
+        </p:txBody>
+      </p:sp>
+      <p:cxnSp>
+        <p:nvCxnSpPr>
+          <p:cNvPr id="56" name="Straight Arrow Connector 55">
+            <a:extLst>
+              <a:ext uri="{FF2B5EF4-FFF2-40B4-BE49-F238E27FC236}">
+                <a16:creationId xmlns:a16="http://schemas.microsoft.com/office/drawing/2014/main" id="{1D90083F-8878-A249-94D2-F5729E2033C9}"/>
+              </a:ext>
+            </a:extLst>
+          </p:cNvPr>
+          <p:cNvCxnSpPr/>
+          <p:nvPr/>
+        </p:nvCxnSpPr>
+        <p:spPr>
+          <a:xfrm>
+            <a:off x="5747046" y="3595594"/>
+            <a:ext cx="0" cy="181314"/>
+          </a:xfrm>
+          <a:prstGeom prst="straightConnector1">
+            <a:avLst/>
+          </a:prstGeom>
+          <a:ln>
+            <a:tailEnd type="triangle"/>
+          </a:ln>
+        </p:spPr>
+        <p:style>
+          <a:lnRef idx="2">
+            <a:schemeClr val="dk1"/>
+          </a:lnRef>
+          <a:fillRef idx="0">
+            <a:schemeClr val="dk1"/>
+          </a:fillRef>
+          <a:effectRef idx="1">
+            <a:schemeClr val="dk1"/>
+          </a:effectRef>
+          <a:fontRef idx="minor">
+            <a:schemeClr val="tx1"/>
+          </a:fontRef>
+        </p:style>
+      </p:cxnSp>
+      <p:cxnSp>
+        <p:nvCxnSpPr>
+          <p:cNvPr id="57" name="Straight Arrow Connector 56">
+            <a:extLst>
+              <a:ext uri="{FF2B5EF4-FFF2-40B4-BE49-F238E27FC236}">
+                <a16:creationId xmlns:a16="http://schemas.microsoft.com/office/drawing/2014/main" id="{6BDF0849-3AC8-5041-BBFB-99775A64A185}"/>
+              </a:ext>
+            </a:extLst>
+          </p:cNvPr>
+          <p:cNvCxnSpPr/>
+          <p:nvPr/>
+        </p:nvCxnSpPr>
+        <p:spPr>
+          <a:xfrm flipV="1">
+            <a:off x="6293977" y="3595594"/>
+            <a:ext cx="0" cy="181314"/>
+          </a:xfrm>
+          <a:prstGeom prst="straightConnector1">
+            <a:avLst/>
+          </a:prstGeom>
+          <a:ln>
+            <a:tailEnd type="triangle"/>
+          </a:ln>
+        </p:spPr>
+        <p:style>
+          <a:lnRef idx="2">
+            <a:schemeClr val="dk1"/>
+          </a:lnRef>
+          <a:fillRef idx="0">
+            <a:schemeClr val="dk1"/>
+          </a:fillRef>
+          <a:effectRef idx="1">
+            <a:schemeClr val="dk1"/>
+          </a:effectRef>
+          <a:fontRef idx="minor">
+            <a:schemeClr val="tx1"/>
+          </a:fontRef>
+        </p:style>
+      </p:cxnSp>
+      <p:sp>
+        <p:nvSpPr>
+          <p:cNvPr id="59" name="Rectangle 58">
+            <a:extLst>
+              <a:ext uri="{FF2B5EF4-FFF2-40B4-BE49-F238E27FC236}">
+                <a16:creationId xmlns:a16="http://schemas.microsoft.com/office/drawing/2014/main" id="{F2C3F779-608C-E94A-AF59-1F9ED9879ED4}"/>
+              </a:ext>
+            </a:extLst>
+          </p:cNvPr>
+          <p:cNvSpPr/>
+          <p:nvPr/>
+        </p:nvSpPr>
+        <p:spPr>
+          <a:xfrm>
+            <a:off x="3208945" y="3284796"/>
+            <a:ext cx="1145136" cy="310798"/>
+          </a:xfrm>
+          <a:prstGeom prst="rect">
+            <a:avLst/>
+          </a:prstGeom>
+          <a:solidFill>
+            <a:srgbClr val="6A99D0"/>
+          </a:solidFill>
+        </p:spPr>
+        <p:style>
+          <a:lnRef idx="1">
+            <a:schemeClr val="accent1"/>
+          </a:lnRef>
+          <a:fillRef idx="3">
+            <a:schemeClr val="accent1"/>
+          </a:fillRef>
+          <a:effectRef idx="2">
+            <a:schemeClr val="accent1"/>
+          </a:effectRef>
+          <a:fontRef idx="minor">
+            <a:schemeClr val="lt1"/>
+          </a:fontRef>
+        </p:style>
+        <p:txBody>
+          <a:bodyPr rtlCol="0" anchor="ctr"/>
+          <a:lstStyle/>
+          <a:p>
+            <a:pPr algn="ctr"/>
+            <a:r>
+              <a:rPr lang="en-US" sz="1600" dirty="0">
+                <a:solidFill>
+                  <a:schemeClr val="bg1"/>
+                </a:solidFill>
+                <a:latin typeface="Calibri" panose="020F0502020204030204" pitchFamily="34" charset="0"/>
+                <a:cs typeface="Calibri" panose="020F0502020204030204" pitchFamily="34" charset="0"/>
+              </a:rPr>
+              <a:t>Sidecar</a:t>
+            </a:r>
+          </a:p>
+        </p:txBody>
+      </p:sp>
+      <p:cxnSp>
+        <p:nvCxnSpPr>
+          <p:cNvPr id="61" name="Straight Arrow Connector 60">
+            <a:extLst>
+              <a:ext uri="{FF2B5EF4-FFF2-40B4-BE49-F238E27FC236}">
+                <a16:creationId xmlns:a16="http://schemas.microsoft.com/office/drawing/2014/main" id="{1CDD46DB-4A1F-FC43-B4C8-05739ECC2474}"/>
+              </a:ext>
+            </a:extLst>
+          </p:cNvPr>
+          <p:cNvCxnSpPr>
+            <a:stCxn id="59" idx="3"/>
+            <a:endCxn id="54" idx="1"/>
+          </p:cNvCxnSpPr>
+          <p:nvPr/>
+        </p:nvCxnSpPr>
+        <p:spPr>
+          <a:xfrm>
+            <a:off x="4354081" y="3440195"/>
+            <a:ext cx="1068225" cy="0"/>
+          </a:xfrm>
+          <a:prstGeom prst="straightConnector1">
+            <a:avLst/>
+          </a:prstGeom>
+          <a:ln>
+            <a:headEnd type="triangle" w="med" len="med"/>
+            <a:tailEnd type="triangle" w="med" len="med"/>
+          </a:ln>
+        </p:spPr>
+        <p:style>
+          <a:lnRef idx="2">
+            <a:schemeClr val="dk1"/>
+          </a:lnRef>
+          <a:fillRef idx="0">
+            <a:schemeClr val="dk1"/>
+          </a:fillRef>
+          <a:effectRef idx="1">
+            <a:schemeClr val="dk1"/>
+          </a:effectRef>
+          <a:fontRef idx="minor">
+            <a:schemeClr val="tx1"/>
+          </a:fontRef>
+        </p:style>
+      </p:cxnSp>
+      <p:cxnSp>
+        <p:nvCxnSpPr>
+          <p:cNvPr id="62" name="Straight Arrow Connector 61">
+            <a:extLst>
+              <a:ext uri="{FF2B5EF4-FFF2-40B4-BE49-F238E27FC236}">
+                <a16:creationId xmlns:a16="http://schemas.microsoft.com/office/drawing/2014/main" id="{E629018D-6F20-1645-8C58-5A815427040D}"/>
+              </a:ext>
+            </a:extLst>
+          </p:cNvPr>
+          <p:cNvCxnSpPr/>
+          <p:nvPr/>
+        </p:nvCxnSpPr>
+        <p:spPr>
+          <a:xfrm>
+            <a:off x="3533685" y="3595594"/>
+            <a:ext cx="0" cy="181314"/>
+          </a:xfrm>
+          <a:prstGeom prst="straightConnector1">
+            <a:avLst/>
+          </a:prstGeom>
+          <a:ln>
+            <a:tailEnd type="triangle"/>
+          </a:ln>
+        </p:spPr>
+        <p:style>
+          <a:lnRef idx="2">
+            <a:schemeClr val="dk1"/>
+          </a:lnRef>
+          <a:fillRef idx="0">
+            <a:schemeClr val="dk1"/>
+          </a:fillRef>
+          <a:effectRef idx="1">
+            <a:schemeClr val="dk1"/>
+          </a:effectRef>
+          <a:fontRef idx="minor">
+            <a:schemeClr val="tx1"/>
+          </a:fontRef>
+        </p:style>
+      </p:cxnSp>
+      <p:cxnSp>
+        <p:nvCxnSpPr>
+          <p:cNvPr id="63" name="Straight Arrow Connector 62">
+            <a:extLst>
+              <a:ext uri="{FF2B5EF4-FFF2-40B4-BE49-F238E27FC236}">
+                <a16:creationId xmlns:a16="http://schemas.microsoft.com/office/drawing/2014/main" id="{F26219B8-1CC5-0841-8E51-416DFC6EA9A6}"/>
+              </a:ext>
+            </a:extLst>
+          </p:cNvPr>
+          <p:cNvCxnSpPr/>
+          <p:nvPr/>
+        </p:nvCxnSpPr>
+        <p:spPr>
+          <a:xfrm flipV="1">
+            <a:off x="4080616" y="3595594"/>
+            <a:ext cx="0" cy="181314"/>
+          </a:xfrm>
+          <a:prstGeom prst="straightConnector1">
+            <a:avLst/>
+          </a:prstGeom>
+          <a:ln>
+            <a:tailEnd type="triangle"/>
+          </a:ln>
+        </p:spPr>
+        <p:style>
+          <a:lnRef idx="2">
+            <a:schemeClr val="dk1"/>
+          </a:lnRef>
+          <a:fillRef idx="0">
+            <a:schemeClr val="dk1"/>
+          </a:fillRef>
+          <a:effectRef idx="1">
+            <a:schemeClr val="dk1"/>
+          </a:effectRef>
+          <a:fontRef idx="minor">
+            <a:schemeClr val="tx1"/>
+          </a:fontRef>
+        </p:style>
+      </p:cxnSp>
+      <p:cxnSp>
+        <p:nvCxnSpPr>
+          <p:cNvPr id="64" name="Straight Arrow Connector 63">
+            <a:extLst>
+              <a:ext uri="{FF2B5EF4-FFF2-40B4-BE49-F238E27FC236}">
+                <a16:creationId xmlns:a16="http://schemas.microsoft.com/office/drawing/2014/main" id="{28956D82-FD54-AC44-BD51-561F20605E86}"/>
+              </a:ext>
+            </a:extLst>
+          </p:cNvPr>
+          <p:cNvCxnSpPr>
+            <a:cxnSpLocks/>
+            <a:stCxn id="54" idx="0"/>
+            <a:endCxn id="49" idx="2"/>
+          </p:cNvCxnSpPr>
+          <p:nvPr/>
+        </p:nvCxnSpPr>
+        <p:spPr>
+          <a:xfrm flipH="1" flipV="1">
+            <a:off x="5727288" y="2101173"/>
+            <a:ext cx="267586" cy="1183623"/>
+          </a:xfrm>
+          <a:prstGeom prst="straightConnector1">
+            <a:avLst/>
+          </a:prstGeom>
+          <a:ln w="19050">
+            <a:prstDash val="sysDot"/>
+            <a:tailEnd type="triangle"/>
+          </a:ln>
+        </p:spPr>
+        <p:style>
+          <a:lnRef idx="1">
+            <a:schemeClr val="dk1"/>
+          </a:lnRef>
+          <a:fillRef idx="0">
+            <a:schemeClr val="dk1"/>
+          </a:fillRef>
+          <a:effectRef idx="0">
+            <a:schemeClr val="dk1"/>
+          </a:effectRef>
+          <a:fontRef idx="minor">
+            <a:schemeClr val="tx1"/>
+          </a:fontRef>
+        </p:style>
+      </p:cxnSp>
+      <p:cxnSp>
+        <p:nvCxnSpPr>
+          <p:cNvPr id="68" name="Straight Arrow Connector 67">
+            <a:extLst>
+              <a:ext uri="{FF2B5EF4-FFF2-40B4-BE49-F238E27FC236}">
+                <a16:creationId xmlns:a16="http://schemas.microsoft.com/office/drawing/2014/main" id="{66A589C6-7FD2-B646-959D-D82542754C07}"/>
+              </a:ext>
+            </a:extLst>
+          </p:cNvPr>
+          <p:cNvCxnSpPr>
+            <a:cxnSpLocks/>
+            <a:stCxn id="48" idx="2"/>
+            <a:endCxn id="54" idx="0"/>
+          </p:cNvCxnSpPr>
+          <p:nvPr/>
+        </p:nvCxnSpPr>
+        <p:spPr>
+          <a:xfrm>
+            <a:off x="4093877" y="2101173"/>
+            <a:ext cx="1900997" cy="1183623"/>
+          </a:xfrm>
+          <a:prstGeom prst="straightConnector1">
+            <a:avLst/>
+          </a:prstGeom>
+          <a:ln w="19050">
+            <a:prstDash val="sysDot"/>
+            <a:tailEnd type="triangle"/>
+          </a:ln>
+        </p:spPr>
+        <p:style>
+          <a:lnRef idx="1">
+            <a:schemeClr val="dk1"/>
+          </a:lnRef>
+          <a:fillRef idx="0">
+            <a:schemeClr val="dk1"/>
+          </a:fillRef>
+          <a:effectRef idx="0">
+            <a:schemeClr val="dk1"/>
+          </a:effectRef>
+          <a:fontRef idx="minor">
+            <a:schemeClr val="tx1"/>
+          </a:fontRef>
+        </p:style>
+      </p:cxnSp>
+      <p:cxnSp>
+        <p:nvCxnSpPr>
+          <p:cNvPr id="69" name="Straight Arrow Connector 68">
+            <a:extLst>
+              <a:ext uri="{FF2B5EF4-FFF2-40B4-BE49-F238E27FC236}">
+                <a16:creationId xmlns:a16="http://schemas.microsoft.com/office/drawing/2014/main" id="{C331C232-4E35-FC4F-B75C-543E417781EC}"/>
+              </a:ext>
+            </a:extLst>
+          </p:cNvPr>
+          <p:cNvCxnSpPr>
+            <a:cxnSpLocks/>
+            <a:stCxn id="59" idx="0"/>
+            <a:endCxn id="49" idx="2"/>
+          </p:cNvCxnSpPr>
+          <p:nvPr/>
+        </p:nvCxnSpPr>
+        <p:spPr>
+          <a:xfrm flipV="1">
+            <a:off x="3781513" y="2101173"/>
+            <a:ext cx="1945775" cy="1183623"/>
+          </a:xfrm>
+          <a:prstGeom prst="straightConnector1">
+            <a:avLst/>
+          </a:prstGeom>
+          <a:ln w="19050">
+            <a:prstDash val="sysDot"/>
+            <a:tailEnd type="triangle"/>
+          </a:ln>
+        </p:spPr>
+        <p:style>
+          <a:lnRef idx="1">
+            <a:schemeClr val="dk1"/>
+          </a:lnRef>
+          <a:fillRef idx="0">
+            <a:schemeClr val="dk1"/>
+          </a:fillRef>
+          <a:effectRef idx="0">
+            <a:schemeClr val="dk1"/>
+          </a:effectRef>
+          <a:fontRef idx="minor">
+            <a:schemeClr val="tx1"/>
+          </a:fontRef>
+        </p:style>
+      </p:cxnSp>
+      <p:cxnSp>
+        <p:nvCxnSpPr>
+          <p:cNvPr id="71" name="Straight Arrow Connector 70">
+            <a:extLst>
+              <a:ext uri="{FF2B5EF4-FFF2-40B4-BE49-F238E27FC236}">
+                <a16:creationId xmlns:a16="http://schemas.microsoft.com/office/drawing/2014/main" id="{5D0BD4BC-15AC-B34C-B6D9-E1ECCF333920}"/>
+              </a:ext>
+            </a:extLst>
+          </p:cNvPr>
+          <p:cNvCxnSpPr>
+            <a:cxnSpLocks/>
+            <a:stCxn id="48" idx="2"/>
+            <a:endCxn id="59" idx="0"/>
+          </p:cNvCxnSpPr>
+          <p:nvPr/>
+        </p:nvCxnSpPr>
+        <p:spPr>
+          <a:xfrm flipH="1">
+            <a:off x="3781513" y="2101173"/>
+            <a:ext cx="312364" cy="1183623"/>
+          </a:xfrm>
+          <a:prstGeom prst="straightConnector1">
+            <a:avLst/>
+          </a:prstGeom>
+          <a:ln w="19050">
+            <a:prstDash val="sysDot"/>
+            <a:tailEnd type="triangle"/>
+          </a:ln>
+        </p:spPr>
+        <p:style>
+          <a:lnRef idx="1">
+            <a:schemeClr val="dk1"/>
+          </a:lnRef>
+          <a:fillRef idx="0">
+            <a:schemeClr val="dk1"/>
+          </a:fillRef>
+          <a:effectRef idx="0">
+            <a:schemeClr val="dk1"/>
+          </a:effectRef>
+          <a:fontRef idx="minor">
+            <a:schemeClr val="tx1"/>
+          </a:fontRef>
+        </p:style>
+      </p:cxnSp>
+      <p:sp>
+        <p:nvSpPr>
+          <p:cNvPr id="95" name="Rounded Rectangle 94">
+            <a:extLst>
+              <a:ext uri="{FF2B5EF4-FFF2-40B4-BE49-F238E27FC236}">
+                <a16:creationId xmlns:a16="http://schemas.microsoft.com/office/drawing/2014/main" id="{43C81589-C1EB-3E40-B2BA-020E08FD33CB}"/>
+              </a:ext>
+            </a:extLst>
+          </p:cNvPr>
+          <p:cNvSpPr/>
+          <p:nvPr/>
+        </p:nvSpPr>
+        <p:spPr>
+          <a:xfrm>
+            <a:off x="3208944" y="3788252"/>
+            <a:ext cx="1145137" cy="582576"/>
+          </a:xfrm>
+          <a:prstGeom prst="roundRect">
+            <a:avLst>
+              <a:gd name="adj" fmla="val 9021"/>
+            </a:avLst>
+          </a:prstGeom>
+          <a:solidFill>
+            <a:schemeClr val="bg1">
+              <a:lumMod val="75000"/>
+            </a:schemeClr>
+          </a:solidFill>
+          <a:ln w="19050" cap="flat" cmpd="sng" algn="ctr">
+            <a:solidFill>
+              <a:schemeClr val="accent1"/>
+            </a:solidFill>
+            <a:prstDash val="solid"/>
+            <a:miter lim="800000"/>
+          </a:ln>
+          <a:effectLst>
+            <a:outerShdw blurRad="50800" dist="38100" dir="2700000" algn="tl" rotWithShape="0">
+              <a:prstClr val="black">
+                <a:alpha val="40000"/>
+              </a:prstClr>
+            </a:outerShdw>
+          </a:effectLst>
+        </p:spPr>
+        <p:txBody>
+          <a:bodyPr rtlCol="0" anchor="ctr"/>
+          <a:lstStyle/>
+          <a:p>
+            <a:pPr algn="ctr" defTabSz="914354">
+              <a:lnSpc>
+                <a:spcPct val="80000"/>
+              </a:lnSpc>
+              <a:defRPr/>
+            </a:pPr>
+            <a:r>
+              <a:rPr lang="en-US" sz="1600" kern="0" dirty="0">
+                <a:latin typeface="Calibri" charset="0"/>
+                <a:ea typeface="Calibri" charset="0"/>
+                <a:cs typeface="Calibri" charset="0"/>
+                <a:sym typeface="Arial"/>
+              </a:rPr>
+              <a:t>Service A</a:t>
+            </a:r>
+          </a:p>
+        </p:txBody>
+      </p:sp>
+      <p:sp>
+        <p:nvSpPr>
+          <p:cNvPr id="98" name="Rounded Rectangle 97">
+            <a:extLst>
+              <a:ext uri="{FF2B5EF4-FFF2-40B4-BE49-F238E27FC236}">
+                <a16:creationId xmlns:a16="http://schemas.microsoft.com/office/drawing/2014/main" id="{218A2456-5492-B24B-9B3A-46578BF2A94F}"/>
+              </a:ext>
+            </a:extLst>
+          </p:cNvPr>
+          <p:cNvSpPr/>
+          <p:nvPr/>
+        </p:nvSpPr>
+        <p:spPr>
+          <a:xfrm>
+            <a:off x="5422306" y="3788252"/>
+            <a:ext cx="1145137" cy="582576"/>
+          </a:xfrm>
+          <a:prstGeom prst="roundRect">
+            <a:avLst>
+              <a:gd name="adj" fmla="val 9021"/>
+            </a:avLst>
+          </a:prstGeom>
+          <a:solidFill>
+            <a:schemeClr val="bg1">
+              <a:lumMod val="75000"/>
+            </a:schemeClr>
+          </a:solidFill>
+          <a:ln w="19050" cap="flat" cmpd="sng" algn="ctr">
+            <a:solidFill>
+              <a:schemeClr val="accent1"/>
+            </a:solidFill>
+            <a:prstDash val="solid"/>
+            <a:miter lim="800000"/>
+          </a:ln>
+          <a:effectLst>
+            <a:outerShdw blurRad="50800" dist="38100" dir="2700000" algn="tl" rotWithShape="0">
+              <a:prstClr val="black">
+                <a:alpha val="40000"/>
+              </a:prstClr>
+            </a:outerShdw>
+          </a:effectLst>
+        </p:spPr>
+        <p:txBody>
+          <a:bodyPr rtlCol="0" anchor="ctr"/>
+          <a:lstStyle/>
+          <a:p>
+            <a:pPr algn="ctr" defTabSz="914354">
+              <a:lnSpc>
+                <a:spcPct val="80000"/>
+              </a:lnSpc>
+              <a:defRPr/>
+            </a:pPr>
+            <a:r>
+              <a:rPr lang="en-US" sz="1600" kern="0" dirty="0">
+                <a:latin typeface="Calibri" charset="0"/>
+                <a:ea typeface="Calibri" charset="0"/>
+                <a:cs typeface="Calibri" charset="0"/>
+                <a:sym typeface="Arial"/>
+              </a:rPr>
+              <a:t>Service B</a:t>
+            </a:r>
+          </a:p>
+        </p:txBody>
+      </p:sp>
+    </p:spTree>
+    <p:extLst>
+      <p:ext uri="{BB962C8B-B14F-4D97-AF65-F5344CB8AC3E}">
+        <p14:creationId xmlns:p14="http://schemas.microsoft.com/office/powerpoint/2010/main" val="4053389099"/>
+      </p:ext>
+    </p:extLst>
+  </p:cSld>
+  <p:clrMapOvr>
+    <a:masterClrMapping/>
+  </p:clrMapOvr>
+</p:sld>
+</file>
+
 <file path=ppt/slides/slide3.xml><?xml version="1.0" encoding="utf-8"?>
 <p:sld xmlns:a="http://schemas.openxmlformats.org/drawingml/2006/main" xmlns:r="http://schemas.openxmlformats.org/officeDocument/2006/relationships" xmlns:p="http://schemas.openxmlformats.org/presentationml/2006/main">
   <p:cSld>

--- a/figures.pptx
+++ b/figures.pptx
@@ -323,7 +323,7 @@
       </p15:sldGuideLst>
     </p:ext>
     <p:ext uri="http://customooxmlschemas.google.com/">
-      <go:slidesCustomData xmlns:go="http://customooxmlschemas.google.com/" xmlns:p15="http://schemas.microsoft.com/office/powerpoint/2012/main" xmlns:p14="http://schemas.microsoft.com/office/powerpoint/2010/main" xmlns:com="http://schemas.openxmlformats.org/drawingml/2006/compatibility" xmlns:pvml="urn:schemas-microsoft-com:office:powerpoint" xmlns:v="urn:schemas-microsoft-com:vml" xmlns:o="urn:schemas-microsoft-com:office:office" xmlns:dgm="http://schemas.openxmlformats.org/drawingml/2006/diagram" xmlns:c="http://schemas.openxmlformats.org/drawingml/2006/chart" xmlns:mv="urn:schemas-microsoft-com:mac:vml" xmlns:mc="http://schemas.openxmlformats.org/markup-compatibility/2006" xmlns="" r:id="rId30" roundtripDataSignature="AMtx7mjYSJr9dBhpBi3R8tFsPF3I3gzuVA=="/>
+      <go:slidesCustomData xmlns="" xmlns:mc="http://schemas.openxmlformats.org/markup-compatibility/2006" xmlns:mv="urn:schemas-microsoft-com:mac:vml" xmlns:c="http://schemas.openxmlformats.org/drawingml/2006/chart" xmlns:dgm="http://schemas.openxmlformats.org/drawingml/2006/diagram" xmlns:o="urn:schemas-microsoft-com:office:office" xmlns:v="urn:schemas-microsoft-com:vml" xmlns:pvml="urn:schemas-microsoft-com:office:powerpoint" xmlns:com="http://schemas.openxmlformats.org/drawingml/2006/compatibility" xmlns:p14="http://schemas.microsoft.com/office/powerpoint/2010/main" xmlns:p15="http://schemas.microsoft.com/office/powerpoint/2012/main" xmlns:go="http://customooxmlschemas.google.com/" r:id="rId30" roundtripDataSignature="AMtx7mjYSJr9dBhpBi3R8tFsPF3I3gzuVA=="/>
     </p:ext>
   </p:extLst>
 </p:presentation>
@@ -3315,7 +3315,7 @@
           <a:p>
             <a:fld id="{BF4F8DC3-0006-B147-AA6D-FF436E850004}" type="datetimeFigureOut">
               <a:rPr lang="en-US" smtClean="0"/>
-              <a:t>5/18/22</a:t>
+              <a:t>5/24/22</a:t>
             </a:fld>
             <a:endParaRPr lang="en-US"/>
           </a:p>
@@ -4962,8 +4962,8 @@
         </p:nvCxnSpPr>
         <p:spPr>
           <a:xfrm flipV="1">
-            <a:off x="3109785" y="2189389"/>
-            <a:ext cx="1637" cy="162598"/>
+            <a:off x="3102294" y="2189389"/>
+            <a:ext cx="9128" cy="169214"/>
           </a:xfrm>
           <a:prstGeom prst="line">
             <a:avLst/>
@@ -4999,7 +4999,7 @@
         <p:spPr>
           <a:xfrm flipH="1" flipV="1">
             <a:off x="3116317" y="2948752"/>
-            <a:ext cx="795806" cy="324165"/>
+            <a:ext cx="792887" cy="328444"/>
           </a:xfrm>
           <a:prstGeom prst="line">
             <a:avLst/>
@@ -5035,7 +5035,7 @@
         <p:spPr>
           <a:xfrm flipH="1" flipV="1">
             <a:off x="3760064" y="2959637"/>
-            <a:ext cx="152059" cy="313280"/>
+            <a:ext cx="149140" cy="317559"/>
           </a:xfrm>
           <a:prstGeom prst="line">
             <a:avLst/>
@@ -5226,8 +5226,8 @@
         </p:nvCxnSpPr>
         <p:spPr>
           <a:xfrm flipH="1">
-            <a:off x="3109785" y="1720843"/>
-            <a:ext cx="317533" cy="631144"/>
+            <a:off x="3102294" y="1720843"/>
+            <a:ext cx="325024" cy="637760"/>
           </a:xfrm>
           <a:prstGeom prst="straightConnector1">
             <a:avLst/>
@@ -5235,7 +5235,9 @@
           <a:noFill/>
           <a:ln w="12700" cap="flat" cmpd="sng" algn="ctr">
             <a:solidFill>
-              <a:srgbClr val="ED7D31"/>
+              <a:schemeClr val="bg1">
+                <a:lumMod val="50000"/>
+              </a:schemeClr>
             </a:solidFill>
             <a:prstDash val="sysDot"/>
             <a:miter lim="800000"/>
@@ -5269,7 +5271,7 @@
         <p:spPr>
           <a:xfrm>
             <a:off x="3427318" y="1720843"/>
-            <a:ext cx="957242" cy="620258"/>
+            <a:ext cx="963773" cy="620257"/>
           </a:xfrm>
           <a:prstGeom prst="straightConnector1">
             <a:avLst/>
@@ -5277,7 +5279,9 @@
           <a:noFill/>
           <a:ln w="12700" cap="flat" cmpd="sng" algn="ctr">
             <a:solidFill>
-              <a:srgbClr val="ED7D31"/>
+              <a:schemeClr val="bg1">
+                <a:lumMod val="50000"/>
+              </a:schemeClr>
             </a:solidFill>
             <a:prstDash val="sysDot"/>
             <a:miter lim="800000"/>
@@ -5313,14 +5317,13 @@
             <a:avLst/>
           </a:prstGeom>
           <a:solidFill>
-            <a:schemeClr val="accent6">
-              <a:lumMod val="40000"/>
-              <a:lumOff val="60000"/>
-            </a:schemeClr>
+            <a:srgbClr val="C2D6EC"/>
           </a:solidFill>
           <a:ln>
             <a:solidFill>
-              <a:srgbClr val="F99149"/>
+              <a:schemeClr val="bg1">
+                <a:lumMod val="50000"/>
+              </a:schemeClr>
             </a:solidFill>
           </a:ln>
         </p:spPr>
@@ -5423,7 +5426,16 @@
               <a:gd name="adj" fmla="val 22527"/>
             </a:avLst>
           </a:prstGeom>
-          <a:ln/>
+          <a:solidFill>
+            <a:srgbClr val="C2D6EC"/>
+          </a:solidFill>
+          <a:ln>
+            <a:solidFill>
+              <a:schemeClr val="bg1">
+                <a:lumMod val="50000"/>
+              </a:schemeClr>
+            </a:solidFill>
+          </a:ln>
         </p:spPr>
         <p:style>
           <a:lnRef idx="1">
@@ -5472,10 +5484,10 @@
         </p:nvGrpSpPr>
         <p:grpSpPr>
           <a:xfrm>
-            <a:off x="4097462" y="2341101"/>
-            <a:ext cx="574196" cy="596765"/>
-            <a:chOff x="5138136" y="2395529"/>
-            <a:chExt cx="574196" cy="596765"/>
+            <a:off x="4103993" y="2341100"/>
+            <a:ext cx="574196" cy="596766"/>
+            <a:chOff x="5144667" y="2395528"/>
+            <a:chExt cx="574196" cy="596766"/>
           </a:xfrm>
         </p:grpSpPr>
         <p:pic>
@@ -5525,9 +5537,9 @@
           </p:nvGrpSpPr>
           <p:grpSpPr>
             <a:xfrm>
-              <a:off x="5138136" y="2395529"/>
+              <a:off x="5144667" y="2395528"/>
               <a:ext cx="574196" cy="215444"/>
-              <a:chOff x="5138136" y="2376073"/>
+              <a:chOff x="5144667" y="2376072"/>
               <a:chExt cx="574196" cy="215444"/>
             </a:xfrm>
           </p:grpSpPr>
@@ -5545,6 +5557,9 @@
               <a:prstGeom prst="roundRect">
                 <a:avLst/>
               </a:prstGeom>
+              <a:solidFill>
+                <a:srgbClr val="C2D6EC"/>
+              </a:solidFill>
               <a:ln>
                 <a:noFill/>
               </a:ln>
@@ -5587,7 +5602,7 @@
             </p:nvSpPr>
             <p:spPr>
               <a:xfrm>
-                <a:off x="5138136" y="2376073"/>
+                <a:off x="5144667" y="2376072"/>
                 <a:ext cx="574196" cy="215444"/>
               </a:xfrm>
               <a:prstGeom prst="rect">
@@ -5628,10 +5643,10 @@
         </p:nvGrpSpPr>
         <p:grpSpPr>
           <a:xfrm>
-            <a:off x="2822687" y="2351987"/>
-            <a:ext cx="574196" cy="596765"/>
-            <a:chOff x="5138136" y="2395529"/>
-            <a:chExt cx="574196" cy="596765"/>
+            <a:off x="2815196" y="2358603"/>
+            <a:ext cx="574196" cy="590149"/>
+            <a:chOff x="5130645" y="2402145"/>
+            <a:chExt cx="574196" cy="590149"/>
           </a:xfrm>
         </p:grpSpPr>
         <p:pic>
@@ -5681,9 +5696,9 @@
           </p:nvGrpSpPr>
           <p:grpSpPr>
             <a:xfrm>
-              <a:off x="5138136" y="2395529"/>
+              <a:off x="5130645" y="2402145"/>
               <a:ext cx="574196" cy="215444"/>
-              <a:chOff x="5138136" y="2376073"/>
+              <a:chOff x="5130645" y="2382689"/>
               <a:chExt cx="574196" cy="215444"/>
             </a:xfrm>
           </p:grpSpPr>
@@ -5701,6 +5716,9 @@
               <a:prstGeom prst="roundRect">
                 <a:avLst/>
               </a:prstGeom>
+              <a:solidFill>
+                <a:srgbClr val="C2D6EC"/>
+              </a:solidFill>
               <a:ln>
                 <a:noFill/>
               </a:ln>
@@ -5743,7 +5761,7 @@
             </p:nvSpPr>
             <p:spPr>
               <a:xfrm>
-                <a:off x="5138136" y="2376073"/>
+                <a:off x="5130645" y="2382689"/>
                 <a:ext cx="574196" cy="215444"/>
               </a:xfrm>
               <a:prstGeom prst="rect">
@@ -5784,10 +5802,10 @@
         </p:nvGrpSpPr>
         <p:grpSpPr>
           <a:xfrm>
-            <a:off x="2189941" y="2341100"/>
-            <a:ext cx="574196" cy="596765"/>
-            <a:chOff x="5138136" y="2395529"/>
-            <a:chExt cx="574196" cy="596765"/>
+            <a:off x="2188745" y="2340756"/>
+            <a:ext cx="574196" cy="597109"/>
+            <a:chOff x="5136940" y="2395185"/>
+            <a:chExt cx="574196" cy="597109"/>
           </a:xfrm>
         </p:grpSpPr>
         <p:pic>
@@ -5837,9 +5855,9 @@
           </p:nvGrpSpPr>
           <p:grpSpPr>
             <a:xfrm>
-              <a:off x="5138136" y="2395529"/>
+              <a:off x="5136940" y="2395185"/>
               <a:ext cx="574196" cy="215444"/>
-              <a:chOff x="5138136" y="2376073"/>
+              <a:chOff x="5136940" y="2375729"/>
               <a:chExt cx="574196" cy="215444"/>
             </a:xfrm>
           </p:grpSpPr>
@@ -5857,6 +5875,9 @@
               <a:prstGeom prst="roundRect">
                 <a:avLst/>
               </a:prstGeom>
+              <a:solidFill>
+                <a:srgbClr val="C2D6EC"/>
+              </a:solidFill>
               <a:ln>
                 <a:noFill/>
               </a:ln>
@@ -5899,7 +5920,7 @@
             </p:nvSpPr>
             <p:spPr>
               <a:xfrm>
-                <a:off x="5138136" y="2376073"/>
+                <a:off x="5136940" y="2375729"/>
                 <a:ext cx="574196" cy="215444"/>
               </a:xfrm>
               <a:prstGeom prst="rect">
@@ -5940,10 +5961,10 @@
         </p:nvGrpSpPr>
         <p:grpSpPr>
           <a:xfrm>
-            <a:off x="2507344" y="3270740"/>
-            <a:ext cx="574196" cy="596765"/>
-            <a:chOff x="5138136" y="2395529"/>
-            <a:chExt cx="574196" cy="596765"/>
+            <a:off x="2509536" y="3270396"/>
+            <a:ext cx="574196" cy="597109"/>
+            <a:chOff x="5140328" y="2395185"/>
+            <a:chExt cx="574196" cy="597109"/>
           </a:xfrm>
         </p:grpSpPr>
         <p:pic>
@@ -5993,9 +6014,9 @@
           </p:nvGrpSpPr>
           <p:grpSpPr>
             <a:xfrm>
-              <a:off x="5138136" y="2395529"/>
+              <a:off x="5140328" y="2395185"/>
               <a:ext cx="574196" cy="215444"/>
-              <a:chOff x="5138136" y="2376073"/>
+              <a:chOff x="5140328" y="2375729"/>
               <a:chExt cx="574196" cy="215444"/>
             </a:xfrm>
           </p:grpSpPr>
@@ -6013,6 +6034,9 @@
               <a:prstGeom prst="roundRect">
                 <a:avLst/>
               </a:prstGeom>
+              <a:solidFill>
+                <a:srgbClr val="C2D6EC"/>
+              </a:solidFill>
               <a:ln>
                 <a:noFill/>
               </a:ln>
@@ -6055,7 +6079,7 @@
             </p:nvSpPr>
             <p:spPr>
               <a:xfrm>
-                <a:off x="5138136" y="2376073"/>
+                <a:off x="5140328" y="2375729"/>
                 <a:ext cx="574196" cy="215444"/>
               </a:xfrm>
               <a:prstGeom prst="rect">
@@ -6096,10 +6120,10 @@
         </p:nvGrpSpPr>
         <p:grpSpPr>
           <a:xfrm>
-            <a:off x="3625025" y="3272917"/>
-            <a:ext cx="574196" cy="596765"/>
-            <a:chOff x="5138136" y="2395529"/>
-            <a:chExt cx="574196" cy="596765"/>
+            <a:off x="3622106" y="3277196"/>
+            <a:ext cx="574196" cy="592486"/>
+            <a:chOff x="5135217" y="2399808"/>
+            <a:chExt cx="574196" cy="592486"/>
           </a:xfrm>
         </p:grpSpPr>
         <p:pic>
@@ -6149,9 +6173,9 @@
           </p:nvGrpSpPr>
           <p:grpSpPr>
             <a:xfrm>
-              <a:off x="5138136" y="2395529"/>
+              <a:off x="5135217" y="2399808"/>
               <a:ext cx="574196" cy="215444"/>
-              <a:chOff x="5138136" y="2376073"/>
+              <a:chOff x="5135217" y="2380352"/>
               <a:chExt cx="574196" cy="215444"/>
             </a:xfrm>
           </p:grpSpPr>
@@ -6169,6 +6193,9 @@
               <a:prstGeom prst="roundRect">
                 <a:avLst/>
               </a:prstGeom>
+              <a:solidFill>
+                <a:srgbClr val="C2D6EC"/>
+              </a:solidFill>
               <a:ln>
                 <a:noFill/>
               </a:ln>
@@ -6211,7 +6238,7 @@
             </p:nvSpPr>
             <p:spPr>
               <a:xfrm>
-                <a:off x="5138136" y="2376073"/>
+                <a:off x="5135217" y="2380352"/>
                 <a:ext cx="574196" cy="215444"/>
               </a:xfrm>
               <a:prstGeom prst="rect">
@@ -6263,7 +6290,7 @@
         <p:spPr>
           <a:xfrm flipH="1" flipV="1">
             <a:off x="2483571" y="2937865"/>
-            <a:ext cx="1428552" cy="335052"/>
+            <a:ext cx="1425633" cy="339331"/>
           </a:xfrm>
           <a:prstGeom prst="line">
             <a:avLst/>
@@ -6298,8 +6325,8 @@
         </p:nvCxnSpPr>
         <p:spPr>
           <a:xfrm flipV="1">
-            <a:off x="3912123" y="2937866"/>
-            <a:ext cx="478969" cy="335051"/>
+            <a:off x="3909204" y="2937866"/>
+            <a:ext cx="481888" cy="339330"/>
           </a:xfrm>
           <a:prstGeom prst="line">
             <a:avLst/>
@@ -6324,10 +6351,10 @@
         </p:nvGrpSpPr>
         <p:grpSpPr>
           <a:xfrm>
-            <a:off x="3466434" y="2362872"/>
-            <a:ext cx="574196" cy="596765"/>
-            <a:chOff x="5138136" y="2395529"/>
-            <a:chExt cx="574196" cy="596765"/>
+            <a:off x="3476422" y="2358995"/>
+            <a:ext cx="574196" cy="600642"/>
+            <a:chOff x="5148124" y="2391652"/>
+            <a:chExt cx="574196" cy="600642"/>
           </a:xfrm>
         </p:grpSpPr>
         <p:pic>
@@ -6377,9 +6404,9 @@
           </p:nvGrpSpPr>
           <p:grpSpPr>
             <a:xfrm>
-              <a:off x="5138136" y="2395529"/>
+              <a:off x="5148124" y="2391652"/>
               <a:ext cx="574196" cy="215444"/>
-              <a:chOff x="5138136" y="2376073"/>
+              <a:chOff x="5148124" y="2372196"/>
               <a:chExt cx="574196" cy="215444"/>
             </a:xfrm>
           </p:grpSpPr>
@@ -6397,6 +6424,9 @@
               <a:prstGeom prst="roundRect">
                 <a:avLst/>
               </a:prstGeom>
+              <a:solidFill>
+                <a:srgbClr val="C2D6EC"/>
+              </a:solidFill>
               <a:ln>
                 <a:noFill/>
               </a:ln>
@@ -6439,7 +6469,7 @@
             </p:nvSpPr>
             <p:spPr>
               <a:xfrm>
-                <a:off x="5138136" y="2376073"/>
+                <a:off x="5148124" y="2372196"/>
                 <a:ext cx="574196" cy="215444"/>
               </a:xfrm>
               <a:prstGeom prst="rect">
@@ -6490,8 +6520,8 @@
         </p:nvCxnSpPr>
         <p:spPr>
           <a:xfrm flipV="1">
-            <a:off x="2794442" y="2937866"/>
-            <a:ext cx="1596650" cy="332874"/>
+            <a:off x="2796634" y="2937866"/>
+            <a:ext cx="1594458" cy="332530"/>
           </a:xfrm>
           <a:prstGeom prst="line">
             <a:avLst/>
@@ -6526,8 +6556,8 @@
         </p:nvCxnSpPr>
         <p:spPr>
           <a:xfrm flipV="1">
-            <a:off x="2794442" y="2959637"/>
-            <a:ext cx="965622" cy="311103"/>
+            <a:off x="2796634" y="2959637"/>
+            <a:ext cx="963430" cy="310759"/>
           </a:xfrm>
           <a:prstGeom prst="line">
             <a:avLst/>
@@ -6562,8 +6592,8 @@
         </p:nvCxnSpPr>
         <p:spPr>
           <a:xfrm flipV="1">
-            <a:off x="2794442" y="2948752"/>
-            <a:ext cx="321875" cy="321988"/>
+            <a:off x="2796634" y="2948752"/>
+            <a:ext cx="319683" cy="321644"/>
           </a:xfrm>
           <a:prstGeom prst="line">
             <a:avLst/>
@@ -6599,7 +6629,7 @@
         <p:spPr>
           <a:xfrm flipH="1" flipV="1">
             <a:off x="2483571" y="2937865"/>
-            <a:ext cx="310871" cy="332875"/>
+            <a:ext cx="313063" cy="332531"/>
           </a:xfrm>
           <a:prstGeom prst="line">
             <a:avLst/>
@@ -6635,7 +6665,7 @@
         <p:spPr>
           <a:xfrm>
             <a:off x="3427318" y="1720843"/>
-            <a:ext cx="326214" cy="642029"/>
+            <a:ext cx="336202" cy="638152"/>
           </a:xfrm>
           <a:prstGeom prst="straightConnector1">
             <a:avLst/>
@@ -6643,7 +6673,9 @@
           <a:noFill/>
           <a:ln w="12700" cap="flat" cmpd="sng" algn="ctr">
             <a:solidFill>
-              <a:srgbClr val="ED7D31"/>
+              <a:schemeClr val="bg1">
+                <a:lumMod val="50000"/>
+              </a:schemeClr>
             </a:solidFill>
             <a:prstDash val="sysDot"/>
             <a:miter lim="800000"/>
@@ -6676,8 +6708,8 @@
         </p:nvCxnSpPr>
         <p:spPr>
           <a:xfrm flipH="1">
-            <a:off x="2477039" y="1720843"/>
-            <a:ext cx="950279" cy="620257"/>
+            <a:off x="2475843" y="1720843"/>
+            <a:ext cx="951475" cy="619913"/>
           </a:xfrm>
           <a:prstGeom prst="straightConnector1">
             <a:avLst/>
@@ -6685,7 +6717,9 @@
           <a:noFill/>
           <a:ln w="12700" cap="flat" cmpd="sng" algn="ctr">
             <a:solidFill>
-              <a:srgbClr val="ED7D31"/>
+              <a:schemeClr val="bg1">
+                <a:lumMod val="50000"/>
+              </a:schemeClr>
             </a:solidFill>
             <a:prstDash val="sysDot"/>
             <a:miter lim="800000"/>
@@ -6718,8 +6752,8 @@
         </p:nvCxnSpPr>
         <p:spPr>
           <a:xfrm flipH="1">
-            <a:off x="2794442" y="1720843"/>
-            <a:ext cx="632876" cy="1549897"/>
+            <a:off x="2796634" y="1720843"/>
+            <a:ext cx="630684" cy="1549553"/>
           </a:xfrm>
           <a:prstGeom prst="straightConnector1">
             <a:avLst/>
@@ -6727,7 +6761,9 @@
           <a:noFill/>
           <a:ln w="12700" cap="flat" cmpd="sng" algn="ctr">
             <a:solidFill>
-              <a:srgbClr val="ED7D31"/>
+              <a:schemeClr val="bg1">
+                <a:lumMod val="50000"/>
+              </a:schemeClr>
             </a:solidFill>
             <a:prstDash val="sysDot"/>
             <a:miter lim="800000"/>
@@ -6759,9 +6795,9 @@
           <p:nvPr/>
         </p:nvCxnSpPr>
         <p:spPr>
-          <a:xfrm flipH="1" flipV="1">
-            <a:off x="2476009" y="2189389"/>
-            <a:ext cx="1030" cy="151711"/>
+          <a:xfrm flipV="1">
+            <a:off x="2475843" y="2189389"/>
+            <a:ext cx="166" cy="151367"/>
           </a:xfrm>
           <a:prstGeom prst="line">
             <a:avLst/>
@@ -6797,7 +6833,7 @@
         <p:spPr>
           <a:xfrm flipH="1" flipV="1">
             <a:off x="3746833" y="2200474"/>
-            <a:ext cx="6699" cy="162398"/>
+            <a:ext cx="16687" cy="158521"/>
           </a:xfrm>
           <a:prstGeom prst="line">
             <a:avLst/>
@@ -6833,7 +6869,7 @@
         <p:spPr>
           <a:xfrm flipH="1" flipV="1">
             <a:off x="4382244" y="2200474"/>
-            <a:ext cx="2316" cy="140627"/>
+            <a:ext cx="8847" cy="140626"/>
           </a:xfrm>
           <a:prstGeom prst="line">
             <a:avLst/>
@@ -7047,7 +7083,7 @@
         <p:spPr>
           <a:xfrm>
             <a:off x="3427318" y="1720843"/>
-            <a:ext cx="484805" cy="1552074"/>
+            <a:ext cx="481886" cy="1556353"/>
           </a:xfrm>
           <a:prstGeom prst="straightConnector1">
             <a:avLst/>
@@ -7055,7 +7091,9 @@
           <a:noFill/>
           <a:ln w="12700" cap="flat" cmpd="sng" algn="ctr">
             <a:solidFill>
-              <a:srgbClr val="ED7D31"/>
+              <a:schemeClr val="bg1">
+                <a:lumMod val="50000"/>
+              </a:schemeClr>
             </a:solidFill>
             <a:prstDash val="sysDot"/>
             <a:miter lim="800000"/>
@@ -7632,7 +7670,7 @@
             </a:avLst>
           </a:prstGeom>
           <a:solidFill>
-            <a:schemeClr val="accent3">
+            <a:schemeClr val="accent1">
               <a:lumMod val="20000"/>
               <a:lumOff val="80000"/>
             </a:schemeClr>
@@ -7691,7 +7729,7 @@
             </a:avLst>
           </a:prstGeom>
           <a:solidFill>
-            <a:schemeClr val="accent4">
+            <a:schemeClr val="accent1">
               <a:lumMod val="20000"/>
               <a:lumOff val="80000"/>
             </a:schemeClr>
@@ -9752,14 +9790,13 @@
             <a:avLst/>
           </a:prstGeom>
           <a:solidFill>
-            <a:schemeClr val="accent6">
-              <a:lumMod val="40000"/>
-              <a:lumOff val="60000"/>
-            </a:schemeClr>
+            <a:srgbClr val="C2D6EC"/>
           </a:solidFill>
           <a:ln>
             <a:solidFill>
-              <a:srgbClr val="F99149"/>
+              <a:schemeClr val="bg1">
+                <a:lumMod val="50000"/>
+              </a:schemeClr>
             </a:solidFill>
           </a:ln>
         </p:spPr>
@@ -9820,14 +9857,13 @@
             <a:avLst/>
           </a:prstGeom>
           <a:solidFill>
-            <a:schemeClr val="accent6">
-              <a:lumMod val="40000"/>
-              <a:lumOff val="60000"/>
-            </a:schemeClr>
+            <a:srgbClr val="C2D6EC"/>
           </a:solidFill>
           <a:ln>
             <a:solidFill>
-              <a:srgbClr val="F99149"/>
+              <a:schemeClr val="bg1">
+                <a:lumMod val="50000"/>
+              </a:schemeClr>
             </a:solidFill>
           </a:ln>
         </p:spPr>
@@ -10708,14 +10744,13 @@
             <a:avLst/>
           </a:prstGeom>
           <a:solidFill>
-            <a:schemeClr val="accent6">
-              <a:lumMod val="40000"/>
-              <a:lumOff val="60000"/>
-            </a:schemeClr>
+            <a:srgbClr val="C2D6EC"/>
           </a:solidFill>
           <a:ln>
             <a:solidFill>
-              <a:srgbClr val="F99149"/>
+              <a:schemeClr val="bg1">
+                <a:lumMod val="50000"/>
+              </a:schemeClr>
             </a:solidFill>
           </a:ln>
         </p:spPr>
@@ -10926,13 +10961,21 @@
           <a:prstGeom prst="roundRect">
             <a:avLst/>
           </a:prstGeom>
-          <a:solidFill>
-            <a:schemeClr val="accent2">
-              <a:lumMod val="40000"/>
-              <a:lumOff val="60000"/>
-            </a:schemeClr>
-          </a:solidFill>
-          <a:ln/>
+          <a:pattFill prst="smCheck">
+            <a:fgClr>
+              <a:srgbClr val="C2D6EC"/>
+            </a:fgClr>
+            <a:bgClr>
+              <a:schemeClr val="bg1"/>
+            </a:bgClr>
+          </a:pattFill>
+          <a:ln>
+            <a:solidFill>
+              <a:schemeClr val="bg1">
+                <a:lumMod val="50000"/>
+              </a:schemeClr>
+            </a:solidFill>
+          </a:ln>
         </p:spPr>
         <p:style>
           <a:lnRef idx="2">
@@ -11035,12 +11078,19 @@
           <a:prstGeom prst="roundRect">
             <a:avLst/>
           </a:prstGeom>
-          <a:solidFill>
-            <a:srgbClr val="C2D6EC"/>
-          </a:solidFill>
+          <a:pattFill prst="pct80">
+            <a:fgClr>
+              <a:srgbClr val="C2D6EC"/>
+            </a:fgClr>
+            <a:bgClr>
+              <a:schemeClr val="bg1"/>
+            </a:bgClr>
+          </a:pattFill>
           <a:ln>
             <a:solidFill>
-              <a:srgbClr val="6A99D0"/>
+              <a:schemeClr val="bg1">
+                <a:lumMod val="50000"/>
+              </a:schemeClr>
             </a:solidFill>
           </a:ln>
         </p:spPr>
@@ -14526,6 +14576,11 @@
               <a:gd name="adj2" fmla="val 28730"/>
             </a:avLst>
           </a:prstGeom>
+          <a:ln>
+            <a:solidFill>
+              <a:schemeClr val="accent4"/>
+            </a:solidFill>
+          </a:ln>
         </p:spPr>
         <p:style>
           <a:lnRef idx="2">
@@ -14567,9 +14622,8 @@
             </a:avLst>
           </a:prstGeom>
           <a:solidFill>
-            <a:schemeClr val="accent1">
-              <a:lumMod val="20000"/>
-              <a:lumOff val="80000"/>
+            <a:schemeClr val="bg1">
+              <a:lumMod val="85000"/>
             </a:schemeClr>
           </a:solidFill>
           <a:ln>
@@ -14663,6 +14717,9 @@
             <a:prstGeom prst="roundRect">
               <a:avLst/>
             </a:prstGeom>
+            <a:solidFill>
+              <a:srgbClr val="007DCC"/>
+            </a:solidFill>
             <a:ln w="28575"/>
           </p:spPr>
           <p:style>
@@ -15124,7 +15181,21 @@
           <a:prstGeom prst="roundRect">
             <a:avLst/>
           </a:prstGeom>
-          <a:ln/>
+          <a:pattFill prst="smCheck">
+            <a:fgClr>
+              <a:srgbClr val="C2D6EC"/>
+            </a:fgClr>
+            <a:bgClr>
+              <a:schemeClr val="bg1"/>
+            </a:bgClr>
+          </a:pattFill>
+          <a:ln>
+            <a:solidFill>
+              <a:schemeClr val="bg1">
+                <a:lumMod val="50000"/>
+              </a:schemeClr>
+            </a:solidFill>
+          </a:ln>
         </p:spPr>
         <p:style>
           <a:lnRef idx="1">
@@ -15185,12 +15256,19 @@
               <a:gd name="adj" fmla="val 22527"/>
             </a:avLst>
           </a:prstGeom>
-          <a:solidFill>
-            <a:srgbClr val="37B8F2"/>
-          </a:solidFill>
+          <a:pattFill prst="pct80">
+            <a:fgClr>
+              <a:srgbClr val="C2D6EC"/>
+            </a:fgClr>
+            <a:bgClr>
+              <a:schemeClr val="bg1"/>
+            </a:bgClr>
+          </a:pattFill>
           <a:ln w="12700" cap="flat" cmpd="sng" algn="ctr">
             <a:solidFill>
-              <a:srgbClr val="0070C0"/>
+              <a:schemeClr val="bg1">
+                <a:lumMod val="50000"/>
+              </a:schemeClr>
             </a:solidFill>
             <a:prstDash val="solid"/>
             <a:miter lim="800000"/>
@@ -15278,12 +15356,19 @@
               <a:gd name="adj" fmla="val 22527"/>
             </a:avLst>
           </a:prstGeom>
-          <a:solidFill>
-            <a:srgbClr val="37B8F2"/>
-          </a:solidFill>
+          <a:pattFill prst="pct80">
+            <a:fgClr>
+              <a:srgbClr val="C2D6EC"/>
+            </a:fgClr>
+            <a:bgClr>
+              <a:schemeClr val="bg1"/>
+            </a:bgClr>
+          </a:pattFill>
           <a:ln w="12700" cap="flat" cmpd="sng" algn="ctr">
             <a:solidFill>
-              <a:srgbClr val="0070C0"/>
+              <a:schemeClr val="bg1">
+                <a:lumMod val="50000"/>
+              </a:schemeClr>
             </a:solidFill>
             <a:prstDash val="solid"/>
             <a:miter lim="800000"/>
@@ -15371,15 +15456,18 @@
               <a:gd name="adj" fmla="val 22527"/>
             </a:avLst>
           </a:prstGeom>
-          <a:solidFill>
-            <a:schemeClr val="bg1">
-              <a:lumMod val="75000"/>
-            </a:schemeClr>
-          </a:solidFill>
+          <a:pattFill prst="pct50">
+            <a:fgClr>
+              <a:srgbClr val="C2D6EC"/>
+            </a:fgClr>
+            <a:bgClr>
+              <a:schemeClr val="bg1"/>
+            </a:bgClr>
+          </a:pattFill>
           <a:ln w="12700" cap="flat" cmpd="sng" algn="ctr">
             <a:solidFill>
               <a:schemeClr val="bg1">
-                <a:lumMod val="65000"/>
+                <a:lumMod val="50000"/>
               </a:schemeClr>
             </a:solidFill>
             <a:prstDash val="solid"/>
@@ -16289,14 +16377,13 @@
             </a:avLst>
           </a:prstGeom>
           <a:solidFill>
-            <a:schemeClr val="accent6">
-              <a:lumMod val="40000"/>
-              <a:lumOff val="60000"/>
-            </a:schemeClr>
+            <a:srgbClr val="C2D6EC"/>
           </a:solidFill>
           <a:ln w="12700" cap="flat" cmpd="sng" algn="ctr">
             <a:solidFill>
-              <a:srgbClr val="F99149"/>
+              <a:schemeClr val="bg1">
+                <a:lumMod val="50000"/>
+              </a:schemeClr>
             </a:solidFill>
             <a:prstDash val="solid"/>
             <a:miter lim="800000"/>
@@ -16357,6 +16444,11 @@
               <a:gd name="adj2" fmla="val 28730"/>
             </a:avLst>
           </a:prstGeom>
+          <a:ln>
+            <a:solidFill>
+              <a:schemeClr val="accent4"/>
+            </a:solidFill>
+          </a:ln>
         </p:spPr>
         <p:style>
           <a:lnRef idx="2">
@@ -16515,9 +16607,8 @@
             </a:avLst>
           </a:prstGeom>
           <a:solidFill>
-            <a:schemeClr val="accent1">
-              <a:lumMod val="20000"/>
-              <a:lumOff val="80000"/>
+            <a:schemeClr val="bg1">
+              <a:lumMod val="85000"/>
             </a:schemeClr>
           </a:solidFill>
           <a:ln>
@@ -17429,9 +17520,8 @@
             </a:avLst>
           </a:prstGeom>
           <a:solidFill>
-            <a:schemeClr val="accent1">
-              <a:lumMod val="20000"/>
-              <a:lumOff val="80000"/>
+            <a:schemeClr val="bg1">
+              <a:lumMod val="85000"/>
             </a:schemeClr>
           </a:solidFill>
           <a:ln>
@@ -17535,9 +17625,8 @@
             </a:avLst>
           </a:prstGeom>
           <a:solidFill>
-            <a:schemeClr val="accent1">
-              <a:lumMod val="20000"/>
-              <a:lumOff val="80000"/>
+            <a:schemeClr val="bg1">
+              <a:lumMod val="85000"/>
             </a:schemeClr>
           </a:solidFill>
           <a:ln>
@@ -17744,7 +17833,21 @@
           <a:prstGeom prst="roundRect">
             <a:avLst/>
           </a:prstGeom>
-          <a:ln/>
+          <a:pattFill prst="smCheck">
+            <a:fgClr>
+              <a:srgbClr val="C2D6EC"/>
+            </a:fgClr>
+            <a:bgClr>
+              <a:schemeClr val="bg1"/>
+            </a:bgClr>
+          </a:pattFill>
+          <a:ln>
+            <a:solidFill>
+              <a:schemeClr val="bg1">
+                <a:lumMod val="50000"/>
+              </a:schemeClr>
+            </a:solidFill>
+          </a:ln>
         </p:spPr>
         <p:style>
           <a:lnRef idx="1">
@@ -17805,12 +17908,19 @@
               <a:gd name="adj" fmla="val 22527"/>
             </a:avLst>
           </a:prstGeom>
-          <a:solidFill>
-            <a:srgbClr val="37B8F2"/>
-          </a:solidFill>
+          <a:pattFill prst="pct80">
+            <a:fgClr>
+              <a:srgbClr val="C2D6EC"/>
+            </a:fgClr>
+            <a:bgClr>
+              <a:schemeClr val="bg1"/>
+            </a:bgClr>
+          </a:pattFill>
           <a:ln w="12700" cap="flat" cmpd="sng" algn="ctr">
             <a:solidFill>
-              <a:srgbClr val="0070C0"/>
+              <a:schemeClr val="bg1">
+                <a:lumMod val="50000"/>
+              </a:schemeClr>
             </a:solidFill>
             <a:prstDash val="solid"/>
             <a:miter lim="800000"/>
@@ -17898,12 +18008,19 @@
               <a:gd name="adj" fmla="val 22527"/>
             </a:avLst>
           </a:prstGeom>
-          <a:solidFill>
-            <a:srgbClr val="37B8F2"/>
-          </a:solidFill>
+          <a:pattFill prst="pct80">
+            <a:fgClr>
+              <a:srgbClr val="C2D6EC"/>
+            </a:fgClr>
+            <a:bgClr>
+              <a:schemeClr val="bg1"/>
+            </a:bgClr>
+          </a:pattFill>
           <a:ln w="12700" cap="flat" cmpd="sng" algn="ctr">
             <a:solidFill>
-              <a:srgbClr val="0070C0"/>
+              <a:schemeClr val="bg1">
+                <a:lumMod val="50000"/>
+              </a:schemeClr>
             </a:solidFill>
             <a:prstDash val="solid"/>
             <a:miter lim="800000"/>
@@ -18281,14 +18398,13 @@
             </a:avLst>
           </a:prstGeom>
           <a:solidFill>
-            <a:schemeClr val="accent6">
-              <a:lumMod val="40000"/>
-              <a:lumOff val="60000"/>
-            </a:schemeClr>
+            <a:srgbClr val="C2D6EC"/>
           </a:solidFill>
           <a:ln w="12700" cap="flat" cmpd="sng" algn="ctr">
             <a:solidFill>
-              <a:srgbClr val="F99149"/>
+              <a:schemeClr val="bg1">
+                <a:lumMod val="50000"/>
+              </a:schemeClr>
             </a:solidFill>
             <a:prstDash val="solid"/>
             <a:miter lim="800000"/>
@@ -19420,6 +19536,19 @@
 <file path=ppt/slides/slide2.xml><?xml version="1.0" encoding="utf-8"?>
 <p:sld xmlns:a="http://schemas.openxmlformats.org/drawingml/2006/main" xmlns:r="http://schemas.openxmlformats.org/officeDocument/2006/relationships" xmlns:p="http://schemas.openxmlformats.org/presentationml/2006/main">
   <p:cSld>
+    <p:bg>
+      <p:bgPr>
+        <a:pattFill prst="pct5">
+          <a:fgClr>
+            <a:schemeClr val="lt1"/>
+          </a:fgClr>
+          <a:bgClr>
+            <a:schemeClr val="bg1"/>
+          </a:bgClr>
+        </a:pattFill>
+        <a:effectLst/>
+      </p:bgPr>
+    </p:bg>
     <p:spTree>
       <p:nvGrpSpPr>
         <p:cNvPr id="1" name=""/>
@@ -21678,15 +21807,19 @@
           <a:prstGeom prst="roundRect">
             <a:avLst/>
           </a:prstGeom>
-          <a:solidFill>
-            <a:schemeClr val="accent2">
-              <a:lumMod val="40000"/>
-              <a:lumOff val="60000"/>
-            </a:schemeClr>
-          </a:solidFill>
+          <a:pattFill prst="smCheck">
+            <a:fgClr>
+              <a:srgbClr val="C2D6EC"/>
+            </a:fgClr>
+            <a:bgClr>
+              <a:schemeClr val="bg1"/>
+            </a:bgClr>
+          </a:pattFill>
           <a:ln>
             <a:solidFill>
-              <a:schemeClr val="accent2"/>
+              <a:schemeClr val="bg1">
+                <a:lumMod val="50000"/>
+              </a:schemeClr>
             </a:solidFill>
           </a:ln>
         </p:spPr>
@@ -21745,12 +21878,19 @@
           <a:prstGeom prst="roundRect">
             <a:avLst/>
           </a:prstGeom>
-          <a:solidFill>
-            <a:srgbClr val="C2D6EC"/>
-          </a:solidFill>
+          <a:pattFill prst="pct70">
+            <a:fgClr>
+              <a:srgbClr val="C2D6EC"/>
+            </a:fgClr>
+            <a:bgClr>
+              <a:schemeClr val="bg1"/>
+            </a:bgClr>
+          </a:pattFill>
           <a:ln>
             <a:solidFill>
-              <a:srgbClr val="6A99D0"/>
+              <a:schemeClr val="bg1">
+                <a:lumMod val="50000"/>
+              </a:schemeClr>
             </a:solidFill>
           </a:ln>
         </p:spPr>
@@ -21809,16 +21949,20 @@
           <a:prstGeom prst="roundRect">
             <a:avLst/>
           </a:prstGeom>
-          <a:solidFill>
-            <a:schemeClr val="accent3">
-              <a:lumMod val="40000"/>
-              <a:lumOff val="60000"/>
-            </a:schemeClr>
-          </a:solidFill>
+          <a:pattFill prst="trellis">
+            <a:fgClr>
+              <a:schemeClr val="bg1">
+                <a:lumMod val="75000"/>
+              </a:schemeClr>
+            </a:fgClr>
+            <a:bgClr>
+              <a:schemeClr val="bg1"/>
+            </a:bgClr>
+          </a:pattFill>
           <a:ln>
             <a:solidFill>
-              <a:schemeClr val="accent3">
-                <a:lumMod val="75000"/>
+              <a:schemeClr val="bg1">
+                <a:lumMod val="50000"/>
               </a:schemeClr>
             </a:solidFill>
           </a:ln>
@@ -22282,12 +22426,19 @@
           <a:prstGeom prst="roundRect">
             <a:avLst/>
           </a:prstGeom>
-          <a:solidFill>
-            <a:srgbClr val="C2D6EC"/>
-          </a:solidFill>
+          <a:pattFill prst="pct75">
+            <a:fgClr>
+              <a:srgbClr val="C2D6EC"/>
+            </a:fgClr>
+            <a:bgClr>
+              <a:schemeClr val="bg1"/>
+            </a:bgClr>
+          </a:pattFill>
           <a:ln>
             <a:solidFill>
-              <a:srgbClr val="6A99D0"/>
+              <a:schemeClr val="bg1">
+                <a:lumMod val="50000"/>
+              </a:schemeClr>
             </a:solidFill>
           </a:ln>
         </p:spPr>
@@ -22529,13 +22680,23 @@
           <a:prstGeom prst="roundRect">
             <a:avLst/>
           </a:prstGeom>
-          <a:solidFill>
-            <a:schemeClr val="accent3">
-              <a:lumMod val="40000"/>
-              <a:lumOff val="60000"/>
-            </a:schemeClr>
-          </a:solidFill>
-          <a:ln/>
+          <a:pattFill prst="trellis">
+            <a:fgClr>
+              <a:schemeClr val="bg1">
+                <a:lumMod val="75000"/>
+              </a:schemeClr>
+            </a:fgClr>
+            <a:bgClr>
+              <a:schemeClr val="bg1"/>
+            </a:bgClr>
+          </a:pattFill>
+          <a:ln>
+            <a:solidFill>
+              <a:schemeClr val="bg1">
+                <a:lumMod val="50000"/>
+              </a:schemeClr>
+            </a:solidFill>
+          </a:ln>
         </p:spPr>
         <p:style>
           <a:lnRef idx="2">
@@ -22637,16 +22798,20 @@
           <a:prstGeom prst="roundRect">
             <a:avLst/>
           </a:prstGeom>
-          <a:solidFill>
-            <a:schemeClr val="accent3">
-              <a:lumMod val="40000"/>
-              <a:lumOff val="60000"/>
-            </a:schemeClr>
-          </a:solidFill>
+          <a:pattFill prst="trellis">
+            <a:fgClr>
+              <a:schemeClr val="bg1">
+                <a:lumMod val="75000"/>
+              </a:schemeClr>
+            </a:fgClr>
+            <a:bgClr>
+              <a:schemeClr val="bg1"/>
+            </a:bgClr>
+          </a:pattFill>
           <a:ln>
             <a:solidFill>
-              <a:schemeClr val="accent3">
-                <a:lumMod val="75000"/>
+              <a:schemeClr val="bg1">
+                <a:lumMod val="50000"/>
               </a:schemeClr>
             </a:solidFill>
           </a:ln>
@@ -22706,16 +22871,20 @@
           <a:prstGeom prst="roundRect">
             <a:avLst/>
           </a:prstGeom>
-          <a:solidFill>
-            <a:schemeClr val="accent3">
-              <a:lumMod val="40000"/>
-              <a:lumOff val="60000"/>
-            </a:schemeClr>
-          </a:solidFill>
+          <a:pattFill prst="trellis">
+            <a:fgClr>
+              <a:schemeClr val="bg1">
+                <a:lumMod val="75000"/>
+              </a:schemeClr>
+            </a:fgClr>
+            <a:bgClr>
+              <a:schemeClr val="bg1"/>
+            </a:bgClr>
+          </a:pattFill>
           <a:ln>
             <a:solidFill>
-              <a:schemeClr val="accent3">
-                <a:lumMod val="75000"/>
+              <a:schemeClr val="bg1">
+                <a:lumMod val="50000"/>
               </a:schemeClr>
             </a:solidFill>
           </a:ln>
@@ -22775,13 +22944,23 @@
           <a:prstGeom prst="roundRect">
             <a:avLst/>
           </a:prstGeom>
-          <a:solidFill>
-            <a:schemeClr val="accent3">
-              <a:lumMod val="40000"/>
-              <a:lumOff val="60000"/>
-            </a:schemeClr>
-          </a:solidFill>
-          <a:ln/>
+          <a:pattFill prst="trellis">
+            <a:fgClr>
+              <a:schemeClr val="bg1">
+                <a:lumMod val="75000"/>
+              </a:schemeClr>
+            </a:fgClr>
+            <a:bgClr>
+              <a:schemeClr val="bg1"/>
+            </a:bgClr>
+          </a:pattFill>
+          <a:ln>
+            <a:solidFill>
+              <a:schemeClr val="bg1">
+                <a:lumMod val="50000"/>
+              </a:schemeClr>
+            </a:solidFill>
+          </a:ln>
         </p:spPr>
         <p:style>
           <a:lnRef idx="2">
@@ -22838,13 +23017,23 @@
           <a:prstGeom prst="roundRect">
             <a:avLst/>
           </a:prstGeom>
-          <a:solidFill>
-            <a:schemeClr val="accent3">
-              <a:lumMod val="40000"/>
-              <a:lumOff val="60000"/>
-            </a:schemeClr>
-          </a:solidFill>
-          <a:ln/>
+          <a:pattFill prst="trellis">
+            <a:fgClr>
+              <a:schemeClr val="bg1">
+                <a:lumMod val="75000"/>
+              </a:schemeClr>
+            </a:fgClr>
+            <a:bgClr>
+              <a:schemeClr val="bg1"/>
+            </a:bgClr>
+          </a:pattFill>
+          <a:ln>
+            <a:solidFill>
+              <a:schemeClr val="bg1">
+                <a:lumMod val="50000"/>
+              </a:schemeClr>
+            </a:solidFill>
+          </a:ln>
         </p:spPr>
         <p:style>
           <a:lnRef idx="2">
@@ -25719,7 +25908,21 @@
           <a:prstGeom prst="roundRect">
             <a:avLst/>
           </a:prstGeom>
-          <a:ln/>
+          <a:pattFill prst="smCheck">
+            <a:fgClr>
+              <a:srgbClr val="C2D6EC"/>
+            </a:fgClr>
+            <a:bgClr>
+              <a:schemeClr val="bg1"/>
+            </a:bgClr>
+          </a:pattFill>
+          <a:ln>
+            <a:solidFill>
+              <a:schemeClr val="bg1">
+                <a:lumMod val="50000"/>
+              </a:schemeClr>
+            </a:solidFill>
+          </a:ln>
         </p:spPr>
         <p:style>
           <a:lnRef idx="1">
@@ -25815,14 +26018,13 @@
             </a:avLst>
           </a:prstGeom>
           <a:solidFill>
-            <a:schemeClr val="accent6">
-              <a:lumMod val="40000"/>
-              <a:lumOff val="60000"/>
-            </a:schemeClr>
+            <a:srgbClr val="C2D6EC"/>
           </a:solidFill>
           <a:ln w="12700" cap="flat" cmpd="sng" algn="ctr">
             <a:solidFill>
-              <a:srgbClr val="F99149"/>
+              <a:schemeClr val="bg1">
+                <a:lumMod val="50000"/>
+              </a:schemeClr>
             </a:solidFill>
             <a:prstDash val="solid"/>
             <a:miter lim="800000"/>
@@ -25882,12 +26084,19 @@
               <a:gd name="adj" fmla="val 22527"/>
             </a:avLst>
           </a:prstGeom>
-          <a:solidFill>
-            <a:srgbClr val="37B8F2"/>
-          </a:solidFill>
+          <a:pattFill prst="pct80">
+            <a:fgClr>
+              <a:srgbClr val="C2D6EC"/>
+            </a:fgClr>
+            <a:bgClr>
+              <a:schemeClr val="bg1"/>
+            </a:bgClr>
+          </a:pattFill>
           <a:ln w="12700" cap="flat" cmpd="sng" algn="ctr">
             <a:solidFill>
-              <a:srgbClr val="0070C0"/>
+              <a:schemeClr val="bg1">
+                <a:lumMod val="50000"/>
+              </a:schemeClr>
             </a:solidFill>
             <a:prstDash val="solid"/>
             <a:miter lim="800000"/>
@@ -31580,14 +31789,13 @@
                 <a:avLst/>
               </a:prstGeom>
               <a:solidFill>
-                <a:schemeClr val="accent6">
-                  <a:lumMod val="40000"/>
-                  <a:lumOff val="60000"/>
-                </a:schemeClr>
+                <a:srgbClr val="C2D6EC"/>
               </a:solidFill>
               <a:ln>
                 <a:solidFill>
-                  <a:srgbClr val="F99149"/>
+                  <a:schemeClr val="bg1">
+                    <a:lumMod val="50000"/>
+                  </a:schemeClr>
                 </a:solidFill>
               </a:ln>
             </p:spPr>
@@ -31722,10 +31930,7 @@
                     <a:avLst/>
                   </a:prstGeom>
                   <a:solidFill>
-                    <a:schemeClr val="accent6">
-                      <a:lumMod val="40000"/>
-                      <a:lumOff val="60000"/>
-                    </a:schemeClr>
+                    <a:srgbClr val="C2D6EC"/>
                   </a:solidFill>
                   <a:ln>
                     <a:noFill/>
@@ -31899,10 +32104,7 @@
                     <a:avLst/>
                   </a:prstGeom>
                   <a:solidFill>
-                    <a:schemeClr val="accent6">
-                      <a:lumMod val="40000"/>
-                      <a:lumOff val="60000"/>
-                    </a:schemeClr>
+                    <a:srgbClr val="C2D6EC"/>
                   </a:solidFill>
                   <a:ln>
                     <a:noFill/>
@@ -32076,10 +32278,7 @@
                     <a:avLst/>
                   </a:prstGeom>
                   <a:solidFill>
-                    <a:schemeClr val="accent6">
-                      <a:lumMod val="40000"/>
-                      <a:lumOff val="60000"/>
-                    </a:schemeClr>
+                    <a:srgbClr val="C2D6EC"/>
                   </a:solidFill>
                   <a:ln>
                     <a:noFill/>
@@ -32253,10 +32452,7 @@
                     <a:avLst/>
                   </a:prstGeom>
                   <a:solidFill>
-                    <a:schemeClr val="accent6">
-                      <a:lumMod val="40000"/>
-                      <a:lumOff val="60000"/>
-                    </a:schemeClr>
+                    <a:srgbClr val="C2D6EC"/>
                   </a:solidFill>
                   <a:ln>
                     <a:noFill/>
@@ -32430,10 +32626,7 @@
                     <a:avLst/>
                   </a:prstGeom>
                   <a:solidFill>
-                    <a:schemeClr val="accent6">
-                      <a:lumMod val="40000"/>
-                      <a:lumOff val="60000"/>
-                    </a:schemeClr>
+                    <a:srgbClr val="C2D6EC"/>
                   </a:solidFill>
                   <a:ln>
                     <a:noFill/>
@@ -32675,10 +32868,7 @@
                     <a:avLst/>
                   </a:prstGeom>
                   <a:solidFill>
-                    <a:schemeClr val="accent6">
-                      <a:lumMod val="40000"/>
-                      <a:lumOff val="60000"/>
-                    </a:schemeClr>
+                    <a:srgbClr val="C2D6EC"/>
                   </a:solidFill>
                   <a:ln>
                     <a:noFill/>
@@ -33010,12 +33200,19 @@
               <a:prstGeom prst="roundRect">
                 <a:avLst/>
               </a:prstGeom>
-              <a:solidFill>
-                <a:srgbClr val="C2D6EC"/>
-              </a:solidFill>
+              <a:pattFill prst="pct80">
+                <a:fgClr>
+                  <a:srgbClr val="C2D6EC"/>
+                </a:fgClr>
+                <a:bgClr>
+                  <a:schemeClr val="bg1"/>
+                </a:bgClr>
+              </a:pattFill>
               <a:ln>
                 <a:solidFill>
-                  <a:srgbClr val="6A99D0"/>
+                  <a:schemeClr val="bg1">
+                    <a:lumMod val="50000"/>
+                  </a:schemeClr>
                 </a:solidFill>
               </a:ln>
             </p:spPr>
@@ -33070,15 +33267,19 @@
               <a:prstGeom prst="roundRect">
                 <a:avLst/>
               </a:prstGeom>
-              <a:solidFill>
-                <a:schemeClr val="accent2">
-                  <a:lumMod val="40000"/>
-                  <a:lumOff val="60000"/>
-                </a:schemeClr>
-              </a:solidFill>
+              <a:pattFill prst="smCheck">
+                <a:fgClr>
+                  <a:srgbClr val="C2D6EC"/>
+                </a:fgClr>
+                <a:bgClr>
+                  <a:schemeClr val="bg1"/>
+                </a:bgClr>
+              </a:pattFill>
               <a:ln>
                 <a:solidFill>
-                  <a:srgbClr val="C00000"/>
+                  <a:schemeClr val="bg1">
+                    <a:lumMod val="50000"/>
+                  </a:schemeClr>
                 </a:solidFill>
               </a:ln>
             </p:spPr>
@@ -35510,9 +35711,11 @@
             <a:avLst/>
           </a:prstGeom>
           <a:solidFill>
-            <a:srgbClr val="C2D6EC"/>
+            <a:schemeClr val="bg1">
+              <a:lumMod val="75000"/>
+            </a:schemeClr>
           </a:solidFill>
-          <a:ln>
+          <a:ln w="19050">
             <a:solidFill>
               <a:srgbClr val="6A99D0"/>
             </a:solidFill>
@@ -35584,9 +35787,11 @@
             <a:avLst/>
           </a:prstGeom>
           <a:solidFill>
-            <a:srgbClr val="C2D6EC"/>
+            <a:schemeClr val="bg1">
+              <a:lumMod val="75000"/>
+            </a:schemeClr>
           </a:solidFill>
-          <a:ln>
+          <a:ln w="19050">
             <a:solidFill>
               <a:srgbClr val="6A99D0"/>
             </a:solidFill>
@@ -36147,13 +36352,13 @@
             </a:avLst>
           </a:prstGeom>
           <a:solidFill>
-            <a:schemeClr val="bg1">
-              <a:lumMod val="75000"/>
-            </a:schemeClr>
+            <a:srgbClr val="C2D6EC"/>
           </a:solidFill>
           <a:ln w="19050" cap="flat" cmpd="sng" algn="ctr">
             <a:solidFill>
-              <a:schemeClr val="accent1"/>
+              <a:schemeClr val="bg1">
+                <a:lumMod val="50000"/>
+              </a:schemeClr>
             </a:solidFill>
             <a:prstDash val="solid"/>
             <a:miter lim="800000"/>
@@ -36211,13 +36416,13 @@
             </a:avLst>
           </a:prstGeom>
           <a:solidFill>
-            <a:schemeClr val="bg1">
-              <a:lumMod val="75000"/>
-            </a:schemeClr>
+            <a:srgbClr val="C2D6EC"/>
           </a:solidFill>
           <a:ln w="19050" cap="flat" cmpd="sng" algn="ctr">
             <a:solidFill>
-              <a:schemeClr val="accent1"/>
+              <a:schemeClr val="bg1">
+                <a:lumMod val="50000"/>
+              </a:schemeClr>
             </a:solidFill>
             <a:prstDash val="solid"/>
             <a:miter lim="800000"/>
@@ -36300,8 +36505,8 @@
         </p:nvCxnSpPr>
         <p:spPr>
           <a:xfrm flipV="1">
-            <a:off x="3109785" y="2189389"/>
-            <a:ext cx="1637" cy="162598"/>
+            <a:off x="3104358" y="2189389"/>
+            <a:ext cx="7064" cy="160283"/>
           </a:xfrm>
           <a:prstGeom prst="line">
             <a:avLst/>
@@ -36337,7 +36542,7 @@
         <p:spPr>
           <a:xfrm flipH="1" flipV="1">
             <a:off x="3116317" y="2948752"/>
-            <a:ext cx="795806" cy="324165"/>
+            <a:ext cx="796159" cy="324165"/>
           </a:xfrm>
           <a:prstGeom prst="line">
             <a:avLst/>
@@ -36373,7 +36578,7 @@
         <p:spPr>
           <a:xfrm flipH="1" flipV="1">
             <a:off x="3760064" y="2959637"/>
-            <a:ext cx="152059" cy="313280"/>
+            <a:ext cx="152412" cy="313280"/>
           </a:xfrm>
           <a:prstGeom prst="line">
             <a:avLst/>
@@ -36564,8 +36769,8 @@
         </p:nvCxnSpPr>
         <p:spPr>
           <a:xfrm flipH="1">
-            <a:off x="3109785" y="1720843"/>
-            <a:ext cx="317533" cy="631144"/>
+            <a:off x="3104358" y="1720843"/>
+            <a:ext cx="322960" cy="628829"/>
           </a:xfrm>
           <a:prstGeom prst="straightConnector1">
             <a:avLst/>
@@ -36573,7 +36778,9 @@
           <a:noFill/>
           <a:ln w="12700" cap="flat" cmpd="sng" algn="ctr">
             <a:solidFill>
-              <a:srgbClr val="ED7D31"/>
+              <a:schemeClr val="bg1">
+                <a:lumMod val="50000"/>
+              </a:schemeClr>
             </a:solidFill>
             <a:prstDash val="sysDot"/>
             <a:miter lim="800000"/>
@@ -36607,7 +36814,7 @@
         <p:spPr>
           <a:xfrm>
             <a:off x="3427318" y="1720843"/>
-            <a:ext cx="957242" cy="620258"/>
+            <a:ext cx="963773" cy="620257"/>
           </a:xfrm>
           <a:prstGeom prst="straightConnector1">
             <a:avLst/>
@@ -36615,7 +36822,9 @@
           <a:noFill/>
           <a:ln w="12700" cap="flat" cmpd="sng" algn="ctr">
             <a:solidFill>
-              <a:srgbClr val="ED7D31"/>
+              <a:schemeClr val="bg1">
+                <a:lumMod val="50000"/>
+              </a:schemeClr>
             </a:solidFill>
             <a:prstDash val="sysDot"/>
             <a:miter lim="800000"/>
@@ -36651,14 +36860,13 @@
             <a:avLst/>
           </a:prstGeom>
           <a:solidFill>
-            <a:schemeClr val="accent6">
-              <a:lumMod val="40000"/>
-              <a:lumOff val="60000"/>
-            </a:schemeClr>
+            <a:srgbClr val="C2D6EC"/>
           </a:solidFill>
           <a:ln>
             <a:solidFill>
-              <a:srgbClr val="F99149"/>
+              <a:schemeClr val="bg1">
+                <a:lumMod val="50000"/>
+              </a:schemeClr>
             </a:solidFill>
           </a:ln>
         </p:spPr>
@@ -36761,7 +36969,16 @@
               <a:gd name="adj" fmla="val 22527"/>
             </a:avLst>
           </a:prstGeom>
-          <a:ln/>
+          <a:solidFill>
+            <a:srgbClr val="C2D6EC"/>
+          </a:solidFill>
+          <a:ln>
+            <a:solidFill>
+              <a:schemeClr val="bg1">
+                <a:lumMod val="50000"/>
+              </a:schemeClr>
+            </a:solidFill>
+          </a:ln>
         </p:spPr>
         <p:style>
           <a:lnRef idx="1">
@@ -36818,10 +37035,10 @@
         </p:nvGrpSpPr>
         <p:grpSpPr>
           <a:xfrm>
-            <a:off x="4097462" y="2341101"/>
-            <a:ext cx="574196" cy="596765"/>
-            <a:chOff x="5138136" y="2395529"/>
-            <a:chExt cx="574196" cy="596765"/>
+            <a:off x="4103993" y="2341100"/>
+            <a:ext cx="574196" cy="596766"/>
+            <a:chOff x="5144667" y="2395528"/>
+            <a:chExt cx="574196" cy="596766"/>
           </a:xfrm>
         </p:grpSpPr>
         <p:pic>
@@ -36871,9 +37088,9 @@
           </p:nvGrpSpPr>
           <p:grpSpPr>
             <a:xfrm>
-              <a:off x="5138136" y="2395529"/>
+              <a:off x="5144667" y="2395528"/>
               <a:ext cx="574196" cy="215444"/>
-              <a:chOff x="5138136" y="2376073"/>
+              <a:chOff x="5144667" y="2376072"/>
               <a:chExt cx="574196" cy="215444"/>
             </a:xfrm>
           </p:grpSpPr>
@@ -36886,11 +37103,14 @@
             <p:spPr>
               <a:xfrm>
                 <a:off x="5213269" y="2412459"/>
-                <a:ext cx="423931" cy="142672"/>
+                <a:ext cx="427389" cy="142672"/>
               </a:xfrm>
               <a:prstGeom prst="roundRect">
                 <a:avLst/>
               </a:prstGeom>
+              <a:solidFill>
+                <a:srgbClr val="C2D6EC"/>
+              </a:solidFill>
               <a:ln>
                 <a:noFill/>
               </a:ln>
@@ -36933,7 +37153,7 @@
             </p:nvSpPr>
             <p:spPr>
               <a:xfrm>
-                <a:off x="5138136" y="2376073"/>
+                <a:off x="5144667" y="2376072"/>
                 <a:ext cx="574196" cy="215444"/>
               </a:xfrm>
               <a:prstGeom prst="rect">
@@ -36974,10 +37194,10 @@
         </p:nvGrpSpPr>
         <p:grpSpPr>
           <a:xfrm>
-            <a:off x="2822687" y="2351987"/>
-            <a:ext cx="574196" cy="596765"/>
-            <a:chOff x="5138136" y="2395529"/>
-            <a:chExt cx="574196" cy="596765"/>
+            <a:off x="2817260" y="2349672"/>
+            <a:ext cx="574196" cy="599080"/>
+            <a:chOff x="5132709" y="2393214"/>
+            <a:chExt cx="574196" cy="599080"/>
           </a:xfrm>
         </p:grpSpPr>
         <p:pic>
@@ -37027,9 +37247,9 @@
           </p:nvGrpSpPr>
           <p:grpSpPr>
             <a:xfrm>
-              <a:off x="5138136" y="2395529"/>
+              <a:off x="5132709" y="2393214"/>
               <a:ext cx="574196" cy="215444"/>
-              <a:chOff x="5138136" y="2376073"/>
+              <a:chOff x="5132709" y="2373758"/>
               <a:chExt cx="574196" cy="215444"/>
             </a:xfrm>
           </p:grpSpPr>
@@ -37047,6 +37267,9 @@
               <a:prstGeom prst="roundRect">
                 <a:avLst/>
               </a:prstGeom>
+              <a:solidFill>
+                <a:srgbClr val="C2D6EC"/>
+              </a:solidFill>
               <a:ln>
                 <a:noFill/>
               </a:ln>
@@ -37089,7 +37312,7 @@
             </p:nvSpPr>
             <p:spPr>
               <a:xfrm>
-                <a:off x="5138136" y="2376073"/>
+                <a:off x="5132709" y="2373758"/>
                 <a:ext cx="574196" cy="215444"/>
               </a:xfrm>
               <a:prstGeom prst="rect">
@@ -37130,10 +37353,10 @@
         </p:nvGrpSpPr>
         <p:grpSpPr>
           <a:xfrm>
-            <a:off x="2189941" y="2341100"/>
-            <a:ext cx="574196" cy="596765"/>
-            <a:chOff x="5138136" y="2395529"/>
-            <a:chExt cx="574196" cy="596765"/>
+            <a:off x="2188990" y="2346707"/>
+            <a:ext cx="574196" cy="591158"/>
+            <a:chOff x="5137185" y="2401136"/>
+            <a:chExt cx="574196" cy="591158"/>
           </a:xfrm>
         </p:grpSpPr>
         <p:pic>
@@ -37183,9 +37406,9 @@
           </p:nvGrpSpPr>
           <p:grpSpPr>
             <a:xfrm>
-              <a:off x="5138136" y="2395529"/>
+              <a:off x="5137185" y="2401136"/>
               <a:ext cx="574196" cy="215444"/>
-              <a:chOff x="5138136" y="2376073"/>
+              <a:chOff x="5137185" y="2381680"/>
               <a:chExt cx="574196" cy="215444"/>
             </a:xfrm>
           </p:grpSpPr>
@@ -37203,6 +37426,9 @@
               <a:prstGeom prst="roundRect">
                 <a:avLst/>
               </a:prstGeom>
+              <a:solidFill>
+                <a:srgbClr val="C2D6EC"/>
+              </a:solidFill>
               <a:ln>
                 <a:noFill/>
               </a:ln>
@@ -37245,7 +37471,7 @@
             </p:nvSpPr>
             <p:spPr>
               <a:xfrm>
-                <a:off x="5138136" y="2376073"/>
+                <a:off x="5137185" y="2381680"/>
                 <a:ext cx="574196" cy="215444"/>
               </a:xfrm>
               <a:prstGeom prst="rect">
@@ -37286,9 +37512,9 @@
         </p:nvGrpSpPr>
         <p:grpSpPr>
           <a:xfrm>
-            <a:off x="2507344" y="3270740"/>
+            <a:off x="2508512" y="3270740"/>
             <a:ext cx="574196" cy="596765"/>
-            <a:chOff x="5138136" y="2395529"/>
+            <a:chOff x="5139304" y="2395529"/>
             <a:chExt cx="574196" cy="596765"/>
           </a:xfrm>
         </p:grpSpPr>
@@ -37339,9 +37565,9 @@
           </p:nvGrpSpPr>
           <p:grpSpPr>
             <a:xfrm>
-              <a:off x="5138136" y="2395529"/>
+              <a:off x="5139304" y="2395529"/>
               <a:ext cx="574196" cy="215444"/>
-              <a:chOff x="5138136" y="2376073"/>
+              <a:chOff x="5139304" y="2376073"/>
               <a:chExt cx="574196" cy="215444"/>
             </a:xfrm>
           </p:grpSpPr>
@@ -37359,6 +37585,9 @@
               <a:prstGeom prst="roundRect">
                 <a:avLst/>
               </a:prstGeom>
+              <a:solidFill>
+                <a:srgbClr val="C2D6EC"/>
+              </a:solidFill>
               <a:ln>
                 <a:noFill/>
               </a:ln>
@@ -37401,7 +37630,7 @@
             </p:nvSpPr>
             <p:spPr>
               <a:xfrm>
-                <a:off x="5138136" y="2376073"/>
+                <a:off x="5139304" y="2376073"/>
                 <a:ext cx="574196" cy="215444"/>
               </a:xfrm>
               <a:prstGeom prst="rect">
@@ -37442,9 +37671,9 @@
         </p:nvGrpSpPr>
         <p:grpSpPr>
           <a:xfrm>
-            <a:off x="3625025" y="3272917"/>
+            <a:off x="3625378" y="3272917"/>
             <a:ext cx="574196" cy="596765"/>
-            <a:chOff x="5138136" y="2395529"/>
+            <a:chOff x="5138489" y="2395529"/>
             <a:chExt cx="574196" cy="596765"/>
           </a:xfrm>
         </p:grpSpPr>
@@ -37495,9 +37724,9 @@
           </p:nvGrpSpPr>
           <p:grpSpPr>
             <a:xfrm>
-              <a:off x="5138136" y="2395529"/>
+              <a:off x="5138489" y="2395529"/>
               <a:ext cx="574196" cy="215444"/>
-              <a:chOff x="5138136" y="2376073"/>
+              <a:chOff x="5138489" y="2376073"/>
               <a:chExt cx="574196" cy="215444"/>
             </a:xfrm>
           </p:grpSpPr>
@@ -37515,6 +37744,9 @@
               <a:prstGeom prst="roundRect">
                 <a:avLst/>
               </a:prstGeom>
+              <a:solidFill>
+                <a:srgbClr val="C2D6EC"/>
+              </a:solidFill>
               <a:ln>
                 <a:noFill/>
               </a:ln>
@@ -37557,7 +37789,7 @@
             </p:nvSpPr>
             <p:spPr>
               <a:xfrm>
-                <a:off x="5138136" y="2376073"/>
+                <a:off x="5138489" y="2376073"/>
                 <a:ext cx="574196" cy="215444"/>
               </a:xfrm>
               <a:prstGeom prst="rect">
@@ -37609,7 +37841,7 @@
         <p:spPr>
           <a:xfrm flipH="1" flipV="1">
             <a:off x="2483571" y="2937865"/>
-            <a:ext cx="1428552" cy="335052"/>
+            <a:ext cx="1428905" cy="335052"/>
           </a:xfrm>
           <a:prstGeom prst="line">
             <a:avLst/>
@@ -37644,8 +37876,8 @@
         </p:nvCxnSpPr>
         <p:spPr>
           <a:xfrm flipV="1">
-            <a:off x="3912123" y="2937866"/>
-            <a:ext cx="478969" cy="335051"/>
+            <a:off x="3912476" y="2937866"/>
+            <a:ext cx="478616" cy="335051"/>
           </a:xfrm>
           <a:prstGeom prst="line">
             <a:avLst/>
@@ -37743,6 +37975,9 @@
               <a:prstGeom prst="roundRect">
                 <a:avLst/>
               </a:prstGeom>
+              <a:solidFill>
+                <a:srgbClr val="C2D6EC"/>
+              </a:solidFill>
               <a:ln>
                 <a:noFill/>
               </a:ln>
@@ -37836,8 +38071,8 @@
         </p:nvCxnSpPr>
         <p:spPr>
           <a:xfrm flipV="1">
-            <a:off x="2794442" y="2937866"/>
-            <a:ext cx="1596650" cy="332874"/>
+            <a:off x="2795610" y="2937866"/>
+            <a:ext cx="1595482" cy="332874"/>
           </a:xfrm>
           <a:prstGeom prst="line">
             <a:avLst/>
@@ -37872,8 +38107,8 @@
         </p:nvCxnSpPr>
         <p:spPr>
           <a:xfrm flipV="1">
-            <a:off x="2794442" y="2959637"/>
-            <a:ext cx="965622" cy="311103"/>
+            <a:off x="2795610" y="2959637"/>
+            <a:ext cx="964454" cy="311103"/>
           </a:xfrm>
           <a:prstGeom prst="line">
             <a:avLst/>
@@ -37908,8 +38143,8 @@
         </p:nvCxnSpPr>
         <p:spPr>
           <a:xfrm flipV="1">
-            <a:off x="2794442" y="2948752"/>
-            <a:ext cx="321875" cy="321988"/>
+            <a:off x="2795610" y="2948752"/>
+            <a:ext cx="320707" cy="321988"/>
           </a:xfrm>
           <a:prstGeom prst="line">
             <a:avLst/>
@@ -37945,7 +38180,7 @@
         <p:spPr>
           <a:xfrm flipH="1" flipV="1">
             <a:off x="2483571" y="2937865"/>
-            <a:ext cx="310871" cy="332875"/>
+            <a:ext cx="312039" cy="332875"/>
           </a:xfrm>
           <a:prstGeom prst="line">
             <a:avLst/>
@@ -37989,7 +38224,9 @@
           <a:noFill/>
           <a:ln w="12700" cap="flat" cmpd="sng" algn="ctr">
             <a:solidFill>
-              <a:srgbClr val="ED7D31"/>
+              <a:schemeClr val="bg1">
+                <a:lumMod val="50000"/>
+              </a:schemeClr>
             </a:solidFill>
             <a:prstDash val="sysDot"/>
             <a:miter lim="800000"/>
@@ -38022,8 +38259,8 @@
         </p:nvCxnSpPr>
         <p:spPr>
           <a:xfrm flipH="1">
-            <a:off x="2477039" y="1720843"/>
-            <a:ext cx="950279" cy="620257"/>
+            <a:off x="2476088" y="1720843"/>
+            <a:ext cx="951230" cy="625864"/>
           </a:xfrm>
           <a:prstGeom prst="straightConnector1">
             <a:avLst/>
@@ -38031,7 +38268,9 @@
           <a:noFill/>
           <a:ln w="12700" cap="flat" cmpd="sng" algn="ctr">
             <a:solidFill>
-              <a:srgbClr val="ED7D31"/>
+              <a:schemeClr val="bg1">
+                <a:lumMod val="50000"/>
+              </a:schemeClr>
             </a:solidFill>
             <a:prstDash val="sysDot"/>
             <a:miter lim="800000"/>
@@ -38064,8 +38303,8 @@
         </p:nvCxnSpPr>
         <p:spPr>
           <a:xfrm flipH="1">
-            <a:off x="2794442" y="1720843"/>
-            <a:ext cx="632876" cy="1549897"/>
+            <a:off x="2795610" y="1720843"/>
+            <a:ext cx="631708" cy="1549897"/>
           </a:xfrm>
           <a:prstGeom prst="straightConnector1">
             <a:avLst/>
@@ -38073,7 +38312,9 @@
           <a:noFill/>
           <a:ln w="12700" cap="flat" cmpd="sng" algn="ctr">
             <a:solidFill>
-              <a:srgbClr val="ED7D31"/>
+              <a:schemeClr val="bg1">
+                <a:lumMod val="50000"/>
+              </a:schemeClr>
             </a:solidFill>
             <a:prstDash val="sysDot"/>
             <a:miter lim="800000"/>
@@ -38107,7 +38348,7 @@
         <p:spPr>
           <a:xfrm flipH="1" flipV="1">
             <a:off x="2476009" y="2189389"/>
-            <a:ext cx="1030" cy="151711"/>
+            <a:ext cx="79" cy="157318"/>
           </a:xfrm>
           <a:prstGeom prst="line">
             <a:avLst/>
@@ -38179,7 +38420,7 @@
         <p:spPr>
           <a:xfrm flipH="1" flipV="1">
             <a:off x="4382244" y="2200474"/>
-            <a:ext cx="2316" cy="140627"/>
+            <a:ext cx="8847" cy="140626"/>
           </a:xfrm>
           <a:prstGeom prst="line">
             <a:avLst/>
@@ -38187,9 +38428,10 @@
           <a:noFill/>
           <a:ln w="19050" cap="flat" cmpd="sng" algn="ctr">
             <a:solidFill>
-              <a:srgbClr val="000000">
+              <a:schemeClr val="tx1">
+                <a:lumMod val="50000"/>
                 <a:alpha val="50000"/>
-              </a:srgbClr>
+              </a:schemeClr>
             </a:solidFill>
             <a:prstDash val="solid"/>
           </a:ln>
@@ -38215,7 +38457,7 @@
         <p:spPr>
           <a:xfrm>
             <a:off x="3427318" y="1720843"/>
-            <a:ext cx="484805" cy="1552074"/>
+            <a:ext cx="485158" cy="1552074"/>
           </a:xfrm>
           <a:prstGeom prst="straightConnector1">
             <a:avLst/>
@@ -38223,7 +38465,9 @@
           <a:noFill/>
           <a:ln w="12700" cap="flat" cmpd="sng" algn="ctr">
             <a:solidFill>
-              <a:srgbClr val="ED7D31"/>
+              <a:schemeClr val="bg1">
+                <a:lumMod val="50000"/>
+              </a:schemeClr>
             </a:solidFill>
             <a:prstDash val="sysDot"/>
             <a:miter lim="800000"/>
@@ -38258,12 +38502,19 @@
           <a:prstGeom prst="roundRect">
             <a:avLst/>
           </a:prstGeom>
-          <a:solidFill>
-            <a:srgbClr val="C2D6EC"/>
-          </a:solidFill>
+          <a:pattFill prst="pct75">
+            <a:fgClr>
+              <a:srgbClr val="C2D6EC"/>
+            </a:fgClr>
+            <a:bgClr>
+              <a:schemeClr val="bg1"/>
+            </a:bgClr>
+          </a:pattFill>
           <a:ln>
             <a:solidFill>
-              <a:srgbClr val="6A99D0"/>
+              <a:schemeClr val="bg1">
+                <a:lumMod val="50000"/>
+              </a:schemeClr>
             </a:solidFill>
           </a:ln>
         </p:spPr>
@@ -38334,13 +38585,21 @@
           <a:prstGeom prst="roundRect">
             <a:avLst/>
           </a:prstGeom>
-          <a:solidFill>
-            <a:schemeClr val="accent2">
-              <a:lumMod val="40000"/>
-              <a:lumOff val="60000"/>
-            </a:schemeClr>
-          </a:solidFill>
-          <a:ln/>
+          <a:pattFill prst="smCheck">
+            <a:fgClr>
+              <a:srgbClr val="C2D6EC"/>
+            </a:fgClr>
+            <a:bgClr>
+              <a:schemeClr val="bg1"/>
+            </a:bgClr>
+          </a:pattFill>
+          <a:ln>
+            <a:solidFill>
+              <a:schemeClr val="bg1">
+                <a:lumMod val="50000"/>
+              </a:schemeClr>
+            </a:solidFill>
+          </a:ln>
         </p:spPr>
         <p:style>
           <a:lnRef idx="2">
@@ -38552,7 +38811,9 @@
           </a:prstGeom>
           <a:ln>
             <a:solidFill>
-              <a:schemeClr val="accent2"/>
+              <a:schemeClr val="bg1">
+                <a:lumMod val="50000"/>
+              </a:schemeClr>
             </a:solidFill>
             <a:prstDash val="sysDot"/>
             <a:tailEnd type="triangle"/>
@@ -38599,7 +38860,9 @@
           </a:prstGeom>
           <a:ln>
             <a:solidFill>
-              <a:schemeClr val="accent2"/>
+              <a:schemeClr val="bg1">
+                <a:lumMod val="50000"/>
+              </a:schemeClr>
             </a:solidFill>
             <a:prstDash val="sysDot"/>
             <a:tailEnd type="triangle"/>
@@ -39298,14 +39561,13 @@
                 <a:avLst/>
               </a:prstGeom>
               <a:solidFill>
-                <a:schemeClr val="accent6">
-                  <a:lumMod val="40000"/>
-                  <a:lumOff val="60000"/>
-                </a:schemeClr>
+                <a:srgbClr val="C2D6EC"/>
               </a:solidFill>
               <a:ln>
                 <a:solidFill>
-                  <a:srgbClr val="F99149"/>
+                  <a:schemeClr val="bg1">
+                    <a:lumMod val="50000"/>
+                  </a:schemeClr>
                 </a:solidFill>
               </a:ln>
             </p:spPr>
@@ -39422,10 +39684,7 @@
                     <a:avLst/>
                   </a:prstGeom>
                   <a:solidFill>
-                    <a:schemeClr val="accent6">
-                      <a:lumMod val="40000"/>
-                      <a:lumOff val="60000"/>
-                    </a:schemeClr>
+                    <a:srgbClr val="C2D6EC"/>
                   </a:solidFill>
                   <a:ln>
                     <a:noFill/>
@@ -39575,10 +39834,7 @@
                     <a:avLst/>
                   </a:prstGeom>
                   <a:solidFill>
-                    <a:schemeClr val="accent6">
-                      <a:lumMod val="40000"/>
-                      <a:lumOff val="60000"/>
-                    </a:schemeClr>
+                    <a:srgbClr val="C2D6EC"/>
                   </a:solidFill>
                   <a:ln>
                     <a:noFill/>
@@ -39728,10 +39984,7 @@
                     <a:avLst/>
                   </a:prstGeom>
                   <a:solidFill>
-                    <a:schemeClr val="accent6">
-                      <a:lumMod val="40000"/>
-                      <a:lumOff val="60000"/>
-                    </a:schemeClr>
+                    <a:srgbClr val="C2D6EC"/>
                   </a:solidFill>
                   <a:ln>
                     <a:noFill/>
@@ -39881,10 +40134,7 @@
                     <a:avLst/>
                   </a:prstGeom>
                   <a:solidFill>
-                    <a:schemeClr val="accent6">
-                      <a:lumMod val="40000"/>
-                      <a:lumOff val="60000"/>
-                    </a:schemeClr>
+                    <a:srgbClr val="C2D6EC"/>
                   </a:solidFill>
                   <a:ln>
                     <a:noFill/>
@@ -40034,10 +40284,7 @@
                     <a:avLst/>
                   </a:prstGeom>
                   <a:solidFill>
-                    <a:schemeClr val="accent6">
-                      <a:lumMod val="40000"/>
-                      <a:lumOff val="60000"/>
-                    </a:schemeClr>
+                    <a:srgbClr val="C2D6EC"/>
                   </a:solidFill>
                   <a:ln>
                     <a:noFill/>
@@ -40255,10 +40502,7 @@
                     <a:avLst/>
                   </a:prstGeom>
                   <a:solidFill>
-                    <a:schemeClr val="accent6">
-                      <a:lumMod val="40000"/>
-                      <a:lumOff val="60000"/>
-                    </a:schemeClr>
+                    <a:srgbClr val="C2D6EC"/>
                   </a:solidFill>
                   <a:ln>
                     <a:noFill/>
@@ -40586,12 +40830,19 @@
               <a:prstGeom prst="roundRect">
                 <a:avLst/>
               </a:prstGeom>
-              <a:solidFill>
-                <a:srgbClr val="C2D6EC"/>
-              </a:solidFill>
+              <a:pattFill prst="pct80">
+                <a:fgClr>
+                  <a:srgbClr val="C2D6EC"/>
+                </a:fgClr>
+                <a:bgClr>
+                  <a:schemeClr val="bg1"/>
+                </a:bgClr>
+              </a:pattFill>
               <a:ln>
                 <a:solidFill>
-                  <a:srgbClr val="6A99D0"/>
+                  <a:schemeClr val="bg1">
+                    <a:lumMod val="50000"/>
+                  </a:schemeClr>
                 </a:solidFill>
               </a:ln>
             </p:spPr>
@@ -40646,16 +40897,18 @@
               <a:prstGeom prst="roundRect">
                 <a:avLst/>
               </a:prstGeom>
-              <a:solidFill>
-                <a:schemeClr val="accent2">
-                  <a:lumMod val="40000"/>
-                  <a:lumOff val="60000"/>
-                </a:schemeClr>
-              </a:solidFill>
+              <a:pattFill prst="smCheck">
+                <a:fgClr>
+                  <a:srgbClr val="C2D6EC"/>
+                </a:fgClr>
+                <a:bgClr>
+                  <a:schemeClr val="bg1"/>
+                </a:bgClr>
+              </a:pattFill>
               <a:ln>
                 <a:solidFill>
-                  <a:schemeClr val="accent2">
-                    <a:lumMod val="75000"/>
+                  <a:schemeClr val="bg1">
+                    <a:lumMod val="50000"/>
                   </a:schemeClr>
                 </a:solidFill>
               </a:ln>
@@ -40861,12 +41114,19 @@
           <a:prstGeom prst="roundRect">
             <a:avLst/>
           </a:prstGeom>
-          <a:solidFill>
-            <a:srgbClr val="C2D6EC"/>
-          </a:solidFill>
+          <a:pattFill prst="pct80">
+            <a:fgClr>
+              <a:srgbClr val="C2D6EC"/>
+            </a:fgClr>
+            <a:bgClr>
+              <a:schemeClr val="bg1"/>
+            </a:bgClr>
+          </a:pattFill>
           <a:ln>
             <a:solidFill>
-              <a:srgbClr val="4472C4"/>
+              <a:schemeClr val="bg1">
+                <a:lumMod val="50000"/>
+              </a:schemeClr>
             </a:solidFill>
           </a:ln>
         </p:spPr>
@@ -40937,12 +41197,19 @@
           <a:prstGeom prst="roundRect">
             <a:avLst/>
           </a:prstGeom>
-          <a:solidFill>
-            <a:srgbClr val="C2D6EC"/>
-          </a:solidFill>
+          <a:pattFill prst="pct80">
+            <a:fgClr>
+              <a:srgbClr val="C2D6EC"/>
+            </a:fgClr>
+            <a:bgClr>
+              <a:schemeClr val="bg1"/>
+            </a:bgClr>
+          </a:pattFill>
           <a:ln>
             <a:solidFill>
-              <a:srgbClr val="4472C4"/>
+              <a:schemeClr val="bg1">
+                <a:lumMod val="50000"/>
+              </a:schemeClr>
             </a:solidFill>
           </a:ln>
         </p:spPr>
@@ -41013,12 +41280,19 @@
           <a:prstGeom prst="roundRect">
             <a:avLst/>
           </a:prstGeom>
-          <a:solidFill>
-            <a:srgbClr val="C2D6EC"/>
-          </a:solidFill>
+          <a:pattFill prst="pct80">
+            <a:fgClr>
+              <a:srgbClr val="C2D6EC"/>
+            </a:fgClr>
+            <a:bgClr>
+              <a:schemeClr val="bg1"/>
+            </a:bgClr>
+          </a:pattFill>
           <a:ln>
             <a:solidFill>
-              <a:srgbClr val="4472C4"/>
+              <a:schemeClr val="bg1">
+                <a:lumMod val="50000"/>
+              </a:schemeClr>
             </a:solidFill>
           </a:ln>
         </p:spPr>
@@ -41542,12 +41816,19 @@
           <a:prstGeom prst="roundRect">
             <a:avLst/>
           </a:prstGeom>
-          <a:solidFill>
-            <a:srgbClr val="C2D6EC"/>
-          </a:solidFill>
+          <a:pattFill prst="pct80">
+            <a:fgClr>
+              <a:srgbClr val="C2D6EC"/>
+            </a:fgClr>
+            <a:bgClr>
+              <a:schemeClr val="bg1"/>
+            </a:bgClr>
+          </a:pattFill>
           <a:ln>
             <a:solidFill>
-              <a:srgbClr val="6A99D0"/>
+              <a:schemeClr val="bg1">
+                <a:lumMod val="50000"/>
+              </a:schemeClr>
             </a:solidFill>
           </a:ln>
         </p:spPr>
@@ -41621,12 +41902,19 @@
           <a:prstGeom prst="roundRect">
             <a:avLst/>
           </a:prstGeom>
-          <a:solidFill>
-            <a:srgbClr val="C2D6EC"/>
-          </a:solidFill>
+          <a:pattFill prst="pct80">
+            <a:fgClr>
+              <a:srgbClr val="C2D6EC"/>
+            </a:fgClr>
+            <a:bgClr>
+              <a:schemeClr val="bg1"/>
+            </a:bgClr>
+          </a:pattFill>
           <a:ln>
             <a:solidFill>
-              <a:srgbClr val="6A99D0"/>
+              <a:schemeClr val="bg1">
+                <a:lumMod val="50000"/>
+              </a:schemeClr>
             </a:solidFill>
           </a:ln>
         </p:spPr>
@@ -41700,12 +41988,19 @@
           <a:prstGeom prst="roundRect">
             <a:avLst/>
           </a:prstGeom>
-          <a:solidFill>
-            <a:srgbClr val="C2D6EC"/>
-          </a:solidFill>
+          <a:pattFill prst="pct80">
+            <a:fgClr>
+              <a:srgbClr val="C2D6EC"/>
+            </a:fgClr>
+            <a:bgClr>
+              <a:schemeClr val="bg1"/>
+            </a:bgClr>
+          </a:pattFill>
           <a:ln>
             <a:solidFill>
-              <a:srgbClr val="6A99D0"/>
+              <a:schemeClr val="bg1">
+                <a:lumMod val="50000"/>
+              </a:schemeClr>
             </a:solidFill>
           </a:ln>
         </p:spPr>
@@ -42818,14 +43113,13 @@
                 <a:avLst/>
               </a:prstGeom>
               <a:solidFill>
-                <a:schemeClr val="accent6">
-                  <a:lumMod val="40000"/>
-                  <a:lumOff val="60000"/>
-                </a:schemeClr>
+                <a:srgbClr val="C2D6EC"/>
               </a:solidFill>
               <a:ln>
                 <a:solidFill>
-                  <a:srgbClr val="F99149"/>
+                  <a:schemeClr val="bg1">
+                    <a:lumMod val="50000"/>
+                  </a:schemeClr>
                 </a:solidFill>
               </a:ln>
             </p:spPr>
@@ -42942,10 +43236,7 @@
                     <a:avLst/>
                   </a:prstGeom>
                   <a:solidFill>
-                    <a:schemeClr val="accent6">
-                      <a:lumMod val="40000"/>
-                      <a:lumOff val="60000"/>
-                    </a:schemeClr>
+                    <a:srgbClr val="C2D6EC"/>
                   </a:solidFill>
                   <a:ln>
                     <a:noFill/>
@@ -43095,10 +43386,7 @@
                     <a:avLst/>
                   </a:prstGeom>
                   <a:solidFill>
-                    <a:schemeClr val="accent6">
-                      <a:lumMod val="40000"/>
-                      <a:lumOff val="60000"/>
-                    </a:schemeClr>
+                    <a:srgbClr val="C2D6EC"/>
                   </a:solidFill>
                   <a:ln>
                     <a:noFill/>
@@ -43248,10 +43536,7 @@
                     <a:avLst/>
                   </a:prstGeom>
                   <a:solidFill>
-                    <a:schemeClr val="accent6">
-                      <a:lumMod val="40000"/>
-                      <a:lumOff val="60000"/>
-                    </a:schemeClr>
+                    <a:srgbClr val="C2D6EC"/>
                   </a:solidFill>
                   <a:ln>
                     <a:noFill/>
@@ -43401,10 +43686,7 @@
                     <a:avLst/>
                   </a:prstGeom>
                   <a:solidFill>
-                    <a:schemeClr val="accent6">
-                      <a:lumMod val="40000"/>
-                      <a:lumOff val="60000"/>
-                    </a:schemeClr>
+                    <a:srgbClr val="C2D6EC"/>
                   </a:solidFill>
                   <a:ln>
                     <a:noFill/>
@@ -43554,10 +43836,7 @@
                     <a:avLst/>
                   </a:prstGeom>
                   <a:solidFill>
-                    <a:schemeClr val="accent6">
-                      <a:lumMod val="40000"/>
-                      <a:lumOff val="60000"/>
-                    </a:schemeClr>
+                    <a:srgbClr val="C2D6EC"/>
                   </a:solidFill>
                   <a:ln>
                     <a:noFill/>
@@ -43775,10 +44054,7 @@
                     <a:avLst/>
                   </a:prstGeom>
                   <a:solidFill>
-                    <a:schemeClr val="accent6">
-                      <a:lumMod val="40000"/>
-                      <a:lumOff val="60000"/>
-                    </a:schemeClr>
+                    <a:srgbClr val="C2D6EC"/>
                   </a:solidFill>
                   <a:ln>
                     <a:noFill/>
@@ -44104,12 +44380,19 @@
               <a:prstGeom prst="roundRect">
                 <a:avLst/>
               </a:prstGeom>
-              <a:solidFill>
-                <a:srgbClr val="C2D6EC"/>
-              </a:solidFill>
+              <a:pattFill prst="pct80">
+                <a:fgClr>
+                  <a:srgbClr val="C2D6EC"/>
+                </a:fgClr>
+                <a:bgClr>
+                  <a:schemeClr val="bg1"/>
+                </a:bgClr>
+              </a:pattFill>
               <a:ln>
                 <a:solidFill>
-                  <a:srgbClr val="6A99D0"/>
+                  <a:schemeClr val="bg1">
+                    <a:lumMod val="50000"/>
+                  </a:schemeClr>
                 </a:solidFill>
               </a:ln>
             </p:spPr>
@@ -44164,15 +44447,19 @@
               <a:prstGeom prst="roundRect">
                 <a:avLst/>
               </a:prstGeom>
-              <a:solidFill>
-                <a:schemeClr val="accent2">
-                  <a:lumMod val="40000"/>
-                  <a:lumOff val="60000"/>
-                </a:schemeClr>
-              </a:solidFill>
+              <a:pattFill prst="smCheck">
+                <a:fgClr>
+                  <a:srgbClr val="C2D6EC"/>
+                </a:fgClr>
+                <a:bgClr>
+                  <a:schemeClr val="bg1"/>
+                </a:bgClr>
+              </a:pattFill>
               <a:ln>
                 <a:solidFill>
-                  <a:srgbClr val="C00000"/>
+                  <a:schemeClr val="bg1">
+                    <a:lumMod val="50000"/>
+                  </a:schemeClr>
                 </a:solidFill>
               </a:ln>
             </p:spPr>
@@ -46133,14 +46420,13 @@
             <a:avLst/>
           </a:prstGeom>
           <a:solidFill>
-            <a:schemeClr val="accent6">
-              <a:lumMod val="40000"/>
-              <a:lumOff val="60000"/>
-            </a:schemeClr>
+            <a:srgbClr val="C2D6EC"/>
           </a:solidFill>
           <a:ln>
             <a:solidFill>
-              <a:srgbClr val="F99149"/>
+              <a:schemeClr val="bg1">
+                <a:lumMod val="50000"/>
+              </a:schemeClr>
             </a:solidFill>
           </a:ln>
         </p:spPr>
@@ -46200,7 +46486,16 @@
               <a:gd name="adj" fmla="val 22527"/>
             </a:avLst>
           </a:prstGeom>
-          <a:ln/>
+          <a:solidFill>
+            <a:srgbClr val="C2D6EC"/>
+          </a:solidFill>
+          <a:ln>
+            <a:solidFill>
+              <a:schemeClr val="bg1">
+                <a:lumMod val="50000"/>
+              </a:schemeClr>
+            </a:solidFill>
+          </a:ln>
         </p:spPr>
         <p:style>
           <a:lnRef idx="1">
@@ -46269,12 +46564,19 @@
           <a:prstGeom prst="roundRect">
             <a:avLst/>
           </a:prstGeom>
-          <a:solidFill>
-            <a:srgbClr val="C2D6EC"/>
-          </a:solidFill>
+          <a:pattFill prst="pct80">
+            <a:fgClr>
+              <a:srgbClr val="C2D6EC"/>
+            </a:fgClr>
+            <a:bgClr>
+              <a:schemeClr val="bg1"/>
+            </a:bgClr>
+          </a:pattFill>
           <a:ln>
             <a:solidFill>
-              <a:srgbClr val="6A99D0"/>
+              <a:schemeClr val="bg1">
+                <a:lumMod val="50000"/>
+              </a:schemeClr>
             </a:solidFill>
           </a:ln>
         </p:spPr>
@@ -46345,13 +46647,21 @@
           <a:prstGeom prst="roundRect">
             <a:avLst/>
           </a:prstGeom>
-          <a:solidFill>
-            <a:schemeClr val="accent2">
-              <a:lumMod val="40000"/>
-              <a:lumOff val="60000"/>
-            </a:schemeClr>
-          </a:solidFill>
-          <a:ln/>
+          <a:pattFill prst="smCheck">
+            <a:fgClr>
+              <a:srgbClr val="C2D6EC"/>
+            </a:fgClr>
+            <a:bgClr>
+              <a:schemeClr val="bg1"/>
+            </a:bgClr>
+          </a:pattFill>
+          <a:ln>
+            <a:solidFill>
+              <a:schemeClr val="bg1">
+                <a:lumMod val="50000"/>
+              </a:schemeClr>
+            </a:solidFill>
+          </a:ln>
         </p:spPr>
         <p:style>
           <a:lnRef idx="2">
@@ -46407,12 +46717,19 @@
           <a:prstGeom prst="roundRect">
             <a:avLst/>
           </a:prstGeom>
-          <a:solidFill>
-            <a:srgbClr val="C2D6EC"/>
-          </a:solidFill>
+          <a:pattFill prst="pct80">
+            <a:fgClr>
+              <a:srgbClr val="C2D6EC"/>
+            </a:fgClr>
+            <a:bgClr>
+              <a:schemeClr val="bg1"/>
+            </a:bgClr>
+          </a:pattFill>
           <a:ln>
             <a:solidFill>
-              <a:srgbClr val="6A99D0"/>
+              <a:schemeClr val="bg1">
+                <a:lumMod val="50000"/>
+              </a:schemeClr>
             </a:solidFill>
           </a:ln>
         </p:spPr>
@@ -47008,6 +47325,11 @@
             <a:avLst/>
           </a:prstGeom>
           <a:ln>
+            <a:solidFill>
+              <a:schemeClr val="bg1">
+                <a:lumMod val="50000"/>
+              </a:schemeClr>
+            </a:solidFill>
             <a:prstDash val="sysDot"/>
             <a:tailEnd type="triangle"/>
           </a:ln>

--- a/figures.pptx
+++ b/figures.pptx
@@ -15221,9 +15221,7 @@
             <a:r>
               <a:rPr lang="en-US" sz="1200" dirty="0">
                 <a:solidFill>
-                  <a:schemeClr val="tx1">
-                    <a:lumMod val="50000"/>
-                  </a:schemeClr>
+                  <a:schemeClr val="bg2"/>
                 </a:solidFill>
                 <a:latin typeface="Calibri" charset="0"/>
                 <a:ea typeface="Calibri" charset="0"/>
@@ -15539,6 +15537,9 @@
               <a:avLst/>
             </a:prstGeom>
             <a:ln>
+              <a:solidFill>
+                <a:srgbClr val="007DCC"/>
+              </a:solidFill>
               <a:tailEnd type="triangle"/>
             </a:ln>
           </p:spPr>
@@ -17873,9 +17874,7 @@
             <a:r>
               <a:rPr lang="en-US" sz="1200" dirty="0">
                 <a:solidFill>
-                  <a:schemeClr val="tx1">
-                    <a:lumMod val="50000"/>
-                  </a:schemeClr>
+                  <a:schemeClr val="bg2"/>
                 </a:solidFill>
                 <a:latin typeface="Calibri" charset="0"/>
                 <a:ea typeface="Calibri" charset="0"/>
